--- a/2_Tutorial/Part III - Tutorial.pptx
+++ b/2_Tutorial/Part III - Tutorial.pptx
@@ -5,7 +5,7 @@
     <p:sldMasterId id="2147483726" r:id="rId1"/>
   </p:sldMasterIdLst>
   <p:notesMasterIdLst>
-    <p:notesMasterId r:id="rId21"/>
+    <p:notesMasterId r:id="rId22"/>
   </p:notesMasterIdLst>
   <p:sldIdLst>
     <p:sldId id="346" r:id="rId2"/>
@@ -24,9 +24,10 @@
     <p:sldId id="601" r:id="rId15"/>
     <p:sldId id="605" r:id="rId16"/>
     <p:sldId id="594" r:id="rId17"/>
-    <p:sldId id="662" r:id="rId18"/>
-    <p:sldId id="630" r:id="rId19"/>
-    <p:sldId id="629" r:id="rId20"/>
+    <p:sldId id="629" r:id="rId18"/>
+    <p:sldId id="662" r:id="rId19"/>
+    <p:sldId id="663" r:id="rId20"/>
+    <p:sldId id="630" r:id="rId21"/>
   </p:sldIdLst>
   <p:sldSz cx="12192000" cy="6858000"/>
   <p:notesSz cx="6858000" cy="9144000"/>
@@ -136,9 +137,7 @@
 <file path=ppt/revisionInfo.xml><?xml version="1.0" encoding="utf-8"?>
 <p1510:revInfo xmlns:a="http://schemas.openxmlformats.org/drawingml/2006/main" xmlns:r="http://schemas.openxmlformats.org/officeDocument/2006/relationships" xmlns:p1510="http://schemas.microsoft.com/office/powerpoint/2015/10/main">
   <p1510:revLst>
-    <p1510:client id="{3E4048E3-619F-79B8-DFAB-4D8E264345BB}" v="7" dt="2024-09-18T10:38:01.466"/>
-    <p1510:client id="{5C923A5F-9784-4AA6-B75E-015B12594196}" v="8" dt="2024-09-18T07:49:29.204"/>
-    <p1510:client id="{6BFBBF77-9932-0F85-5661-BA52E3FAE0AC}" v="46" dt="2024-09-18T08:30:59.881"/>
+    <p1510:client id="{E9D0067C-498F-4541-B9C7-5E6A919B1BEC}" v="1" dt="2024-09-26T16:21:21.870"/>
   </p1510:revLst>
 </p1510:revInfo>
 </file>
@@ -146,41 +145,197 @@
 <file path=ppt/changesInfos/changesInfo1.xml><?xml version="1.0" encoding="utf-8"?>
 <pc:chgInfo xmlns:a="http://schemas.openxmlformats.org/drawingml/2006/main" xmlns:r="http://schemas.openxmlformats.org/officeDocument/2006/relationships" xmlns:ac="http://schemas.microsoft.com/office/drawing/2013/main/command" xmlns:pc="http://schemas.microsoft.com/office/powerpoint/2013/main/command">
   <pc:docChgLst>
-    <pc:chgData name="Nikola Sekulovski" userId="S::n.sekulovski@uva.nl::2345901e-73d2-462d-8b82-8af2d9a2a087" providerId="AD" clId="Web-{6BFBBF77-9932-0F85-5661-BA52E3FAE0AC}"/>
-    <pc:docChg chg="modSld">
-      <pc:chgData name="Nikola Sekulovski" userId="S::n.sekulovski@uva.nl::2345901e-73d2-462d-8b82-8af2d9a2a087" providerId="AD" clId="Web-{6BFBBF77-9932-0F85-5661-BA52E3FAE0AC}" dt="2024-09-18T08:30:58.381" v="24" actId="20577"/>
+    <pc:chgData name="Nikola Sekulovski" userId="2345901e-73d2-462d-8b82-8af2d9a2a087" providerId="ADAL" clId="{71279A99-98ED-44FF-9DB4-6C773ED29B17}"/>
+    <pc:docChg chg="undo custSel modSld sldOrd">
+      <pc:chgData name="Nikola Sekulovski" userId="2345901e-73d2-462d-8b82-8af2d9a2a087" providerId="ADAL" clId="{71279A99-98ED-44FF-9DB4-6C773ED29B17}" dt="2024-09-16T11:43:51.921" v="87"/>
       <pc:docMkLst>
         <pc:docMk/>
       </pc:docMkLst>
-      <pc:sldChg chg="modSp">
-        <pc:chgData name="Nikola Sekulovski" userId="S::n.sekulovski@uva.nl::2345901e-73d2-462d-8b82-8af2d9a2a087" providerId="AD" clId="Web-{6BFBBF77-9932-0F85-5661-BA52E3FAE0AC}" dt="2024-09-18T08:20:50.238" v="23" actId="20577"/>
+      <pc:sldChg chg="addSp delSp modSp mod">
+        <pc:chgData name="Nikola Sekulovski" userId="2345901e-73d2-462d-8b82-8af2d9a2a087" providerId="ADAL" clId="{71279A99-98ED-44FF-9DB4-6C773ED29B17}" dt="2024-09-16T11:41:18.411" v="48" actId="1076"/>
         <pc:sldMkLst>
           <pc:docMk/>
-          <pc:sldMk cId="1131232699" sldId="346"/>
+          <pc:sldMk cId="3501034909" sldId="293"/>
+        </pc:sldMkLst>
+        <pc:spChg chg="add del">
+          <ac:chgData name="Nikola Sekulovski" userId="2345901e-73d2-462d-8b82-8af2d9a2a087" providerId="ADAL" clId="{71279A99-98ED-44FF-9DB4-6C773ED29B17}" dt="2024-09-16T11:38:44.497" v="11" actId="22"/>
+          <ac:spMkLst>
+            <pc:docMk/>
+            <pc:sldMk cId="3501034909" sldId="293"/>
+            <ac:spMk id="3" creationId="{4EF4EACC-8DA9-E2D1-975C-499F0D91EB5A}"/>
+          </ac:spMkLst>
+        </pc:spChg>
+        <pc:spChg chg="del">
+          <ac:chgData name="Nikola Sekulovski" userId="2345901e-73d2-462d-8b82-8af2d9a2a087" providerId="ADAL" clId="{71279A99-98ED-44FF-9DB4-6C773ED29B17}" dt="2024-09-16T11:36:58.907" v="3" actId="21"/>
+          <ac:spMkLst>
+            <pc:docMk/>
+            <pc:sldMk cId="3501034909" sldId="293"/>
+            <ac:spMk id="5" creationId="{930A2F51-60C4-DA41-B95E-49F3CC2CFC1E}"/>
+          </ac:spMkLst>
+        </pc:spChg>
+        <pc:spChg chg="add del mod">
+          <ac:chgData name="Nikola Sekulovski" userId="2345901e-73d2-462d-8b82-8af2d9a2a087" providerId="ADAL" clId="{71279A99-98ED-44FF-9DB4-6C773ED29B17}" dt="2024-09-16T11:41:13.374" v="46" actId="21"/>
+          <ac:spMkLst>
+            <pc:docMk/>
+            <pc:sldMk cId="3501034909" sldId="293"/>
+            <ac:spMk id="6" creationId="{AB4DB16C-EA33-1761-0133-7728AA2FD4A5}"/>
+          </ac:spMkLst>
+        </pc:spChg>
+        <pc:spChg chg="mod">
+          <ac:chgData name="Nikola Sekulovski" userId="2345901e-73d2-462d-8b82-8af2d9a2a087" providerId="ADAL" clId="{71279A99-98ED-44FF-9DB4-6C773ED29B17}" dt="2024-09-16T11:37:03.477" v="4" actId="20577"/>
+          <ac:spMkLst>
+            <pc:docMk/>
+            <pc:sldMk cId="3501034909" sldId="293"/>
+            <ac:spMk id="7" creationId="{EA29F227-3810-4945-BD9F-54E29C8A97C2}"/>
+          </ac:spMkLst>
+        </pc:spChg>
+        <pc:spChg chg="mod">
+          <ac:chgData name="Nikola Sekulovski" userId="2345901e-73d2-462d-8b82-8af2d9a2a087" providerId="ADAL" clId="{71279A99-98ED-44FF-9DB4-6C773ED29B17}" dt="2024-09-16T11:40:42.495" v="40" actId="1076"/>
+          <ac:spMkLst>
+            <pc:docMk/>
+            <pc:sldMk cId="3501034909" sldId="293"/>
+            <ac:spMk id="9" creationId="{9DBB3712-925F-7541-A2BA-3667F2CB2885}"/>
+          </ac:spMkLst>
+        </pc:spChg>
+        <pc:spChg chg="mod">
+          <ac:chgData name="Nikola Sekulovski" userId="2345901e-73d2-462d-8b82-8af2d9a2a087" providerId="ADAL" clId="{71279A99-98ED-44FF-9DB4-6C773ED29B17}" dt="2024-09-16T11:39:21.652" v="23" actId="1076"/>
+          <ac:spMkLst>
+            <pc:docMk/>
+            <pc:sldMk cId="3501034909" sldId="293"/>
+            <ac:spMk id="10" creationId="{25135258-86AA-DD4B-94B3-F565A335C42A}"/>
+          </ac:spMkLst>
+        </pc:spChg>
+        <pc:spChg chg="mod">
+          <ac:chgData name="Nikola Sekulovski" userId="2345901e-73d2-462d-8b82-8af2d9a2a087" providerId="ADAL" clId="{71279A99-98ED-44FF-9DB4-6C773ED29B17}" dt="2024-09-16T11:39:40.979" v="30" actId="1076"/>
+          <ac:spMkLst>
+            <pc:docMk/>
+            <pc:sldMk cId="3501034909" sldId="293"/>
+            <ac:spMk id="11" creationId="{2A82E7EC-5634-5C4D-A428-6797F1086FBC}"/>
+          </ac:spMkLst>
+        </pc:spChg>
+        <pc:picChg chg="del">
+          <ac:chgData name="Nikola Sekulovski" userId="2345901e-73d2-462d-8b82-8af2d9a2a087" providerId="ADAL" clId="{71279A99-98ED-44FF-9DB4-6C773ED29B17}" dt="2024-09-16T11:37:08.897" v="6" actId="21"/>
+          <ac:picMkLst>
+            <pc:docMk/>
+            <pc:sldMk cId="3501034909" sldId="293"/>
+            <ac:picMk id="17" creationId="{03FAA240-8827-4947-BE1B-FEF70BF7D287}"/>
+          </ac:picMkLst>
+        </pc:picChg>
+        <pc:picChg chg="del">
+          <ac:chgData name="Nikola Sekulovski" userId="2345901e-73d2-462d-8b82-8af2d9a2a087" providerId="ADAL" clId="{71279A99-98ED-44FF-9DB4-6C773ED29B17}" dt="2024-09-16T11:37:05.579" v="5" actId="21"/>
+          <ac:picMkLst>
+            <pc:docMk/>
+            <pc:sldMk cId="3501034909" sldId="293"/>
+            <ac:picMk id="19" creationId="{46A5BAB7-DB81-A94B-A8D5-5F24B8132573}"/>
+          </ac:picMkLst>
+        </pc:picChg>
+        <pc:picChg chg="mod">
+          <ac:chgData name="Nikola Sekulovski" userId="2345901e-73d2-462d-8b82-8af2d9a2a087" providerId="ADAL" clId="{71279A99-98ED-44FF-9DB4-6C773ED29B17}" dt="2024-09-16T11:41:18.411" v="48" actId="1076"/>
+          <ac:picMkLst>
+            <pc:docMk/>
+            <pc:sldMk cId="3501034909" sldId="293"/>
+            <ac:picMk id="20" creationId="{17CB6D78-6AB5-6140-A04C-491D0F7B635C}"/>
+          </ac:picMkLst>
+        </pc:picChg>
+        <pc:picChg chg="add mod">
+          <ac:chgData name="Nikola Sekulovski" userId="2345901e-73d2-462d-8b82-8af2d9a2a087" providerId="ADAL" clId="{71279A99-98ED-44FF-9DB4-6C773ED29B17}" dt="2024-09-16T11:41:15.014" v="47" actId="1076"/>
+          <ac:picMkLst>
+            <pc:docMk/>
+            <pc:sldMk cId="3501034909" sldId="293"/>
+            <ac:picMk id="1026" creationId="{09113EF3-99F3-E64A-F954-772A4A9F8A74}"/>
+          </ac:picMkLst>
+        </pc:picChg>
+        <pc:cxnChg chg="mod">
+          <ac:chgData name="Nikola Sekulovski" userId="2345901e-73d2-462d-8b82-8af2d9a2a087" providerId="ADAL" clId="{71279A99-98ED-44FF-9DB4-6C773ED29B17}" dt="2024-09-16T11:39:26.727" v="24" actId="1076"/>
+          <ac:cxnSpMkLst>
+            <pc:docMk/>
+            <pc:sldMk cId="3501034909" sldId="293"/>
+            <ac:cxnSpMk id="12" creationId="{B869CFE4-76EB-2348-B9B3-0B5CC838ACF1}"/>
+          </ac:cxnSpMkLst>
+        </pc:cxnChg>
+      </pc:sldChg>
+      <pc:sldChg chg="addSp delSp modSp">
+        <pc:chgData name="Nikola Sekulovski" userId="2345901e-73d2-462d-8b82-8af2d9a2a087" providerId="ADAL" clId="{71279A99-98ED-44FF-9DB4-6C773ED29B17}" dt="2024-09-16T11:43:15.383" v="83" actId="1076"/>
+        <pc:sldMkLst>
+          <pc:docMk/>
+          <pc:sldMk cId="3116476232" sldId="594"/>
+        </pc:sldMkLst>
+        <pc:picChg chg="add mod">
+          <ac:chgData name="Nikola Sekulovski" userId="2345901e-73d2-462d-8b82-8af2d9a2a087" providerId="ADAL" clId="{71279A99-98ED-44FF-9DB4-6C773ED29B17}" dt="2024-09-16T11:43:05.735" v="81" actId="1076"/>
+          <ac:picMkLst>
+            <pc:docMk/>
+            <pc:sldMk cId="3116476232" sldId="594"/>
+            <ac:picMk id="2050" creationId="{258739DC-43E7-C767-5E27-1BAD4753FB25}"/>
+          </ac:picMkLst>
+        </pc:picChg>
+        <pc:picChg chg="mod">
+          <ac:chgData name="Nikola Sekulovski" userId="2345901e-73d2-462d-8b82-8af2d9a2a087" providerId="ADAL" clId="{71279A99-98ED-44FF-9DB4-6C773ED29B17}" dt="2024-09-16T11:43:15.383" v="83" actId="1076"/>
+          <ac:picMkLst>
+            <pc:docMk/>
+            <pc:sldMk cId="3116476232" sldId="594"/>
+            <ac:picMk id="3074" creationId="{691243D8-648D-C541-8502-B78CB40E05DD}"/>
+          </ac:picMkLst>
+        </pc:picChg>
+        <pc:picChg chg="del">
+          <ac:chgData name="Nikola Sekulovski" userId="2345901e-73d2-462d-8b82-8af2d9a2a087" providerId="ADAL" clId="{71279A99-98ED-44FF-9DB4-6C773ED29B17}" dt="2024-09-16T11:42:58.597" v="78" actId="21"/>
+          <ac:picMkLst>
+            <pc:docMk/>
+            <pc:sldMk cId="3116476232" sldId="594"/>
+            <ac:picMk id="5122" creationId="{F01391EE-CE55-F91A-1549-4FFF6BA2EAA3}"/>
+          </ac:picMkLst>
+        </pc:picChg>
+      </pc:sldChg>
+      <pc:sldChg chg="modSp">
+        <pc:chgData name="Nikola Sekulovski" userId="2345901e-73d2-462d-8b82-8af2d9a2a087" providerId="ADAL" clId="{71279A99-98ED-44FF-9DB4-6C773ED29B17}" dt="2024-09-16T11:41:46.668" v="62" actId="20577"/>
+        <pc:sldMkLst>
+          <pc:docMk/>
+          <pc:sldMk cId="1186627447" sldId="597"/>
         </pc:sldMkLst>
         <pc:spChg chg="mod">
-          <ac:chgData name="Nikola Sekulovski" userId="S::n.sekulovski@uva.nl::2345901e-73d2-462d-8b82-8af2d9a2a087" providerId="AD" clId="Web-{6BFBBF77-9932-0F85-5661-BA52E3FAE0AC}" dt="2024-09-18T08:20:50.238" v="23" actId="20577"/>
-          <ac:spMkLst>
-            <pc:docMk/>
-            <pc:sldMk cId="1131232699" sldId="346"/>
-            <ac:spMk id="6" creationId="{A127B32E-17D6-495D-2F9B-41D316BDE8CA}"/>
+          <ac:chgData name="Nikola Sekulovski" userId="2345901e-73d2-462d-8b82-8af2d9a2a087" providerId="ADAL" clId="{71279A99-98ED-44FF-9DB4-6C773ED29B17}" dt="2024-09-16T11:41:46.668" v="62" actId="20577"/>
+          <ac:spMkLst>
+            <pc:docMk/>
+            <pc:sldMk cId="1186627447" sldId="597"/>
+            <ac:spMk id="16" creationId="{061BB5C3-3928-D2EA-5D56-11DDECB41B1E}"/>
           </ac:spMkLst>
         </pc:spChg>
       </pc:sldChg>
-      <pc:sldChg chg="modSp">
-        <pc:chgData name="Nikola Sekulovski" userId="S::n.sekulovski@uva.nl::2345901e-73d2-462d-8b82-8af2d9a2a087" providerId="AD" clId="Web-{6BFBBF77-9932-0F85-5661-BA52E3FAE0AC}" dt="2024-09-18T08:30:58.381" v="24" actId="20577"/>
+      <pc:sldChg chg="modSp mod">
+        <pc:chgData name="Nikola Sekulovski" userId="2345901e-73d2-462d-8b82-8af2d9a2a087" providerId="ADAL" clId="{71279A99-98ED-44FF-9DB4-6C773ED29B17}" dt="2024-09-16T11:42:36.915" v="75" actId="20577"/>
         <pc:sldMkLst>
           <pc:docMk/>
-          <pc:sldMk cId="3936712023" sldId="601"/>
+          <pc:sldMk cId="3071972624" sldId="605"/>
         </pc:sldMkLst>
         <pc:spChg chg="mod">
-          <ac:chgData name="Nikola Sekulovski" userId="S::n.sekulovski@uva.nl::2345901e-73d2-462d-8b82-8af2d9a2a087" providerId="AD" clId="Web-{6BFBBF77-9932-0F85-5661-BA52E3FAE0AC}" dt="2024-09-18T08:30:58.381" v="24" actId="20577"/>
-          <ac:spMkLst>
-            <pc:docMk/>
-            <pc:sldMk cId="3936712023" sldId="601"/>
-            <ac:spMk id="8" creationId="{7C2C20C3-2FB0-4500-9631-5BD18DFFAEFB}"/>
-          </ac:spMkLst>
-        </pc:spChg>
+          <ac:chgData name="Nikola Sekulovski" userId="2345901e-73d2-462d-8b82-8af2d9a2a087" providerId="ADAL" clId="{71279A99-98ED-44FF-9DB4-6C773ED29B17}" dt="2024-09-16T11:42:36.915" v="75" actId="20577"/>
+          <ac:spMkLst>
+            <pc:docMk/>
+            <pc:sldMk cId="3071972624" sldId="605"/>
+            <ac:spMk id="10" creationId="{25135258-86AA-DD4B-94B3-F565A335C42A}"/>
+          </ac:spMkLst>
+        </pc:spChg>
+      </pc:sldChg>
+      <pc:sldChg chg="modSp mod">
+        <pc:chgData name="Nikola Sekulovski" userId="2345901e-73d2-462d-8b82-8af2d9a2a087" providerId="ADAL" clId="{71279A99-98ED-44FF-9DB4-6C773ED29B17}" dt="2024-09-16T11:43:51.921" v="87"/>
+        <pc:sldMkLst>
+          <pc:docMk/>
+          <pc:sldMk cId="300369435" sldId="629"/>
+        </pc:sldMkLst>
+        <pc:spChg chg="mod">
+          <ac:chgData name="Nikola Sekulovski" userId="2345901e-73d2-462d-8b82-8af2d9a2a087" providerId="ADAL" clId="{71279A99-98ED-44FF-9DB4-6C773ED29B17}" dt="2024-09-16T11:43:51.921" v="87"/>
+          <ac:spMkLst>
+            <pc:docMk/>
+            <pc:sldMk cId="300369435" sldId="629"/>
+            <ac:spMk id="7" creationId="{067B623A-831A-91A0-4BE8-47368F61F7CD}"/>
+          </ac:spMkLst>
+        </pc:spChg>
+      </pc:sldChg>
+      <pc:sldChg chg="ord">
+        <pc:chgData name="Nikola Sekulovski" userId="2345901e-73d2-462d-8b82-8af2d9a2a087" providerId="ADAL" clId="{71279A99-98ED-44FF-9DB4-6C773ED29B17}" dt="2024-09-16T11:36:33.592" v="1"/>
+        <pc:sldMkLst>
+          <pc:docMk/>
+          <pc:sldMk cId="4221003262" sldId="630"/>
+        </pc:sldMkLst>
       </pc:sldChg>
     </pc:docChg>
   </pc:docChgLst>
@@ -1520,59 +1675,138 @@
     </pc:docChg>
   </pc:docChgLst>
   <pc:docChgLst>
-    <pc:chgData name="Karoline Huth" userId="5ffc0af5-9e46-431a-90db-3541adb3af2d" providerId="ADAL" clId="{CD978B99-1DD6-9240-BCB0-1186597944FD}"/>
-    <pc:docChg chg="undo custSel addSld delSld modSld sldOrd">
-      <pc:chgData name="Karoline Huth" userId="5ffc0af5-9e46-431a-90db-3541adb3af2d" providerId="ADAL" clId="{CD978B99-1DD6-9240-BCB0-1186597944FD}" dt="2023-02-02T06:39:58.738" v="2256" actId="2710"/>
+    <pc:chgData name="Nikola Sekulovski" userId="S::n.sekulovski@uva.nl::2345901e-73d2-462d-8b82-8af2d9a2a087" providerId="AD" clId="Web-{3E4048E3-619F-79B8-DFAB-4D8E264345BB}"/>
+    <pc:docChg chg="addSld delSld modSld">
+      <pc:chgData name="Nikola Sekulovski" userId="S::n.sekulovski@uva.nl::2345901e-73d2-462d-8b82-8af2d9a2a087" providerId="AD" clId="Web-{3E4048E3-619F-79B8-DFAB-4D8E264345BB}" dt="2024-09-18T10:38:01.466" v="6"/>
       <pc:docMkLst>
         <pc:docMk/>
       </pc:docMkLst>
-      <pc:sldChg chg="addSp modSp add mod modAnim">
-        <pc:chgData name="Karoline Huth" userId="5ffc0af5-9e46-431a-90db-3541adb3af2d" providerId="ADAL" clId="{CD978B99-1DD6-9240-BCB0-1186597944FD}" dt="2023-02-01T13:45:28.468" v="1255" actId="1035"/>
+      <pc:sldChg chg="del">
+        <pc:chgData name="Nikola Sekulovski" userId="S::n.sekulovski@uva.nl::2345901e-73d2-462d-8b82-8af2d9a2a087" providerId="AD" clId="Web-{3E4048E3-619F-79B8-DFAB-4D8E264345BB}" dt="2024-09-18T10:38:01.466" v="6"/>
+        <pc:sldMkLst>
+          <pc:docMk/>
+          <pc:sldMk cId="760859062" sldId="598"/>
+        </pc:sldMkLst>
+      </pc:sldChg>
+      <pc:sldChg chg="addSp modSp add replId">
+        <pc:chgData name="Nikola Sekulovski" userId="S::n.sekulovski@uva.nl::2345901e-73d2-462d-8b82-8af2d9a2a087" providerId="AD" clId="Web-{3E4048E3-619F-79B8-DFAB-4D8E264345BB}" dt="2024-09-18T10:37:49.699" v="5" actId="1076"/>
+        <pc:sldMkLst>
+          <pc:docMk/>
+          <pc:sldMk cId="58150391" sldId="662"/>
+        </pc:sldMkLst>
+        <pc:spChg chg="add mod">
+          <ac:chgData name="Nikola Sekulovski" userId="S::n.sekulovski@uva.nl::2345901e-73d2-462d-8b82-8af2d9a2a087" providerId="AD" clId="Web-{3E4048E3-619F-79B8-DFAB-4D8E264345BB}" dt="2024-09-18T10:37:49.699" v="5" actId="1076"/>
+          <ac:spMkLst>
+            <pc:docMk/>
+            <pc:sldMk cId="58150391" sldId="662"/>
+            <ac:spMk id="16" creationId="{0FFE57FD-C9D4-FC93-2959-FFEF77DEDFB2}"/>
+          </ac:spMkLst>
+        </pc:spChg>
+      </pc:sldChg>
+    </pc:docChg>
+  </pc:docChgLst>
+  <pc:docChgLst>
+    <pc:chgData clId="Web-{6BFBBF77-9932-0F85-5661-BA52E3FAE0AC}"/>
+    <pc:docChg chg="modSld">
+      <pc:chgData name="" userId="" providerId="" clId="Web-{6BFBBF77-9932-0F85-5661-BA52E3FAE0AC}" dt="2024-09-18T08:20:19.893" v="1" actId="20577"/>
+      <pc:docMkLst>
+        <pc:docMk/>
+      </pc:docMkLst>
+      <pc:sldChg chg="modSp">
+        <pc:chgData name="" userId="" providerId="" clId="Web-{6BFBBF77-9932-0F85-5661-BA52E3FAE0AC}" dt="2024-09-18T08:20:19.893" v="1" actId="20577"/>
+        <pc:sldMkLst>
+          <pc:docMk/>
+          <pc:sldMk cId="1131232699" sldId="346"/>
+        </pc:sldMkLst>
+        <pc:spChg chg="mod">
+          <ac:chgData name="" userId="" providerId="" clId="Web-{6BFBBF77-9932-0F85-5661-BA52E3FAE0AC}" dt="2024-09-18T08:20:19.893" v="1" actId="20577"/>
+          <ac:spMkLst>
+            <pc:docMk/>
+            <pc:sldMk cId="1131232699" sldId="346"/>
+            <ac:spMk id="6" creationId="{A127B32E-17D6-495D-2F9B-41D316BDE8CA}"/>
+          </ac:spMkLst>
+        </pc:spChg>
+      </pc:sldChg>
+    </pc:docChg>
+  </pc:docChgLst>
+  <pc:docChgLst>
+    <pc:chgData name="Karoline Huth" userId="5ffc0af5-9e46-431a-90db-3541adb3af2d" providerId="ADAL" clId="{3FF81897-590D-204C-9D14-5DDD3DC07670}"/>
+    <pc:docChg chg="custSel addSld delSld modSld sldOrd">
+      <pc:chgData name="Karoline Huth" userId="5ffc0af5-9e46-431a-90db-3541adb3af2d" providerId="ADAL" clId="{3FF81897-590D-204C-9D14-5DDD3DC07670}" dt="2023-07-13T13:41:04.809" v="1927" actId="1035"/>
+      <pc:docMkLst>
+        <pc:docMk/>
+      </pc:docMkLst>
+      <pc:sldChg chg="addSp delSp modSp mod ord">
+        <pc:chgData name="Karoline Huth" userId="5ffc0af5-9e46-431a-90db-3541adb3af2d" providerId="ADAL" clId="{3FF81897-590D-204C-9D14-5DDD3DC07670}" dt="2023-07-13T04:43:36.160" v="1594" actId="27636"/>
         <pc:sldMkLst>
           <pc:docMk/>
           <pc:sldMk cId="4077302" sldId="266"/>
         </pc:sldMkLst>
-        <pc:spChg chg="mod">
-          <ac:chgData name="Karoline Huth" userId="5ffc0af5-9e46-431a-90db-3541adb3af2d" providerId="ADAL" clId="{CD978B99-1DD6-9240-BCB0-1186597944FD}" dt="2023-02-01T13:44:49.548" v="1221" actId="207"/>
+        <pc:spChg chg="del mod">
+          <ac:chgData name="Karoline Huth" userId="5ffc0af5-9e46-431a-90db-3541adb3af2d" providerId="ADAL" clId="{3FF81897-590D-204C-9D14-5DDD3DC07670}" dt="2023-07-13T04:42:39.049" v="1588" actId="478"/>
           <ac:spMkLst>
             <pc:docMk/>
             <pc:sldMk cId="4077302" sldId="266"/>
             <ac:spMk id="2" creationId="{D03E4E89-A9D7-A097-6FD5-53F60284FE10}"/>
           </ac:spMkLst>
         </pc:spChg>
-        <pc:spChg chg="mod">
-          <ac:chgData name="Karoline Huth" userId="5ffc0af5-9e46-431a-90db-3541adb3af2d" providerId="ADAL" clId="{CD978B99-1DD6-9240-BCB0-1186597944FD}" dt="2023-02-01T13:44:49.548" v="1221" actId="207"/>
+        <pc:spChg chg="add mod">
+          <ac:chgData name="Karoline Huth" userId="5ffc0af5-9e46-431a-90db-3541adb3af2d" providerId="ADAL" clId="{3FF81897-590D-204C-9D14-5DDD3DC07670}" dt="2023-07-13T04:43:36.160" v="1594" actId="27636"/>
           <ac:spMkLst>
             <pc:docMk/>
             <pc:sldMk cId="4077302" sldId="266"/>
-            <ac:spMk id="3" creationId="{983063D7-84F4-1C9B-0041-6988123FB1A3}"/>
-          </ac:spMkLst>
-        </pc:spChg>
-        <pc:spChg chg="mod">
-          <ac:chgData name="Karoline Huth" userId="5ffc0af5-9e46-431a-90db-3541adb3af2d" providerId="ADAL" clId="{CD978B99-1DD6-9240-BCB0-1186597944FD}" dt="2023-02-01T13:44:55.110" v="1223" actId="207"/>
+            <ac:spMk id="20" creationId="{6F913B34-F3B0-083E-D953-98741688DFBF}"/>
+          </ac:spMkLst>
+        </pc:spChg>
+        <pc:spChg chg="add del mod">
+          <ac:chgData name="Karoline Huth" userId="5ffc0af5-9e46-431a-90db-3541adb3af2d" providerId="ADAL" clId="{3FF81897-590D-204C-9D14-5DDD3DC07670}" dt="2023-07-13T04:42:42.920" v="1590" actId="478"/>
           <ac:spMkLst>
             <pc:docMk/>
             <pc:sldMk cId="4077302" sldId="266"/>
-            <ac:spMk id="4" creationId="{ADBE3CE7-C89B-8154-28E8-9934CD184937}"/>
-          </ac:spMkLst>
-        </pc:spChg>
-        <pc:spChg chg="add mod">
-          <ac:chgData name="Karoline Huth" userId="5ffc0af5-9e46-431a-90db-3541adb3af2d" providerId="ADAL" clId="{CD978B99-1DD6-9240-BCB0-1186597944FD}" dt="2023-02-01T13:45:28.468" v="1255" actId="1035"/>
+            <ac:spMk id="24" creationId="{4ABA541C-DE56-B8DE-5DA4-92304AB31871}"/>
+          </ac:spMkLst>
+        </pc:spChg>
+        <pc:spChg chg="add del mod">
+          <ac:chgData name="Karoline Huth" userId="5ffc0af5-9e46-431a-90db-3541adb3af2d" providerId="ADAL" clId="{3FF81897-590D-204C-9D14-5DDD3DC07670}" dt="2023-07-13T04:42:45.148" v="1591" actId="478"/>
           <ac:spMkLst>
             <pc:docMk/>
             <pc:sldMk cId="4077302" sldId="266"/>
-            <ac:spMk id="5" creationId="{ED1D83C2-7DA5-D68E-FE43-8046E2A821C0}"/>
-          </ac:spMkLst>
-        </pc:spChg>
+            <ac:spMk id="26" creationId="{8FD4B4A5-9292-0EC2-DC7B-430043CBF331}"/>
+          </ac:spMkLst>
+        </pc:spChg>
+        <pc:cxnChg chg="add mod">
+          <ac:chgData name="Karoline Huth" userId="5ffc0af5-9e46-431a-90db-3541adb3af2d" providerId="ADAL" clId="{3FF81897-590D-204C-9D14-5DDD3DC07670}" dt="2023-07-13T04:42:29.546" v="1585"/>
+          <ac:cxnSpMkLst>
+            <pc:docMk/>
+            <pc:sldMk cId="4077302" sldId="266"/>
+            <ac:cxnSpMk id="21" creationId="{6D23BDD4-5742-3F02-68E1-D28D6A6DF85C}"/>
+          </ac:cxnSpMkLst>
+        </pc:cxnChg>
+        <pc:cxnChg chg="add mod">
+          <ac:chgData name="Karoline Huth" userId="5ffc0af5-9e46-431a-90db-3541adb3af2d" providerId="ADAL" clId="{3FF81897-590D-204C-9D14-5DDD3DC07670}" dt="2023-07-13T04:42:29.546" v="1585"/>
+          <ac:cxnSpMkLst>
+            <pc:docMk/>
+            <pc:sldMk cId="4077302" sldId="266"/>
+            <ac:cxnSpMk id="22" creationId="{D13B2879-64F8-881E-3DF7-7F3D21CEBA0B}"/>
+          </ac:cxnSpMkLst>
+        </pc:cxnChg>
       </pc:sldChg>
-      <pc:sldChg chg="modSp mod modNotesTx">
-        <pc:chgData name="Karoline Huth" userId="5ffc0af5-9e46-431a-90db-3541adb3af2d" providerId="ADAL" clId="{CD978B99-1DD6-9240-BCB0-1186597944FD}" dt="2023-02-02T06:39:58.738" v="2256" actId="2710"/>
+      <pc:sldChg chg="delSp modSp mod">
+        <pc:chgData name="Karoline Huth" userId="5ffc0af5-9e46-431a-90db-3541adb3af2d" providerId="ADAL" clId="{3FF81897-590D-204C-9D14-5DDD3DC07670}" dt="2023-07-13T13:41:04.809" v="1927" actId="1035"/>
         <pc:sldMkLst>
           <pc:docMk/>
           <pc:sldMk cId="3501034909" sldId="293"/>
         </pc:sldMkLst>
         <pc:spChg chg="mod">
-          <ac:chgData name="Karoline Huth" userId="5ffc0af5-9e46-431a-90db-3541adb3af2d" providerId="ADAL" clId="{CD978B99-1DD6-9240-BCB0-1186597944FD}" dt="2023-02-02T06:39:58.738" v="2256" actId="2710"/>
+          <ac:chgData name="Karoline Huth" userId="5ffc0af5-9e46-431a-90db-3541adb3af2d" providerId="ADAL" clId="{3FF81897-590D-204C-9D14-5DDD3DC07670}" dt="2023-07-13T13:40:59.639" v="1920" actId="14100"/>
+          <ac:spMkLst>
+            <pc:docMk/>
+            <pc:sldMk cId="3501034909" sldId="293"/>
+            <ac:spMk id="5" creationId="{930A2F51-60C4-DA41-B95E-49F3CC2CFC1E}"/>
+          </ac:spMkLst>
+        </pc:spChg>
+        <pc:spChg chg="mod">
+          <ac:chgData name="Karoline Huth" userId="5ffc0af5-9e46-431a-90db-3541adb3af2d" providerId="ADAL" clId="{3FF81897-590D-204C-9D14-5DDD3DC07670}" dt="2023-07-13T13:41:04.809" v="1927" actId="1035"/>
           <ac:spMkLst>
             <pc:docMk/>
             <pc:sldMk cId="3501034909" sldId="293"/>
@@ -1580,286 +1814,54 @@
           </ac:spMkLst>
         </pc:spChg>
         <pc:spChg chg="mod">
-          <ac:chgData name="Karoline Huth" userId="5ffc0af5-9e46-431a-90db-3541adb3af2d" providerId="ADAL" clId="{CD978B99-1DD6-9240-BCB0-1186597944FD}" dt="2023-02-01T13:48:20.109" v="1264" actId="2711"/>
+          <ac:chgData name="Karoline Huth" userId="5ffc0af5-9e46-431a-90db-3541adb3af2d" providerId="ADAL" clId="{3FF81897-590D-204C-9D14-5DDD3DC07670}" dt="2023-07-12T21:12:43.542" v="1562" actId="121"/>
           <ac:spMkLst>
             <pc:docMk/>
             <pc:sldMk cId="3501034909" sldId="293"/>
             <ac:spMk id="10" creationId="{25135258-86AA-DD4B-94B3-F565A335C42A}"/>
           </ac:spMkLst>
         </pc:spChg>
-        <pc:spChg chg="mod">
-          <ac:chgData name="Karoline Huth" userId="5ffc0af5-9e46-431a-90db-3541adb3af2d" providerId="ADAL" clId="{CD978B99-1DD6-9240-BCB0-1186597944FD}" dt="2023-02-01T13:48:20.109" v="1264" actId="2711"/>
-          <ac:spMkLst>
+        <pc:picChg chg="del">
+          <ac:chgData name="Karoline Huth" userId="5ffc0af5-9e46-431a-90db-3541adb3af2d" providerId="ADAL" clId="{3FF81897-590D-204C-9D14-5DDD3DC07670}" dt="2023-07-12T17:37:45.308" v="1346" actId="478"/>
+          <ac:picMkLst>
             <pc:docMk/>
             <pc:sldMk cId="3501034909" sldId="293"/>
-            <ac:spMk id="11" creationId="{2A82E7EC-5634-5C4D-A428-6797F1086FBC}"/>
-          </ac:spMkLst>
-        </pc:spChg>
+            <ac:picMk id="4" creationId="{DC079C16-2144-AA48-AE11-6EBB3950617B}"/>
+          </ac:picMkLst>
+        </pc:picChg>
       </pc:sldChg>
-      <pc:sldChg chg="addSp delSp modSp add mod modAnim">
-        <pc:chgData name="Karoline Huth" userId="5ffc0af5-9e46-431a-90db-3541adb3af2d" providerId="ADAL" clId="{CD978B99-1DD6-9240-BCB0-1186597944FD}" dt="2023-02-02T05:54:55.683" v="2255"/>
+      <pc:sldChg chg="delSp mod delAnim modAnim">
+        <pc:chgData name="Karoline Huth" userId="5ffc0af5-9e46-431a-90db-3541adb3af2d" providerId="ADAL" clId="{3FF81897-590D-204C-9D14-5DDD3DC07670}" dt="2023-07-13T05:33:46.878" v="1843" actId="478"/>
         <pc:sldMkLst>
           <pc:docMk/>
           <pc:sldMk cId="149297165" sldId="300"/>
         </pc:sldMkLst>
-        <pc:spChg chg="del mod">
-          <ac:chgData name="Karoline Huth" userId="5ffc0af5-9e46-431a-90db-3541adb3af2d" providerId="ADAL" clId="{CD978B99-1DD6-9240-BCB0-1186597944FD}" dt="2023-02-01T15:17:17.405" v="1644" actId="478"/>
-          <ac:spMkLst>
-            <pc:docMk/>
-            <pc:sldMk cId="149297165" sldId="300"/>
-            <ac:spMk id="4" creationId="{40D82912-34D7-3D60-A83D-ED6C480DCC1D}"/>
-          </ac:spMkLst>
-        </pc:spChg>
-        <pc:spChg chg="add mod">
-          <ac:chgData name="Karoline Huth" userId="5ffc0af5-9e46-431a-90db-3541adb3af2d" providerId="ADAL" clId="{CD978B99-1DD6-9240-BCB0-1186597944FD}" dt="2023-02-01T15:13:28.374" v="1555" actId="20577"/>
-          <ac:spMkLst>
-            <pc:docMk/>
-            <pc:sldMk cId="149297165" sldId="300"/>
-            <ac:spMk id="8" creationId="{7C2C20C3-2FB0-4500-9631-5BD18DFFAEFB}"/>
-          </ac:spMkLst>
-        </pc:spChg>
-        <pc:spChg chg="add del mod">
-          <ac:chgData name="Karoline Huth" userId="5ffc0af5-9e46-431a-90db-3541adb3af2d" providerId="ADAL" clId="{CD978B99-1DD6-9240-BCB0-1186597944FD}" dt="2023-02-01T15:13:33.552" v="1557" actId="478"/>
-          <ac:spMkLst>
-            <pc:docMk/>
-            <pc:sldMk cId="149297165" sldId="300"/>
-            <ac:spMk id="10" creationId="{B458C3AC-0BFC-99FF-3DBB-B7654AF5252E}"/>
-          </ac:spMkLst>
-        </pc:spChg>
-        <pc:spChg chg="add del mod">
-          <ac:chgData name="Karoline Huth" userId="5ffc0af5-9e46-431a-90db-3541adb3af2d" providerId="ADAL" clId="{CD978B99-1DD6-9240-BCB0-1186597944FD}" dt="2023-02-01T15:17:23.590" v="1646" actId="478"/>
-          <ac:spMkLst>
-            <pc:docMk/>
-            <pc:sldMk cId="149297165" sldId="300"/>
-            <ac:spMk id="14" creationId="{564FC9DF-449C-13DC-24DD-28A0D3B5BAAC}"/>
-          </ac:spMkLst>
-        </pc:spChg>
-        <pc:spChg chg="add del mod">
-          <ac:chgData name="Karoline Huth" userId="5ffc0af5-9e46-431a-90db-3541adb3af2d" providerId="ADAL" clId="{CD978B99-1DD6-9240-BCB0-1186597944FD}" dt="2023-02-01T15:17:21.305" v="1645" actId="478"/>
-          <ac:spMkLst>
-            <pc:docMk/>
-            <pc:sldMk cId="149297165" sldId="300"/>
-            <ac:spMk id="15" creationId="{DE2658FB-B659-A5A5-57B4-9EA7FE70208F}"/>
-          </ac:spMkLst>
-        </pc:spChg>
-        <pc:spChg chg="add del mod">
-          <ac:chgData name="Karoline Huth" userId="5ffc0af5-9e46-431a-90db-3541adb3af2d" providerId="ADAL" clId="{CD978B99-1DD6-9240-BCB0-1186597944FD}" dt="2023-02-01T15:17:21.305" v="1645" actId="478"/>
-          <ac:spMkLst>
-            <pc:docMk/>
-            <pc:sldMk cId="149297165" sldId="300"/>
-            <ac:spMk id="16" creationId="{18E54816-A3C5-FC0E-9289-27375FF3B8D0}"/>
-          </ac:spMkLst>
-        </pc:spChg>
-        <pc:spChg chg="add mod">
-          <ac:chgData name="Karoline Huth" userId="5ffc0af5-9e46-431a-90db-3541adb3af2d" providerId="ADAL" clId="{CD978B99-1DD6-9240-BCB0-1186597944FD}" dt="2023-02-01T15:39:04.683" v="2208" actId="14100"/>
-          <ac:spMkLst>
-            <pc:docMk/>
-            <pc:sldMk cId="149297165" sldId="300"/>
-            <ac:spMk id="17" creationId="{A2EDA60D-5551-30CA-5E95-57CF060BD0B3}"/>
-          </ac:spMkLst>
-        </pc:spChg>
-        <pc:spChg chg="add mod">
-          <ac:chgData name="Karoline Huth" userId="5ffc0af5-9e46-431a-90db-3541adb3af2d" providerId="ADAL" clId="{CD978B99-1DD6-9240-BCB0-1186597944FD}" dt="2023-02-01T15:39:08.352" v="2209" actId="14100"/>
-          <ac:spMkLst>
-            <pc:docMk/>
-            <pc:sldMk cId="149297165" sldId="300"/>
-            <ac:spMk id="18" creationId="{566A9B5D-DBD5-7480-A0B5-1D664BA45E89}"/>
-          </ac:spMkLst>
-        </pc:spChg>
         <pc:spChg chg="del">
-          <ac:chgData name="Karoline Huth" userId="5ffc0af5-9e46-431a-90db-3541adb3af2d" providerId="ADAL" clId="{CD978B99-1DD6-9240-BCB0-1186597944FD}" dt="2023-02-01T15:13:31.404" v="1556" actId="478"/>
-          <ac:spMkLst>
-            <pc:docMk/>
-            <pc:sldMk cId="149297165" sldId="300"/>
-            <ac:spMk id="19" creationId="{3BD2B9BA-9E95-0B3E-D90E-9B87943EC824}"/>
-          </ac:spMkLst>
-        </pc:spChg>
-        <pc:spChg chg="add mod">
-          <ac:chgData name="Karoline Huth" userId="5ffc0af5-9e46-431a-90db-3541adb3af2d" providerId="ADAL" clId="{CD978B99-1DD6-9240-BCB0-1186597944FD}" dt="2023-02-01T15:39:15.606" v="2212" actId="14100"/>
-          <ac:spMkLst>
-            <pc:docMk/>
-            <pc:sldMk cId="149297165" sldId="300"/>
-            <ac:spMk id="20" creationId="{AD292C16-86A7-8F3F-F150-63162DA30ADD}"/>
-          </ac:spMkLst>
-        </pc:spChg>
-        <pc:spChg chg="add del mod">
-          <ac:chgData name="Karoline Huth" userId="5ffc0af5-9e46-431a-90db-3541adb3af2d" providerId="ADAL" clId="{CD978B99-1DD6-9240-BCB0-1186597944FD}" dt="2023-02-01T15:32:18.862" v="2101" actId="478"/>
-          <ac:spMkLst>
-            <pc:docMk/>
-            <pc:sldMk cId="149297165" sldId="300"/>
-            <ac:spMk id="23" creationId="{DDD6A69C-5CE7-1793-6EBC-C935323E4BD1}"/>
-          </ac:spMkLst>
-        </pc:spChg>
-        <pc:spChg chg="add del mod">
-          <ac:chgData name="Karoline Huth" userId="5ffc0af5-9e46-431a-90db-3541adb3af2d" providerId="ADAL" clId="{CD978B99-1DD6-9240-BCB0-1186597944FD}" dt="2023-02-01T15:32:18.862" v="2101" actId="478"/>
-          <ac:spMkLst>
-            <pc:docMk/>
-            <pc:sldMk cId="149297165" sldId="300"/>
-            <ac:spMk id="24" creationId="{15A6388F-D7EE-D63C-81F1-B3D7FD62DF32}"/>
-          </ac:spMkLst>
-        </pc:spChg>
-        <pc:spChg chg="add del mod">
-          <ac:chgData name="Karoline Huth" userId="5ffc0af5-9e46-431a-90db-3541adb3af2d" providerId="ADAL" clId="{CD978B99-1DD6-9240-BCB0-1186597944FD}" dt="2023-02-01T15:32:18.862" v="2101" actId="478"/>
-          <ac:spMkLst>
-            <pc:docMk/>
-            <pc:sldMk cId="149297165" sldId="300"/>
-            <ac:spMk id="25" creationId="{1F1159CE-93C1-1567-D6F9-07688CB70F06}"/>
-          </ac:spMkLst>
-        </pc:spChg>
-        <pc:spChg chg="add del mod">
-          <ac:chgData name="Karoline Huth" userId="5ffc0af5-9e46-431a-90db-3541adb3af2d" providerId="ADAL" clId="{CD978B99-1DD6-9240-BCB0-1186597944FD}" dt="2023-02-01T15:32:18.862" v="2101" actId="478"/>
-          <ac:spMkLst>
-            <pc:docMk/>
-            <pc:sldMk cId="149297165" sldId="300"/>
-            <ac:spMk id="26" creationId="{BD8CDD1B-7F84-78C8-599F-D83F05760D4A}"/>
-          </ac:spMkLst>
-        </pc:spChg>
-        <pc:spChg chg="add del mod">
-          <ac:chgData name="Karoline Huth" userId="5ffc0af5-9e46-431a-90db-3541adb3af2d" providerId="ADAL" clId="{CD978B99-1DD6-9240-BCB0-1186597944FD}" dt="2023-02-01T15:32:18.862" v="2101" actId="478"/>
-          <ac:spMkLst>
-            <pc:docMk/>
-            <pc:sldMk cId="149297165" sldId="300"/>
-            <ac:spMk id="27" creationId="{61DF0CE8-48C3-1704-C89B-0175668D491D}"/>
-          </ac:spMkLst>
-        </pc:spChg>
-        <pc:spChg chg="add mod">
-          <ac:chgData name="Karoline Huth" userId="5ffc0af5-9e46-431a-90db-3541adb3af2d" providerId="ADAL" clId="{CD978B99-1DD6-9240-BCB0-1186597944FD}" dt="2023-02-01T15:28:47.298" v="2024" actId="207"/>
+          <ac:chgData name="Karoline Huth" userId="5ffc0af5-9e46-431a-90db-3541adb3af2d" providerId="ADAL" clId="{3FF81897-590D-204C-9D14-5DDD3DC07670}" dt="2023-07-13T05:33:46.878" v="1843" actId="478"/>
           <ac:spMkLst>
             <pc:docMk/>
             <pc:sldMk cId="149297165" sldId="300"/>
             <ac:spMk id="30" creationId="{5110CD13-0F8A-E151-6690-C69EDE75B691}"/>
           </ac:spMkLst>
         </pc:spChg>
-        <pc:spChg chg="add mod">
-          <ac:chgData name="Karoline Huth" userId="5ffc0af5-9e46-431a-90db-3541adb3af2d" providerId="ADAL" clId="{CD978B99-1DD6-9240-BCB0-1186597944FD}" dt="2023-02-01T15:28:47.298" v="2024" actId="207"/>
+        <pc:spChg chg="del">
+          <ac:chgData name="Karoline Huth" userId="5ffc0af5-9e46-431a-90db-3541adb3af2d" providerId="ADAL" clId="{3FF81897-590D-204C-9D14-5DDD3DC07670}" dt="2023-07-13T05:33:46.878" v="1843" actId="478"/>
           <ac:spMkLst>
             <pc:docMk/>
             <pc:sldMk cId="149297165" sldId="300"/>
             <ac:spMk id="34" creationId="{43F4825E-67BD-727D-9DE2-17E0BDEFAB43}"/>
           </ac:spMkLst>
         </pc:spChg>
-        <pc:spChg chg="add mod">
-          <ac:chgData name="Karoline Huth" userId="5ffc0af5-9e46-431a-90db-3541adb3af2d" providerId="ADAL" clId="{CD978B99-1DD6-9240-BCB0-1186597944FD}" dt="2023-02-01T15:29:17.272" v="2030" actId="1076"/>
+        <pc:spChg chg="del">
+          <ac:chgData name="Karoline Huth" userId="5ffc0af5-9e46-431a-90db-3541adb3af2d" providerId="ADAL" clId="{3FF81897-590D-204C-9D14-5DDD3DC07670}" dt="2023-07-13T05:33:46.878" v="1843" actId="478"/>
           <ac:spMkLst>
             <pc:docMk/>
             <pc:sldMk cId="149297165" sldId="300"/>
             <ac:spMk id="35" creationId="{D77BF7A8-67D3-5DD5-50BC-48B84343C863}"/>
           </ac:spMkLst>
         </pc:spChg>
-        <pc:spChg chg="add mod">
-          <ac:chgData name="Karoline Huth" userId="5ffc0af5-9e46-431a-90db-3541adb3af2d" providerId="ADAL" clId="{CD978B99-1DD6-9240-BCB0-1186597944FD}" dt="2023-02-02T05:52:25.803" v="2243" actId="1036"/>
-          <ac:spMkLst>
-            <pc:docMk/>
-            <pc:sldMk cId="149297165" sldId="300"/>
-            <ac:spMk id="36" creationId="{5E60E948-B8BE-812E-ECF5-9C29BBBE2307}"/>
-          </ac:spMkLst>
-        </pc:spChg>
-        <pc:spChg chg="add del mod">
-          <ac:chgData name="Karoline Huth" userId="5ffc0af5-9e46-431a-90db-3541adb3af2d" providerId="ADAL" clId="{CD978B99-1DD6-9240-BCB0-1186597944FD}" dt="2023-02-01T15:33:44.548" v="2151"/>
-          <ac:spMkLst>
-            <pc:docMk/>
-            <pc:sldMk cId="149297165" sldId="300"/>
-            <ac:spMk id="38" creationId="{D476AFDB-3C5E-1208-AE0E-A1D786C0F6FA}"/>
-          </ac:spMkLst>
-        </pc:spChg>
-        <pc:picChg chg="mod">
-          <ac:chgData name="Karoline Huth" userId="5ffc0af5-9e46-431a-90db-3541adb3af2d" providerId="ADAL" clId="{CD978B99-1DD6-9240-BCB0-1186597944FD}" dt="2023-02-01T15:26:05.282" v="1987" actId="1037"/>
-          <ac:picMkLst>
-            <pc:docMk/>
-            <pc:sldMk cId="149297165" sldId="300"/>
-            <ac:picMk id="3" creationId="{DFAB1588-3524-2961-42DE-854973C19388}"/>
-          </ac:picMkLst>
-        </pc:picChg>
-        <pc:picChg chg="del">
-          <ac:chgData name="Karoline Huth" userId="5ffc0af5-9e46-431a-90db-3541adb3af2d" providerId="ADAL" clId="{CD978B99-1DD6-9240-BCB0-1186597944FD}" dt="2023-02-01T15:16:01.763" v="1574" actId="478"/>
-          <ac:picMkLst>
-            <pc:docMk/>
-            <pc:sldMk cId="149297165" sldId="300"/>
-            <ac:picMk id="5" creationId="{72BE00FE-C441-40BD-81F1-80E552F20F8B}"/>
-          </ac:picMkLst>
-        </pc:picChg>
-        <pc:picChg chg="del">
-          <ac:chgData name="Karoline Huth" userId="5ffc0af5-9e46-431a-90db-3541adb3af2d" providerId="ADAL" clId="{CD978B99-1DD6-9240-BCB0-1186597944FD}" dt="2023-02-01T15:16:01.763" v="1574" actId="478"/>
-          <ac:picMkLst>
-            <pc:docMk/>
-            <pc:sldMk cId="149297165" sldId="300"/>
-            <ac:picMk id="6" creationId="{223B9359-7AF8-FD3C-4673-58775BFA52D7}"/>
-          </ac:picMkLst>
-        </pc:picChg>
-        <pc:picChg chg="add del mod">
-          <ac:chgData name="Karoline Huth" userId="5ffc0af5-9e46-431a-90db-3541adb3af2d" providerId="ADAL" clId="{CD978B99-1DD6-9240-BCB0-1186597944FD}" dt="2023-02-01T15:26:57.759" v="1992" actId="478"/>
-          <ac:picMkLst>
-            <pc:docMk/>
-            <pc:sldMk cId="149297165" sldId="300"/>
-            <ac:picMk id="29" creationId="{7B8ADFF5-C692-5BAA-2A47-B7DA7C40468D}"/>
-          </ac:picMkLst>
-        </pc:picChg>
-        <pc:picChg chg="add mod">
-          <ac:chgData name="Karoline Huth" userId="5ffc0af5-9e46-431a-90db-3541adb3af2d" providerId="ADAL" clId="{CD978B99-1DD6-9240-BCB0-1186597944FD}" dt="2023-02-01T15:33:57.011" v="2190" actId="1036"/>
-          <ac:picMkLst>
-            <pc:docMk/>
-            <pc:sldMk cId="149297165" sldId="300"/>
-            <ac:picMk id="37" creationId="{0B50D8D2-61CE-BD4A-4DF6-C82C47D9CE22}"/>
-          </ac:picMkLst>
-        </pc:picChg>
-        <pc:picChg chg="add mod">
-          <ac:chgData name="Karoline Huth" userId="5ffc0af5-9e46-431a-90db-3541adb3af2d" providerId="ADAL" clId="{CD978B99-1DD6-9240-BCB0-1186597944FD}" dt="2023-02-01T15:33:57.011" v="2190" actId="1036"/>
-          <ac:picMkLst>
-            <pc:docMk/>
-            <pc:sldMk cId="149297165" sldId="300"/>
-            <ac:picMk id="1026" creationId="{E6111508-5378-3625-D848-6EE47B91B663}"/>
-          </ac:picMkLst>
-        </pc:picChg>
-        <pc:cxnChg chg="add mod">
-          <ac:chgData name="Karoline Huth" userId="5ffc0af5-9e46-431a-90db-3541adb3af2d" providerId="ADAL" clId="{CD978B99-1DD6-9240-BCB0-1186597944FD}" dt="2023-02-01T15:13:11.822" v="1515"/>
-          <ac:cxnSpMkLst>
-            <pc:docMk/>
-            <pc:sldMk cId="149297165" sldId="300"/>
-            <ac:cxnSpMk id="2" creationId="{F1547CC5-A1C1-05CD-C077-C71455B7CE0F}"/>
-          </ac:cxnSpMkLst>
-        </pc:cxnChg>
-        <pc:cxnChg chg="add mod">
-          <ac:chgData name="Karoline Huth" userId="5ffc0af5-9e46-431a-90db-3541adb3af2d" providerId="ADAL" clId="{CD978B99-1DD6-9240-BCB0-1186597944FD}" dt="2023-02-01T15:13:11.822" v="1515"/>
-          <ac:cxnSpMkLst>
-            <pc:docMk/>
-            <pc:sldMk cId="149297165" sldId="300"/>
-            <ac:cxnSpMk id="7" creationId="{739F58F2-30E9-2AB8-FCBD-46A5232EA8A5}"/>
-          </ac:cxnSpMkLst>
-        </pc:cxnChg>
-        <pc:cxnChg chg="add del mod">
-          <ac:chgData name="Karoline Huth" userId="5ffc0af5-9e46-431a-90db-3541adb3af2d" providerId="ADAL" clId="{CD978B99-1DD6-9240-BCB0-1186597944FD}" dt="2023-02-01T15:17:21.305" v="1645" actId="478"/>
-          <ac:cxnSpMkLst>
-            <pc:docMk/>
-            <pc:sldMk cId="149297165" sldId="300"/>
-            <ac:cxnSpMk id="11" creationId="{C06AA82D-1A89-A127-CBDD-54064A1C50E2}"/>
-          </ac:cxnSpMkLst>
-        </pc:cxnChg>
-        <pc:cxnChg chg="add del mod">
-          <ac:chgData name="Karoline Huth" userId="5ffc0af5-9e46-431a-90db-3541adb3af2d" providerId="ADAL" clId="{CD978B99-1DD6-9240-BCB0-1186597944FD}" dt="2023-02-01T15:17:21.305" v="1645" actId="478"/>
-          <ac:cxnSpMkLst>
-            <pc:docMk/>
-            <pc:sldMk cId="149297165" sldId="300"/>
-            <ac:cxnSpMk id="12" creationId="{7234A9C3-7A87-DCEA-1E00-116F09CC4540}"/>
-          </ac:cxnSpMkLst>
-        </pc:cxnChg>
-        <pc:cxnChg chg="add del mod">
-          <ac:chgData name="Karoline Huth" userId="5ffc0af5-9e46-431a-90db-3541adb3af2d" providerId="ADAL" clId="{CD978B99-1DD6-9240-BCB0-1186597944FD}" dt="2023-02-01T15:17:21.305" v="1645" actId="478"/>
-          <ac:cxnSpMkLst>
-            <pc:docMk/>
-            <pc:sldMk cId="149297165" sldId="300"/>
-            <ac:cxnSpMk id="13" creationId="{28F91935-EBBE-263C-4AC8-62EEE0910DE5}"/>
-          </ac:cxnSpMkLst>
-        </pc:cxnChg>
-        <pc:cxnChg chg="add del mod">
-          <ac:chgData name="Karoline Huth" userId="5ffc0af5-9e46-431a-90db-3541adb3af2d" providerId="ADAL" clId="{CD978B99-1DD6-9240-BCB0-1186597944FD}" dt="2023-02-01T15:32:18.862" v="2101" actId="478"/>
-          <ac:cxnSpMkLst>
-            <pc:docMk/>
-            <pc:sldMk cId="149297165" sldId="300"/>
-            <ac:cxnSpMk id="22" creationId="{C19A4D4B-1555-52AA-2CFB-E793910E10B2}"/>
-          </ac:cxnSpMkLst>
-        </pc:cxnChg>
-        <pc:cxnChg chg="add mod">
-          <ac:chgData name="Karoline Huth" userId="5ffc0af5-9e46-431a-90db-3541adb3af2d" providerId="ADAL" clId="{CD978B99-1DD6-9240-BCB0-1186597944FD}" dt="2023-02-01T15:28:57.294" v="2025" actId="208"/>
+        <pc:cxnChg chg="del">
+          <ac:chgData name="Karoline Huth" userId="5ffc0af5-9e46-431a-90db-3541adb3af2d" providerId="ADAL" clId="{3FF81897-590D-204C-9D14-5DDD3DC07670}" dt="2023-07-13T05:33:46.878" v="1843" actId="478"/>
           <ac:cxnSpMkLst>
             <pc:docMk/>
             <pc:sldMk cId="149297165" sldId="300"/>
@@ -1867,656 +1869,75 @@
           </ac:cxnSpMkLst>
         </pc:cxnChg>
       </pc:sldChg>
-      <pc:sldChg chg="addSp delSp modSp add mod">
-        <pc:chgData name="Karoline Huth" userId="5ffc0af5-9e46-431a-90db-3541adb3af2d" providerId="ADAL" clId="{CD978B99-1DD6-9240-BCB0-1186597944FD}" dt="2023-02-01T13:43:53.259" v="1215" actId="2711"/>
-        <pc:sldMkLst>
-          <pc:docMk/>
-          <pc:sldMk cId="1273181633" sldId="312"/>
-        </pc:sldMkLst>
-        <pc:spChg chg="del">
-          <ac:chgData name="Karoline Huth" userId="5ffc0af5-9e46-431a-90db-3541adb3af2d" providerId="ADAL" clId="{CD978B99-1DD6-9240-BCB0-1186597944FD}" dt="2023-01-31T14:16:02.327" v="782" actId="478"/>
-          <ac:spMkLst>
-            <pc:docMk/>
-            <pc:sldMk cId="1273181633" sldId="312"/>
-            <ac:spMk id="2" creationId="{E87BBB73-188F-5C45-B8B5-B024412E618A}"/>
-          </ac:spMkLst>
-        </pc:spChg>
-        <pc:spChg chg="add del mod">
-          <ac:chgData name="Karoline Huth" userId="5ffc0af5-9e46-431a-90db-3541adb3af2d" providerId="ADAL" clId="{CD978B99-1DD6-9240-BCB0-1186597944FD}" dt="2023-01-31T14:16:12.696" v="799" actId="478"/>
-          <ac:spMkLst>
-            <pc:docMk/>
-            <pc:sldMk cId="1273181633" sldId="312"/>
-            <ac:spMk id="12" creationId="{D1070F1A-E991-D7AC-0F25-B747471F25F8}"/>
-          </ac:spMkLst>
-        </pc:spChg>
-        <pc:spChg chg="add mod">
-          <ac:chgData name="Karoline Huth" userId="5ffc0af5-9e46-431a-90db-3541adb3af2d" providerId="ADAL" clId="{CD978B99-1DD6-9240-BCB0-1186597944FD}" dt="2023-02-01T13:43:53.259" v="1215" actId="2711"/>
-          <ac:spMkLst>
-            <pc:docMk/>
-            <pc:sldMk cId="1273181633" sldId="312"/>
-            <ac:spMk id="13" creationId="{CD342A49-5E25-DF8F-9D9A-578F3477B897}"/>
-          </ac:spMkLst>
-        </pc:spChg>
-        <pc:cxnChg chg="add mod">
-          <ac:chgData name="Karoline Huth" userId="5ffc0af5-9e46-431a-90db-3541adb3af2d" providerId="ADAL" clId="{CD978B99-1DD6-9240-BCB0-1186597944FD}" dt="2023-01-31T14:16:02.771" v="783"/>
-          <ac:cxnSpMkLst>
-            <pc:docMk/>
-            <pc:sldMk cId="1273181633" sldId="312"/>
-            <ac:cxnSpMk id="14" creationId="{DDC36FC4-BF72-6572-8781-5C428BC5D55F}"/>
-          </ac:cxnSpMkLst>
-        </pc:cxnChg>
-        <pc:cxnChg chg="add mod">
-          <ac:chgData name="Karoline Huth" userId="5ffc0af5-9e46-431a-90db-3541adb3af2d" providerId="ADAL" clId="{CD978B99-1DD6-9240-BCB0-1186597944FD}" dt="2023-01-31T14:16:02.771" v="783"/>
-          <ac:cxnSpMkLst>
-            <pc:docMk/>
-            <pc:sldMk cId="1273181633" sldId="312"/>
-            <ac:cxnSpMk id="15" creationId="{2C969927-71E8-29E8-9D85-4D03DE31B338}"/>
-          </ac:cxnSpMkLst>
-        </pc:cxnChg>
-      </pc:sldChg>
-      <pc:sldChg chg="addSp delSp modSp mod">
-        <pc:chgData name="Karoline Huth" userId="5ffc0af5-9e46-431a-90db-3541adb3af2d" providerId="ADAL" clId="{CD978B99-1DD6-9240-BCB0-1186597944FD}" dt="2023-02-01T13:46:15.968" v="1261" actId="14100"/>
-        <pc:sldMkLst>
-          <pc:docMk/>
-          <pc:sldMk cId="1123499816" sldId="327"/>
-        </pc:sldMkLst>
-        <pc:spChg chg="add mod">
-          <ac:chgData name="Karoline Huth" userId="5ffc0af5-9e46-431a-90db-3541adb3af2d" providerId="ADAL" clId="{CD978B99-1DD6-9240-BCB0-1186597944FD}" dt="2023-02-01T13:45:59.073" v="1258" actId="2711"/>
-          <ac:spMkLst>
-            <pc:docMk/>
-            <pc:sldMk cId="1123499816" sldId="327"/>
-            <ac:spMk id="3" creationId="{42F44DFC-18A2-E24E-DFE2-74B05B1BA37D}"/>
-          </ac:spMkLst>
-        </pc:spChg>
-        <pc:spChg chg="del">
-          <ac:chgData name="Karoline Huth" userId="5ffc0af5-9e46-431a-90db-3541adb3af2d" providerId="ADAL" clId="{CD978B99-1DD6-9240-BCB0-1186597944FD}" dt="2023-01-31T12:57:38.297" v="645" actId="478"/>
-          <ac:spMkLst>
-            <pc:docMk/>
-            <pc:sldMk cId="1123499816" sldId="327"/>
-            <ac:spMk id="6" creationId="{5035EED6-C86E-0B4F-ADE8-845324103C90}"/>
-          </ac:spMkLst>
-        </pc:spChg>
-        <pc:spChg chg="add mod">
-          <ac:chgData name="Karoline Huth" userId="5ffc0af5-9e46-431a-90db-3541adb3af2d" providerId="ADAL" clId="{CD978B99-1DD6-9240-BCB0-1186597944FD}" dt="2023-02-01T13:46:05.565" v="1259" actId="2711"/>
-          <ac:spMkLst>
-            <pc:docMk/>
-            <pc:sldMk cId="1123499816" sldId="327"/>
-            <ac:spMk id="7" creationId="{A23C6444-576A-282A-ACED-109C82B4EDDB}"/>
-          </ac:spMkLst>
-        </pc:spChg>
-        <pc:spChg chg="del">
-          <ac:chgData name="Karoline Huth" userId="5ffc0af5-9e46-431a-90db-3541adb3af2d" providerId="ADAL" clId="{CD978B99-1DD6-9240-BCB0-1186597944FD}" dt="2023-01-31T12:57:35.861" v="644" actId="478"/>
-          <ac:spMkLst>
-            <pc:docMk/>
-            <pc:sldMk cId="1123499816" sldId="327"/>
-            <ac:spMk id="12" creationId="{5E350CC9-0296-4C4A-860A-449CBB8D31BD}"/>
-          </ac:spMkLst>
-        </pc:spChg>
-        <pc:picChg chg="add mod">
-          <ac:chgData name="Karoline Huth" userId="5ffc0af5-9e46-431a-90db-3541adb3af2d" providerId="ADAL" clId="{CD978B99-1DD6-9240-BCB0-1186597944FD}" dt="2023-02-01T13:46:15.968" v="1261" actId="14100"/>
-          <ac:picMkLst>
-            <pc:docMk/>
-            <pc:sldMk cId="1123499816" sldId="327"/>
-            <ac:picMk id="2" creationId="{57C55BD7-B434-496F-A728-A45A7683C642}"/>
-          </ac:picMkLst>
-        </pc:picChg>
-        <pc:picChg chg="del">
-          <ac:chgData name="Karoline Huth" userId="5ffc0af5-9e46-431a-90db-3541adb3af2d" providerId="ADAL" clId="{CD978B99-1DD6-9240-BCB0-1186597944FD}" dt="2023-01-30T17:52:15.009" v="296" actId="478"/>
-          <ac:picMkLst>
-            <pc:docMk/>
-            <pc:sldMk cId="1123499816" sldId="327"/>
-            <ac:picMk id="3" creationId="{0D9C4430-326C-C54E-946A-4817596A50BE}"/>
-          </ac:picMkLst>
-        </pc:picChg>
-        <pc:cxnChg chg="add mod">
-          <ac:chgData name="Karoline Huth" userId="5ffc0af5-9e46-431a-90db-3541adb3af2d" providerId="ADAL" clId="{CD978B99-1DD6-9240-BCB0-1186597944FD}" dt="2023-01-31T12:57:38.647" v="646"/>
-          <ac:cxnSpMkLst>
-            <pc:docMk/>
-            <pc:sldMk cId="1123499816" sldId="327"/>
-            <ac:cxnSpMk id="4" creationId="{5FD35C87-CA8B-ED81-FB72-89FAF2F8F6D1}"/>
-          </ac:cxnSpMkLst>
-        </pc:cxnChg>
-        <pc:cxnChg chg="add mod">
-          <ac:chgData name="Karoline Huth" userId="5ffc0af5-9e46-431a-90db-3541adb3af2d" providerId="ADAL" clId="{CD978B99-1DD6-9240-BCB0-1186597944FD}" dt="2023-01-31T12:57:38.647" v="646"/>
-          <ac:cxnSpMkLst>
-            <pc:docMk/>
-            <pc:sldMk cId="1123499816" sldId="327"/>
-            <ac:cxnSpMk id="5" creationId="{357D04A2-50EC-ADF7-2342-2A3145C6D2A5}"/>
-          </ac:cxnSpMkLst>
-        </pc:cxnChg>
-      </pc:sldChg>
-      <pc:sldChg chg="addSp delSp modSp mod modNotesTx">
-        <pc:chgData name="Karoline Huth" userId="5ffc0af5-9e46-431a-90db-3541adb3af2d" providerId="ADAL" clId="{CD978B99-1DD6-9240-BCB0-1186597944FD}" dt="2023-02-01T17:14:38.655" v="2213" actId="20577"/>
+      <pc:sldChg chg="modSp mod">
+        <pc:chgData name="Karoline Huth" userId="5ffc0af5-9e46-431a-90db-3541adb3af2d" providerId="ADAL" clId="{3FF81897-590D-204C-9D14-5DDD3DC07670}" dt="2023-07-13T09:58:41.360" v="1858" actId="1076"/>
         <pc:sldMkLst>
           <pc:docMk/>
           <pc:sldMk cId="2942932033" sldId="592"/>
         </pc:sldMkLst>
-        <pc:spChg chg="add mod">
-          <ac:chgData name="Karoline Huth" userId="5ffc0af5-9e46-431a-90db-3541adb3af2d" providerId="ADAL" clId="{CD978B99-1DD6-9240-BCB0-1186597944FD}" dt="2023-02-01T13:45:41.326" v="1256" actId="2711"/>
-          <ac:spMkLst>
-            <pc:docMk/>
-            <pc:sldMk cId="2942932033" sldId="592"/>
-            <ac:spMk id="2" creationId="{E2565932-E173-8C98-FB4A-D660C254B8F2}"/>
-          </ac:spMkLst>
-        </pc:spChg>
-        <pc:spChg chg="del">
-          <ac:chgData name="Karoline Huth" userId="5ffc0af5-9e46-431a-90db-3541adb3af2d" providerId="ADAL" clId="{CD978B99-1DD6-9240-BCB0-1186597944FD}" dt="2023-01-31T12:50:56.543" v="442" actId="478"/>
-          <ac:spMkLst>
-            <pc:docMk/>
-            <pc:sldMk cId="2942932033" sldId="592"/>
-            <ac:spMk id="6" creationId="{5035EED6-C86E-0B4F-ADE8-845324103C90}"/>
-          </ac:spMkLst>
-        </pc:spChg>
-        <pc:spChg chg="del">
-          <ac:chgData name="Karoline Huth" userId="5ffc0af5-9e46-431a-90db-3541adb3af2d" providerId="ADAL" clId="{CD978B99-1DD6-9240-BCB0-1186597944FD}" dt="2023-01-30T15:09:27.577" v="2" actId="478"/>
-          <ac:spMkLst>
-            <pc:docMk/>
-            <pc:sldMk cId="2942932033" sldId="592"/>
-            <ac:spMk id="7" creationId="{3C63473C-A200-C4AF-3DB2-C51F67B34112}"/>
-          </ac:spMkLst>
-        </pc:spChg>
-        <pc:spChg chg="del">
-          <ac:chgData name="Karoline Huth" userId="5ffc0af5-9e46-431a-90db-3541adb3af2d" providerId="ADAL" clId="{CD978B99-1DD6-9240-BCB0-1186597944FD}" dt="2023-01-30T15:09:27.577" v="2" actId="478"/>
-          <ac:spMkLst>
-            <pc:docMk/>
-            <pc:sldMk cId="2942932033" sldId="592"/>
-            <ac:spMk id="8" creationId="{E5367DCD-7BB0-2F6A-ED05-23D2BD88C22C}"/>
-          </ac:spMkLst>
-        </pc:spChg>
-        <pc:spChg chg="add mod">
-          <ac:chgData name="Karoline Huth" userId="5ffc0af5-9e46-431a-90db-3541adb3af2d" providerId="ADAL" clId="{CD978B99-1DD6-9240-BCB0-1186597944FD}" dt="2023-02-01T17:14:38.655" v="2213" actId="20577"/>
+        <pc:spChg chg="mod">
+          <ac:chgData name="Karoline Huth" userId="5ffc0af5-9e46-431a-90db-3541adb3af2d" providerId="ADAL" clId="{3FF81897-590D-204C-9D14-5DDD3DC07670}" dt="2023-07-13T04:44:51.671" v="1633" actId="20577"/>
           <ac:spMkLst>
             <pc:docMk/>
             <pc:sldMk cId="2942932033" sldId="592"/>
             <ac:spMk id="9" creationId="{C02182B7-D4B5-66F0-EBA4-EA07D78DBAC2}"/>
           </ac:spMkLst>
         </pc:spChg>
-        <pc:spChg chg="del">
-          <ac:chgData name="Karoline Huth" userId="5ffc0af5-9e46-431a-90db-3541adb3af2d" providerId="ADAL" clId="{CD978B99-1DD6-9240-BCB0-1186597944FD}" dt="2023-01-31T12:50:54.218" v="441" actId="478"/>
-          <ac:spMkLst>
-            <pc:docMk/>
-            <pc:sldMk cId="2942932033" sldId="592"/>
-            <ac:spMk id="10" creationId="{210D1F83-CE41-C345-BF92-F521C1FD1C68}"/>
-          </ac:spMkLst>
-        </pc:spChg>
-        <pc:spChg chg="add mod">
-          <ac:chgData name="Karoline Huth" userId="5ffc0af5-9e46-431a-90db-3541adb3af2d" providerId="ADAL" clId="{CD978B99-1DD6-9240-BCB0-1186597944FD}" dt="2023-02-01T13:45:48.932" v="1257" actId="2711"/>
-          <ac:spMkLst>
-            <pc:docMk/>
-            <pc:sldMk cId="2942932033" sldId="592"/>
-            <ac:spMk id="11" creationId="{0ED1F9A5-F765-B142-70C1-169F3EE1CE50}"/>
-          </ac:spMkLst>
-        </pc:spChg>
-        <pc:spChg chg="del">
-          <ac:chgData name="Karoline Huth" userId="5ffc0af5-9e46-431a-90db-3541adb3af2d" providerId="ADAL" clId="{CD978B99-1DD6-9240-BCB0-1186597944FD}" dt="2023-01-30T15:09:27.577" v="2" actId="478"/>
-          <ac:spMkLst>
-            <pc:docMk/>
-            <pc:sldMk cId="2942932033" sldId="592"/>
-            <ac:spMk id="11" creationId="{3010819E-7181-FBA3-9192-87BF1AAC0730}"/>
-          </ac:spMkLst>
-        </pc:spChg>
-        <pc:picChg chg="add mod">
-          <ac:chgData name="Karoline Huth" userId="5ffc0af5-9e46-431a-90db-3541adb3af2d" providerId="ADAL" clId="{CD978B99-1DD6-9240-BCB0-1186597944FD}" dt="2023-02-01T14:18:09.969" v="1496" actId="1038"/>
-          <ac:picMkLst>
-            <pc:docMk/>
-            <pc:sldMk cId="2942932033" sldId="592"/>
-            <ac:picMk id="5" creationId="{4209C192-A19D-E45B-C7CB-8DD11470CE81}"/>
-          </ac:picMkLst>
-        </pc:picChg>
-        <pc:cxnChg chg="del">
-          <ac:chgData name="Karoline Huth" userId="5ffc0af5-9e46-431a-90db-3541adb3af2d" providerId="ADAL" clId="{CD978B99-1DD6-9240-BCB0-1186597944FD}" dt="2023-01-30T15:09:27.577" v="2" actId="478"/>
-          <ac:cxnSpMkLst>
-            <pc:docMk/>
-            <pc:sldMk cId="2942932033" sldId="592"/>
-            <ac:cxnSpMk id="2" creationId="{EB3668D2-0D4B-332D-52D6-09FF4818B02F}"/>
-          </ac:cxnSpMkLst>
-        </pc:cxnChg>
-        <pc:cxnChg chg="del">
-          <ac:chgData name="Karoline Huth" userId="5ffc0af5-9e46-431a-90db-3541adb3af2d" providerId="ADAL" clId="{CD978B99-1DD6-9240-BCB0-1186597944FD}" dt="2023-01-30T15:09:27.577" v="2" actId="478"/>
-          <ac:cxnSpMkLst>
-            <pc:docMk/>
-            <pc:sldMk cId="2942932033" sldId="592"/>
-            <ac:cxnSpMk id="3" creationId="{42D68A0F-1201-EF53-0FE3-9CC0405C084A}"/>
-          </ac:cxnSpMkLst>
-        </pc:cxnChg>
-        <pc:cxnChg chg="add mod">
-          <ac:chgData name="Karoline Huth" userId="5ffc0af5-9e46-431a-90db-3541adb3af2d" providerId="ADAL" clId="{CD978B99-1DD6-9240-BCB0-1186597944FD}" dt="2023-01-31T12:50:57.032" v="443"/>
-          <ac:cxnSpMkLst>
-            <pc:docMk/>
-            <pc:sldMk cId="2942932033" sldId="592"/>
-            <ac:cxnSpMk id="3" creationId="{D627F8A8-9C1D-1DCE-4271-1378327F2720}"/>
-          </ac:cxnSpMkLst>
-        </pc:cxnChg>
-        <pc:cxnChg chg="add mod">
-          <ac:chgData name="Karoline Huth" userId="5ffc0af5-9e46-431a-90db-3541adb3af2d" providerId="ADAL" clId="{CD978B99-1DD6-9240-BCB0-1186597944FD}" dt="2023-01-31T12:50:57.032" v="443"/>
-          <ac:cxnSpMkLst>
-            <pc:docMk/>
-            <pc:sldMk cId="2942932033" sldId="592"/>
-            <ac:cxnSpMk id="4" creationId="{0B6FD8C9-3CE4-D02D-F6B0-D7458EF5A4E7}"/>
-          </ac:cxnSpMkLst>
-        </pc:cxnChg>
-        <pc:cxnChg chg="del">
-          <ac:chgData name="Karoline Huth" userId="5ffc0af5-9e46-431a-90db-3541adb3af2d" providerId="ADAL" clId="{CD978B99-1DD6-9240-BCB0-1186597944FD}" dt="2023-01-30T15:09:27.577" v="2" actId="478"/>
-          <ac:cxnSpMkLst>
-            <pc:docMk/>
-            <pc:sldMk cId="2942932033" sldId="592"/>
-            <ac:cxnSpMk id="4" creationId="{62FC27CB-DE3D-50C0-933C-E456A637ED0E}"/>
-          </ac:cxnSpMkLst>
-        </pc:cxnChg>
-        <pc:cxnChg chg="add mod">
-          <ac:chgData name="Karoline Huth" userId="5ffc0af5-9e46-431a-90db-3541adb3af2d" providerId="ADAL" clId="{CD978B99-1DD6-9240-BCB0-1186597944FD}" dt="2023-02-01T13:17:42.139" v="1133" actId="1036"/>
+        <pc:cxnChg chg="mod">
+          <ac:chgData name="Karoline Huth" userId="5ffc0af5-9e46-431a-90db-3541adb3af2d" providerId="ADAL" clId="{3FF81897-590D-204C-9D14-5DDD3DC07670}" dt="2023-07-13T09:58:41.360" v="1858" actId="1076"/>
           <ac:cxnSpMkLst>
             <pc:docMk/>
             <pc:sldMk cId="2942932033" sldId="592"/>
             <ac:cxnSpMk id="7" creationId="{FEDB317D-6DAD-63EE-D231-D4BFCA72D43B}"/>
           </ac:cxnSpMkLst>
         </pc:cxnChg>
-        <pc:cxnChg chg="add mod">
-          <ac:chgData name="Karoline Huth" userId="5ffc0af5-9e46-431a-90db-3541adb3af2d" providerId="ADAL" clId="{CD978B99-1DD6-9240-BCB0-1186597944FD}" dt="2023-02-01T13:17:42.139" v="1133" actId="1036"/>
-          <ac:cxnSpMkLst>
-            <pc:docMk/>
-            <pc:sldMk cId="2942932033" sldId="592"/>
-            <ac:cxnSpMk id="8" creationId="{14F63DFE-F9A2-2ED9-6F00-D19B8C983813}"/>
-          </ac:cxnSpMkLst>
-        </pc:cxnChg>
       </pc:sldChg>
-      <pc:sldChg chg="addSp delSp modSp mod ord">
-        <pc:chgData name="Karoline Huth" userId="5ffc0af5-9e46-431a-90db-3541adb3af2d" providerId="ADAL" clId="{CD978B99-1DD6-9240-BCB0-1186597944FD}" dt="2023-02-01T14:21:17.323" v="1513" actId="20577"/>
+      <pc:sldChg chg="modSp mod">
+        <pc:chgData name="Karoline Huth" userId="5ffc0af5-9e46-431a-90db-3541adb3af2d" providerId="ADAL" clId="{3FF81897-590D-204C-9D14-5DDD3DC07670}" dt="2023-07-13T10:02:02.334" v="1869" actId="20577"/>
         <pc:sldMkLst>
           <pc:docMk/>
           <pc:sldMk cId="3116476232" sldId="594"/>
         </pc:sldMkLst>
-        <pc:spChg chg="del">
-          <ac:chgData name="Karoline Huth" userId="5ffc0af5-9e46-431a-90db-3541adb3af2d" providerId="ADAL" clId="{CD978B99-1DD6-9240-BCB0-1186597944FD}" dt="2023-01-31T12:47:25.113" v="392" actId="478"/>
-          <ac:spMkLst>
-            <pc:docMk/>
-            <pc:sldMk cId="3116476232" sldId="594"/>
-            <ac:spMk id="2" creationId="{E359940F-6DF1-C8AB-39AE-036625D5AF6F}"/>
-          </ac:spMkLst>
-        </pc:spChg>
         <pc:spChg chg="mod">
-          <ac:chgData name="Karoline Huth" userId="5ffc0af5-9e46-431a-90db-3541adb3af2d" providerId="ADAL" clId="{CD978B99-1DD6-9240-BCB0-1186597944FD}" dt="2023-02-01T13:46:29.531" v="1262" actId="2711"/>
-          <ac:spMkLst>
-            <pc:docMk/>
-            <pc:sldMk cId="3116476232" sldId="594"/>
-            <ac:spMk id="3" creationId="{5094284B-A076-5C63-64C0-FE2C8753A20F}"/>
-          </ac:spMkLst>
-        </pc:spChg>
-        <pc:spChg chg="del mod">
-          <ac:chgData name="Karoline Huth" userId="5ffc0af5-9e46-431a-90db-3541adb3af2d" providerId="ADAL" clId="{CD978B99-1DD6-9240-BCB0-1186597944FD}" dt="2023-01-31T12:23:35.270" v="318" actId="478"/>
-          <ac:spMkLst>
-            <pc:docMk/>
-            <pc:sldMk cId="3116476232" sldId="594"/>
-            <ac:spMk id="4" creationId="{32F973CA-5C73-F362-4076-FECE60D9BA55}"/>
-          </ac:spMkLst>
-        </pc:spChg>
-        <pc:spChg chg="mod">
-          <ac:chgData name="Karoline Huth" userId="5ffc0af5-9e46-431a-90db-3541adb3af2d" providerId="ADAL" clId="{CD978B99-1DD6-9240-BCB0-1186597944FD}" dt="2023-02-01T14:21:17.323" v="1513" actId="20577"/>
+          <ac:chgData name="Karoline Huth" userId="5ffc0af5-9e46-431a-90db-3541adb3af2d" providerId="ADAL" clId="{3FF81897-590D-204C-9D14-5DDD3DC07670}" dt="2023-07-13T10:02:02.334" v="1869" actId="20577"/>
           <ac:spMkLst>
             <pc:docMk/>
             <pc:sldMk cId="3116476232" sldId="594"/>
             <ac:spMk id="5" creationId="{84F0D9DD-87B2-D358-6DD8-EA9BA9B519FD}"/>
           </ac:spMkLst>
         </pc:spChg>
-        <pc:spChg chg="add mod">
-          <ac:chgData name="Karoline Huth" userId="5ffc0af5-9e46-431a-90db-3541adb3af2d" providerId="ADAL" clId="{CD978B99-1DD6-9240-BCB0-1186597944FD}" dt="2023-02-01T13:46:29.531" v="1262" actId="2711"/>
-          <ac:spMkLst>
-            <pc:docMk/>
-            <pc:sldMk cId="3116476232" sldId="594"/>
-            <ac:spMk id="10" creationId="{9D015A37-7B68-0861-28F4-79E614793CDF}"/>
-          </ac:spMkLst>
-        </pc:spChg>
-        <pc:picChg chg="mod">
-          <ac:chgData name="Karoline Huth" userId="5ffc0af5-9e46-431a-90db-3541adb3af2d" providerId="ADAL" clId="{CD978B99-1DD6-9240-BCB0-1186597944FD}" dt="2023-01-31T12:23:48.586" v="391" actId="1076"/>
-          <ac:picMkLst>
-            <pc:docMk/>
-            <pc:sldMk cId="3116476232" sldId="594"/>
-            <ac:picMk id="3074" creationId="{691243D8-648D-C541-8502-B78CB40E05DD}"/>
-          </ac:picMkLst>
-        </pc:picChg>
-        <pc:picChg chg="mod">
-          <ac:chgData name="Karoline Huth" userId="5ffc0af5-9e46-431a-90db-3541adb3af2d" providerId="ADAL" clId="{CD978B99-1DD6-9240-BCB0-1186597944FD}" dt="2023-01-31T12:23:42.797" v="390" actId="1038"/>
-          <ac:picMkLst>
-            <pc:docMk/>
-            <pc:sldMk cId="3116476232" sldId="594"/>
-            <ac:picMk id="5122" creationId="{F01391EE-CE55-F91A-1549-4FFF6BA2EAA3}"/>
-          </ac:picMkLst>
-        </pc:picChg>
-        <pc:cxnChg chg="add mod">
-          <ac:chgData name="Karoline Huth" userId="5ffc0af5-9e46-431a-90db-3541adb3af2d" providerId="ADAL" clId="{CD978B99-1DD6-9240-BCB0-1186597944FD}" dt="2023-01-31T12:47:53.058" v="398" actId="1582"/>
-          <ac:cxnSpMkLst>
-            <pc:docMk/>
-            <pc:sldMk cId="3116476232" sldId="594"/>
-            <ac:cxnSpMk id="7" creationId="{80B12850-D0F4-B9C3-68C2-F3C6B976BDFA}"/>
-          </ac:cxnSpMkLst>
-        </pc:cxnChg>
-        <pc:cxnChg chg="add mod">
-          <ac:chgData name="Karoline Huth" userId="5ffc0af5-9e46-431a-90db-3541adb3af2d" providerId="ADAL" clId="{CD978B99-1DD6-9240-BCB0-1186597944FD}" dt="2023-01-31T12:48:01.677" v="401" actId="14100"/>
-          <ac:cxnSpMkLst>
-            <pc:docMk/>
-            <pc:sldMk cId="3116476232" sldId="594"/>
-            <ac:cxnSpMk id="8" creationId="{243AD428-4726-D2B1-6E5A-12A0C532798E}"/>
-          </ac:cxnSpMkLst>
-        </pc:cxnChg>
       </pc:sldChg>
-      <pc:sldChg chg="addSp delSp modSp mod ord modNotesTx">
-        <pc:chgData name="Karoline Huth" userId="5ffc0af5-9e46-431a-90db-3541adb3af2d" providerId="ADAL" clId="{CD978B99-1DD6-9240-BCB0-1186597944FD}" dt="2023-02-01T15:15:45.635" v="1573" actId="20577"/>
-        <pc:sldMkLst>
-          <pc:docMk/>
-          <pc:sldMk cId="405105674" sldId="595"/>
-        </pc:sldMkLst>
-        <pc:spChg chg="add mod">
-          <ac:chgData name="Karoline Huth" userId="5ffc0af5-9e46-431a-90db-3541adb3af2d" providerId="ADAL" clId="{CD978B99-1DD6-9240-BCB0-1186597944FD}" dt="2023-02-01T13:44:13.238" v="1217" actId="2711"/>
-          <ac:spMkLst>
-            <pc:docMk/>
-            <pc:sldMk cId="405105674" sldId="595"/>
-            <ac:spMk id="5" creationId="{D9E3F2B7-21AC-9FFA-1C4F-2361BA0A77D4}"/>
-          </ac:spMkLst>
-        </pc:spChg>
-        <pc:spChg chg="del">
-          <ac:chgData name="Karoline Huth" userId="5ffc0af5-9e46-431a-90db-3541adb3af2d" providerId="ADAL" clId="{CD978B99-1DD6-9240-BCB0-1186597944FD}" dt="2023-01-31T12:51:30.924" v="478" actId="478"/>
-          <ac:spMkLst>
-            <pc:docMk/>
-            <pc:sldMk cId="405105674" sldId="595"/>
-            <ac:spMk id="6" creationId="{5035EED6-C86E-0B4F-ADE8-845324103C90}"/>
-          </ac:spMkLst>
-        </pc:spChg>
-        <pc:spChg chg="mod">
-          <ac:chgData name="Karoline Huth" userId="5ffc0af5-9e46-431a-90db-3541adb3af2d" providerId="ADAL" clId="{CD978B99-1DD6-9240-BCB0-1186597944FD}" dt="2023-02-01T13:52:39.608" v="1421" actId="465"/>
-          <ac:spMkLst>
-            <pc:docMk/>
-            <pc:sldMk cId="405105674" sldId="595"/>
-            <ac:spMk id="7" creationId="{3C63473C-A200-C4AF-3DB2-C51F67B34112}"/>
-          </ac:spMkLst>
-        </pc:spChg>
-        <pc:spChg chg="mod">
-          <ac:chgData name="Karoline Huth" userId="5ffc0af5-9e46-431a-90db-3541adb3af2d" providerId="ADAL" clId="{CD978B99-1DD6-9240-BCB0-1186597944FD}" dt="2023-02-01T13:52:39.608" v="1421" actId="465"/>
-          <ac:spMkLst>
-            <pc:docMk/>
-            <pc:sldMk cId="405105674" sldId="595"/>
-            <ac:spMk id="8" creationId="{E5367DCD-7BB0-2F6A-ED05-23D2BD88C22C}"/>
-          </ac:spMkLst>
-        </pc:spChg>
-        <pc:spChg chg="del">
-          <ac:chgData name="Karoline Huth" userId="5ffc0af5-9e46-431a-90db-3541adb3af2d" providerId="ADAL" clId="{CD978B99-1DD6-9240-BCB0-1186597944FD}" dt="2023-01-31T12:51:29.061" v="477" actId="478"/>
-          <ac:spMkLst>
-            <pc:docMk/>
-            <pc:sldMk cId="405105674" sldId="595"/>
-            <ac:spMk id="10" creationId="{210D1F83-CE41-C345-BF92-F521C1FD1C68}"/>
-          </ac:spMkLst>
-        </pc:spChg>
-        <pc:spChg chg="mod">
-          <ac:chgData name="Karoline Huth" userId="5ffc0af5-9e46-431a-90db-3541adb3af2d" providerId="ADAL" clId="{CD978B99-1DD6-9240-BCB0-1186597944FD}" dt="2023-02-01T13:52:39.608" v="1421" actId="465"/>
-          <ac:spMkLst>
-            <pc:docMk/>
-            <pc:sldMk cId="405105674" sldId="595"/>
-            <ac:spMk id="11" creationId="{3010819E-7181-FBA3-9192-87BF1AAC0730}"/>
-          </ac:spMkLst>
-        </pc:spChg>
-        <pc:spChg chg="add mod">
-          <ac:chgData name="Karoline Huth" userId="5ffc0af5-9e46-431a-90db-3541adb3af2d" providerId="ADAL" clId="{CD978B99-1DD6-9240-BCB0-1186597944FD}" dt="2023-02-01T15:15:45.635" v="1573" actId="20577"/>
-          <ac:spMkLst>
-            <pc:docMk/>
-            <pc:sldMk cId="405105674" sldId="595"/>
-            <ac:spMk id="14" creationId="{2B768A17-E9F3-CA23-B9C9-4C31171F98D3}"/>
-          </ac:spMkLst>
-        </pc:spChg>
-        <pc:picChg chg="add del mod">
-          <ac:chgData name="Karoline Huth" userId="5ffc0af5-9e46-431a-90db-3541adb3af2d" providerId="ADAL" clId="{CD978B99-1DD6-9240-BCB0-1186597944FD}" dt="2023-01-30T17:36:38.383" v="20" actId="478"/>
-          <ac:picMkLst>
-            <pc:docMk/>
-            <pc:sldMk cId="405105674" sldId="595"/>
-            <ac:picMk id="5" creationId="{DA3893DF-68F3-AAF5-EBCB-BE27C6379B8F}"/>
-          </ac:picMkLst>
-        </pc:picChg>
-        <pc:picChg chg="del">
-          <ac:chgData name="Karoline Huth" userId="5ffc0af5-9e46-431a-90db-3541adb3af2d" providerId="ADAL" clId="{CD978B99-1DD6-9240-BCB0-1186597944FD}" dt="2023-01-30T17:33:42.050" v="10" actId="478"/>
-          <ac:picMkLst>
-            <pc:docMk/>
-            <pc:sldMk cId="405105674" sldId="595"/>
-            <ac:picMk id="9" creationId="{6D718DD8-FA25-B840-8087-8F297121158A}"/>
-          </ac:picMkLst>
-        </pc:picChg>
-        <pc:picChg chg="add del mod">
-          <ac:chgData name="Karoline Huth" userId="5ffc0af5-9e46-431a-90db-3541adb3af2d" providerId="ADAL" clId="{CD978B99-1DD6-9240-BCB0-1186597944FD}" dt="2023-01-30T17:36:47.832" v="24" actId="478"/>
-          <ac:picMkLst>
-            <pc:docMk/>
-            <pc:sldMk cId="405105674" sldId="595"/>
-            <ac:picMk id="12" creationId="{3AD59D49-8040-6ABD-2019-1182139996FF}"/>
-          </ac:picMkLst>
-        </pc:picChg>
-        <pc:picChg chg="add mod">
-          <ac:chgData name="Karoline Huth" userId="5ffc0af5-9e46-431a-90db-3541adb3af2d" providerId="ADAL" clId="{CD978B99-1DD6-9240-BCB0-1186597944FD}" dt="2023-02-01T13:51:32.937" v="1386" actId="1038"/>
-          <ac:picMkLst>
-            <pc:docMk/>
-            <pc:sldMk cId="405105674" sldId="595"/>
-            <ac:picMk id="13" creationId="{86A2AF03-BE46-8254-2FCF-261B72138A1C}"/>
-          </ac:picMkLst>
-        </pc:picChg>
-        <pc:cxnChg chg="mod">
-          <ac:chgData name="Karoline Huth" userId="5ffc0af5-9e46-431a-90db-3541adb3af2d" providerId="ADAL" clId="{CD978B99-1DD6-9240-BCB0-1186597944FD}" dt="2023-02-01T13:52:08.397" v="1410" actId="1076"/>
-          <ac:cxnSpMkLst>
-            <pc:docMk/>
-            <pc:sldMk cId="405105674" sldId="595"/>
-            <ac:cxnSpMk id="2" creationId="{EB3668D2-0D4B-332D-52D6-09FF4818B02F}"/>
-          </ac:cxnSpMkLst>
-        </pc:cxnChg>
-        <pc:cxnChg chg="mod">
-          <ac:chgData name="Karoline Huth" userId="5ffc0af5-9e46-431a-90db-3541adb3af2d" providerId="ADAL" clId="{CD978B99-1DD6-9240-BCB0-1186597944FD}" dt="2023-02-01T13:52:49.684" v="1428" actId="1036"/>
-          <ac:cxnSpMkLst>
-            <pc:docMk/>
-            <pc:sldMk cId="405105674" sldId="595"/>
-            <ac:cxnSpMk id="3" creationId="{42D68A0F-1201-EF53-0FE3-9CC0405C084A}"/>
-          </ac:cxnSpMkLst>
-        </pc:cxnChg>
-        <pc:cxnChg chg="mod">
-          <ac:chgData name="Karoline Huth" userId="5ffc0af5-9e46-431a-90db-3541adb3af2d" providerId="ADAL" clId="{CD978B99-1DD6-9240-BCB0-1186597944FD}" dt="2023-02-01T13:52:44.974" v="1425" actId="1036"/>
-          <ac:cxnSpMkLst>
-            <pc:docMk/>
-            <pc:sldMk cId="405105674" sldId="595"/>
-            <ac:cxnSpMk id="4" creationId="{62FC27CB-DE3D-50C0-933C-E456A637ED0E}"/>
-          </ac:cxnSpMkLst>
-        </pc:cxnChg>
-        <pc:cxnChg chg="add mod">
-          <ac:chgData name="Karoline Huth" userId="5ffc0af5-9e46-431a-90db-3541adb3af2d" providerId="ADAL" clId="{CD978B99-1DD6-9240-BCB0-1186597944FD}" dt="2023-01-31T12:51:31.305" v="479"/>
-          <ac:cxnSpMkLst>
-            <pc:docMk/>
-            <pc:sldMk cId="405105674" sldId="595"/>
-            <ac:cxnSpMk id="9" creationId="{54F526FC-A498-C1A5-E581-5F9BE28A60FB}"/>
-          </ac:cxnSpMkLst>
-        </pc:cxnChg>
-        <pc:cxnChg chg="add mod">
-          <ac:chgData name="Karoline Huth" userId="5ffc0af5-9e46-431a-90db-3541adb3af2d" providerId="ADAL" clId="{CD978B99-1DD6-9240-BCB0-1186597944FD}" dt="2023-01-31T12:51:31.305" v="479"/>
-          <ac:cxnSpMkLst>
-            <pc:docMk/>
-            <pc:sldMk cId="405105674" sldId="595"/>
-            <ac:cxnSpMk id="12" creationId="{3391AEE5-3875-C94D-6AB2-B72163573FD9}"/>
-          </ac:cxnSpMkLst>
-        </pc:cxnChg>
-      </pc:sldChg>
-      <pc:sldChg chg="addSp delSp modSp mod ord modNotesTx">
-        <pc:chgData name="Karoline Huth" userId="5ffc0af5-9e46-431a-90db-3541adb3af2d" providerId="ADAL" clId="{CD978B99-1DD6-9240-BCB0-1186597944FD}" dt="2023-02-01T14:19:15.692" v="1505" actId="20577"/>
+      <pc:sldChg chg="modSp mod">
+        <pc:chgData name="Karoline Huth" userId="5ffc0af5-9e46-431a-90db-3541adb3af2d" providerId="ADAL" clId="{3FF81897-590D-204C-9D14-5DDD3DC07670}" dt="2023-07-12T21:14:19.477" v="1583" actId="20577"/>
         <pc:sldMkLst>
           <pc:docMk/>
           <pc:sldMk cId="2170931248" sldId="596"/>
         </pc:sldMkLst>
-        <pc:spChg chg="add mod">
-          <ac:chgData name="Karoline Huth" userId="5ffc0af5-9e46-431a-90db-3541adb3af2d" providerId="ADAL" clId="{CD978B99-1DD6-9240-BCB0-1186597944FD}" dt="2023-02-01T14:19:15.692" v="1505" actId="20577"/>
-          <ac:spMkLst>
-            <pc:docMk/>
-            <pc:sldMk cId="2170931248" sldId="596"/>
-            <ac:spMk id="5" creationId="{BF47A196-9AD1-8EE3-BC5A-AB771B97D01E}"/>
-          </ac:spMkLst>
-        </pc:spChg>
-        <pc:spChg chg="del">
-          <ac:chgData name="Karoline Huth" userId="5ffc0af5-9e46-431a-90db-3541adb3af2d" providerId="ADAL" clId="{CD978B99-1DD6-9240-BCB0-1186597944FD}" dt="2023-01-31T12:57:15.343" v="639" actId="478"/>
-          <ac:spMkLst>
-            <pc:docMk/>
-            <pc:sldMk cId="2170931248" sldId="596"/>
-            <ac:spMk id="6" creationId="{5035EED6-C86E-0B4F-ADE8-845324103C90}"/>
-          </ac:spMkLst>
-        </pc:spChg>
-        <pc:spChg chg="del mod">
-          <ac:chgData name="Karoline Huth" userId="5ffc0af5-9e46-431a-90db-3541adb3af2d" providerId="ADAL" clId="{CD978B99-1DD6-9240-BCB0-1186597944FD}" dt="2023-01-31T12:57:21.394" v="641" actId="478"/>
-          <ac:spMkLst>
-            <pc:docMk/>
-            <pc:sldMk cId="2170931248" sldId="596"/>
-            <ac:spMk id="7" creationId="{3C63473C-A200-C4AF-3DB2-C51F67B34112}"/>
-          </ac:spMkLst>
-        </pc:spChg>
-        <pc:spChg chg="del mod">
-          <ac:chgData name="Karoline Huth" userId="5ffc0af5-9e46-431a-90db-3541adb3af2d" providerId="ADAL" clId="{CD978B99-1DD6-9240-BCB0-1186597944FD}" dt="2023-01-31T12:57:21.394" v="641" actId="478"/>
-          <ac:spMkLst>
-            <pc:docMk/>
-            <pc:sldMk cId="2170931248" sldId="596"/>
-            <ac:spMk id="8" creationId="{E5367DCD-7BB0-2F6A-ED05-23D2BD88C22C}"/>
-          </ac:spMkLst>
-        </pc:spChg>
-        <pc:spChg chg="del">
-          <ac:chgData name="Karoline Huth" userId="5ffc0af5-9e46-431a-90db-3541adb3af2d" providerId="ADAL" clId="{CD978B99-1DD6-9240-BCB0-1186597944FD}" dt="2023-01-31T12:57:13.672" v="638" actId="478"/>
-          <ac:spMkLst>
-            <pc:docMk/>
-            <pc:sldMk cId="2170931248" sldId="596"/>
-            <ac:spMk id="10" creationId="{210D1F83-CE41-C345-BF92-F521C1FD1C68}"/>
-          </ac:spMkLst>
-        </pc:spChg>
-        <pc:spChg chg="del">
-          <ac:chgData name="Karoline Huth" userId="5ffc0af5-9e46-431a-90db-3541adb3af2d" providerId="ADAL" clId="{CD978B99-1DD6-9240-BCB0-1186597944FD}" dt="2023-01-31T12:57:21.394" v="641" actId="478"/>
-          <ac:spMkLst>
-            <pc:docMk/>
-            <pc:sldMk cId="2170931248" sldId="596"/>
-            <ac:spMk id="11" creationId="{3010819E-7181-FBA3-9192-87BF1AAC0730}"/>
-          </ac:spMkLst>
-        </pc:spChg>
-        <pc:spChg chg="add mod">
-          <ac:chgData name="Karoline Huth" userId="5ffc0af5-9e46-431a-90db-3541adb3af2d" providerId="ADAL" clId="{CD978B99-1DD6-9240-BCB0-1186597944FD}" dt="2023-02-01T13:58:06.103" v="1479" actId="207"/>
+        <pc:spChg chg="mod">
+          <ac:chgData name="Karoline Huth" userId="5ffc0af5-9e46-431a-90db-3541adb3af2d" providerId="ADAL" clId="{3FF81897-590D-204C-9D14-5DDD3DC07670}" dt="2023-07-12T21:14:05.952" v="1571" actId="20577"/>
           <ac:spMkLst>
             <pc:docMk/>
             <pc:sldMk cId="2170931248" sldId="596"/>
             <ac:spMk id="12" creationId="{B3C06AEE-C799-541B-7C62-E367189ACD89}"/>
           </ac:spMkLst>
         </pc:spChg>
-        <pc:spChg chg="add mod">
-          <ac:chgData name="Karoline Huth" userId="5ffc0af5-9e46-431a-90db-3541adb3af2d" providerId="ADAL" clId="{CD978B99-1DD6-9240-BCB0-1186597944FD}" dt="2023-02-01T13:58:15.995" v="1485" actId="113"/>
+        <pc:spChg chg="mod">
+          <ac:chgData name="Karoline Huth" userId="5ffc0af5-9e46-431a-90db-3541adb3af2d" providerId="ADAL" clId="{3FF81897-590D-204C-9D14-5DDD3DC07670}" dt="2023-07-12T21:14:19.477" v="1583" actId="20577"/>
           <ac:spMkLst>
             <pc:docMk/>
             <pc:sldMk cId="2170931248" sldId="596"/>
             <ac:spMk id="13" creationId="{780DFECF-C1CF-0E01-F0E4-F6E2E9148B01}"/>
           </ac:spMkLst>
         </pc:spChg>
-        <pc:picChg chg="add del mod">
-          <ac:chgData name="Karoline Huth" userId="5ffc0af5-9e46-431a-90db-3541adb3af2d" providerId="ADAL" clId="{CD978B99-1DD6-9240-BCB0-1186597944FD}" dt="2023-01-30T17:40:08.733" v="237" actId="478"/>
-          <ac:picMkLst>
-            <pc:docMk/>
-            <pc:sldMk cId="2170931248" sldId="596"/>
-            <ac:picMk id="5" creationId="{1A59F2CC-75B5-3D61-B5EE-EAEE0E0F4436}"/>
-          </ac:picMkLst>
-        </pc:picChg>
-        <pc:picChg chg="del">
-          <ac:chgData name="Karoline Huth" userId="5ffc0af5-9e46-431a-90db-3541adb3af2d" providerId="ADAL" clId="{CD978B99-1DD6-9240-BCB0-1186597944FD}" dt="2023-01-30T15:09:16.267" v="1" actId="478"/>
-          <ac:picMkLst>
-            <pc:docMk/>
-            <pc:sldMk cId="2170931248" sldId="596"/>
-            <ac:picMk id="9" creationId="{6D718DD8-FA25-B840-8087-8F297121158A}"/>
-          </ac:picMkLst>
-        </pc:picChg>
-        <pc:picChg chg="add mod modCrop">
-          <ac:chgData name="Karoline Huth" userId="5ffc0af5-9e46-431a-90db-3541adb3af2d" providerId="ADAL" clId="{CD978B99-1DD6-9240-BCB0-1186597944FD}" dt="2023-02-01T14:11:09.147" v="1487" actId="1076"/>
-          <ac:picMkLst>
-            <pc:docMk/>
-            <pc:sldMk cId="2170931248" sldId="596"/>
-            <ac:picMk id="14" creationId="{25091DBC-ACE4-9281-997C-9DDCA5E626AF}"/>
-          </ac:picMkLst>
-        </pc:picChg>
-        <pc:picChg chg="add mod modCrop">
-          <ac:chgData name="Karoline Huth" userId="5ffc0af5-9e46-431a-90db-3541adb3af2d" providerId="ADAL" clId="{CD978B99-1DD6-9240-BCB0-1186597944FD}" dt="2023-02-01T14:11:21.752" v="1490" actId="1076"/>
-          <ac:picMkLst>
-            <pc:docMk/>
-            <pc:sldMk cId="2170931248" sldId="596"/>
-            <ac:picMk id="15" creationId="{1CFAD227-EFF1-64B0-284D-EBF00B2DA838}"/>
-          </ac:picMkLst>
-        </pc:picChg>
-        <pc:cxnChg chg="del mod">
-          <ac:chgData name="Karoline Huth" userId="5ffc0af5-9e46-431a-90db-3541adb3af2d" providerId="ADAL" clId="{CD978B99-1DD6-9240-BCB0-1186597944FD}" dt="2023-01-31T12:57:21.394" v="641" actId="478"/>
-          <ac:cxnSpMkLst>
-            <pc:docMk/>
-            <pc:sldMk cId="2170931248" sldId="596"/>
-            <ac:cxnSpMk id="2" creationId="{EB3668D2-0D4B-332D-52D6-09FF4818B02F}"/>
-          </ac:cxnSpMkLst>
-        </pc:cxnChg>
-        <pc:cxnChg chg="del mod">
-          <ac:chgData name="Karoline Huth" userId="5ffc0af5-9e46-431a-90db-3541adb3af2d" providerId="ADAL" clId="{CD978B99-1DD6-9240-BCB0-1186597944FD}" dt="2023-01-31T12:57:21.394" v="641" actId="478"/>
-          <ac:cxnSpMkLst>
-            <pc:docMk/>
-            <pc:sldMk cId="2170931248" sldId="596"/>
-            <ac:cxnSpMk id="3" creationId="{42D68A0F-1201-EF53-0FE3-9CC0405C084A}"/>
-          </ac:cxnSpMkLst>
-        </pc:cxnChg>
-        <pc:cxnChg chg="del">
-          <ac:chgData name="Karoline Huth" userId="5ffc0af5-9e46-431a-90db-3541adb3af2d" providerId="ADAL" clId="{CD978B99-1DD6-9240-BCB0-1186597944FD}" dt="2023-01-31T12:57:21.394" v="641" actId="478"/>
-          <ac:cxnSpMkLst>
-            <pc:docMk/>
-            <pc:sldMk cId="2170931248" sldId="596"/>
-            <ac:cxnSpMk id="4" creationId="{62FC27CB-DE3D-50C0-933C-E456A637ED0E}"/>
-          </ac:cxnSpMkLst>
-        </pc:cxnChg>
-        <pc:cxnChg chg="add mod">
-          <ac:chgData name="Karoline Huth" userId="5ffc0af5-9e46-431a-90db-3541adb3af2d" providerId="ADAL" clId="{CD978B99-1DD6-9240-BCB0-1186597944FD}" dt="2023-01-31T12:57:15.802" v="640"/>
-          <ac:cxnSpMkLst>
-            <pc:docMk/>
-            <pc:sldMk cId="2170931248" sldId="596"/>
-            <ac:cxnSpMk id="9" creationId="{5F701A65-C197-4107-EDAA-D453358C1789}"/>
-          </ac:cxnSpMkLst>
-        </pc:cxnChg>
-        <pc:cxnChg chg="add mod">
-          <ac:chgData name="Karoline Huth" userId="5ffc0af5-9e46-431a-90db-3541adb3af2d" providerId="ADAL" clId="{CD978B99-1DD6-9240-BCB0-1186597944FD}" dt="2023-01-31T12:57:15.802" v="640"/>
-          <ac:cxnSpMkLst>
-            <pc:docMk/>
-            <pc:sldMk cId="2170931248" sldId="596"/>
-            <ac:cxnSpMk id="16" creationId="{A202FE82-A1ED-6835-98E3-307B6FC81E54}"/>
-          </ac:cxnSpMkLst>
-        </pc:cxnChg>
       </pc:sldChg>
-      <pc:sldChg chg="addSp modSp add mod modAnim">
-        <pc:chgData name="Karoline Huth" userId="5ffc0af5-9e46-431a-90db-3541adb3af2d" providerId="ADAL" clId="{CD978B99-1DD6-9240-BCB0-1186597944FD}" dt="2023-02-01T14:20:01.520" v="1506"/>
+      <pc:sldChg chg="modSp modAnim">
+        <pc:chgData name="Karoline Huth" userId="5ffc0af5-9e46-431a-90db-3541adb3af2d" providerId="ADAL" clId="{3FF81897-590D-204C-9D14-5DDD3DC07670}" dt="2023-07-13T05:23:15.220" v="1821" actId="20577"/>
         <pc:sldMkLst>
           <pc:docMk/>
           <pc:sldMk cId="1186627447" sldId="597"/>
         </pc:sldMkLst>
-        <pc:spChg chg="add mod">
-          <ac:chgData name="Karoline Huth" userId="5ffc0af5-9e46-431a-90db-3541adb3af2d" providerId="ADAL" clId="{CD978B99-1DD6-9240-BCB0-1186597944FD}" dt="2023-02-01T13:42:03.363" v="1146" actId="14100"/>
-          <ac:spMkLst>
-            <pc:docMk/>
-            <pc:sldMk cId="1186627447" sldId="597"/>
-            <ac:spMk id="2" creationId="{86091DFB-4D15-3D18-6B27-154E9432A32C}"/>
-          </ac:spMkLst>
-        </pc:spChg>
-        <pc:spChg chg="add mod">
-          <ac:chgData name="Karoline Huth" userId="5ffc0af5-9e46-431a-90db-3541adb3af2d" providerId="ADAL" clId="{CD978B99-1DD6-9240-BCB0-1186597944FD}" dt="2023-01-31T14:17:10.228" v="902" actId="207"/>
-          <ac:spMkLst>
-            <pc:docMk/>
-            <pc:sldMk cId="1186627447" sldId="597"/>
-            <ac:spMk id="9" creationId="{35624C62-134E-7BD9-08A8-8803D518E071}"/>
-          </ac:spMkLst>
-        </pc:spChg>
-        <pc:spChg chg="add mod">
-          <ac:chgData name="Karoline Huth" userId="5ffc0af5-9e46-431a-90db-3541adb3af2d" providerId="ADAL" clId="{CD978B99-1DD6-9240-BCB0-1186597944FD}" dt="2023-01-31T14:17:16.799" v="905" actId="1076"/>
-          <ac:spMkLst>
-            <pc:docMk/>
-            <pc:sldMk cId="1186627447" sldId="597"/>
-            <ac:spMk id="12" creationId="{5420005B-57D6-6398-B95E-8AB343CF89F9}"/>
-          </ac:spMkLst>
-        </pc:spChg>
         <pc:spChg chg="mod">
-          <ac:chgData name="Karoline Huth" userId="5ffc0af5-9e46-431a-90db-3541adb3af2d" providerId="ADAL" clId="{CD978B99-1DD6-9240-BCB0-1186597944FD}" dt="2023-02-01T13:44:03.221" v="1216" actId="2711"/>
-          <ac:spMkLst>
-            <pc:docMk/>
-            <pc:sldMk cId="1186627447" sldId="597"/>
-            <ac:spMk id="13" creationId="{CD342A49-5E25-DF8F-9D9A-578F3477B897}"/>
-          </ac:spMkLst>
-        </pc:spChg>
-        <pc:spChg chg="add mod">
-          <ac:chgData name="Karoline Huth" userId="5ffc0af5-9e46-431a-90db-3541adb3af2d" providerId="ADAL" clId="{CD978B99-1DD6-9240-BCB0-1186597944FD}" dt="2023-02-01T14:17:18.494" v="1493" actId="207"/>
+          <ac:chgData name="Karoline Huth" userId="5ffc0af5-9e46-431a-90db-3541adb3af2d" providerId="ADAL" clId="{3FF81897-590D-204C-9D14-5DDD3DC07670}" dt="2023-07-13T05:23:15.220" v="1821" actId="20577"/>
           <ac:spMkLst>
             <pc:docMk/>
             <pc:sldMk cId="1186627447" sldId="597"/>
@@ -2524,130 +1945,334 @@
           </ac:spMkLst>
         </pc:spChg>
       </pc:sldChg>
-      <pc:sldChg chg="modSp add mod">
-        <pc:chgData name="Karoline Huth" userId="5ffc0af5-9e46-431a-90db-3541adb3af2d" providerId="ADAL" clId="{CD978B99-1DD6-9240-BCB0-1186597944FD}" dt="2023-02-01T13:46:38.997" v="1263" actId="2711"/>
-        <pc:sldMkLst>
-          <pc:docMk/>
-          <pc:sldMk cId="760859062" sldId="598"/>
-        </pc:sldMkLst>
-        <pc:spChg chg="mod">
-          <ac:chgData name="Karoline Huth" userId="5ffc0af5-9e46-431a-90db-3541adb3af2d" providerId="ADAL" clId="{CD978B99-1DD6-9240-BCB0-1186597944FD}" dt="2023-01-31T14:17:32.470" v="908" actId="1076"/>
-          <ac:spMkLst>
-            <pc:docMk/>
-            <pc:sldMk cId="760859062" sldId="598"/>
-            <ac:spMk id="2" creationId="{86091DFB-4D15-3D18-6B27-154E9432A32C}"/>
-          </ac:spMkLst>
-        </pc:spChg>
-        <pc:spChg chg="mod">
-          <ac:chgData name="Karoline Huth" userId="5ffc0af5-9e46-431a-90db-3541adb3af2d" providerId="ADAL" clId="{CD978B99-1DD6-9240-BCB0-1186597944FD}" dt="2023-01-31T14:17:34.332" v="909" actId="1076"/>
-          <ac:spMkLst>
-            <pc:docMk/>
-            <pc:sldMk cId="760859062" sldId="598"/>
-            <ac:spMk id="9" creationId="{35624C62-134E-7BD9-08A8-8803D518E071}"/>
-          </ac:spMkLst>
-        </pc:spChg>
-        <pc:spChg chg="mod">
-          <ac:chgData name="Karoline Huth" userId="5ffc0af5-9e46-431a-90db-3541adb3af2d" providerId="ADAL" clId="{CD978B99-1DD6-9240-BCB0-1186597944FD}" dt="2023-02-01T13:46:38.997" v="1263" actId="2711"/>
-          <ac:spMkLst>
-            <pc:docMk/>
-            <pc:sldMk cId="760859062" sldId="598"/>
-            <ac:spMk id="13" creationId="{CD342A49-5E25-DF8F-9D9A-578F3477B897}"/>
-          </ac:spMkLst>
-        </pc:spChg>
-      </pc:sldChg>
-      <pc:sldChg chg="modSp add del mod modAnim">
-        <pc:chgData name="Karoline Huth" userId="5ffc0af5-9e46-431a-90db-3541adb3af2d" providerId="ADAL" clId="{CD978B99-1DD6-9240-BCB0-1186597944FD}" dt="2023-02-01T13:45:14.261" v="1247" actId="2696"/>
-        <pc:sldMkLst>
-          <pc:docMk/>
-          <pc:sldMk cId="2157355518" sldId="599"/>
-        </pc:sldMkLst>
-        <pc:spChg chg="mod">
-          <ac:chgData name="Karoline Huth" userId="5ffc0af5-9e46-431a-90db-3541adb3af2d" providerId="ADAL" clId="{CD978B99-1DD6-9240-BCB0-1186597944FD}" dt="2023-01-31T14:23:17.697" v="988" actId="1076"/>
-          <ac:spMkLst>
-            <pc:docMk/>
-            <pc:sldMk cId="2157355518" sldId="599"/>
-            <ac:spMk id="5" creationId="{ED1D83C2-7DA5-D68E-FE43-8046E2A821C0}"/>
-          </ac:spMkLst>
-        </pc:spChg>
-      </pc:sldChg>
-      <pc:sldChg chg="add del">
-        <pc:chgData name="Karoline Huth" userId="5ffc0af5-9e46-431a-90db-3541adb3af2d" providerId="ADAL" clId="{CD978B99-1DD6-9240-BCB0-1186597944FD}" dt="2023-02-01T13:42:18.021" v="1147" actId="2696"/>
-        <pc:sldMkLst>
-          <pc:docMk/>
-          <pc:sldMk cId="43122443" sldId="600"/>
-        </pc:sldMkLst>
-      </pc:sldChg>
-      <pc:sldChg chg="modSp add del mod">
-        <pc:chgData name="Karoline Huth" userId="5ffc0af5-9e46-431a-90db-3541adb3af2d" providerId="ADAL" clId="{CD978B99-1DD6-9240-BCB0-1186597944FD}" dt="2023-02-01T13:19:06.762" v="1144" actId="2696"/>
-        <pc:sldMkLst>
-          <pc:docMk/>
-          <pc:sldMk cId="2955076364" sldId="600"/>
-        </pc:sldMkLst>
-        <pc:spChg chg="mod">
-          <ac:chgData name="Karoline Huth" userId="5ffc0af5-9e46-431a-90db-3541adb3af2d" providerId="ADAL" clId="{CD978B99-1DD6-9240-BCB0-1186597944FD}" dt="2023-02-01T13:19:05.345" v="1143" actId="14100"/>
-          <ac:spMkLst>
-            <pc:docMk/>
-            <pc:sldMk cId="2955076364" sldId="600"/>
-            <ac:spMk id="2" creationId="{86091DFB-4D15-3D18-6B27-154E9432A32C}"/>
-          </ac:spMkLst>
-        </pc:spChg>
-        <pc:spChg chg="mod">
-          <ac:chgData name="Karoline Huth" userId="5ffc0af5-9e46-431a-90db-3541adb3af2d" providerId="ADAL" clId="{CD978B99-1DD6-9240-BCB0-1186597944FD}" dt="2023-02-01T13:19:03.719" v="1141" actId="1076"/>
-          <ac:spMkLst>
-            <pc:docMk/>
-            <pc:sldMk cId="2955076364" sldId="600"/>
-            <ac:spMk id="9" creationId="{35624C62-134E-7BD9-08A8-8803D518E071}"/>
-          </ac:spMkLst>
-        </pc:spChg>
-        <pc:grpChg chg="mod">
-          <ac:chgData name="Karoline Huth" userId="5ffc0af5-9e46-431a-90db-3541adb3af2d" providerId="ADAL" clId="{CD978B99-1DD6-9240-BCB0-1186597944FD}" dt="2023-02-01T13:18:44.887" v="1136" actId="1076"/>
-          <ac:grpSpMkLst>
-            <pc:docMk/>
-            <pc:sldMk cId="2955076364" sldId="600"/>
-            <ac:grpSpMk id="19" creationId="{5B4A71C1-1986-1705-E1EA-593AA8A34E39}"/>
-          </ac:grpSpMkLst>
-        </pc:grpChg>
-        <pc:grpChg chg="mod">
-          <ac:chgData name="Karoline Huth" userId="5ffc0af5-9e46-431a-90db-3541adb3af2d" providerId="ADAL" clId="{CD978B99-1DD6-9240-BCB0-1186597944FD}" dt="2023-02-01T13:19:03.719" v="1141" actId="1076"/>
-          <ac:grpSpMkLst>
-            <pc:docMk/>
-            <pc:sldMk cId="2955076364" sldId="600"/>
-            <ac:grpSpMk id="24" creationId="{9ED6DF53-168C-B77A-3242-8282679C93F7}"/>
-          </ac:grpSpMkLst>
-        </pc:grpChg>
-      </pc:sldChg>
-      <pc:sldChg chg="modSp add mod modAnim">
-        <pc:chgData name="Karoline Huth" userId="5ffc0af5-9e46-431a-90db-3541adb3af2d" providerId="ADAL" clId="{CD978B99-1DD6-9240-BCB0-1186597944FD}" dt="2023-02-01T13:45:23.124" v="1249"/>
+      <pc:sldChg chg="del">
+        <pc:chgData name="Karoline Huth" userId="5ffc0af5-9e46-431a-90db-3541adb3af2d" providerId="ADAL" clId="{3FF81897-590D-204C-9D14-5DDD3DC07670}" dt="2023-07-13T04:44:29.500" v="1620" actId="2696"/>
         <pc:sldMkLst>
           <pc:docMk/>
           <pc:sldMk cId="3710392462" sldId="600"/>
         </pc:sldMkLst>
+      </pc:sldChg>
+      <pc:sldChg chg="addSp delSp modSp add mod modAnim modNotesTx">
+        <pc:chgData name="Karoline Huth" userId="5ffc0af5-9e46-431a-90db-3541adb3af2d" providerId="ADAL" clId="{3FF81897-590D-204C-9D14-5DDD3DC07670}" dt="2023-07-12T17:42:19.076" v="1368"/>
+        <pc:sldMkLst>
+          <pc:docMk/>
+          <pc:sldMk cId="3936712023" sldId="601"/>
+        </pc:sldMkLst>
+        <pc:spChg chg="add mod">
+          <ac:chgData name="Karoline Huth" userId="5ffc0af5-9e46-431a-90db-3541adb3af2d" providerId="ADAL" clId="{3FF81897-590D-204C-9D14-5DDD3DC07670}" dt="2023-07-12T17:41:58.991" v="1364" actId="1076"/>
+          <ac:spMkLst>
+            <pc:docMk/>
+            <pc:sldMk cId="3936712023" sldId="601"/>
+            <ac:spMk id="4" creationId="{D71C6EAF-580F-852F-321E-918CE6F5A90C}"/>
+          </ac:spMkLst>
+        </pc:spChg>
         <pc:spChg chg="mod">
-          <ac:chgData name="Karoline Huth" userId="5ffc0af5-9e46-431a-90db-3541adb3af2d" providerId="ADAL" clId="{CD978B99-1DD6-9240-BCB0-1186597944FD}" dt="2023-02-01T13:45:17.916" v="1248" actId="1076"/>
-          <ac:spMkLst>
-            <pc:docMk/>
-            <pc:sldMk cId="3710392462" sldId="600"/>
+          <ac:chgData name="Karoline Huth" userId="5ffc0af5-9e46-431a-90db-3541adb3af2d" providerId="ADAL" clId="{3FF81897-590D-204C-9D14-5DDD3DC07670}" dt="2023-07-12T10:14:34.725" v="106" actId="20577"/>
+          <ac:spMkLst>
+            <pc:docMk/>
+            <pc:sldMk cId="3936712023" sldId="601"/>
+            <ac:spMk id="8" creationId="{7C2C20C3-2FB0-4500-9631-5BD18DFFAEFB}"/>
+          </ac:spMkLst>
+        </pc:spChg>
+        <pc:spChg chg="del">
+          <ac:chgData name="Karoline Huth" userId="5ffc0af5-9e46-431a-90db-3541adb3af2d" providerId="ADAL" clId="{3FF81897-590D-204C-9D14-5DDD3DC07670}" dt="2023-07-12T09:11:59.968" v="29" actId="478"/>
+          <ac:spMkLst>
+            <pc:docMk/>
+            <pc:sldMk cId="3936712023" sldId="601"/>
+            <ac:spMk id="17" creationId="{A2EDA60D-5551-30CA-5E95-57CF060BD0B3}"/>
+          </ac:spMkLst>
+        </pc:spChg>
+        <pc:spChg chg="del">
+          <ac:chgData name="Karoline Huth" userId="5ffc0af5-9e46-431a-90db-3541adb3af2d" providerId="ADAL" clId="{3FF81897-590D-204C-9D14-5DDD3DC07670}" dt="2023-07-12T09:11:59.968" v="29" actId="478"/>
+          <ac:spMkLst>
+            <pc:docMk/>
+            <pc:sldMk cId="3936712023" sldId="601"/>
+            <ac:spMk id="18" creationId="{566A9B5D-DBD5-7480-A0B5-1D664BA45E89}"/>
+          </ac:spMkLst>
+        </pc:spChg>
+        <pc:spChg chg="del">
+          <ac:chgData name="Karoline Huth" userId="5ffc0af5-9e46-431a-90db-3541adb3af2d" providerId="ADAL" clId="{3FF81897-590D-204C-9D14-5DDD3DC07670}" dt="2023-07-12T09:11:59.968" v="29" actId="478"/>
+          <ac:spMkLst>
+            <pc:docMk/>
+            <pc:sldMk cId="3936712023" sldId="601"/>
+            <ac:spMk id="20" creationId="{AD292C16-86A7-8F3F-F150-63162DA30ADD}"/>
+          </ac:spMkLst>
+        </pc:spChg>
+        <pc:spChg chg="del">
+          <ac:chgData name="Karoline Huth" userId="5ffc0af5-9e46-431a-90db-3541adb3af2d" providerId="ADAL" clId="{3FF81897-590D-204C-9D14-5DDD3DC07670}" dt="2023-07-12T09:11:59.968" v="29" actId="478"/>
+          <ac:spMkLst>
+            <pc:docMk/>
+            <pc:sldMk cId="3936712023" sldId="601"/>
+            <ac:spMk id="30" creationId="{5110CD13-0F8A-E151-6690-C69EDE75B691}"/>
+          </ac:spMkLst>
+        </pc:spChg>
+        <pc:spChg chg="del">
+          <ac:chgData name="Karoline Huth" userId="5ffc0af5-9e46-431a-90db-3541adb3af2d" providerId="ADAL" clId="{3FF81897-590D-204C-9D14-5DDD3DC07670}" dt="2023-07-12T09:11:59.968" v="29" actId="478"/>
+          <ac:spMkLst>
+            <pc:docMk/>
+            <pc:sldMk cId="3936712023" sldId="601"/>
+            <ac:spMk id="34" creationId="{43F4825E-67BD-727D-9DE2-17E0BDEFAB43}"/>
+          </ac:spMkLst>
+        </pc:spChg>
+        <pc:spChg chg="del">
+          <ac:chgData name="Karoline Huth" userId="5ffc0af5-9e46-431a-90db-3541adb3af2d" providerId="ADAL" clId="{3FF81897-590D-204C-9D14-5DDD3DC07670}" dt="2023-07-12T09:11:59.968" v="29" actId="478"/>
+          <ac:spMkLst>
+            <pc:docMk/>
+            <pc:sldMk cId="3936712023" sldId="601"/>
+            <ac:spMk id="35" creationId="{D77BF7A8-67D3-5DD5-50BC-48B84343C863}"/>
+          </ac:spMkLst>
+        </pc:spChg>
+        <pc:spChg chg="del">
+          <ac:chgData name="Karoline Huth" userId="5ffc0af5-9e46-431a-90db-3541adb3af2d" providerId="ADAL" clId="{3FF81897-590D-204C-9D14-5DDD3DC07670}" dt="2023-07-12T09:11:59.968" v="29" actId="478"/>
+          <ac:spMkLst>
+            <pc:docMk/>
+            <pc:sldMk cId="3936712023" sldId="601"/>
+            <ac:spMk id="36" creationId="{5E60E948-B8BE-812E-ECF5-9C29BBBE2307}"/>
+          </ac:spMkLst>
+        </pc:spChg>
+        <pc:picChg chg="del">
+          <ac:chgData name="Karoline Huth" userId="5ffc0af5-9e46-431a-90db-3541adb3af2d" providerId="ADAL" clId="{3FF81897-590D-204C-9D14-5DDD3DC07670}" dt="2023-07-12T09:11:59.968" v="29" actId="478"/>
+          <ac:picMkLst>
+            <pc:docMk/>
+            <pc:sldMk cId="3936712023" sldId="601"/>
+            <ac:picMk id="3" creationId="{DFAB1588-3524-2961-42DE-854973C19388}"/>
+          </ac:picMkLst>
+        </pc:picChg>
+        <pc:picChg chg="del">
+          <ac:chgData name="Karoline Huth" userId="5ffc0af5-9e46-431a-90db-3541adb3af2d" providerId="ADAL" clId="{3FF81897-590D-204C-9D14-5DDD3DC07670}" dt="2023-07-12T09:11:59.968" v="29" actId="478"/>
+          <ac:picMkLst>
+            <pc:docMk/>
+            <pc:sldMk cId="3936712023" sldId="601"/>
+            <ac:picMk id="37" creationId="{0B50D8D2-61CE-BD4A-4DF6-C82C47D9CE22}"/>
+          </ac:picMkLst>
+        </pc:picChg>
+        <pc:picChg chg="del">
+          <ac:chgData name="Karoline Huth" userId="5ffc0af5-9e46-431a-90db-3541adb3af2d" providerId="ADAL" clId="{3FF81897-590D-204C-9D14-5DDD3DC07670}" dt="2023-07-12T09:11:59.968" v="29" actId="478"/>
+          <ac:picMkLst>
+            <pc:docMk/>
+            <pc:sldMk cId="3936712023" sldId="601"/>
+            <ac:picMk id="1026" creationId="{E6111508-5378-3625-D848-6EE47B91B663}"/>
+          </ac:picMkLst>
+        </pc:picChg>
+        <pc:cxnChg chg="del">
+          <ac:chgData name="Karoline Huth" userId="5ffc0af5-9e46-431a-90db-3541adb3af2d" providerId="ADAL" clId="{3FF81897-590D-204C-9D14-5DDD3DC07670}" dt="2023-07-12T09:11:59.968" v="29" actId="478"/>
+          <ac:cxnSpMkLst>
+            <pc:docMk/>
+            <pc:sldMk cId="3936712023" sldId="601"/>
+            <ac:cxnSpMk id="32" creationId="{D5619484-477F-3A69-2518-373D142F04DC}"/>
+          </ac:cxnSpMkLst>
+        </pc:cxnChg>
+      </pc:sldChg>
+      <pc:sldChg chg="addSp modSp add mod modAnim modNotesTx">
+        <pc:chgData name="Karoline Huth" userId="5ffc0af5-9e46-431a-90db-3541adb3af2d" providerId="ADAL" clId="{3FF81897-590D-204C-9D14-5DDD3DC07670}" dt="2023-07-13T05:30:31.030" v="1842" actId="20577"/>
+        <pc:sldMkLst>
+          <pc:docMk/>
+          <pc:sldMk cId="972036101" sldId="602"/>
+        </pc:sldMkLst>
+        <pc:spChg chg="add mod">
+          <ac:chgData name="Karoline Huth" userId="5ffc0af5-9e46-431a-90db-3541adb3af2d" providerId="ADAL" clId="{3FF81897-590D-204C-9D14-5DDD3DC07670}" dt="2023-07-13T05:14:06.868" v="1704" actId="20577"/>
+          <ac:spMkLst>
+            <pc:docMk/>
+            <pc:sldMk cId="972036101" sldId="602"/>
+            <ac:spMk id="3" creationId="{BCF9DA46-A066-8C30-6E55-FD9521659176}"/>
+          </ac:spMkLst>
+        </pc:spChg>
+        <pc:spChg chg="add mod">
+          <ac:chgData name="Karoline Huth" userId="5ffc0af5-9e46-431a-90db-3541adb3af2d" providerId="ADAL" clId="{3FF81897-590D-204C-9D14-5DDD3DC07670}" dt="2023-07-13T05:30:31.030" v="1842" actId="20577"/>
+          <ac:spMkLst>
+            <pc:docMk/>
+            <pc:sldMk cId="972036101" sldId="602"/>
+            <ac:spMk id="4" creationId="{F9EA6ED8-47E7-7DDE-5BEC-DBCBB274E8D8}"/>
+          </ac:spMkLst>
+        </pc:spChg>
+        <pc:spChg chg="mod">
+          <ac:chgData name="Karoline Huth" userId="5ffc0af5-9e46-431a-90db-3541adb3af2d" providerId="ADAL" clId="{3FF81897-590D-204C-9D14-5DDD3DC07670}" dt="2023-07-13T05:14:13.766" v="1706" actId="20577"/>
+          <ac:spMkLst>
+            <pc:docMk/>
+            <pc:sldMk cId="972036101" sldId="602"/>
+            <ac:spMk id="8" creationId="{7C2C20C3-2FB0-4500-9631-5BD18DFFAEFB}"/>
+          </ac:spMkLst>
+        </pc:spChg>
+      </pc:sldChg>
+      <pc:sldChg chg="delSp modSp add mod">
+        <pc:chgData name="Karoline Huth" userId="5ffc0af5-9e46-431a-90db-3541adb3af2d" providerId="ADAL" clId="{3FF81897-590D-204C-9D14-5DDD3DC07670}" dt="2023-07-12T17:55:27.590" v="1549" actId="1036"/>
+        <pc:sldMkLst>
+          <pc:docMk/>
+          <pc:sldMk cId="2081536377" sldId="603"/>
+        </pc:sldMkLst>
+        <pc:spChg chg="del">
+          <ac:chgData name="Karoline Huth" userId="5ffc0af5-9e46-431a-90db-3541adb3af2d" providerId="ADAL" clId="{3FF81897-590D-204C-9D14-5DDD3DC07670}" dt="2023-07-12T17:54:10.743" v="1396" actId="478"/>
+          <ac:spMkLst>
+            <pc:docMk/>
+            <pc:sldMk cId="2081536377" sldId="603"/>
+            <ac:spMk id="5" creationId="{930A2F51-60C4-DA41-B95E-49F3CC2CFC1E}"/>
+          </ac:spMkLst>
+        </pc:spChg>
+        <pc:spChg chg="del">
+          <ac:chgData name="Karoline Huth" userId="5ffc0af5-9e46-431a-90db-3541adb3af2d" providerId="ADAL" clId="{3FF81897-590D-204C-9D14-5DDD3DC07670}" dt="2023-07-12T17:54:10.743" v="1396" actId="478"/>
+          <ac:spMkLst>
+            <pc:docMk/>
+            <pc:sldMk cId="2081536377" sldId="603"/>
+            <ac:spMk id="7" creationId="{EA29F227-3810-4945-BD9F-54E29C8A97C2}"/>
+          </ac:spMkLst>
+        </pc:spChg>
+        <pc:spChg chg="del mod">
+          <ac:chgData name="Karoline Huth" userId="5ffc0af5-9e46-431a-90db-3541adb3af2d" providerId="ADAL" clId="{3FF81897-590D-204C-9D14-5DDD3DC07670}" dt="2023-07-12T17:54:41.811" v="1402" actId="478"/>
+          <ac:spMkLst>
+            <pc:docMk/>
+            <pc:sldMk cId="2081536377" sldId="603"/>
+            <ac:spMk id="9" creationId="{9DBB3712-925F-7541-A2BA-3667F2CB2885}"/>
+          </ac:spMkLst>
+        </pc:spChg>
+        <pc:spChg chg="mod">
+          <ac:chgData name="Karoline Huth" userId="5ffc0af5-9e46-431a-90db-3541adb3af2d" providerId="ADAL" clId="{3FF81897-590D-204C-9D14-5DDD3DC07670}" dt="2023-07-12T17:55:27.590" v="1549" actId="1036"/>
+          <ac:spMkLst>
+            <pc:docMk/>
+            <pc:sldMk cId="2081536377" sldId="603"/>
+            <ac:spMk id="10" creationId="{25135258-86AA-DD4B-94B3-F565A335C42A}"/>
+          </ac:spMkLst>
+        </pc:spChg>
+        <pc:spChg chg="del">
+          <ac:chgData name="Karoline Huth" userId="5ffc0af5-9e46-431a-90db-3541adb3af2d" providerId="ADAL" clId="{3FF81897-590D-204C-9D14-5DDD3DC07670}" dt="2023-07-12T17:54:14.644" v="1397" actId="478"/>
+          <ac:spMkLst>
+            <pc:docMk/>
+            <pc:sldMk cId="2081536377" sldId="603"/>
+            <ac:spMk id="11" creationId="{2A82E7EC-5634-5C4D-A428-6797F1086FBC}"/>
+          </ac:spMkLst>
+        </pc:spChg>
+        <pc:picChg chg="del">
+          <ac:chgData name="Karoline Huth" userId="5ffc0af5-9e46-431a-90db-3541adb3af2d" providerId="ADAL" clId="{3FF81897-590D-204C-9D14-5DDD3DC07670}" dt="2023-07-12T17:54:10.743" v="1396" actId="478"/>
+          <ac:picMkLst>
+            <pc:docMk/>
+            <pc:sldMk cId="2081536377" sldId="603"/>
+            <ac:picMk id="17" creationId="{03FAA240-8827-4947-BE1B-FEF70BF7D287}"/>
+          </ac:picMkLst>
+        </pc:picChg>
+        <pc:picChg chg="del">
+          <ac:chgData name="Karoline Huth" userId="5ffc0af5-9e46-431a-90db-3541adb3af2d" providerId="ADAL" clId="{3FF81897-590D-204C-9D14-5DDD3DC07670}" dt="2023-07-12T17:54:10.743" v="1396" actId="478"/>
+          <ac:picMkLst>
+            <pc:docMk/>
+            <pc:sldMk cId="2081536377" sldId="603"/>
+            <ac:picMk id="19" creationId="{46A5BAB7-DB81-A94B-A8D5-5F24B8132573}"/>
+          </ac:picMkLst>
+        </pc:picChg>
+        <pc:picChg chg="del">
+          <ac:chgData name="Karoline Huth" userId="5ffc0af5-9e46-431a-90db-3541adb3af2d" providerId="ADAL" clId="{3FF81897-590D-204C-9D14-5DDD3DC07670}" dt="2023-07-12T17:54:10.743" v="1396" actId="478"/>
+          <ac:picMkLst>
+            <pc:docMk/>
+            <pc:sldMk cId="2081536377" sldId="603"/>
+            <ac:picMk id="20" creationId="{17CB6D78-6AB5-6140-A04C-491D0F7B635C}"/>
+          </ac:picMkLst>
+        </pc:picChg>
+        <pc:cxnChg chg="mod">
+          <ac:chgData name="Karoline Huth" userId="5ffc0af5-9e46-431a-90db-3541adb3af2d" providerId="ADAL" clId="{3FF81897-590D-204C-9D14-5DDD3DC07670}" dt="2023-07-12T17:55:27.590" v="1549" actId="1036"/>
+          <ac:cxnSpMkLst>
+            <pc:docMk/>
+            <pc:sldMk cId="2081536377" sldId="603"/>
+            <ac:cxnSpMk id="12" creationId="{B869CFE4-76EB-2348-B9B3-0B5CC838ACF1}"/>
+          </ac:cxnSpMkLst>
+        </pc:cxnChg>
+      </pc:sldChg>
+      <pc:sldChg chg="modSp add mod">
+        <pc:chgData name="Karoline Huth" userId="5ffc0af5-9e46-431a-90db-3541adb3af2d" providerId="ADAL" clId="{3FF81897-590D-204C-9D14-5DDD3DC07670}" dt="2023-07-13T05:23:20.390" v="1835" actId="20577"/>
+        <pc:sldMkLst>
+          <pc:docMk/>
+          <pc:sldMk cId="966189764" sldId="604"/>
+        </pc:sldMkLst>
+        <pc:spChg chg="mod">
+          <ac:chgData name="Karoline Huth" userId="5ffc0af5-9e46-431a-90db-3541adb3af2d" providerId="ADAL" clId="{3FF81897-590D-204C-9D14-5DDD3DC07670}" dt="2023-07-13T05:23:20.390" v="1835" actId="20577"/>
+          <ac:spMkLst>
+            <pc:docMk/>
+            <pc:sldMk cId="966189764" sldId="604"/>
+            <ac:spMk id="10" creationId="{25135258-86AA-DD4B-94B3-F565A335C42A}"/>
+          </ac:spMkLst>
+        </pc:spChg>
+        <pc:cxnChg chg="mod">
+          <ac:chgData name="Karoline Huth" userId="5ffc0af5-9e46-431a-90db-3541adb3af2d" providerId="ADAL" clId="{3FF81897-590D-204C-9D14-5DDD3DC07670}" dt="2023-07-12T17:55:14.826" v="1505" actId="1036"/>
+          <ac:cxnSpMkLst>
+            <pc:docMk/>
+            <pc:sldMk cId="966189764" sldId="604"/>
+            <ac:cxnSpMk id="12" creationId="{B869CFE4-76EB-2348-B9B3-0B5CC838ACF1}"/>
+          </ac:cxnSpMkLst>
+        </pc:cxnChg>
+      </pc:sldChg>
+      <pc:sldChg chg="modSp add mod">
+        <pc:chgData name="Karoline Huth" userId="5ffc0af5-9e46-431a-90db-3541adb3af2d" providerId="ADAL" clId="{3FF81897-590D-204C-9D14-5DDD3DC07670}" dt="2023-07-12T17:55:41.401" v="1561" actId="20577"/>
+        <pc:sldMkLst>
+          <pc:docMk/>
+          <pc:sldMk cId="3071972624" sldId="605"/>
+        </pc:sldMkLst>
+        <pc:spChg chg="mod">
+          <ac:chgData name="Karoline Huth" userId="5ffc0af5-9e46-431a-90db-3541adb3af2d" providerId="ADAL" clId="{3FF81897-590D-204C-9D14-5DDD3DC07670}" dt="2023-07-12T17:55:41.401" v="1561" actId="20577"/>
+          <ac:spMkLst>
+            <pc:docMk/>
+            <pc:sldMk cId="3071972624" sldId="605"/>
+            <ac:spMk id="10" creationId="{25135258-86AA-DD4B-94B3-F565A335C42A}"/>
+          </ac:spMkLst>
+        </pc:spChg>
+      </pc:sldChg>
+      <pc:sldChg chg="modSp add mod modAnim">
+        <pc:chgData name="Karoline Huth" userId="5ffc0af5-9e46-431a-90db-3541adb3af2d" providerId="ADAL" clId="{3FF81897-590D-204C-9D14-5DDD3DC07670}" dt="2023-07-13T04:44:35.093" v="1622" actId="1076"/>
+        <pc:sldMkLst>
+          <pc:docMk/>
+          <pc:sldMk cId="1393206164" sldId="606"/>
+        </pc:sldMkLst>
+        <pc:spChg chg="mod">
+          <ac:chgData name="Karoline Huth" userId="5ffc0af5-9e46-431a-90db-3541adb3af2d" providerId="ADAL" clId="{3FF81897-590D-204C-9D14-5DDD3DC07670}" dt="2023-07-13T04:44:35.093" v="1622" actId="1076"/>
+          <ac:spMkLst>
+            <pc:docMk/>
+            <pc:sldMk cId="1393206164" sldId="606"/>
             <ac:spMk id="5" creationId="{ED1D83C2-7DA5-D68E-FE43-8046E2A821C0}"/>
           </ac:spMkLst>
         </pc:spChg>
+      </pc:sldChg>
+      <pc:sldChg chg="add del">
+        <pc:chgData name="Karoline Huth" userId="5ffc0af5-9e46-431a-90db-3541adb3af2d" providerId="ADAL" clId="{3FF81897-590D-204C-9D14-5DDD3DC07670}" dt="2023-07-13T04:48:10.976" v="1639" actId="2696"/>
+        <pc:sldMkLst>
+          <pc:docMk/>
+          <pc:sldMk cId="777834770" sldId="607"/>
+        </pc:sldMkLst>
+      </pc:sldChg>
+      <pc:sldChg chg="addSp modSp add">
+        <pc:chgData name="Karoline Huth" userId="5ffc0af5-9e46-431a-90db-3541adb3af2d" providerId="ADAL" clId="{3FF81897-590D-204C-9D14-5DDD3DC07670}" dt="2023-07-13T10:19:59.618" v="1871"/>
+        <pc:sldMkLst>
+          <pc:docMk/>
+          <pc:sldMk cId="300369435" sldId="629"/>
+        </pc:sldMkLst>
+        <pc:cxnChg chg="add mod">
+          <ac:chgData name="Karoline Huth" userId="5ffc0af5-9e46-431a-90db-3541adb3af2d" providerId="ADAL" clId="{3FF81897-590D-204C-9D14-5DDD3DC07670}" dt="2023-07-13T10:19:59.618" v="1871"/>
+          <ac:cxnSpMkLst>
+            <pc:docMk/>
+            <pc:sldMk cId="300369435" sldId="629"/>
+            <ac:cxnSpMk id="2" creationId="{3F39B814-8560-195B-BAFC-909DC7F36EA8}"/>
+          </ac:cxnSpMkLst>
+        </pc:cxnChg>
+        <pc:cxnChg chg="add mod">
+          <ac:chgData name="Karoline Huth" userId="5ffc0af5-9e46-431a-90db-3541adb3af2d" providerId="ADAL" clId="{3FF81897-590D-204C-9D14-5DDD3DC07670}" dt="2023-07-13T10:19:59.618" v="1871"/>
+          <ac:cxnSpMkLst>
+            <pc:docMk/>
+            <pc:sldMk cId="300369435" sldId="629"/>
+            <ac:cxnSpMk id="5" creationId="{77FAB24F-CAB7-529A-088B-6F854184248C}"/>
+          </ac:cxnSpMkLst>
+        </pc:cxnChg>
       </pc:sldChg>
     </pc:docChg>
   </pc:docChgLst>
   <pc:docChgLst>
-    <pc:chgData name="Karoline Huth" userId="5ffc0af5-9e46-431a-90db-3541adb3af2d" providerId="ADAL" clId="{35CDCACC-1AB0-4A43-BD94-46D129CDAB7E}"/>
-    <pc:docChg chg="modSld sldOrd">
-      <pc:chgData name="Karoline Huth" userId="5ffc0af5-9e46-431a-90db-3541adb3af2d" providerId="ADAL" clId="{35CDCACC-1AB0-4A43-BD94-46D129CDAB7E}" dt="2024-07-04T09:58:20.661" v="129" actId="20578"/>
+    <pc:chgData name="Karoline Huth" userId="5ffc0af5-9e46-431a-90db-3541adb3af2d" providerId="ADAL" clId="{3F41ECCE-9FDD-1541-99E5-A7C910E44630}"/>
+    <pc:docChg chg="undo custSel addSld delSld modSld sldOrd">
+      <pc:chgData name="Karoline Huth" userId="5ffc0af5-9e46-431a-90db-3541adb3af2d" providerId="ADAL" clId="{3F41ECCE-9FDD-1541-99E5-A7C910E44630}" dt="2024-02-01T13:05:36.318" v="567" actId="478"/>
       <pc:docMkLst>
         <pc:docMk/>
       </pc:docMkLst>
       <pc:sldChg chg="modSp mod">
-        <pc:chgData name="Karoline Huth" userId="5ffc0af5-9e46-431a-90db-3541adb3af2d" providerId="ADAL" clId="{35CDCACC-1AB0-4A43-BD94-46D129CDAB7E}" dt="2024-07-03T14:59:24.053" v="3" actId="20577"/>
+        <pc:chgData name="Karoline Huth" userId="5ffc0af5-9e46-431a-90db-3541adb3af2d" providerId="ADAL" clId="{3F41ECCE-9FDD-1541-99E5-A7C910E44630}" dt="2024-01-31T18:21:06.603" v="16" actId="20577"/>
         <pc:sldMkLst>
           <pc:docMk/>
           <pc:sldMk cId="3501034909" sldId="293"/>
         </pc:sldMkLst>
         <pc:spChg chg="mod">
-          <ac:chgData name="Karoline Huth" userId="5ffc0af5-9e46-431a-90db-3541adb3af2d" providerId="ADAL" clId="{35CDCACC-1AB0-4A43-BD94-46D129CDAB7E}" dt="2024-07-03T14:59:24.053" v="3" actId="20577"/>
+          <ac:chgData name="Karoline Huth" userId="5ffc0af5-9e46-431a-90db-3541adb3af2d" providerId="ADAL" clId="{3F41ECCE-9FDD-1541-99E5-A7C910E44630}" dt="2024-01-31T18:21:06.603" v="16" actId="20577"/>
           <ac:spMkLst>
             <pc:docMk/>
             <pc:sldMk cId="3501034909" sldId="293"/>
@@ -2655,73 +2280,60 @@
           </ac:spMkLst>
         </pc:spChg>
       </pc:sldChg>
-      <pc:sldChg chg="addSp modSp mod modAnim">
-        <pc:chgData name="Karoline Huth" userId="5ffc0af5-9e46-431a-90db-3541adb3af2d" providerId="ADAL" clId="{35CDCACC-1AB0-4A43-BD94-46D129CDAB7E}" dt="2024-07-04T07:13:46.920" v="56"/>
-        <pc:sldMkLst>
-          <pc:docMk/>
-          <pc:sldMk cId="149297165" sldId="300"/>
-        </pc:sldMkLst>
-        <pc:cxnChg chg="add mod">
-          <ac:chgData name="Karoline Huth" userId="5ffc0af5-9e46-431a-90db-3541adb3af2d" providerId="ADAL" clId="{35CDCACC-1AB0-4A43-BD94-46D129CDAB7E}" dt="2024-07-04T07:13:33.971" v="55" actId="1582"/>
-          <ac:cxnSpMkLst>
-            <pc:docMk/>
-            <pc:sldMk cId="149297165" sldId="300"/>
-            <ac:cxnSpMk id="5" creationId="{4E421DC1-6A78-9398-BF58-DF59B2549E4A}"/>
-          </ac:cxnSpMkLst>
-        </pc:cxnChg>
-      </pc:sldChg>
-      <pc:sldChg chg="modSp mod">
-        <pc:chgData name="Karoline Huth" userId="5ffc0af5-9e46-431a-90db-3541adb3af2d" providerId="ADAL" clId="{35CDCACC-1AB0-4A43-BD94-46D129CDAB7E}" dt="2024-07-04T09:47:14.109" v="127" actId="20577"/>
-        <pc:sldMkLst>
-          <pc:docMk/>
-          <pc:sldMk cId="1186627447" sldId="597"/>
-        </pc:sldMkLst>
-        <pc:spChg chg="mod">
-          <ac:chgData name="Karoline Huth" userId="5ffc0af5-9e46-431a-90db-3541adb3af2d" providerId="ADAL" clId="{35CDCACC-1AB0-4A43-BD94-46D129CDAB7E}" dt="2024-07-04T09:47:14.109" v="127" actId="20577"/>
-          <ac:spMkLst>
-            <pc:docMk/>
-            <pc:sldMk cId="1186627447" sldId="597"/>
-            <ac:spMk id="16" creationId="{061BB5C3-3928-D2EA-5D56-11DDECB41B1E}"/>
-          </ac:spMkLst>
-        </pc:spChg>
-      </pc:sldChg>
-      <pc:sldChg chg="modSp ord modAnim">
-        <pc:chgData name="Karoline Huth" userId="5ffc0af5-9e46-431a-90db-3541adb3af2d" providerId="ADAL" clId="{35CDCACC-1AB0-4A43-BD94-46D129CDAB7E}" dt="2024-07-04T09:46:52.329" v="122" actId="20578"/>
+      <pc:sldChg chg="ord modNotesTx">
+        <pc:chgData name="Karoline Huth" userId="5ffc0af5-9e46-431a-90db-3541adb3af2d" providerId="ADAL" clId="{3F41ECCE-9FDD-1541-99E5-A7C910E44630}" dt="2024-02-01T12:56:07.936" v="560" actId="20578"/>
         <pc:sldMkLst>
           <pc:docMk/>
           <pc:sldMk cId="3936712023" sldId="601"/>
         </pc:sldMkLst>
-        <pc:spChg chg="mod">
-          <ac:chgData name="Karoline Huth" userId="5ffc0af5-9e46-431a-90db-3541adb3af2d" providerId="ADAL" clId="{35CDCACC-1AB0-4A43-BD94-46D129CDAB7E}" dt="2024-07-04T09:28:36.376" v="121" actId="207"/>
-          <ac:spMkLst>
-            <pc:docMk/>
-            <pc:sldMk cId="3936712023" sldId="601"/>
-            <ac:spMk id="4" creationId="{D71C6EAF-580F-852F-321E-918CE6F5A90C}"/>
-          </ac:spMkLst>
-        </pc:spChg>
       </pc:sldChg>
-      <pc:sldChg chg="ord">
-        <pc:chgData name="Karoline Huth" userId="5ffc0af5-9e46-431a-90db-3541adb3af2d" providerId="ADAL" clId="{35CDCACC-1AB0-4A43-BD94-46D129CDAB7E}" dt="2024-07-04T09:46:52.329" v="122" actId="20578"/>
+      <pc:sldChg chg="addSp delSp modSp mod delAnim modAnim">
+        <pc:chgData name="Karoline Huth" userId="5ffc0af5-9e46-431a-90db-3541adb3af2d" providerId="ADAL" clId="{3F41ECCE-9FDD-1541-99E5-A7C910E44630}" dt="2024-02-01T13:05:36.318" v="567" actId="478"/>
         <pc:sldMkLst>
           <pc:docMk/>
           <pc:sldMk cId="972036101" sldId="602"/>
         </pc:sldMkLst>
-      </pc:sldChg>
-      <pc:sldChg chg="ord">
-        <pc:chgData name="Karoline Huth" userId="5ffc0af5-9e46-431a-90db-3541adb3af2d" providerId="ADAL" clId="{35CDCACC-1AB0-4A43-BD94-46D129CDAB7E}" dt="2024-07-04T09:46:52.329" v="122" actId="20578"/>
-        <pc:sldMkLst>
-          <pc:docMk/>
-          <pc:sldMk cId="2081536377" sldId="603"/>
-        </pc:sldMkLst>
+        <pc:spChg chg="mod">
+          <ac:chgData name="Karoline Huth" userId="5ffc0af5-9e46-431a-90db-3541adb3af2d" providerId="ADAL" clId="{3F41ECCE-9FDD-1541-99E5-A7C910E44630}" dt="2024-01-31T18:23:28.972" v="143" actId="20577"/>
+          <ac:spMkLst>
+            <pc:docMk/>
+            <pc:sldMk cId="972036101" sldId="602"/>
+            <ac:spMk id="3" creationId="{BCF9DA46-A066-8C30-6E55-FD9521659176}"/>
+          </ac:spMkLst>
+        </pc:spChg>
+        <pc:spChg chg="del mod">
+          <ac:chgData name="Karoline Huth" userId="5ffc0af5-9e46-431a-90db-3541adb3af2d" providerId="ADAL" clId="{3F41ECCE-9FDD-1541-99E5-A7C910E44630}" dt="2024-01-31T18:23:42.714" v="150" actId="478"/>
+          <ac:spMkLst>
+            <pc:docMk/>
+            <pc:sldMk cId="972036101" sldId="602"/>
+            <ac:spMk id="4" creationId="{F9EA6ED8-47E7-7DDE-5BEC-DBCBB274E8D8}"/>
+          </ac:spMkLst>
+        </pc:spChg>
+        <pc:spChg chg="add mod">
+          <ac:chgData name="Karoline Huth" userId="5ffc0af5-9e46-431a-90db-3541adb3af2d" providerId="ADAL" clId="{3F41ECCE-9FDD-1541-99E5-A7C910E44630}" dt="2024-01-31T18:26:34.742" v="437" actId="20577"/>
+          <ac:spMkLst>
+            <pc:docMk/>
+            <pc:sldMk cId="972036101" sldId="602"/>
+            <ac:spMk id="5" creationId="{4E1AEB7C-6D72-C634-FFF4-6946DF676988}"/>
+          </ac:spMkLst>
+        </pc:spChg>
+        <pc:picChg chg="add del mod modCrop">
+          <ac:chgData name="Karoline Huth" userId="5ffc0af5-9e46-431a-90db-3541adb3af2d" providerId="ADAL" clId="{3F41ECCE-9FDD-1541-99E5-A7C910E44630}" dt="2024-02-01T13:05:36.318" v="567" actId="478"/>
+          <ac:picMkLst>
+            <pc:docMk/>
+            <pc:sldMk cId="972036101" sldId="602"/>
+            <ac:picMk id="9" creationId="{3CB4B699-9EB8-5FB9-6507-D1FE0825D7B5}"/>
+          </ac:picMkLst>
+        </pc:picChg>
       </pc:sldChg>
       <pc:sldChg chg="modSp mod">
-        <pc:chgData name="Karoline Huth" userId="5ffc0af5-9e46-431a-90db-3541adb3af2d" providerId="ADAL" clId="{35CDCACC-1AB0-4A43-BD94-46D129CDAB7E}" dt="2024-07-03T15:07:36.694" v="49" actId="21"/>
+        <pc:chgData name="Karoline Huth" userId="5ffc0af5-9e46-431a-90db-3541adb3af2d" providerId="ADAL" clId="{3F41ECCE-9FDD-1541-99E5-A7C910E44630}" dt="2024-01-31T18:38:36.126" v="540" actId="114"/>
         <pc:sldMkLst>
           <pc:docMk/>
           <pc:sldMk cId="300369435" sldId="629"/>
         </pc:sldMkLst>
         <pc:spChg chg="mod">
-          <ac:chgData name="Karoline Huth" userId="5ffc0af5-9e46-431a-90db-3541adb3af2d" providerId="ADAL" clId="{35CDCACC-1AB0-4A43-BD94-46D129CDAB7E}" dt="2024-07-03T15:07:30.642" v="48" actId="1035"/>
+          <ac:chgData name="Karoline Huth" userId="5ffc0af5-9e46-431a-90db-3541adb3af2d" providerId="ADAL" clId="{3F41ECCE-9FDD-1541-99E5-A7C910E44630}" dt="2024-01-31T18:30:15.220" v="495" actId="1076"/>
           <ac:spMkLst>
             <pc:docMk/>
             <pc:sldMk cId="300369435" sldId="629"/>
@@ -2729,7 +2341,7 @@
           </ac:spMkLst>
         </pc:spChg>
         <pc:spChg chg="mod">
-          <ac:chgData name="Karoline Huth" userId="5ffc0af5-9e46-431a-90db-3541adb3af2d" providerId="ADAL" clId="{35CDCACC-1AB0-4A43-BD94-46D129CDAB7E}" dt="2024-07-03T15:07:36.694" v="49" actId="21"/>
+          <ac:chgData name="Karoline Huth" userId="5ffc0af5-9e46-431a-90db-3541adb3af2d" providerId="ADAL" clId="{3F41ECCE-9FDD-1541-99E5-A7C910E44630}" dt="2024-01-31T18:38:36.126" v="540" actId="114"/>
           <ac:spMkLst>
             <pc:docMk/>
             <pc:sldMk cId="300369435" sldId="629"/>
@@ -2737,92 +2349,19 @@
           </ac:spMkLst>
         </pc:spChg>
       </pc:sldChg>
-      <pc:sldChg chg="addSp modSp mod ord">
-        <pc:chgData name="Karoline Huth" userId="5ffc0af5-9e46-431a-90db-3541adb3af2d" providerId="ADAL" clId="{35CDCACC-1AB0-4A43-BD94-46D129CDAB7E}" dt="2024-07-04T09:58:20.661" v="129" actId="20578"/>
+      <pc:sldChg chg="add del">
+        <pc:chgData name="Karoline Huth" userId="5ffc0af5-9e46-431a-90db-3541adb3af2d" providerId="ADAL" clId="{3F41ECCE-9FDD-1541-99E5-A7C910E44630}" dt="2024-02-01T13:01:44.410" v="562" actId="2696"/>
+        <pc:sldMkLst>
+          <pc:docMk/>
+          <pc:sldMk cId="72108519" sldId="630"/>
+        </pc:sldMkLst>
+      </pc:sldChg>
+      <pc:sldChg chg="add modAnim">
+        <pc:chgData name="Karoline Huth" userId="5ffc0af5-9e46-431a-90db-3541adb3af2d" providerId="ADAL" clId="{3F41ECCE-9FDD-1541-99E5-A7C910E44630}" dt="2024-02-01T13:05:27.793" v="566"/>
         <pc:sldMkLst>
           <pc:docMk/>
           <pc:sldMk cId="4221003262" sldId="630"/>
         </pc:sldMkLst>
-        <pc:spChg chg="add mod">
-          <ac:chgData name="Karoline Huth" userId="5ffc0af5-9e46-431a-90db-3541adb3af2d" providerId="ADAL" clId="{35CDCACC-1AB0-4A43-BD94-46D129CDAB7E}" dt="2024-07-03T15:18:16.385" v="52" actId="208"/>
-          <ac:spMkLst>
-            <pc:docMk/>
-            <pc:sldMk cId="4221003262" sldId="630"/>
-            <ac:spMk id="4" creationId="{8062C01B-9E8C-FA5A-1A77-3DBAF8936B61}"/>
-          </ac:spMkLst>
-        </pc:spChg>
-      </pc:sldChg>
-    </pc:docChg>
-  </pc:docChgLst>
-  <pc:docChgLst>
-    <pc:chgData name="Karoline Huth" userId="5ffc0af5-9e46-431a-90db-3541adb3af2d" providerId="ADAL" clId="{ED64B26F-7C11-2642-934F-AB01F48A72C5}"/>
-    <pc:docChg chg="custSel addSld modSld">
-      <pc:chgData name="Karoline Huth" userId="5ffc0af5-9e46-431a-90db-3541adb3af2d" providerId="ADAL" clId="{ED64B26F-7C11-2642-934F-AB01F48A72C5}" dt="2023-01-28T09:58:41.549" v="6" actId="478"/>
-      <pc:docMkLst>
-        <pc:docMk/>
-      </pc:docMkLst>
-      <pc:sldChg chg="delSp add mod">
-        <pc:chgData name="Karoline Huth" userId="5ffc0af5-9e46-431a-90db-3541adb3af2d" providerId="ADAL" clId="{ED64B26F-7C11-2642-934F-AB01F48A72C5}" dt="2023-01-28T09:58:41.549" v="6" actId="478"/>
-        <pc:sldMkLst>
-          <pc:docMk/>
-          <pc:sldMk cId="3206181153" sldId="593"/>
-        </pc:sldMkLst>
-        <pc:spChg chg="del">
-          <ac:chgData name="Karoline Huth" userId="5ffc0af5-9e46-431a-90db-3541adb3af2d" providerId="ADAL" clId="{ED64B26F-7C11-2642-934F-AB01F48A72C5}" dt="2023-01-28T09:58:39.089" v="5" actId="478"/>
-          <ac:spMkLst>
-            <pc:docMk/>
-            <pc:sldMk cId="3206181153" sldId="593"/>
-            <ac:spMk id="25" creationId="{B8005C81-1B67-81B2-C9CA-3355369F7E69}"/>
-          </ac:spMkLst>
-        </pc:spChg>
-        <pc:picChg chg="del">
-          <ac:chgData name="Karoline Huth" userId="5ffc0af5-9e46-431a-90db-3541adb3af2d" providerId="ADAL" clId="{ED64B26F-7C11-2642-934F-AB01F48A72C5}" dt="2023-01-28T09:58:36.579" v="4" actId="478"/>
-          <ac:picMkLst>
-            <pc:docMk/>
-            <pc:sldMk cId="3206181153" sldId="593"/>
-            <ac:picMk id="21" creationId="{2395EE57-B078-2B8E-490C-A6776C442A84}"/>
-          </ac:picMkLst>
-        </pc:picChg>
-        <pc:picChg chg="del">
-          <ac:chgData name="Karoline Huth" userId="5ffc0af5-9e46-431a-90db-3541adb3af2d" providerId="ADAL" clId="{ED64B26F-7C11-2642-934F-AB01F48A72C5}" dt="2023-01-28T09:58:34.062" v="2" actId="478"/>
-          <ac:picMkLst>
-            <pc:docMk/>
-            <pc:sldMk cId="3206181153" sldId="593"/>
-            <ac:picMk id="23" creationId="{5AF65A58-3279-2B34-A816-4BE5964A8910}"/>
-          </ac:picMkLst>
-        </pc:picChg>
-        <pc:picChg chg="del">
-          <ac:chgData name="Karoline Huth" userId="5ffc0af5-9e46-431a-90db-3541adb3af2d" providerId="ADAL" clId="{ED64B26F-7C11-2642-934F-AB01F48A72C5}" dt="2023-01-28T09:58:32.541" v="1" actId="478"/>
-          <ac:picMkLst>
-            <pc:docMk/>
-            <pc:sldMk cId="3206181153" sldId="593"/>
-            <ac:picMk id="24" creationId="{11AE8392-0254-A66C-6D9E-7AB057EF55EF}"/>
-          </ac:picMkLst>
-        </pc:picChg>
-        <pc:picChg chg="del">
-          <ac:chgData name="Karoline Huth" userId="5ffc0af5-9e46-431a-90db-3541adb3af2d" providerId="ADAL" clId="{ED64B26F-7C11-2642-934F-AB01F48A72C5}" dt="2023-01-28T09:58:35.376" v="3" actId="478"/>
-          <ac:picMkLst>
-            <pc:docMk/>
-            <pc:sldMk cId="3206181153" sldId="593"/>
-            <ac:picMk id="1026" creationId="{F1E41132-CD25-4445-850A-0D74A6F3BBAD}"/>
-          </ac:picMkLst>
-        </pc:picChg>
-        <pc:picChg chg="del">
-          <ac:chgData name="Karoline Huth" userId="5ffc0af5-9e46-431a-90db-3541adb3af2d" providerId="ADAL" clId="{ED64B26F-7C11-2642-934F-AB01F48A72C5}" dt="2023-01-28T09:58:41.549" v="6" actId="478"/>
-          <ac:picMkLst>
-            <pc:docMk/>
-            <pc:sldMk cId="3206181153" sldId="593"/>
-            <ac:picMk id="4098" creationId="{49581BDF-664E-3B7E-94C3-7C10016CCE1E}"/>
-          </ac:picMkLst>
-        </pc:picChg>
-        <pc:picChg chg="del">
-          <ac:chgData name="Karoline Huth" userId="5ffc0af5-9e46-431a-90db-3541adb3af2d" providerId="ADAL" clId="{ED64B26F-7C11-2642-934F-AB01F48A72C5}" dt="2023-01-28T09:58:41.549" v="6" actId="478"/>
-          <ac:picMkLst>
-            <pc:docMk/>
-            <pc:sldMk cId="3206181153" sldId="593"/>
-            <ac:picMk id="4100" creationId="{F79799AA-D495-9BD0-E4D7-DC008D6FCDCE}"/>
-          </ac:picMkLst>
-        </pc:picChg>
       </pc:sldChg>
     </pc:docChg>
   </pc:docChgLst>
@@ -6631,6 +6170,2538 @@
         <pc:sldMkLst>
           <pc:docMk/>
           <pc:sldMk cId="2942932033" sldId="592"/>
+        </pc:sldMkLst>
+      </pc:sldChg>
+    </pc:docChg>
+  </pc:docChgLst>
+  <pc:docChgLst>
+    <pc:chgData name="Karoline Huth" userId="5ffc0af5-9e46-431a-90db-3541adb3af2d" providerId="ADAL" clId="{CD978B99-1DD6-9240-BCB0-1186597944FD}"/>
+    <pc:docChg chg="undo custSel addSld delSld modSld sldOrd">
+      <pc:chgData name="Karoline Huth" userId="5ffc0af5-9e46-431a-90db-3541adb3af2d" providerId="ADAL" clId="{CD978B99-1DD6-9240-BCB0-1186597944FD}" dt="2023-02-02T06:39:58.738" v="2256" actId="2710"/>
+      <pc:docMkLst>
+        <pc:docMk/>
+      </pc:docMkLst>
+      <pc:sldChg chg="addSp modSp add mod modAnim">
+        <pc:chgData name="Karoline Huth" userId="5ffc0af5-9e46-431a-90db-3541adb3af2d" providerId="ADAL" clId="{CD978B99-1DD6-9240-BCB0-1186597944FD}" dt="2023-02-01T13:45:28.468" v="1255" actId="1035"/>
+        <pc:sldMkLst>
+          <pc:docMk/>
+          <pc:sldMk cId="4077302" sldId="266"/>
+        </pc:sldMkLst>
+        <pc:spChg chg="mod">
+          <ac:chgData name="Karoline Huth" userId="5ffc0af5-9e46-431a-90db-3541adb3af2d" providerId="ADAL" clId="{CD978B99-1DD6-9240-BCB0-1186597944FD}" dt="2023-02-01T13:44:49.548" v="1221" actId="207"/>
+          <ac:spMkLst>
+            <pc:docMk/>
+            <pc:sldMk cId="4077302" sldId="266"/>
+            <ac:spMk id="2" creationId="{D03E4E89-A9D7-A097-6FD5-53F60284FE10}"/>
+          </ac:spMkLst>
+        </pc:spChg>
+        <pc:spChg chg="mod">
+          <ac:chgData name="Karoline Huth" userId="5ffc0af5-9e46-431a-90db-3541adb3af2d" providerId="ADAL" clId="{CD978B99-1DD6-9240-BCB0-1186597944FD}" dt="2023-02-01T13:44:49.548" v="1221" actId="207"/>
+          <ac:spMkLst>
+            <pc:docMk/>
+            <pc:sldMk cId="4077302" sldId="266"/>
+            <ac:spMk id="3" creationId="{983063D7-84F4-1C9B-0041-6988123FB1A3}"/>
+          </ac:spMkLst>
+        </pc:spChg>
+        <pc:spChg chg="mod">
+          <ac:chgData name="Karoline Huth" userId="5ffc0af5-9e46-431a-90db-3541adb3af2d" providerId="ADAL" clId="{CD978B99-1DD6-9240-BCB0-1186597944FD}" dt="2023-02-01T13:44:55.110" v="1223" actId="207"/>
+          <ac:spMkLst>
+            <pc:docMk/>
+            <pc:sldMk cId="4077302" sldId="266"/>
+            <ac:spMk id="4" creationId="{ADBE3CE7-C89B-8154-28E8-9934CD184937}"/>
+          </ac:spMkLst>
+        </pc:spChg>
+        <pc:spChg chg="add mod">
+          <ac:chgData name="Karoline Huth" userId="5ffc0af5-9e46-431a-90db-3541adb3af2d" providerId="ADAL" clId="{CD978B99-1DD6-9240-BCB0-1186597944FD}" dt="2023-02-01T13:45:28.468" v="1255" actId="1035"/>
+          <ac:spMkLst>
+            <pc:docMk/>
+            <pc:sldMk cId="4077302" sldId="266"/>
+            <ac:spMk id="5" creationId="{ED1D83C2-7DA5-D68E-FE43-8046E2A821C0}"/>
+          </ac:spMkLst>
+        </pc:spChg>
+      </pc:sldChg>
+      <pc:sldChg chg="modSp mod modNotesTx">
+        <pc:chgData name="Karoline Huth" userId="5ffc0af5-9e46-431a-90db-3541adb3af2d" providerId="ADAL" clId="{CD978B99-1DD6-9240-BCB0-1186597944FD}" dt="2023-02-02T06:39:58.738" v="2256" actId="2710"/>
+        <pc:sldMkLst>
+          <pc:docMk/>
+          <pc:sldMk cId="3501034909" sldId="293"/>
+        </pc:sldMkLst>
+        <pc:spChg chg="mod">
+          <ac:chgData name="Karoline Huth" userId="5ffc0af5-9e46-431a-90db-3541adb3af2d" providerId="ADAL" clId="{CD978B99-1DD6-9240-BCB0-1186597944FD}" dt="2023-02-02T06:39:58.738" v="2256" actId="2710"/>
+          <ac:spMkLst>
+            <pc:docMk/>
+            <pc:sldMk cId="3501034909" sldId="293"/>
+            <ac:spMk id="7" creationId="{EA29F227-3810-4945-BD9F-54E29C8A97C2}"/>
+          </ac:spMkLst>
+        </pc:spChg>
+        <pc:spChg chg="mod">
+          <ac:chgData name="Karoline Huth" userId="5ffc0af5-9e46-431a-90db-3541adb3af2d" providerId="ADAL" clId="{CD978B99-1DD6-9240-BCB0-1186597944FD}" dt="2023-02-01T13:48:20.109" v="1264" actId="2711"/>
+          <ac:spMkLst>
+            <pc:docMk/>
+            <pc:sldMk cId="3501034909" sldId="293"/>
+            <ac:spMk id="10" creationId="{25135258-86AA-DD4B-94B3-F565A335C42A}"/>
+          </ac:spMkLst>
+        </pc:spChg>
+        <pc:spChg chg="mod">
+          <ac:chgData name="Karoline Huth" userId="5ffc0af5-9e46-431a-90db-3541adb3af2d" providerId="ADAL" clId="{CD978B99-1DD6-9240-BCB0-1186597944FD}" dt="2023-02-01T13:48:20.109" v="1264" actId="2711"/>
+          <ac:spMkLst>
+            <pc:docMk/>
+            <pc:sldMk cId="3501034909" sldId="293"/>
+            <ac:spMk id="11" creationId="{2A82E7EC-5634-5C4D-A428-6797F1086FBC}"/>
+          </ac:spMkLst>
+        </pc:spChg>
+      </pc:sldChg>
+      <pc:sldChg chg="addSp delSp modSp add mod modAnim">
+        <pc:chgData name="Karoline Huth" userId="5ffc0af5-9e46-431a-90db-3541adb3af2d" providerId="ADAL" clId="{CD978B99-1DD6-9240-BCB0-1186597944FD}" dt="2023-02-02T05:54:55.683" v="2255"/>
+        <pc:sldMkLst>
+          <pc:docMk/>
+          <pc:sldMk cId="149297165" sldId="300"/>
+        </pc:sldMkLst>
+        <pc:spChg chg="del mod">
+          <ac:chgData name="Karoline Huth" userId="5ffc0af5-9e46-431a-90db-3541adb3af2d" providerId="ADAL" clId="{CD978B99-1DD6-9240-BCB0-1186597944FD}" dt="2023-02-01T15:17:17.405" v="1644" actId="478"/>
+          <ac:spMkLst>
+            <pc:docMk/>
+            <pc:sldMk cId="149297165" sldId="300"/>
+            <ac:spMk id="4" creationId="{40D82912-34D7-3D60-A83D-ED6C480DCC1D}"/>
+          </ac:spMkLst>
+        </pc:spChg>
+        <pc:spChg chg="add mod">
+          <ac:chgData name="Karoline Huth" userId="5ffc0af5-9e46-431a-90db-3541adb3af2d" providerId="ADAL" clId="{CD978B99-1DD6-9240-BCB0-1186597944FD}" dt="2023-02-01T15:13:28.374" v="1555" actId="20577"/>
+          <ac:spMkLst>
+            <pc:docMk/>
+            <pc:sldMk cId="149297165" sldId="300"/>
+            <ac:spMk id="8" creationId="{7C2C20C3-2FB0-4500-9631-5BD18DFFAEFB}"/>
+          </ac:spMkLst>
+        </pc:spChg>
+        <pc:spChg chg="add del mod">
+          <ac:chgData name="Karoline Huth" userId="5ffc0af5-9e46-431a-90db-3541adb3af2d" providerId="ADAL" clId="{CD978B99-1DD6-9240-BCB0-1186597944FD}" dt="2023-02-01T15:13:33.552" v="1557" actId="478"/>
+          <ac:spMkLst>
+            <pc:docMk/>
+            <pc:sldMk cId="149297165" sldId="300"/>
+            <ac:spMk id="10" creationId="{B458C3AC-0BFC-99FF-3DBB-B7654AF5252E}"/>
+          </ac:spMkLst>
+        </pc:spChg>
+        <pc:spChg chg="add del mod">
+          <ac:chgData name="Karoline Huth" userId="5ffc0af5-9e46-431a-90db-3541adb3af2d" providerId="ADAL" clId="{CD978B99-1DD6-9240-BCB0-1186597944FD}" dt="2023-02-01T15:17:23.590" v="1646" actId="478"/>
+          <ac:spMkLst>
+            <pc:docMk/>
+            <pc:sldMk cId="149297165" sldId="300"/>
+            <ac:spMk id="14" creationId="{564FC9DF-449C-13DC-24DD-28A0D3B5BAAC}"/>
+          </ac:spMkLst>
+        </pc:spChg>
+        <pc:spChg chg="add del mod">
+          <ac:chgData name="Karoline Huth" userId="5ffc0af5-9e46-431a-90db-3541adb3af2d" providerId="ADAL" clId="{CD978B99-1DD6-9240-BCB0-1186597944FD}" dt="2023-02-01T15:17:21.305" v="1645" actId="478"/>
+          <ac:spMkLst>
+            <pc:docMk/>
+            <pc:sldMk cId="149297165" sldId="300"/>
+            <ac:spMk id="15" creationId="{DE2658FB-B659-A5A5-57B4-9EA7FE70208F}"/>
+          </ac:spMkLst>
+        </pc:spChg>
+        <pc:spChg chg="add del mod">
+          <ac:chgData name="Karoline Huth" userId="5ffc0af5-9e46-431a-90db-3541adb3af2d" providerId="ADAL" clId="{CD978B99-1DD6-9240-BCB0-1186597944FD}" dt="2023-02-01T15:17:21.305" v="1645" actId="478"/>
+          <ac:spMkLst>
+            <pc:docMk/>
+            <pc:sldMk cId="149297165" sldId="300"/>
+            <ac:spMk id="16" creationId="{18E54816-A3C5-FC0E-9289-27375FF3B8D0}"/>
+          </ac:spMkLst>
+        </pc:spChg>
+        <pc:spChg chg="add mod">
+          <ac:chgData name="Karoline Huth" userId="5ffc0af5-9e46-431a-90db-3541adb3af2d" providerId="ADAL" clId="{CD978B99-1DD6-9240-BCB0-1186597944FD}" dt="2023-02-01T15:39:04.683" v="2208" actId="14100"/>
+          <ac:spMkLst>
+            <pc:docMk/>
+            <pc:sldMk cId="149297165" sldId="300"/>
+            <ac:spMk id="17" creationId="{A2EDA60D-5551-30CA-5E95-57CF060BD0B3}"/>
+          </ac:spMkLst>
+        </pc:spChg>
+        <pc:spChg chg="add mod">
+          <ac:chgData name="Karoline Huth" userId="5ffc0af5-9e46-431a-90db-3541adb3af2d" providerId="ADAL" clId="{CD978B99-1DD6-9240-BCB0-1186597944FD}" dt="2023-02-01T15:39:08.352" v="2209" actId="14100"/>
+          <ac:spMkLst>
+            <pc:docMk/>
+            <pc:sldMk cId="149297165" sldId="300"/>
+            <ac:spMk id="18" creationId="{566A9B5D-DBD5-7480-A0B5-1D664BA45E89}"/>
+          </ac:spMkLst>
+        </pc:spChg>
+        <pc:spChg chg="del">
+          <ac:chgData name="Karoline Huth" userId="5ffc0af5-9e46-431a-90db-3541adb3af2d" providerId="ADAL" clId="{CD978B99-1DD6-9240-BCB0-1186597944FD}" dt="2023-02-01T15:13:31.404" v="1556" actId="478"/>
+          <ac:spMkLst>
+            <pc:docMk/>
+            <pc:sldMk cId="149297165" sldId="300"/>
+            <ac:spMk id="19" creationId="{3BD2B9BA-9E95-0B3E-D90E-9B87943EC824}"/>
+          </ac:spMkLst>
+        </pc:spChg>
+        <pc:spChg chg="add mod">
+          <ac:chgData name="Karoline Huth" userId="5ffc0af5-9e46-431a-90db-3541adb3af2d" providerId="ADAL" clId="{CD978B99-1DD6-9240-BCB0-1186597944FD}" dt="2023-02-01T15:39:15.606" v="2212" actId="14100"/>
+          <ac:spMkLst>
+            <pc:docMk/>
+            <pc:sldMk cId="149297165" sldId="300"/>
+            <ac:spMk id="20" creationId="{AD292C16-86A7-8F3F-F150-63162DA30ADD}"/>
+          </ac:spMkLst>
+        </pc:spChg>
+        <pc:spChg chg="add del mod">
+          <ac:chgData name="Karoline Huth" userId="5ffc0af5-9e46-431a-90db-3541adb3af2d" providerId="ADAL" clId="{CD978B99-1DD6-9240-BCB0-1186597944FD}" dt="2023-02-01T15:32:18.862" v="2101" actId="478"/>
+          <ac:spMkLst>
+            <pc:docMk/>
+            <pc:sldMk cId="149297165" sldId="300"/>
+            <ac:spMk id="23" creationId="{DDD6A69C-5CE7-1793-6EBC-C935323E4BD1}"/>
+          </ac:spMkLst>
+        </pc:spChg>
+        <pc:spChg chg="add del mod">
+          <ac:chgData name="Karoline Huth" userId="5ffc0af5-9e46-431a-90db-3541adb3af2d" providerId="ADAL" clId="{CD978B99-1DD6-9240-BCB0-1186597944FD}" dt="2023-02-01T15:32:18.862" v="2101" actId="478"/>
+          <ac:spMkLst>
+            <pc:docMk/>
+            <pc:sldMk cId="149297165" sldId="300"/>
+            <ac:spMk id="24" creationId="{15A6388F-D7EE-D63C-81F1-B3D7FD62DF32}"/>
+          </ac:spMkLst>
+        </pc:spChg>
+        <pc:spChg chg="add del mod">
+          <ac:chgData name="Karoline Huth" userId="5ffc0af5-9e46-431a-90db-3541adb3af2d" providerId="ADAL" clId="{CD978B99-1DD6-9240-BCB0-1186597944FD}" dt="2023-02-01T15:32:18.862" v="2101" actId="478"/>
+          <ac:spMkLst>
+            <pc:docMk/>
+            <pc:sldMk cId="149297165" sldId="300"/>
+            <ac:spMk id="25" creationId="{1F1159CE-93C1-1567-D6F9-07688CB70F06}"/>
+          </ac:spMkLst>
+        </pc:spChg>
+        <pc:spChg chg="add del mod">
+          <ac:chgData name="Karoline Huth" userId="5ffc0af5-9e46-431a-90db-3541adb3af2d" providerId="ADAL" clId="{CD978B99-1DD6-9240-BCB0-1186597944FD}" dt="2023-02-01T15:32:18.862" v="2101" actId="478"/>
+          <ac:spMkLst>
+            <pc:docMk/>
+            <pc:sldMk cId="149297165" sldId="300"/>
+            <ac:spMk id="26" creationId="{BD8CDD1B-7F84-78C8-599F-D83F05760D4A}"/>
+          </ac:spMkLst>
+        </pc:spChg>
+        <pc:spChg chg="add del mod">
+          <ac:chgData name="Karoline Huth" userId="5ffc0af5-9e46-431a-90db-3541adb3af2d" providerId="ADAL" clId="{CD978B99-1DD6-9240-BCB0-1186597944FD}" dt="2023-02-01T15:32:18.862" v="2101" actId="478"/>
+          <ac:spMkLst>
+            <pc:docMk/>
+            <pc:sldMk cId="149297165" sldId="300"/>
+            <ac:spMk id="27" creationId="{61DF0CE8-48C3-1704-C89B-0175668D491D}"/>
+          </ac:spMkLst>
+        </pc:spChg>
+        <pc:spChg chg="add mod">
+          <ac:chgData name="Karoline Huth" userId="5ffc0af5-9e46-431a-90db-3541adb3af2d" providerId="ADAL" clId="{CD978B99-1DD6-9240-BCB0-1186597944FD}" dt="2023-02-01T15:28:47.298" v="2024" actId="207"/>
+          <ac:spMkLst>
+            <pc:docMk/>
+            <pc:sldMk cId="149297165" sldId="300"/>
+            <ac:spMk id="30" creationId="{5110CD13-0F8A-E151-6690-C69EDE75B691}"/>
+          </ac:spMkLst>
+        </pc:spChg>
+        <pc:spChg chg="add mod">
+          <ac:chgData name="Karoline Huth" userId="5ffc0af5-9e46-431a-90db-3541adb3af2d" providerId="ADAL" clId="{CD978B99-1DD6-9240-BCB0-1186597944FD}" dt="2023-02-01T15:28:47.298" v="2024" actId="207"/>
+          <ac:spMkLst>
+            <pc:docMk/>
+            <pc:sldMk cId="149297165" sldId="300"/>
+            <ac:spMk id="34" creationId="{43F4825E-67BD-727D-9DE2-17E0BDEFAB43}"/>
+          </ac:spMkLst>
+        </pc:spChg>
+        <pc:spChg chg="add mod">
+          <ac:chgData name="Karoline Huth" userId="5ffc0af5-9e46-431a-90db-3541adb3af2d" providerId="ADAL" clId="{CD978B99-1DD6-9240-BCB0-1186597944FD}" dt="2023-02-01T15:29:17.272" v="2030" actId="1076"/>
+          <ac:spMkLst>
+            <pc:docMk/>
+            <pc:sldMk cId="149297165" sldId="300"/>
+            <ac:spMk id="35" creationId="{D77BF7A8-67D3-5DD5-50BC-48B84343C863}"/>
+          </ac:spMkLst>
+        </pc:spChg>
+        <pc:spChg chg="add mod">
+          <ac:chgData name="Karoline Huth" userId="5ffc0af5-9e46-431a-90db-3541adb3af2d" providerId="ADAL" clId="{CD978B99-1DD6-9240-BCB0-1186597944FD}" dt="2023-02-02T05:52:25.803" v="2243" actId="1036"/>
+          <ac:spMkLst>
+            <pc:docMk/>
+            <pc:sldMk cId="149297165" sldId="300"/>
+            <ac:spMk id="36" creationId="{5E60E948-B8BE-812E-ECF5-9C29BBBE2307}"/>
+          </ac:spMkLst>
+        </pc:spChg>
+        <pc:spChg chg="add del mod">
+          <ac:chgData name="Karoline Huth" userId="5ffc0af5-9e46-431a-90db-3541adb3af2d" providerId="ADAL" clId="{CD978B99-1DD6-9240-BCB0-1186597944FD}" dt="2023-02-01T15:33:44.548" v="2151"/>
+          <ac:spMkLst>
+            <pc:docMk/>
+            <pc:sldMk cId="149297165" sldId="300"/>
+            <ac:spMk id="38" creationId="{D476AFDB-3C5E-1208-AE0E-A1D786C0F6FA}"/>
+          </ac:spMkLst>
+        </pc:spChg>
+        <pc:picChg chg="mod">
+          <ac:chgData name="Karoline Huth" userId="5ffc0af5-9e46-431a-90db-3541adb3af2d" providerId="ADAL" clId="{CD978B99-1DD6-9240-BCB0-1186597944FD}" dt="2023-02-01T15:26:05.282" v="1987" actId="1037"/>
+          <ac:picMkLst>
+            <pc:docMk/>
+            <pc:sldMk cId="149297165" sldId="300"/>
+            <ac:picMk id="3" creationId="{DFAB1588-3524-2961-42DE-854973C19388}"/>
+          </ac:picMkLst>
+        </pc:picChg>
+        <pc:picChg chg="del">
+          <ac:chgData name="Karoline Huth" userId="5ffc0af5-9e46-431a-90db-3541adb3af2d" providerId="ADAL" clId="{CD978B99-1DD6-9240-BCB0-1186597944FD}" dt="2023-02-01T15:16:01.763" v="1574" actId="478"/>
+          <ac:picMkLst>
+            <pc:docMk/>
+            <pc:sldMk cId="149297165" sldId="300"/>
+            <ac:picMk id="5" creationId="{72BE00FE-C441-40BD-81F1-80E552F20F8B}"/>
+          </ac:picMkLst>
+        </pc:picChg>
+        <pc:picChg chg="del">
+          <ac:chgData name="Karoline Huth" userId="5ffc0af5-9e46-431a-90db-3541adb3af2d" providerId="ADAL" clId="{CD978B99-1DD6-9240-BCB0-1186597944FD}" dt="2023-02-01T15:16:01.763" v="1574" actId="478"/>
+          <ac:picMkLst>
+            <pc:docMk/>
+            <pc:sldMk cId="149297165" sldId="300"/>
+            <ac:picMk id="6" creationId="{223B9359-7AF8-FD3C-4673-58775BFA52D7}"/>
+          </ac:picMkLst>
+        </pc:picChg>
+        <pc:picChg chg="add del mod">
+          <ac:chgData name="Karoline Huth" userId="5ffc0af5-9e46-431a-90db-3541adb3af2d" providerId="ADAL" clId="{CD978B99-1DD6-9240-BCB0-1186597944FD}" dt="2023-02-01T15:26:57.759" v="1992" actId="478"/>
+          <ac:picMkLst>
+            <pc:docMk/>
+            <pc:sldMk cId="149297165" sldId="300"/>
+            <ac:picMk id="29" creationId="{7B8ADFF5-C692-5BAA-2A47-B7DA7C40468D}"/>
+          </ac:picMkLst>
+        </pc:picChg>
+        <pc:picChg chg="add mod">
+          <ac:chgData name="Karoline Huth" userId="5ffc0af5-9e46-431a-90db-3541adb3af2d" providerId="ADAL" clId="{CD978B99-1DD6-9240-BCB0-1186597944FD}" dt="2023-02-01T15:33:57.011" v="2190" actId="1036"/>
+          <ac:picMkLst>
+            <pc:docMk/>
+            <pc:sldMk cId="149297165" sldId="300"/>
+            <ac:picMk id="37" creationId="{0B50D8D2-61CE-BD4A-4DF6-C82C47D9CE22}"/>
+          </ac:picMkLst>
+        </pc:picChg>
+        <pc:picChg chg="add mod">
+          <ac:chgData name="Karoline Huth" userId="5ffc0af5-9e46-431a-90db-3541adb3af2d" providerId="ADAL" clId="{CD978B99-1DD6-9240-BCB0-1186597944FD}" dt="2023-02-01T15:33:57.011" v="2190" actId="1036"/>
+          <ac:picMkLst>
+            <pc:docMk/>
+            <pc:sldMk cId="149297165" sldId="300"/>
+            <ac:picMk id="1026" creationId="{E6111508-5378-3625-D848-6EE47B91B663}"/>
+          </ac:picMkLst>
+        </pc:picChg>
+        <pc:cxnChg chg="add mod">
+          <ac:chgData name="Karoline Huth" userId="5ffc0af5-9e46-431a-90db-3541adb3af2d" providerId="ADAL" clId="{CD978B99-1DD6-9240-BCB0-1186597944FD}" dt="2023-02-01T15:13:11.822" v="1515"/>
+          <ac:cxnSpMkLst>
+            <pc:docMk/>
+            <pc:sldMk cId="149297165" sldId="300"/>
+            <ac:cxnSpMk id="2" creationId="{F1547CC5-A1C1-05CD-C077-C71455B7CE0F}"/>
+          </ac:cxnSpMkLst>
+        </pc:cxnChg>
+        <pc:cxnChg chg="add mod">
+          <ac:chgData name="Karoline Huth" userId="5ffc0af5-9e46-431a-90db-3541adb3af2d" providerId="ADAL" clId="{CD978B99-1DD6-9240-BCB0-1186597944FD}" dt="2023-02-01T15:13:11.822" v="1515"/>
+          <ac:cxnSpMkLst>
+            <pc:docMk/>
+            <pc:sldMk cId="149297165" sldId="300"/>
+            <ac:cxnSpMk id="7" creationId="{739F58F2-30E9-2AB8-FCBD-46A5232EA8A5}"/>
+          </ac:cxnSpMkLst>
+        </pc:cxnChg>
+        <pc:cxnChg chg="add del mod">
+          <ac:chgData name="Karoline Huth" userId="5ffc0af5-9e46-431a-90db-3541adb3af2d" providerId="ADAL" clId="{CD978B99-1DD6-9240-BCB0-1186597944FD}" dt="2023-02-01T15:17:21.305" v="1645" actId="478"/>
+          <ac:cxnSpMkLst>
+            <pc:docMk/>
+            <pc:sldMk cId="149297165" sldId="300"/>
+            <ac:cxnSpMk id="11" creationId="{C06AA82D-1A89-A127-CBDD-54064A1C50E2}"/>
+          </ac:cxnSpMkLst>
+        </pc:cxnChg>
+        <pc:cxnChg chg="add del mod">
+          <ac:chgData name="Karoline Huth" userId="5ffc0af5-9e46-431a-90db-3541adb3af2d" providerId="ADAL" clId="{CD978B99-1DD6-9240-BCB0-1186597944FD}" dt="2023-02-01T15:17:21.305" v="1645" actId="478"/>
+          <ac:cxnSpMkLst>
+            <pc:docMk/>
+            <pc:sldMk cId="149297165" sldId="300"/>
+            <ac:cxnSpMk id="12" creationId="{7234A9C3-7A87-DCEA-1E00-116F09CC4540}"/>
+          </ac:cxnSpMkLst>
+        </pc:cxnChg>
+        <pc:cxnChg chg="add del mod">
+          <ac:chgData name="Karoline Huth" userId="5ffc0af5-9e46-431a-90db-3541adb3af2d" providerId="ADAL" clId="{CD978B99-1DD6-9240-BCB0-1186597944FD}" dt="2023-02-01T15:17:21.305" v="1645" actId="478"/>
+          <ac:cxnSpMkLst>
+            <pc:docMk/>
+            <pc:sldMk cId="149297165" sldId="300"/>
+            <ac:cxnSpMk id="13" creationId="{28F91935-EBBE-263C-4AC8-62EEE0910DE5}"/>
+          </ac:cxnSpMkLst>
+        </pc:cxnChg>
+        <pc:cxnChg chg="add del mod">
+          <ac:chgData name="Karoline Huth" userId="5ffc0af5-9e46-431a-90db-3541adb3af2d" providerId="ADAL" clId="{CD978B99-1DD6-9240-BCB0-1186597944FD}" dt="2023-02-01T15:32:18.862" v="2101" actId="478"/>
+          <ac:cxnSpMkLst>
+            <pc:docMk/>
+            <pc:sldMk cId="149297165" sldId="300"/>
+            <ac:cxnSpMk id="22" creationId="{C19A4D4B-1555-52AA-2CFB-E793910E10B2}"/>
+          </ac:cxnSpMkLst>
+        </pc:cxnChg>
+        <pc:cxnChg chg="add mod">
+          <ac:chgData name="Karoline Huth" userId="5ffc0af5-9e46-431a-90db-3541adb3af2d" providerId="ADAL" clId="{CD978B99-1DD6-9240-BCB0-1186597944FD}" dt="2023-02-01T15:28:57.294" v="2025" actId="208"/>
+          <ac:cxnSpMkLst>
+            <pc:docMk/>
+            <pc:sldMk cId="149297165" sldId="300"/>
+            <ac:cxnSpMk id="32" creationId="{D5619484-477F-3A69-2518-373D142F04DC}"/>
+          </ac:cxnSpMkLst>
+        </pc:cxnChg>
+      </pc:sldChg>
+      <pc:sldChg chg="addSp delSp modSp add mod">
+        <pc:chgData name="Karoline Huth" userId="5ffc0af5-9e46-431a-90db-3541adb3af2d" providerId="ADAL" clId="{CD978B99-1DD6-9240-BCB0-1186597944FD}" dt="2023-02-01T13:43:53.259" v="1215" actId="2711"/>
+        <pc:sldMkLst>
+          <pc:docMk/>
+          <pc:sldMk cId="1273181633" sldId="312"/>
+        </pc:sldMkLst>
+        <pc:spChg chg="del">
+          <ac:chgData name="Karoline Huth" userId="5ffc0af5-9e46-431a-90db-3541adb3af2d" providerId="ADAL" clId="{CD978B99-1DD6-9240-BCB0-1186597944FD}" dt="2023-01-31T14:16:02.327" v="782" actId="478"/>
+          <ac:spMkLst>
+            <pc:docMk/>
+            <pc:sldMk cId="1273181633" sldId="312"/>
+            <ac:spMk id="2" creationId="{E87BBB73-188F-5C45-B8B5-B024412E618A}"/>
+          </ac:spMkLst>
+        </pc:spChg>
+        <pc:spChg chg="add del mod">
+          <ac:chgData name="Karoline Huth" userId="5ffc0af5-9e46-431a-90db-3541adb3af2d" providerId="ADAL" clId="{CD978B99-1DD6-9240-BCB0-1186597944FD}" dt="2023-01-31T14:16:12.696" v="799" actId="478"/>
+          <ac:spMkLst>
+            <pc:docMk/>
+            <pc:sldMk cId="1273181633" sldId="312"/>
+            <ac:spMk id="12" creationId="{D1070F1A-E991-D7AC-0F25-B747471F25F8}"/>
+          </ac:spMkLst>
+        </pc:spChg>
+        <pc:spChg chg="add mod">
+          <ac:chgData name="Karoline Huth" userId="5ffc0af5-9e46-431a-90db-3541adb3af2d" providerId="ADAL" clId="{CD978B99-1DD6-9240-BCB0-1186597944FD}" dt="2023-02-01T13:43:53.259" v="1215" actId="2711"/>
+          <ac:spMkLst>
+            <pc:docMk/>
+            <pc:sldMk cId="1273181633" sldId="312"/>
+            <ac:spMk id="13" creationId="{CD342A49-5E25-DF8F-9D9A-578F3477B897}"/>
+          </ac:spMkLst>
+        </pc:spChg>
+        <pc:cxnChg chg="add mod">
+          <ac:chgData name="Karoline Huth" userId="5ffc0af5-9e46-431a-90db-3541adb3af2d" providerId="ADAL" clId="{CD978B99-1DD6-9240-BCB0-1186597944FD}" dt="2023-01-31T14:16:02.771" v="783"/>
+          <ac:cxnSpMkLst>
+            <pc:docMk/>
+            <pc:sldMk cId="1273181633" sldId="312"/>
+            <ac:cxnSpMk id="14" creationId="{DDC36FC4-BF72-6572-8781-5C428BC5D55F}"/>
+          </ac:cxnSpMkLst>
+        </pc:cxnChg>
+        <pc:cxnChg chg="add mod">
+          <ac:chgData name="Karoline Huth" userId="5ffc0af5-9e46-431a-90db-3541adb3af2d" providerId="ADAL" clId="{CD978B99-1DD6-9240-BCB0-1186597944FD}" dt="2023-01-31T14:16:02.771" v="783"/>
+          <ac:cxnSpMkLst>
+            <pc:docMk/>
+            <pc:sldMk cId="1273181633" sldId="312"/>
+            <ac:cxnSpMk id="15" creationId="{2C969927-71E8-29E8-9D85-4D03DE31B338}"/>
+          </ac:cxnSpMkLst>
+        </pc:cxnChg>
+      </pc:sldChg>
+      <pc:sldChg chg="addSp delSp modSp mod">
+        <pc:chgData name="Karoline Huth" userId="5ffc0af5-9e46-431a-90db-3541adb3af2d" providerId="ADAL" clId="{CD978B99-1DD6-9240-BCB0-1186597944FD}" dt="2023-02-01T13:46:15.968" v="1261" actId="14100"/>
+        <pc:sldMkLst>
+          <pc:docMk/>
+          <pc:sldMk cId="1123499816" sldId="327"/>
+        </pc:sldMkLst>
+        <pc:spChg chg="add mod">
+          <ac:chgData name="Karoline Huth" userId="5ffc0af5-9e46-431a-90db-3541adb3af2d" providerId="ADAL" clId="{CD978B99-1DD6-9240-BCB0-1186597944FD}" dt="2023-02-01T13:45:59.073" v="1258" actId="2711"/>
+          <ac:spMkLst>
+            <pc:docMk/>
+            <pc:sldMk cId="1123499816" sldId="327"/>
+            <ac:spMk id="3" creationId="{42F44DFC-18A2-E24E-DFE2-74B05B1BA37D}"/>
+          </ac:spMkLst>
+        </pc:spChg>
+        <pc:spChg chg="del">
+          <ac:chgData name="Karoline Huth" userId="5ffc0af5-9e46-431a-90db-3541adb3af2d" providerId="ADAL" clId="{CD978B99-1DD6-9240-BCB0-1186597944FD}" dt="2023-01-31T12:57:38.297" v="645" actId="478"/>
+          <ac:spMkLst>
+            <pc:docMk/>
+            <pc:sldMk cId="1123499816" sldId="327"/>
+            <ac:spMk id="6" creationId="{5035EED6-C86E-0B4F-ADE8-845324103C90}"/>
+          </ac:spMkLst>
+        </pc:spChg>
+        <pc:spChg chg="add mod">
+          <ac:chgData name="Karoline Huth" userId="5ffc0af5-9e46-431a-90db-3541adb3af2d" providerId="ADAL" clId="{CD978B99-1DD6-9240-BCB0-1186597944FD}" dt="2023-02-01T13:46:05.565" v="1259" actId="2711"/>
+          <ac:spMkLst>
+            <pc:docMk/>
+            <pc:sldMk cId="1123499816" sldId="327"/>
+            <ac:spMk id="7" creationId="{A23C6444-576A-282A-ACED-109C82B4EDDB}"/>
+          </ac:spMkLst>
+        </pc:spChg>
+        <pc:spChg chg="del">
+          <ac:chgData name="Karoline Huth" userId="5ffc0af5-9e46-431a-90db-3541adb3af2d" providerId="ADAL" clId="{CD978B99-1DD6-9240-BCB0-1186597944FD}" dt="2023-01-31T12:57:35.861" v="644" actId="478"/>
+          <ac:spMkLst>
+            <pc:docMk/>
+            <pc:sldMk cId="1123499816" sldId="327"/>
+            <ac:spMk id="12" creationId="{5E350CC9-0296-4C4A-860A-449CBB8D31BD}"/>
+          </ac:spMkLst>
+        </pc:spChg>
+        <pc:picChg chg="add mod">
+          <ac:chgData name="Karoline Huth" userId="5ffc0af5-9e46-431a-90db-3541adb3af2d" providerId="ADAL" clId="{CD978B99-1DD6-9240-BCB0-1186597944FD}" dt="2023-02-01T13:46:15.968" v="1261" actId="14100"/>
+          <ac:picMkLst>
+            <pc:docMk/>
+            <pc:sldMk cId="1123499816" sldId="327"/>
+            <ac:picMk id="2" creationId="{57C55BD7-B434-496F-A728-A45A7683C642}"/>
+          </ac:picMkLst>
+        </pc:picChg>
+        <pc:picChg chg="del">
+          <ac:chgData name="Karoline Huth" userId="5ffc0af5-9e46-431a-90db-3541adb3af2d" providerId="ADAL" clId="{CD978B99-1DD6-9240-BCB0-1186597944FD}" dt="2023-01-30T17:52:15.009" v="296" actId="478"/>
+          <ac:picMkLst>
+            <pc:docMk/>
+            <pc:sldMk cId="1123499816" sldId="327"/>
+            <ac:picMk id="3" creationId="{0D9C4430-326C-C54E-946A-4817596A50BE}"/>
+          </ac:picMkLst>
+        </pc:picChg>
+        <pc:cxnChg chg="add mod">
+          <ac:chgData name="Karoline Huth" userId="5ffc0af5-9e46-431a-90db-3541adb3af2d" providerId="ADAL" clId="{CD978B99-1DD6-9240-BCB0-1186597944FD}" dt="2023-01-31T12:57:38.647" v="646"/>
+          <ac:cxnSpMkLst>
+            <pc:docMk/>
+            <pc:sldMk cId="1123499816" sldId="327"/>
+            <ac:cxnSpMk id="4" creationId="{5FD35C87-CA8B-ED81-FB72-89FAF2F8F6D1}"/>
+          </ac:cxnSpMkLst>
+        </pc:cxnChg>
+        <pc:cxnChg chg="add mod">
+          <ac:chgData name="Karoline Huth" userId="5ffc0af5-9e46-431a-90db-3541adb3af2d" providerId="ADAL" clId="{CD978B99-1DD6-9240-BCB0-1186597944FD}" dt="2023-01-31T12:57:38.647" v="646"/>
+          <ac:cxnSpMkLst>
+            <pc:docMk/>
+            <pc:sldMk cId="1123499816" sldId="327"/>
+            <ac:cxnSpMk id="5" creationId="{357D04A2-50EC-ADF7-2342-2A3145C6D2A5}"/>
+          </ac:cxnSpMkLst>
+        </pc:cxnChg>
+      </pc:sldChg>
+      <pc:sldChg chg="addSp delSp modSp mod modNotesTx">
+        <pc:chgData name="Karoline Huth" userId="5ffc0af5-9e46-431a-90db-3541adb3af2d" providerId="ADAL" clId="{CD978B99-1DD6-9240-BCB0-1186597944FD}" dt="2023-02-01T17:14:38.655" v="2213" actId="20577"/>
+        <pc:sldMkLst>
+          <pc:docMk/>
+          <pc:sldMk cId="2942932033" sldId="592"/>
+        </pc:sldMkLst>
+        <pc:spChg chg="add mod">
+          <ac:chgData name="Karoline Huth" userId="5ffc0af5-9e46-431a-90db-3541adb3af2d" providerId="ADAL" clId="{CD978B99-1DD6-9240-BCB0-1186597944FD}" dt="2023-02-01T13:45:41.326" v="1256" actId="2711"/>
+          <ac:spMkLst>
+            <pc:docMk/>
+            <pc:sldMk cId="2942932033" sldId="592"/>
+            <ac:spMk id="2" creationId="{E2565932-E173-8C98-FB4A-D660C254B8F2}"/>
+          </ac:spMkLst>
+        </pc:spChg>
+        <pc:spChg chg="del">
+          <ac:chgData name="Karoline Huth" userId="5ffc0af5-9e46-431a-90db-3541adb3af2d" providerId="ADAL" clId="{CD978B99-1DD6-9240-BCB0-1186597944FD}" dt="2023-01-31T12:50:56.543" v="442" actId="478"/>
+          <ac:spMkLst>
+            <pc:docMk/>
+            <pc:sldMk cId="2942932033" sldId="592"/>
+            <ac:spMk id="6" creationId="{5035EED6-C86E-0B4F-ADE8-845324103C90}"/>
+          </ac:spMkLst>
+        </pc:spChg>
+        <pc:spChg chg="del">
+          <ac:chgData name="Karoline Huth" userId="5ffc0af5-9e46-431a-90db-3541adb3af2d" providerId="ADAL" clId="{CD978B99-1DD6-9240-BCB0-1186597944FD}" dt="2023-01-30T15:09:27.577" v="2" actId="478"/>
+          <ac:spMkLst>
+            <pc:docMk/>
+            <pc:sldMk cId="2942932033" sldId="592"/>
+            <ac:spMk id="7" creationId="{3C63473C-A200-C4AF-3DB2-C51F67B34112}"/>
+          </ac:spMkLst>
+        </pc:spChg>
+        <pc:spChg chg="del">
+          <ac:chgData name="Karoline Huth" userId="5ffc0af5-9e46-431a-90db-3541adb3af2d" providerId="ADAL" clId="{CD978B99-1DD6-9240-BCB0-1186597944FD}" dt="2023-01-30T15:09:27.577" v="2" actId="478"/>
+          <ac:spMkLst>
+            <pc:docMk/>
+            <pc:sldMk cId="2942932033" sldId="592"/>
+            <ac:spMk id="8" creationId="{E5367DCD-7BB0-2F6A-ED05-23D2BD88C22C}"/>
+          </ac:spMkLst>
+        </pc:spChg>
+        <pc:spChg chg="add mod">
+          <ac:chgData name="Karoline Huth" userId="5ffc0af5-9e46-431a-90db-3541adb3af2d" providerId="ADAL" clId="{CD978B99-1DD6-9240-BCB0-1186597944FD}" dt="2023-02-01T17:14:38.655" v="2213" actId="20577"/>
+          <ac:spMkLst>
+            <pc:docMk/>
+            <pc:sldMk cId="2942932033" sldId="592"/>
+            <ac:spMk id="9" creationId="{C02182B7-D4B5-66F0-EBA4-EA07D78DBAC2}"/>
+          </ac:spMkLst>
+        </pc:spChg>
+        <pc:spChg chg="del">
+          <ac:chgData name="Karoline Huth" userId="5ffc0af5-9e46-431a-90db-3541adb3af2d" providerId="ADAL" clId="{CD978B99-1DD6-9240-BCB0-1186597944FD}" dt="2023-01-31T12:50:54.218" v="441" actId="478"/>
+          <ac:spMkLst>
+            <pc:docMk/>
+            <pc:sldMk cId="2942932033" sldId="592"/>
+            <ac:spMk id="10" creationId="{210D1F83-CE41-C345-BF92-F521C1FD1C68}"/>
+          </ac:spMkLst>
+        </pc:spChg>
+        <pc:spChg chg="add mod">
+          <ac:chgData name="Karoline Huth" userId="5ffc0af5-9e46-431a-90db-3541adb3af2d" providerId="ADAL" clId="{CD978B99-1DD6-9240-BCB0-1186597944FD}" dt="2023-02-01T13:45:48.932" v="1257" actId="2711"/>
+          <ac:spMkLst>
+            <pc:docMk/>
+            <pc:sldMk cId="2942932033" sldId="592"/>
+            <ac:spMk id="11" creationId="{0ED1F9A5-F765-B142-70C1-169F3EE1CE50}"/>
+          </ac:spMkLst>
+        </pc:spChg>
+        <pc:spChg chg="del">
+          <ac:chgData name="Karoline Huth" userId="5ffc0af5-9e46-431a-90db-3541adb3af2d" providerId="ADAL" clId="{CD978B99-1DD6-9240-BCB0-1186597944FD}" dt="2023-01-30T15:09:27.577" v="2" actId="478"/>
+          <ac:spMkLst>
+            <pc:docMk/>
+            <pc:sldMk cId="2942932033" sldId="592"/>
+            <ac:spMk id="11" creationId="{3010819E-7181-FBA3-9192-87BF1AAC0730}"/>
+          </ac:spMkLst>
+        </pc:spChg>
+        <pc:picChg chg="add mod">
+          <ac:chgData name="Karoline Huth" userId="5ffc0af5-9e46-431a-90db-3541adb3af2d" providerId="ADAL" clId="{CD978B99-1DD6-9240-BCB0-1186597944FD}" dt="2023-02-01T14:18:09.969" v="1496" actId="1038"/>
+          <ac:picMkLst>
+            <pc:docMk/>
+            <pc:sldMk cId="2942932033" sldId="592"/>
+            <ac:picMk id="5" creationId="{4209C192-A19D-E45B-C7CB-8DD11470CE81}"/>
+          </ac:picMkLst>
+        </pc:picChg>
+        <pc:cxnChg chg="del">
+          <ac:chgData name="Karoline Huth" userId="5ffc0af5-9e46-431a-90db-3541adb3af2d" providerId="ADAL" clId="{CD978B99-1DD6-9240-BCB0-1186597944FD}" dt="2023-01-30T15:09:27.577" v="2" actId="478"/>
+          <ac:cxnSpMkLst>
+            <pc:docMk/>
+            <pc:sldMk cId="2942932033" sldId="592"/>
+            <ac:cxnSpMk id="2" creationId="{EB3668D2-0D4B-332D-52D6-09FF4818B02F}"/>
+          </ac:cxnSpMkLst>
+        </pc:cxnChg>
+        <pc:cxnChg chg="del">
+          <ac:chgData name="Karoline Huth" userId="5ffc0af5-9e46-431a-90db-3541adb3af2d" providerId="ADAL" clId="{CD978B99-1DD6-9240-BCB0-1186597944FD}" dt="2023-01-30T15:09:27.577" v="2" actId="478"/>
+          <ac:cxnSpMkLst>
+            <pc:docMk/>
+            <pc:sldMk cId="2942932033" sldId="592"/>
+            <ac:cxnSpMk id="3" creationId="{42D68A0F-1201-EF53-0FE3-9CC0405C084A}"/>
+          </ac:cxnSpMkLst>
+        </pc:cxnChg>
+        <pc:cxnChg chg="add mod">
+          <ac:chgData name="Karoline Huth" userId="5ffc0af5-9e46-431a-90db-3541adb3af2d" providerId="ADAL" clId="{CD978B99-1DD6-9240-BCB0-1186597944FD}" dt="2023-01-31T12:50:57.032" v="443"/>
+          <ac:cxnSpMkLst>
+            <pc:docMk/>
+            <pc:sldMk cId="2942932033" sldId="592"/>
+            <ac:cxnSpMk id="3" creationId="{D627F8A8-9C1D-1DCE-4271-1378327F2720}"/>
+          </ac:cxnSpMkLst>
+        </pc:cxnChg>
+        <pc:cxnChg chg="add mod">
+          <ac:chgData name="Karoline Huth" userId="5ffc0af5-9e46-431a-90db-3541adb3af2d" providerId="ADAL" clId="{CD978B99-1DD6-9240-BCB0-1186597944FD}" dt="2023-01-31T12:50:57.032" v="443"/>
+          <ac:cxnSpMkLst>
+            <pc:docMk/>
+            <pc:sldMk cId="2942932033" sldId="592"/>
+            <ac:cxnSpMk id="4" creationId="{0B6FD8C9-3CE4-D02D-F6B0-D7458EF5A4E7}"/>
+          </ac:cxnSpMkLst>
+        </pc:cxnChg>
+        <pc:cxnChg chg="del">
+          <ac:chgData name="Karoline Huth" userId="5ffc0af5-9e46-431a-90db-3541adb3af2d" providerId="ADAL" clId="{CD978B99-1DD6-9240-BCB0-1186597944FD}" dt="2023-01-30T15:09:27.577" v="2" actId="478"/>
+          <ac:cxnSpMkLst>
+            <pc:docMk/>
+            <pc:sldMk cId="2942932033" sldId="592"/>
+            <ac:cxnSpMk id="4" creationId="{62FC27CB-DE3D-50C0-933C-E456A637ED0E}"/>
+          </ac:cxnSpMkLst>
+        </pc:cxnChg>
+        <pc:cxnChg chg="add mod">
+          <ac:chgData name="Karoline Huth" userId="5ffc0af5-9e46-431a-90db-3541adb3af2d" providerId="ADAL" clId="{CD978B99-1DD6-9240-BCB0-1186597944FD}" dt="2023-02-01T13:17:42.139" v="1133" actId="1036"/>
+          <ac:cxnSpMkLst>
+            <pc:docMk/>
+            <pc:sldMk cId="2942932033" sldId="592"/>
+            <ac:cxnSpMk id="7" creationId="{FEDB317D-6DAD-63EE-D231-D4BFCA72D43B}"/>
+          </ac:cxnSpMkLst>
+        </pc:cxnChg>
+        <pc:cxnChg chg="add mod">
+          <ac:chgData name="Karoline Huth" userId="5ffc0af5-9e46-431a-90db-3541adb3af2d" providerId="ADAL" clId="{CD978B99-1DD6-9240-BCB0-1186597944FD}" dt="2023-02-01T13:17:42.139" v="1133" actId="1036"/>
+          <ac:cxnSpMkLst>
+            <pc:docMk/>
+            <pc:sldMk cId="2942932033" sldId="592"/>
+            <ac:cxnSpMk id="8" creationId="{14F63DFE-F9A2-2ED9-6F00-D19B8C983813}"/>
+          </ac:cxnSpMkLst>
+        </pc:cxnChg>
+      </pc:sldChg>
+      <pc:sldChg chg="addSp delSp modSp mod ord">
+        <pc:chgData name="Karoline Huth" userId="5ffc0af5-9e46-431a-90db-3541adb3af2d" providerId="ADAL" clId="{CD978B99-1DD6-9240-BCB0-1186597944FD}" dt="2023-02-01T14:21:17.323" v="1513" actId="20577"/>
+        <pc:sldMkLst>
+          <pc:docMk/>
+          <pc:sldMk cId="3116476232" sldId="594"/>
+        </pc:sldMkLst>
+        <pc:spChg chg="del">
+          <ac:chgData name="Karoline Huth" userId="5ffc0af5-9e46-431a-90db-3541adb3af2d" providerId="ADAL" clId="{CD978B99-1DD6-9240-BCB0-1186597944FD}" dt="2023-01-31T12:47:25.113" v="392" actId="478"/>
+          <ac:spMkLst>
+            <pc:docMk/>
+            <pc:sldMk cId="3116476232" sldId="594"/>
+            <ac:spMk id="2" creationId="{E359940F-6DF1-C8AB-39AE-036625D5AF6F}"/>
+          </ac:spMkLst>
+        </pc:spChg>
+        <pc:spChg chg="mod">
+          <ac:chgData name="Karoline Huth" userId="5ffc0af5-9e46-431a-90db-3541adb3af2d" providerId="ADAL" clId="{CD978B99-1DD6-9240-BCB0-1186597944FD}" dt="2023-02-01T13:46:29.531" v="1262" actId="2711"/>
+          <ac:spMkLst>
+            <pc:docMk/>
+            <pc:sldMk cId="3116476232" sldId="594"/>
+            <ac:spMk id="3" creationId="{5094284B-A076-5C63-64C0-FE2C8753A20F}"/>
+          </ac:spMkLst>
+        </pc:spChg>
+        <pc:spChg chg="del mod">
+          <ac:chgData name="Karoline Huth" userId="5ffc0af5-9e46-431a-90db-3541adb3af2d" providerId="ADAL" clId="{CD978B99-1DD6-9240-BCB0-1186597944FD}" dt="2023-01-31T12:23:35.270" v="318" actId="478"/>
+          <ac:spMkLst>
+            <pc:docMk/>
+            <pc:sldMk cId="3116476232" sldId="594"/>
+            <ac:spMk id="4" creationId="{32F973CA-5C73-F362-4076-FECE60D9BA55}"/>
+          </ac:spMkLst>
+        </pc:spChg>
+        <pc:spChg chg="mod">
+          <ac:chgData name="Karoline Huth" userId="5ffc0af5-9e46-431a-90db-3541adb3af2d" providerId="ADAL" clId="{CD978B99-1DD6-9240-BCB0-1186597944FD}" dt="2023-02-01T14:21:17.323" v="1513" actId="20577"/>
+          <ac:spMkLst>
+            <pc:docMk/>
+            <pc:sldMk cId="3116476232" sldId="594"/>
+            <ac:spMk id="5" creationId="{84F0D9DD-87B2-D358-6DD8-EA9BA9B519FD}"/>
+          </ac:spMkLst>
+        </pc:spChg>
+        <pc:spChg chg="add mod">
+          <ac:chgData name="Karoline Huth" userId="5ffc0af5-9e46-431a-90db-3541adb3af2d" providerId="ADAL" clId="{CD978B99-1DD6-9240-BCB0-1186597944FD}" dt="2023-02-01T13:46:29.531" v="1262" actId="2711"/>
+          <ac:spMkLst>
+            <pc:docMk/>
+            <pc:sldMk cId="3116476232" sldId="594"/>
+            <ac:spMk id="10" creationId="{9D015A37-7B68-0861-28F4-79E614793CDF}"/>
+          </ac:spMkLst>
+        </pc:spChg>
+        <pc:picChg chg="mod">
+          <ac:chgData name="Karoline Huth" userId="5ffc0af5-9e46-431a-90db-3541adb3af2d" providerId="ADAL" clId="{CD978B99-1DD6-9240-BCB0-1186597944FD}" dt="2023-01-31T12:23:48.586" v="391" actId="1076"/>
+          <ac:picMkLst>
+            <pc:docMk/>
+            <pc:sldMk cId="3116476232" sldId="594"/>
+            <ac:picMk id="3074" creationId="{691243D8-648D-C541-8502-B78CB40E05DD}"/>
+          </ac:picMkLst>
+        </pc:picChg>
+        <pc:picChg chg="mod">
+          <ac:chgData name="Karoline Huth" userId="5ffc0af5-9e46-431a-90db-3541adb3af2d" providerId="ADAL" clId="{CD978B99-1DD6-9240-BCB0-1186597944FD}" dt="2023-01-31T12:23:42.797" v="390" actId="1038"/>
+          <ac:picMkLst>
+            <pc:docMk/>
+            <pc:sldMk cId="3116476232" sldId="594"/>
+            <ac:picMk id="5122" creationId="{F01391EE-CE55-F91A-1549-4FFF6BA2EAA3}"/>
+          </ac:picMkLst>
+        </pc:picChg>
+        <pc:cxnChg chg="add mod">
+          <ac:chgData name="Karoline Huth" userId="5ffc0af5-9e46-431a-90db-3541adb3af2d" providerId="ADAL" clId="{CD978B99-1DD6-9240-BCB0-1186597944FD}" dt="2023-01-31T12:47:53.058" v="398" actId="1582"/>
+          <ac:cxnSpMkLst>
+            <pc:docMk/>
+            <pc:sldMk cId="3116476232" sldId="594"/>
+            <ac:cxnSpMk id="7" creationId="{80B12850-D0F4-B9C3-68C2-F3C6B976BDFA}"/>
+          </ac:cxnSpMkLst>
+        </pc:cxnChg>
+        <pc:cxnChg chg="add mod">
+          <ac:chgData name="Karoline Huth" userId="5ffc0af5-9e46-431a-90db-3541adb3af2d" providerId="ADAL" clId="{CD978B99-1DD6-9240-BCB0-1186597944FD}" dt="2023-01-31T12:48:01.677" v="401" actId="14100"/>
+          <ac:cxnSpMkLst>
+            <pc:docMk/>
+            <pc:sldMk cId="3116476232" sldId="594"/>
+            <ac:cxnSpMk id="8" creationId="{243AD428-4726-D2B1-6E5A-12A0C532798E}"/>
+          </ac:cxnSpMkLst>
+        </pc:cxnChg>
+      </pc:sldChg>
+      <pc:sldChg chg="addSp delSp modSp mod ord modNotesTx">
+        <pc:chgData name="Karoline Huth" userId="5ffc0af5-9e46-431a-90db-3541adb3af2d" providerId="ADAL" clId="{CD978B99-1DD6-9240-BCB0-1186597944FD}" dt="2023-02-01T15:15:45.635" v="1573" actId="20577"/>
+        <pc:sldMkLst>
+          <pc:docMk/>
+          <pc:sldMk cId="405105674" sldId="595"/>
+        </pc:sldMkLst>
+        <pc:spChg chg="add mod">
+          <ac:chgData name="Karoline Huth" userId="5ffc0af5-9e46-431a-90db-3541adb3af2d" providerId="ADAL" clId="{CD978B99-1DD6-9240-BCB0-1186597944FD}" dt="2023-02-01T13:44:13.238" v="1217" actId="2711"/>
+          <ac:spMkLst>
+            <pc:docMk/>
+            <pc:sldMk cId="405105674" sldId="595"/>
+            <ac:spMk id="5" creationId="{D9E3F2B7-21AC-9FFA-1C4F-2361BA0A77D4}"/>
+          </ac:spMkLst>
+        </pc:spChg>
+        <pc:spChg chg="del">
+          <ac:chgData name="Karoline Huth" userId="5ffc0af5-9e46-431a-90db-3541adb3af2d" providerId="ADAL" clId="{CD978B99-1DD6-9240-BCB0-1186597944FD}" dt="2023-01-31T12:51:30.924" v="478" actId="478"/>
+          <ac:spMkLst>
+            <pc:docMk/>
+            <pc:sldMk cId="405105674" sldId="595"/>
+            <ac:spMk id="6" creationId="{5035EED6-C86E-0B4F-ADE8-845324103C90}"/>
+          </ac:spMkLst>
+        </pc:spChg>
+        <pc:spChg chg="mod">
+          <ac:chgData name="Karoline Huth" userId="5ffc0af5-9e46-431a-90db-3541adb3af2d" providerId="ADAL" clId="{CD978B99-1DD6-9240-BCB0-1186597944FD}" dt="2023-02-01T13:52:39.608" v="1421" actId="465"/>
+          <ac:spMkLst>
+            <pc:docMk/>
+            <pc:sldMk cId="405105674" sldId="595"/>
+            <ac:spMk id="7" creationId="{3C63473C-A200-C4AF-3DB2-C51F67B34112}"/>
+          </ac:spMkLst>
+        </pc:spChg>
+        <pc:spChg chg="mod">
+          <ac:chgData name="Karoline Huth" userId="5ffc0af5-9e46-431a-90db-3541adb3af2d" providerId="ADAL" clId="{CD978B99-1DD6-9240-BCB0-1186597944FD}" dt="2023-02-01T13:52:39.608" v="1421" actId="465"/>
+          <ac:spMkLst>
+            <pc:docMk/>
+            <pc:sldMk cId="405105674" sldId="595"/>
+            <ac:spMk id="8" creationId="{E5367DCD-7BB0-2F6A-ED05-23D2BD88C22C}"/>
+          </ac:spMkLst>
+        </pc:spChg>
+        <pc:spChg chg="del">
+          <ac:chgData name="Karoline Huth" userId="5ffc0af5-9e46-431a-90db-3541adb3af2d" providerId="ADAL" clId="{CD978B99-1DD6-9240-BCB0-1186597944FD}" dt="2023-01-31T12:51:29.061" v="477" actId="478"/>
+          <ac:spMkLst>
+            <pc:docMk/>
+            <pc:sldMk cId="405105674" sldId="595"/>
+            <ac:spMk id="10" creationId="{210D1F83-CE41-C345-BF92-F521C1FD1C68}"/>
+          </ac:spMkLst>
+        </pc:spChg>
+        <pc:spChg chg="mod">
+          <ac:chgData name="Karoline Huth" userId="5ffc0af5-9e46-431a-90db-3541adb3af2d" providerId="ADAL" clId="{CD978B99-1DD6-9240-BCB0-1186597944FD}" dt="2023-02-01T13:52:39.608" v="1421" actId="465"/>
+          <ac:spMkLst>
+            <pc:docMk/>
+            <pc:sldMk cId="405105674" sldId="595"/>
+            <ac:spMk id="11" creationId="{3010819E-7181-FBA3-9192-87BF1AAC0730}"/>
+          </ac:spMkLst>
+        </pc:spChg>
+        <pc:spChg chg="add mod">
+          <ac:chgData name="Karoline Huth" userId="5ffc0af5-9e46-431a-90db-3541adb3af2d" providerId="ADAL" clId="{CD978B99-1DD6-9240-BCB0-1186597944FD}" dt="2023-02-01T15:15:45.635" v="1573" actId="20577"/>
+          <ac:spMkLst>
+            <pc:docMk/>
+            <pc:sldMk cId="405105674" sldId="595"/>
+            <ac:spMk id="14" creationId="{2B768A17-E9F3-CA23-B9C9-4C31171F98D3}"/>
+          </ac:spMkLst>
+        </pc:spChg>
+        <pc:picChg chg="add del mod">
+          <ac:chgData name="Karoline Huth" userId="5ffc0af5-9e46-431a-90db-3541adb3af2d" providerId="ADAL" clId="{CD978B99-1DD6-9240-BCB0-1186597944FD}" dt="2023-01-30T17:36:38.383" v="20" actId="478"/>
+          <ac:picMkLst>
+            <pc:docMk/>
+            <pc:sldMk cId="405105674" sldId="595"/>
+            <ac:picMk id="5" creationId="{DA3893DF-68F3-AAF5-EBCB-BE27C6379B8F}"/>
+          </ac:picMkLst>
+        </pc:picChg>
+        <pc:picChg chg="del">
+          <ac:chgData name="Karoline Huth" userId="5ffc0af5-9e46-431a-90db-3541adb3af2d" providerId="ADAL" clId="{CD978B99-1DD6-9240-BCB0-1186597944FD}" dt="2023-01-30T17:33:42.050" v="10" actId="478"/>
+          <ac:picMkLst>
+            <pc:docMk/>
+            <pc:sldMk cId="405105674" sldId="595"/>
+            <ac:picMk id="9" creationId="{6D718DD8-FA25-B840-8087-8F297121158A}"/>
+          </ac:picMkLst>
+        </pc:picChg>
+        <pc:picChg chg="add del mod">
+          <ac:chgData name="Karoline Huth" userId="5ffc0af5-9e46-431a-90db-3541adb3af2d" providerId="ADAL" clId="{CD978B99-1DD6-9240-BCB0-1186597944FD}" dt="2023-01-30T17:36:47.832" v="24" actId="478"/>
+          <ac:picMkLst>
+            <pc:docMk/>
+            <pc:sldMk cId="405105674" sldId="595"/>
+            <ac:picMk id="12" creationId="{3AD59D49-8040-6ABD-2019-1182139996FF}"/>
+          </ac:picMkLst>
+        </pc:picChg>
+        <pc:picChg chg="add mod">
+          <ac:chgData name="Karoline Huth" userId="5ffc0af5-9e46-431a-90db-3541adb3af2d" providerId="ADAL" clId="{CD978B99-1DD6-9240-BCB0-1186597944FD}" dt="2023-02-01T13:51:32.937" v="1386" actId="1038"/>
+          <ac:picMkLst>
+            <pc:docMk/>
+            <pc:sldMk cId="405105674" sldId="595"/>
+            <ac:picMk id="13" creationId="{86A2AF03-BE46-8254-2FCF-261B72138A1C}"/>
+          </ac:picMkLst>
+        </pc:picChg>
+        <pc:cxnChg chg="mod">
+          <ac:chgData name="Karoline Huth" userId="5ffc0af5-9e46-431a-90db-3541adb3af2d" providerId="ADAL" clId="{CD978B99-1DD6-9240-BCB0-1186597944FD}" dt="2023-02-01T13:52:08.397" v="1410" actId="1076"/>
+          <ac:cxnSpMkLst>
+            <pc:docMk/>
+            <pc:sldMk cId="405105674" sldId="595"/>
+            <ac:cxnSpMk id="2" creationId="{EB3668D2-0D4B-332D-52D6-09FF4818B02F}"/>
+          </ac:cxnSpMkLst>
+        </pc:cxnChg>
+        <pc:cxnChg chg="mod">
+          <ac:chgData name="Karoline Huth" userId="5ffc0af5-9e46-431a-90db-3541adb3af2d" providerId="ADAL" clId="{CD978B99-1DD6-9240-BCB0-1186597944FD}" dt="2023-02-01T13:52:49.684" v="1428" actId="1036"/>
+          <ac:cxnSpMkLst>
+            <pc:docMk/>
+            <pc:sldMk cId="405105674" sldId="595"/>
+            <ac:cxnSpMk id="3" creationId="{42D68A0F-1201-EF53-0FE3-9CC0405C084A}"/>
+          </ac:cxnSpMkLst>
+        </pc:cxnChg>
+        <pc:cxnChg chg="mod">
+          <ac:chgData name="Karoline Huth" userId="5ffc0af5-9e46-431a-90db-3541adb3af2d" providerId="ADAL" clId="{CD978B99-1DD6-9240-BCB0-1186597944FD}" dt="2023-02-01T13:52:44.974" v="1425" actId="1036"/>
+          <ac:cxnSpMkLst>
+            <pc:docMk/>
+            <pc:sldMk cId="405105674" sldId="595"/>
+            <ac:cxnSpMk id="4" creationId="{62FC27CB-DE3D-50C0-933C-E456A637ED0E}"/>
+          </ac:cxnSpMkLst>
+        </pc:cxnChg>
+        <pc:cxnChg chg="add mod">
+          <ac:chgData name="Karoline Huth" userId="5ffc0af5-9e46-431a-90db-3541adb3af2d" providerId="ADAL" clId="{CD978B99-1DD6-9240-BCB0-1186597944FD}" dt="2023-01-31T12:51:31.305" v="479"/>
+          <ac:cxnSpMkLst>
+            <pc:docMk/>
+            <pc:sldMk cId="405105674" sldId="595"/>
+            <ac:cxnSpMk id="9" creationId="{54F526FC-A498-C1A5-E581-5F9BE28A60FB}"/>
+          </ac:cxnSpMkLst>
+        </pc:cxnChg>
+        <pc:cxnChg chg="add mod">
+          <ac:chgData name="Karoline Huth" userId="5ffc0af5-9e46-431a-90db-3541adb3af2d" providerId="ADAL" clId="{CD978B99-1DD6-9240-BCB0-1186597944FD}" dt="2023-01-31T12:51:31.305" v="479"/>
+          <ac:cxnSpMkLst>
+            <pc:docMk/>
+            <pc:sldMk cId="405105674" sldId="595"/>
+            <ac:cxnSpMk id="12" creationId="{3391AEE5-3875-C94D-6AB2-B72163573FD9}"/>
+          </ac:cxnSpMkLst>
+        </pc:cxnChg>
+      </pc:sldChg>
+      <pc:sldChg chg="addSp delSp modSp mod ord modNotesTx">
+        <pc:chgData name="Karoline Huth" userId="5ffc0af5-9e46-431a-90db-3541adb3af2d" providerId="ADAL" clId="{CD978B99-1DD6-9240-BCB0-1186597944FD}" dt="2023-02-01T14:19:15.692" v="1505" actId="20577"/>
+        <pc:sldMkLst>
+          <pc:docMk/>
+          <pc:sldMk cId="2170931248" sldId="596"/>
+        </pc:sldMkLst>
+        <pc:spChg chg="add mod">
+          <ac:chgData name="Karoline Huth" userId="5ffc0af5-9e46-431a-90db-3541adb3af2d" providerId="ADAL" clId="{CD978B99-1DD6-9240-BCB0-1186597944FD}" dt="2023-02-01T14:19:15.692" v="1505" actId="20577"/>
+          <ac:spMkLst>
+            <pc:docMk/>
+            <pc:sldMk cId="2170931248" sldId="596"/>
+            <ac:spMk id="5" creationId="{BF47A196-9AD1-8EE3-BC5A-AB771B97D01E}"/>
+          </ac:spMkLst>
+        </pc:spChg>
+        <pc:spChg chg="del">
+          <ac:chgData name="Karoline Huth" userId="5ffc0af5-9e46-431a-90db-3541adb3af2d" providerId="ADAL" clId="{CD978B99-1DD6-9240-BCB0-1186597944FD}" dt="2023-01-31T12:57:15.343" v="639" actId="478"/>
+          <ac:spMkLst>
+            <pc:docMk/>
+            <pc:sldMk cId="2170931248" sldId="596"/>
+            <ac:spMk id="6" creationId="{5035EED6-C86E-0B4F-ADE8-845324103C90}"/>
+          </ac:spMkLst>
+        </pc:spChg>
+        <pc:spChg chg="del mod">
+          <ac:chgData name="Karoline Huth" userId="5ffc0af5-9e46-431a-90db-3541adb3af2d" providerId="ADAL" clId="{CD978B99-1DD6-9240-BCB0-1186597944FD}" dt="2023-01-31T12:57:21.394" v="641" actId="478"/>
+          <ac:spMkLst>
+            <pc:docMk/>
+            <pc:sldMk cId="2170931248" sldId="596"/>
+            <ac:spMk id="7" creationId="{3C63473C-A200-C4AF-3DB2-C51F67B34112}"/>
+          </ac:spMkLst>
+        </pc:spChg>
+        <pc:spChg chg="del mod">
+          <ac:chgData name="Karoline Huth" userId="5ffc0af5-9e46-431a-90db-3541adb3af2d" providerId="ADAL" clId="{CD978B99-1DD6-9240-BCB0-1186597944FD}" dt="2023-01-31T12:57:21.394" v="641" actId="478"/>
+          <ac:spMkLst>
+            <pc:docMk/>
+            <pc:sldMk cId="2170931248" sldId="596"/>
+            <ac:spMk id="8" creationId="{E5367DCD-7BB0-2F6A-ED05-23D2BD88C22C}"/>
+          </ac:spMkLst>
+        </pc:spChg>
+        <pc:spChg chg="del">
+          <ac:chgData name="Karoline Huth" userId="5ffc0af5-9e46-431a-90db-3541adb3af2d" providerId="ADAL" clId="{CD978B99-1DD6-9240-BCB0-1186597944FD}" dt="2023-01-31T12:57:13.672" v="638" actId="478"/>
+          <ac:spMkLst>
+            <pc:docMk/>
+            <pc:sldMk cId="2170931248" sldId="596"/>
+            <ac:spMk id="10" creationId="{210D1F83-CE41-C345-BF92-F521C1FD1C68}"/>
+          </ac:spMkLst>
+        </pc:spChg>
+        <pc:spChg chg="del">
+          <ac:chgData name="Karoline Huth" userId="5ffc0af5-9e46-431a-90db-3541adb3af2d" providerId="ADAL" clId="{CD978B99-1DD6-9240-BCB0-1186597944FD}" dt="2023-01-31T12:57:21.394" v="641" actId="478"/>
+          <ac:spMkLst>
+            <pc:docMk/>
+            <pc:sldMk cId="2170931248" sldId="596"/>
+            <ac:spMk id="11" creationId="{3010819E-7181-FBA3-9192-87BF1AAC0730}"/>
+          </ac:spMkLst>
+        </pc:spChg>
+        <pc:spChg chg="add mod">
+          <ac:chgData name="Karoline Huth" userId="5ffc0af5-9e46-431a-90db-3541adb3af2d" providerId="ADAL" clId="{CD978B99-1DD6-9240-BCB0-1186597944FD}" dt="2023-02-01T13:58:06.103" v="1479" actId="207"/>
+          <ac:spMkLst>
+            <pc:docMk/>
+            <pc:sldMk cId="2170931248" sldId="596"/>
+            <ac:spMk id="12" creationId="{B3C06AEE-C799-541B-7C62-E367189ACD89}"/>
+          </ac:spMkLst>
+        </pc:spChg>
+        <pc:spChg chg="add mod">
+          <ac:chgData name="Karoline Huth" userId="5ffc0af5-9e46-431a-90db-3541adb3af2d" providerId="ADAL" clId="{CD978B99-1DD6-9240-BCB0-1186597944FD}" dt="2023-02-01T13:58:15.995" v="1485" actId="113"/>
+          <ac:spMkLst>
+            <pc:docMk/>
+            <pc:sldMk cId="2170931248" sldId="596"/>
+            <ac:spMk id="13" creationId="{780DFECF-C1CF-0E01-F0E4-F6E2E9148B01}"/>
+          </ac:spMkLst>
+        </pc:spChg>
+        <pc:picChg chg="add del mod">
+          <ac:chgData name="Karoline Huth" userId="5ffc0af5-9e46-431a-90db-3541adb3af2d" providerId="ADAL" clId="{CD978B99-1DD6-9240-BCB0-1186597944FD}" dt="2023-01-30T17:40:08.733" v="237" actId="478"/>
+          <ac:picMkLst>
+            <pc:docMk/>
+            <pc:sldMk cId="2170931248" sldId="596"/>
+            <ac:picMk id="5" creationId="{1A59F2CC-75B5-3D61-B5EE-EAEE0E0F4436}"/>
+          </ac:picMkLst>
+        </pc:picChg>
+        <pc:picChg chg="del">
+          <ac:chgData name="Karoline Huth" userId="5ffc0af5-9e46-431a-90db-3541adb3af2d" providerId="ADAL" clId="{CD978B99-1DD6-9240-BCB0-1186597944FD}" dt="2023-01-30T15:09:16.267" v="1" actId="478"/>
+          <ac:picMkLst>
+            <pc:docMk/>
+            <pc:sldMk cId="2170931248" sldId="596"/>
+            <ac:picMk id="9" creationId="{6D718DD8-FA25-B840-8087-8F297121158A}"/>
+          </ac:picMkLst>
+        </pc:picChg>
+        <pc:picChg chg="add mod modCrop">
+          <ac:chgData name="Karoline Huth" userId="5ffc0af5-9e46-431a-90db-3541adb3af2d" providerId="ADAL" clId="{CD978B99-1DD6-9240-BCB0-1186597944FD}" dt="2023-02-01T14:11:09.147" v="1487" actId="1076"/>
+          <ac:picMkLst>
+            <pc:docMk/>
+            <pc:sldMk cId="2170931248" sldId="596"/>
+            <ac:picMk id="14" creationId="{25091DBC-ACE4-9281-997C-9DDCA5E626AF}"/>
+          </ac:picMkLst>
+        </pc:picChg>
+        <pc:picChg chg="add mod modCrop">
+          <ac:chgData name="Karoline Huth" userId="5ffc0af5-9e46-431a-90db-3541adb3af2d" providerId="ADAL" clId="{CD978B99-1DD6-9240-BCB0-1186597944FD}" dt="2023-02-01T14:11:21.752" v="1490" actId="1076"/>
+          <ac:picMkLst>
+            <pc:docMk/>
+            <pc:sldMk cId="2170931248" sldId="596"/>
+            <ac:picMk id="15" creationId="{1CFAD227-EFF1-64B0-284D-EBF00B2DA838}"/>
+          </ac:picMkLst>
+        </pc:picChg>
+        <pc:cxnChg chg="del mod">
+          <ac:chgData name="Karoline Huth" userId="5ffc0af5-9e46-431a-90db-3541adb3af2d" providerId="ADAL" clId="{CD978B99-1DD6-9240-BCB0-1186597944FD}" dt="2023-01-31T12:57:21.394" v="641" actId="478"/>
+          <ac:cxnSpMkLst>
+            <pc:docMk/>
+            <pc:sldMk cId="2170931248" sldId="596"/>
+            <ac:cxnSpMk id="2" creationId="{EB3668D2-0D4B-332D-52D6-09FF4818B02F}"/>
+          </ac:cxnSpMkLst>
+        </pc:cxnChg>
+        <pc:cxnChg chg="del mod">
+          <ac:chgData name="Karoline Huth" userId="5ffc0af5-9e46-431a-90db-3541adb3af2d" providerId="ADAL" clId="{CD978B99-1DD6-9240-BCB0-1186597944FD}" dt="2023-01-31T12:57:21.394" v="641" actId="478"/>
+          <ac:cxnSpMkLst>
+            <pc:docMk/>
+            <pc:sldMk cId="2170931248" sldId="596"/>
+            <ac:cxnSpMk id="3" creationId="{42D68A0F-1201-EF53-0FE3-9CC0405C084A}"/>
+          </ac:cxnSpMkLst>
+        </pc:cxnChg>
+        <pc:cxnChg chg="del">
+          <ac:chgData name="Karoline Huth" userId="5ffc0af5-9e46-431a-90db-3541adb3af2d" providerId="ADAL" clId="{CD978B99-1DD6-9240-BCB0-1186597944FD}" dt="2023-01-31T12:57:21.394" v="641" actId="478"/>
+          <ac:cxnSpMkLst>
+            <pc:docMk/>
+            <pc:sldMk cId="2170931248" sldId="596"/>
+            <ac:cxnSpMk id="4" creationId="{62FC27CB-DE3D-50C0-933C-E456A637ED0E}"/>
+          </ac:cxnSpMkLst>
+        </pc:cxnChg>
+        <pc:cxnChg chg="add mod">
+          <ac:chgData name="Karoline Huth" userId="5ffc0af5-9e46-431a-90db-3541adb3af2d" providerId="ADAL" clId="{CD978B99-1DD6-9240-BCB0-1186597944FD}" dt="2023-01-31T12:57:15.802" v="640"/>
+          <ac:cxnSpMkLst>
+            <pc:docMk/>
+            <pc:sldMk cId="2170931248" sldId="596"/>
+            <ac:cxnSpMk id="9" creationId="{5F701A65-C197-4107-EDAA-D453358C1789}"/>
+          </ac:cxnSpMkLst>
+        </pc:cxnChg>
+        <pc:cxnChg chg="add mod">
+          <ac:chgData name="Karoline Huth" userId="5ffc0af5-9e46-431a-90db-3541adb3af2d" providerId="ADAL" clId="{CD978B99-1DD6-9240-BCB0-1186597944FD}" dt="2023-01-31T12:57:15.802" v="640"/>
+          <ac:cxnSpMkLst>
+            <pc:docMk/>
+            <pc:sldMk cId="2170931248" sldId="596"/>
+            <ac:cxnSpMk id="16" creationId="{A202FE82-A1ED-6835-98E3-307B6FC81E54}"/>
+          </ac:cxnSpMkLst>
+        </pc:cxnChg>
+      </pc:sldChg>
+      <pc:sldChg chg="addSp modSp add mod modAnim">
+        <pc:chgData name="Karoline Huth" userId="5ffc0af5-9e46-431a-90db-3541adb3af2d" providerId="ADAL" clId="{CD978B99-1DD6-9240-BCB0-1186597944FD}" dt="2023-02-01T14:20:01.520" v="1506"/>
+        <pc:sldMkLst>
+          <pc:docMk/>
+          <pc:sldMk cId="1186627447" sldId="597"/>
+        </pc:sldMkLst>
+        <pc:spChg chg="add mod">
+          <ac:chgData name="Karoline Huth" userId="5ffc0af5-9e46-431a-90db-3541adb3af2d" providerId="ADAL" clId="{CD978B99-1DD6-9240-BCB0-1186597944FD}" dt="2023-02-01T13:42:03.363" v="1146" actId="14100"/>
+          <ac:spMkLst>
+            <pc:docMk/>
+            <pc:sldMk cId="1186627447" sldId="597"/>
+            <ac:spMk id="2" creationId="{86091DFB-4D15-3D18-6B27-154E9432A32C}"/>
+          </ac:spMkLst>
+        </pc:spChg>
+        <pc:spChg chg="add mod">
+          <ac:chgData name="Karoline Huth" userId="5ffc0af5-9e46-431a-90db-3541adb3af2d" providerId="ADAL" clId="{CD978B99-1DD6-9240-BCB0-1186597944FD}" dt="2023-01-31T14:17:10.228" v="902" actId="207"/>
+          <ac:spMkLst>
+            <pc:docMk/>
+            <pc:sldMk cId="1186627447" sldId="597"/>
+            <ac:spMk id="9" creationId="{35624C62-134E-7BD9-08A8-8803D518E071}"/>
+          </ac:spMkLst>
+        </pc:spChg>
+        <pc:spChg chg="add mod">
+          <ac:chgData name="Karoline Huth" userId="5ffc0af5-9e46-431a-90db-3541adb3af2d" providerId="ADAL" clId="{CD978B99-1DD6-9240-BCB0-1186597944FD}" dt="2023-01-31T14:17:16.799" v="905" actId="1076"/>
+          <ac:spMkLst>
+            <pc:docMk/>
+            <pc:sldMk cId="1186627447" sldId="597"/>
+            <ac:spMk id="12" creationId="{5420005B-57D6-6398-B95E-8AB343CF89F9}"/>
+          </ac:spMkLst>
+        </pc:spChg>
+        <pc:spChg chg="mod">
+          <ac:chgData name="Karoline Huth" userId="5ffc0af5-9e46-431a-90db-3541adb3af2d" providerId="ADAL" clId="{CD978B99-1DD6-9240-BCB0-1186597944FD}" dt="2023-02-01T13:44:03.221" v="1216" actId="2711"/>
+          <ac:spMkLst>
+            <pc:docMk/>
+            <pc:sldMk cId="1186627447" sldId="597"/>
+            <ac:spMk id="13" creationId="{CD342A49-5E25-DF8F-9D9A-578F3477B897}"/>
+          </ac:spMkLst>
+        </pc:spChg>
+        <pc:spChg chg="add mod">
+          <ac:chgData name="Karoline Huth" userId="5ffc0af5-9e46-431a-90db-3541adb3af2d" providerId="ADAL" clId="{CD978B99-1DD6-9240-BCB0-1186597944FD}" dt="2023-02-01T14:17:18.494" v="1493" actId="207"/>
+          <ac:spMkLst>
+            <pc:docMk/>
+            <pc:sldMk cId="1186627447" sldId="597"/>
+            <ac:spMk id="16" creationId="{061BB5C3-3928-D2EA-5D56-11DDECB41B1E}"/>
+          </ac:spMkLst>
+        </pc:spChg>
+      </pc:sldChg>
+      <pc:sldChg chg="modSp add mod">
+        <pc:chgData name="Karoline Huth" userId="5ffc0af5-9e46-431a-90db-3541adb3af2d" providerId="ADAL" clId="{CD978B99-1DD6-9240-BCB0-1186597944FD}" dt="2023-02-01T13:46:38.997" v="1263" actId="2711"/>
+        <pc:sldMkLst>
+          <pc:docMk/>
+          <pc:sldMk cId="760859062" sldId="598"/>
+        </pc:sldMkLst>
+        <pc:spChg chg="mod">
+          <ac:chgData name="Karoline Huth" userId="5ffc0af5-9e46-431a-90db-3541adb3af2d" providerId="ADAL" clId="{CD978B99-1DD6-9240-BCB0-1186597944FD}" dt="2023-01-31T14:17:32.470" v="908" actId="1076"/>
+          <ac:spMkLst>
+            <pc:docMk/>
+            <pc:sldMk cId="760859062" sldId="598"/>
+            <ac:spMk id="2" creationId="{86091DFB-4D15-3D18-6B27-154E9432A32C}"/>
+          </ac:spMkLst>
+        </pc:spChg>
+        <pc:spChg chg="mod">
+          <ac:chgData name="Karoline Huth" userId="5ffc0af5-9e46-431a-90db-3541adb3af2d" providerId="ADAL" clId="{CD978B99-1DD6-9240-BCB0-1186597944FD}" dt="2023-01-31T14:17:34.332" v="909" actId="1076"/>
+          <ac:spMkLst>
+            <pc:docMk/>
+            <pc:sldMk cId="760859062" sldId="598"/>
+            <ac:spMk id="9" creationId="{35624C62-134E-7BD9-08A8-8803D518E071}"/>
+          </ac:spMkLst>
+        </pc:spChg>
+        <pc:spChg chg="mod">
+          <ac:chgData name="Karoline Huth" userId="5ffc0af5-9e46-431a-90db-3541adb3af2d" providerId="ADAL" clId="{CD978B99-1DD6-9240-BCB0-1186597944FD}" dt="2023-02-01T13:46:38.997" v="1263" actId="2711"/>
+          <ac:spMkLst>
+            <pc:docMk/>
+            <pc:sldMk cId="760859062" sldId="598"/>
+            <ac:spMk id="13" creationId="{CD342A49-5E25-DF8F-9D9A-578F3477B897}"/>
+          </ac:spMkLst>
+        </pc:spChg>
+      </pc:sldChg>
+      <pc:sldChg chg="modSp add del mod modAnim">
+        <pc:chgData name="Karoline Huth" userId="5ffc0af5-9e46-431a-90db-3541adb3af2d" providerId="ADAL" clId="{CD978B99-1DD6-9240-BCB0-1186597944FD}" dt="2023-02-01T13:45:14.261" v="1247" actId="2696"/>
+        <pc:sldMkLst>
+          <pc:docMk/>
+          <pc:sldMk cId="2157355518" sldId="599"/>
+        </pc:sldMkLst>
+        <pc:spChg chg="mod">
+          <ac:chgData name="Karoline Huth" userId="5ffc0af5-9e46-431a-90db-3541adb3af2d" providerId="ADAL" clId="{CD978B99-1DD6-9240-BCB0-1186597944FD}" dt="2023-01-31T14:23:17.697" v="988" actId="1076"/>
+          <ac:spMkLst>
+            <pc:docMk/>
+            <pc:sldMk cId="2157355518" sldId="599"/>
+            <ac:spMk id="5" creationId="{ED1D83C2-7DA5-D68E-FE43-8046E2A821C0}"/>
+          </ac:spMkLst>
+        </pc:spChg>
+      </pc:sldChg>
+      <pc:sldChg chg="add del">
+        <pc:chgData name="Karoline Huth" userId="5ffc0af5-9e46-431a-90db-3541adb3af2d" providerId="ADAL" clId="{CD978B99-1DD6-9240-BCB0-1186597944FD}" dt="2023-02-01T13:42:18.021" v="1147" actId="2696"/>
+        <pc:sldMkLst>
+          <pc:docMk/>
+          <pc:sldMk cId="43122443" sldId="600"/>
+        </pc:sldMkLst>
+      </pc:sldChg>
+      <pc:sldChg chg="modSp add del mod">
+        <pc:chgData name="Karoline Huth" userId="5ffc0af5-9e46-431a-90db-3541adb3af2d" providerId="ADAL" clId="{CD978B99-1DD6-9240-BCB0-1186597944FD}" dt="2023-02-01T13:19:06.762" v="1144" actId="2696"/>
+        <pc:sldMkLst>
+          <pc:docMk/>
+          <pc:sldMk cId="2955076364" sldId="600"/>
+        </pc:sldMkLst>
+        <pc:spChg chg="mod">
+          <ac:chgData name="Karoline Huth" userId="5ffc0af5-9e46-431a-90db-3541adb3af2d" providerId="ADAL" clId="{CD978B99-1DD6-9240-BCB0-1186597944FD}" dt="2023-02-01T13:19:05.345" v="1143" actId="14100"/>
+          <ac:spMkLst>
+            <pc:docMk/>
+            <pc:sldMk cId="2955076364" sldId="600"/>
+            <ac:spMk id="2" creationId="{86091DFB-4D15-3D18-6B27-154E9432A32C}"/>
+          </ac:spMkLst>
+        </pc:spChg>
+        <pc:spChg chg="mod">
+          <ac:chgData name="Karoline Huth" userId="5ffc0af5-9e46-431a-90db-3541adb3af2d" providerId="ADAL" clId="{CD978B99-1DD6-9240-BCB0-1186597944FD}" dt="2023-02-01T13:19:03.719" v="1141" actId="1076"/>
+          <ac:spMkLst>
+            <pc:docMk/>
+            <pc:sldMk cId="2955076364" sldId="600"/>
+            <ac:spMk id="9" creationId="{35624C62-134E-7BD9-08A8-8803D518E071}"/>
+          </ac:spMkLst>
+        </pc:spChg>
+        <pc:grpChg chg="mod">
+          <ac:chgData name="Karoline Huth" userId="5ffc0af5-9e46-431a-90db-3541adb3af2d" providerId="ADAL" clId="{CD978B99-1DD6-9240-BCB0-1186597944FD}" dt="2023-02-01T13:18:44.887" v="1136" actId="1076"/>
+          <ac:grpSpMkLst>
+            <pc:docMk/>
+            <pc:sldMk cId="2955076364" sldId="600"/>
+            <ac:grpSpMk id="19" creationId="{5B4A71C1-1986-1705-E1EA-593AA8A34E39}"/>
+          </ac:grpSpMkLst>
+        </pc:grpChg>
+        <pc:grpChg chg="mod">
+          <ac:chgData name="Karoline Huth" userId="5ffc0af5-9e46-431a-90db-3541adb3af2d" providerId="ADAL" clId="{CD978B99-1DD6-9240-BCB0-1186597944FD}" dt="2023-02-01T13:19:03.719" v="1141" actId="1076"/>
+          <ac:grpSpMkLst>
+            <pc:docMk/>
+            <pc:sldMk cId="2955076364" sldId="600"/>
+            <ac:grpSpMk id="24" creationId="{9ED6DF53-168C-B77A-3242-8282679C93F7}"/>
+          </ac:grpSpMkLst>
+        </pc:grpChg>
+      </pc:sldChg>
+      <pc:sldChg chg="modSp add mod modAnim">
+        <pc:chgData name="Karoline Huth" userId="5ffc0af5-9e46-431a-90db-3541adb3af2d" providerId="ADAL" clId="{CD978B99-1DD6-9240-BCB0-1186597944FD}" dt="2023-02-01T13:45:23.124" v="1249"/>
+        <pc:sldMkLst>
+          <pc:docMk/>
+          <pc:sldMk cId="3710392462" sldId="600"/>
+        </pc:sldMkLst>
+        <pc:spChg chg="mod">
+          <ac:chgData name="Karoline Huth" userId="5ffc0af5-9e46-431a-90db-3541adb3af2d" providerId="ADAL" clId="{CD978B99-1DD6-9240-BCB0-1186597944FD}" dt="2023-02-01T13:45:17.916" v="1248" actId="1076"/>
+          <ac:spMkLst>
+            <pc:docMk/>
+            <pc:sldMk cId="3710392462" sldId="600"/>
+            <ac:spMk id="5" creationId="{ED1D83C2-7DA5-D68E-FE43-8046E2A821C0}"/>
+          </ac:spMkLst>
+        </pc:spChg>
+      </pc:sldChg>
+    </pc:docChg>
+  </pc:docChgLst>
+  <pc:docChgLst>
+    <pc:chgData name="Nikola Sekulovski" userId="S::n.sekulovski@uva.nl::2345901e-73d2-462d-8b82-8af2d9a2a087" providerId="AD" clId="Web-{6BFBBF77-9932-0F85-5661-BA52E3FAE0AC}"/>
+    <pc:docChg chg="modSld">
+      <pc:chgData name="Nikola Sekulovski" userId="S::n.sekulovski@uva.nl::2345901e-73d2-462d-8b82-8af2d9a2a087" providerId="AD" clId="Web-{6BFBBF77-9932-0F85-5661-BA52E3FAE0AC}" dt="2024-09-18T08:30:58.381" v="24" actId="20577"/>
+      <pc:docMkLst>
+        <pc:docMk/>
+      </pc:docMkLst>
+      <pc:sldChg chg="modSp">
+        <pc:chgData name="Nikola Sekulovski" userId="S::n.sekulovski@uva.nl::2345901e-73d2-462d-8b82-8af2d9a2a087" providerId="AD" clId="Web-{6BFBBF77-9932-0F85-5661-BA52E3FAE0AC}" dt="2024-09-18T08:20:50.238" v="23" actId="20577"/>
+        <pc:sldMkLst>
+          <pc:docMk/>
+          <pc:sldMk cId="1131232699" sldId="346"/>
+        </pc:sldMkLst>
+        <pc:spChg chg="mod">
+          <ac:chgData name="Nikola Sekulovski" userId="S::n.sekulovski@uva.nl::2345901e-73d2-462d-8b82-8af2d9a2a087" providerId="AD" clId="Web-{6BFBBF77-9932-0F85-5661-BA52E3FAE0AC}" dt="2024-09-18T08:20:50.238" v="23" actId="20577"/>
+          <ac:spMkLst>
+            <pc:docMk/>
+            <pc:sldMk cId="1131232699" sldId="346"/>
+            <ac:spMk id="6" creationId="{A127B32E-17D6-495D-2F9B-41D316BDE8CA}"/>
+          </ac:spMkLst>
+        </pc:spChg>
+      </pc:sldChg>
+      <pc:sldChg chg="modSp">
+        <pc:chgData name="Nikola Sekulovski" userId="S::n.sekulovski@uva.nl::2345901e-73d2-462d-8b82-8af2d9a2a087" providerId="AD" clId="Web-{6BFBBF77-9932-0F85-5661-BA52E3FAE0AC}" dt="2024-09-18T08:30:58.381" v="24" actId="20577"/>
+        <pc:sldMkLst>
+          <pc:docMk/>
+          <pc:sldMk cId="3936712023" sldId="601"/>
+        </pc:sldMkLst>
+        <pc:spChg chg="mod">
+          <ac:chgData name="Nikola Sekulovski" userId="S::n.sekulovski@uva.nl::2345901e-73d2-462d-8b82-8af2d9a2a087" providerId="AD" clId="Web-{6BFBBF77-9932-0F85-5661-BA52E3FAE0AC}" dt="2024-09-18T08:30:58.381" v="24" actId="20577"/>
+          <ac:spMkLst>
+            <pc:docMk/>
+            <pc:sldMk cId="3936712023" sldId="601"/>
+            <ac:spMk id="8" creationId="{7C2C20C3-2FB0-4500-9631-5BD18DFFAEFB}"/>
+          </ac:spMkLst>
+        </pc:spChg>
+      </pc:sldChg>
+    </pc:docChg>
+  </pc:docChgLst>
+  <pc:docChgLst>
+    <pc:chgData name="Nikola Sekulovski" userId="2345901e-73d2-462d-8b82-8af2d9a2a087" providerId="ADAL" clId="{5C923A5F-9784-4AA6-B75E-015B12594196}"/>
+    <pc:docChg chg="undo custSel delSld modSld sldOrd">
+      <pc:chgData name="Nikola Sekulovski" userId="2345901e-73d2-462d-8b82-8af2d9a2a087" providerId="ADAL" clId="{5C923A5F-9784-4AA6-B75E-015B12594196}" dt="2024-09-18T07:50:10.315" v="243" actId="2696"/>
+      <pc:docMkLst>
+        <pc:docMk/>
+      </pc:docMkLst>
+      <pc:sldChg chg="addSp modSp del mod">
+        <pc:chgData name="Nikola Sekulovski" userId="2345901e-73d2-462d-8b82-8af2d9a2a087" providerId="ADAL" clId="{5C923A5F-9784-4AA6-B75E-015B12594196}" dt="2024-09-18T07:47:57.489" v="234" actId="2696"/>
+        <pc:sldMkLst>
+          <pc:docMk/>
+          <pc:sldMk cId="3501034909" sldId="293"/>
+        </pc:sldMkLst>
+        <pc:spChg chg="add mod">
+          <ac:chgData name="Nikola Sekulovski" userId="2345901e-73d2-462d-8b82-8af2d9a2a087" providerId="ADAL" clId="{5C923A5F-9784-4AA6-B75E-015B12594196}" dt="2024-09-18T07:46:55.724" v="205" actId="1076"/>
+          <ac:spMkLst>
+            <pc:docMk/>
+            <pc:sldMk cId="3501034909" sldId="293"/>
+            <ac:spMk id="2" creationId="{685AC5EF-8EE6-11CC-4874-529A8CF87034}"/>
+          </ac:spMkLst>
+        </pc:spChg>
+        <pc:spChg chg="mod">
+          <ac:chgData name="Nikola Sekulovski" userId="2345901e-73d2-462d-8b82-8af2d9a2a087" providerId="ADAL" clId="{5C923A5F-9784-4AA6-B75E-015B12594196}" dt="2024-09-18T07:47:32.366" v="210" actId="1076"/>
+          <ac:spMkLst>
+            <pc:docMk/>
+            <pc:sldMk cId="3501034909" sldId="293"/>
+            <ac:spMk id="11" creationId="{2A82E7EC-5634-5C4D-A428-6797F1086FBC}"/>
+          </ac:spMkLst>
+        </pc:spChg>
+        <pc:picChg chg="mod">
+          <ac:chgData name="Nikola Sekulovski" userId="2345901e-73d2-462d-8b82-8af2d9a2a087" providerId="ADAL" clId="{5C923A5F-9784-4AA6-B75E-015B12594196}" dt="2024-09-18T07:47:00.527" v="206" actId="14100"/>
+          <ac:picMkLst>
+            <pc:docMk/>
+            <pc:sldMk cId="3501034909" sldId="293"/>
+            <ac:picMk id="1026" creationId="{09113EF3-99F3-E64A-F954-772A4A9F8A74}"/>
+          </ac:picMkLst>
+        </pc:picChg>
+      </pc:sldChg>
+      <pc:sldChg chg="del">
+        <pc:chgData name="Nikola Sekulovski" userId="2345901e-73d2-462d-8b82-8af2d9a2a087" providerId="ADAL" clId="{5C923A5F-9784-4AA6-B75E-015B12594196}" dt="2024-09-18T07:50:04.296" v="242" actId="2696"/>
+        <pc:sldMkLst>
+          <pc:docMk/>
+          <pc:sldMk cId="1273181633" sldId="312"/>
+        </pc:sldMkLst>
+      </pc:sldChg>
+      <pc:sldChg chg="addSp modSp mod ord">
+        <pc:chgData name="Nikola Sekulovski" userId="2345901e-73d2-462d-8b82-8af2d9a2a087" providerId="ADAL" clId="{5C923A5F-9784-4AA6-B75E-015B12594196}" dt="2024-09-18T07:49:47.506" v="241" actId="255"/>
+        <pc:sldMkLst>
+          <pc:docMk/>
+          <pc:sldMk cId="1131232699" sldId="346"/>
+        </pc:sldMkLst>
+        <pc:spChg chg="add mod">
+          <ac:chgData name="Nikola Sekulovski" userId="2345901e-73d2-462d-8b82-8af2d9a2a087" providerId="ADAL" clId="{5C923A5F-9784-4AA6-B75E-015B12594196}" dt="2024-09-18T07:49:47.506" v="241" actId="255"/>
+          <ac:spMkLst>
+            <pc:docMk/>
+            <pc:sldMk cId="1131232699" sldId="346"/>
+            <ac:spMk id="4" creationId="{F60D40DD-14D3-852F-4D60-6EBBA7238577}"/>
+          </ac:spMkLst>
+        </pc:spChg>
+        <pc:spChg chg="mod">
+          <ac:chgData name="Nikola Sekulovski" userId="2345901e-73d2-462d-8b82-8af2d9a2a087" providerId="ADAL" clId="{5C923A5F-9784-4AA6-B75E-015B12594196}" dt="2024-09-18T07:47:52.185" v="233" actId="20577"/>
+          <ac:spMkLst>
+            <pc:docMk/>
+            <pc:sldMk cId="1131232699" sldId="346"/>
+            <ac:spMk id="6" creationId="{A127B32E-17D6-495D-2F9B-41D316BDE8CA}"/>
+          </ac:spMkLst>
+        </pc:spChg>
+      </pc:sldChg>
+      <pc:sldChg chg="del">
+        <pc:chgData name="Nikola Sekulovski" userId="2345901e-73d2-462d-8b82-8af2d9a2a087" providerId="ADAL" clId="{5C923A5F-9784-4AA6-B75E-015B12594196}" dt="2024-09-18T07:50:10.315" v="243" actId="2696"/>
+        <pc:sldMkLst>
+          <pc:docMk/>
+          <pc:sldMk cId="1186627447" sldId="597"/>
+        </pc:sldMkLst>
+      </pc:sldChg>
+      <pc:sldChg chg="modSp mod">
+        <pc:chgData name="Nikola Sekulovski" userId="2345901e-73d2-462d-8b82-8af2d9a2a087" providerId="ADAL" clId="{5C923A5F-9784-4AA6-B75E-015B12594196}" dt="2024-09-17T07:47:49.576" v="129" actId="20577"/>
+        <pc:sldMkLst>
+          <pc:docMk/>
+          <pc:sldMk cId="3936712023" sldId="601"/>
+        </pc:sldMkLst>
+        <pc:spChg chg="mod">
+          <ac:chgData name="Nikola Sekulovski" userId="2345901e-73d2-462d-8b82-8af2d9a2a087" providerId="ADAL" clId="{5C923A5F-9784-4AA6-B75E-015B12594196}" dt="2024-09-17T07:47:49.576" v="129" actId="20577"/>
+          <ac:spMkLst>
+            <pc:docMk/>
+            <pc:sldMk cId="3936712023" sldId="601"/>
+            <ac:spMk id="8" creationId="{7C2C20C3-2FB0-4500-9631-5BD18DFFAEFB}"/>
+          </ac:spMkLst>
+        </pc:spChg>
+      </pc:sldChg>
+      <pc:sldChg chg="modSp mod">
+        <pc:chgData name="Nikola Sekulovski" userId="2345901e-73d2-462d-8b82-8af2d9a2a087" providerId="ADAL" clId="{5C923A5F-9784-4AA6-B75E-015B12594196}" dt="2024-09-17T07:49:08.375" v="203" actId="20577"/>
+        <pc:sldMkLst>
+          <pc:docMk/>
+          <pc:sldMk cId="300369435" sldId="629"/>
+        </pc:sldMkLst>
+        <pc:spChg chg="mod">
+          <ac:chgData name="Nikola Sekulovski" userId="2345901e-73d2-462d-8b82-8af2d9a2a087" providerId="ADAL" clId="{5C923A5F-9784-4AA6-B75E-015B12594196}" dt="2024-09-17T07:49:08.375" v="203" actId="20577"/>
+          <ac:spMkLst>
+            <pc:docMk/>
+            <pc:sldMk cId="300369435" sldId="629"/>
+            <ac:spMk id="7" creationId="{067B623A-831A-91A0-4BE8-47368F61F7CD}"/>
+          </ac:spMkLst>
+        </pc:spChg>
+      </pc:sldChg>
+      <pc:sldChg chg="addSp modSp mod modAnim">
+        <pc:chgData name="Nikola Sekulovski" userId="2345901e-73d2-462d-8b82-8af2d9a2a087" providerId="ADAL" clId="{5C923A5F-9784-4AA6-B75E-015B12594196}" dt="2024-09-18T07:49:36.692" v="240" actId="1076"/>
+        <pc:sldMkLst>
+          <pc:docMk/>
+          <pc:sldMk cId="668909138" sldId="661"/>
+        </pc:sldMkLst>
+        <pc:spChg chg="add mod">
+          <ac:chgData name="Nikola Sekulovski" userId="2345901e-73d2-462d-8b82-8af2d9a2a087" providerId="ADAL" clId="{5C923A5F-9784-4AA6-B75E-015B12594196}" dt="2024-09-18T07:48:43.923" v="238" actId="1076"/>
+          <ac:spMkLst>
+            <pc:docMk/>
+            <pc:sldMk cId="668909138" sldId="661"/>
+            <ac:spMk id="6" creationId="{AEA7D37A-2BD9-40EF-4E31-64DD3133CD19}"/>
+          </ac:spMkLst>
+        </pc:spChg>
+        <pc:spChg chg="add mod">
+          <ac:chgData name="Nikola Sekulovski" userId="2345901e-73d2-462d-8b82-8af2d9a2a087" providerId="ADAL" clId="{5C923A5F-9784-4AA6-B75E-015B12594196}" dt="2024-09-18T07:49:36.692" v="240" actId="1076"/>
+          <ac:spMkLst>
+            <pc:docMk/>
+            <pc:sldMk cId="668909138" sldId="661"/>
+            <ac:spMk id="16" creationId="{40819171-3112-9678-50B6-8F564A378674}"/>
+          </ac:spMkLst>
+        </pc:spChg>
+        <pc:grpChg chg="mod">
+          <ac:chgData name="Nikola Sekulovski" userId="2345901e-73d2-462d-8b82-8af2d9a2a087" providerId="ADAL" clId="{5C923A5F-9784-4AA6-B75E-015B12594196}" dt="2024-09-18T07:48:40.020" v="237" actId="1076"/>
+          <ac:grpSpMkLst>
+            <pc:docMk/>
+            <pc:sldMk cId="668909138" sldId="661"/>
+            <ac:grpSpMk id="19" creationId="{02C07555-95AA-4358-7BDA-E8240E6CF583}"/>
+          </ac:grpSpMkLst>
+        </pc:grpChg>
+      </pc:sldChg>
+    </pc:docChg>
+  </pc:docChgLst>
+  <pc:docChgLst>
+    <pc:chgData name="Karoline Huth" userId="5ffc0af5-9e46-431a-90db-3541adb3af2d" providerId="ADAL" clId="{051D7D22-969B-4341-897B-DE70709A3043}"/>
+    <pc:docChg chg="undo custSel addSld delSld modSld sldOrd">
+      <pc:chgData name="Karoline Huth" userId="5ffc0af5-9e46-431a-90db-3541adb3af2d" providerId="ADAL" clId="{051D7D22-969B-4341-897B-DE70709A3043}" dt="2021-05-06T15:14:11.547" v="2222" actId="14100"/>
+      <pc:docMkLst>
+        <pc:docMk/>
+      </pc:docMkLst>
+      <pc:sldChg chg="del">
+        <pc:chgData name="Karoline Huth" userId="5ffc0af5-9e46-431a-90db-3541adb3af2d" providerId="ADAL" clId="{051D7D22-969B-4341-897B-DE70709A3043}" dt="2021-05-05T16:23:36.372" v="305" actId="2696"/>
+        <pc:sldMkLst>
+          <pc:docMk/>
+          <pc:sldMk cId="2067514678" sldId="256"/>
+        </pc:sldMkLst>
+      </pc:sldChg>
+      <pc:sldChg chg="addSp modSp mod">
+        <pc:chgData name="Karoline Huth" userId="5ffc0af5-9e46-431a-90db-3541adb3af2d" providerId="ADAL" clId="{051D7D22-969B-4341-897B-DE70709A3043}" dt="2021-05-06T14:22:44.745" v="2079" actId="1076"/>
+        <pc:sldMkLst>
+          <pc:docMk/>
+          <pc:sldMk cId="2112609094" sldId="272"/>
+        </pc:sldMkLst>
+        <pc:spChg chg="add mod">
+          <ac:chgData name="Karoline Huth" userId="5ffc0af5-9e46-431a-90db-3541adb3af2d" providerId="ADAL" clId="{051D7D22-969B-4341-897B-DE70709A3043}" dt="2021-05-06T14:22:37.644" v="2076" actId="14100"/>
+          <ac:spMkLst>
+            <pc:docMk/>
+            <pc:sldMk cId="2112609094" sldId="272"/>
+            <ac:spMk id="2" creationId="{CBACDDEE-3E23-5244-89AC-A1AB04DEF748}"/>
+          </ac:spMkLst>
+        </pc:spChg>
+        <pc:spChg chg="add mod">
+          <ac:chgData name="Karoline Huth" userId="5ffc0af5-9e46-431a-90db-3541adb3af2d" providerId="ADAL" clId="{051D7D22-969B-4341-897B-DE70709A3043}" dt="2021-05-06T14:21:33.106" v="2073" actId="1076"/>
+          <ac:spMkLst>
+            <pc:docMk/>
+            <pc:sldMk cId="2112609094" sldId="272"/>
+            <ac:spMk id="3" creationId="{1DBE1C2F-A25C-8849-9554-D6D15F048E17}"/>
+          </ac:spMkLst>
+        </pc:spChg>
+        <pc:picChg chg="add mod">
+          <ac:chgData name="Karoline Huth" userId="5ffc0af5-9e46-431a-90db-3541adb3af2d" providerId="ADAL" clId="{051D7D22-969B-4341-897B-DE70709A3043}" dt="2021-05-06T14:22:26.404" v="2074"/>
+          <ac:picMkLst>
+            <pc:docMk/>
+            <pc:sldMk cId="2112609094" sldId="272"/>
+            <ac:picMk id="7" creationId="{7FBA2A4D-D059-E149-A762-FFE787C2BAAE}"/>
+          </ac:picMkLst>
+        </pc:picChg>
+        <pc:picChg chg="add mod">
+          <ac:chgData name="Karoline Huth" userId="5ffc0af5-9e46-431a-90db-3541adb3af2d" providerId="ADAL" clId="{051D7D22-969B-4341-897B-DE70709A3043}" dt="2021-05-06T14:22:44.745" v="2079" actId="1076"/>
+          <ac:picMkLst>
+            <pc:docMk/>
+            <pc:sldMk cId="2112609094" sldId="272"/>
+            <ac:picMk id="8" creationId="{05CAB753-EBA0-8942-8B50-7B52BEE4264F}"/>
+          </ac:picMkLst>
+        </pc:picChg>
+        <pc:picChg chg="add mod">
+          <ac:chgData name="Karoline Huth" userId="5ffc0af5-9e46-431a-90db-3541adb3af2d" providerId="ADAL" clId="{051D7D22-969B-4341-897B-DE70709A3043}" dt="2021-05-06T14:22:41.908" v="2078" actId="1076"/>
+          <ac:picMkLst>
+            <pc:docMk/>
+            <pc:sldMk cId="2112609094" sldId="272"/>
+            <ac:picMk id="9" creationId="{DB718D47-8C9E-FD4B-82E9-57AE8D70739C}"/>
+          </ac:picMkLst>
+        </pc:picChg>
+        <pc:picChg chg="add mod">
+          <ac:chgData name="Karoline Huth" userId="5ffc0af5-9e46-431a-90db-3541adb3af2d" providerId="ADAL" clId="{051D7D22-969B-4341-897B-DE70709A3043}" dt="2021-05-06T14:20:23.501" v="2058" actId="1076"/>
+          <ac:picMkLst>
+            <pc:docMk/>
+            <pc:sldMk cId="2112609094" sldId="272"/>
+            <ac:picMk id="3074" creationId="{D786D99D-3E9B-4A48-8960-3EF162F380F0}"/>
+          </ac:picMkLst>
+        </pc:picChg>
+      </pc:sldChg>
+      <pc:sldChg chg="modSp mod">
+        <pc:chgData name="Karoline Huth" userId="5ffc0af5-9e46-431a-90db-3541adb3af2d" providerId="ADAL" clId="{051D7D22-969B-4341-897B-DE70709A3043}" dt="2021-05-06T06:56:21.660" v="1285" actId="20577"/>
+        <pc:sldMkLst>
+          <pc:docMk/>
+          <pc:sldMk cId="2505545919" sldId="273"/>
+        </pc:sldMkLst>
+        <pc:spChg chg="mod">
+          <ac:chgData name="Karoline Huth" userId="5ffc0af5-9e46-431a-90db-3541adb3af2d" providerId="ADAL" clId="{051D7D22-969B-4341-897B-DE70709A3043}" dt="2021-05-06T06:56:21.660" v="1285" actId="20577"/>
+          <ac:spMkLst>
+            <pc:docMk/>
+            <pc:sldMk cId="2505545919" sldId="273"/>
+            <ac:spMk id="5" creationId="{35666C91-843D-464A-A889-BABB4192D89C}"/>
+          </ac:spMkLst>
+        </pc:spChg>
+      </pc:sldChg>
+      <pc:sldChg chg="del">
+        <pc:chgData name="Karoline Huth" userId="5ffc0af5-9e46-431a-90db-3541adb3af2d" providerId="ADAL" clId="{051D7D22-969B-4341-897B-DE70709A3043}" dt="2021-05-06T06:32:50.482" v="517" actId="2696"/>
+        <pc:sldMkLst>
+          <pc:docMk/>
+          <pc:sldMk cId="2879186150" sldId="277"/>
+        </pc:sldMkLst>
+      </pc:sldChg>
+      <pc:sldChg chg="addSp delSp modSp mod modNotesTx">
+        <pc:chgData name="Karoline Huth" userId="5ffc0af5-9e46-431a-90db-3541adb3af2d" providerId="ADAL" clId="{051D7D22-969B-4341-897B-DE70709A3043}" dt="2021-05-06T13:22:02.064" v="1943" actId="20577"/>
+        <pc:sldMkLst>
+          <pc:docMk/>
+          <pc:sldMk cId="2299009425" sldId="278"/>
+        </pc:sldMkLst>
+        <pc:spChg chg="mod">
+          <ac:chgData name="Karoline Huth" userId="5ffc0af5-9e46-431a-90db-3541adb3af2d" providerId="ADAL" clId="{051D7D22-969B-4341-897B-DE70709A3043}" dt="2021-05-06T06:48:56.043" v="1128" actId="20577"/>
+          <ac:spMkLst>
+            <pc:docMk/>
+            <pc:sldMk cId="2299009425" sldId="278"/>
+            <ac:spMk id="6" creationId="{5035EED6-C86E-0B4F-ADE8-845324103C90}"/>
+          </ac:spMkLst>
+        </pc:spChg>
+        <pc:spChg chg="mod">
+          <ac:chgData name="Karoline Huth" userId="5ffc0af5-9e46-431a-90db-3541adb3af2d" providerId="ADAL" clId="{051D7D22-969B-4341-897B-DE70709A3043}" dt="2021-05-06T06:48:15.847" v="1036" actId="20577"/>
+          <ac:spMkLst>
+            <pc:docMk/>
+            <pc:sldMk cId="2299009425" sldId="278"/>
+            <ac:spMk id="12" creationId="{D15B2170-7E3E-EA45-8EEE-2A60F3E549C7}"/>
+          </ac:spMkLst>
+        </pc:spChg>
+        <pc:spChg chg="mod">
+          <ac:chgData name="Karoline Huth" userId="5ffc0af5-9e46-431a-90db-3541adb3af2d" providerId="ADAL" clId="{051D7D22-969B-4341-897B-DE70709A3043}" dt="2021-05-06T06:48:22.851" v="1067" actId="20577"/>
+          <ac:spMkLst>
+            <pc:docMk/>
+            <pc:sldMk cId="2299009425" sldId="278"/>
+            <ac:spMk id="13" creationId="{0305F823-23B6-1F4C-BC07-59F9420B476C}"/>
+          </ac:spMkLst>
+        </pc:spChg>
+        <pc:picChg chg="del">
+          <ac:chgData name="Karoline Huth" userId="5ffc0af5-9e46-431a-90db-3541adb3af2d" providerId="ADAL" clId="{051D7D22-969B-4341-897B-DE70709A3043}" dt="2021-05-06T06:48:24.222" v="1068" actId="478"/>
+          <ac:picMkLst>
+            <pc:docMk/>
+            <pc:sldMk cId="2299009425" sldId="278"/>
+            <ac:picMk id="7" creationId="{29BC9838-7B34-D14B-AA46-A2265C3F7D77}"/>
+          </ac:picMkLst>
+        </pc:picChg>
+        <pc:picChg chg="add mod">
+          <ac:chgData name="Karoline Huth" userId="5ffc0af5-9e46-431a-90db-3541adb3af2d" providerId="ADAL" clId="{051D7D22-969B-4341-897B-DE70709A3043}" dt="2021-05-06T06:48:38.557" v="1072" actId="1076"/>
+          <ac:picMkLst>
+            <pc:docMk/>
+            <pc:sldMk cId="2299009425" sldId="278"/>
+            <ac:picMk id="11" creationId="{812D3A8D-26F1-7E4E-97D3-0E03DFEDCF1E}"/>
+          </ac:picMkLst>
+        </pc:picChg>
+      </pc:sldChg>
+      <pc:sldChg chg="del">
+        <pc:chgData name="Karoline Huth" userId="5ffc0af5-9e46-431a-90db-3541adb3af2d" providerId="ADAL" clId="{051D7D22-969B-4341-897B-DE70709A3043}" dt="2021-05-06T06:48:43.280" v="1073" actId="2696"/>
+        <pc:sldMkLst>
+          <pc:docMk/>
+          <pc:sldMk cId="683164074" sldId="279"/>
+        </pc:sldMkLst>
+      </pc:sldChg>
+      <pc:sldChg chg="mod modShow">
+        <pc:chgData name="Karoline Huth" userId="5ffc0af5-9e46-431a-90db-3541adb3af2d" providerId="ADAL" clId="{051D7D22-969B-4341-897B-DE70709A3043}" dt="2021-05-06T07:16:22.895" v="1298" actId="729"/>
+        <pc:sldMkLst>
+          <pc:docMk/>
+          <pc:sldMk cId="3753679222" sldId="288"/>
+        </pc:sldMkLst>
+      </pc:sldChg>
+      <pc:sldChg chg="addSp delSp modSp mod ord modAnim modNotesTx">
+        <pc:chgData name="Karoline Huth" userId="5ffc0af5-9e46-431a-90db-3541adb3af2d" providerId="ADAL" clId="{051D7D22-969B-4341-897B-DE70709A3043}" dt="2021-05-06T14:33:49.954" v="2081" actId="20578"/>
+        <pc:sldMkLst>
+          <pc:docMk/>
+          <pc:sldMk cId="483549874" sldId="290"/>
+        </pc:sldMkLst>
+        <pc:spChg chg="add del">
+          <ac:chgData name="Karoline Huth" userId="5ffc0af5-9e46-431a-90db-3541adb3af2d" providerId="ADAL" clId="{051D7D22-969B-4341-897B-DE70709A3043}" dt="2021-05-05T16:14:56.608" v="35" actId="478"/>
+          <ac:spMkLst>
+            <pc:docMk/>
+            <pc:sldMk cId="483549874" sldId="290"/>
+            <ac:spMk id="2" creationId="{C5D9F393-8B5C-7B40-A27C-071BA16E7BCA}"/>
+          </ac:spMkLst>
+        </pc:spChg>
+        <pc:spChg chg="mod">
+          <ac:chgData name="Karoline Huth" userId="5ffc0af5-9e46-431a-90db-3541adb3af2d" providerId="ADAL" clId="{051D7D22-969B-4341-897B-DE70709A3043}" dt="2021-05-05T16:16:59.582" v="106" actId="20577"/>
+          <ac:spMkLst>
+            <pc:docMk/>
+            <pc:sldMk cId="483549874" sldId="290"/>
+            <ac:spMk id="6" creationId="{5035EED6-C86E-0B4F-ADE8-845324103C90}"/>
+          </ac:spMkLst>
+        </pc:spChg>
+        <pc:spChg chg="add mod">
+          <ac:chgData name="Karoline Huth" userId="5ffc0af5-9e46-431a-90db-3541adb3af2d" providerId="ADAL" clId="{051D7D22-969B-4341-897B-DE70709A3043}" dt="2021-05-05T16:16:08.811" v="89" actId="166"/>
+          <ac:spMkLst>
+            <pc:docMk/>
+            <pc:sldMk cId="483549874" sldId="290"/>
+            <ac:spMk id="8" creationId="{ED16A506-1292-B546-969C-435BE7C68315}"/>
+          </ac:spMkLst>
+        </pc:spChg>
+        <pc:spChg chg="add mod">
+          <ac:chgData name="Karoline Huth" userId="5ffc0af5-9e46-431a-90db-3541adb3af2d" providerId="ADAL" clId="{051D7D22-969B-4341-897B-DE70709A3043}" dt="2021-05-05T16:16:49.550" v="99" actId="1035"/>
+          <ac:spMkLst>
+            <pc:docMk/>
+            <pc:sldMk cId="483549874" sldId="290"/>
+            <ac:spMk id="9" creationId="{703214F8-9A51-CE4C-A15E-440FCC1EC012}"/>
+          </ac:spMkLst>
+        </pc:spChg>
+        <pc:spChg chg="add mod">
+          <ac:chgData name="Karoline Huth" userId="5ffc0af5-9e46-431a-90db-3541adb3af2d" providerId="ADAL" clId="{051D7D22-969B-4341-897B-DE70709A3043}" dt="2021-05-05T16:16:49.550" v="99" actId="1035"/>
+          <ac:spMkLst>
+            <pc:docMk/>
+            <pc:sldMk cId="483549874" sldId="290"/>
+            <ac:spMk id="10" creationId="{1EB90E50-D793-1347-AD12-35DBD4C534B2}"/>
+          </ac:spMkLst>
+        </pc:spChg>
+        <pc:spChg chg="del">
+          <ac:chgData name="Karoline Huth" userId="5ffc0af5-9e46-431a-90db-3541adb3af2d" providerId="ADAL" clId="{051D7D22-969B-4341-897B-DE70709A3043}" dt="2021-05-05T16:15:11.412" v="77" actId="478"/>
+          <ac:spMkLst>
+            <pc:docMk/>
+            <pc:sldMk cId="483549874" sldId="290"/>
+            <ac:spMk id="15" creationId="{32E4763F-32E1-6D44-9D23-F030EB3C43FE}"/>
+          </ac:spMkLst>
+        </pc:spChg>
+        <pc:picChg chg="add mod modCrop">
+          <ac:chgData name="Karoline Huth" userId="5ffc0af5-9e46-431a-90db-3541adb3af2d" providerId="ADAL" clId="{051D7D22-969B-4341-897B-DE70709A3043}" dt="2021-05-05T16:15:53.881" v="85" actId="1076"/>
+          <ac:picMkLst>
+            <pc:docMk/>
+            <pc:sldMk cId="483549874" sldId="290"/>
+            <ac:picMk id="7" creationId="{BF890013-F7DD-7545-8013-A924ABF0CEC4}"/>
+          </ac:picMkLst>
+        </pc:picChg>
+      </pc:sldChg>
+      <pc:sldChg chg="del">
+        <pc:chgData name="Karoline Huth" userId="5ffc0af5-9e46-431a-90db-3541adb3af2d" providerId="ADAL" clId="{051D7D22-969B-4341-897B-DE70709A3043}" dt="2021-05-05T16:09:42.042" v="1" actId="2696"/>
+        <pc:sldMkLst>
+          <pc:docMk/>
+          <pc:sldMk cId="3541291353" sldId="291"/>
+        </pc:sldMkLst>
+      </pc:sldChg>
+      <pc:sldChg chg="addSp delSp modSp add del mod modAnim">
+        <pc:chgData name="Karoline Huth" userId="5ffc0af5-9e46-431a-90db-3541adb3af2d" providerId="ADAL" clId="{051D7D22-969B-4341-897B-DE70709A3043}" dt="2021-05-05T16:18:23.783" v="169" actId="2696"/>
+        <pc:sldMkLst>
+          <pc:docMk/>
+          <pc:sldMk cId="4188970231" sldId="291"/>
+        </pc:sldMkLst>
+        <pc:spChg chg="del">
+          <ac:chgData name="Karoline Huth" userId="5ffc0af5-9e46-431a-90db-3541adb3af2d" providerId="ADAL" clId="{051D7D22-969B-4341-897B-DE70709A3043}" dt="2021-05-05T16:12:46.992" v="3" actId="478"/>
+          <ac:spMkLst>
+            <pc:docMk/>
+            <pc:sldMk cId="4188970231" sldId="291"/>
+            <ac:spMk id="4" creationId="{B4CC22D3-93AD-8E4A-9B22-044137A5780B}"/>
+          </ac:spMkLst>
+        </pc:spChg>
+        <pc:spChg chg="del">
+          <ac:chgData name="Karoline Huth" userId="5ffc0af5-9e46-431a-90db-3541adb3af2d" providerId="ADAL" clId="{051D7D22-969B-4341-897B-DE70709A3043}" dt="2021-05-05T16:12:46.992" v="3" actId="478"/>
+          <ac:spMkLst>
+            <pc:docMk/>
+            <pc:sldMk cId="4188970231" sldId="291"/>
+            <ac:spMk id="5" creationId="{FC0C3997-09F0-3A44-990A-66B1B5F67DC5}"/>
+          </ac:spMkLst>
+        </pc:spChg>
+        <pc:spChg chg="add mod">
+          <ac:chgData name="Karoline Huth" userId="5ffc0af5-9e46-431a-90db-3541adb3af2d" providerId="ADAL" clId="{051D7D22-969B-4341-897B-DE70709A3043}" dt="2021-05-05T16:14:18.585" v="29" actId="554"/>
+          <ac:spMkLst>
+            <pc:docMk/>
+            <pc:sldMk cId="4188970231" sldId="291"/>
+            <ac:spMk id="13" creationId="{FE726977-ADF2-F446-81BB-81A5466282E3}"/>
+          </ac:spMkLst>
+        </pc:spChg>
+        <pc:spChg chg="del">
+          <ac:chgData name="Karoline Huth" userId="5ffc0af5-9e46-431a-90db-3541adb3af2d" providerId="ADAL" clId="{051D7D22-969B-4341-897B-DE70709A3043}" dt="2021-05-05T16:12:46.992" v="3" actId="478"/>
+          <ac:spMkLst>
+            <pc:docMk/>
+            <pc:sldMk cId="4188970231" sldId="291"/>
+            <ac:spMk id="14" creationId="{AFE8F270-7AA5-2447-9264-EA332B3EEA35}"/>
+          </ac:spMkLst>
+        </pc:spChg>
+        <pc:spChg chg="del">
+          <ac:chgData name="Karoline Huth" userId="5ffc0af5-9e46-431a-90db-3541adb3af2d" providerId="ADAL" clId="{051D7D22-969B-4341-897B-DE70709A3043}" dt="2021-05-05T16:12:46.992" v="3" actId="478"/>
+          <ac:spMkLst>
+            <pc:docMk/>
+            <pc:sldMk cId="4188970231" sldId="291"/>
+            <ac:spMk id="15" creationId="{66139BE3-A985-574D-B29E-BE4661B8BCD5}"/>
+          </ac:spMkLst>
+        </pc:spChg>
+        <pc:spChg chg="add mod">
+          <ac:chgData name="Karoline Huth" userId="5ffc0af5-9e46-431a-90db-3541adb3af2d" providerId="ADAL" clId="{051D7D22-969B-4341-897B-DE70709A3043}" dt="2021-05-05T16:14:18.585" v="29" actId="554"/>
+          <ac:spMkLst>
+            <pc:docMk/>
+            <pc:sldMk cId="4188970231" sldId="291"/>
+            <ac:spMk id="16" creationId="{8FA857B9-8684-9842-8EDE-8D26B9B4DAD2}"/>
+          </ac:spMkLst>
+        </pc:spChg>
+        <pc:spChg chg="add mod">
+          <ac:chgData name="Karoline Huth" userId="5ffc0af5-9e46-431a-90db-3541adb3af2d" providerId="ADAL" clId="{051D7D22-969B-4341-897B-DE70709A3043}" dt="2021-05-05T16:12:48.363" v="4"/>
+          <ac:spMkLst>
+            <pc:docMk/>
+            <pc:sldMk cId="4188970231" sldId="291"/>
+            <ac:spMk id="17" creationId="{09FD675E-F8C5-D34A-BB9B-2AE316EADBDC}"/>
+          </ac:spMkLst>
+        </pc:spChg>
+        <pc:spChg chg="del">
+          <ac:chgData name="Karoline Huth" userId="5ffc0af5-9e46-431a-90db-3541adb3af2d" providerId="ADAL" clId="{051D7D22-969B-4341-897B-DE70709A3043}" dt="2021-05-05T16:12:46.992" v="3" actId="478"/>
+          <ac:spMkLst>
+            <pc:docMk/>
+            <pc:sldMk cId="4188970231" sldId="291"/>
+            <ac:spMk id="18" creationId="{98EA6D4E-C762-244B-9E6E-78471EEFCE6D}"/>
+          </ac:spMkLst>
+        </pc:spChg>
+        <pc:spChg chg="add mod">
+          <ac:chgData name="Karoline Huth" userId="5ffc0af5-9e46-431a-90db-3541adb3af2d" providerId="ADAL" clId="{051D7D22-969B-4341-897B-DE70709A3043}" dt="2021-05-05T16:12:48.363" v="4"/>
+          <ac:spMkLst>
+            <pc:docMk/>
+            <pc:sldMk cId="4188970231" sldId="291"/>
+            <ac:spMk id="20" creationId="{3C13B72A-2F8F-B041-82E4-D3144CC82FED}"/>
+          </ac:spMkLst>
+        </pc:spChg>
+        <pc:spChg chg="del">
+          <ac:chgData name="Karoline Huth" userId="5ffc0af5-9e46-431a-90db-3541adb3af2d" providerId="ADAL" clId="{051D7D22-969B-4341-897B-DE70709A3043}" dt="2021-05-05T16:12:46.992" v="3" actId="478"/>
+          <ac:spMkLst>
+            <pc:docMk/>
+            <pc:sldMk cId="4188970231" sldId="291"/>
+            <ac:spMk id="21" creationId="{68259B87-5A5C-CB49-9DEE-3B8710CC74C9}"/>
+          </ac:spMkLst>
+        </pc:spChg>
+        <pc:spChg chg="add mod">
+          <ac:chgData name="Karoline Huth" userId="5ffc0af5-9e46-431a-90db-3541adb3af2d" providerId="ADAL" clId="{051D7D22-969B-4341-897B-DE70709A3043}" dt="2021-05-05T16:14:34.126" v="32" actId="14100"/>
+          <ac:spMkLst>
+            <pc:docMk/>
+            <pc:sldMk cId="4188970231" sldId="291"/>
+            <ac:spMk id="22" creationId="{F61F701B-A61D-3140-97E0-27E5CD89B54F}"/>
+          </ac:spMkLst>
+        </pc:spChg>
+        <pc:spChg chg="add mod">
+          <ac:chgData name="Karoline Huth" userId="5ffc0af5-9e46-431a-90db-3541adb3af2d" providerId="ADAL" clId="{051D7D22-969B-4341-897B-DE70709A3043}" dt="2021-05-05T16:14:18.585" v="29" actId="554"/>
+          <ac:spMkLst>
+            <pc:docMk/>
+            <pc:sldMk cId="4188970231" sldId="291"/>
+            <ac:spMk id="23" creationId="{98159F71-83D4-B446-8F43-C9D2A9AAD6E3}"/>
+          </ac:spMkLst>
+        </pc:spChg>
+        <pc:picChg chg="add del mod">
+          <ac:chgData name="Karoline Huth" userId="5ffc0af5-9e46-431a-90db-3541adb3af2d" providerId="ADAL" clId="{051D7D22-969B-4341-897B-DE70709A3043}" dt="2021-05-05T16:13:15.066" v="9" actId="1076"/>
+          <ac:picMkLst>
+            <pc:docMk/>
+            <pc:sldMk cId="4188970231" sldId="291"/>
+            <ac:picMk id="12" creationId="{8240DFAB-D18F-2746-BC7C-871C5AD97D98}"/>
+          </ac:picMkLst>
+        </pc:picChg>
+        <pc:picChg chg="del">
+          <ac:chgData name="Karoline Huth" userId="5ffc0af5-9e46-431a-90db-3541adb3af2d" providerId="ADAL" clId="{051D7D22-969B-4341-897B-DE70709A3043}" dt="2021-05-05T16:12:46.992" v="3" actId="478"/>
+          <ac:picMkLst>
+            <pc:docMk/>
+            <pc:sldMk cId="4188970231" sldId="291"/>
+            <ac:picMk id="19" creationId="{AE8060B5-0756-644F-900D-1978A14D917D}"/>
+          </ac:picMkLst>
+        </pc:picChg>
+        <pc:picChg chg="del">
+          <ac:chgData name="Karoline Huth" userId="5ffc0af5-9e46-431a-90db-3541adb3af2d" providerId="ADAL" clId="{051D7D22-969B-4341-897B-DE70709A3043}" dt="2021-05-05T16:12:46.992" v="3" actId="478"/>
+          <ac:picMkLst>
+            <pc:docMk/>
+            <pc:sldMk cId="4188970231" sldId="291"/>
+            <ac:picMk id="2062" creationId="{1961C07D-49FA-484C-916F-36E9028C7FF9}"/>
+          </ac:picMkLst>
+        </pc:picChg>
+        <pc:picChg chg="del">
+          <ac:chgData name="Karoline Huth" userId="5ffc0af5-9e46-431a-90db-3541adb3af2d" providerId="ADAL" clId="{051D7D22-969B-4341-897B-DE70709A3043}" dt="2021-05-05T16:12:46.992" v="3" actId="478"/>
+          <ac:picMkLst>
+            <pc:docMk/>
+            <pc:sldMk cId="4188970231" sldId="291"/>
+            <ac:picMk id="2064" creationId="{8BD5CE09-F904-FA4A-9170-34E23D0F56D7}"/>
+          </ac:picMkLst>
+        </pc:picChg>
+        <pc:cxnChg chg="add del mod">
+          <ac:chgData name="Karoline Huth" userId="5ffc0af5-9e46-431a-90db-3541adb3af2d" providerId="ADAL" clId="{051D7D22-969B-4341-897B-DE70709A3043}" dt="2021-05-05T16:13:12.055" v="8" actId="478"/>
+          <ac:cxnSpMkLst>
+            <pc:docMk/>
+            <pc:sldMk cId="4188970231" sldId="291"/>
+            <ac:cxnSpMk id="11" creationId="{8444F415-A5A6-734C-AD82-380C65BE4D84}"/>
+          </ac:cxnSpMkLst>
+        </pc:cxnChg>
+      </pc:sldChg>
+      <pc:sldChg chg="modSp add mod">
+        <pc:chgData name="Karoline Huth" userId="5ffc0af5-9e46-431a-90db-3541adb3af2d" providerId="ADAL" clId="{051D7D22-969B-4341-897B-DE70709A3043}" dt="2021-05-06T14:10:58.885" v="1974" actId="20577"/>
+        <pc:sldMkLst>
+          <pc:docMk/>
+          <pc:sldMk cId="403184627" sldId="292"/>
+        </pc:sldMkLst>
+        <pc:spChg chg="mod">
+          <ac:chgData name="Karoline Huth" userId="5ffc0af5-9e46-431a-90db-3541adb3af2d" providerId="ADAL" clId="{051D7D22-969B-4341-897B-DE70709A3043}" dt="2021-05-06T14:10:58.885" v="1974" actId="20577"/>
+          <ac:spMkLst>
+            <pc:docMk/>
+            <pc:sldMk cId="403184627" sldId="292"/>
+            <ac:spMk id="6" creationId="{5035EED6-C86E-0B4F-ADE8-845324103C90}"/>
+          </ac:spMkLst>
+        </pc:spChg>
+        <pc:spChg chg="mod">
+          <ac:chgData name="Karoline Huth" userId="5ffc0af5-9e46-431a-90db-3541adb3af2d" providerId="ADAL" clId="{051D7D22-969B-4341-897B-DE70709A3043}" dt="2021-05-06T07:12:37.413" v="1297" actId="404"/>
+          <ac:spMkLst>
+            <pc:docMk/>
+            <pc:sldMk cId="403184627" sldId="292"/>
+            <ac:spMk id="15" creationId="{32E4763F-32E1-6D44-9D23-F030EB3C43FE}"/>
+          </ac:spMkLst>
+        </pc:spChg>
+      </pc:sldChg>
+      <pc:sldChg chg="addSp delSp modSp add mod setBg delDesignElem">
+        <pc:chgData name="Karoline Huth" userId="5ffc0af5-9e46-431a-90db-3541adb3af2d" providerId="ADAL" clId="{051D7D22-969B-4341-897B-DE70709A3043}" dt="2021-05-06T15:14:11.547" v="2222" actId="14100"/>
+        <pc:sldMkLst>
+          <pc:docMk/>
+          <pc:sldMk cId="3501034909" sldId="293"/>
+        </pc:sldMkLst>
+        <pc:spChg chg="del">
+          <ac:chgData name="Karoline Huth" userId="5ffc0af5-9e46-431a-90db-3541adb3af2d" providerId="ADAL" clId="{051D7D22-969B-4341-897B-DE70709A3043}" dt="2021-05-05T16:20:11.228" v="188" actId="478"/>
+          <ac:spMkLst>
+            <pc:docMk/>
+            <pc:sldMk cId="3501034909" sldId="293"/>
+            <ac:spMk id="2" creationId="{8B255D71-3A2D-D140-97FE-32A1C5487BBE}"/>
+          </ac:spMkLst>
+        </pc:spChg>
+        <pc:spChg chg="del">
+          <ac:chgData name="Karoline Huth" userId="5ffc0af5-9e46-431a-90db-3541adb3af2d" providerId="ADAL" clId="{051D7D22-969B-4341-897B-DE70709A3043}" dt="2021-05-05T16:20:11.228" v="188" actId="478"/>
+          <ac:spMkLst>
+            <pc:docMk/>
+            <pc:sldMk cId="3501034909" sldId="293"/>
+            <ac:spMk id="3" creationId="{F1CDB452-7B52-8347-8AE6-AD5DBC118270}"/>
+          </ac:spMkLst>
+        </pc:spChg>
+        <pc:spChg chg="add mod">
+          <ac:chgData name="Karoline Huth" userId="5ffc0af5-9e46-431a-90db-3541adb3af2d" providerId="ADAL" clId="{051D7D22-969B-4341-897B-DE70709A3043}" dt="2021-05-05T16:20:49.268" v="193" actId="14100"/>
+          <ac:spMkLst>
+            <pc:docMk/>
+            <pc:sldMk cId="3501034909" sldId="293"/>
+            <ac:spMk id="5" creationId="{930A2F51-60C4-DA41-B95E-49F3CC2CFC1E}"/>
+          </ac:spMkLst>
+        </pc:spChg>
+        <pc:spChg chg="mod">
+          <ac:chgData name="Karoline Huth" userId="5ffc0af5-9e46-431a-90db-3541adb3af2d" providerId="ADAL" clId="{051D7D22-969B-4341-897B-DE70709A3043}" dt="2021-05-06T15:14:11.547" v="2222" actId="14100"/>
+          <ac:spMkLst>
+            <pc:docMk/>
+            <pc:sldMk cId="3501034909" sldId="293"/>
+            <ac:spMk id="7" creationId="{EA29F227-3810-4945-BD9F-54E29C8A97C2}"/>
+          </ac:spMkLst>
+        </pc:spChg>
+        <pc:spChg chg="add del mod">
+          <ac:chgData name="Karoline Huth" userId="5ffc0af5-9e46-431a-90db-3541adb3af2d" providerId="ADAL" clId="{051D7D22-969B-4341-897B-DE70709A3043}" dt="2021-05-05T16:20:15.267" v="189" actId="478"/>
+          <ac:spMkLst>
+            <pc:docMk/>
+            <pc:sldMk cId="3501034909" sldId="293"/>
+            <ac:spMk id="8" creationId="{13D52DC6-483B-E345-A83D-B8BEECFBF9FE}"/>
+          </ac:spMkLst>
+        </pc:spChg>
+        <pc:spChg chg="add mod">
+          <ac:chgData name="Karoline Huth" userId="5ffc0af5-9e46-431a-90db-3541adb3af2d" providerId="ADAL" clId="{051D7D22-969B-4341-897B-DE70709A3043}" dt="2021-05-05T16:23:16.891" v="301" actId="207"/>
+          <ac:spMkLst>
+            <pc:docMk/>
+            <pc:sldMk cId="3501034909" sldId="293"/>
+            <ac:spMk id="9" creationId="{9DBB3712-925F-7541-A2BA-3667F2CB2885}"/>
+          </ac:spMkLst>
+        </pc:spChg>
+        <pc:spChg chg="add mod">
+          <ac:chgData name="Karoline Huth" userId="5ffc0af5-9e46-431a-90db-3541adb3af2d" providerId="ADAL" clId="{051D7D22-969B-4341-897B-DE70709A3043}" dt="2021-05-05T16:19:58.506" v="187"/>
+          <ac:spMkLst>
+            <pc:docMk/>
+            <pc:sldMk cId="3501034909" sldId="293"/>
+            <ac:spMk id="10" creationId="{25135258-86AA-DD4B-94B3-F565A335C42A}"/>
+          </ac:spMkLst>
+        </pc:spChg>
+        <pc:spChg chg="add mod">
+          <ac:chgData name="Karoline Huth" userId="5ffc0af5-9e46-431a-90db-3541adb3af2d" providerId="ADAL" clId="{051D7D22-969B-4341-897B-DE70709A3043}" dt="2021-05-06T13:07:12.473" v="1371" actId="20577"/>
+          <ac:spMkLst>
+            <pc:docMk/>
+            <pc:sldMk cId="3501034909" sldId="293"/>
+            <ac:spMk id="11" creationId="{2A82E7EC-5634-5C4D-A428-6797F1086FBC}"/>
+          </ac:spMkLst>
+        </pc:spChg>
+        <pc:spChg chg="add del mod">
+          <ac:chgData name="Karoline Huth" userId="5ffc0af5-9e46-431a-90db-3541adb3af2d" providerId="ADAL" clId="{051D7D22-969B-4341-897B-DE70709A3043}" dt="2021-05-05T16:23:33.516" v="304" actId="478"/>
+          <ac:spMkLst>
+            <pc:docMk/>
+            <pc:sldMk cId="3501034909" sldId="293"/>
+            <ac:spMk id="14" creationId="{CA674B1B-EE7F-5B4E-866E-E8E49AF6BA55}"/>
+          </ac:spMkLst>
+        </pc:spChg>
+        <pc:spChg chg="del">
+          <ac:chgData name="Karoline Huth" userId="5ffc0af5-9e46-431a-90db-3541adb3af2d" providerId="ADAL" clId="{051D7D22-969B-4341-897B-DE70709A3043}" dt="2021-05-05T16:18:42.123" v="171"/>
+          <ac:spMkLst>
+            <pc:docMk/>
+            <pc:sldMk cId="3501034909" sldId="293"/>
+            <ac:spMk id="16" creationId="{F40CA114-B78B-4E3B-A785-96745276B6FB}"/>
+          </ac:spMkLst>
+        </pc:spChg>
+        <pc:spChg chg="add del mod">
+          <ac:chgData name="Karoline Huth" userId="5ffc0af5-9e46-431a-90db-3541adb3af2d" providerId="ADAL" clId="{051D7D22-969B-4341-897B-DE70709A3043}" dt="2021-05-06T15:12:32.537" v="2206" actId="478"/>
+          <ac:spMkLst>
+            <pc:docMk/>
+            <pc:sldMk cId="3501034909" sldId="293"/>
+            <ac:spMk id="21" creationId="{3B84C472-F00B-D146-BA48-3666D7BA2AC0}"/>
+          </ac:spMkLst>
+        </pc:spChg>
+        <pc:picChg chg="mod">
+          <ac:chgData name="Karoline Huth" userId="5ffc0af5-9e46-431a-90db-3541adb3af2d" providerId="ADAL" clId="{051D7D22-969B-4341-897B-DE70709A3043}" dt="2021-05-05T16:19:08.287" v="174" actId="167"/>
+          <ac:picMkLst>
+            <pc:docMk/>
+            <pc:sldMk cId="3501034909" sldId="293"/>
+            <ac:picMk id="4" creationId="{DC079C16-2144-AA48-AE11-6EBB3950617B}"/>
+          </ac:picMkLst>
+        </pc:picChg>
+        <pc:picChg chg="add mod">
+          <ac:chgData name="Karoline Huth" userId="5ffc0af5-9e46-431a-90db-3541adb3af2d" providerId="ADAL" clId="{051D7D22-969B-4341-897B-DE70709A3043}" dt="2021-05-05T16:20:42.263" v="192"/>
+          <ac:picMkLst>
+            <pc:docMk/>
+            <pc:sldMk cId="3501034909" sldId="293"/>
+            <ac:picMk id="17" creationId="{03FAA240-8827-4947-BE1B-FEF70BF7D287}"/>
+          </ac:picMkLst>
+        </pc:picChg>
+        <pc:picChg chg="add mod">
+          <ac:chgData name="Karoline Huth" userId="5ffc0af5-9e46-431a-90db-3541adb3af2d" providerId="ADAL" clId="{051D7D22-969B-4341-897B-DE70709A3043}" dt="2021-05-06T15:13:49.620" v="2218" actId="1076"/>
+          <ac:picMkLst>
+            <pc:docMk/>
+            <pc:sldMk cId="3501034909" sldId="293"/>
+            <ac:picMk id="19" creationId="{46A5BAB7-DB81-A94B-A8D5-5F24B8132573}"/>
+          </ac:picMkLst>
+        </pc:picChg>
+        <pc:picChg chg="add mod">
+          <ac:chgData name="Karoline Huth" userId="5ffc0af5-9e46-431a-90db-3541adb3af2d" providerId="ADAL" clId="{051D7D22-969B-4341-897B-DE70709A3043}" dt="2021-05-06T15:13:55.215" v="2219" actId="14100"/>
+          <ac:picMkLst>
+            <pc:docMk/>
+            <pc:sldMk cId="3501034909" sldId="293"/>
+            <ac:picMk id="20" creationId="{17CB6D78-6AB5-6140-A04C-491D0F7B635C}"/>
+          </ac:picMkLst>
+        </pc:picChg>
+        <pc:cxnChg chg="add mod">
+          <ac:chgData name="Karoline Huth" userId="5ffc0af5-9e46-431a-90db-3541adb3af2d" providerId="ADAL" clId="{051D7D22-969B-4341-897B-DE70709A3043}" dt="2021-05-05T16:19:58.506" v="187"/>
+          <ac:cxnSpMkLst>
+            <pc:docMk/>
+            <pc:sldMk cId="3501034909" sldId="293"/>
+            <ac:cxnSpMk id="12" creationId="{B869CFE4-76EB-2348-B9B3-0B5CC838ACF1}"/>
+          </ac:cxnSpMkLst>
+        </pc:cxnChg>
+        <pc:cxnChg chg="del">
+          <ac:chgData name="Karoline Huth" userId="5ffc0af5-9e46-431a-90db-3541adb3af2d" providerId="ADAL" clId="{051D7D22-969B-4341-897B-DE70709A3043}" dt="2021-05-05T16:18:42.123" v="171"/>
+          <ac:cxnSpMkLst>
+            <pc:docMk/>
+            <pc:sldMk cId="3501034909" sldId="293"/>
+            <ac:cxnSpMk id="18" creationId="{E126E481-B945-4179-BD79-05E96E9B29E1}"/>
+          </ac:cxnSpMkLst>
+        </pc:cxnChg>
+      </pc:sldChg>
+      <pc:sldChg chg="addSp delSp modSp add del mod setBg delAnim modAnim setClrOvrMap">
+        <pc:chgData name="Karoline Huth" userId="5ffc0af5-9e46-431a-90db-3541adb3af2d" providerId="ADAL" clId="{051D7D22-969B-4341-897B-DE70709A3043}" dt="2021-05-06T06:32:51.845" v="518" actId="2696"/>
+        <pc:sldMkLst>
+          <pc:docMk/>
+          <pc:sldMk cId="1481223272" sldId="294"/>
+        </pc:sldMkLst>
+        <pc:spChg chg="del">
+          <ac:chgData name="Karoline Huth" userId="5ffc0af5-9e46-431a-90db-3541adb3af2d" providerId="ADAL" clId="{051D7D22-969B-4341-897B-DE70709A3043}" dt="2021-05-05T16:29:09.613" v="313" actId="478"/>
+          <ac:spMkLst>
+            <pc:docMk/>
+            <pc:sldMk cId="1481223272" sldId="294"/>
+            <ac:spMk id="4" creationId="{B4CC22D3-93AD-8E4A-9B22-044137A5780B}"/>
+          </ac:spMkLst>
+        </pc:spChg>
+        <pc:spChg chg="del">
+          <ac:chgData name="Karoline Huth" userId="5ffc0af5-9e46-431a-90db-3541adb3af2d" providerId="ADAL" clId="{051D7D22-969B-4341-897B-DE70709A3043}" dt="2021-05-05T16:29:07.037" v="312" actId="478"/>
+          <ac:spMkLst>
+            <pc:docMk/>
+            <pc:sldMk cId="1481223272" sldId="294"/>
+            <ac:spMk id="5" creationId="{FC0C3997-09F0-3A44-990A-66B1B5F67DC5}"/>
+          </ac:spMkLst>
+        </pc:spChg>
+        <pc:spChg chg="del mod">
+          <ac:chgData name="Karoline Huth" userId="5ffc0af5-9e46-431a-90db-3541adb3af2d" providerId="ADAL" clId="{051D7D22-969B-4341-897B-DE70709A3043}" dt="2021-05-05T16:31:16.290" v="343" actId="478"/>
+          <ac:spMkLst>
+            <pc:docMk/>
+            <pc:sldMk cId="1481223272" sldId="294"/>
+            <ac:spMk id="14" creationId="{AFE8F270-7AA5-2447-9264-EA332B3EEA35}"/>
+          </ac:spMkLst>
+        </pc:spChg>
+        <pc:spChg chg="del">
+          <ac:chgData name="Karoline Huth" userId="5ffc0af5-9e46-431a-90db-3541adb3af2d" providerId="ADAL" clId="{051D7D22-969B-4341-897B-DE70709A3043}" dt="2021-05-05T16:29:02.392" v="311" actId="478"/>
+          <ac:spMkLst>
+            <pc:docMk/>
+            <pc:sldMk cId="1481223272" sldId="294"/>
+            <ac:spMk id="15" creationId="{66139BE3-A985-574D-B29E-BE4661B8BCD5}"/>
+          </ac:spMkLst>
+        </pc:spChg>
+        <pc:spChg chg="del">
+          <ac:chgData name="Karoline Huth" userId="5ffc0af5-9e46-431a-90db-3541adb3af2d" providerId="ADAL" clId="{051D7D22-969B-4341-897B-DE70709A3043}" dt="2021-05-05T16:28:55.812" v="307" actId="478"/>
+          <ac:spMkLst>
+            <pc:docMk/>
+            <pc:sldMk cId="1481223272" sldId="294"/>
+            <ac:spMk id="18" creationId="{98EA6D4E-C762-244B-9E6E-78471EEFCE6D}"/>
+          </ac:spMkLst>
+        </pc:spChg>
+        <pc:spChg chg="del">
+          <ac:chgData name="Karoline Huth" userId="5ffc0af5-9e46-431a-90db-3541adb3af2d" providerId="ADAL" clId="{051D7D22-969B-4341-897B-DE70709A3043}" dt="2021-05-05T16:29:00.333" v="310" actId="478"/>
+          <ac:spMkLst>
+            <pc:docMk/>
+            <pc:sldMk cId="1481223272" sldId="294"/>
+            <ac:spMk id="21" creationId="{68259B87-5A5C-CB49-9DEE-3B8710CC74C9}"/>
+          </ac:spMkLst>
+        </pc:spChg>
+        <pc:spChg chg="add del">
+          <ac:chgData name="Karoline Huth" userId="5ffc0af5-9e46-431a-90db-3541adb3af2d" providerId="ADAL" clId="{051D7D22-969B-4341-897B-DE70709A3043}" dt="2021-05-05T16:32:42.411" v="357" actId="26606"/>
+          <ac:spMkLst>
+            <pc:docMk/>
+            <pc:sldMk cId="1481223272" sldId="294"/>
+            <ac:spMk id="147" creationId="{87DEBA14-FDA2-45EF-9928-4F56DAB2EEAD}"/>
+          </ac:spMkLst>
+        </pc:spChg>
+        <pc:spChg chg="add del">
+          <ac:chgData name="Karoline Huth" userId="5ffc0af5-9e46-431a-90db-3541adb3af2d" providerId="ADAL" clId="{051D7D22-969B-4341-897B-DE70709A3043}" dt="2021-05-05T16:32:42.411" v="357" actId="26606"/>
+          <ac:spMkLst>
+            <pc:docMk/>
+            <pc:sldMk cId="1481223272" sldId="294"/>
+            <ac:spMk id="149" creationId="{E1FB3D03-386F-4B20-BFF7-5A6FF3C2DF82}"/>
+          </ac:spMkLst>
+        </pc:spChg>
+        <pc:spChg chg="add del">
+          <ac:chgData name="Karoline Huth" userId="5ffc0af5-9e46-431a-90db-3541adb3af2d" providerId="ADAL" clId="{051D7D22-969B-4341-897B-DE70709A3043}" dt="2021-05-05T16:32:42.411" v="357" actId="26606"/>
+          <ac:spMkLst>
+            <pc:docMk/>
+            <pc:sldMk cId="1481223272" sldId="294"/>
+            <ac:spMk id="151" creationId="{9581B7DD-04B3-4856-8C61-59D7A3F653E2}"/>
+          </ac:spMkLst>
+        </pc:spChg>
+        <pc:spChg chg="add del">
+          <ac:chgData name="Karoline Huth" userId="5ffc0af5-9e46-431a-90db-3541adb3af2d" providerId="ADAL" clId="{051D7D22-969B-4341-897B-DE70709A3043}" dt="2021-05-05T16:32:42.411" v="357" actId="26606"/>
+          <ac:spMkLst>
+            <pc:docMk/>
+            <pc:sldMk cId="1481223272" sldId="294"/>
+            <ac:spMk id="153" creationId="{1F3C359C-B3DD-4FB2-A6F9-1D519B65BAF4}"/>
+          </ac:spMkLst>
+        </pc:spChg>
+        <pc:spChg chg="add del">
+          <ac:chgData name="Karoline Huth" userId="5ffc0af5-9e46-431a-90db-3541adb3af2d" providerId="ADAL" clId="{051D7D22-969B-4341-897B-DE70709A3043}" dt="2021-05-05T16:32:42.411" v="357" actId="26606"/>
+          <ac:spMkLst>
+            <pc:docMk/>
+            <pc:sldMk cId="1481223272" sldId="294"/>
+            <ac:spMk id="155" creationId="{0EB2088F-2F1B-43DE-957F-CF2F16D53C11}"/>
+          </ac:spMkLst>
+        </pc:spChg>
+        <pc:spChg chg="add del">
+          <ac:chgData name="Karoline Huth" userId="5ffc0af5-9e46-431a-90db-3541adb3af2d" providerId="ADAL" clId="{051D7D22-969B-4341-897B-DE70709A3043}" dt="2021-05-05T16:32:42.411" v="357" actId="26606"/>
+          <ac:spMkLst>
+            <pc:docMk/>
+            <pc:sldMk cId="1481223272" sldId="294"/>
+            <ac:spMk id="157" creationId="{FF417D09-0122-4227-8FDD-2C4C19C68318}"/>
+          </ac:spMkLst>
+        </pc:spChg>
+        <pc:spChg chg="add del">
+          <ac:chgData name="Karoline Huth" userId="5ffc0af5-9e46-431a-90db-3541adb3af2d" providerId="ADAL" clId="{051D7D22-969B-4341-897B-DE70709A3043}" dt="2021-05-05T16:32:42.411" v="357" actId="26606"/>
+          <ac:spMkLst>
+            <pc:docMk/>
+            <pc:sldMk cId="1481223272" sldId="294"/>
+            <ac:spMk id="159" creationId="{FF35A874-2690-497F-80A0-03675049438E}"/>
+          </ac:spMkLst>
+        </pc:spChg>
+        <pc:spChg chg="add del">
+          <ac:chgData name="Karoline Huth" userId="5ffc0af5-9e46-431a-90db-3541adb3af2d" providerId="ADAL" clId="{051D7D22-969B-4341-897B-DE70709A3043}" dt="2021-05-05T16:32:42.411" v="357" actId="26606"/>
+          <ac:spMkLst>
+            <pc:docMk/>
+            <pc:sldMk cId="1481223272" sldId="294"/>
+            <ac:spMk id="161" creationId="{297C449B-67BB-4D99-86C4-E6ECDEA6913F}"/>
+          </ac:spMkLst>
+        </pc:spChg>
+        <pc:spChg chg="add del">
+          <ac:chgData name="Karoline Huth" userId="5ffc0af5-9e46-431a-90db-3541adb3af2d" providerId="ADAL" clId="{051D7D22-969B-4341-897B-DE70709A3043}" dt="2021-05-05T16:32:42.411" v="357" actId="26606"/>
+          <ac:spMkLst>
+            <pc:docMk/>
+            <pc:sldMk cId="1481223272" sldId="294"/>
+            <ac:spMk id="163" creationId="{8C9D831B-1474-4A35-98F0-2826A355CA81}"/>
+          </ac:spMkLst>
+        </pc:spChg>
+        <pc:spChg chg="add del">
+          <ac:chgData name="Karoline Huth" userId="5ffc0af5-9e46-431a-90db-3541adb3af2d" providerId="ADAL" clId="{051D7D22-969B-4341-897B-DE70709A3043}" dt="2021-05-05T16:32:42.411" v="357" actId="26606"/>
+          <ac:spMkLst>
+            <pc:docMk/>
+            <pc:sldMk cId="1481223272" sldId="294"/>
+            <ac:spMk id="165" creationId="{946410AA-0894-4BBC-A1E1-6BB8EF472BE8}"/>
+          </ac:spMkLst>
+        </pc:spChg>
+        <pc:spChg chg="add del">
+          <ac:chgData name="Karoline Huth" userId="5ffc0af5-9e46-431a-90db-3541adb3af2d" providerId="ADAL" clId="{051D7D22-969B-4341-897B-DE70709A3043}" dt="2021-05-05T16:32:42.411" v="357" actId="26606"/>
+          <ac:spMkLst>
+            <pc:docMk/>
+            <pc:sldMk cId="1481223272" sldId="294"/>
+            <ac:spMk id="167" creationId="{21908082-D0BB-4FF0-A90D-6B6B3DE2AEC2}"/>
+          </ac:spMkLst>
+        </pc:spChg>
+        <pc:spChg chg="add del">
+          <ac:chgData name="Karoline Huth" userId="5ffc0af5-9e46-431a-90db-3541adb3af2d" providerId="ADAL" clId="{051D7D22-969B-4341-897B-DE70709A3043}" dt="2021-05-05T16:32:42.411" v="357" actId="26606"/>
+          <ac:spMkLst>
+            <pc:docMk/>
+            <pc:sldMk cId="1481223272" sldId="294"/>
+            <ac:spMk id="169" creationId="{9419A395-0EE8-465E-9AAC-375DF289DDCD}"/>
+          </ac:spMkLst>
+        </pc:spChg>
+        <pc:spChg chg="add del">
+          <ac:chgData name="Karoline Huth" userId="5ffc0af5-9e46-431a-90db-3541adb3af2d" providerId="ADAL" clId="{051D7D22-969B-4341-897B-DE70709A3043}" dt="2021-05-05T16:32:40.621" v="354" actId="26606"/>
+          <ac:spMkLst>
+            <pc:docMk/>
+            <pc:sldMk cId="1481223272" sldId="294"/>
+            <ac:spMk id="211" creationId="{1284CA7F-B696-4085-84C6-CD668817E685}"/>
+          </ac:spMkLst>
+        </pc:spChg>
+        <pc:spChg chg="add del">
+          <ac:chgData name="Karoline Huth" userId="5ffc0af5-9e46-431a-90db-3541adb3af2d" providerId="ADAL" clId="{051D7D22-969B-4341-897B-DE70709A3043}" dt="2021-05-05T16:32:40.621" v="354" actId="26606"/>
+          <ac:spMkLst>
+            <pc:docMk/>
+            <pc:sldMk cId="1481223272" sldId="294"/>
+            <ac:spMk id="213" creationId="{858A10F4-B847-4777-BC82-782F6FB36E40}"/>
+          </ac:spMkLst>
+        </pc:spChg>
+        <pc:spChg chg="add del">
+          <ac:chgData name="Karoline Huth" userId="5ffc0af5-9e46-431a-90db-3541adb3af2d" providerId="ADAL" clId="{051D7D22-969B-4341-897B-DE70709A3043}" dt="2021-05-05T16:32:40.621" v="354" actId="26606"/>
+          <ac:spMkLst>
+            <pc:docMk/>
+            <pc:sldMk cId="1481223272" sldId="294"/>
+            <ac:spMk id="215" creationId="{8883B597-C9A1-46EF-AB6B-71DF0B1ED4A6}"/>
+          </ac:spMkLst>
+        </pc:spChg>
+        <pc:spChg chg="add del">
+          <ac:chgData name="Karoline Huth" userId="5ffc0af5-9e46-431a-90db-3541adb3af2d" providerId="ADAL" clId="{051D7D22-969B-4341-897B-DE70709A3043}" dt="2021-05-05T16:32:40.621" v="354" actId="26606"/>
+          <ac:spMkLst>
+            <pc:docMk/>
+            <pc:sldMk cId="1481223272" sldId="294"/>
+            <ac:spMk id="217" creationId="{A0B38421-369F-445C-9543-5BC17BC09040}"/>
+          </ac:spMkLst>
+        </pc:spChg>
+        <pc:spChg chg="add del">
+          <ac:chgData name="Karoline Huth" userId="5ffc0af5-9e46-431a-90db-3541adb3af2d" providerId="ADAL" clId="{051D7D22-969B-4341-897B-DE70709A3043}" dt="2021-05-05T16:32:40.621" v="354" actId="26606"/>
+          <ac:spMkLst>
+            <pc:docMk/>
+            <pc:sldMk cId="1481223272" sldId="294"/>
+            <ac:spMk id="219" creationId="{FAA9CE81-CAF0-41E3-8E73-CAFA13A0B1A7}"/>
+          </ac:spMkLst>
+        </pc:spChg>
+        <pc:spChg chg="add del">
+          <ac:chgData name="Karoline Huth" userId="5ffc0af5-9e46-431a-90db-3541adb3af2d" providerId="ADAL" clId="{051D7D22-969B-4341-897B-DE70709A3043}" dt="2021-05-05T16:34:49.731" v="377" actId="26606"/>
+          <ac:spMkLst>
+            <pc:docMk/>
+            <pc:sldMk cId="1481223272" sldId="294"/>
+            <ac:spMk id="221" creationId="{FF417D09-0122-4227-8FDD-2C4C19C68318}"/>
+          </ac:spMkLst>
+        </pc:spChg>
+        <pc:spChg chg="add del">
+          <ac:chgData name="Karoline Huth" userId="5ffc0af5-9e46-431a-90db-3541adb3af2d" providerId="ADAL" clId="{051D7D22-969B-4341-897B-DE70709A3043}" dt="2021-05-05T16:34:49.731" v="377" actId="26606"/>
+          <ac:spMkLst>
+            <pc:docMk/>
+            <pc:sldMk cId="1481223272" sldId="294"/>
+            <ac:spMk id="223" creationId="{FF35A874-2690-497F-80A0-03675049438E}"/>
+          </ac:spMkLst>
+        </pc:spChg>
+        <pc:spChg chg="add del">
+          <ac:chgData name="Karoline Huth" userId="5ffc0af5-9e46-431a-90db-3541adb3af2d" providerId="ADAL" clId="{051D7D22-969B-4341-897B-DE70709A3043}" dt="2021-05-05T16:34:49.731" v="377" actId="26606"/>
+          <ac:spMkLst>
+            <pc:docMk/>
+            <pc:sldMk cId="1481223272" sldId="294"/>
+            <ac:spMk id="225" creationId="{297C449B-67BB-4D99-86C4-E6ECDEA6913F}"/>
+          </ac:spMkLst>
+        </pc:spChg>
+        <pc:spChg chg="add del">
+          <ac:chgData name="Karoline Huth" userId="5ffc0af5-9e46-431a-90db-3541adb3af2d" providerId="ADAL" clId="{051D7D22-969B-4341-897B-DE70709A3043}" dt="2021-05-05T16:34:49.731" v="377" actId="26606"/>
+          <ac:spMkLst>
+            <pc:docMk/>
+            <pc:sldMk cId="1481223272" sldId="294"/>
+            <ac:spMk id="227" creationId="{8C9D831B-1474-4A35-98F0-2826A355CA81}"/>
+          </ac:spMkLst>
+        </pc:spChg>
+        <pc:spChg chg="add del">
+          <ac:chgData name="Karoline Huth" userId="5ffc0af5-9e46-431a-90db-3541adb3af2d" providerId="ADAL" clId="{051D7D22-969B-4341-897B-DE70709A3043}" dt="2021-05-05T16:34:49.731" v="377" actId="26606"/>
+          <ac:spMkLst>
+            <pc:docMk/>
+            <pc:sldMk cId="1481223272" sldId="294"/>
+            <ac:spMk id="229" creationId="{946410AA-0894-4BBC-A1E1-6BB8EF472BE8}"/>
+          </ac:spMkLst>
+        </pc:spChg>
+        <pc:spChg chg="add del">
+          <ac:chgData name="Karoline Huth" userId="5ffc0af5-9e46-431a-90db-3541adb3af2d" providerId="ADAL" clId="{051D7D22-969B-4341-897B-DE70709A3043}" dt="2021-05-05T16:34:49.731" v="377" actId="26606"/>
+          <ac:spMkLst>
+            <pc:docMk/>
+            <pc:sldMk cId="1481223272" sldId="294"/>
+            <ac:spMk id="231" creationId="{21908082-D0BB-4FF0-A90D-6B6B3DE2AEC2}"/>
+          </ac:spMkLst>
+        </pc:spChg>
+        <pc:spChg chg="add del">
+          <ac:chgData name="Karoline Huth" userId="5ffc0af5-9e46-431a-90db-3541adb3af2d" providerId="ADAL" clId="{051D7D22-969B-4341-897B-DE70709A3043}" dt="2021-05-05T16:34:49.731" v="377" actId="26606"/>
+          <ac:spMkLst>
+            <pc:docMk/>
+            <pc:sldMk cId="1481223272" sldId="294"/>
+            <ac:spMk id="233" creationId="{9419A395-0EE8-465E-9AAC-375DF289DDCD}"/>
+          </ac:spMkLst>
+        </pc:spChg>
+        <pc:spChg chg="add">
+          <ac:chgData name="Karoline Huth" userId="5ffc0af5-9e46-431a-90db-3541adb3af2d" providerId="ADAL" clId="{051D7D22-969B-4341-897B-DE70709A3043}" dt="2021-05-05T16:34:49.731" v="377" actId="26606"/>
+          <ac:spMkLst>
+            <pc:docMk/>
+            <pc:sldMk cId="1481223272" sldId="294"/>
+            <ac:spMk id="256" creationId="{1284CA7F-B696-4085-84C6-CD668817E685}"/>
+          </ac:spMkLst>
+        </pc:spChg>
+        <pc:spChg chg="add">
+          <ac:chgData name="Karoline Huth" userId="5ffc0af5-9e46-431a-90db-3541adb3af2d" providerId="ADAL" clId="{051D7D22-969B-4341-897B-DE70709A3043}" dt="2021-05-05T16:34:49.731" v="377" actId="26606"/>
+          <ac:spMkLst>
+            <pc:docMk/>
+            <pc:sldMk cId="1481223272" sldId="294"/>
+            <ac:spMk id="257" creationId="{858A10F4-B847-4777-BC82-782F6FB36E40}"/>
+          </ac:spMkLst>
+        </pc:spChg>
+        <pc:spChg chg="add">
+          <ac:chgData name="Karoline Huth" userId="5ffc0af5-9e46-431a-90db-3541adb3af2d" providerId="ADAL" clId="{051D7D22-969B-4341-897B-DE70709A3043}" dt="2021-05-05T16:34:49.731" v="377" actId="26606"/>
+          <ac:spMkLst>
+            <pc:docMk/>
+            <pc:sldMk cId="1481223272" sldId="294"/>
+            <ac:spMk id="258" creationId="{8883B597-C9A1-46EF-AB6B-71DF0B1ED4A6}"/>
+          </ac:spMkLst>
+        </pc:spChg>
+        <pc:spChg chg="add">
+          <ac:chgData name="Karoline Huth" userId="5ffc0af5-9e46-431a-90db-3541adb3af2d" providerId="ADAL" clId="{051D7D22-969B-4341-897B-DE70709A3043}" dt="2021-05-05T16:34:49.731" v="377" actId="26606"/>
+          <ac:spMkLst>
+            <pc:docMk/>
+            <pc:sldMk cId="1481223272" sldId="294"/>
+            <ac:spMk id="259" creationId="{A0B38421-369F-445C-9543-5BC17BC09040}"/>
+          </ac:spMkLst>
+        </pc:spChg>
+        <pc:spChg chg="add">
+          <ac:chgData name="Karoline Huth" userId="5ffc0af5-9e46-431a-90db-3541adb3af2d" providerId="ADAL" clId="{051D7D22-969B-4341-897B-DE70709A3043}" dt="2021-05-05T16:34:49.731" v="377" actId="26606"/>
+          <ac:spMkLst>
+            <pc:docMk/>
+            <pc:sldMk cId="1481223272" sldId="294"/>
+            <ac:spMk id="260" creationId="{FAA9CE81-CAF0-41E3-8E73-CAFA13A0B1A7}"/>
+          </ac:spMkLst>
+        </pc:spChg>
+        <pc:spChg chg="add del">
+          <ac:chgData name="Karoline Huth" userId="5ffc0af5-9e46-431a-90db-3541adb3af2d" providerId="ADAL" clId="{051D7D22-969B-4341-897B-DE70709A3043}" dt="2021-05-05T16:32:42.386" v="356" actId="26606"/>
+          <ac:spMkLst>
+            <pc:docMk/>
+            <pc:sldMk cId="1481223272" sldId="294"/>
+            <ac:spMk id="2065" creationId="{D1B5A7A9-844F-449B-9F0B-ADA823A93F15}"/>
+          </ac:spMkLst>
+        </pc:spChg>
+        <pc:spChg chg="add del">
+          <ac:chgData name="Karoline Huth" userId="5ffc0af5-9e46-431a-90db-3541adb3af2d" providerId="ADAL" clId="{051D7D22-969B-4341-897B-DE70709A3043}" dt="2021-05-05T16:32:42.386" v="356" actId="26606"/>
+          <ac:spMkLst>
+            <pc:docMk/>
+            <pc:sldMk cId="1481223272" sldId="294"/>
+            <ac:spMk id="2066" creationId="{26EF3366-D369-4699-9224-92DF2A6BD394}"/>
+          </ac:spMkLst>
+        </pc:spChg>
+        <pc:spChg chg="add del">
+          <ac:chgData name="Karoline Huth" userId="5ffc0af5-9e46-431a-90db-3541adb3af2d" providerId="ADAL" clId="{051D7D22-969B-4341-897B-DE70709A3043}" dt="2021-05-05T16:32:42.386" v="356" actId="26606"/>
+          <ac:spMkLst>
+            <pc:docMk/>
+            <pc:sldMk cId="1481223272" sldId="294"/>
+            <ac:spMk id="2067" creationId="{1BC0FF49-4C2C-401A-A538-A520CA00E1F7}"/>
+          </ac:spMkLst>
+        </pc:spChg>
+        <pc:spChg chg="add del">
+          <ac:chgData name="Karoline Huth" userId="5ffc0af5-9e46-431a-90db-3541adb3af2d" providerId="ADAL" clId="{051D7D22-969B-4341-897B-DE70709A3043}" dt="2021-05-05T16:32:42.386" v="356" actId="26606"/>
+          <ac:spMkLst>
+            <pc:docMk/>
+            <pc:sldMk cId="1481223272" sldId="294"/>
+            <ac:spMk id="2068" creationId="{F79205F4-89F3-4686-B966-BBF5CC998C97}"/>
+          </ac:spMkLst>
+        </pc:spChg>
+        <pc:spChg chg="add del">
+          <ac:chgData name="Karoline Huth" userId="5ffc0af5-9e46-431a-90db-3541adb3af2d" providerId="ADAL" clId="{051D7D22-969B-4341-897B-DE70709A3043}" dt="2021-05-05T16:32:42.386" v="356" actId="26606"/>
+          <ac:spMkLst>
+            <pc:docMk/>
+            <pc:sldMk cId="1481223272" sldId="294"/>
+            <ac:spMk id="2069" creationId="{00DBC40C-EA02-4A4D-8449-A1FC9968DDA4}"/>
+          </ac:spMkLst>
+        </pc:spChg>
+        <pc:spChg chg="add del">
+          <ac:chgData name="Karoline Huth" userId="5ffc0af5-9e46-431a-90db-3541adb3af2d" providerId="ADAL" clId="{051D7D22-969B-4341-897B-DE70709A3043}" dt="2021-05-05T16:34:49.731" v="377" actId="26606"/>
+          <ac:spMkLst>
+            <pc:docMk/>
+            <pc:sldMk cId="1481223272" sldId="294"/>
+            <ac:spMk id="2071" creationId="{87DEBA14-FDA2-45EF-9928-4F56DAB2EEAD}"/>
+          </ac:spMkLst>
+        </pc:spChg>
+        <pc:spChg chg="add del">
+          <ac:chgData name="Karoline Huth" userId="5ffc0af5-9e46-431a-90db-3541adb3af2d" providerId="ADAL" clId="{051D7D22-969B-4341-897B-DE70709A3043}" dt="2021-05-05T16:34:49.731" v="377" actId="26606"/>
+          <ac:spMkLst>
+            <pc:docMk/>
+            <pc:sldMk cId="1481223272" sldId="294"/>
+            <ac:spMk id="2072" creationId="{E1FB3D03-386F-4B20-BFF7-5A6FF3C2DF82}"/>
+          </ac:spMkLst>
+        </pc:spChg>
+        <pc:spChg chg="add del">
+          <ac:chgData name="Karoline Huth" userId="5ffc0af5-9e46-431a-90db-3541adb3af2d" providerId="ADAL" clId="{051D7D22-969B-4341-897B-DE70709A3043}" dt="2021-05-05T16:34:49.731" v="377" actId="26606"/>
+          <ac:spMkLst>
+            <pc:docMk/>
+            <pc:sldMk cId="1481223272" sldId="294"/>
+            <ac:spMk id="2073" creationId="{9581B7DD-04B3-4856-8C61-59D7A3F653E2}"/>
+          </ac:spMkLst>
+        </pc:spChg>
+        <pc:spChg chg="add del">
+          <ac:chgData name="Karoline Huth" userId="5ffc0af5-9e46-431a-90db-3541adb3af2d" providerId="ADAL" clId="{051D7D22-969B-4341-897B-DE70709A3043}" dt="2021-05-05T16:34:49.731" v="377" actId="26606"/>
+          <ac:spMkLst>
+            <pc:docMk/>
+            <pc:sldMk cId="1481223272" sldId="294"/>
+            <ac:spMk id="2074" creationId="{1F3C359C-B3DD-4FB2-A6F9-1D519B65BAF4}"/>
+          </ac:spMkLst>
+        </pc:spChg>
+        <pc:spChg chg="add del">
+          <ac:chgData name="Karoline Huth" userId="5ffc0af5-9e46-431a-90db-3541adb3af2d" providerId="ADAL" clId="{051D7D22-969B-4341-897B-DE70709A3043}" dt="2021-05-05T16:34:49.731" v="377" actId="26606"/>
+          <ac:spMkLst>
+            <pc:docMk/>
+            <pc:sldMk cId="1481223272" sldId="294"/>
+            <ac:spMk id="2075" creationId="{0EB2088F-2F1B-43DE-957F-CF2F16D53C11}"/>
+          </ac:spMkLst>
+        </pc:spChg>
+        <pc:picChg chg="del">
+          <ac:chgData name="Karoline Huth" userId="5ffc0af5-9e46-431a-90db-3541adb3af2d" providerId="ADAL" clId="{051D7D22-969B-4341-897B-DE70709A3043}" dt="2021-05-05T16:28:58.323" v="309" actId="478"/>
+          <ac:picMkLst>
+            <pc:docMk/>
+            <pc:sldMk cId="1481223272" sldId="294"/>
+            <ac:picMk id="19" creationId="{AE8060B5-0756-644F-900D-1978A14D917D}"/>
+          </ac:picMkLst>
+        </pc:picChg>
+        <pc:picChg chg="add mod ord">
+          <ac:chgData name="Karoline Huth" userId="5ffc0af5-9e46-431a-90db-3541adb3af2d" providerId="ADAL" clId="{051D7D22-969B-4341-897B-DE70709A3043}" dt="2021-05-05T16:34:49.731" v="377" actId="26606"/>
+          <ac:picMkLst>
+            <pc:docMk/>
+            <pc:sldMk cId="1481223272" sldId="294"/>
+            <ac:picMk id="1026" creationId="{04CC00F9-AF03-CF4C-ADCE-A3C5F9D25504}"/>
+          </ac:picMkLst>
+        </pc:picChg>
+        <pc:picChg chg="add mod ord">
+          <ac:chgData name="Karoline Huth" userId="5ffc0af5-9e46-431a-90db-3541adb3af2d" providerId="ADAL" clId="{051D7D22-969B-4341-897B-DE70709A3043}" dt="2021-05-05T16:35:12.259" v="379"/>
+          <ac:picMkLst>
+            <pc:docMk/>
+            <pc:sldMk cId="1481223272" sldId="294"/>
+            <ac:picMk id="1028" creationId="{087CED4A-745C-2346-9270-B91DA2437FEB}"/>
+          </ac:picMkLst>
+        </pc:picChg>
+        <pc:picChg chg="add mod ord">
+          <ac:chgData name="Karoline Huth" userId="5ffc0af5-9e46-431a-90db-3541adb3af2d" providerId="ADAL" clId="{051D7D22-969B-4341-897B-DE70709A3043}" dt="2021-05-05T16:34:49.731" v="377" actId="26606"/>
+          <ac:picMkLst>
+            <pc:docMk/>
+            <pc:sldMk cId="1481223272" sldId="294"/>
+            <ac:picMk id="1030" creationId="{1B7D7AA6-E3B1-2C45-945B-E092E4F78CE4}"/>
+          </ac:picMkLst>
+        </pc:picChg>
+        <pc:picChg chg="add mod ord">
+          <ac:chgData name="Karoline Huth" userId="5ffc0af5-9e46-431a-90db-3541adb3af2d" providerId="ADAL" clId="{051D7D22-969B-4341-897B-DE70709A3043}" dt="2021-05-05T16:34:49.731" v="377" actId="26606"/>
+          <ac:picMkLst>
+            <pc:docMk/>
+            <pc:sldMk cId="1481223272" sldId="294"/>
+            <ac:picMk id="1032" creationId="{0808E7A6-6A6A-A44C-B948-2E1D14D2777B}"/>
+          </ac:picMkLst>
+        </pc:picChg>
+        <pc:picChg chg="mod ord">
+          <ac:chgData name="Karoline Huth" userId="5ffc0af5-9e46-431a-90db-3541adb3af2d" providerId="ADAL" clId="{051D7D22-969B-4341-897B-DE70709A3043}" dt="2021-05-05T16:34:49.731" v="377" actId="26606"/>
+          <ac:picMkLst>
+            <pc:docMk/>
+            <pc:sldMk cId="1481223272" sldId="294"/>
+            <ac:picMk id="2062" creationId="{1961C07D-49FA-484C-916F-36E9028C7FF9}"/>
+          </ac:picMkLst>
+        </pc:picChg>
+        <pc:picChg chg="del">
+          <ac:chgData name="Karoline Huth" userId="5ffc0af5-9e46-431a-90db-3541adb3af2d" providerId="ADAL" clId="{051D7D22-969B-4341-897B-DE70709A3043}" dt="2021-05-05T16:28:57.207" v="308" actId="478"/>
+          <ac:picMkLst>
+            <pc:docMk/>
+            <pc:sldMk cId="1481223272" sldId="294"/>
+            <ac:picMk id="2064" creationId="{8BD5CE09-F904-FA4A-9170-34E23D0F56D7}"/>
+          </ac:picMkLst>
+        </pc:picChg>
+      </pc:sldChg>
+      <pc:sldChg chg="addSp delSp modSp add mod modAnim modNotesTx">
+        <pc:chgData name="Karoline Huth" userId="5ffc0af5-9e46-431a-90db-3541adb3af2d" providerId="ADAL" clId="{051D7D22-969B-4341-897B-DE70709A3043}" dt="2021-05-06T14:55:25.419" v="2110" actId="20577"/>
+        <pc:sldMkLst>
+          <pc:docMk/>
+          <pc:sldMk cId="3675923444" sldId="295"/>
+        </pc:sldMkLst>
+        <pc:spChg chg="add mod">
+          <ac:chgData name="Karoline Huth" userId="5ffc0af5-9e46-431a-90db-3541adb3af2d" providerId="ADAL" clId="{051D7D22-969B-4341-897B-DE70709A3043}" dt="2021-05-06T06:24:37.368" v="420" actId="1076"/>
+          <ac:spMkLst>
+            <pc:docMk/>
+            <pc:sldMk cId="3675923444" sldId="295"/>
+            <ac:spMk id="2" creationId="{97483885-2055-064D-AEA3-CEFC56F340BB}"/>
+          </ac:spMkLst>
+        </pc:spChg>
+        <pc:spChg chg="del">
+          <ac:chgData name="Karoline Huth" userId="5ffc0af5-9e46-431a-90db-3541adb3af2d" providerId="ADAL" clId="{051D7D22-969B-4341-897B-DE70709A3043}" dt="2021-05-06T06:22:08.079" v="381" actId="478"/>
+          <ac:spMkLst>
+            <pc:docMk/>
+            <pc:sldMk cId="3675923444" sldId="295"/>
+            <ac:spMk id="4" creationId="{B4CC22D3-93AD-8E4A-9B22-044137A5780B}"/>
+          </ac:spMkLst>
+        </pc:spChg>
+        <pc:spChg chg="del">
+          <ac:chgData name="Karoline Huth" userId="5ffc0af5-9e46-431a-90db-3541adb3af2d" providerId="ADAL" clId="{051D7D22-969B-4341-897B-DE70709A3043}" dt="2021-05-06T06:22:09.538" v="382" actId="478"/>
+          <ac:spMkLst>
+            <pc:docMk/>
+            <pc:sldMk cId="3675923444" sldId="295"/>
+            <ac:spMk id="5" creationId="{FC0C3997-09F0-3A44-990A-66B1B5F67DC5}"/>
+          </ac:spMkLst>
+        </pc:spChg>
+        <pc:spChg chg="del">
+          <ac:chgData name="Karoline Huth" userId="5ffc0af5-9e46-431a-90db-3541adb3af2d" providerId="ADAL" clId="{051D7D22-969B-4341-897B-DE70709A3043}" dt="2021-05-06T06:22:08.079" v="381" actId="478"/>
+          <ac:spMkLst>
+            <pc:docMk/>
+            <pc:sldMk cId="3675923444" sldId="295"/>
+            <ac:spMk id="14" creationId="{AFE8F270-7AA5-2447-9264-EA332B3EEA35}"/>
+          </ac:spMkLst>
+        </pc:spChg>
+        <pc:spChg chg="del">
+          <ac:chgData name="Karoline Huth" userId="5ffc0af5-9e46-431a-90db-3541adb3af2d" providerId="ADAL" clId="{051D7D22-969B-4341-897B-DE70709A3043}" dt="2021-05-06T06:22:08.079" v="381" actId="478"/>
+          <ac:spMkLst>
+            <pc:docMk/>
+            <pc:sldMk cId="3675923444" sldId="295"/>
+            <ac:spMk id="15" creationId="{66139BE3-A985-574D-B29E-BE4661B8BCD5}"/>
+          </ac:spMkLst>
+        </pc:spChg>
+        <pc:spChg chg="del">
+          <ac:chgData name="Karoline Huth" userId="5ffc0af5-9e46-431a-90db-3541adb3af2d" providerId="ADAL" clId="{051D7D22-969B-4341-897B-DE70709A3043}" dt="2021-05-06T06:22:08.079" v="381" actId="478"/>
+          <ac:spMkLst>
+            <pc:docMk/>
+            <pc:sldMk cId="3675923444" sldId="295"/>
+            <ac:spMk id="18" creationId="{98EA6D4E-C762-244B-9E6E-78471EEFCE6D}"/>
+          </ac:spMkLst>
+        </pc:spChg>
+        <pc:spChg chg="del">
+          <ac:chgData name="Karoline Huth" userId="5ffc0af5-9e46-431a-90db-3541adb3af2d" providerId="ADAL" clId="{051D7D22-969B-4341-897B-DE70709A3043}" dt="2021-05-06T06:22:08.079" v="381" actId="478"/>
+          <ac:spMkLst>
+            <pc:docMk/>
+            <pc:sldMk cId="3675923444" sldId="295"/>
+            <ac:spMk id="21" creationId="{68259B87-5A5C-CB49-9DEE-3B8710CC74C9}"/>
+          </ac:spMkLst>
+        </pc:spChg>
+        <pc:spChg chg="add mod">
+          <ac:chgData name="Karoline Huth" userId="5ffc0af5-9e46-431a-90db-3541adb3af2d" providerId="ADAL" clId="{051D7D22-969B-4341-897B-DE70709A3043}" dt="2021-05-06T06:24:26.202" v="416" actId="1076"/>
+          <ac:spMkLst>
+            <pc:docMk/>
+            <pc:sldMk cId="3675923444" sldId="295"/>
+            <ac:spMk id="23" creationId="{DDE25E98-BBF4-9B4D-BA92-6F77C5719D0C}"/>
+          </ac:spMkLst>
+        </pc:spChg>
+        <pc:spChg chg="add mod">
+          <ac:chgData name="Karoline Huth" userId="5ffc0af5-9e46-431a-90db-3541adb3af2d" providerId="ADAL" clId="{051D7D22-969B-4341-897B-DE70709A3043}" dt="2021-05-06T06:25:28.204" v="434" actId="14100"/>
+          <ac:spMkLst>
+            <pc:docMk/>
+            <pc:sldMk cId="3675923444" sldId="295"/>
+            <ac:spMk id="27" creationId="{49A8D417-3C0E-034E-B739-1474D54D05B2}"/>
+          </ac:spMkLst>
+        </pc:spChg>
+        <pc:spChg chg="add mod">
+          <ac:chgData name="Karoline Huth" userId="5ffc0af5-9e46-431a-90db-3541adb3af2d" providerId="ADAL" clId="{051D7D22-969B-4341-897B-DE70709A3043}" dt="2021-05-06T06:25:44.936" v="441" actId="1076"/>
+          <ac:spMkLst>
+            <pc:docMk/>
+            <pc:sldMk cId="3675923444" sldId="295"/>
+            <ac:spMk id="28" creationId="{49110972-17A3-BF44-8CFA-A7C6785AE74A}"/>
+          </ac:spMkLst>
+        </pc:spChg>
+        <pc:picChg chg="add del mod">
+          <ac:chgData name="Karoline Huth" userId="5ffc0af5-9e46-431a-90db-3541adb3af2d" providerId="ADAL" clId="{051D7D22-969B-4341-897B-DE70709A3043}" dt="2021-05-06T06:22:21.780" v="384" actId="478"/>
+          <ac:picMkLst>
+            <pc:docMk/>
+            <pc:sldMk cId="3675923444" sldId="295"/>
+            <ac:picMk id="11" creationId="{6541A80C-81F0-A548-906B-C0A01F4B8810}"/>
+          </ac:picMkLst>
+        </pc:picChg>
+        <pc:picChg chg="add mod">
+          <ac:chgData name="Karoline Huth" userId="5ffc0af5-9e46-431a-90db-3541adb3af2d" providerId="ADAL" clId="{051D7D22-969B-4341-897B-DE70709A3043}" dt="2021-05-06T06:31:18.326" v="516" actId="166"/>
+          <ac:picMkLst>
+            <pc:docMk/>
+            <pc:sldMk cId="3675923444" sldId="295"/>
+            <ac:picMk id="12" creationId="{93B72211-A1E1-4B4D-82F6-598718217977}"/>
+          </ac:picMkLst>
+        </pc:picChg>
+        <pc:picChg chg="add mod">
+          <ac:chgData name="Karoline Huth" userId="5ffc0af5-9e46-431a-90db-3541adb3af2d" providerId="ADAL" clId="{051D7D22-969B-4341-897B-DE70709A3043}" dt="2021-05-06T06:28:52.053" v="448" actId="1076"/>
+          <ac:picMkLst>
+            <pc:docMk/>
+            <pc:sldMk cId="3675923444" sldId="295"/>
+            <ac:picMk id="13" creationId="{1A697DA5-5C16-A448-8ECC-2EB8BF79B0B9}"/>
+          </ac:picMkLst>
+        </pc:picChg>
+        <pc:picChg chg="add mod">
+          <ac:chgData name="Karoline Huth" userId="5ffc0af5-9e46-431a-90db-3541adb3af2d" providerId="ADAL" clId="{051D7D22-969B-4341-897B-DE70709A3043}" dt="2021-05-06T06:29:01.061" v="451" actId="1076"/>
+          <ac:picMkLst>
+            <pc:docMk/>
+            <pc:sldMk cId="3675923444" sldId="295"/>
+            <ac:picMk id="16" creationId="{19B8F73D-C555-3C42-B05A-71CDD28546CA}"/>
+          </ac:picMkLst>
+        </pc:picChg>
+        <pc:picChg chg="add mod">
+          <ac:chgData name="Karoline Huth" userId="5ffc0af5-9e46-431a-90db-3541adb3af2d" providerId="ADAL" clId="{051D7D22-969B-4341-897B-DE70709A3043}" dt="2021-05-06T13:10:12.011" v="1451" actId="1076"/>
+          <ac:picMkLst>
+            <pc:docMk/>
+            <pc:sldMk cId="3675923444" sldId="295"/>
+            <ac:picMk id="17" creationId="{49177971-FDA5-F348-9C8A-E6D42DDDDD08}"/>
+          </ac:picMkLst>
+        </pc:picChg>
+        <pc:picChg chg="del">
+          <ac:chgData name="Karoline Huth" userId="5ffc0af5-9e46-431a-90db-3541adb3af2d" providerId="ADAL" clId="{051D7D22-969B-4341-897B-DE70709A3043}" dt="2021-05-06T06:22:08.079" v="381" actId="478"/>
+          <ac:picMkLst>
+            <pc:docMk/>
+            <pc:sldMk cId="3675923444" sldId="295"/>
+            <ac:picMk id="19" creationId="{AE8060B5-0756-644F-900D-1978A14D917D}"/>
+          </ac:picMkLst>
+        </pc:picChg>
+        <pc:picChg chg="add mod">
+          <ac:chgData name="Karoline Huth" userId="5ffc0af5-9e46-431a-90db-3541adb3af2d" providerId="ADAL" clId="{051D7D22-969B-4341-897B-DE70709A3043}" dt="2021-05-06T06:28:55.625" v="449" actId="1076"/>
+          <ac:picMkLst>
+            <pc:docMk/>
+            <pc:sldMk cId="3675923444" sldId="295"/>
+            <ac:picMk id="20" creationId="{124631E1-21FC-C348-AF72-C2238439208D}"/>
+          </ac:picMkLst>
+        </pc:picChg>
+        <pc:picChg chg="del">
+          <ac:chgData name="Karoline Huth" userId="5ffc0af5-9e46-431a-90db-3541adb3af2d" providerId="ADAL" clId="{051D7D22-969B-4341-897B-DE70709A3043}" dt="2021-05-06T06:22:08.079" v="381" actId="478"/>
+          <ac:picMkLst>
+            <pc:docMk/>
+            <pc:sldMk cId="3675923444" sldId="295"/>
+            <ac:picMk id="2062" creationId="{1961C07D-49FA-484C-916F-36E9028C7FF9}"/>
+          </ac:picMkLst>
+        </pc:picChg>
+        <pc:picChg chg="del">
+          <ac:chgData name="Karoline Huth" userId="5ffc0af5-9e46-431a-90db-3541adb3af2d" providerId="ADAL" clId="{051D7D22-969B-4341-897B-DE70709A3043}" dt="2021-05-06T06:22:08.079" v="381" actId="478"/>
+          <ac:picMkLst>
+            <pc:docMk/>
+            <pc:sldMk cId="3675923444" sldId="295"/>
+            <ac:picMk id="2064" creationId="{8BD5CE09-F904-FA4A-9170-34E23D0F56D7}"/>
+          </ac:picMkLst>
+        </pc:picChg>
+        <pc:cxnChg chg="add mod">
+          <ac:chgData name="Karoline Huth" userId="5ffc0af5-9e46-431a-90db-3541adb3af2d" providerId="ADAL" clId="{051D7D22-969B-4341-897B-DE70709A3043}" dt="2021-05-06T06:24:44.996" v="422" actId="14100"/>
+          <ac:cxnSpMkLst>
+            <pc:docMk/>
+            <pc:sldMk cId="3675923444" sldId="295"/>
+            <ac:cxnSpMk id="6" creationId="{4A46E630-DD6E-0143-B48B-7C2A8B42E210}"/>
+          </ac:cxnSpMkLst>
+        </pc:cxnChg>
+        <pc:cxnChg chg="add mod">
+          <ac:chgData name="Karoline Huth" userId="5ffc0af5-9e46-431a-90db-3541adb3af2d" providerId="ADAL" clId="{051D7D22-969B-4341-897B-DE70709A3043}" dt="2021-05-06T06:31:12.409" v="515" actId="14100"/>
+          <ac:cxnSpMkLst>
+            <pc:docMk/>
+            <pc:sldMk cId="3675923444" sldId="295"/>
+            <ac:cxnSpMk id="25" creationId="{669E38E4-BDBA-394C-9E64-EE5B4801873B}"/>
+          </ac:cxnSpMkLst>
+        </pc:cxnChg>
+        <pc:cxnChg chg="add mod">
+          <ac:chgData name="Karoline Huth" userId="5ffc0af5-9e46-431a-90db-3541adb3af2d" providerId="ADAL" clId="{051D7D22-969B-4341-897B-DE70709A3043}" dt="2021-05-06T06:29:18.532" v="457" actId="14100"/>
+          <ac:cxnSpMkLst>
+            <pc:docMk/>
+            <pc:sldMk cId="3675923444" sldId="295"/>
+            <ac:cxnSpMk id="29" creationId="{3EB1A140-5DFC-3E45-B31C-54FBE37F8B1F}"/>
+          </ac:cxnSpMkLst>
+        </pc:cxnChg>
+        <pc:cxnChg chg="add mod">
+          <ac:chgData name="Karoline Huth" userId="5ffc0af5-9e46-431a-90db-3541adb3af2d" providerId="ADAL" clId="{051D7D22-969B-4341-897B-DE70709A3043}" dt="2021-05-06T06:29:38.945" v="499" actId="14100"/>
+          <ac:cxnSpMkLst>
+            <pc:docMk/>
+            <pc:sldMk cId="3675923444" sldId="295"/>
+            <ac:cxnSpMk id="34" creationId="{BFB1FF43-F340-0A41-8854-DEB8AB41FACF}"/>
+          </ac:cxnSpMkLst>
+        </pc:cxnChg>
+        <pc:cxnChg chg="add mod">
+          <ac:chgData name="Karoline Huth" userId="5ffc0af5-9e46-431a-90db-3541adb3af2d" providerId="ADAL" clId="{051D7D22-969B-4341-897B-DE70709A3043}" dt="2021-05-06T06:29:57.451" v="504" actId="1076"/>
+          <ac:cxnSpMkLst>
+            <pc:docMk/>
+            <pc:sldMk cId="3675923444" sldId="295"/>
+            <ac:cxnSpMk id="37" creationId="{10A71ADE-9A58-804D-A40C-CC2C81037A29}"/>
+          </ac:cxnSpMkLst>
+        </pc:cxnChg>
+        <pc:cxnChg chg="add mod">
+          <ac:chgData name="Karoline Huth" userId="5ffc0af5-9e46-431a-90db-3541adb3af2d" providerId="ADAL" clId="{051D7D22-969B-4341-897B-DE70709A3043}" dt="2021-05-06T06:30:09.126" v="507" actId="14100"/>
+          <ac:cxnSpMkLst>
+            <pc:docMk/>
+            <pc:sldMk cId="3675923444" sldId="295"/>
+            <ac:cxnSpMk id="39" creationId="{22E8D1CA-2C3E-464F-B50F-B2011175870A}"/>
+          </ac:cxnSpMkLst>
+        </pc:cxnChg>
+        <pc:cxnChg chg="add mod">
+          <ac:chgData name="Karoline Huth" userId="5ffc0af5-9e46-431a-90db-3541adb3af2d" providerId="ADAL" clId="{051D7D22-969B-4341-897B-DE70709A3043}" dt="2021-05-06T07:06:47.092" v="1290" actId="14100"/>
+          <ac:cxnSpMkLst>
+            <pc:docMk/>
+            <pc:sldMk cId="3675923444" sldId="295"/>
+            <ac:cxnSpMk id="41" creationId="{C18F8881-D312-F84F-88BA-3652488E0327}"/>
+          </ac:cxnSpMkLst>
+        </pc:cxnChg>
+      </pc:sldChg>
+      <pc:sldChg chg="addSp delSp modSp add del mod delAnim modShow modNotesTx">
+        <pc:chgData name="Karoline Huth" userId="5ffc0af5-9e46-431a-90db-3541adb3af2d" providerId="ADAL" clId="{051D7D22-969B-4341-897B-DE70709A3043}" dt="2021-05-06T13:06:56.206" v="1338" actId="729"/>
+        <pc:sldMkLst>
+          <pc:docMk/>
+          <pc:sldMk cId="2650014235" sldId="296"/>
+        </pc:sldMkLst>
+        <pc:spChg chg="mod">
+          <ac:chgData name="Karoline Huth" userId="5ffc0af5-9e46-431a-90db-3541adb3af2d" providerId="ADAL" clId="{051D7D22-969B-4341-897B-DE70709A3043}" dt="2021-05-06T08:56:11.545" v="1327" actId="20577"/>
+          <ac:spMkLst>
+            <pc:docMk/>
+            <pc:sldMk cId="2650014235" sldId="296"/>
+            <ac:spMk id="6" creationId="{5035EED6-C86E-0B4F-ADE8-845324103C90}"/>
+          </ac:spMkLst>
+        </pc:spChg>
+        <pc:spChg chg="del">
+          <ac:chgData name="Karoline Huth" userId="5ffc0af5-9e46-431a-90db-3541adb3af2d" providerId="ADAL" clId="{051D7D22-969B-4341-897B-DE70709A3043}" dt="2021-05-06T08:56:15.752" v="1328" actId="478"/>
+          <ac:spMkLst>
+            <pc:docMk/>
+            <pc:sldMk cId="2650014235" sldId="296"/>
+            <ac:spMk id="8" creationId="{ED16A506-1292-B546-969C-435BE7C68315}"/>
+          </ac:spMkLst>
+        </pc:spChg>
+        <pc:spChg chg="del">
+          <ac:chgData name="Karoline Huth" userId="5ffc0af5-9e46-431a-90db-3541adb3af2d" providerId="ADAL" clId="{051D7D22-969B-4341-897B-DE70709A3043}" dt="2021-05-06T08:56:15.752" v="1328" actId="478"/>
+          <ac:spMkLst>
+            <pc:docMk/>
+            <pc:sldMk cId="2650014235" sldId="296"/>
+            <ac:spMk id="9" creationId="{703214F8-9A51-CE4C-A15E-440FCC1EC012}"/>
+          </ac:spMkLst>
+        </pc:spChg>
+        <pc:spChg chg="del">
+          <ac:chgData name="Karoline Huth" userId="5ffc0af5-9e46-431a-90db-3541adb3af2d" providerId="ADAL" clId="{051D7D22-969B-4341-897B-DE70709A3043}" dt="2021-05-06T08:56:15.752" v="1328" actId="478"/>
+          <ac:spMkLst>
+            <pc:docMk/>
+            <pc:sldMk cId="2650014235" sldId="296"/>
+            <ac:spMk id="10" creationId="{1EB90E50-D793-1347-AD12-35DBD4C534B2}"/>
+          </ac:spMkLst>
+        </pc:spChg>
+        <pc:picChg chg="del">
+          <ac:chgData name="Karoline Huth" userId="5ffc0af5-9e46-431a-90db-3541adb3af2d" providerId="ADAL" clId="{051D7D22-969B-4341-897B-DE70709A3043}" dt="2021-05-06T08:56:15.752" v="1328" actId="478"/>
+          <ac:picMkLst>
+            <pc:docMk/>
+            <pc:sldMk cId="2650014235" sldId="296"/>
+            <ac:picMk id="7" creationId="{BF890013-F7DD-7545-8013-A924ABF0CEC4}"/>
+          </ac:picMkLst>
+        </pc:picChg>
+        <pc:picChg chg="add del mod">
+          <ac:chgData name="Karoline Huth" userId="5ffc0af5-9e46-431a-90db-3541adb3af2d" providerId="ADAL" clId="{051D7D22-969B-4341-897B-DE70709A3043}" dt="2021-05-06T12:27:25.615" v="1334" actId="478"/>
+          <ac:picMkLst>
+            <pc:docMk/>
+            <pc:sldMk cId="2650014235" sldId="296"/>
+            <ac:picMk id="11" creationId="{D714D3CA-8E80-F046-9F5B-E966EDAB46FF}"/>
+          </ac:picMkLst>
+        </pc:picChg>
+        <pc:picChg chg="add mod">
+          <ac:chgData name="Karoline Huth" userId="5ffc0af5-9e46-431a-90db-3541adb3af2d" providerId="ADAL" clId="{051D7D22-969B-4341-897B-DE70709A3043}" dt="2021-05-06T12:27:26.644" v="1335"/>
+          <ac:picMkLst>
+            <pc:docMk/>
+            <pc:sldMk cId="2650014235" sldId="296"/>
+            <ac:picMk id="13" creationId="{0297CD7C-2A49-4E41-BA92-23CA3AA6850C}"/>
+          </ac:picMkLst>
+        </pc:picChg>
+      </pc:sldChg>
+      <pc:sldChg chg="add">
+        <pc:chgData name="Karoline Huth" userId="5ffc0af5-9e46-431a-90db-3541adb3af2d" providerId="ADAL" clId="{051D7D22-969B-4341-897B-DE70709A3043}" dt="2021-05-06T12:26:24.888" v="1333"/>
+        <pc:sldMkLst>
+          <pc:docMk/>
+          <pc:sldMk cId="1982708606" sldId="297"/>
         </pc:sldMkLst>
       </pc:sldChg>
     </pc:docChg>
@@ -7368,1419 +9439,50 @@
     </pc:docChg>
   </pc:docChgLst>
   <pc:docChgLst>
-    <pc:chgData clId="Web-{6BFBBF77-9932-0F85-5661-BA52E3FAE0AC}"/>
-    <pc:docChg chg="modSld">
-      <pc:chgData name="" userId="" providerId="" clId="Web-{6BFBBF77-9932-0F85-5661-BA52E3FAE0AC}" dt="2024-09-18T08:20:19.893" v="1" actId="20577"/>
+    <pc:chgData name="Karoline Huth" userId="5ffc0af5-9e46-431a-90db-3541adb3af2d" providerId="ADAL" clId="{35CDCACC-1AB0-4A43-BD94-46D129CDAB7E}"/>
+    <pc:docChg chg="modSld sldOrd">
+      <pc:chgData name="Karoline Huth" userId="5ffc0af5-9e46-431a-90db-3541adb3af2d" providerId="ADAL" clId="{35CDCACC-1AB0-4A43-BD94-46D129CDAB7E}" dt="2024-07-04T09:58:20.661" v="129" actId="20578"/>
       <pc:docMkLst>
         <pc:docMk/>
       </pc:docMkLst>
-      <pc:sldChg chg="modSp">
-        <pc:chgData name="" userId="" providerId="" clId="Web-{6BFBBF77-9932-0F85-5661-BA52E3FAE0AC}" dt="2024-09-18T08:20:19.893" v="1" actId="20577"/>
-        <pc:sldMkLst>
-          <pc:docMk/>
-          <pc:sldMk cId="1131232699" sldId="346"/>
-        </pc:sldMkLst>
-        <pc:spChg chg="mod">
-          <ac:chgData name="" userId="" providerId="" clId="Web-{6BFBBF77-9932-0F85-5661-BA52E3FAE0AC}" dt="2024-09-18T08:20:19.893" v="1" actId="20577"/>
-          <ac:spMkLst>
-            <pc:docMk/>
-            <pc:sldMk cId="1131232699" sldId="346"/>
-            <ac:spMk id="6" creationId="{A127B32E-17D6-495D-2F9B-41D316BDE8CA}"/>
-          </ac:spMkLst>
-        </pc:spChg>
-      </pc:sldChg>
-    </pc:docChg>
-  </pc:docChgLst>
-  <pc:docChgLst>
-    <pc:chgData name="Karoline Huth" userId="5ffc0af5-9e46-431a-90db-3541adb3af2d" providerId="ADAL" clId="{051D7D22-969B-4341-897B-DE70709A3043}"/>
-    <pc:docChg chg="undo custSel addSld delSld modSld sldOrd">
-      <pc:chgData name="Karoline Huth" userId="5ffc0af5-9e46-431a-90db-3541adb3af2d" providerId="ADAL" clId="{051D7D22-969B-4341-897B-DE70709A3043}" dt="2021-05-06T15:14:11.547" v="2222" actId="14100"/>
-      <pc:docMkLst>
-        <pc:docMk/>
-      </pc:docMkLst>
-      <pc:sldChg chg="del">
-        <pc:chgData name="Karoline Huth" userId="5ffc0af5-9e46-431a-90db-3541adb3af2d" providerId="ADAL" clId="{051D7D22-969B-4341-897B-DE70709A3043}" dt="2021-05-05T16:23:36.372" v="305" actId="2696"/>
-        <pc:sldMkLst>
-          <pc:docMk/>
-          <pc:sldMk cId="2067514678" sldId="256"/>
-        </pc:sldMkLst>
-      </pc:sldChg>
-      <pc:sldChg chg="addSp modSp mod">
-        <pc:chgData name="Karoline Huth" userId="5ffc0af5-9e46-431a-90db-3541adb3af2d" providerId="ADAL" clId="{051D7D22-969B-4341-897B-DE70709A3043}" dt="2021-05-06T14:22:44.745" v="2079" actId="1076"/>
-        <pc:sldMkLst>
-          <pc:docMk/>
-          <pc:sldMk cId="2112609094" sldId="272"/>
-        </pc:sldMkLst>
-        <pc:spChg chg="add mod">
-          <ac:chgData name="Karoline Huth" userId="5ffc0af5-9e46-431a-90db-3541adb3af2d" providerId="ADAL" clId="{051D7D22-969B-4341-897B-DE70709A3043}" dt="2021-05-06T14:22:37.644" v="2076" actId="14100"/>
-          <ac:spMkLst>
-            <pc:docMk/>
-            <pc:sldMk cId="2112609094" sldId="272"/>
-            <ac:spMk id="2" creationId="{CBACDDEE-3E23-5244-89AC-A1AB04DEF748}"/>
-          </ac:spMkLst>
-        </pc:spChg>
-        <pc:spChg chg="add mod">
-          <ac:chgData name="Karoline Huth" userId="5ffc0af5-9e46-431a-90db-3541adb3af2d" providerId="ADAL" clId="{051D7D22-969B-4341-897B-DE70709A3043}" dt="2021-05-06T14:21:33.106" v="2073" actId="1076"/>
-          <ac:spMkLst>
-            <pc:docMk/>
-            <pc:sldMk cId="2112609094" sldId="272"/>
-            <ac:spMk id="3" creationId="{1DBE1C2F-A25C-8849-9554-D6D15F048E17}"/>
-          </ac:spMkLst>
-        </pc:spChg>
-        <pc:picChg chg="add mod">
-          <ac:chgData name="Karoline Huth" userId="5ffc0af5-9e46-431a-90db-3541adb3af2d" providerId="ADAL" clId="{051D7D22-969B-4341-897B-DE70709A3043}" dt="2021-05-06T14:22:26.404" v="2074"/>
-          <ac:picMkLst>
-            <pc:docMk/>
-            <pc:sldMk cId="2112609094" sldId="272"/>
-            <ac:picMk id="7" creationId="{7FBA2A4D-D059-E149-A762-FFE787C2BAAE}"/>
-          </ac:picMkLst>
-        </pc:picChg>
-        <pc:picChg chg="add mod">
-          <ac:chgData name="Karoline Huth" userId="5ffc0af5-9e46-431a-90db-3541adb3af2d" providerId="ADAL" clId="{051D7D22-969B-4341-897B-DE70709A3043}" dt="2021-05-06T14:22:44.745" v="2079" actId="1076"/>
-          <ac:picMkLst>
-            <pc:docMk/>
-            <pc:sldMk cId="2112609094" sldId="272"/>
-            <ac:picMk id="8" creationId="{05CAB753-EBA0-8942-8B50-7B52BEE4264F}"/>
-          </ac:picMkLst>
-        </pc:picChg>
-        <pc:picChg chg="add mod">
-          <ac:chgData name="Karoline Huth" userId="5ffc0af5-9e46-431a-90db-3541adb3af2d" providerId="ADAL" clId="{051D7D22-969B-4341-897B-DE70709A3043}" dt="2021-05-06T14:22:41.908" v="2078" actId="1076"/>
-          <ac:picMkLst>
-            <pc:docMk/>
-            <pc:sldMk cId="2112609094" sldId="272"/>
-            <ac:picMk id="9" creationId="{DB718D47-8C9E-FD4B-82E9-57AE8D70739C}"/>
-          </ac:picMkLst>
-        </pc:picChg>
-        <pc:picChg chg="add mod">
-          <ac:chgData name="Karoline Huth" userId="5ffc0af5-9e46-431a-90db-3541adb3af2d" providerId="ADAL" clId="{051D7D22-969B-4341-897B-DE70709A3043}" dt="2021-05-06T14:20:23.501" v="2058" actId="1076"/>
-          <ac:picMkLst>
-            <pc:docMk/>
-            <pc:sldMk cId="2112609094" sldId="272"/>
-            <ac:picMk id="3074" creationId="{D786D99D-3E9B-4A48-8960-3EF162F380F0}"/>
-          </ac:picMkLst>
-        </pc:picChg>
-      </pc:sldChg>
       <pc:sldChg chg="modSp mod">
-        <pc:chgData name="Karoline Huth" userId="5ffc0af5-9e46-431a-90db-3541adb3af2d" providerId="ADAL" clId="{051D7D22-969B-4341-897B-DE70709A3043}" dt="2021-05-06T06:56:21.660" v="1285" actId="20577"/>
-        <pc:sldMkLst>
-          <pc:docMk/>
-          <pc:sldMk cId="2505545919" sldId="273"/>
-        </pc:sldMkLst>
-        <pc:spChg chg="mod">
-          <ac:chgData name="Karoline Huth" userId="5ffc0af5-9e46-431a-90db-3541adb3af2d" providerId="ADAL" clId="{051D7D22-969B-4341-897B-DE70709A3043}" dt="2021-05-06T06:56:21.660" v="1285" actId="20577"/>
-          <ac:spMkLst>
-            <pc:docMk/>
-            <pc:sldMk cId="2505545919" sldId="273"/>
-            <ac:spMk id="5" creationId="{35666C91-843D-464A-A889-BABB4192D89C}"/>
-          </ac:spMkLst>
-        </pc:spChg>
-      </pc:sldChg>
-      <pc:sldChg chg="del">
-        <pc:chgData name="Karoline Huth" userId="5ffc0af5-9e46-431a-90db-3541adb3af2d" providerId="ADAL" clId="{051D7D22-969B-4341-897B-DE70709A3043}" dt="2021-05-06T06:32:50.482" v="517" actId="2696"/>
-        <pc:sldMkLst>
-          <pc:docMk/>
-          <pc:sldMk cId="2879186150" sldId="277"/>
-        </pc:sldMkLst>
-      </pc:sldChg>
-      <pc:sldChg chg="addSp delSp modSp mod modNotesTx">
-        <pc:chgData name="Karoline Huth" userId="5ffc0af5-9e46-431a-90db-3541adb3af2d" providerId="ADAL" clId="{051D7D22-969B-4341-897B-DE70709A3043}" dt="2021-05-06T13:22:02.064" v="1943" actId="20577"/>
-        <pc:sldMkLst>
-          <pc:docMk/>
-          <pc:sldMk cId="2299009425" sldId="278"/>
-        </pc:sldMkLst>
-        <pc:spChg chg="mod">
-          <ac:chgData name="Karoline Huth" userId="5ffc0af5-9e46-431a-90db-3541adb3af2d" providerId="ADAL" clId="{051D7D22-969B-4341-897B-DE70709A3043}" dt="2021-05-06T06:48:56.043" v="1128" actId="20577"/>
-          <ac:spMkLst>
-            <pc:docMk/>
-            <pc:sldMk cId="2299009425" sldId="278"/>
-            <ac:spMk id="6" creationId="{5035EED6-C86E-0B4F-ADE8-845324103C90}"/>
-          </ac:spMkLst>
-        </pc:spChg>
-        <pc:spChg chg="mod">
-          <ac:chgData name="Karoline Huth" userId="5ffc0af5-9e46-431a-90db-3541adb3af2d" providerId="ADAL" clId="{051D7D22-969B-4341-897B-DE70709A3043}" dt="2021-05-06T06:48:15.847" v="1036" actId="20577"/>
-          <ac:spMkLst>
-            <pc:docMk/>
-            <pc:sldMk cId="2299009425" sldId="278"/>
-            <ac:spMk id="12" creationId="{D15B2170-7E3E-EA45-8EEE-2A60F3E549C7}"/>
-          </ac:spMkLst>
-        </pc:spChg>
-        <pc:spChg chg="mod">
-          <ac:chgData name="Karoline Huth" userId="5ffc0af5-9e46-431a-90db-3541adb3af2d" providerId="ADAL" clId="{051D7D22-969B-4341-897B-DE70709A3043}" dt="2021-05-06T06:48:22.851" v="1067" actId="20577"/>
-          <ac:spMkLst>
-            <pc:docMk/>
-            <pc:sldMk cId="2299009425" sldId="278"/>
-            <ac:spMk id="13" creationId="{0305F823-23B6-1F4C-BC07-59F9420B476C}"/>
-          </ac:spMkLst>
-        </pc:spChg>
-        <pc:picChg chg="del">
-          <ac:chgData name="Karoline Huth" userId="5ffc0af5-9e46-431a-90db-3541adb3af2d" providerId="ADAL" clId="{051D7D22-969B-4341-897B-DE70709A3043}" dt="2021-05-06T06:48:24.222" v="1068" actId="478"/>
-          <ac:picMkLst>
-            <pc:docMk/>
-            <pc:sldMk cId="2299009425" sldId="278"/>
-            <ac:picMk id="7" creationId="{29BC9838-7B34-D14B-AA46-A2265C3F7D77}"/>
-          </ac:picMkLst>
-        </pc:picChg>
-        <pc:picChg chg="add mod">
-          <ac:chgData name="Karoline Huth" userId="5ffc0af5-9e46-431a-90db-3541adb3af2d" providerId="ADAL" clId="{051D7D22-969B-4341-897B-DE70709A3043}" dt="2021-05-06T06:48:38.557" v="1072" actId="1076"/>
-          <ac:picMkLst>
-            <pc:docMk/>
-            <pc:sldMk cId="2299009425" sldId="278"/>
-            <ac:picMk id="11" creationId="{812D3A8D-26F1-7E4E-97D3-0E03DFEDCF1E}"/>
-          </ac:picMkLst>
-        </pc:picChg>
-      </pc:sldChg>
-      <pc:sldChg chg="del">
-        <pc:chgData name="Karoline Huth" userId="5ffc0af5-9e46-431a-90db-3541adb3af2d" providerId="ADAL" clId="{051D7D22-969B-4341-897B-DE70709A3043}" dt="2021-05-06T06:48:43.280" v="1073" actId="2696"/>
-        <pc:sldMkLst>
-          <pc:docMk/>
-          <pc:sldMk cId="683164074" sldId="279"/>
-        </pc:sldMkLst>
-      </pc:sldChg>
-      <pc:sldChg chg="mod modShow">
-        <pc:chgData name="Karoline Huth" userId="5ffc0af5-9e46-431a-90db-3541adb3af2d" providerId="ADAL" clId="{051D7D22-969B-4341-897B-DE70709A3043}" dt="2021-05-06T07:16:22.895" v="1298" actId="729"/>
-        <pc:sldMkLst>
-          <pc:docMk/>
-          <pc:sldMk cId="3753679222" sldId="288"/>
-        </pc:sldMkLst>
-      </pc:sldChg>
-      <pc:sldChg chg="addSp delSp modSp mod ord modAnim modNotesTx">
-        <pc:chgData name="Karoline Huth" userId="5ffc0af5-9e46-431a-90db-3541adb3af2d" providerId="ADAL" clId="{051D7D22-969B-4341-897B-DE70709A3043}" dt="2021-05-06T14:33:49.954" v="2081" actId="20578"/>
-        <pc:sldMkLst>
-          <pc:docMk/>
-          <pc:sldMk cId="483549874" sldId="290"/>
-        </pc:sldMkLst>
-        <pc:spChg chg="add del">
-          <ac:chgData name="Karoline Huth" userId="5ffc0af5-9e46-431a-90db-3541adb3af2d" providerId="ADAL" clId="{051D7D22-969B-4341-897B-DE70709A3043}" dt="2021-05-05T16:14:56.608" v="35" actId="478"/>
-          <ac:spMkLst>
-            <pc:docMk/>
-            <pc:sldMk cId="483549874" sldId="290"/>
-            <ac:spMk id="2" creationId="{C5D9F393-8B5C-7B40-A27C-071BA16E7BCA}"/>
-          </ac:spMkLst>
-        </pc:spChg>
-        <pc:spChg chg="mod">
-          <ac:chgData name="Karoline Huth" userId="5ffc0af5-9e46-431a-90db-3541adb3af2d" providerId="ADAL" clId="{051D7D22-969B-4341-897B-DE70709A3043}" dt="2021-05-05T16:16:59.582" v="106" actId="20577"/>
-          <ac:spMkLst>
-            <pc:docMk/>
-            <pc:sldMk cId="483549874" sldId="290"/>
-            <ac:spMk id="6" creationId="{5035EED6-C86E-0B4F-ADE8-845324103C90}"/>
-          </ac:spMkLst>
-        </pc:spChg>
-        <pc:spChg chg="add mod">
-          <ac:chgData name="Karoline Huth" userId="5ffc0af5-9e46-431a-90db-3541adb3af2d" providerId="ADAL" clId="{051D7D22-969B-4341-897B-DE70709A3043}" dt="2021-05-05T16:16:08.811" v="89" actId="166"/>
-          <ac:spMkLst>
-            <pc:docMk/>
-            <pc:sldMk cId="483549874" sldId="290"/>
-            <ac:spMk id="8" creationId="{ED16A506-1292-B546-969C-435BE7C68315}"/>
-          </ac:spMkLst>
-        </pc:spChg>
-        <pc:spChg chg="add mod">
-          <ac:chgData name="Karoline Huth" userId="5ffc0af5-9e46-431a-90db-3541adb3af2d" providerId="ADAL" clId="{051D7D22-969B-4341-897B-DE70709A3043}" dt="2021-05-05T16:16:49.550" v="99" actId="1035"/>
-          <ac:spMkLst>
-            <pc:docMk/>
-            <pc:sldMk cId="483549874" sldId="290"/>
-            <ac:spMk id="9" creationId="{703214F8-9A51-CE4C-A15E-440FCC1EC012}"/>
-          </ac:spMkLst>
-        </pc:spChg>
-        <pc:spChg chg="add mod">
-          <ac:chgData name="Karoline Huth" userId="5ffc0af5-9e46-431a-90db-3541adb3af2d" providerId="ADAL" clId="{051D7D22-969B-4341-897B-DE70709A3043}" dt="2021-05-05T16:16:49.550" v="99" actId="1035"/>
-          <ac:spMkLst>
-            <pc:docMk/>
-            <pc:sldMk cId="483549874" sldId="290"/>
-            <ac:spMk id="10" creationId="{1EB90E50-D793-1347-AD12-35DBD4C534B2}"/>
-          </ac:spMkLst>
-        </pc:spChg>
-        <pc:spChg chg="del">
-          <ac:chgData name="Karoline Huth" userId="5ffc0af5-9e46-431a-90db-3541adb3af2d" providerId="ADAL" clId="{051D7D22-969B-4341-897B-DE70709A3043}" dt="2021-05-05T16:15:11.412" v="77" actId="478"/>
-          <ac:spMkLst>
-            <pc:docMk/>
-            <pc:sldMk cId="483549874" sldId="290"/>
-            <ac:spMk id="15" creationId="{32E4763F-32E1-6D44-9D23-F030EB3C43FE}"/>
-          </ac:spMkLst>
-        </pc:spChg>
-        <pc:picChg chg="add mod modCrop">
-          <ac:chgData name="Karoline Huth" userId="5ffc0af5-9e46-431a-90db-3541adb3af2d" providerId="ADAL" clId="{051D7D22-969B-4341-897B-DE70709A3043}" dt="2021-05-05T16:15:53.881" v="85" actId="1076"/>
-          <ac:picMkLst>
-            <pc:docMk/>
-            <pc:sldMk cId="483549874" sldId="290"/>
-            <ac:picMk id="7" creationId="{BF890013-F7DD-7545-8013-A924ABF0CEC4}"/>
-          </ac:picMkLst>
-        </pc:picChg>
-      </pc:sldChg>
-      <pc:sldChg chg="del">
-        <pc:chgData name="Karoline Huth" userId="5ffc0af5-9e46-431a-90db-3541adb3af2d" providerId="ADAL" clId="{051D7D22-969B-4341-897B-DE70709A3043}" dt="2021-05-05T16:09:42.042" v="1" actId="2696"/>
-        <pc:sldMkLst>
-          <pc:docMk/>
-          <pc:sldMk cId="3541291353" sldId="291"/>
-        </pc:sldMkLst>
-      </pc:sldChg>
-      <pc:sldChg chg="addSp delSp modSp add del mod modAnim">
-        <pc:chgData name="Karoline Huth" userId="5ffc0af5-9e46-431a-90db-3541adb3af2d" providerId="ADAL" clId="{051D7D22-969B-4341-897B-DE70709A3043}" dt="2021-05-05T16:18:23.783" v="169" actId="2696"/>
-        <pc:sldMkLst>
-          <pc:docMk/>
-          <pc:sldMk cId="4188970231" sldId="291"/>
-        </pc:sldMkLst>
-        <pc:spChg chg="del">
-          <ac:chgData name="Karoline Huth" userId="5ffc0af5-9e46-431a-90db-3541adb3af2d" providerId="ADAL" clId="{051D7D22-969B-4341-897B-DE70709A3043}" dt="2021-05-05T16:12:46.992" v="3" actId="478"/>
-          <ac:spMkLst>
-            <pc:docMk/>
-            <pc:sldMk cId="4188970231" sldId="291"/>
-            <ac:spMk id="4" creationId="{B4CC22D3-93AD-8E4A-9B22-044137A5780B}"/>
-          </ac:spMkLst>
-        </pc:spChg>
-        <pc:spChg chg="del">
-          <ac:chgData name="Karoline Huth" userId="5ffc0af5-9e46-431a-90db-3541adb3af2d" providerId="ADAL" clId="{051D7D22-969B-4341-897B-DE70709A3043}" dt="2021-05-05T16:12:46.992" v="3" actId="478"/>
-          <ac:spMkLst>
-            <pc:docMk/>
-            <pc:sldMk cId="4188970231" sldId="291"/>
-            <ac:spMk id="5" creationId="{FC0C3997-09F0-3A44-990A-66B1B5F67DC5}"/>
-          </ac:spMkLst>
-        </pc:spChg>
-        <pc:spChg chg="add mod">
-          <ac:chgData name="Karoline Huth" userId="5ffc0af5-9e46-431a-90db-3541adb3af2d" providerId="ADAL" clId="{051D7D22-969B-4341-897B-DE70709A3043}" dt="2021-05-05T16:14:18.585" v="29" actId="554"/>
-          <ac:spMkLst>
-            <pc:docMk/>
-            <pc:sldMk cId="4188970231" sldId="291"/>
-            <ac:spMk id="13" creationId="{FE726977-ADF2-F446-81BB-81A5466282E3}"/>
-          </ac:spMkLst>
-        </pc:spChg>
-        <pc:spChg chg="del">
-          <ac:chgData name="Karoline Huth" userId="5ffc0af5-9e46-431a-90db-3541adb3af2d" providerId="ADAL" clId="{051D7D22-969B-4341-897B-DE70709A3043}" dt="2021-05-05T16:12:46.992" v="3" actId="478"/>
-          <ac:spMkLst>
-            <pc:docMk/>
-            <pc:sldMk cId="4188970231" sldId="291"/>
-            <ac:spMk id="14" creationId="{AFE8F270-7AA5-2447-9264-EA332B3EEA35}"/>
-          </ac:spMkLst>
-        </pc:spChg>
-        <pc:spChg chg="del">
-          <ac:chgData name="Karoline Huth" userId="5ffc0af5-9e46-431a-90db-3541adb3af2d" providerId="ADAL" clId="{051D7D22-969B-4341-897B-DE70709A3043}" dt="2021-05-05T16:12:46.992" v="3" actId="478"/>
-          <ac:spMkLst>
-            <pc:docMk/>
-            <pc:sldMk cId="4188970231" sldId="291"/>
-            <ac:spMk id="15" creationId="{66139BE3-A985-574D-B29E-BE4661B8BCD5}"/>
-          </ac:spMkLst>
-        </pc:spChg>
-        <pc:spChg chg="add mod">
-          <ac:chgData name="Karoline Huth" userId="5ffc0af5-9e46-431a-90db-3541adb3af2d" providerId="ADAL" clId="{051D7D22-969B-4341-897B-DE70709A3043}" dt="2021-05-05T16:14:18.585" v="29" actId="554"/>
-          <ac:spMkLst>
-            <pc:docMk/>
-            <pc:sldMk cId="4188970231" sldId="291"/>
-            <ac:spMk id="16" creationId="{8FA857B9-8684-9842-8EDE-8D26B9B4DAD2}"/>
-          </ac:spMkLst>
-        </pc:spChg>
-        <pc:spChg chg="add mod">
-          <ac:chgData name="Karoline Huth" userId="5ffc0af5-9e46-431a-90db-3541adb3af2d" providerId="ADAL" clId="{051D7D22-969B-4341-897B-DE70709A3043}" dt="2021-05-05T16:12:48.363" v="4"/>
-          <ac:spMkLst>
-            <pc:docMk/>
-            <pc:sldMk cId="4188970231" sldId="291"/>
-            <ac:spMk id="17" creationId="{09FD675E-F8C5-D34A-BB9B-2AE316EADBDC}"/>
-          </ac:spMkLst>
-        </pc:spChg>
-        <pc:spChg chg="del">
-          <ac:chgData name="Karoline Huth" userId="5ffc0af5-9e46-431a-90db-3541adb3af2d" providerId="ADAL" clId="{051D7D22-969B-4341-897B-DE70709A3043}" dt="2021-05-05T16:12:46.992" v="3" actId="478"/>
-          <ac:spMkLst>
-            <pc:docMk/>
-            <pc:sldMk cId="4188970231" sldId="291"/>
-            <ac:spMk id="18" creationId="{98EA6D4E-C762-244B-9E6E-78471EEFCE6D}"/>
-          </ac:spMkLst>
-        </pc:spChg>
-        <pc:spChg chg="add mod">
-          <ac:chgData name="Karoline Huth" userId="5ffc0af5-9e46-431a-90db-3541adb3af2d" providerId="ADAL" clId="{051D7D22-969B-4341-897B-DE70709A3043}" dt="2021-05-05T16:12:48.363" v="4"/>
-          <ac:spMkLst>
-            <pc:docMk/>
-            <pc:sldMk cId="4188970231" sldId="291"/>
-            <ac:spMk id="20" creationId="{3C13B72A-2F8F-B041-82E4-D3144CC82FED}"/>
-          </ac:spMkLst>
-        </pc:spChg>
-        <pc:spChg chg="del">
-          <ac:chgData name="Karoline Huth" userId="5ffc0af5-9e46-431a-90db-3541adb3af2d" providerId="ADAL" clId="{051D7D22-969B-4341-897B-DE70709A3043}" dt="2021-05-05T16:12:46.992" v="3" actId="478"/>
-          <ac:spMkLst>
-            <pc:docMk/>
-            <pc:sldMk cId="4188970231" sldId="291"/>
-            <ac:spMk id="21" creationId="{68259B87-5A5C-CB49-9DEE-3B8710CC74C9}"/>
-          </ac:spMkLst>
-        </pc:spChg>
-        <pc:spChg chg="add mod">
-          <ac:chgData name="Karoline Huth" userId="5ffc0af5-9e46-431a-90db-3541adb3af2d" providerId="ADAL" clId="{051D7D22-969B-4341-897B-DE70709A3043}" dt="2021-05-05T16:14:34.126" v="32" actId="14100"/>
-          <ac:spMkLst>
-            <pc:docMk/>
-            <pc:sldMk cId="4188970231" sldId="291"/>
-            <ac:spMk id="22" creationId="{F61F701B-A61D-3140-97E0-27E5CD89B54F}"/>
-          </ac:spMkLst>
-        </pc:spChg>
-        <pc:spChg chg="add mod">
-          <ac:chgData name="Karoline Huth" userId="5ffc0af5-9e46-431a-90db-3541adb3af2d" providerId="ADAL" clId="{051D7D22-969B-4341-897B-DE70709A3043}" dt="2021-05-05T16:14:18.585" v="29" actId="554"/>
-          <ac:spMkLst>
-            <pc:docMk/>
-            <pc:sldMk cId="4188970231" sldId="291"/>
-            <ac:spMk id="23" creationId="{98159F71-83D4-B446-8F43-C9D2A9AAD6E3}"/>
-          </ac:spMkLst>
-        </pc:spChg>
-        <pc:picChg chg="add del mod">
-          <ac:chgData name="Karoline Huth" userId="5ffc0af5-9e46-431a-90db-3541adb3af2d" providerId="ADAL" clId="{051D7D22-969B-4341-897B-DE70709A3043}" dt="2021-05-05T16:13:15.066" v="9" actId="1076"/>
-          <ac:picMkLst>
-            <pc:docMk/>
-            <pc:sldMk cId="4188970231" sldId="291"/>
-            <ac:picMk id="12" creationId="{8240DFAB-D18F-2746-BC7C-871C5AD97D98}"/>
-          </ac:picMkLst>
-        </pc:picChg>
-        <pc:picChg chg="del">
-          <ac:chgData name="Karoline Huth" userId="5ffc0af5-9e46-431a-90db-3541adb3af2d" providerId="ADAL" clId="{051D7D22-969B-4341-897B-DE70709A3043}" dt="2021-05-05T16:12:46.992" v="3" actId="478"/>
-          <ac:picMkLst>
-            <pc:docMk/>
-            <pc:sldMk cId="4188970231" sldId="291"/>
-            <ac:picMk id="19" creationId="{AE8060B5-0756-644F-900D-1978A14D917D}"/>
-          </ac:picMkLst>
-        </pc:picChg>
-        <pc:picChg chg="del">
-          <ac:chgData name="Karoline Huth" userId="5ffc0af5-9e46-431a-90db-3541adb3af2d" providerId="ADAL" clId="{051D7D22-969B-4341-897B-DE70709A3043}" dt="2021-05-05T16:12:46.992" v="3" actId="478"/>
-          <ac:picMkLst>
-            <pc:docMk/>
-            <pc:sldMk cId="4188970231" sldId="291"/>
-            <ac:picMk id="2062" creationId="{1961C07D-49FA-484C-916F-36E9028C7FF9}"/>
-          </ac:picMkLst>
-        </pc:picChg>
-        <pc:picChg chg="del">
-          <ac:chgData name="Karoline Huth" userId="5ffc0af5-9e46-431a-90db-3541adb3af2d" providerId="ADAL" clId="{051D7D22-969B-4341-897B-DE70709A3043}" dt="2021-05-05T16:12:46.992" v="3" actId="478"/>
-          <ac:picMkLst>
-            <pc:docMk/>
-            <pc:sldMk cId="4188970231" sldId="291"/>
-            <ac:picMk id="2064" creationId="{8BD5CE09-F904-FA4A-9170-34E23D0F56D7}"/>
-          </ac:picMkLst>
-        </pc:picChg>
-        <pc:cxnChg chg="add del mod">
-          <ac:chgData name="Karoline Huth" userId="5ffc0af5-9e46-431a-90db-3541adb3af2d" providerId="ADAL" clId="{051D7D22-969B-4341-897B-DE70709A3043}" dt="2021-05-05T16:13:12.055" v="8" actId="478"/>
-          <ac:cxnSpMkLst>
-            <pc:docMk/>
-            <pc:sldMk cId="4188970231" sldId="291"/>
-            <ac:cxnSpMk id="11" creationId="{8444F415-A5A6-734C-AD82-380C65BE4D84}"/>
-          </ac:cxnSpMkLst>
-        </pc:cxnChg>
-      </pc:sldChg>
-      <pc:sldChg chg="modSp add mod">
-        <pc:chgData name="Karoline Huth" userId="5ffc0af5-9e46-431a-90db-3541adb3af2d" providerId="ADAL" clId="{051D7D22-969B-4341-897B-DE70709A3043}" dt="2021-05-06T14:10:58.885" v="1974" actId="20577"/>
-        <pc:sldMkLst>
-          <pc:docMk/>
-          <pc:sldMk cId="403184627" sldId="292"/>
-        </pc:sldMkLst>
-        <pc:spChg chg="mod">
-          <ac:chgData name="Karoline Huth" userId="5ffc0af5-9e46-431a-90db-3541adb3af2d" providerId="ADAL" clId="{051D7D22-969B-4341-897B-DE70709A3043}" dt="2021-05-06T14:10:58.885" v="1974" actId="20577"/>
-          <ac:spMkLst>
-            <pc:docMk/>
-            <pc:sldMk cId="403184627" sldId="292"/>
-            <ac:spMk id="6" creationId="{5035EED6-C86E-0B4F-ADE8-845324103C90}"/>
-          </ac:spMkLst>
-        </pc:spChg>
-        <pc:spChg chg="mod">
-          <ac:chgData name="Karoline Huth" userId="5ffc0af5-9e46-431a-90db-3541adb3af2d" providerId="ADAL" clId="{051D7D22-969B-4341-897B-DE70709A3043}" dt="2021-05-06T07:12:37.413" v="1297" actId="404"/>
-          <ac:spMkLst>
-            <pc:docMk/>
-            <pc:sldMk cId="403184627" sldId="292"/>
-            <ac:spMk id="15" creationId="{32E4763F-32E1-6D44-9D23-F030EB3C43FE}"/>
-          </ac:spMkLst>
-        </pc:spChg>
-      </pc:sldChg>
-      <pc:sldChg chg="addSp delSp modSp add mod setBg delDesignElem">
-        <pc:chgData name="Karoline Huth" userId="5ffc0af5-9e46-431a-90db-3541adb3af2d" providerId="ADAL" clId="{051D7D22-969B-4341-897B-DE70709A3043}" dt="2021-05-06T15:14:11.547" v="2222" actId="14100"/>
+        <pc:chgData name="Karoline Huth" userId="5ffc0af5-9e46-431a-90db-3541adb3af2d" providerId="ADAL" clId="{35CDCACC-1AB0-4A43-BD94-46D129CDAB7E}" dt="2024-07-03T14:59:24.053" v="3" actId="20577"/>
         <pc:sldMkLst>
           <pc:docMk/>
           <pc:sldMk cId="3501034909" sldId="293"/>
         </pc:sldMkLst>
-        <pc:spChg chg="del">
-          <ac:chgData name="Karoline Huth" userId="5ffc0af5-9e46-431a-90db-3541adb3af2d" providerId="ADAL" clId="{051D7D22-969B-4341-897B-DE70709A3043}" dt="2021-05-05T16:20:11.228" v="188" actId="478"/>
-          <ac:spMkLst>
-            <pc:docMk/>
-            <pc:sldMk cId="3501034909" sldId="293"/>
-            <ac:spMk id="2" creationId="{8B255D71-3A2D-D140-97FE-32A1C5487BBE}"/>
-          </ac:spMkLst>
-        </pc:spChg>
-        <pc:spChg chg="del">
-          <ac:chgData name="Karoline Huth" userId="5ffc0af5-9e46-431a-90db-3541adb3af2d" providerId="ADAL" clId="{051D7D22-969B-4341-897B-DE70709A3043}" dt="2021-05-05T16:20:11.228" v="188" actId="478"/>
-          <ac:spMkLst>
-            <pc:docMk/>
-            <pc:sldMk cId="3501034909" sldId="293"/>
-            <ac:spMk id="3" creationId="{F1CDB452-7B52-8347-8AE6-AD5DBC118270}"/>
-          </ac:spMkLst>
-        </pc:spChg>
-        <pc:spChg chg="add mod">
-          <ac:chgData name="Karoline Huth" userId="5ffc0af5-9e46-431a-90db-3541adb3af2d" providerId="ADAL" clId="{051D7D22-969B-4341-897B-DE70709A3043}" dt="2021-05-05T16:20:49.268" v="193" actId="14100"/>
-          <ac:spMkLst>
-            <pc:docMk/>
-            <pc:sldMk cId="3501034909" sldId="293"/>
-            <ac:spMk id="5" creationId="{930A2F51-60C4-DA41-B95E-49F3CC2CFC1E}"/>
-          </ac:spMkLst>
-        </pc:spChg>
         <pc:spChg chg="mod">
-          <ac:chgData name="Karoline Huth" userId="5ffc0af5-9e46-431a-90db-3541adb3af2d" providerId="ADAL" clId="{051D7D22-969B-4341-897B-DE70709A3043}" dt="2021-05-06T15:14:11.547" v="2222" actId="14100"/>
+          <ac:chgData name="Karoline Huth" userId="5ffc0af5-9e46-431a-90db-3541adb3af2d" providerId="ADAL" clId="{35CDCACC-1AB0-4A43-BD94-46D129CDAB7E}" dt="2024-07-03T14:59:24.053" v="3" actId="20577"/>
           <ac:spMkLst>
             <pc:docMk/>
             <pc:sldMk cId="3501034909" sldId="293"/>
             <ac:spMk id="7" creationId="{EA29F227-3810-4945-BD9F-54E29C8A97C2}"/>
           </ac:spMkLst>
         </pc:spChg>
-        <pc:spChg chg="add del mod">
-          <ac:chgData name="Karoline Huth" userId="5ffc0af5-9e46-431a-90db-3541adb3af2d" providerId="ADAL" clId="{051D7D22-969B-4341-897B-DE70709A3043}" dt="2021-05-05T16:20:15.267" v="189" actId="478"/>
-          <ac:spMkLst>
-            <pc:docMk/>
-            <pc:sldMk cId="3501034909" sldId="293"/>
-            <ac:spMk id="8" creationId="{13D52DC6-483B-E345-A83D-B8BEECFBF9FE}"/>
-          </ac:spMkLst>
-        </pc:spChg>
-        <pc:spChg chg="add mod">
-          <ac:chgData name="Karoline Huth" userId="5ffc0af5-9e46-431a-90db-3541adb3af2d" providerId="ADAL" clId="{051D7D22-969B-4341-897B-DE70709A3043}" dt="2021-05-05T16:23:16.891" v="301" actId="207"/>
-          <ac:spMkLst>
-            <pc:docMk/>
-            <pc:sldMk cId="3501034909" sldId="293"/>
-            <ac:spMk id="9" creationId="{9DBB3712-925F-7541-A2BA-3667F2CB2885}"/>
-          </ac:spMkLst>
-        </pc:spChg>
-        <pc:spChg chg="add mod">
-          <ac:chgData name="Karoline Huth" userId="5ffc0af5-9e46-431a-90db-3541adb3af2d" providerId="ADAL" clId="{051D7D22-969B-4341-897B-DE70709A3043}" dt="2021-05-05T16:19:58.506" v="187"/>
-          <ac:spMkLst>
-            <pc:docMk/>
-            <pc:sldMk cId="3501034909" sldId="293"/>
-            <ac:spMk id="10" creationId="{25135258-86AA-DD4B-94B3-F565A335C42A}"/>
-          </ac:spMkLst>
-        </pc:spChg>
-        <pc:spChg chg="add mod">
-          <ac:chgData name="Karoline Huth" userId="5ffc0af5-9e46-431a-90db-3541adb3af2d" providerId="ADAL" clId="{051D7D22-969B-4341-897B-DE70709A3043}" dt="2021-05-06T13:07:12.473" v="1371" actId="20577"/>
-          <ac:spMkLst>
-            <pc:docMk/>
-            <pc:sldMk cId="3501034909" sldId="293"/>
-            <ac:spMk id="11" creationId="{2A82E7EC-5634-5C4D-A428-6797F1086FBC}"/>
-          </ac:spMkLst>
-        </pc:spChg>
-        <pc:spChg chg="add del mod">
-          <ac:chgData name="Karoline Huth" userId="5ffc0af5-9e46-431a-90db-3541adb3af2d" providerId="ADAL" clId="{051D7D22-969B-4341-897B-DE70709A3043}" dt="2021-05-05T16:23:33.516" v="304" actId="478"/>
-          <ac:spMkLst>
-            <pc:docMk/>
-            <pc:sldMk cId="3501034909" sldId="293"/>
-            <ac:spMk id="14" creationId="{CA674B1B-EE7F-5B4E-866E-E8E49AF6BA55}"/>
-          </ac:spMkLst>
-        </pc:spChg>
-        <pc:spChg chg="del">
-          <ac:chgData name="Karoline Huth" userId="5ffc0af5-9e46-431a-90db-3541adb3af2d" providerId="ADAL" clId="{051D7D22-969B-4341-897B-DE70709A3043}" dt="2021-05-05T16:18:42.123" v="171"/>
-          <ac:spMkLst>
-            <pc:docMk/>
-            <pc:sldMk cId="3501034909" sldId="293"/>
-            <ac:spMk id="16" creationId="{F40CA114-B78B-4E3B-A785-96745276B6FB}"/>
-          </ac:spMkLst>
-        </pc:spChg>
-        <pc:spChg chg="add del mod">
-          <ac:chgData name="Karoline Huth" userId="5ffc0af5-9e46-431a-90db-3541adb3af2d" providerId="ADAL" clId="{051D7D22-969B-4341-897B-DE70709A3043}" dt="2021-05-06T15:12:32.537" v="2206" actId="478"/>
-          <ac:spMkLst>
-            <pc:docMk/>
-            <pc:sldMk cId="3501034909" sldId="293"/>
-            <ac:spMk id="21" creationId="{3B84C472-F00B-D146-BA48-3666D7BA2AC0}"/>
-          </ac:spMkLst>
-        </pc:spChg>
-        <pc:picChg chg="mod">
-          <ac:chgData name="Karoline Huth" userId="5ffc0af5-9e46-431a-90db-3541adb3af2d" providerId="ADAL" clId="{051D7D22-969B-4341-897B-DE70709A3043}" dt="2021-05-05T16:19:08.287" v="174" actId="167"/>
-          <ac:picMkLst>
-            <pc:docMk/>
-            <pc:sldMk cId="3501034909" sldId="293"/>
-            <ac:picMk id="4" creationId="{DC079C16-2144-AA48-AE11-6EBB3950617B}"/>
-          </ac:picMkLst>
-        </pc:picChg>
-        <pc:picChg chg="add mod">
-          <ac:chgData name="Karoline Huth" userId="5ffc0af5-9e46-431a-90db-3541adb3af2d" providerId="ADAL" clId="{051D7D22-969B-4341-897B-DE70709A3043}" dt="2021-05-05T16:20:42.263" v="192"/>
-          <ac:picMkLst>
-            <pc:docMk/>
-            <pc:sldMk cId="3501034909" sldId="293"/>
-            <ac:picMk id="17" creationId="{03FAA240-8827-4947-BE1B-FEF70BF7D287}"/>
-          </ac:picMkLst>
-        </pc:picChg>
-        <pc:picChg chg="add mod">
-          <ac:chgData name="Karoline Huth" userId="5ffc0af5-9e46-431a-90db-3541adb3af2d" providerId="ADAL" clId="{051D7D22-969B-4341-897B-DE70709A3043}" dt="2021-05-06T15:13:49.620" v="2218" actId="1076"/>
-          <ac:picMkLst>
-            <pc:docMk/>
-            <pc:sldMk cId="3501034909" sldId="293"/>
-            <ac:picMk id="19" creationId="{46A5BAB7-DB81-A94B-A8D5-5F24B8132573}"/>
-          </ac:picMkLst>
-        </pc:picChg>
-        <pc:picChg chg="add mod">
-          <ac:chgData name="Karoline Huth" userId="5ffc0af5-9e46-431a-90db-3541adb3af2d" providerId="ADAL" clId="{051D7D22-969B-4341-897B-DE70709A3043}" dt="2021-05-06T15:13:55.215" v="2219" actId="14100"/>
-          <ac:picMkLst>
-            <pc:docMk/>
-            <pc:sldMk cId="3501034909" sldId="293"/>
-            <ac:picMk id="20" creationId="{17CB6D78-6AB5-6140-A04C-491D0F7B635C}"/>
-          </ac:picMkLst>
-        </pc:picChg>
+      </pc:sldChg>
+      <pc:sldChg chg="addSp modSp mod modAnim">
+        <pc:chgData name="Karoline Huth" userId="5ffc0af5-9e46-431a-90db-3541adb3af2d" providerId="ADAL" clId="{35CDCACC-1AB0-4A43-BD94-46D129CDAB7E}" dt="2024-07-04T07:13:46.920" v="56"/>
+        <pc:sldMkLst>
+          <pc:docMk/>
+          <pc:sldMk cId="149297165" sldId="300"/>
+        </pc:sldMkLst>
         <pc:cxnChg chg="add mod">
-          <ac:chgData name="Karoline Huth" userId="5ffc0af5-9e46-431a-90db-3541adb3af2d" providerId="ADAL" clId="{051D7D22-969B-4341-897B-DE70709A3043}" dt="2021-05-05T16:19:58.506" v="187"/>
+          <ac:chgData name="Karoline Huth" userId="5ffc0af5-9e46-431a-90db-3541adb3af2d" providerId="ADAL" clId="{35CDCACC-1AB0-4A43-BD94-46D129CDAB7E}" dt="2024-07-04T07:13:33.971" v="55" actId="1582"/>
           <ac:cxnSpMkLst>
             <pc:docMk/>
-            <pc:sldMk cId="3501034909" sldId="293"/>
-            <ac:cxnSpMk id="12" creationId="{B869CFE4-76EB-2348-B9B3-0B5CC838ACF1}"/>
-          </ac:cxnSpMkLst>
-        </pc:cxnChg>
-        <pc:cxnChg chg="del">
-          <ac:chgData name="Karoline Huth" userId="5ffc0af5-9e46-431a-90db-3541adb3af2d" providerId="ADAL" clId="{051D7D22-969B-4341-897B-DE70709A3043}" dt="2021-05-05T16:18:42.123" v="171"/>
-          <ac:cxnSpMkLst>
-            <pc:docMk/>
-            <pc:sldMk cId="3501034909" sldId="293"/>
-            <ac:cxnSpMk id="18" creationId="{E126E481-B945-4179-BD79-05E96E9B29E1}"/>
+            <pc:sldMk cId="149297165" sldId="300"/>
+            <ac:cxnSpMk id="5" creationId="{4E421DC1-6A78-9398-BF58-DF59B2549E4A}"/>
           </ac:cxnSpMkLst>
         </pc:cxnChg>
       </pc:sldChg>
-      <pc:sldChg chg="addSp delSp modSp add del mod setBg delAnim modAnim setClrOvrMap">
-        <pc:chgData name="Karoline Huth" userId="5ffc0af5-9e46-431a-90db-3541adb3af2d" providerId="ADAL" clId="{051D7D22-969B-4341-897B-DE70709A3043}" dt="2021-05-06T06:32:51.845" v="518" actId="2696"/>
-        <pc:sldMkLst>
-          <pc:docMk/>
-          <pc:sldMk cId="1481223272" sldId="294"/>
-        </pc:sldMkLst>
-        <pc:spChg chg="del">
-          <ac:chgData name="Karoline Huth" userId="5ffc0af5-9e46-431a-90db-3541adb3af2d" providerId="ADAL" clId="{051D7D22-969B-4341-897B-DE70709A3043}" dt="2021-05-05T16:29:09.613" v="313" actId="478"/>
-          <ac:spMkLst>
-            <pc:docMk/>
-            <pc:sldMk cId="1481223272" sldId="294"/>
-            <ac:spMk id="4" creationId="{B4CC22D3-93AD-8E4A-9B22-044137A5780B}"/>
-          </ac:spMkLst>
-        </pc:spChg>
-        <pc:spChg chg="del">
-          <ac:chgData name="Karoline Huth" userId="5ffc0af5-9e46-431a-90db-3541adb3af2d" providerId="ADAL" clId="{051D7D22-969B-4341-897B-DE70709A3043}" dt="2021-05-05T16:29:07.037" v="312" actId="478"/>
-          <ac:spMkLst>
-            <pc:docMk/>
-            <pc:sldMk cId="1481223272" sldId="294"/>
-            <ac:spMk id="5" creationId="{FC0C3997-09F0-3A44-990A-66B1B5F67DC5}"/>
-          </ac:spMkLst>
-        </pc:spChg>
-        <pc:spChg chg="del mod">
-          <ac:chgData name="Karoline Huth" userId="5ffc0af5-9e46-431a-90db-3541adb3af2d" providerId="ADAL" clId="{051D7D22-969B-4341-897B-DE70709A3043}" dt="2021-05-05T16:31:16.290" v="343" actId="478"/>
-          <ac:spMkLst>
-            <pc:docMk/>
-            <pc:sldMk cId="1481223272" sldId="294"/>
-            <ac:spMk id="14" creationId="{AFE8F270-7AA5-2447-9264-EA332B3EEA35}"/>
-          </ac:spMkLst>
-        </pc:spChg>
-        <pc:spChg chg="del">
-          <ac:chgData name="Karoline Huth" userId="5ffc0af5-9e46-431a-90db-3541adb3af2d" providerId="ADAL" clId="{051D7D22-969B-4341-897B-DE70709A3043}" dt="2021-05-05T16:29:02.392" v="311" actId="478"/>
-          <ac:spMkLst>
-            <pc:docMk/>
-            <pc:sldMk cId="1481223272" sldId="294"/>
-            <ac:spMk id="15" creationId="{66139BE3-A985-574D-B29E-BE4661B8BCD5}"/>
-          </ac:spMkLst>
-        </pc:spChg>
-        <pc:spChg chg="del">
-          <ac:chgData name="Karoline Huth" userId="5ffc0af5-9e46-431a-90db-3541adb3af2d" providerId="ADAL" clId="{051D7D22-969B-4341-897B-DE70709A3043}" dt="2021-05-05T16:28:55.812" v="307" actId="478"/>
-          <ac:spMkLst>
-            <pc:docMk/>
-            <pc:sldMk cId="1481223272" sldId="294"/>
-            <ac:spMk id="18" creationId="{98EA6D4E-C762-244B-9E6E-78471EEFCE6D}"/>
-          </ac:spMkLst>
-        </pc:spChg>
-        <pc:spChg chg="del">
-          <ac:chgData name="Karoline Huth" userId="5ffc0af5-9e46-431a-90db-3541adb3af2d" providerId="ADAL" clId="{051D7D22-969B-4341-897B-DE70709A3043}" dt="2021-05-05T16:29:00.333" v="310" actId="478"/>
-          <ac:spMkLst>
-            <pc:docMk/>
-            <pc:sldMk cId="1481223272" sldId="294"/>
-            <ac:spMk id="21" creationId="{68259B87-5A5C-CB49-9DEE-3B8710CC74C9}"/>
-          </ac:spMkLst>
-        </pc:spChg>
-        <pc:spChg chg="add del">
-          <ac:chgData name="Karoline Huth" userId="5ffc0af5-9e46-431a-90db-3541adb3af2d" providerId="ADAL" clId="{051D7D22-969B-4341-897B-DE70709A3043}" dt="2021-05-05T16:32:42.411" v="357" actId="26606"/>
-          <ac:spMkLst>
-            <pc:docMk/>
-            <pc:sldMk cId="1481223272" sldId="294"/>
-            <ac:spMk id="147" creationId="{87DEBA14-FDA2-45EF-9928-4F56DAB2EEAD}"/>
-          </ac:spMkLst>
-        </pc:spChg>
-        <pc:spChg chg="add del">
-          <ac:chgData name="Karoline Huth" userId="5ffc0af5-9e46-431a-90db-3541adb3af2d" providerId="ADAL" clId="{051D7D22-969B-4341-897B-DE70709A3043}" dt="2021-05-05T16:32:42.411" v="357" actId="26606"/>
-          <ac:spMkLst>
-            <pc:docMk/>
-            <pc:sldMk cId="1481223272" sldId="294"/>
-            <ac:spMk id="149" creationId="{E1FB3D03-386F-4B20-BFF7-5A6FF3C2DF82}"/>
-          </ac:spMkLst>
-        </pc:spChg>
-        <pc:spChg chg="add del">
-          <ac:chgData name="Karoline Huth" userId="5ffc0af5-9e46-431a-90db-3541adb3af2d" providerId="ADAL" clId="{051D7D22-969B-4341-897B-DE70709A3043}" dt="2021-05-05T16:32:42.411" v="357" actId="26606"/>
-          <ac:spMkLst>
-            <pc:docMk/>
-            <pc:sldMk cId="1481223272" sldId="294"/>
-            <ac:spMk id="151" creationId="{9581B7DD-04B3-4856-8C61-59D7A3F653E2}"/>
-          </ac:spMkLst>
-        </pc:spChg>
-        <pc:spChg chg="add del">
-          <ac:chgData name="Karoline Huth" userId="5ffc0af5-9e46-431a-90db-3541adb3af2d" providerId="ADAL" clId="{051D7D22-969B-4341-897B-DE70709A3043}" dt="2021-05-05T16:32:42.411" v="357" actId="26606"/>
-          <ac:spMkLst>
-            <pc:docMk/>
-            <pc:sldMk cId="1481223272" sldId="294"/>
-            <ac:spMk id="153" creationId="{1F3C359C-B3DD-4FB2-A6F9-1D519B65BAF4}"/>
-          </ac:spMkLst>
-        </pc:spChg>
-        <pc:spChg chg="add del">
-          <ac:chgData name="Karoline Huth" userId="5ffc0af5-9e46-431a-90db-3541adb3af2d" providerId="ADAL" clId="{051D7D22-969B-4341-897B-DE70709A3043}" dt="2021-05-05T16:32:42.411" v="357" actId="26606"/>
-          <ac:spMkLst>
-            <pc:docMk/>
-            <pc:sldMk cId="1481223272" sldId="294"/>
-            <ac:spMk id="155" creationId="{0EB2088F-2F1B-43DE-957F-CF2F16D53C11}"/>
-          </ac:spMkLst>
-        </pc:spChg>
-        <pc:spChg chg="add del">
-          <ac:chgData name="Karoline Huth" userId="5ffc0af5-9e46-431a-90db-3541adb3af2d" providerId="ADAL" clId="{051D7D22-969B-4341-897B-DE70709A3043}" dt="2021-05-05T16:32:42.411" v="357" actId="26606"/>
-          <ac:spMkLst>
-            <pc:docMk/>
-            <pc:sldMk cId="1481223272" sldId="294"/>
-            <ac:spMk id="157" creationId="{FF417D09-0122-4227-8FDD-2C4C19C68318}"/>
-          </ac:spMkLst>
-        </pc:spChg>
-        <pc:spChg chg="add del">
-          <ac:chgData name="Karoline Huth" userId="5ffc0af5-9e46-431a-90db-3541adb3af2d" providerId="ADAL" clId="{051D7D22-969B-4341-897B-DE70709A3043}" dt="2021-05-05T16:32:42.411" v="357" actId="26606"/>
-          <ac:spMkLst>
-            <pc:docMk/>
-            <pc:sldMk cId="1481223272" sldId="294"/>
-            <ac:spMk id="159" creationId="{FF35A874-2690-497F-80A0-03675049438E}"/>
-          </ac:spMkLst>
-        </pc:spChg>
-        <pc:spChg chg="add del">
-          <ac:chgData name="Karoline Huth" userId="5ffc0af5-9e46-431a-90db-3541adb3af2d" providerId="ADAL" clId="{051D7D22-969B-4341-897B-DE70709A3043}" dt="2021-05-05T16:32:42.411" v="357" actId="26606"/>
-          <ac:spMkLst>
-            <pc:docMk/>
-            <pc:sldMk cId="1481223272" sldId="294"/>
-            <ac:spMk id="161" creationId="{297C449B-67BB-4D99-86C4-E6ECDEA6913F}"/>
-          </ac:spMkLst>
-        </pc:spChg>
-        <pc:spChg chg="add del">
-          <ac:chgData name="Karoline Huth" userId="5ffc0af5-9e46-431a-90db-3541adb3af2d" providerId="ADAL" clId="{051D7D22-969B-4341-897B-DE70709A3043}" dt="2021-05-05T16:32:42.411" v="357" actId="26606"/>
-          <ac:spMkLst>
-            <pc:docMk/>
-            <pc:sldMk cId="1481223272" sldId="294"/>
-            <ac:spMk id="163" creationId="{8C9D831B-1474-4A35-98F0-2826A355CA81}"/>
-          </ac:spMkLst>
-        </pc:spChg>
-        <pc:spChg chg="add del">
-          <ac:chgData name="Karoline Huth" userId="5ffc0af5-9e46-431a-90db-3541adb3af2d" providerId="ADAL" clId="{051D7D22-969B-4341-897B-DE70709A3043}" dt="2021-05-05T16:32:42.411" v="357" actId="26606"/>
-          <ac:spMkLst>
-            <pc:docMk/>
-            <pc:sldMk cId="1481223272" sldId="294"/>
-            <ac:spMk id="165" creationId="{946410AA-0894-4BBC-A1E1-6BB8EF472BE8}"/>
-          </ac:spMkLst>
-        </pc:spChg>
-        <pc:spChg chg="add del">
-          <ac:chgData name="Karoline Huth" userId="5ffc0af5-9e46-431a-90db-3541adb3af2d" providerId="ADAL" clId="{051D7D22-969B-4341-897B-DE70709A3043}" dt="2021-05-05T16:32:42.411" v="357" actId="26606"/>
-          <ac:spMkLst>
-            <pc:docMk/>
-            <pc:sldMk cId="1481223272" sldId="294"/>
-            <ac:spMk id="167" creationId="{21908082-D0BB-4FF0-A90D-6B6B3DE2AEC2}"/>
-          </ac:spMkLst>
-        </pc:spChg>
-        <pc:spChg chg="add del">
-          <ac:chgData name="Karoline Huth" userId="5ffc0af5-9e46-431a-90db-3541adb3af2d" providerId="ADAL" clId="{051D7D22-969B-4341-897B-DE70709A3043}" dt="2021-05-05T16:32:42.411" v="357" actId="26606"/>
-          <ac:spMkLst>
-            <pc:docMk/>
-            <pc:sldMk cId="1481223272" sldId="294"/>
-            <ac:spMk id="169" creationId="{9419A395-0EE8-465E-9AAC-375DF289DDCD}"/>
-          </ac:spMkLst>
-        </pc:spChg>
-        <pc:spChg chg="add del">
-          <ac:chgData name="Karoline Huth" userId="5ffc0af5-9e46-431a-90db-3541adb3af2d" providerId="ADAL" clId="{051D7D22-969B-4341-897B-DE70709A3043}" dt="2021-05-05T16:32:40.621" v="354" actId="26606"/>
-          <ac:spMkLst>
-            <pc:docMk/>
-            <pc:sldMk cId="1481223272" sldId="294"/>
-            <ac:spMk id="211" creationId="{1284CA7F-B696-4085-84C6-CD668817E685}"/>
-          </ac:spMkLst>
-        </pc:spChg>
-        <pc:spChg chg="add del">
-          <ac:chgData name="Karoline Huth" userId="5ffc0af5-9e46-431a-90db-3541adb3af2d" providerId="ADAL" clId="{051D7D22-969B-4341-897B-DE70709A3043}" dt="2021-05-05T16:32:40.621" v="354" actId="26606"/>
-          <ac:spMkLst>
-            <pc:docMk/>
-            <pc:sldMk cId="1481223272" sldId="294"/>
-            <ac:spMk id="213" creationId="{858A10F4-B847-4777-BC82-782F6FB36E40}"/>
-          </ac:spMkLst>
-        </pc:spChg>
-        <pc:spChg chg="add del">
-          <ac:chgData name="Karoline Huth" userId="5ffc0af5-9e46-431a-90db-3541adb3af2d" providerId="ADAL" clId="{051D7D22-969B-4341-897B-DE70709A3043}" dt="2021-05-05T16:32:40.621" v="354" actId="26606"/>
-          <ac:spMkLst>
-            <pc:docMk/>
-            <pc:sldMk cId="1481223272" sldId="294"/>
-            <ac:spMk id="215" creationId="{8883B597-C9A1-46EF-AB6B-71DF0B1ED4A6}"/>
-          </ac:spMkLst>
-        </pc:spChg>
-        <pc:spChg chg="add del">
-          <ac:chgData name="Karoline Huth" userId="5ffc0af5-9e46-431a-90db-3541adb3af2d" providerId="ADAL" clId="{051D7D22-969B-4341-897B-DE70709A3043}" dt="2021-05-05T16:32:40.621" v="354" actId="26606"/>
-          <ac:spMkLst>
-            <pc:docMk/>
-            <pc:sldMk cId="1481223272" sldId="294"/>
-            <ac:spMk id="217" creationId="{A0B38421-369F-445C-9543-5BC17BC09040}"/>
-          </ac:spMkLst>
-        </pc:spChg>
-        <pc:spChg chg="add del">
-          <ac:chgData name="Karoline Huth" userId="5ffc0af5-9e46-431a-90db-3541adb3af2d" providerId="ADAL" clId="{051D7D22-969B-4341-897B-DE70709A3043}" dt="2021-05-05T16:32:40.621" v="354" actId="26606"/>
-          <ac:spMkLst>
-            <pc:docMk/>
-            <pc:sldMk cId="1481223272" sldId="294"/>
-            <ac:spMk id="219" creationId="{FAA9CE81-CAF0-41E3-8E73-CAFA13A0B1A7}"/>
-          </ac:spMkLst>
-        </pc:spChg>
-        <pc:spChg chg="add del">
-          <ac:chgData name="Karoline Huth" userId="5ffc0af5-9e46-431a-90db-3541adb3af2d" providerId="ADAL" clId="{051D7D22-969B-4341-897B-DE70709A3043}" dt="2021-05-05T16:34:49.731" v="377" actId="26606"/>
-          <ac:spMkLst>
-            <pc:docMk/>
-            <pc:sldMk cId="1481223272" sldId="294"/>
-            <ac:spMk id="221" creationId="{FF417D09-0122-4227-8FDD-2C4C19C68318}"/>
-          </ac:spMkLst>
-        </pc:spChg>
-        <pc:spChg chg="add del">
-          <ac:chgData name="Karoline Huth" userId="5ffc0af5-9e46-431a-90db-3541adb3af2d" providerId="ADAL" clId="{051D7D22-969B-4341-897B-DE70709A3043}" dt="2021-05-05T16:34:49.731" v="377" actId="26606"/>
-          <ac:spMkLst>
-            <pc:docMk/>
-            <pc:sldMk cId="1481223272" sldId="294"/>
-            <ac:spMk id="223" creationId="{FF35A874-2690-497F-80A0-03675049438E}"/>
-          </ac:spMkLst>
-        </pc:spChg>
-        <pc:spChg chg="add del">
-          <ac:chgData name="Karoline Huth" userId="5ffc0af5-9e46-431a-90db-3541adb3af2d" providerId="ADAL" clId="{051D7D22-969B-4341-897B-DE70709A3043}" dt="2021-05-05T16:34:49.731" v="377" actId="26606"/>
-          <ac:spMkLst>
-            <pc:docMk/>
-            <pc:sldMk cId="1481223272" sldId="294"/>
-            <ac:spMk id="225" creationId="{297C449B-67BB-4D99-86C4-E6ECDEA6913F}"/>
-          </ac:spMkLst>
-        </pc:spChg>
-        <pc:spChg chg="add del">
-          <ac:chgData name="Karoline Huth" userId="5ffc0af5-9e46-431a-90db-3541adb3af2d" providerId="ADAL" clId="{051D7D22-969B-4341-897B-DE70709A3043}" dt="2021-05-05T16:34:49.731" v="377" actId="26606"/>
-          <ac:spMkLst>
-            <pc:docMk/>
-            <pc:sldMk cId="1481223272" sldId="294"/>
-            <ac:spMk id="227" creationId="{8C9D831B-1474-4A35-98F0-2826A355CA81}"/>
-          </ac:spMkLst>
-        </pc:spChg>
-        <pc:spChg chg="add del">
-          <ac:chgData name="Karoline Huth" userId="5ffc0af5-9e46-431a-90db-3541adb3af2d" providerId="ADAL" clId="{051D7D22-969B-4341-897B-DE70709A3043}" dt="2021-05-05T16:34:49.731" v="377" actId="26606"/>
-          <ac:spMkLst>
-            <pc:docMk/>
-            <pc:sldMk cId="1481223272" sldId="294"/>
-            <ac:spMk id="229" creationId="{946410AA-0894-4BBC-A1E1-6BB8EF472BE8}"/>
-          </ac:spMkLst>
-        </pc:spChg>
-        <pc:spChg chg="add del">
-          <ac:chgData name="Karoline Huth" userId="5ffc0af5-9e46-431a-90db-3541adb3af2d" providerId="ADAL" clId="{051D7D22-969B-4341-897B-DE70709A3043}" dt="2021-05-05T16:34:49.731" v="377" actId="26606"/>
-          <ac:spMkLst>
-            <pc:docMk/>
-            <pc:sldMk cId="1481223272" sldId="294"/>
-            <ac:spMk id="231" creationId="{21908082-D0BB-4FF0-A90D-6B6B3DE2AEC2}"/>
-          </ac:spMkLst>
-        </pc:spChg>
-        <pc:spChg chg="add del">
-          <ac:chgData name="Karoline Huth" userId="5ffc0af5-9e46-431a-90db-3541adb3af2d" providerId="ADAL" clId="{051D7D22-969B-4341-897B-DE70709A3043}" dt="2021-05-05T16:34:49.731" v="377" actId="26606"/>
-          <ac:spMkLst>
-            <pc:docMk/>
-            <pc:sldMk cId="1481223272" sldId="294"/>
-            <ac:spMk id="233" creationId="{9419A395-0EE8-465E-9AAC-375DF289DDCD}"/>
-          </ac:spMkLst>
-        </pc:spChg>
-        <pc:spChg chg="add">
-          <ac:chgData name="Karoline Huth" userId="5ffc0af5-9e46-431a-90db-3541adb3af2d" providerId="ADAL" clId="{051D7D22-969B-4341-897B-DE70709A3043}" dt="2021-05-05T16:34:49.731" v="377" actId="26606"/>
-          <ac:spMkLst>
-            <pc:docMk/>
-            <pc:sldMk cId="1481223272" sldId="294"/>
-            <ac:spMk id="256" creationId="{1284CA7F-B696-4085-84C6-CD668817E685}"/>
-          </ac:spMkLst>
-        </pc:spChg>
-        <pc:spChg chg="add">
-          <ac:chgData name="Karoline Huth" userId="5ffc0af5-9e46-431a-90db-3541adb3af2d" providerId="ADAL" clId="{051D7D22-969B-4341-897B-DE70709A3043}" dt="2021-05-05T16:34:49.731" v="377" actId="26606"/>
-          <ac:spMkLst>
-            <pc:docMk/>
-            <pc:sldMk cId="1481223272" sldId="294"/>
-            <ac:spMk id="257" creationId="{858A10F4-B847-4777-BC82-782F6FB36E40}"/>
-          </ac:spMkLst>
-        </pc:spChg>
-        <pc:spChg chg="add">
-          <ac:chgData name="Karoline Huth" userId="5ffc0af5-9e46-431a-90db-3541adb3af2d" providerId="ADAL" clId="{051D7D22-969B-4341-897B-DE70709A3043}" dt="2021-05-05T16:34:49.731" v="377" actId="26606"/>
-          <ac:spMkLst>
-            <pc:docMk/>
-            <pc:sldMk cId="1481223272" sldId="294"/>
-            <ac:spMk id="258" creationId="{8883B597-C9A1-46EF-AB6B-71DF0B1ED4A6}"/>
-          </ac:spMkLst>
-        </pc:spChg>
-        <pc:spChg chg="add">
-          <ac:chgData name="Karoline Huth" userId="5ffc0af5-9e46-431a-90db-3541adb3af2d" providerId="ADAL" clId="{051D7D22-969B-4341-897B-DE70709A3043}" dt="2021-05-05T16:34:49.731" v="377" actId="26606"/>
-          <ac:spMkLst>
-            <pc:docMk/>
-            <pc:sldMk cId="1481223272" sldId="294"/>
-            <ac:spMk id="259" creationId="{A0B38421-369F-445C-9543-5BC17BC09040}"/>
-          </ac:spMkLst>
-        </pc:spChg>
-        <pc:spChg chg="add">
-          <ac:chgData name="Karoline Huth" userId="5ffc0af5-9e46-431a-90db-3541adb3af2d" providerId="ADAL" clId="{051D7D22-969B-4341-897B-DE70709A3043}" dt="2021-05-05T16:34:49.731" v="377" actId="26606"/>
-          <ac:spMkLst>
-            <pc:docMk/>
-            <pc:sldMk cId="1481223272" sldId="294"/>
-            <ac:spMk id="260" creationId="{FAA9CE81-CAF0-41E3-8E73-CAFA13A0B1A7}"/>
-          </ac:spMkLst>
-        </pc:spChg>
-        <pc:spChg chg="add del">
-          <ac:chgData name="Karoline Huth" userId="5ffc0af5-9e46-431a-90db-3541adb3af2d" providerId="ADAL" clId="{051D7D22-969B-4341-897B-DE70709A3043}" dt="2021-05-05T16:32:42.386" v="356" actId="26606"/>
-          <ac:spMkLst>
-            <pc:docMk/>
-            <pc:sldMk cId="1481223272" sldId="294"/>
-            <ac:spMk id="2065" creationId="{D1B5A7A9-844F-449B-9F0B-ADA823A93F15}"/>
-          </ac:spMkLst>
-        </pc:spChg>
-        <pc:spChg chg="add del">
-          <ac:chgData name="Karoline Huth" userId="5ffc0af5-9e46-431a-90db-3541adb3af2d" providerId="ADAL" clId="{051D7D22-969B-4341-897B-DE70709A3043}" dt="2021-05-05T16:32:42.386" v="356" actId="26606"/>
-          <ac:spMkLst>
-            <pc:docMk/>
-            <pc:sldMk cId="1481223272" sldId="294"/>
-            <ac:spMk id="2066" creationId="{26EF3366-D369-4699-9224-92DF2A6BD394}"/>
-          </ac:spMkLst>
-        </pc:spChg>
-        <pc:spChg chg="add del">
-          <ac:chgData name="Karoline Huth" userId="5ffc0af5-9e46-431a-90db-3541adb3af2d" providerId="ADAL" clId="{051D7D22-969B-4341-897B-DE70709A3043}" dt="2021-05-05T16:32:42.386" v="356" actId="26606"/>
-          <ac:spMkLst>
-            <pc:docMk/>
-            <pc:sldMk cId="1481223272" sldId="294"/>
-            <ac:spMk id="2067" creationId="{1BC0FF49-4C2C-401A-A538-A520CA00E1F7}"/>
-          </ac:spMkLst>
-        </pc:spChg>
-        <pc:spChg chg="add del">
-          <ac:chgData name="Karoline Huth" userId="5ffc0af5-9e46-431a-90db-3541adb3af2d" providerId="ADAL" clId="{051D7D22-969B-4341-897B-DE70709A3043}" dt="2021-05-05T16:32:42.386" v="356" actId="26606"/>
-          <ac:spMkLst>
-            <pc:docMk/>
-            <pc:sldMk cId="1481223272" sldId="294"/>
-            <ac:spMk id="2068" creationId="{F79205F4-89F3-4686-B966-BBF5CC998C97}"/>
-          </ac:spMkLst>
-        </pc:spChg>
-        <pc:spChg chg="add del">
-          <ac:chgData name="Karoline Huth" userId="5ffc0af5-9e46-431a-90db-3541adb3af2d" providerId="ADAL" clId="{051D7D22-969B-4341-897B-DE70709A3043}" dt="2021-05-05T16:32:42.386" v="356" actId="26606"/>
-          <ac:spMkLst>
-            <pc:docMk/>
-            <pc:sldMk cId="1481223272" sldId="294"/>
-            <ac:spMk id="2069" creationId="{00DBC40C-EA02-4A4D-8449-A1FC9968DDA4}"/>
-          </ac:spMkLst>
-        </pc:spChg>
-        <pc:spChg chg="add del">
-          <ac:chgData name="Karoline Huth" userId="5ffc0af5-9e46-431a-90db-3541adb3af2d" providerId="ADAL" clId="{051D7D22-969B-4341-897B-DE70709A3043}" dt="2021-05-05T16:34:49.731" v="377" actId="26606"/>
-          <ac:spMkLst>
-            <pc:docMk/>
-            <pc:sldMk cId="1481223272" sldId="294"/>
-            <ac:spMk id="2071" creationId="{87DEBA14-FDA2-45EF-9928-4F56DAB2EEAD}"/>
-          </ac:spMkLst>
-        </pc:spChg>
-        <pc:spChg chg="add del">
-          <ac:chgData name="Karoline Huth" userId="5ffc0af5-9e46-431a-90db-3541adb3af2d" providerId="ADAL" clId="{051D7D22-969B-4341-897B-DE70709A3043}" dt="2021-05-05T16:34:49.731" v="377" actId="26606"/>
-          <ac:spMkLst>
-            <pc:docMk/>
-            <pc:sldMk cId="1481223272" sldId="294"/>
-            <ac:spMk id="2072" creationId="{E1FB3D03-386F-4B20-BFF7-5A6FF3C2DF82}"/>
-          </ac:spMkLst>
-        </pc:spChg>
-        <pc:spChg chg="add del">
-          <ac:chgData name="Karoline Huth" userId="5ffc0af5-9e46-431a-90db-3541adb3af2d" providerId="ADAL" clId="{051D7D22-969B-4341-897B-DE70709A3043}" dt="2021-05-05T16:34:49.731" v="377" actId="26606"/>
-          <ac:spMkLst>
-            <pc:docMk/>
-            <pc:sldMk cId="1481223272" sldId="294"/>
-            <ac:spMk id="2073" creationId="{9581B7DD-04B3-4856-8C61-59D7A3F653E2}"/>
-          </ac:spMkLst>
-        </pc:spChg>
-        <pc:spChg chg="add del">
-          <ac:chgData name="Karoline Huth" userId="5ffc0af5-9e46-431a-90db-3541adb3af2d" providerId="ADAL" clId="{051D7D22-969B-4341-897B-DE70709A3043}" dt="2021-05-05T16:34:49.731" v="377" actId="26606"/>
-          <ac:spMkLst>
-            <pc:docMk/>
-            <pc:sldMk cId="1481223272" sldId="294"/>
-            <ac:spMk id="2074" creationId="{1F3C359C-B3DD-4FB2-A6F9-1D519B65BAF4}"/>
-          </ac:spMkLst>
-        </pc:spChg>
-        <pc:spChg chg="add del">
-          <ac:chgData name="Karoline Huth" userId="5ffc0af5-9e46-431a-90db-3541adb3af2d" providerId="ADAL" clId="{051D7D22-969B-4341-897B-DE70709A3043}" dt="2021-05-05T16:34:49.731" v="377" actId="26606"/>
-          <ac:spMkLst>
-            <pc:docMk/>
-            <pc:sldMk cId="1481223272" sldId="294"/>
-            <ac:spMk id="2075" creationId="{0EB2088F-2F1B-43DE-957F-CF2F16D53C11}"/>
-          </ac:spMkLst>
-        </pc:spChg>
-        <pc:picChg chg="del">
-          <ac:chgData name="Karoline Huth" userId="5ffc0af5-9e46-431a-90db-3541adb3af2d" providerId="ADAL" clId="{051D7D22-969B-4341-897B-DE70709A3043}" dt="2021-05-05T16:28:58.323" v="309" actId="478"/>
-          <ac:picMkLst>
-            <pc:docMk/>
-            <pc:sldMk cId="1481223272" sldId="294"/>
-            <ac:picMk id="19" creationId="{AE8060B5-0756-644F-900D-1978A14D917D}"/>
-          </ac:picMkLst>
-        </pc:picChg>
-        <pc:picChg chg="add mod ord">
-          <ac:chgData name="Karoline Huth" userId="5ffc0af5-9e46-431a-90db-3541adb3af2d" providerId="ADAL" clId="{051D7D22-969B-4341-897B-DE70709A3043}" dt="2021-05-05T16:34:49.731" v="377" actId="26606"/>
-          <ac:picMkLst>
-            <pc:docMk/>
-            <pc:sldMk cId="1481223272" sldId="294"/>
-            <ac:picMk id="1026" creationId="{04CC00F9-AF03-CF4C-ADCE-A3C5F9D25504}"/>
-          </ac:picMkLst>
-        </pc:picChg>
-        <pc:picChg chg="add mod ord">
-          <ac:chgData name="Karoline Huth" userId="5ffc0af5-9e46-431a-90db-3541adb3af2d" providerId="ADAL" clId="{051D7D22-969B-4341-897B-DE70709A3043}" dt="2021-05-05T16:35:12.259" v="379"/>
-          <ac:picMkLst>
-            <pc:docMk/>
-            <pc:sldMk cId="1481223272" sldId="294"/>
-            <ac:picMk id="1028" creationId="{087CED4A-745C-2346-9270-B91DA2437FEB}"/>
-          </ac:picMkLst>
-        </pc:picChg>
-        <pc:picChg chg="add mod ord">
-          <ac:chgData name="Karoline Huth" userId="5ffc0af5-9e46-431a-90db-3541adb3af2d" providerId="ADAL" clId="{051D7D22-969B-4341-897B-DE70709A3043}" dt="2021-05-05T16:34:49.731" v="377" actId="26606"/>
-          <ac:picMkLst>
-            <pc:docMk/>
-            <pc:sldMk cId="1481223272" sldId="294"/>
-            <ac:picMk id="1030" creationId="{1B7D7AA6-E3B1-2C45-945B-E092E4F78CE4}"/>
-          </ac:picMkLst>
-        </pc:picChg>
-        <pc:picChg chg="add mod ord">
-          <ac:chgData name="Karoline Huth" userId="5ffc0af5-9e46-431a-90db-3541adb3af2d" providerId="ADAL" clId="{051D7D22-969B-4341-897B-DE70709A3043}" dt="2021-05-05T16:34:49.731" v="377" actId="26606"/>
-          <ac:picMkLst>
-            <pc:docMk/>
-            <pc:sldMk cId="1481223272" sldId="294"/>
-            <ac:picMk id="1032" creationId="{0808E7A6-6A6A-A44C-B948-2E1D14D2777B}"/>
-          </ac:picMkLst>
-        </pc:picChg>
-        <pc:picChg chg="mod ord">
-          <ac:chgData name="Karoline Huth" userId="5ffc0af5-9e46-431a-90db-3541adb3af2d" providerId="ADAL" clId="{051D7D22-969B-4341-897B-DE70709A3043}" dt="2021-05-05T16:34:49.731" v="377" actId="26606"/>
-          <ac:picMkLst>
-            <pc:docMk/>
-            <pc:sldMk cId="1481223272" sldId="294"/>
-            <ac:picMk id="2062" creationId="{1961C07D-49FA-484C-916F-36E9028C7FF9}"/>
-          </ac:picMkLst>
-        </pc:picChg>
-        <pc:picChg chg="del">
-          <ac:chgData name="Karoline Huth" userId="5ffc0af5-9e46-431a-90db-3541adb3af2d" providerId="ADAL" clId="{051D7D22-969B-4341-897B-DE70709A3043}" dt="2021-05-05T16:28:57.207" v="308" actId="478"/>
-          <ac:picMkLst>
-            <pc:docMk/>
-            <pc:sldMk cId="1481223272" sldId="294"/>
-            <ac:picMk id="2064" creationId="{8BD5CE09-F904-FA4A-9170-34E23D0F56D7}"/>
-          </ac:picMkLst>
-        </pc:picChg>
-      </pc:sldChg>
-      <pc:sldChg chg="addSp delSp modSp add mod modAnim modNotesTx">
-        <pc:chgData name="Karoline Huth" userId="5ffc0af5-9e46-431a-90db-3541adb3af2d" providerId="ADAL" clId="{051D7D22-969B-4341-897B-DE70709A3043}" dt="2021-05-06T14:55:25.419" v="2110" actId="20577"/>
-        <pc:sldMkLst>
-          <pc:docMk/>
-          <pc:sldMk cId="3675923444" sldId="295"/>
-        </pc:sldMkLst>
-        <pc:spChg chg="add mod">
-          <ac:chgData name="Karoline Huth" userId="5ffc0af5-9e46-431a-90db-3541adb3af2d" providerId="ADAL" clId="{051D7D22-969B-4341-897B-DE70709A3043}" dt="2021-05-06T06:24:37.368" v="420" actId="1076"/>
-          <ac:spMkLst>
-            <pc:docMk/>
-            <pc:sldMk cId="3675923444" sldId="295"/>
-            <ac:spMk id="2" creationId="{97483885-2055-064D-AEA3-CEFC56F340BB}"/>
-          </ac:spMkLst>
-        </pc:spChg>
-        <pc:spChg chg="del">
-          <ac:chgData name="Karoline Huth" userId="5ffc0af5-9e46-431a-90db-3541adb3af2d" providerId="ADAL" clId="{051D7D22-969B-4341-897B-DE70709A3043}" dt="2021-05-06T06:22:08.079" v="381" actId="478"/>
-          <ac:spMkLst>
-            <pc:docMk/>
-            <pc:sldMk cId="3675923444" sldId="295"/>
-            <ac:spMk id="4" creationId="{B4CC22D3-93AD-8E4A-9B22-044137A5780B}"/>
-          </ac:spMkLst>
-        </pc:spChg>
-        <pc:spChg chg="del">
-          <ac:chgData name="Karoline Huth" userId="5ffc0af5-9e46-431a-90db-3541adb3af2d" providerId="ADAL" clId="{051D7D22-969B-4341-897B-DE70709A3043}" dt="2021-05-06T06:22:09.538" v="382" actId="478"/>
-          <ac:spMkLst>
-            <pc:docMk/>
-            <pc:sldMk cId="3675923444" sldId="295"/>
-            <ac:spMk id="5" creationId="{FC0C3997-09F0-3A44-990A-66B1B5F67DC5}"/>
-          </ac:spMkLst>
-        </pc:spChg>
-        <pc:spChg chg="del">
-          <ac:chgData name="Karoline Huth" userId="5ffc0af5-9e46-431a-90db-3541adb3af2d" providerId="ADAL" clId="{051D7D22-969B-4341-897B-DE70709A3043}" dt="2021-05-06T06:22:08.079" v="381" actId="478"/>
-          <ac:spMkLst>
-            <pc:docMk/>
-            <pc:sldMk cId="3675923444" sldId="295"/>
-            <ac:spMk id="14" creationId="{AFE8F270-7AA5-2447-9264-EA332B3EEA35}"/>
-          </ac:spMkLst>
-        </pc:spChg>
-        <pc:spChg chg="del">
-          <ac:chgData name="Karoline Huth" userId="5ffc0af5-9e46-431a-90db-3541adb3af2d" providerId="ADAL" clId="{051D7D22-969B-4341-897B-DE70709A3043}" dt="2021-05-06T06:22:08.079" v="381" actId="478"/>
-          <ac:spMkLst>
-            <pc:docMk/>
-            <pc:sldMk cId="3675923444" sldId="295"/>
-            <ac:spMk id="15" creationId="{66139BE3-A985-574D-B29E-BE4661B8BCD5}"/>
-          </ac:spMkLst>
-        </pc:spChg>
-        <pc:spChg chg="del">
-          <ac:chgData name="Karoline Huth" userId="5ffc0af5-9e46-431a-90db-3541adb3af2d" providerId="ADAL" clId="{051D7D22-969B-4341-897B-DE70709A3043}" dt="2021-05-06T06:22:08.079" v="381" actId="478"/>
-          <ac:spMkLst>
-            <pc:docMk/>
-            <pc:sldMk cId="3675923444" sldId="295"/>
-            <ac:spMk id="18" creationId="{98EA6D4E-C762-244B-9E6E-78471EEFCE6D}"/>
-          </ac:spMkLst>
-        </pc:spChg>
-        <pc:spChg chg="del">
-          <ac:chgData name="Karoline Huth" userId="5ffc0af5-9e46-431a-90db-3541adb3af2d" providerId="ADAL" clId="{051D7D22-969B-4341-897B-DE70709A3043}" dt="2021-05-06T06:22:08.079" v="381" actId="478"/>
-          <ac:spMkLst>
-            <pc:docMk/>
-            <pc:sldMk cId="3675923444" sldId="295"/>
-            <ac:spMk id="21" creationId="{68259B87-5A5C-CB49-9DEE-3B8710CC74C9}"/>
-          </ac:spMkLst>
-        </pc:spChg>
-        <pc:spChg chg="add mod">
-          <ac:chgData name="Karoline Huth" userId="5ffc0af5-9e46-431a-90db-3541adb3af2d" providerId="ADAL" clId="{051D7D22-969B-4341-897B-DE70709A3043}" dt="2021-05-06T06:24:26.202" v="416" actId="1076"/>
-          <ac:spMkLst>
-            <pc:docMk/>
-            <pc:sldMk cId="3675923444" sldId="295"/>
-            <ac:spMk id="23" creationId="{DDE25E98-BBF4-9B4D-BA92-6F77C5719D0C}"/>
-          </ac:spMkLst>
-        </pc:spChg>
-        <pc:spChg chg="add mod">
-          <ac:chgData name="Karoline Huth" userId="5ffc0af5-9e46-431a-90db-3541adb3af2d" providerId="ADAL" clId="{051D7D22-969B-4341-897B-DE70709A3043}" dt="2021-05-06T06:25:28.204" v="434" actId="14100"/>
-          <ac:spMkLst>
-            <pc:docMk/>
-            <pc:sldMk cId="3675923444" sldId="295"/>
-            <ac:spMk id="27" creationId="{49A8D417-3C0E-034E-B739-1474D54D05B2}"/>
-          </ac:spMkLst>
-        </pc:spChg>
-        <pc:spChg chg="add mod">
-          <ac:chgData name="Karoline Huth" userId="5ffc0af5-9e46-431a-90db-3541adb3af2d" providerId="ADAL" clId="{051D7D22-969B-4341-897B-DE70709A3043}" dt="2021-05-06T06:25:44.936" v="441" actId="1076"/>
-          <ac:spMkLst>
-            <pc:docMk/>
-            <pc:sldMk cId="3675923444" sldId="295"/>
-            <ac:spMk id="28" creationId="{49110972-17A3-BF44-8CFA-A7C6785AE74A}"/>
-          </ac:spMkLst>
-        </pc:spChg>
-        <pc:picChg chg="add del mod">
-          <ac:chgData name="Karoline Huth" userId="5ffc0af5-9e46-431a-90db-3541adb3af2d" providerId="ADAL" clId="{051D7D22-969B-4341-897B-DE70709A3043}" dt="2021-05-06T06:22:21.780" v="384" actId="478"/>
-          <ac:picMkLst>
-            <pc:docMk/>
-            <pc:sldMk cId="3675923444" sldId="295"/>
-            <ac:picMk id="11" creationId="{6541A80C-81F0-A548-906B-C0A01F4B8810}"/>
-          </ac:picMkLst>
-        </pc:picChg>
-        <pc:picChg chg="add mod">
-          <ac:chgData name="Karoline Huth" userId="5ffc0af5-9e46-431a-90db-3541adb3af2d" providerId="ADAL" clId="{051D7D22-969B-4341-897B-DE70709A3043}" dt="2021-05-06T06:31:18.326" v="516" actId="166"/>
-          <ac:picMkLst>
-            <pc:docMk/>
-            <pc:sldMk cId="3675923444" sldId="295"/>
-            <ac:picMk id="12" creationId="{93B72211-A1E1-4B4D-82F6-598718217977}"/>
-          </ac:picMkLst>
-        </pc:picChg>
-        <pc:picChg chg="add mod">
-          <ac:chgData name="Karoline Huth" userId="5ffc0af5-9e46-431a-90db-3541adb3af2d" providerId="ADAL" clId="{051D7D22-969B-4341-897B-DE70709A3043}" dt="2021-05-06T06:28:52.053" v="448" actId="1076"/>
-          <ac:picMkLst>
-            <pc:docMk/>
-            <pc:sldMk cId="3675923444" sldId="295"/>
-            <ac:picMk id="13" creationId="{1A697DA5-5C16-A448-8ECC-2EB8BF79B0B9}"/>
-          </ac:picMkLst>
-        </pc:picChg>
-        <pc:picChg chg="add mod">
-          <ac:chgData name="Karoline Huth" userId="5ffc0af5-9e46-431a-90db-3541adb3af2d" providerId="ADAL" clId="{051D7D22-969B-4341-897B-DE70709A3043}" dt="2021-05-06T06:29:01.061" v="451" actId="1076"/>
-          <ac:picMkLst>
-            <pc:docMk/>
-            <pc:sldMk cId="3675923444" sldId="295"/>
-            <ac:picMk id="16" creationId="{19B8F73D-C555-3C42-B05A-71CDD28546CA}"/>
-          </ac:picMkLst>
-        </pc:picChg>
-        <pc:picChg chg="add mod">
-          <ac:chgData name="Karoline Huth" userId="5ffc0af5-9e46-431a-90db-3541adb3af2d" providerId="ADAL" clId="{051D7D22-969B-4341-897B-DE70709A3043}" dt="2021-05-06T13:10:12.011" v="1451" actId="1076"/>
-          <ac:picMkLst>
-            <pc:docMk/>
-            <pc:sldMk cId="3675923444" sldId="295"/>
-            <ac:picMk id="17" creationId="{49177971-FDA5-F348-9C8A-E6D42DDDDD08}"/>
-          </ac:picMkLst>
-        </pc:picChg>
-        <pc:picChg chg="del">
-          <ac:chgData name="Karoline Huth" userId="5ffc0af5-9e46-431a-90db-3541adb3af2d" providerId="ADAL" clId="{051D7D22-969B-4341-897B-DE70709A3043}" dt="2021-05-06T06:22:08.079" v="381" actId="478"/>
-          <ac:picMkLst>
-            <pc:docMk/>
-            <pc:sldMk cId="3675923444" sldId="295"/>
-            <ac:picMk id="19" creationId="{AE8060B5-0756-644F-900D-1978A14D917D}"/>
-          </ac:picMkLst>
-        </pc:picChg>
-        <pc:picChg chg="add mod">
-          <ac:chgData name="Karoline Huth" userId="5ffc0af5-9e46-431a-90db-3541adb3af2d" providerId="ADAL" clId="{051D7D22-969B-4341-897B-DE70709A3043}" dt="2021-05-06T06:28:55.625" v="449" actId="1076"/>
-          <ac:picMkLst>
-            <pc:docMk/>
-            <pc:sldMk cId="3675923444" sldId="295"/>
-            <ac:picMk id="20" creationId="{124631E1-21FC-C348-AF72-C2238439208D}"/>
-          </ac:picMkLst>
-        </pc:picChg>
-        <pc:picChg chg="del">
-          <ac:chgData name="Karoline Huth" userId="5ffc0af5-9e46-431a-90db-3541adb3af2d" providerId="ADAL" clId="{051D7D22-969B-4341-897B-DE70709A3043}" dt="2021-05-06T06:22:08.079" v="381" actId="478"/>
-          <ac:picMkLst>
-            <pc:docMk/>
-            <pc:sldMk cId="3675923444" sldId="295"/>
-            <ac:picMk id="2062" creationId="{1961C07D-49FA-484C-916F-36E9028C7FF9}"/>
-          </ac:picMkLst>
-        </pc:picChg>
-        <pc:picChg chg="del">
-          <ac:chgData name="Karoline Huth" userId="5ffc0af5-9e46-431a-90db-3541adb3af2d" providerId="ADAL" clId="{051D7D22-969B-4341-897B-DE70709A3043}" dt="2021-05-06T06:22:08.079" v="381" actId="478"/>
-          <ac:picMkLst>
-            <pc:docMk/>
-            <pc:sldMk cId="3675923444" sldId="295"/>
-            <ac:picMk id="2064" creationId="{8BD5CE09-F904-FA4A-9170-34E23D0F56D7}"/>
-          </ac:picMkLst>
-        </pc:picChg>
-        <pc:cxnChg chg="add mod">
-          <ac:chgData name="Karoline Huth" userId="5ffc0af5-9e46-431a-90db-3541adb3af2d" providerId="ADAL" clId="{051D7D22-969B-4341-897B-DE70709A3043}" dt="2021-05-06T06:24:44.996" v="422" actId="14100"/>
-          <ac:cxnSpMkLst>
-            <pc:docMk/>
-            <pc:sldMk cId="3675923444" sldId="295"/>
-            <ac:cxnSpMk id="6" creationId="{4A46E630-DD6E-0143-B48B-7C2A8B42E210}"/>
-          </ac:cxnSpMkLst>
-        </pc:cxnChg>
-        <pc:cxnChg chg="add mod">
-          <ac:chgData name="Karoline Huth" userId="5ffc0af5-9e46-431a-90db-3541adb3af2d" providerId="ADAL" clId="{051D7D22-969B-4341-897B-DE70709A3043}" dt="2021-05-06T06:31:12.409" v="515" actId="14100"/>
-          <ac:cxnSpMkLst>
-            <pc:docMk/>
-            <pc:sldMk cId="3675923444" sldId="295"/>
-            <ac:cxnSpMk id="25" creationId="{669E38E4-BDBA-394C-9E64-EE5B4801873B}"/>
-          </ac:cxnSpMkLst>
-        </pc:cxnChg>
-        <pc:cxnChg chg="add mod">
-          <ac:chgData name="Karoline Huth" userId="5ffc0af5-9e46-431a-90db-3541adb3af2d" providerId="ADAL" clId="{051D7D22-969B-4341-897B-DE70709A3043}" dt="2021-05-06T06:29:18.532" v="457" actId="14100"/>
-          <ac:cxnSpMkLst>
-            <pc:docMk/>
-            <pc:sldMk cId="3675923444" sldId="295"/>
-            <ac:cxnSpMk id="29" creationId="{3EB1A140-5DFC-3E45-B31C-54FBE37F8B1F}"/>
-          </ac:cxnSpMkLst>
-        </pc:cxnChg>
-        <pc:cxnChg chg="add mod">
-          <ac:chgData name="Karoline Huth" userId="5ffc0af5-9e46-431a-90db-3541adb3af2d" providerId="ADAL" clId="{051D7D22-969B-4341-897B-DE70709A3043}" dt="2021-05-06T06:29:38.945" v="499" actId="14100"/>
-          <ac:cxnSpMkLst>
-            <pc:docMk/>
-            <pc:sldMk cId="3675923444" sldId="295"/>
-            <ac:cxnSpMk id="34" creationId="{BFB1FF43-F340-0A41-8854-DEB8AB41FACF}"/>
-          </ac:cxnSpMkLst>
-        </pc:cxnChg>
-        <pc:cxnChg chg="add mod">
-          <ac:chgData name="Karoline Huth" userId="5ffc0af5-9e46-431a-90db-3541adb3af2d" providerId="ADAL" clId="{051D7D22-969B-4341-897B-DE70709A3043}" dt="2021-05-06T06:29:57.451" v="504" actId="1076"/>
-          <ac:cxnSpMkLst>
-            <pc:docMk/>
-            <pc:sldMk cId="3675923444" sldId="295"/>
-            <ac:cxnSpMk id="37" creationId="{10A71ADE-9A58-804D-A40C-CC2C81037A29}"/>
-          </ac:cxnSpMkLst>
-        </pc:cxnChg>
-        <pc:cxnChg chg="add mod">
-          <ac:chgData name="Karoline Huth" userId="5ffc0af5-9e46-431a-90db-3541adb3af2d" providerId="ADAL" clId="{051D7D22-969B-4341-897B-DE70709A3043}" dt="2021-05-06T06:30:09.126" v="507" actId="14100"/>
-          <ac:cxnSpMkLst>
-            <pc:docMk/>
-            <pc:sldMk cId="3675923444" sldId="295"/>
-            <ac:cxnSpMk id="39" creationId="{22E8D1CA-2C3E-464F-B50F-B2011175870A}"/>
-          </ac:cxnSpMkLst>
-        </pc:cxnChg>
-        <pc:cxnChg chg="add mod">
-          <ac:chgData name="Karoline Huth" userId="5ffc0af5-9e46-431a-90db-3541adb3af2d" providerId="ADAL" clId="{051D7D22-969B-4341-897B-DE70709A3043}" dt="2021-05-06T07:06:47.092" v="1290" actId="14100"/>
-          <ac:cxnSpMkLst>
-            <pc:docMk/>
-            <pc:sldMk cId="3675923444" sldId="295"/>
-            <ac:cxnSpMk id="41" creationId="{C18F8881-D312-F84F-88BA-3652488E0327}"/>
-          </ac:cxnSpMkLst>
-        </pc:cxnChg>
-      </pc:sldChg>
-      <pc:sldChg chg="addSp delSp modSp add del mod delAnim modShow modNotesTx">
-        <pc:chgData name="Karoline Huth" userId="5ffc0af5-9e46-431a-90db-3541adb3af2d" providerId="ADAL" clId="{051D7D22-969B-4341-897B-DE70709A3043}" dt="2021-05-06T13:06:56.206" v="1338" actId="729"/>
-        <pc:sldMkLst>
-          <pc:docMk/>
-          <pc:sldMk cId="2650014235" sldId="296"/>
-        </pc:sldMkLst>
-        <pc:spChg chg="mod">
-          <ac:chgData name="Karoline Huth" userId="5ffc0af5-9e46-431a-90db-3541adb3af2d" providerId="ADAL" clId="{051D7D22-969B-4341-897B-DE70709A3043}" dt="2021-05-06T08:56:11.545" v="1327" actId="20577"/>
-          <ac:spMkLst>
-            <pc:docMk/>
-            <pc:sldMk cId="2650014235" sldId="296"/>
-            <ac:spMk id="6" creationId="{5035EED6-C86E-0B4F-ADE8-845324103C90}"/>
-          </ac:spMkLst>
-        </pc:spChg>
-        <pc:spChg chg="del">
-          <ac:chgData name="Karoline Huth" userId="5ffc0af5-9e46-431a-90db-3541adb3af2d" providerId="ADAL" clId="{051D7D22-969B-4341-897B-DE70709A3043}" dt="2021-05-06T08:56:15.752" v="1328" actId="478"/>
-          <ac:spMkLst>
-            <pc:docMk/>
-            <pc:sldMk cId="2650014235" sldId="296"/>
-            <ac:spMk id="8" creationId="{ED16A506-1292-B546-969C-435BE7C68315}"/>
-          </ac:spMkLst>
-        </pc:spChg>
-        <pc:spChg chg="del">
-          <ac:chgData name="Karoline Huth" userId="5ffc0af5-9e46-431a-90db-3541adb3af2d" providerId="ADAL" clId="{051D7D22-969B-4341-897B-DE70709A3043}" dt="2021-05-06T08:56:15.752" v="1328" actId="478"/>
-          <ac:spMkLst>
-            <pc:docMk/>
-            <pc:sldMk cId="2650014235" sldId="296"/>
-            <ac:spMk id="9" creationId="{703214F8-9A51-CE4C-A15E-440FCC1EC012}"/>
-          </ac:spMkLst>
-        </pc:spChg>
-        <pc:spChg chg="del">
-          <ac:chgData name="Karoline Huth" userId="5ffc0af5-9e46-431a-90db-3541adb3af2d" providerId="ADAL" clId="{051D7D22-969B-4341-897B-DE70709A3043}" dt="2021-05-06T08:56:15.752" v="1328" actId="478"/>
-          <ac:spMkLst>
-            <pc:docMk/>
-            <pc:sldMk cId="2650014235" sldId="296"/>
-            <ac:spMk id="10" creationId="{1EB90E50-D793-1347-AD12-35DBD4C534B2}"/>
-          </ac:spMkLst>
-        </pc:spChg>
-        <pc:picChg chg="del">
-          <ac:chgData name="Karoline Huth" userId="5ffc0af5-9e46-431a-90db-3541adb3af2d" providerId="ADAL" clId="{051D7D22-969B-4341-897B-DE70709A3043}" dt="2021-05-06T08:56:15.752" v="1328" actId="478"/>
-          <ac:picMkLst>
-            <pc:docMk/>
-            <pc:sldMk cId="2650014235" sldId="296"/>
-            <ac:picMk id="7" creationId="{BF890013-F7DD-7545-8013-A924ABF0CEC4}"/>
-          </ac:picMkLst>
-        </pc:picChg>
-        <pc:picChg chg="add del mod">
-          <ac:chgData name="Karoline Huth" userId="5ffc0af5-9e46-431a-90db-3541adb3af2d" providerId="ADAL" clId="{051D7D22-969B-4341-897B-DE70709A3043}" dt="2021-05-06T12:27:25.615" v="1334" actId="478"/>
-          <ac:picMkLst>
-            <pc:docMk/>
-            <pc:sldMk cId="2650014235" sldId="296"/>
-            <ac:picMk id="11" creationId="{D714D3CA-8E80-F046-9F5B-E966EDAB46FF}"/>
-          </ac:picMkLst>
-        </pc:picChg>
-        <pc:picChg chg="add mod">
-          <ac:chgData name="Karoline Huth" userId="5ffc0af5-9e46-431a-90db-3541adb3af2d" providerId="ADAL" clId="{051D7D22-969B-4341-897B-DE70709A3043}" dt="2021-05-06T12:27:26.644" v="1335"/>
-          <ac:picMkLst>
-            <pc:docMk/>
-            <pc:sldMk cId="2650014235" sldId="296"/>
-            <ac:picMk id="13" creationId="{0297CD7C-2A49-4E41-BA92-23CA3AA6850C}"/>
-          </ac:picMkLst>
-        </pc:picChg>
-      </pc:sldChg>
-      <pc:sldChg chg="add">
-        <pc:chgData name="Karoline Huth" userId="5ffc0af5-9e46-431a-90db-3541adb3af2d" providerId="ADAL" clId="{051D7D22-969B-4341-897B-DE70709A3043}" dt="2021-05-06T12:26:24.888" v="1333"/>
-        <pc:sldMkLst>
-          <pc:docMk/>
-          <pc:sldMk cId="1982708606" sldId="297"/>
-        </pc:sldMkLst>
-      </pc:sldChg>
-    </pc:docChg>
-  </pc:docChgLst>
-  <pc:docChgLst>
-    <pc:chgData name="Nikola Sekulovski" userId="2345901e-73d2-462d-8b82-8af2d9a2a087" providerId="ADAL" clId="{71279A99-98ED-44FF-9DB4-6C773ED29B17}"/>
-    <pc:docChg chg="undo custSel modSld sldOrd">
-      <pc:chgData name="Nikola Sekulovski" userId="2345901e-73d2-462d-8b82-8af2d9a2a087" providerId="ADAL" clId="{71279A99-98ED-44FF-9DB4-6C773ED29B17}" dt="2024-09-16T11:43:51.921" v="87"/>
-      <pc:docMkLst>
-        <pc:docMk/>
-      </pc:docMkLst>
-      <pc:sldChg chg="addSp delSp modSp mod">
-        <pc:chgData name="Nikola Sekulovski" userId="2345901e-73d2-462d-8b82-8af2d9a2a087" providerId="ADAL" clId="{71279A99-98ED-44FF-9DB4-6C773ED29B17}" dt="2024-09-16T11:41:18.411" v="48" actId="1076"/>
-        <pc:sldMkLst>
-          <pc:docMk/>
-          <pc:sldMk cId="3501034909" sldId="293"/>
-        </pc:sldMkLst>
-        <pc:spChg chg="add del">
-          <ac:chgData name="Nikola Sekulovski" userId="2345901e-73d2-462d-8b82-8af2d9a2a087" providerId="ADAL" clId="{71279A99-98ED-44FF-9DB4-6C773ED29B17}" dt="2024-09-16T11:38:44.497" v="11" actId="22"/>
-          <ac:spMkLst>
-            <pc:docMk/>
-            <pc:sldMk cId="3501034909" sldId="293"/>
-            <ac:spMk id="3" creationId="{4EF4EACC-8DA9-E2D1-975C-499F0D91EB5A}"/>
-          </ac:spMkLst>
-        </pc:spChg>
-        <pc:spChg chg="del">
-          <ac:chgData name="Nikola Sekulovski" userId="2345901e-73d2-462d-8b82-8af2d9a2a087" providerId="ADAL" clId="{71279A99-98ED-44FF-9DB4-6C773ED29B17}" dt="2024-09-16T11:36:58.907" v="3" actId="21"/>
-          <ac:spMkLst>
-            <pc:docMk/>
-            <pc:sldMk cId="3501034909" sldId="293"/>
-            <ac:spMk id="5" creationId="{930A2F51-60C4-DA41-B95E-49F3CC2CFC1E}"/>
-          </ac:spMkLst>
-        </pc:spChg>
-        <pc:spChg chg="add del mod">
-          <ac:chgData name="Nikola Sekulovski" userId="2345901e-73d2-462d-8b82-8af2d9a2a087" providerId="ADAL" clId="{71279A99-98ED-44FF-9DB4-6C773ED29B17}" dt="2024-09-16T11:41:13.374" v="46" actId="21"/>
-          <ac:spMkLst>
-            <pc:docMk/>
-            <pc:sldMk cId="3501034909" sldId="293"/>
-            <ac:spMk id="6" creationId="{AB4DB16C-EA33-1761-0133-7728AA2FD4A5}"/>
-          </ac:spMkLst>
-        </pc:spChg>
-        <pc:spChg chg="mod">
-          <ac:chgData name="Nikola Sekulovski" userId="2345901e-73d2-462d-8b82-8af2d9a2a087" providerId="ADAL" clId="{71279A99-98ED-44FF-9DB4-6C773ED29B17}" dt="2024-09-16T11:37:03.477" v="4" actId="20577"/>
-          <ac:spMkLst>
-            <pc:docMk/>
-            <pc:sldMk cId="3501034909" sldId="293"/>
-            <ac:spMk id="7" creationId="{EA29F227-3810-4945-BD9F-54E29C8A97C2}"/>
-          </ac:spMkLst>
-        </pc:spChg>
-        <pc:spChg chg="mod">
-          <ac:chgData name="Nikola Sekulovski" userId="2345901e-73d2-462d-8b82-8af2d9a2a087" providerId="ADAL" clId="{71279A99-98ED-44FF-9DB4-6C773ED29B17}" dt="2024-09-16T11:40:42.495" v="40" actId="1076"/>
-          <ac:spMkLst>
-            <pc:docMk/>
-            <pc:sldMk cId="3501034909" sldId="293"/>
-            <ac:spMk id="9" creationId="{9DBB3712-925F-7541-A2BA-3667F2CB2885}"/>
-          </ac:spMkLst>
-        </pc:spChg>
-        <pc:spChg chg="mod">
-          <ac:chgData name="Nikola Sekulovski" userId="2345901e-73d2-462d-8b82-8af2d9a2a087" providerId="ADAL" clId="{71279A99-98ED-44FF-9DB4-6C773ED29B17}" dt="2024-09-16T11:39:21.652" v="23" actId="1076"/>
-          <ac:spMkLst>
-            <pc:docMk/>
-            <pc:sldMk cId="3501034909" sldId="293"/>
-            <ac:spMk id="10" creationId="{25135258-86AA-DD4B-94B3-F565A335C42A}"/>
-          </ac:spMkLst>
-        </pc:spChg>
-        <pc:spChg chg="mod">
-          <ac:chgData name="Nikola Sekulovski" userId="2345901e-73d2-462d-8b82-8af2d9a2a087" providerId="ADAL" clId="{71279A99-98ED-44FF-9DB4-6C773ED29B17}" dt="2024-09-16T11:39:40.979" v="30" actId="1076"/>
-          <ac:spMkLst>
-            <pc:docMk/>
-            <pc:sldMk cId="3501034909" sldId="293"/>
-            <ac:spMk id="11" creationId="{2A82E7EC-5634-5C4D-A428-6797F1086FBC}"/>
-          </ac:spMkLst>
-        </pc:spChg>
-        <pc:picChg chg="del">
-          <ac:chgData name="Nikola Sekulovski" userId="2345901e-73d2-462d-8b82-8af2d9a2a087" providerId="ADAL" clId="{71279A99-98ED-44FF-9DB4-6C773ED29B17}" dt="2024-09-16T11:37:08.897" v="6" actId="21"/>
-          <ac:picMkLst>
-            <pc:docMk/>
-            <pc:sldMk cId="3501034909" sldId="293"/>
-            <ac:picMk id="17" creationId="{03FAA240-8827-4947-BE1B-FEF70BF7D287}"/>
-          </ac:picMkLst>
-        </pc:picChg>
-        <pc:picChg chg="del">
-          <ac:chgData name="Nikola Sekulovski" userId="2345901e-73d2-462d-8b82-8af2d9a2a087" providerId="ADAL" clId="{71279A99-98ED-44FF-9DB4-6C773ED29B17}" dt="2024-09-16T11:37:05.579" v="5" actId="21"/>
-          <ac:picMkLst>
-            <pc:docMk/>
-            <pc:sldMk cId="3501034909" sldId="293"/>
-            <ac:picMk id="19" creationId="{46A5BAB7-DB81-A94B-A8D5-5F24B8132573}"/>
-          </ac:picMkLst>
-        </pc:picChg>
-        <pc:picChg chg="mod">
-          <ac:chgData name="Nikola Sekulovski" userId="2345901e-73d2-462d-8b82-8af2d9a2a087" providerId="ADAL" clId="{71279A99-98ED-44FF-9DB4-6C773ED29B17}" dt="2024-09-16T11:41:18.411" v="48" actId="1076"/>
-          <ac:picMkLst>
-            <pc:docMk/>
-            <pc:sldMk cId="3501034909" sldId="293"/>
-            <ac:picMk id="20" creationId="{17CB6D78-6AB5-6140-A04C-491D0F7B635C}"/>
-          </ac:picMkLst>
-        </pc:picChg>
-        <pc:picChg chg="add mod">
-          <ac:chgData name="Nikola Sekulovski" userId="2345901e-73d2-462d-8b82-8af2d9a2a087" providerId="ADAL" clId="{71279A99-98ED-44FF-9DB4-6C773ED29B17}" dt="2024-09-16T11:41:15.014" v="47" actId="1076"/>
-          <ac:picMkLst>
-            <pc:docMk/>
-            <pc:sldMk cId="3501034909" sldId="293"/>
-            <ac:picMk id="1026" creationId="{09113EF3-99F3-E64A-F954-772A4A9F8A74}"/>
-          </ac:picMkLst>
-        </pc:picChg>
-        <pc:cxnChg chg="mod">
-          <ac:chgData name="Nikola Sekulovski" userId="2345901e-73d2-462d-8b82-8af2d9a2a087" providerId="ADAL" clId="{71279A99-98ED-44FF-9DB4-6C773ED29B17}" dt="2024-09-16T11:39:26.727" v="24" actId="1076"/>
-          <ac:cxnSpMkLst>
-            <pc:docMk/>
-            <pc:sldMk cId="3501034909" sldId="293"/>
-            <ac:cxnSpMk id="12" creationId="{B869CFE4-76EB-2348-B9B3-0B5CC838ACF1}"/>
-          </ac:cxnSpMkLst>
-        </pc:cxnChg>
-      </pc:sldChg>
-      <pc:sldChg chg="addSp delSp modSp">
-        <pc:chgData name="Nikola Sekulovski" userId="2345901e-73d2-462d-8b82-8af2d9a2a087" providerId="ADAL" clId="{71279A99-98ED-44FF-9DB4-6C773ED29B17}" dt="2024-09-16T11:43:15.383" v="83" actId="1076"/>
-        <pc:sldMkLst>
-          <pc:docMk/>
-          <pc:sldMk cId="3116476232" sldId="594"/>
-        </pc:sldMkLst>
-        <pc:picChg chg="add mod">
-          <ac:chgData name="Nikola Sekulovski" userId="2345901e-73d2-462d-8b82-8af2d9a2a087" providerId="ADAL" clId="{71279A99-98ED-44FF-9DB4-6C773ED29B17}" dt="2024-09-16T11:43:05.735" v="81" actId="1076"/>
-          <ac:picMkLst>
-            <pc:docMk/>
-            <pc:sldMk cId="3116476232" sldId="594"/>
-            <ac:picMk id="2050" creationId="{258739DC-43E7-C767-5E27-1BAD4753FB25}"/>
-          </ac:picMkLst>
-        </pc:picChg>
-        <pc:picChg chg="mod">
-          <ac:chgData name="Nikola Sekulovski" userId="2345901e-73d2-462d-8b82-8af2d9a2a087" providerId="ADAL" clId="{71279A99-98ED-44FF-9DB4-6C773ED29B17}" dt="2024-09-16T11:43:15.383" v="83" actId="1076"/>
-          <ac:picMkLst>
-            <pc:docMk/>
-            <pc:sldMk cId="3116476232" sldId="594"/>
-            <ac:picMk id="3074" creationId="{691243D8-648D-C541-8502-B78CB40E05DD}"/>
-          </ac:picMkLst>
-        </pc:picChg>
-        <pc:picChg chg="del">
-          <ac:chgData name="Nikola Sekulovski" userId="2345901e-73d2-462d-8b82-8af2d9a2a087" providerId="ADAL" clId="{71279A99-98ED-44FF-9DB4-6C773ED29B17}" dt="2024-09-16T11:42:58.597" v="78" actId="21"/>
-          <ac:picMkLst>
-            <pc:docMk/>
-            <pc:sldMk cId="3116476232" sldId="594"/>
-            <ac:picMk id="5122" creationId="{F01391EE-CE55-F91A-1549-4FFF6BA2EAA3}"/>
-          </ac:picMkLst>
-        </pc:picChg>
-      </pc:sldChg>
-      <pc:sldChg chg="modSp">
-        <pc:chgData name="Nikola Sekulovski" userId="2345901e-73d2-462d-8b82-8af2d9a2a087" providerId="ADAL" clId="{71279A99-98ED-44FF-9DB4-6C773ED29B17}" dt="2024-09-16T11:41:46.668" v="62" actId="20577"/>
+      <pc:sldChg chg="modSp mod">
+        <pc:chgData name="Karoline Huth" userId="5ffc0af5-9e46-431a-90db-3541adb3af2d" providerId="ADAL" clId="{35CDCACC-1AB0-4A43-BD94-46D129CDAB7E}" dt="2024-07-04T09:47:14.109" v="127" actId="20577"/>
         <pc:sldMkLst>
           <pc:docMk/>
           <pc:sldMk cId="1186627447" sldId="597"/>
         </pc:sldMkLst>
         <pc:spChg chg="mod">
-          <ac:chgData name="Nikola Sekulovski" userId="2345901e-73d2-462d-8b82-8af2d9a2a087" providerId="ADAL" clId="{71279A99-98ED-44FF-9DB4-6C773ED29B17}" dt="2024-09-16T11:41:46.668" v="62" actId="20577"/>
+          <ac:chgData name="Karoline Huth" userId="5ffc0af5-9e46-431a-90db-3541adb3af2d" providerId="ADAL" clId="{35CDCACC-1AB0-4A43-BD94-46D129CDAB7E}" dt="2024-07-04T09:47:14.109" v="127" actId="20577"/>
           <ac:spMkLst>
             <pc:docMk/>
             <pc:sldMk cId="1186627447" sldId="597"/>
@@ -8788,29 +9490,51 @@
           </ac:spMkLst>
         </pc:spChg>
       </pc:sldChg>
-      <pc:sldChg chg="modSp mod">
-        <pc:chgData name="Nikola Sekulovski" userId="2345901e-73d2-462d-8b82-8af2d9a2a087" providerId="ADAL" clId="{71279A99-98ED-44FF-9DB4-6C773ED29B17}" dt="2024-09-16T11:42:36.915" v="75" actId="20577"/>
+      <pc:sldChg chg="modSp ord modAnim">
+        <pc:chgData name="Karoline Huth" userId="5ffc0af5-9e46-431a-90db-3541adb3af2d" providerId="ADAL" clId="{35CDCACC-1AB0-4A43-BD94-46D129CDAB7E}" dt="2024-07-04T09:46:52.329" v="122" actId="20578"/>
         <pc:sldMkLst>
           <pc:docMk/>
-          <pc:sldMk cId="3071972624" sldId="605"/>
+          <pc:sldMk cId="3936712023" sldId="601"/>
         </pc:sldMkLst>
         <pc:spChg chg="mod">
-          <ac:chgData name="Nikola Sekulovski" userId="2345901e-73d2-462d-8b82-8af2d9a2a087" providerId="ADAL" clId="{71279A99-98ED-44FF-9DB4-6C773ED29B17}" dt="2024-09-16T11:42:36.915" v="75" actId="20577"/>
-          <ac:spMkLst>
-            <pc:docMk/>
-            <pc:sldMk cId="3071972624" sldId="605"/>
-            <ac:spMk id="10" creationId="{25135258-86AA-DD4B-94B3-F565A335C42A}"/>
-          </ac:spMkLst>
-        </pc:spChg>
+          <ac:chgData name="Karoline Huth" userId="5ffc0af5-9e46-431a-90db-3541adb3af2d" providerId="ADAL" clId="{35CDCACC-1AB0-4A43-BD94-46D129CDAB7E}" dt="2024-07-04T09:28:36.376" v="121" actId="207"/>
+          <ac:spMkLst>
+            <pc:docMk/>
+            <pc:sldMk cId="3936712023" sldId="601"/>
+            <ac:spMk id="4" creationId="{D71C6EAF-580F-852F-321E-918CE6F5A90C}"/>
+          </ac:spMkLst>
+        </pc:spChg>
+      </pc:sldChg>
+      <pc:sldChg chg="ord">
+        <pc:chgData name="Karoline Huth" userId="5ffc0af5-9e46-431a-90db-3541adb3af2d" providerId="ADAL" clId="{35CDCACC-1AB0-4A43-BD94-46D129CDAB7E}" dt="2024-07-04T09:46:52.329" v="122" actId="20578"/>
+        <pc:sldMkLst>
+          <pc:docMk/>
+          <pc:sldMk cId="972036101" sldId="602"/>
+        </pc:sldMkLst>
+      </pc:sldChg>
+      <pc:sldChg chg="ord">
+        <pc:chgData name="Karoline Huth" userId="5ffc0af5-9e46-431a-90db-3541adb3af2d" providerId="ADAL" clId="{35CDCACC-1AB0-4A43-BD94-46D129CDAB7E}" dt="2024-07-04T09:46:52.329" v="122" actId="20578"/>
+        <pc:sldMkLst>
+          <pc:docMk/>
+          <pc:sldMk cId="2081536377" sldId="603"/>
+        </pc:sldMkLst>
       </pc:sldChg>
       <pc:sldChg chg="modSp mod">
-        <pc:chgData name="Nikola Sekulovski" userId="2345901e-73d2-462d-8b82-8af2d9a2a087" providerId="ADAL" clId="{71279A99-98ED-44FF-9DB4-6C773ED29B17}" dt="2024-09-16T11:43:51.921" v="87"/>
+        <pc:chgData name="Karoline Huth" userId="5ffc0af5-9e46-431a-90db-3541adb3af2d" providerId="ADAL" clId="{35CDCACC-1AB0-4A43-BD94-46D129CDAB7E}" dt="2024-07-03T15:07:36.694" v="49" actId="21"/>
         <pc:sldMkLst>
           <pc:docMk/>
           <pc:sldMk cId="300369435" sldId="629"/>
         </pc:sldMkLst>
         <pc:spChg chg="mod">
-          <ac:chgData name="Nikola Sekulovski" userId="2345901e-73d2-462d-8b82-8af2d9a2a087" providerId="ADAL" clId="{71279A99-98ED-44FF-9DB4-6C773ED29B17}" dt="2024-09-16T11:43:51.921" v="87"/>
+          <ac:chgData name="Karoline Huth" userId="5ffc0af5-9e46-431a-90db-3541adb3af2d" providerId="ADAL" clId="{35CDCACC-1AB0-4A43-BD94-46D129CDAB7E}" dt="2024-07-03T15:07:30.642" v="48" actId="1035"/>
+          <ac:spMkLst>
+            <pc:docMk/>
+            <pc:sldMk cId="300369435" sldId="629"/>
+            <ac:spMk id="4" creationId="{95BCFEA4-5872-F7A8-D62B-A3276A5D364E}"/>
+          </ac:spMkLst>
+        </pc:spChg>
+        <pc:spChg chg="mod">
+          <ac:chgData name="Karoline Huth" userId="5ffc0af5-9e46-431a-90db-3541adb3af2d" providerId="ADAL" clId="{35CDCACC-1AB0-4A43-BD94-46D129CDAB7E}" dt="2024-07-03T15:07:36.694" v="49" actId="21"/>
           <ac:spMkLst>
             <pc:docMk/>
             <pc:sldMk cId="300369435" sldId="629"/>
@@ -8818,817 +9542,146 @@
           </ac:spMkLst>
         </pc:spChg>
       </pc:sldChg>
-      <pc:sldChg chg="ord">
-        <pc:chgData name="Nikola Sekulovski" userId="2345901e-73d2-462d-8b82-8af2d9a2a087" providerId="ADAL" clId="{71279A99-98ED-44FF-9DB4-6C773ED29B17}" dt="2024-09-16T11:36:33.592" v="1"/>
+      <pc:sldChg chg="addSp modSp mod ord">
+        <pc:chgData name="Karoline Huth" userId="5ffc0af5-9e46-431a-90db-3541adb3af2d" providerId="ADAL" clId="{35CDCACC-1AB0-4A43-BD94-46D129CDAB7E}" dt="2024-07-04T09:58:20.661" v="129" actId="20578"/>
         <pc:sldMkLst>
           <pc:docMk/>
           <pc:sldMk cId="4221003262" sldId="630"/>
         </pc:sldMkLst>
+        <pc:spChg chg="add mod">
+          <ac:chgData name="Karoline Huth" userId="5ffc0af5-9e46-431a-90db-3541adb3af2d" providerId="ADAL" clId="{35CDCACC-1AB0-4A43-BD94-46D129CDAB7E}" dt="2024-07-03T15:18:16.385" v="52" actId="208"/>
+          <ac:spMkLst>
+            <pc:docMk/>
+            <pc:sldMk cId="4221003262" sldId="630"/>
+            <ac:spMk id="4" creationId="{8062C01B-9E8C-FA5A-1A77-3DBAF8936B61}"/>
+          </ac:spMkLst>
+        </pc:spChg>
       </pc:sldChg>
     </pc:docChg>
   </pc:docChgLst>
   <pc:docChgLst>
-    <pc:chgData name="Karoline Huth" userId="5ffc0af5-9e46-431a-90db-3541adb3af2d" providerId="ADAL" clId="{3FF81897-590D-204C-9D14-5DDD3DC07670}"/>
-    <pc:docChg chg="custSel addSld delSld modSld sldOrd">
-      <pc:chgData name="Karoline Huth" userId="5ffc0af5-9e46-431a-90db-3541adb3af2d" providerId="ADAL" clId="{3FF81897-590D-204C-9D14-5DDD3DC07670}" dt="2023-07-13T13:41:04.809" v="1927" actId="1035"/>
+    <pc:chgData name="Nikola Sekulovski" userId="2345901e-73d2-462d-8b82-8af2d9a2a087" providerId="ADAL" clId="{E9D0067C-498F-4541-B9C7-5E6A919B1BEC}"/>
+    <pc:docChg chg="undo redo custSel modSld sldOrd">
+      <pc:chgData name="Nikola Sekulovski" userId="2345901e-73d2-462d-8b82-8af2d9a2a087" providerId="ADAL" clId="{E9D0067C-498F-4541-B9C7-5E6A919B1BEC}" dt="2024-09-26T16:23:57.158" v="78" actId="20577"/>
       <pc:docMkLst>
         <pc:docMk/>
       </pc:docMkLst>
-      <pc:sldChg chg="addSp delSp modSp mod ord">
-        <pc:chgData name="Karoline Huth" userId="5ffc0af5-9e46-431a-90db-3541adb3af2d" providerId="ADAL" clId="{3FF81897-590D-204C-9D14-5DDD3DC07670}" dt="2023-07-13T04:43:36.160" v="1594" actId="27636"/>
-        <pc:sldMkLst>
-          <pc:docMk/>
-          <pc:sldMk cId="4077302" sldId="266"/>
-        </pc:sldMkLst>
-        <pc:spChg chg="del mod">
-          <ac:chgData name="Karoline Huth" userId="5ffc0af5-9e46-431a-90db-3541adb3af2d" providerId="ADAL" clId="{3FF81897-590D-204C-9D14-5DDD3DC07670}" dt="2023-07-13T04:42:39.049" v="1588" actId="478"/>
-          <ac:spMkLst>
-            <pc:docMk/>
-            <pc:sldMk cId="4077302" sldId="266"/>
-            <ac:spMk id="2" creationId="{D03E4E89-A9D7-A097-6FD5-53F60284FE10}"/>
-          </ac:spMkLst>
-        </pc:spChg>
-        <pc:spChg chg="add mod">
-          <ac:chgData name="Karoline Huth" userId="5ffc0af5-9e46-431a-90db-3541adb3af2d" providerId="ADAL" clId="{3FF81897-590D-204C-9D14-5DDD3DC07670}" dt="2023-07-13T04:43:36.160" v="1594" actId="27636"/>
-          <ac:spMkLst>
-            <pc:docMk/>
-            <pc:sldMk cId="4077302" sldId="266"/>
-            <ac:spMk id="20" creationId="{6F913B34-F3B0-083E-D953-98741688DFBF}"/>
-          </ac:spMkLst>
-        </pc:spChg>
-        <pc:spChg chg="add del mod">
-          <ac:chgData name="Karoline Huth" userId="5ffc0af5-9e46-431a-90db-3541adb3af2d" providerId="ADAL" clId="{3FF81897-590D-204C-9D14-5DDD3DC07670}" dt="2023-07-13T04:42:42.920" v="1590" actId="478"/>
-          <ac:spMkLst>
-            <pc:docMk/>
-            <pc:sldMk cId="4077302" sldId="266"/>
-            <ac:spMk id="24" creationId="{4ABA541C-DE56-B8DE-5DA4-92304AB31871}"/>
-          </ac:spMkLst>
-        </pc:spChg>
-        <pc:spChg chg="add del mod">
-          <ac:chgData name="Karoline Huth" userId="5ffc0af5-9e46-431a-90db-3541adb3af2d" providerId="ADAL" clId="{3FF81897-590D-204C-9D14-5DDD3DC07670}" dt="2023-07-13T04:42:45.148" v="1591" actId="478"/>
-          <ac:spMkLst>
-            <pc:docMk/>
-            <pc:sldMk cId="4077302" sldId="266"/>
-            <ac:spMk id="26" creationId="{8FD4B4A5-9292-0EC2-DC7B-430043CBF331}"/>
-          </ac:spMkLst>
-        </pc:spChg>
-        <pc:cxnChg chg="add mod">
-          <ac:chgData name="Karoline Huth" userId="5ffc0af5-9e46-431a-90db-3541adb3af2d" providerId="ADAL" clId="{3FF81897-590D-204C-9D14-5DDD3DC07670}" dt="2023-07-13T04:42:29.546" v="1585"/>
-          <ac:cxnSpMkLst>
-            <pc:docMk/>
-            <pc:sldMk cId="4077302" sldId="266"/>
-            <ac:cxnSpMk id="21" creationId="{6D23BDD4-5742-3F02-68E1-D28D6A6DF85C}"/>
-          </ac:cxnSpMkLst>
-        </pc:cxnChg>
-        <pc:cxnChg chg="add mod">
-          <ac:chgData name="Karoline Huth" userId="5ffc0af5-9e46-431a-90db-3541adb3af2d" providerId="ADAL" clId="{3FF81897-590D-204C-9D14-5DDD3DC07670}" dt="2023-07-13T04:42:29.546" v="1585"/>
-          <ac:cxnSpMkLst>
-            <pc:docMk/>
-            <pc:sldMk cId="4077302" sldId="266"/>
-            <ac:cxnSpMk id="22" creationId="{D13B2879-64F8-881E-3DF7-7F3D21CEBA0B}"/>
-          </ac:cxnSpMkLst>
-        </pc:cxnChg>
-      </pc:sldChg>
-      <pc:sldChg chg="delSp modSp mod">
-        <pc:chgData name="Karoline Huth" userId="5ffc0af5-9e46-431a-90db-3541adb3af2d" providerId="ADAL" clId="{3FF81897-590D-204C-9D14-5DDD3DC07670}" dt="2023-07-13T13:41:04.809" v="1927" actId="1035"/>
-        <pc:sldMkLst>
-          <pc:docMk/>
-          <pc:sldMk cId="3501034909" sldId="293"/>
-        </pc:sldMkLst>
-        <pc:spChg chg="mod">
-          <ac:chgData name="Karoline Huth" userId="5ffc0af5-9e46-431a-90db-3541adb3af2d" providerId="ADAL" clId="{3FF81897-590D-204C-9D14-5DDD3DC07670}" dt="2023-07-13T13:40:59.639" v="1920" actId="14100"/>
-          <ac:spMkLst>
-            <pc:docMk/>
-            <pc:sldMk cId="3501034909" sldId="293"/>
-            <ac:spMk id="5" creationId="{930A2F51-60C4-DA41-B95E-49F3CC2CFC1E}"/>
-          </ac:spMkLst>
-        </pc:spChg>
-        <pc:spChg chg="mod">
-          <ac:chgData name="Karoline Huth" userId="5ffc0af5-9e46-431a-90db-3541adb3af2d" providerId="ADAL" clId="{3FF81897-590D-204C-9D14-5DDD3DC07670}" dt="2023-07-13T13:41:04.809" v="1927" actId="1035"/>
-          <ac:spMkLst>
-            <pc:docMk/>
-            <pc:sldMk cId="3501034909" sldId="293"/>
-            <ac:spMk id="7" creationId="{EA29F227-3810-4945-BD9F-54E29C8A97C2}"/>
-          </ac:spMkLst>
-        </pc:spChg>
-        <pc:spChg chg="mod">
-          <ac:chgData name="Karoline Huth" userId="5ffc0af5-9e46-431a-90db-3541adb3af2d" providerId="ADAL" clId="{3FF81897-590D-204C-9D14-5DDD3DC07670}" dt="2023-07-12T21:12:43.542" v="1562" actId="121"/>
-          <ac:spMkLst>
-            <pc:docMk/>
-            <pc:sldMk cId="3501034909" sldId="293"/>
-            <ac:spMk id="10" creationId="{25135258-86AA-DD4B-94B3-F565A335C42A}"/>
-          </ac:spMkLst>
-        </pc:spChg>
-        <pc:picChg chg="del">
-          <ac:chgData name="Karoline Huth" userId="5ffc0af5-9e46-431a-90db-3541adb3af2d" providerId="ADAL" clId="{3FF81897-590D-204C-9D14-5DDD3DC07670}" dt="2023-07-12T17:37:45.308" v="1346" actId="478"/>
-          <ac:picMkLst>
-            <pc:docMk/>
-            <pc:sldMk cId="3501034909" sldId="293"/>
-            <ac:picMk id="4" creationId="{DC079C16-2144-AA48-AE11-6EBB3950617B}"/>
-          </ac:picMkLst>
-        </pc:picChg>
-      </pc:sldChg>
-      <pc:sldChg chg="delSp mod delAnim modAnim">
-        <pc:chgData name="Karoline Huth" userId="5ffc0af5-9e46-431a-90db-3541adb3af2d" providerId="ADAL" clId="{3FF81897-590D-204C-9D14-5DDD3DC07670}" dt="2023-07-13T05:33:46.878" v="1843" actId="478"/>
-        <pc:sldMkLst>
-          <pc:docMk/>
-          <pc:sldMk cId="149297165" sldId="300"/>
-        </pc:sldMkLst>
-        <pc:spChg chg="del">
-          <ac:chgData name="Karoline Huth" userId="5ffc0af5-9e46-431a-90db-3541adb3af2d" providerId="ADAL" clId="{3FF81897-590D-204C-9D14-5DDD3DC07670}" dt="2023-07-13T05:33:46.878" v="1843" actId="478"/>
-          <ac:spMkLst>
-            <pc:docMk/>
-            <pc:sldMk cId="149297165" sldId="300"/>
-            <ac:spMk id="30" creationId="{5110CD13-0F8A-E151-6690-C69EDE75B691}"/>
-          </ac:spMkLst>
-        </pc:spChg>
-        <pc:spChg chg="del">
-          <ac:chgData name="Karoline Huth" userId="5ffc0af5-9e46-431a-90db-3541adb3af2d" providerId="ADAL" clId="{3FF81897-590D-204C-9D14-5DDD3DC07670}" dt="2023-07-13T05:33:46.878" v="1843" actId="478"/>
-          <ac:spMkLst>
-            <pc:docMk/>
-            <pc:sldMk cId="149297165" sldId="300"/>
-            <ac:spMk id="34" creationId="{43F4825E-67BD-727D-9DE2-17E0BDEFAB43}"/>
-          </ac:spMkLst>
-        </pc:spChg>
-        <pc:spChg chg="del">
-          <ac:chgData name="Karoline Huth" userId="5ffc0af5-9e46-431a-90db-3541adb3af2d" providerId="ADAL" clId="{3FF81897-590D-204C-9D14-5DDD3DC07670}" dt="2023-07-13T05:33:46.878" v="1843" actId="478"/>
-          <ac:spMkLst>
-            <pc:docMk/>
-            <pc:sldMk cId="149297165" sldId="300"/>
-            <ac:spMk id="35" creationId="{D77BF7A8-67D3-5DD5-50BC-48B84343C863}"/>
-          </ac:spMkLst>
-        </pc:spChg>
-        <pc:cxnChg chg="del">
-          <ac:chgData name="Karoline Huth" userId="5ffc0af5-9e46-431a-90db-3541adb3af2d" providerId="ADAL" clId="{3FF81897-590D-204C-9D14-5DDD3DC07670}" dt="2023-07-13T05:33:46.878" v="1843" actId="478"/>
-          <ac:cxnSpMkLst>
-            <pc:docMk/>
-            <pc:sldMk cId="149297165" sldId="300"/>
-            <ac:cxnSpMk id="32" creationId="{D5619484-477F-3A69-2518-373D142F04DC}"/>
-          </ac:cxnSpMkLst>
-        </pc:cxnChg>
-      </pc:sldChg>
-      <pc:sldChg chg="modSp mod">
-        <pc:chgData name="Karoline Huth" userId="5ffc0af5-9e46-431a-90db-3541adb3af2d" providerId="ADAL" clId="{3FF81897-590D-204C-9D14-5DDD3DC07670}" dt="2023-07-13T09:58:41.360" v="1858" actId="1076"/>
-        <pc:sldMkLst>
-          <pc:docMk/>
-          <pc:sldMk cId="2942932033" sldId="592"/>
-        </pc:sldMkLst>
-        <pc:spChg chg="mod">
-          <ac:chgData name="Karoline Huth" userId="5ffc0af5-9e46-431a-90db-3541adb3af2d" providerId="ADAL" clId="{3FF81897-590D-204C-9D14-5DDD3DC07670}" dt="2023-07-13T04:44:51.671" v="1633" actId="20577"/>
-          <ac:spMkLst>
-            <pc:docMk/>
-            <pc:sldMk cId="2942932033" sldId="592"/>
-            <ac:spMk id="9" creationId="{C02182B7-D4B5-66F0-EBA4-EA07D78DBAC2}"/>
-          </ac:spMkLst>
-        </pc:spChg>
-        <pc:cxnChg chg="mod">
-          <ac:chgData name="Karoline Huth" userId="5ffc0af5-9e46-431a-90db-3541adb3af2d" providerId="ADAL" clId="{3FF81897-590D-204C-9D14-5DDD3DC07670}" dt="2023-07-13T09:58:41.360" v="1858" actId="1076"/>
-          <ac:cxnSpMkLst>
-            <pc:docMk/>
-            <pc:sldMk cId="2942932033" sldId="592"/>
-            <ac:cxnSpMk id="7" creationId="{FEDB317D-6DAD-63EE-D231-D4BFCA72D43B}"/>
-          </ac:cxnSpMkLst>
-        </pc:cxnChg>
-      </pc:sldChg>
-      <pc:sldChg chg="modSp mod">
-        <pc:chgData name="Karoline Huth" userId="5ffc0af5-9e46-431a-90db-3541adb3af2d" providerId="ADAL" clId="{3FF81897-590D-204C-9D14-5DDD3DC07670}" dt="2023-07-13T10:02:02.334" v="1869" actId="20577"/>
-        <pc:sldMkLst>
-          <pc:docMk/>
-          <pc:sldMk cId="3116476232" sldId="594"/>
-        </pc:sldMkLst>
-        <pc:spChg chg="mod">
-          <ac:chgData name="Karoline Huth" userId="5ffc0af5-9e46-431a-90db-3541adb3af2d" providerId="ADAL" clId="{3FF81897-590D-204C-9D14-5DDD3DC07670}" dt="2023-07-13T10:02:02.334" v="1869" actId="20577"/>
-          <ac:spMkLst>
-            <pc:docMk/>
-            <pc:sldMk cId="3116476232" sldId="594"/>
-            <ac:spMk id="5" creationId="{84F0D9DD-87B2-D358-6DD8-EA9BA9B519FD}"/>
-          </ac:spMkLst>
-        </pc:spChg>
-      </pc:sldChg>
-      <pc:sldChg chg="modSp mod">
-        <pc:chgData name="Karoline Huth" userId="5ffc0af5-9e46-431a-90db-3541adb3af2d" providerId="ADAL" clId="{3FF81897-590D-204C-9D14-5DDD3DC07670}" dt="2023-07-12T21:14:19.477" v="1583" actId="20577"/>
-        <pc:sldMkLst>
-          <pc:docMk/>
-          <pc:sldMk cId="2170931248" sldId="596"/>
-        </pc:sldMkLst>
-        <pc:spChg chg="mod">
-          <ac:chgData name="Karoline Huth" userId="5ffc0af5-9e46-431a-90db-3541adb3af2d" providerId="ADAL" clId="{3FF81897-590D-204C-9D14-5DDD3DC07670}" dt="2023-07-12T21:14:05.952" v="1571" actId="20577"/>
-          <ac:spMkLst>
-            <pc:docMk/>
-            <pc:sldMk cId="2170931248" sldId="596"/>
-            <ac:spMk id="12" creationId="{B3C06AEE-C799-541B-7C62-E367189ACD89}"/>
-          </ac:spMkLst>
-        </pc:spChg>
-        <pc:spChg chg="mod">
-          <ac:chgData name="Karoline Huth" userId="5ffc0af5-9e46-431a-90db-3541adb3af2d" providerId="ADAL" clId="{3FF81897-590D-204C-9D14-5DDD3DC07670}" dt="2023-07-12T21:14:19.477" v="1583" actId="20577"/>
-          <ac:spMkLst>
-            <pc:docMk/>
-            <pc:sldMk cId="2170931248" sldId="596"/>
-            <ac:spMk id="13" creationId="{780DFECF-C1CF-0E01-F0E4-F6E2E9148B01}"/>
-          </ac:spMkLst>
-        </pc:spChg>
-      </pc:sldChg>
-      <pc:sldChg chg="modSp modAnim">
-        <pc:chgData name="Karoline Huth" userId="5ffc0af5-9e46-431a-90db-3541adb3af2d" providerId="ADAL" clId="{3FF81897-590D-204C-9D14-5DDD3DC07670}" dt="2023-07-13T05:23:15.220" v="1821" actId="20577"/>
-        <pc:sldMkLst>
-          <pc:docMk/>
-          <pc:sldMk cId="1186627447" sldId="597"/>
-        </pc:sldMkLst>
-        <pc:spChg chg="mod">
-          <ac:chgData name="Karoline Huth" userId="5ffc0af5-9e46-431a-90db-3541adb3af2d" providerId="ADAL" clId="{3FF81897-590D-204C-9D14-5DDD3DC07670}" dt="2023-07-13T05:23:15.220" v="1821" actId="20577"/>
-          <ac:spMkLst>
-            <pc:docMk/>
-            <pc:sldMk cId="1186627447" sldId="597"/>
-            <ac:spMk id="16" creationId="{061BB5C3-3928-D2EA-5D56-11DDECB41B1E}"/>
-          </ac:spMkLst>
-        </pc:spChg>
-      </pc:sldChg>
-      <pc:sldChg chg="del">
-        <pc:chgData name="Karoline Huth" userId="5ffc0af5-9e46-431a-90db-3541adb3af2d" providerId="ADAL" clId="{3FF81897-590D-204C-9D14-5DDD3DC07670}" dt="2023-07-13T04:44:29.500" v="1620" actId="2696"/>
-        <pc:sldMkLst>
-          <pc:docMk/>
-          <pc:sldMk cId="3710392462" sldId="600"/>
-        </pc:sldMkLst>
-      </pc:sldChg>
-      <pc:sldChg chg="addSp delSp modSp add mod modAnim modNotesTx">
-        <pc:chgData name="Karoline Huth" userId="5ffc0af5-9e46-431a-90db-3541adb3af2d" providerId="ADAL" clId="{3FF81897-590D-204C-9D14-5DDD3DC07670}" dt="2023-07-12T17:42:19.076" v="1368"/>
+      <pc:sldChg chg="modNotesTx">
+        <pc:chgData name="Nikola Sekulovski" userId="2345901e-73d2-462d-8b82-8af2d9a2a087" providerId="ADAL" clId="{E9D0067C-498F-4541-B9C7-5E6A919B1BEC}" dt="2024-09-26T16:23:43.231" v="77" actId="20577"/>
         <pc:sldMkLst>
           <pc:docMk/>
           <pc:sldMk cId="3936712023" sldId="601"/>
         </pc:sldMkLst>
-        <pc:spChg chg="add mod">
-          <ac:chgData name="Karoline Huth" userId="5ffc0af5-9e46-431a-90db-3541adb3af2d" providerId="ADAL" clId="{3FF81897-590D-204C-9D14-5DDD3DC07670}" dt="2023-07-12T17:41:58.991" v="1364" actId="1076"/>
-          <ac:spMkLst>
-            <pc:docMk/>
-            <pc:sldMk cId="3936712023" sldId="601"/>
-            <ac:spMk id="4" creationId="{D71C6EAF-580F-852F-321E-918CE6F5A90C}"/>
-          </ac:spMkLst>
-        </pc:spChg>
-        <pc:spChg chg="mod">
-          <ac:chgData name="Karoline Huth" userId="5ffc0af5-9e46-431a-90db-3541adb3af2d" providerId="ADAL" clId="{3FF81897-590D-204C-9D14-5DDD3DC07670}" dt="2023-07-12T10:14:34.725" v="106" actId="20577"/>
-          <ac:spMkLst>
-            <pc:docMk/>
-            <pc:sldMk cId="3936712023" sldId="601"/>
-            <ac:spMk id="8" creationId="{7C2C20C3-2FB0-4500-9631-5BD18DFFAEFB}"/>
-          </ac:spMkLst>
-        </pc:spChg>
-        <pc:spChg chg="del">
-          <ac:chgData name="Karoline Huth" userId="5ffc0af5-9e46-431a-90db-3541adb3af2d" providerId="ADAL" clId="{3FF81897-590D-204C-9D14-5DDD3DC07670}" dt="2023-07-12T09:11:59.968" v="29" actId="478"/>
-          <ac:spMkLst>
-            <pc:docMk/>
-            <pc:sldMk cId="3936712023" sldId="601"/>
-            <ac:spMk id="17" creationId="{A2EDA60D-5551-30CA-5E95-57CF060BD0B3}"/>
-          </ac:spMkLst>
-        </pc:spChg>
-        <pc:spChg chg="del">
-          <ac:chgData name="Karoline Huth" userId="5ffc0af5-9e46-431a-90db-3541adb3af2d" providerId="ADAL" clId="{3FF81897-590D-204C-9D14-5DDD3DC07670}" dt="2023-07-12T09:11:59.968" v="29" actId="478"/>
-          <ac:spMkLst>
-            <pc:docMk/>
-            <pc:sldMk cId="3936712023" sldId="601"/>
-            <ac:spMk id="18" creationId="{566A9B5D-DBD5-7480-A0B5-1D664BA45E89}"/>
-          </ac:spMkLst>
-        </pc:spChg>
-        <pc:spChg chg="del">
-          <ac:chgData name="Karoline Huth" userId="5ffc0af5-9e46-431a-90db-3541adb3af2d" providerId="ADAL" clId="{3FF81897-590D-204C-9D14-5DDD3DC07670}" dt="2023-07-12T09:11:59.968" v="29" actId="478"/>
-          <ac:spMkLst>
-            <pc:docMk/>
-            <pc:sldMk cId="3936712023" sldId="601"/>
-            <ac:spMk id="20" creationId="{AD292C16-86A7-8F3F-F150-63162DA30ADD}"/>
-          </ac:spMkLst>
-        </pc:spChg>
-        <pc:spChg chg="del">
-          <ac:chgData name="Karoline Huth" userId="5ffc0af5-9e46-431a-90db-3541adb3af2d" providerId="ADAL" clId="{3FF81897-590D-204C-9D14-5DDD3DC07670}" dt="2023-07-12T09:11:59.968" v="29" actId="478"/>
-          <ac:spMkLst>
-            <pc:docMk/>
-            <pc:sldMk cId="3936712023" sldId="601"/>
-            <ac:spMk id="30" creationId="{5110CD13-0F8A-E151-6690-C69EDE75B691}"/>
-          </ac:spMkLst>
-        </pc:spChg>
-        <pc:spChg chg="del">
-          <ac:chgData name="Karoline Huth" userId="5ffc0af5-9e46-431a-90db-3541adb3af2d" providerId="ADAL" clId="{3FF81897-590D-204C-9D14-5DDD3DC07670}" dt="2023-07-12T09:11:59.968" v="29" actId="478"/>
-          <ac:spMkLst>
-            <pc:docMk/>
-            <pc:sldMk cId="3936712023" sldId="601"/>
-            <ac:spMk id="34" creationId="{43F4825E-67BD-727D-9DE2-17E0BDEFAB43}"/>
-          </ac:spMkLst>
-        </pc:spChg>
-        <pc:spChg chg="del">
-          <ac:chgData name="Karoline Huth" userId="5ffc0af5-9e46-431a-90db-3541adb3af2d" providerId="ADAL" clId="{3FF81897-590D-204C-9D14-5DDD3DC07670}" dt="2023-07-12T09:11:59.968" v="29" actId="478"/>
-          <ac:spMkLst>
-            <pc:docMk/>
-            <pc:sldMk cId="3936712023" sldId="601"/>
-            <ac:spMk id="35" creationId="{D77BF7A8-67D3-5DD5-50BC-48B84343C863}"/>
-          </ac:spMkLst>
-        </pc:spChg>
-        <pc:spChg chg="del">
-          <ac:chgData name="Karoline Huth" userId="5ffc0af5-9e46-431a-90db-3541adb3af2d" providerId="ADAL" clId="{3FF81897-590D-204C-9D14-5DDD3DC07670}" dt="2023-07-12T09:11:59.968" v="29" actId="478"/>
-          <ac:spMkLst>
-            <pc:docMk/>
-            <pc:sldMk cId="3936712023" sldId="601"/>
-            <ac:spMk id="36" creationId="{5E60E948-B8BE-812E-ECF5-9C29BBBE2307}"/>
-          </ac:spMkLst>
-        </pc:spChg>
-        <pc:picChg chg="del">
-          <ac:chgData name="Karoline Huth" userId="5ffc0af5-9e46-431a-90db-3541adb3af2d" providerId="ADAL" clId="{3FF81897-590D-204C-9D14-5DDD3DC07670}" dt="2023-07-12T09:11:59.968" v="29" actId="478"/>
-          <ac:picMkLst>
-            <pc:docMk/>
-            <pc:sldMk cId="3936712023" sldId="601"/>
-            <ac:picMk id="3" creationId="{DFAB1588-3524-2961-42DE-854973C19388}"/>
-          </ac:picMkLst>
-        </pc:picChg>
-        <pc:picChg chg="del">
-          <ac:chgData name="Karoline Huth" userId="5ffc0af5-9e46-431a-90db-3541adb3af2d" providerId="ADAL" clId="{3FF81897-590D-204C-9D14-5DDD3DC07670}" dt="2023-07-12T09:11:59.968" v="29" actId="478"/>
-          <ac:picMkLst>
-            <pc:docMk/>
-            <pc:sldMk cId="3936712023" sldId="601"/>
-            <ac:picMk id="37" creationId="{0B50D8D2-61CE-BD4A-4DF6-C82C47D9CE22}"/>
-          </ac:picMkLst>
-        </pc:picChg>
-        <pc:picChg chg="del">
-          <ac:chgData name="Karoline Huth" userId="5ffc0af5-9e46-431a-90db-3541adb3af2d" providerId="ADAL" clId="{3FF81897-590D-204C-9D14-5DDD3DC07670}" dt="2023-07-12T09:11:59.968" v="29" actId="478"/>
-          <ac:picMkLst>
-            <pc:docMk/>
-            <pc:sldMk cId="3936712023" sldId="601"/>
-            <ac:picMk id="1026" creationId="{E6111508-5378-3625-D848-6EE47B91B663}"/>
-          </ac:picMkLst>
-        </pc:picChg>
-        <pc:cxnChg chg="del">
-          <ac:chgData name="Karoline Huth" userId="5ffc0af5-9e46-431a-90db-3541adb3af2d" providerId="ADAL" clId="{3FF81897-590D-204C-9D14-5DDD3DC07670}" dt="2023-07-12T09:11:59.968" v="29" actId="478"/>
-          <ac:cxnSpMkLst>
-            <pc:docMk/>
-            <pc:sldMk cId="3936712023" sldId="601"/>
-            <ac:cxnSpMk id="32" creationId="{D5619484-477F-3A69-2518-373D142F04DC}"/>
-          </ac:cxnSpMkLst>
-        </pc:cxnChg>
       </pc:sldChg>
-      <pc:sldChg chg="addSp modSp add mod modAnim modNotesTx">
-        <pc:chgData name="Karoline Huth" userId="5ffc0af5-9e46-431a-90db-3541adb3af2d" providerId="ADAL" clId="{3FF81897-590D-204C-9D14-5DDD3DC07670}" dt="2023-07-13T05:30:31.030" v="1842" actId="20577"/>
-        <pc:sldMkLst>
-          <pc:docMk/>
-          <pc:sldMk cId="972036101" sldId="602"/>
-        </pc:sldMkLst>
-        <pc:spChg chg="add mod">
-          <ac:chgData name="Karoline Huth" userId="5ffc0af5-9e46-431a-90db-3541adb3af2d" providerId="ADAL" clId="{3FF81897-590D-204C-9D14-5DDD3DC07670}" dt="2023-07-13T05:14:06.868" v="1704" actId="20577"/>
-          <ac:spMkLst>
-            <pc:docMk/>
-            <pc:sldMk cId="972036101" sldId="602"/>
-            <ac:spMk id="3" creationId="{BCF9DA46-A066-8C30-6E55-FD9521659176}"/>
-          </ac:spMkLst>
-        </pc:spChg>
-        <pc:spChg chg="add mod">
-          <ac:chgData name="Karoline Huth" userId="5ffc0af5-9e46-431a-90db-3541adb3af2d" providerId="ADAL" clId="{3FF81897-590D-204C-9D14-5DDD3DC07670}" dt="2023-07-13T05:30:31.030" v="1842" actId="20577"/>
-          <ac:spMkLst>
-            <pc:docMk/>
-            <pc:sldMk cId="972036101" sldId="602"/>
-            <ac:spMk id="4" creationId="{F9EA6ED8-47E7-7DDE-5BEC-DBCBB274E8D8}"/>
-          </ac:spMkLst>
-        </pc:spChg>
-        <pc:spChg chg="mod">
-          <ac:chgData name="Karoline Huth" userId="5ffc0af5-9e46-431a-90db-3541adb3af2d" providerId="ADAL" clId="{3FF81897-590D-204C-9D14-5DDD3DC07670}" dt="2023-07-13T05:14:13.766" v="1706" actId="20577"/>
-          <ac:spMkLst>
-            <pc:docMk/>
-            <pc:sldMk cId="972036101" sldId="602"/>
-            <ac:spMk id="8" creationId="{7C2C20C3-2FB0-4500-9631-5BD18DFFAEFB}"/>
-          </ac:spMkLst>
-        </pc:spChg>
-      </pc:sldChg>
-      <pc:sldChg chg="delSp modSp add mod">
-        <pc:chgData name="Karoline Huth" userId="5ffc0af5-9e46-431a-90db-3541adb3af2d" providerId="ADAL" clId="{3FF81897-590D-204C-9D14-5DDD3DC07670}" dt="2023-07-12T17:55:27.590" v="1549" actId="1036"/>
-        <pc:sldMkLst>
-          <pc:docMk/>
-          <pc:sldMk cId="2081536377" sldId="603"/>
-        </pc:sldMkLst>
-        <pc:spChg chg="del">
-          <ac:chgData name="Karoline Huth" userId="5ffc0af5-9e46-431a-90db-3541adb3af2d" providerId="ADAL" clId="{3FF81897-590D-204C-9D14-5DDD3DC07670}" dt="2023-07-12T17:54:10.743" v="1396" actId="478"/>
-          <ac:spMkLst>
-            <pc:docMk/>
-            <pc:sldMk cId="2081536377" sldId="603"/>
-            <ac:spMk id="5" creationId="{930A2F51-60C4-DA41-B95E-49F3CC2CFC1E}"/>
-          </ac:spMkLst>
-        </pc:spChg>
-        <pc:spChg chg="del">
-          <ac:chgData name="Karoline Huth" userId="5ffc0af5-9e46-431a-90db-3541adb3af2d" providerId="ADAL" clId="{3FF81897-590D-204C-9D14-5DDD3DC07670}" dt="2023-07-12T17:54:10.743" v="1396" actId="478"/>
-          <ac:spMkLst>
-            <pc:docMk/>
-            <pc:sldMk cId="2081536377" sldId="603"/>
-            <ac:spMk id="7" creationId="{EA29F227-3810-4945-BD9F-54E29C8A97C2}"/>
-          </ac:spMkLst>
-        </pc:spChg>
-        <pc:spChg chg="del mod">
-          <ac:chgData name="Karoline Huth" userId="5ffc0af5-9e46-431a-90db-3541adb3af2d" providerId="ADAL" clId="{3FF81897-590D-204C-9D14-5DDD3DC07670}" dt="2023-07-12T17:54:41.811" v="1402" actId="478"/>
-          <ac:spMkLst>
-            <pc:docMk/>
-            <pc:sldMk cId="2081536377" sldId="603"/>
-            <ac:spMk id="9" creationId="{9DBB3712-925F-7541-A2BA-3667F2CB2885}"/>
-          </ac:spMkLst>
-        </pc:spChg>
-        <pc:spChg chg="mod">
-          <ac:chgData name="Karoline Huth" userId="5ffc0af5-9e46-431a-90db-3541adb3af2d" providerId="ADAL" clId="{3FF81897-590D-204C-9D14-5DDD3DC07670}" dt="2023-07-12T17:55:27.590" v="1549" actId="1036"/>
-          <ac:spMkLst>
-            <pc:docMk/>
-            <pc:sldMk cId="2081536377" sldId="603"/>
-            <ac:spMk id="10" creationId="{25135258-86AA-DD4B-94B3-F565A335C42A}"/>
-          </ac:spMkLst>
-        </pc:spChg>
-        <pc:spChg chg="del">
-          <ac:chgData name="Karoline Huth" userId="5ffc0af5-9e46-431a-90db-3541adb3af2d" providerId="ADAL" clId="{3FF81897-590D-204C-9D14-5DDD3DC07670}" dt="2023-07-12T17:54:14.644" v="1397" actId="478"/>
-          <ac:spMkLst>
-            <pc:docMk/>
-            <pc:sldMk cId="2081536377" sldId="603"/>
-            <ac:spMk id="11" creationId="{2A82E7EC-5634-5C4D-A428-6797F1086FBC}"/>
-          </ac:spMkLst>
-        </pc:spChg>
-        <pc:picChg chg="del">
-          <ac:chgData name="Karoline Huth" userId="5ffc0af5-9e46-431a-90db-3541adb3af2d" providerId="ADAL" clId="{3FF81897-590D-204C-9D14-5DDD3DC07670}" dt="2023-07-12T17:54:10.743" v="1396" actId="478"/>
-          <ac:picMkLst>
-            <pc:docMk/>
-            <pc:sldMk cId="2081536377" sldId="603"/>
-            <ac:picMk id="17" creationId="{03FAA240-8827-4947-BE1B-FEF70BF7D287}"/>
-          </ac:picMkLst>
-        </pc:picChg>
-        <pc:picChg chg="del">
-          <ac:chgData name="Karoline Huth" userId="5ffc0af5-9e46-431a-90db-3541adb3af2d" providerId="ADAL" clId="{3FF81897-590D-204C-9D14-5DDD3DC07670}" dt="2023-07-12T17:54:10.743" v="1396" actId="478"/>
-          <ac:picMkLst>
-            <pc:docMk/>
-            <pc:sldMk cId="2081536377" sldId="603"/>
-            <ac:picMk id="19" creationId="{46A5BAB7-DB81-A94B-A8D5-5F24B8132573}"/>
-          </ac:picMkLst>
-        </pc:picChg>
-        <pc:picChg chg="del">
-          <ac:chgData name="Karoline Huth" userId="5ffc0af5-9e46-431a-90db-3541adb3af2d" providerId="ADAL" clId="{3FF81897-590D-204C-9D14-5DDD3DC07670}" dt="2023-07-12T17:54:10.743" v="1396" actId="478"/>
-          <ac:picMkLst>
-            <pc:docMk/>
-            <pc:sldMk cId="2081536377" sldId="603"/>
-            <ac:picMk id="20" creationId="{17CB6D78-6AB5-6140-A04C-491D0F7B635C}"/>
-          </ac:picMkLst>
-        </pc:picChg>
-        <pc:cxnChg chg="mod">
-          <ac:chgData name="Karoline Huth" userId="5ffc0af5-9e46-431a-90db-3541adb3af2d" providerId="ADAL" clId="{3FF81897-590D-204C-9D14-5DDD3DC07670}" dt="2023-07-12T17:55:27.590" v="1549" actId="1036"/>
-          <ac:cxnSpMkLst>
-            <pc:docMk/>
-            <pc:sldMk cId="2081536377" sldId="603"/>
-            <ac:cxnSpMk id="12" creationId="{B869CFE4-76EB-2348-B9B3-0B5CC838ACF1}"/>
-          </ac:cxnSpMkLst>
-        </pc:cxnChg>
-      </pc:sldChg>
-      <pc:sldChg chg="modSp add mod">
-        <pc:chgData name="Karoline Huth" userId="5ffc0af5-9e46-431a-90db-3541adb3af2d" providerId="ADAL" clId="{3FF81897-590D-204C-9D14-5DDD3DC07670}" dt="2023-07-13T05:23:20.390" v="1835" actId="20577"/>
-        <pc:sldMkLst>
-          <pc:docMk/>
-          <pc:sldMk cId="966189764" sldId="604"/>
-        </pc:sldMkLst>
-        <pc:spChg chg="mod">
-          <ac:chgData name="Karoline Huth" userId="5ffc0af5-9e46-431a-90db-3541adb3af2d" providerId="ADAL" clId="{3FF81897-590D-204C-9D14-5DDD3DC07670}" dt="2023-07-13T05:23:20.390" v="1835" actId="20577"/>
-          <ac:spMkLst>
-            <pc:docMk/>
-            <pc:sldMk cId="966189764" sldId="604"/>
-            <ac:spMk id="10" creationId="{25135258-86AA-DD4B-94B3-F565A335C42A}"/>
-          </ac:spMkLst>
-        </pc:spChg>
-        <pc:cxnChg chg="mod">
-          <ac:chgData name="Karoline Huth" userId="5ffc0af5-9e46-431a-90db-3541adb3af2d" providerId="ADAL" clId="{3FF81897-590D-204C-9D14-5DDD3DC07670}" dt="2023-07-12T17:55:14.826" v="1505" actId="1036"/>
-          <ac:cxnSpMkLst>
-            <pc:docMk/>
-            <pc:sldMk cId="966189764" sldId="604"/>
-            <ac:cxnSpMk id="12" creationId="{B869CFE4-76EB-2348-B9B3-0B5CC838ACF1}"/>
-          </ac:cxnSpMkLst>
-        </pc:cxnChg>
-      </pc:sldChg>
-      <pc:sldChg chg="modSp add mod">
-        <pc:chgData name="Karoline Huth" userId="5ffc0af5-9e46-431a-90db-3541adb3af2d" providerId="ADAL" clId="{3FF81897-590D-204C-9D14-5DDD3DC07670}" dt="2023-07-12T17:55:41.401" v="1561" actId="20577"/>
-        <pc:sldMkLst>
-          <pc:docMk/>
-          <pc:sldMk cId="3071972624" sldId="605"/>
-        </pc:sldMkLst>
-        <pc:spChg chg="mod">
-          <ac:chgData name="Karoline Huth" userId="5ffc0af5-9e46-431a-90db-3541adb3af2d" providerId="ADAL" clId="{3FF81897-590D-204C-9D14-5DDD3DC07670}" dt="2023-07-12T17:55:41.401" v="1561" actId="20577"/>
-          <ac:spMkLst>
-            <pc:docMk/>
-            <pc:sldMk cId="3071972624" sldId="605"/>
-            <ac:spMk id="10" creationId="{25135258-86AA-DD4B-94B3-F565A335C42A}"/>
-          </ac:spMkLst>
-        </pc:spChg>
-      </pc:sldChg>
-      <pc:sldChg chg="modSp add mod modAnim">
-        <pc:chgData name="Karoline Huth" userId="5ffc0af5-9e46-431a-90db-3541adb3af2d" providerId="ADAL" clId="{3FF81897-590D-204C-9D14-5DDD3DC07670}" dt="2023-07-13T04:44:35.093" v="1622" actId="1076"/>
-        <pc:sldMkLst>
-          <pc:docMk/>
-          <pc:sldMk cId="1393206164" sldId="606"/>
-        </pc:sldMkLst>
-        <pc:spChg chg="mod">
-          <ac:chgData name="Karoline Huth" userId="5ffc0af5-9e46-431a-90db-3541adb3af2d" providerId="ADAL" clId="{3FF81897-590D-204C-9D14-5DDD3DC07670}" dt="2023-07-13T04:44:35.093" v="1622" actId="1076"/>
-          <ac:spMkLst>
-            <pc:docMk/>
-            <pc:sldMk cId="1393206164" sldId="606"/>
-            <ac:spMk id="5" creationId="{ED1D83C2-7DA5-D68E-FE43-8046E2A821C0}"/>
-          </ac:spMkLst>
-        </pc:spChg>
-      </pc:sldChg>
-      <pc:sldChg chg="add del">
-        <pc:chgData name="Karoline Huth" userId="5ffc0af5-9e46-431a-90db-3541adb3af2d" providerId="ADAL" clId="{3FF81897-590D-204C-9D14-5DDD3DC07670}" dt="2023-07-13T04:48:10.976" v="1639" actId="2696"/>
-        <pc:sldMkLst>
-          <pc:docMk/>
-          <pc:sldMk cId="777834770" sldId="607"/>
-        </pc:sldMkLst>
-      </pc:sldChg>
-      <pc:sldChg chg="addSp modSp add">
-        <pc:chgData name="Karoline Huth" userId="5ffc0af5-9e46-431a-90db-3541adb3af2d" providerId="ADAL" clId="{3FF81897-590D-204C-9D14-5DDD3DC07670}" dt="2023-07-13T10:19:59.618" v="1871"/>
+      <pc:sldChg chg="modSp mod ord">
+        <pc:chgData name="Nikola Sekulovski" userId="2345901e-73d2-462d-8b82-8af2d9a2a087" providerId="ADAL" clId="{E9D0067C-498F-4541-B9C7-5E6A919B1BEC}" dt="2024-09-26T12:03:42.609" v="60"/>
         <pc:sldMkLst>
           <pc:docMk/>
           <pc:sldMk cId="300369435" sldId="629"/>
         </pc:sldMkLst>
+        <pc:spChg chg="mod">
+          <ac:chgData name="Nikola Sekulovski" userId="2345901e-73d2-462d-8b82-8af2d9a2a087" providerId="ADAL" clId="{E9D0067C-498F-4541-B9C7-5E6A919B1BEC}" dt="2024-09-26T12:03:14.573" v="56" actId="20577"/>
+          <ac:spMkLst>
+            <pc:docMk/>
+            <pc:sldMk cId="300369435" sldId="629"/>
+            <ac:spMk id="7" creationId="{067B623A-831A-91A0-4BE8-47368F61F7CD}"/>
+          </ac:spMkLst>
+        </pc:spChg>
+      </pc:sldChg>
+      <pc:sldChg chg="addSp modSp mod modNotesTx">
+        <pc:chgData name="Nikola Sekulovski" userId="2345901e-73d2-462d-8b82-8af2d9a2a087" providerId="ADAL" clId="{E9D0067C-498F-4541-B9C7-5E6A919B1BEC}" dt="2024-09-26T16:23:57.158" v="78" actId="20577"/>
+        <pc:sldMkLst>
+          <pc:docMk/>
+          <pc:sldMk cId="4221003262" sldId="630"/>
+        </pc:sldMkLst>
+        <pc:spChg chg="add mod">
+          <ac:chgData name="Nikola Sekulovski" userId="2345901e-73d2-462d-8b82-8af2d9a2a087" providerId="ADAL" clId="{E9D0067C-498F-4541-B9C7-5E6A919B1BEC}" dt="2024-09-26T16:22:26.245" v="76" actId="1076"/>
+          <ac:spMkLst>
+            <pc:docMk/>
+            <pc:sldMk cId="4221003262" sldId="630"/>
+            <ac:spMk id="11" creationId="{A7CCDD77-8281-D4E6-58E1-E8978FB6464C}"/>
+          </ac:spMkLst>
+        </pc:spChg>
         <pc:cxnChg chg="add mod">
-          <ac:chgData name="Karoline Huth" userId="5ffc0af5-9e46-431a-90db-3541adb3af2d" providerId="ADAL" clId="{3FF81897-590D-204C-9D14-5DDD3DC07670}" dt="2023-07-13T10:19:59.618" v="1871"/>
+          <ac:chgData name="Nikola Sekulovski" userId="2345901e-73d2-462d-8b82-8af2d9a2a087" providerId="ADAL" clId="{E9D0067C-498F-4541-B9C7-5E6A919B1BEC}" dt="2024-09-26T16:20:59.925" v="63" actId="13822"/>
           <ac:cxnSpMkLst>
             <pc:docMk/>
-            <pc:sldMk cId="300369435" sldId="629"/>
-            <ac:cxnSpMk id="2" creationId="{3F39B814-8560-195B-BAFC-909DC7F36EA8}"/>
-          </ac:cxnSpMkLst>
-        </pc:cxnChg>
-        <pc:cxnChg chg="add mod">
-          <ac:chgData name="Karoline Huth" userId="5ffc0af5-9e46-431a-90db-3541adb3af2d" providerId="ADAL" clId="{3FF81897-590D-204C-9D14-5DDD3DC07670}" dt="2023-07-13T10:19:59.618" v="1871"/>
-          <ac:cxnSpMkLst>
-            <pc:docMk/>
-            <pc:sldMk cId="300369435" sldId="629"/>
-            <ac:cxnSpMk id="5" creationId="{77FAB24F-CAB7-529A-088B-6F854184248C}"/>
+            <pc:sldMk cId="4221003262" sldId="630"/>
+            <ac:cxnSpMk id="10" creationId="{161D4A7A-6043-1FA1-2E88-A316E64CF093}"/>
           </ac:cxnSpMkLst>
         </pc:cxnChg>
       </pc:sldChg>
     </pc:docChg>
   </pc:docChgLst>
   <pc:docChgLst>
-    <pc:chgData name="Karoline Huth" userId="5ffc0af5-9e46-431a-90db-3541adb3af2d" providerId="ADAL" clId="{3F41ECCE-9FDD-1541-99E5-A7C910E44630}"/>
-    <pc:docChg chg="undo custSel addSld delSld modSld sldOrd">
-      <pc:chgData name="Karoline Huth" userId="5ffc0af5-9e46-431a-90db-3541adb3af2d" providerId="ADAL" clId="{3F41ECCE-9FDD-1541-99E5-A7C910E44630}" dt="2024-02-01T13:05:36.318" v="567" actId="478"/>
+    <pc:chgData name="Karoline Huth" userId="5ffc0af5-9e46-431a-90db-3541adb3af2d" providerId="ADAL" clId="{ED64B26F-7C11-2642-934F-AB01F48A72C5}"/>
+    <pc:docChg chg="custSel addSld modSld">
+      <pc:chgData name="Karoline Huth" userId="5ffc0af5-9e46-431a-90db-3541adb3af2d" providerId="ADAL" clId="{ED64B26F-7C11-2642-934F-AB01F48A72C5}" dt="2023-01-28T09:58:41.549" v="6" actId="478"/>
       <pc:docMkLst>
         <pc:docMk/>
       </pc:docMkLst>
-      <pc:sldChg chg="modSp mod">
-        <pc:chgData name="Karoline Huth" userId="5ffc0af5-9e46-431a-90db-3541adb3af2d" providerId="ADAL" clId="{3F41ECCE-9FDD-1541-99E5-A7C910E44630}" dt="2024-01-31T18:21:06.603" v="16" actId="20577"/>
+      <pc:sldChg chg="delSp add mod">
+        <pc:chgData name="Karoline Huth" userId="5ffc0af5-9e46-431a-90db-3541adb3af2d" providerId="ADAL" clId="{ED64B26F-7C11-2642-934F-AB01F48A72C5}" dt="2023-01-28T09:58:41.549" v="6" actId="478"/>
         <pc:sldMkLst>
           <pc:docMk/>
-          <pc:sldMk cId="3501034909" sldId="293"/>
+          <pc:sldMk cId="3206181153" sldId="593"/>
         </pc:sldMkLst>
-        <pc:spChg chg="mod">
-          <ac:chgData name="Karoline Huth" userId="5ffc0af5-9e46-431a-90db-3541adb3af2d" providerId="ADAL" clId="{3F41ECCE-9FDD-1541-99E5-A7C910E44630}" dt="2024-01-31T18:21:06.603" v="16" actId="20577"/>
-          <ac:spMkLst>
-            <pc:docMk/>
-            <pc:sldMk cId="3501034909" sldId="293"/>
-            <ac:spMk id="7" creationId="{EA29F227-3810-4945-BD9F-54E29C8A97C2}"/>
-          </ac:spMkLst>
-        </pc:spChg>
-      </pc:sldChg>
-      <pc:sldChg chg="ord modNotesTx">
-        <pc:chgData name="Karoline Huth" userId="5ffc0af5-9e46-431a-90db-3541adb3af2d" providerId="ADAL" clId="{3F41ECCE-9FDD-1541-99E5-A7C910E44630}" dt="2024-02-01T12:56:07.936" v="560" actId="20578"/>
-        <pc:sldMkLst>
-          <pc:docMk/>
-          <pc:sldMk cId="3936712023" sldId="601"/>
-        </pc:sldMkLst>
-      </pc:sldChg>
-      <pc:sldChg chg="addSp delSp modSp mod delAnim modAnim">
-        <pc:chgData name="Karoline Huth" userId="5ffc0af5-9e46-431a-90db-3541adb3af2d" providerId="ADAL" clId="{3F41ECCE-9FDD-1541-99E5-A7C910E44630}" dt="2024-02-01T13:05:36.318" v="567" actId="478"/>
-        <pc:sldMkLst>
-          <pc:docMk/>
-          <pc:sldMk cId="972036101" sldId="602"/>
-        </pc:sldMkLst>
-        <pc:spChg chg="mod">
-          <ac:chgData name="Karoline Huth" userId="5ffc0af5-9e46-431a-90db-3541adb3af2d" providerId="ADAL" clId="{3F41ECCE-9FDD-1541-99E5-A7C910E44630}" dt="2024-01-31T18:23:28.972" v="143" actId="20577"/>
-          <ac:spMkLst>
-            <pc:docMk/>
-            <pc:sldMk cId="972036101" sldId="602"/>
-            <ac:spMk id="3" creationId="{BCF9DA46-A066-8C30-6E55-FD9521659176}"/>
-          </ac:spMkLst>
-        </pc:spChg>
-        <pc:spChg chg="del mod">
-          <ac:chgData name="Karoline Huth" userId="5ffc0af5-9e46-431a-90db-3541adb3af2d" providerId="ADAL" clId="{3F41ECCE-9FDD-1541-99E5-A7C910E44630}" dt="2024-01-31T18:23:42.714" v="150" actId="478"/>
-          <ac:spMkLst>
-            <pc:docMk/>
-            <pc:sldMk cId="972036101" sldId="602"/>
-            <ac:spMk id="4" creationId="{F9EA6ED8-47E7-7DDE-5BEC-DBCBB274E8D8}"/>
-          </ac:spMkLst>
-        </pc:spChg>
-        <pc:spChg chg="add mod">
-          <ac:chgData name="Karoline Huth" userId="5ffc0af5-9e46-431a-90db-3541adb3af2d" providerId="ADAL" clId="{3F41ECCE-9FDD-1541-99E5-A7C910E44630}" dt="2024-01-31T18:26:34.742" v="437" actId="20577"/>
-          <ac:spMkLst>
-            <pc:docMk/>
-            <pc:sldMk cId="972036101" sldId="602"/>
-            <ac:spMk id="5" creationId="{4E1AEB7C-6D72-C634-FFF4-6946DF676988}"/>
-          </ac:spMkLst>
-        </pc:spChg>
-        <pc:picChg chg="add del mod modCrop">
-          <ac:chgData name="Karoline Huth" userId="5ffc0af5-9e46-431a-90db-3541adb3af2d" providerId="ADAL" clId="{3F41ECCE-9FDD-1541-99E5-A7C910E44630}" dt="2024-02-01T13:05:36.318" v="567" actId="478"/>
+        <pc:spChg chg="del">
+          <ac:chgData name="Karoline Huth" userId="5ffc0af5-9e46-431a-90db-3541adb3af2d" providerId="ADAL" clId="{ED64B26F-7C11-2642-934F-AB01F48A72C5}" dt="2023-01-28T09:58:39.089" v="5" actId="478"/>
+          <ac:spMkLst>
+            <pc:docMk/>
+            <pc:sldMk cId="3206181153" sldId="593"/>
+            <ac:spMk id="25" creationId="{B8005C81-1B67-81B2-C9CA-3355369F7E69}"/>
+          </ac:spMkLst>
+        </pc:spChg>
+        <pc:picChg chg="del">
+          <ac:chgData name="Karoline Huth" userId="5ffc0af5-9e46-431a-90db-3541adb3af2d" providerId="ADAL" clId="{ED64B26F-7C11-2642-934F-AB01F48A72C5}" dt="2023-01-28T09:58:36.579" v="4" actId="478"/>
           <ac:picMkLst>
             <pc:docMk/>
-            <pc:sldMk cId="972036101" sldId="602"/>
-            <ac:picMk id="9" creationId="{3CB4B699-9EB8-5FB9-6507-D1FE0825D7B5}"/>
+            <pc:sldMk cId="3206181153" sldId="593"/>
+            <ac:picMk id="21" creationId="{2395EE57-B078-2B8E-490C-A6776C442A84}"/>
           </ac:picMkLst>
         </pc:picChg>
-      </pc:sldChg>
-      <pc:sldChg chg="modSp mod">
-        <pc:chgData name="Karoline Huth" userId="5ffc0af5-9e46-431a-90db-3541adb3af2d" providerId="ADAL" clId="{3F41ECCE-9FDD-1541-99E5-A7C910E44630}" dt="2024-01-31T18:38:36.126" v="540" actId="114"/>
-        <pc:sldMkLst>
-          <pc:docMk/>
-          <pc:sldMk cId="300369435" sldId="629"/>
-        </pc:sldMkLst>
-        <pc:spChg chg="mod">
-          <ac:chgData name="Karoline Huth" userId="5ffc0af5-9e46-431a-90db-3541adb3af2d" providerId="ADAL" clId="{3F41ECCE-9FDD-1541-99E5-A7C910E44630}" dt="2024-01-31T18:30:15.220" v="495" actId="1076"/>
-          <ac:spMkLst>
-            <pc:docMk/>
-            <pc:sldMk cId="300369435" sldId="629"/>
-            <ac:spMk id="4" creationId="{95BCFEA4-5872-F7A8-D62B-A3276A5D364E}"/>
-          </ac:spMkLst>
-        </pc:spChg>
-        <pc:spChg chg="mod">
-          <ac:chgData name="Karoline Huth" userId="5ffc0af5-9e46-431a-90db-3541adb3af2d" providerId="ADAL" clId="{3F41ECCE-9FDD-1541-99E5-A7C910E44630}" dt="2024-01-31T18:38:36.126" v="540" actId="114"/>
-          <ac:spMkLst>
-            <pc:docMk/>
-            <pc:sldMk cId="300369435" sldId="629"/>
-            <ac:spMk id="7" creationId="{067B623A-831A-91A0-4BE8-47368F61F7CD}"/>
-          </ac:spMkLst>
-        </pc:spChg>
-      </pc:sldChg>
-      <pc:sldChg chg="add del">
-        <pc:chgData name="Karoline Huth" userId="5ffc0af5-9e46-431a-90db-3541adb3af2d" providerId="ADAL" clId="{3F41ECCE-9FDD-1541-99E5-A7C910E44630}" dt="2024-02-01T13:01:44.410" v="562" actId="2696"/>
-        <pc:sldMkLst>
-          <pc:docMk/>
-          <pc:sldMk cId="72108519" sldId="630"/>
-        </pc:sldMkLst>
-      </pc:sldChg>
-      <pc:sldChg chg="add modAnim">
-        <pc:chgData name="Karoline Huth" userId="5ffc0af5-9e46-431a-90db-3541adb3af2d" providerId="ADAL" clId="{3F41ECCE-9FDD-1541-99E5-A7C910E44630}" dt="2024-02-01T13:05:27.793" v="566"/>
-        <pc:sldMkLst>
-          <pc:docMk/>
-          <pc:sldMk cId="4221003262" sldId="630"/>
-        </pc:sldMkLst>
-      </pc:sldChg>
-    </pc:docChg>
-  </pc:docChgLst>
-  <pc:docChgLst>
-    <pc:chgData name="Nikola Sekulovski" userId="2345901e-73d2-462d-8b82-8af2d9a2a087" providerId="ADAL" clId="{5C923A5F-9784-4AA6-B75E-015B12594196}"/>
-    <pc:docChg chg="undo custSel delSld modSld sldOrd">
-      <pc:chgData name="Nikola Sekulovski" userId="2345901e-73d2-462d-8b82-8af2d9a2a087" providerId="ADAL" clId="{5C923A5F-9784-4AA6-B75E-015B12594196}" dt="2024-09-18T07:50:10.315" v="243" actId="2696"/>
-      <pc:docMkLst>
-        <pc:docMk/>
-      </pc:docMkLst>
-      <pc:sldChg chg="addSp modSp del mod">
-        <pc:chgData name="Nikola Sekulovski" userId="2345901e-73d2-462d-8b82-8af2d9a2a087" providerId="ADAL" clId="{5C923A5F-9784-4AA6-B75E-015B12594196}" dt="2024-09-18T07:47:57.489" v="234" actId="2696"/>
-        <pc:sldMkLst>
-          <pc:docMk/>
-          <pc:sldMk cId="3501034909" sldId="293"/>
-        </pc:sldMkLst>
-        <pc:spChg chg="add mod">
-          <ac:chgData name="Nikola Sekulovski" userId="2345901e-73d2-462d-8b82-8af2d9a2a087" providerId="ADAL" clId="{5C923A5F-9784-4AA6-B75E-015B12594196}" dt="2024-09-18T07:46:55.724" v="205" actId="1076"/>
-          <ac:spMkLst>
-            <pc:docMk/>
-            <pc:sldMk cId="3501034909" sldId="293"/>
-            <ac:spMk id="2" creationId="{685AC5EF-8EE6-11CC-4874-529A8CF87034}"/>
-          </ac:spMkLst>
-        </pc:spChg>
-        <pc:spChg chg="mod">
-          <ac:chgData name="Nikola Sekulovski" userId="2345901e-73d2-462d-8b82-8af2d9a2a087" providerId="ADAL" clId="{5C923A5F-9784-4AA6-B75E-015B12594196}" dt="2024-09-18T07:47:32.366" v="210" actId="1076"/>
-          <ac:spMkLst>
-            <pc:docMk/>
-            <pc:sldMk cId="3501034909" sldId="293"/>
-            <ac:spMk id="11" creationId="{2A82E7EC-5634-5C4D-A428-6797F1086FBC}"/>
-          </ac:spMkLst>
-        </pc:spChg>
-        <pc:picChg chg="mod">
-          <ac:chgData name="Nikola Sekulovski" userId="2345901e-73d2-462d-8b82-8af2d9a2a087" providerId="ADAL" clId="{5C923A5F-9784-4AA6-B75E-015B12594196}" dt="2024-09-18T07:47:00.527" v="206" actId="14100"/>
+        <pc:picChg chg="del">
+          <ac:chgData name="Karoline Huth" userId="5ffc0af5-9e46-431a-90db-3541adb3af2d" providerId="ADAL" clId="{ED64B26F-7C11-2642-934F-AB01F48A72C5}" dt="2023-01-28T09:58:34.062" v="2" actId="478"/>
           <ac:picMkLst>
             <pc:docMk/>
-            <pc:sldMk cId="3501034909" sldId="293"/>
-            <ac:picMk id="1026" creationId="{09113EF3-99F3-E64A-F954-772A4A9F8A74}"/>
+            <pc:sldMk cId="3206181153" sldId="593"/>
+            <ac:picMk id="23" creationId="{5AF65A58-3279-2B34-A816-4BE5964A8910}"/>
           </ac:picMkLst>
         </pc:picChg>
-      </pc:sldChg>
-      <pc:sldChg chg="del">
-        <pc:chgData name="Nikola Sekulovski" userId="2345901e-73d2-462d-8b82-8af2d9a2a087" providerId="ADAL" clId="{5C923A5F-9784-4AA6-B75E-015B12594196}" dt="2024-09-18T07:50:04.296" v="242" actId="2696"/>
-        <pc:sldMkLst>
-          <pc:docMk/>
-          <pc:sldMk cId="1273181633" sldId="312"/>
-        </pc:sldMkLst>
-      </pc:sldChg>
-      <pc:sldChg chg="addSp modSp mod ord">
-        <pc:chgData name="Nikola Sekulovski" userId="2345901e-73d2-462d-8b82-8af2d9a2a087" providerId="ADAL" clId="{5C923A5F-9784-4AA6-B75E-015B12594196}" dt="2024-09-18T07:49:47.506" v="241" actId="255"/>
-        <pc:sldMkLst>
-          <pc:docMk/>
-          <pc:sldMk cId="1131232699" sldId="346"/>
-        </pc:sldMkLst>
-        <pc:spChg chg="add mod">
-          <ac:chgData name="Nikola Sekulovski" userId="2345901e-73d2-462d-8b82-8af2d9a2a087" providerId="ADAL" clId="{5C923A5F-9784-4AA6-B75E-015B12594196}" dt="2024-09-18T07:49:47.506" v="241" actId="255"/>
-          <ac:spMkLst>
-            <pc:docMk/>
-            <pc:sldMk cId="1131232699" sldId="346"/>
-            <ac:spMk id="4" creationId="{F60D40DD-14D3-852F-4D60-6EBBA7238577}"/>
-          </ac:spMkLst>
-        </pc:spChg>
-        <pc:spChg chg="mod">
-          <ac:chgData name="Nikola Sekulovski" userId="2345901e-73d2-462d-8b82-8af2d9a2a087" providerId="ADAL" clId="{5C923A5F-9784-4AA6-B75E-015B12594196}" dt="2024-09-18T07:47:52.185" v="233" actId="20577"/>
-          <ac:spMkLst>
-            <pc:docMk/>
-            <pc:sldMk cId="1131232699" sldId="346"/>
-            <ac:spMk id="6" creationId="{A127B32E-17D6-495D-2F9B-41D316BDE8CA}"/>
-          </ac:spMkLst>
-        </pc:spChg>
-      </pc:sldChg>
-      <pc:sldChg chg="del">
-        <pc:chgData name="Nikola Sekulovski" userId="2345901e-73d2-462d-8b82-8af2d9a2a087" providerId="ADAL" clId="{5C923A5F-9784-4AA6-B75E-015B12594196}" dt="2024-09-18T07:50:10.315" v="243" actId="2696"/>
-        <pc:sldMkLst>
-          <pc:docMk/>
-          <pc:sldMk cId="1186627447" sldId="597"/>
-        </pc:sldMkLst>
-      </pc:sldChg>
-      <pc:sldChg chg="modSp mod">
-        <pc:chgData name="Nikola Sekulovski" userId="2345901e-73d2-462d-8b82-8af2d9a2a087" providerId="ADAL" clId="{5C923A5F-9784-4AA6-B75E-015B12594196}" dt="2024-09-17T07:47:49.576" v="129" actId="20577"/>
-        <pc:sldMkLst>
-          <pc:docMk/>
-          <pc:sldMk cId="3936712023" sldId="601"/>
-        </pc:sldMkLst>
-        <pc:spChg chg="mod">
-          <ac:chgData name="Nikola Sekulovski" userId="2345901e-73d2-462d-8b82-8af2d9a2a087" providerId="ADAL" clId="{5C923A5F-9784-4AA6-B75E-015B12594196}" dt="2024-09-17T07:47:49.576" v="129" actId="20577"/>
-          <ac:spMkLst>
-            <pc:docMk/>
-            <pc:sldMk cId="3936712023" sldId="601"/>
-            <ac:spMk id="8" creationId="{7C2C20C3-2FB0-4500-9631-5BD18DFFAEFB}"/>
-          </ac:spMkLst>
-        </pc:spChg>
-      </pc:sldChg>
-      <pc:sldChg chg="modSp mod">
-        <pc:chgData name="Nikola Sekulovski" userId="2345901e-73d2-462d-8b82-8af2d9a2a087" providerId="ADAL" clId="{5C923A5F-9784-4AA6-B75E-015B12594196}" dt="2024-09-17T07:49:08.375" v="203" actId="20577"/>
-        <pc:sldMkLst>
-          <pc:docMk/>
-          <pc:sldMk cId="300369435" sldId="629"/>
-        </pc:sldMkLst>
-        <pc:spChg chg="mod">
-          <ac:chgData name="Nikola Sekulovski" userId="2345901e-73d2-462d-8b82-8af2d9a2a087" providerId="ADAL" clId="{5C923A5F-9784-4AA6-B75E-015B12594196}" dt="2024-09-17T07:49:08.375" v="203" actId="20577"/>
-          <ac:spMkLst>
-            <pc:docMk/>
-            <pc:sldMk cId="300369435" sldId="629"/>
-            <ac:spMk id="7" creationId="{067B623A-831A-91A0-4BE8-47368F61F7CD}"/>
-          </ac:spMkLst>
-        </pc:spChg>
-      </pc:sldChg>
-      <pc:sldChg chg="addSp modSp mod modAnim">
-        <pc:chgData name="Nikola Sekulovski" userId="2345901e-73d2-462d-8b82-8af2d9a2a087" providerId="ADAL" clId="{5C923A5F-9784-4AA6-B75E-015B12594196}" dt="2024-09-18T07:49:36.692" v="240" actId="1076"/>
-        <pc:sldMkLst>
-          <pc:docMk/>
-          <pc:sldMk cId="668909138" sldId="661"/>
-        </pc:sldMkLst>
-        <pc:spChg chg="add mod">
-          <ac:chgData name="Nikola Sekulovski" userId="2345901e-73d2-462d-8b82-8af2d9a2a087" providerId="ADAL" clId="{5C923A5F-9784-4AA6-B75E-015B12594196}" dt="2024-09-18T07:48:43.923" v="238" actId="1076"/>
-          <ac:spMkLst>
-            <pc:docMk/>
-            <pc:sldMk cId="668909138" sldId="661"/>
-            <ac:spMk id="6" creationId="{AEA7D37A-2BD9-40EF-4E31-64DD3133CD19}"/>
-          </ac:spMkLst>
-        </pc:spChg>
-        <pc:spChg chg="add mod">
-          <ac:chgData name="Nikola Sekulovski" userId="2345901e-73d2-462d-8b82-8af2d9a2a087" providerId="ADAL" clId="{5C923A5F-9784-4AA6-B75E-015B12594196}" dt="2024-09-18T07:49:36.692" v="240" actId="1076"/>
-          <ac:spMkLst>
-            <pc:docMk/>
-            <pc:sldMk cId="668909138" sldId="661"/>
-            <ac:spMk id="16" creationId="{40819171-3112-9678-50B6-8F564A378674}"/>
-          </ac:spMkLst>
-        </pc:spChg>
-        <pc:grpChg chg="mod">
-          <ac:chgData name="Nikola Sekulovski" userId="2345901e-73d2-462d-8b82-8af2d9a2a087" providerId="ADAL" clId="{5C923A5F-9784-4AA6-B75E-015B12594196}" dt="2024-09-18T07:48:40.020" v="237" actId="1076"/>
-          <ac:grpSpMkLst>
-            <pc:docMk/>
-            <pc:sldMk cId="668909138" sldId="661"/>
-            <ac:grpSpMk id="19" creationId="{02C07555-95AA-4358-7BDA-E8240E6CF583}"/>
-          </ac:grpSpMkLst>
-        </pc:grpChg>
-      </pc:sldChg>
-    </pc:docChg>
-  </pc:docChgLst>
-  <pc:docChgLst>
-    <pc:chgData name="Nikola Sekulovski" userId="S::n.sekulovski@uva.nl::2345901e-73d2-462d-8b82-8af2d9a2a087" providerId="AD" clId="Web-{3E4048E3-619F-79B8-DFAB-4D8E264345BB}"/>
-    <pc:docChg chg="addSld delSld modSld">
-      <pc:chgData name="Nikola Sekulovski" userId="S::n.sekulovski@uva.nl::2345901e-73d2-462d-8b82-8af2d9a2a087" providerId="AD" clId="Web-{3E4048E3-619F-79B8-DFAB-4D8E264345BB}" dt="2024-09-18T10:38:01.466" v="6"/>
-      <pc:docMkLst>
-        <pc:docMk/>
-      </pc:docMkLst>
-      <pc:sldChg chg="del">
-        <pc:chgData name="Nikola Sekulovski" userId="S::n.sekulovski@uva.nl::2345901e-73d2-462d-8b82-8af2d9a2a087" providerId="AD" clId="Web-{3E4048E3-619F-79B8-DFAB-4D8E264345BB}" dt="2024-09-18T10:38:01.466" v="6"/>
-        <pc:sldMkLst>
-          <pc:docMk/>
-          <pc:sldMk cId="760859062" sldId="598"/>
-        </pc:sldMkLst>
-      </pc:sldChg>
-      <pc:sldChg chg="addSp modSp add replId">
-        <pc:chgData name="Nikola Sekulovski" userId="S::n.sekulovski@uva.nl::2345901e-73d2-462d-8b82-8af2d9a2a087" providerId="AD" clId="Web-{3E4048E3-619F-79B8-DFAB-4D8E264345BB}" dt="2024-09-18T10:37:49.699" v="5" actId="1076"/>
-        <pc:sldMkLst>
-          <pc:docMk/>
-          <pc:sldMk cId="58150391" sldId="662"/>
-        </pc:sldMkLst>
-        <pc:spChg chg="add mod">
-          <ac:chgData name="Nikola Sekulovski" userId="S::n.sekulovski@uva.nl::2345901e-73d2-462d-8b82-8af2d9a2a087" providerId="AD" clId="Web-{3E4048E3-619F-79B8-DFAB-4D8E264345BB}" dt="2024-09-18T10:37:49.699" v="5" actId="1076"/>
-          <ac:spMkLst>
-            <pc:docMk/>
-            <pc:sldMk cId="58150391" sldId="662"/>
-            <ac:spMk id="16" creationId="{0FFE57FD-C9D4-FC93-2959-FFEF77DEDFB2}"/>
-          </ac:spMkLst>
-        </pc:spChg>
+        <pc:picChg chg="del">
+          <ac:chgData name="Karoline Huth" userId="5ffc0af5-9e46-431a-90db-3541adb3af2d" providerId="ADAL" clId="{ED64B26F-7C11-2642-934F-AB01F48A72C5}" dt="2023-01-28T09:58:32.541" v="1" actId="478"/>
+          <ac:picMkLst>
+            <pc:docMk/>
+            <pc:sldMk cId="3206181153" sldId="593"/>
+            <ac:picMk id="24" creationId="{11AE8392-0254-A66C-6D9E-7AB057EF55EF}"/>
+          </ac:picMkLst>
+        </pc:picChg>
+        <pc:picChg chg="del">
+          <ac:chgData name="Karoline Huth" userId="5ffc0af5-9e46-431a-90db-3541adb3af2d" providerId="ADAL" clId="{ED64B26F-7C11-2642-934F-AB01F48A72C5}" dt="2023-01-28T09:58:35.376" v="3" actId="478"/>
+          <ac:picMkLst>
+            <pc:docMk/>
+            <pc:sldMk cId="3206181153" sldId="593"/>
+            <ac:picMk id="1026" creationId="{F1E41132-CD25-4445-850A-0D74A6F3BBAD}"/>
+          </ac:picMkLst>
+        </pc:picChg>
+        <pc:picChg chg="del">
+          <ac:chgData name="Karoline Huth" userId="5ffc0af5-9e46-431a-90db-3541adb3af2d" providerId="ADAL" clId="{ED64B26F-7C11-2642-934F-AB01F48A72C5}" dt="2023-01-28T09:58:41.549" v="6" actId="478"/>
+          <ac:picMkLst>
+            <pc:docMk/>
+            <pc:sldMk cId="3206181153" sldId="593"/>
+            <ac:picMk id="4098" creationId="{49581BDF-664E-3B7E-94C3-7C10016CCE1E}"/>
+          </ac:picMkLst>
+        </pc:picChg>
+        <pc:picChg chg="del">
+          <ac:chgData name="Karoline Huth" userId="5ffc0af5-9e46-431a-90db-3541adb3af2d" providerId="ADAL" clId="{ED64B26F-7C11-2642-934F-AB01F48A72C5}" dt="2023-01-28T09:58:41.549" v="6" actId="478"/>
+          <ac:picMkLst>
+            <pc:docMk/>
+            <pc:sldMk cId="3206181153" sldId="593"/>
+            <ac:picMk id="4100" creationId="{F79799AA-D495-9BD0-E4D7-DC008D6FCDCE}"/>
+          </ac:picMkLst>
+        </pc:picChg>
       </pc:sldChg>
     </pc:docChg>
   </pc:docChgLst>
@@ -9717,7 +9770,7 @@
           <a:p>
             <a:fld id="{F5E6E0F9-A748-BE43-8F37-489A4C0070B0}" type="datetimeFigureOut">
               <a:rPr lang="en-US" smtClean="0"/>
-              <a:t>9/18/2024</a:t>
+              <a:t>9/26/2024</a:t>
             </a:fld>
             <a:endParaRPr lang="en-US"/>
           </a:p>
@@ -10461,56 +10514,6 @@
           <a:bodyPr/>
           <a:lstStyle/>
           <a:p>
-            <a:pPr marL="0" marR="0" lvl="0" indent="0" algn="l" defTabSz="914400" rtl="0" eaLnBrk="1" fontAlgn="auto" latinLnBrk="0" hangingPunct="1">
-              <a:lnSpc>
-                <a:spcPct val="100000"/>
-              </a:lnSpc>
-              <a:spcBef>
-                <a:spcPts val="0"/>
-              </a:spcBef>
-              <a:spcAft>
-                <a:spcPts val="0"/>
-              </a:spcAft>
-              <a:buClrTx/>
-              <a:buSzTx/>
-              <a:buFontTx/>
-              <a:buNone/>
-              <a:tabLst/>
-              <a:defRPr/>
-            </a:pPr>
-            <a:r>
-              <a:rPr lang="en-US" dirty="0"/>
-              <a:t>Objective priors: In some cases, you may want to use an objective specification of the prior probabilities that meets certain criteria. For example, in the lecture, we specified the prior probabilities to reflect our indifference to a particular structure. You could also specify the prior probabilities to account for the fact that we are making multiple.</a:t>
-            </a:r>
-          </a:p>
-          <a:p>
-            <a:endParaRPr lang="en-US" dirty="0"/>
-          </a:p>
-          <a:p>
-            <a:r>
-              <a:rPr lang="en-US" dirty="0"/>
-              <a:t>Subject matter expertise:  If you have a good understanding of the problem at hand and the context in which the data were collected, you can use your expertise to inform the prior distribution. Or you can elicit this information from other experts. </a:t>
-            </a:r>
-          </a:p>
-          <a:p>
-            <a:endParaRPr lang="en-US" dirty="0"/>
-          </a:p>
-          <a:p>
-            <a:r>
-              <a:rPr lang="en-US" dirty="0"/>
-              <a:t>Previous research: If there is prior research on the topic, you can use the results of that research to inform the prior distribution. For example, you may find that certain relationships are almost always in the network or almost never; you may find that networks have very many relationships or only a few; you may find that variables are always positively related. </a:t>
-            </a:r>
-          </a:p>
-          <a:p>
-            <a:endParaRPr lang="en-US" dirty="0"/>
-          </a:p>
-          <a:p>
-            <a:r>
-              <a:rPr lang="en-US" dirty="0"/>
-              <a:t>Empirical data: If you have some data that is similar or relevant to the data you want to analyze, you can use it to inform the prior distribution.</a:t>
-            </a:r>
-          </a:p>
-          <a:p>
             <a:endParaRPr lang="en-US" dirty="0"/>
           </a:p>
           <a:p>
@@ -10727,6 +10730,90 @@
   <p:cSld>
     <p:spTree>
       <p:nvGrpSpPr>
+        <p:cNvPr id="1" name=""/>
+        <p:cNvGrpSpPr/>
+        <p:nvPr/>
+      </p:nvGrpSpPr>
+      <p:grpSpPr>
+        <a:xfrm>
+          <a:off x="0" y="0"/>
+          <a:ext cx="0" cy="0"/>
+          <a:chOff x="0" y="0"/>
+          <a:chExt cx="0" cy="0"/>
+        </a:xfrm>
+      </p:grpSpPr>
+      <p:sp>
+        <p:nvSpPr>
+          <p:cNvPr id="2" name="Slide Image Placeholder 1"/>
+          <p:cNvSpPr>
+            <a:spLocks noGrp="1" noRot="1" noChangeAspect="1"/>
+          </p:cNvSpPr>
+          <p:nvPr>
+            <p:ph type="sldImg"/>
+          </p:nvPr>
+        </p:nvSpPr>
+        <p:spPr/>
+      </p:sp>
+      <p:sp>
+        <p:nvSpPr>
+          <p:cNvPr id="3" name="Notes Placeholder 2"/>
+          <p:cNvSpPr>
+            <a:spLocks noGrp="1"/>
+          </p:cNvSpPr>
+          <p:nvPr>
+            <p:ph type="body" idx="1"/>
+          </p:nvPr>
+        </p:nvSpPr>
+        <p:spPr/>
+        <p:txBody>
+          <a:bodyPr/>
+          <a:lstStyle/>
+          <a:p>
+            <a:endParaRPr lang="en-US" dirty="0"/>
+          </a:p>
+        </p:txBody>
+      </p:sp>
+      <p:sp>
+        <p:nvSpPr>
+          <p:cNvPr id="4" name="Slide Number Placeholder 3"/>
+          <p:cNvSpPr>
+            <a:spLocks noGrp="1"/>
+          </p:cNvSpPr>
+          <p:nvPr>
+            <p:ph type="sldNum" sz="quarter" idx="5"/>
+          </p:nvPr>
+        </p:nvSpPr>
+        <p:spPr/>
+        <p:txBody>
+          <a:bodyPr/>
+          <a:lstStyle/>
+          <a:p>
+            <a:fld id="{633D20B2-3F9A-E745-B8DA-1B81CB7B46DB}" type="slidenum">
+              <a:rPr lang="en-US" smtClean="0"/>
+              <a:t>17</a:t>
+            </a:fld>
+            <a:endParaRPr lang="en-US"/>
+          </a:p>
+        </p:txBody>
+      </p:sp>
+    </p:spTree>
+    <p:extLst>
+      <p:ext uri="{BB962C8B-B14F-4D97-AF65-F5344CB8AC3E}">
+        <p14:creationId xmlns:p14="http://schemas.microsoft.com/office/powerpoint/2010/main" val="1318768277"/>
+      </p:ext>
+    </p:extLst>
+  </p:cSld>
+  <p:clrMapOvr>
+    <a:masterClrMapping/>
+  </p:clrMapOvr>
+</p:notes>
+</file>
+
+<file path=ppt/notesSlides/notesSlide18.xml><?xml version="1.0" encoding="utf-8"?>
+<p:notes xmlns:a="http://schemas.openxmlformats.org/drawingml/2006/main" xmlns:r="http://schemas.openxmlformats.org/officeDocument/2006/relationships" xmlns:p="http://schemas.openxmlformats.org/presentationml/2006/main">
+  <p:cSld>
+    <p:spTree>
+      <p:nvGrpSpPr>
         <p:cNvPr id="1" name="">
           <a:extLst>
             <a:ext uri="{FF2B5EF4-FFF2-40B4-BE49-F238E27FC236}">
@@ -10811,7 +10898,7 @@
           <a:p>
             <a:fld id="{DFB3E1A2-D778-C442-AB48-8F91582977C6}" type="slidenum">
               <a:rPr lang="en-US" smtClean="0"/>
-              <a:t>17</a:t>
+              <a:t>18</a:t>
             </a:fld>
             <a:endParaRPr lang="en-US"/>
           </a:p>
@@ -10830,7 +10917,7 @@
 </p:notes>
 </file>
 
-<file path=ppt/notesSlides/notesSlide18.xml><?xml version="1.0" encoding="utf-8"?>
+<file path=ppt/notesSlides/notesSlide19.xml><?xml version="1.0" encoding="utf-8"?>
 <p:notes xmlns:a="http://schemas.openxmlformats.org/drawingml/2006/main" xmlns:r="http://schemas.openxmlformats.org/officeDocument/2006/relationships" xmlns:p="http://schemas.openxmlformats.org/presentationml/2006/main">
   <p:cSld>
     <p:spTree>
@@ -10892,19 +10979,6 @@
           <a:bodyPr/>
           <a:lstStyle/>
           <a:p>
-            <a:pPr algn="l" fontAlgn="base"/>
-            <a:r>
-              <a:rPr lang="en-CA" b="0" i="0" dirty="0">
-                <a:solidFill>
-                  <a:srgbClr val="232629"/>
-                </a:solidFill>
-                <a:effectLst/>
-                <a:latin typeface="inherit"/>
-              </a:rPr>
-              <a:t>The unit information prior is a data-dependent prior, (typically multivariate Normal) with mean at the MLE, and precision equal to the information provided by one observation. </a:t>
-            </a:r>
-          </a:p>
-          <a:p>
             <a:endParaRPr lang="en-US" dirty="0"/>
           </a:p>
         </p:txBody>
@@ -10932,7 +11006,7 @@
           <a:p>
             <a:fld id="{633D20B2-3F9A-E745-B8DA-1B81CB7B46DB}" type="slidenum">
               <a:rPr lang="en-US" smtClean="0"/>
-              <a:t>18</a:t>
+              <a:t>20</a:t>
             </a:fld>
             <a:endParaRPr lang="en-US"/>
           </a:p>
@@ -10942,90 +11016,6 @@
     <p:extLst>
       <p:ext uri="{BB962C8B-B14F-4D97-AF65-F5344CB8AC3E}">
         <p14:creationId xmlns:p14="http://schemas.microsoft.com/office/powerpoint/2010/main" val="600792637"/>
-      </p:ext>
-    </p:extLst>
-  </p:cSld>
-  <p:clrMapOvr>
-    <a:masterClrMapping/>
-  </p:clrMapOvr>
-</p:notes>
-</file>
-
-<file path=ppt/notesSlides/notesSlide19.xml><?xml version="1.0" encoding="utf-8"?>
-<p:notes xmlns:a="http://schemas.openxmlformats.org/drawingml/2006/main" xmlns:r="http://schemas.openxmlformats.org/officeDocument/2006/relationships" xmlns:p="http://schemas.openxmlformats.org/presentationml/2006/main">
-  <p:cSld>
-    <p:spTree>
-      <p:nvGrpSpPr>
-        <p:cNvPr id="1" name=""/>
-        <p:cNvGrpSpPr/>
-        <p:nvPr/>
-      </p:nvGrpSpPr>
-      <p:grpSpPr>
-        <a:xfrm>
-          <a:off x="0" y="0"/>
-          <a:ext cx="0" cy="0"/>
-          <a:chOff x="0" y="0"/>
-          <a:chExt cx="0" cy="0"/>
-        </a:xfrm>
-      </p:grpSpPr>
-      <p:sp>
-        <p:nvSpPr>
-          <p:cNvPr id="2" name="Slide Image Placeholder 1"/>
-          <p:cNvSpPr>
-            <a:spLocks noGrp="1" noRot="1" noChangeAspect="1"/>
-          </p:cNvSpPr>
-          <p:nvPr>
-            <p:ph type="sldImg"/>
-          </p:nvPr>
-        </p:nvSpPr>
-        <p:spPr/>
-      </p:sp>
-      <p:sp>
-        <p:nvSpPr>
-          <p:cNvPr id="3" name="Notes Placeholder 2"/>
-          <p:cNvSpPr>
-            <a:spLocks noGrp="1"/>
-          </p:cNvSpPr>
-          <p:nvPr>
-            <p:ph type="body" idx="1"/>
-          </p:nvPr>
-        </p:nvSpPr>
-        <p:spPr/>
-        <p:txBody>
-          <a:bodyPr/>
-          <a:lstStyle/>
-          <a:p>
-            <a:endParaRPr lang="en-US" dirty="0"/>
-          </a:p>
-        </p:txBody>
-      </p:sp>
-      <p:sp>
-        <p:nvSpPr>
-          <p:cNvPr id="4" name="Slide Number Placeholder 3"/>
-          <p:cNvSpPr>
-            <a:spLocks noGrp="1"/>
-          </p:cNvSpPr>
-          <p:nvPr>
-            <p:ph type="sldNum" sz="quarter" idx="5"/>
-          </p:nvPr>
-        </p:nvSpPr>
-        <p:spPr/>
-        <p:txBody>
-          <a:bodyPr/>
-          <a:lstStyle/>
-          <a:p>
-            <a:fld id="{633D20B2-3F9A-E745-B8DA-1B81CB7B46DB}" type="slidenum">
-              <a:rPr lang="en-US" smtClean="0"/>
-              <a:t>19</a:t>
-            </a:fld>
-            <a:endParaRPr lang="en-US"/>
-          </a:p>
-        </p:txBody>
-      </p:sp>
-    </p:spTree>
-    <p:extLst>
-      <p:ext uri="{BB962C8B-B14F-4D97-AF65-F5344CB8AC3E}">
-        <p14:creationId xmlns:p14="http://schemas.microsoft.com/office/powerpoint/2010/main" val="1318768277"/>
       </p:ext>
     </p:extLst>
   </p:cSld>
@@ -11902,7 +11892,7 @@
           <a:p>
             <a:fld id="{ED291B17-9318-49DB-B28B-6E5994AE9581}" type="datetime1">
               <a:rPr lang="en-US" smtClean="0"/>
-              <a:t>9/18/2024</a:t>
+              <a:t>9/26/2024</a:t>
             </a:fld>
             <a:endParaRPr lang="en-US" dirty="0"/>
           </a:p>
@@ -12100,7 +12090,7 @@
           <a:p>
             <a:fld id="{2CED4963-E985-44C4-B8C4-FDD613B7C2F8}" type="datetime1">
               <a:rPr lang="en-US" smtClean="0"/>
-              <a:t>9/18/2024</a:t>
+              <a:t>9/26/2024</a:t>
             </a:fld>
             <a:endParaRPr lang="en-US" dirty="0"/>
           </a:p>
@@ -12308,7 +12298,7 @@
           <a:p>
             <a:fld id="{ED291B17-9318-49DB-B28B-6E5994AE9581}" type="datetime1">
               <a:rPr lang="en-US" smtClean="0"/>
-              <a:t>9/18/2024</a:t>
+              <a:t>9/26/2024</a:t>
             </a:fld>
             <a:endParaRPr lang="en-US" dirty="0"/>
           </a:p>
@@ -12506,7 +12496,7 @@
           <a:p>
             <a:fld id="{78DD82B9-B8EE-4375-B6FF-88FA6ABB15D9}" type="datetime1">
               <a:rPr lang="en-US" smtClean="0"/>
-              <a:t>9/18/2024</a:t>
+              <a:t>9/26/2024</a:t>
             </a:fld>
             <a:endParaRPr lang="en-US" dirty="0"/>
           </a:p>
@@ -12781,7 +12771,7 @@
           <a:p>
             <a:fld id="{B2497495-0637-405E-AE64-5CC7506D51F5}" type="datetime1">
               <a:rPr lang="en-US" smtClean="0"/>
-              <a:t>9/18/2024</a:t>
+              <a:t>9/26/2024</a:t>
             </a:fld>
             <a:endParaRPr lang="en-US" dirty="0"/>
           </a:p>
@@ -13046,7 +13036,7 @@
           <a:p>
             <a:fld id="{7BFFD690-9426-415D-8B65-26881E07B2D4}" type="datetime1">
               <a:rPr lang="en-US" smtClean="0"/>
-              <a:t>9/18/2024</a:t>
+              <a:t>9/26/2024</a:t>
             </a:fld>
             <a:endParaRPr lang="en-US" dirty="0"/>
           </a:p>
@@ -13458,7 +13448,7 @@
           <a:p>
             <a:fld id="{04C4989A-474C-40DE-95B9-011C28B71673}" type="datetime1">
               <a:rPr lang="en-US" smtClean="0"/>
-              <a:t>9/18/2024</a:t>
+              <a:t>9/26/2024</a:t>
             </a:fld>
             <a:endParaRPr lang="en-US" dirty="0"/>
           </a:p>
@@ -13599,7 +13589,7 @@
           <a:p>
             <a:fld id="{5DB4ED54-5B5E-4A04-93D3-5772E3CE3818}" type="datetime1">
               <a:rPr lang="en-US" smtClean="0"/>
-              <a:t>9/18/2024</a:t>
+              <a:t>9/26/2024</a:t>
             </a:fld>
             <a:endParaRPr lang="en-US" dirty="0"/>
           </a:p>
@@ -13712,7 +13702,7 @@
           <a:p>
             <a:fld id="{4EDE50D6-574B-40AF-946F-D52A04ADE379}" type="datetime1">
               <a:rPr lang="en-US" smtClean="0"/>
-              <a:t>9/18/2024</a:t>
+              <a:t>9/26/2024</a:t>
             </a:fld>
             <a:endParaRPr lang="en-US" dirty="0"/>
           </a:p>
@@ -14023,7 +14013,7 @@
           <a:p>
             <a:fld id="{D82884F1-FFEA-405F-9602-3DCA865EDA4E}" type="datetime1">
               <a:rPr lang="en-US" smtClean="0"/>
-              <a:t>9/18/2024</a:t>
+              <a:t>9/26/2024</a:t>
             </a:fld>
             <a:endParaRPr lang="en-US" dirty="0"/>
           </a:p>
@@ -14312,7 +14302,7 @@
           <a:p>
             <a:fld id="{7E18DB4A-8810-4A10-AD5C-D5E2C667F5B3}" type="datetime1">
               <a:rPr lang="en-US" smtClean="0"/>
-              <a:t>9/18/2024</a:t>
+              <a:t>9/26/2024</a:t>
             </a:fld>
             <a:endParaRPr lang="en-US" dirty="0"/>
           </a:p>
@@ -14554,7 +14544,7 @@
           <a:p>
             <a:fld id="{ED291B17-9318-49DB-B28B-6E5994AE9581}" type="datetime1">
               <a:rPr lang="en-US" smtClean="0"/>
-              <a:t>9/18/2024</a:t>
+              <a:t>9/26/2024</a:t>
             </a:fld>
             <a:endParaRPr lang="en-US" dirty="0"/>
           </a:p>
@@ -18595,6 +18585,579 @@
   <p:cSld>
     <p:spTree>
       <p:nvGrpSpPr>
+        <p:cNvPr id="1" name=""/>
+        <p:cNvGrpSpPr/>
+        <p:nvPr/>
+      </p:nvGrpSpPr>
+      <p:grpSpPr>
+        <a:xfrm>
+          <a:off x="0" y="0"/>
+          <a:ext cx="0" cy="0"/>
+          <a:chOff x="0" y="0"/>
+          <a:chExt cx="0" cy="0"/>
+        </a:xfrm>
+      </p:grpSpPr>
+      <p:sp>
+        <p:nvSpPr>
+          <p:cNvPr id="3" name="Title 1">
+            <a:extLst>
+              <a:ext uri="{FF2B5EF4-FFF2-40B4-BE49-F238E27FC236}">
+                <a16:creationId xmlns:a16="http://schemas.microsoft.com/office/drawing/2014/main" id="{5094284B-A076-5C63-64C0-FE2C8753A20F}"/>
+              </a:ext>
+            </a:extLst>
+          </p:cNvPr>
+          <p:cNvSpPr txBox="1">
+            <a:spLocks/>
+          </p:cNvSpPr>
+          <p:nvPr/>
+        </p:nvSpPr>
+        <p:spPr>
+          <a:xfrm>
+            <a:off x="558800" y="262728"/>
+            <a:ext cx="12192000" cy="1325563"/>
+          </a:xfrm>
+          <a:prstGeom prst="rect">
+            <a:avLst/>
+          </a:prstGeom>
+        </p:spPr>
+        <p:txBody>
+          <a:bodyPr vert="horz" lIns="91440" tIns="45720" rIns="91440" bIns="45720" rtlCol="0" anchor="ctr">
+            <a:normAutofit/>
+          </a:bodyPr>
+          <a:lstStyle>
+            <a:lvl1pPr algn="l" defTabSz="914400" rtl="0" eaLnBrk="1" latinLnBrk="0" hangingPunct="1">
+              <a:lnSpc>
+                <a:spcPct val="90000"/>
+              </a:lnSpc>
+              <a:spcBef>
+                <a:spcPct val="0"/>
+              </a:spcBef>
+              <a:buNone/>
+              <a:defRPr sz="4400" kern="1200">
+                <a:solidFill>
+                  <a:schemeClr val="tx1"/>
+                </a:solidFill>
+                <a:latin typeface="+mj-lt"/>
+                <a:ea typeface="+mj-ea"/>
+                <a:cs typeface="+mj-cs"/>
+              </a:defRPr>
+            </a:lvl1pPr>
+          </a:lstStyle>
+          <a:p>
+            <a:r>
+              <a:rPr lang="en-US" sz="4800" b="1" dirty="0">
+                <a:latin typeface="Helvetica" pitchFamily="2" charset="0"/>
+                <a:cs typeface="Courier New" panose="02070309020205020404" pitchFamily="49" charset="0"/>
+              </a:rPr>
+              <a:t>Resources</a:t>
+            </a:r>
+          </a:p>
+        </p:txBody>
+      </p:sp>
+      <p:sp>
+        <p:nvSpPr>
+          <p:cNvPr id="4" name="TextBox 3">
+            <a:extLst>
+              <a:ext uri="{FF2B5EF4-FFF2-40B4-BE49-F238E27FC236}">
+                <a16:creationId xmlns:a16="http://schemas.microsoft.com/office/drawing/2014/main" id="{95BCFEA4-5872-F7A8-D62B-A3276A5D364E}"/>
+              </a:ext>
+            </a:extLst>
+          </p:cNvPr>
+          <p:cNvSpPr txBox="1"/>
+          <p:nvPr/>
+        </p:nvSpPr>
+        <p:spPr>
+          <a:xfrm>
+            <a:off x="3466024" y="5496617"/>
+            <a:ext cx="6377552" cy="1785104"/>
+          </a:xfrm>
+          <a:prstGeom prst="rect">
+            <a:avLst/>
+          </a:prstGeom>
+          <a:noFill/>
+        </p:spPr>
+        <p:txBody>
+          <a:bodyPr wrap="square">
+            <a:spAutoFit/>
+          </a:bodyPr>
+          <a:lstStyle/>
+          <a:p>
+            <a:r>
+              <a:rPr lang="en-US" dirty="0">
+                <a:latin typeface="Helvetica" pitchFamily="2" charset="0"/>
+                <a:hlinkClick r:id="rId3"/>
+              </a:rPr>
+              <a:t>https://bayesiangraphicalmodeling.com/</a:t>
+            </a:r>
+            <a:endParaRPr lang="en-US" dirty="0">
+              <a:latin typeface="Helvetica" pitchFamily="2" charset="0"/>
+            </a:endParaRPr>
+          </a:p>
+          <a:p>
+            <a:endParaRPr lang="en-US" sz="900" dirty="0">
+              <a:latin typeface="Helvetica" pitchFamily="2" charset="0"/>
+            </a:endParaRPr>
+          </a:p>
+          <a:p>
+            <a:r>
+              <a:rPr lang="en-US" dirty="0">
+                <a:latin typeface="Helvetica" pitchFamily="2" charset="0"/>
+                <a:hlinkClick r:id="rId4"/>
+              </a:rPr>
+              <a:t>https://github.com/KarolineHuth/easybgm</a:t>
+            </a:r>
+            <a:endParaRPr lang="en-US" dirty="0">
+              <a:latin typeface="Helvetica" pitchFamily="2" charset="0"/>
+            </a:endParaRPr>
+          </a:p>
+          <a:p>
+            <a:endParaRPr lang="en-US" sz="900" dirty="0">
+              <a:latin typeface="Helvetica" pitchFamily="2" charset="0"/>
+            </a:endParaRPr>
+          </a:p>
+          <a:p>
+            <a:r>
+              <a:rPr lang="en-US" dirty="0">
+                <a:latin typeface="Helvetica" pitchFamily="2" charset="0"/>
+                <a:hlinkClick r:id="rId5"/>
+              </a:rPr>
+              <a:t>https://maartenmarsman.github.io/bgms/</a:t>
+            </a:r>
+            <a:endParaRPr lang="en-US" dirty="0">
+              <a:latin typeface="Helvetica" pitchFamily="2" charset="0"/>
+            </a:endParaRPr>
+          </a:p>
+          <a:p>
+            <a:endParaRPr lang="en-US" dirty="0">
+              <a:latin typeface="Helvetica" pitchFamily="2" charset="0"/>
+            </a:endParaRPr>
+          </a:p>
+          <a:p>
+            <a:endParaRPr lang="en-US" dirty="0">
+              <a:latin typeface="Helvetica" pitchFamily="2" charset="0"/>
+            </a:endParaRPr>
+          </a:p>
+        </p:txBody>
+      </p:sp>
+      <p:sp>
+        <p:nvSpPr>
+          <p:cNvPr id="7" name="TextBox 6">
+            <a:extLst>
+              <a:ext uri="{FF2B5EF4-FFF2-40B4-BE49-F238E27FC236}">
+                <a16:creationId xmlns:a16="http://schemas.microsoft.com/office/drawing/2014/main" id="{067B623A-831A-91A0-4BE8-47368F61F7CD}"/>
+              </a:ext>
+            </a:extLst>
+          </p:cNvPr>
+          <p:cNvSpPr txBox="1"/>
+          <p:nvPr/>
+        </p:nvSpPr>
+        <p:spPr>
+          <a:xfrm>
+            <a:off x="558799" y="1386817"/>
+            <a:ext cx="10956441" cy="4524315"/>
+          </a:xfrm>
+          <a:prstGeom prst="rect">
+            <a:avLst/>
+          </a:prstGeom>
+          <a:noFill/>
+        </p:spPr>
+        <p:txBody>
+          <a:bodyPr wrap="square">
+            <a:spAutoFit/>
+          </a:bodyPr>
+          <a:lstStyle/>
+          <a:p>
+            <a:pPr algn="just"/>
+            <a:endParaRPr lang="en-CA" b="0" i="0" dirty="0">
+              <a:effectLst/>
+              <a:latin typeface="Helvetica" pitchFamily="2" charset="0"/>
+            </a:endParaRPr>
+          </a:p>
+          <a:p>
+            <a:pPr algn="just"/>
+            <a:r>
+              <a:rPr lang="en-CA" b="0" i="0" dirty="0">
+                <a:effectLst/>
+                <a:latin typeface="Helvetica" pitchFamily="2" charset="0"/>
+              </a:rPr>
+              <a:t>Huth, K. B. S., de Ron, J., </a:t>
+            </a:r>
+            <a:r>
+              <a:rPr lang="en-CA" b="0" i="0" dirty="0" err="1">
+                <a:effectLst/>
+                <a:latin typeface="Helvetica" pitchFamily="2" charset="0"/>
+              </a:rPr>
+              <a:t>Goudriaan</a:t>
+            </a:r>
+            <a:r>
+              <a:rPr lang="en-CA" b="0" i="0" dirty="0">
+                <a:effectLst/>
+                <a:latin typeface="Helvetica" pitchFamily="2" charset="0"/>
+              </a:rPr>
+              <a:t>, A. E., </a:t>
+            </a:r>
+            <a:r>
+              <a:rPr lang="en-CA" b="0" i="0" dirty="0" err="1">
+                <a:effectLst/>
+                <a:latin typeface="Helvetica" pitchFamily="2" charset="0"/>
+              </a:rPr>
+              <a:t>Luigjes</a:t>
+            </a:r>
+            <a:r>
+              <a:rPr lang="en-CA" b="0" i="0" dirty="0">
+                <a:effectLst/>
+                <a:latin typeface="Helvetica" pitchFamily="2" charset="0"/>
+              </a:rPr>
+              <a:t>, J., Mohammadi, R., van Holst, R. J., </a:t>
+            </a:r>
+            <a:r>
+              <a:rPr lang="en-CA" b="0" i="0" dirty="0" err="1">
+                <a:effectLst/>
+                <a:latin typeface="Helvetica" pitchFamily="2" charset="0"/>
+              </a:rPr>
+              <a:t>Wagenmakers</a:t>
+            </a:r>
+            <a:r>
+              <a:rPr lang="en-CA" b="0" i="0" dirty="0">
+                <a:effectLst/>
+                <a:latin typeface="Helvetica" pitchFamily="2" charset="0"/>
+              </a:rPr>
+              <a:t>, E.-J., &amp; Marsman, M. (2023). Bayesian analysis of cross-sectional networks: A tutorial in R and JASP. </a:t>
+            </a:r>
+            <a:r>
+              <a:rPr lang="en-CA" b="0" i="1" dirty="0">
+                <a:effectLst/>
+                <a:latin typeface="Helvetica" pitchFamily="2" charset="0"/>
+              </a:rPr>
+              <a:t>Advances in Methods and Practices in Psychological Science, 6</a:t>
+            </a:r>
+            <a:r>
+              <a:rPr lang="en-CA" b="0" dirty="0">
+                <a:effectLst/>
+                <a:latin typeface="Helvetica" pitchFamily="2" charset="0"/>
+              </a:rPr>
+              <a:t>(4)</a:t>
+            </a:r>
+            <a:r>
+              <a:rPr lang="en-CA" b="0" i="0" dirty="0">
+                <a:effectLst/>
+                <a:latin typeface="Helvetica" pitchFamily="2" charset="0"/>
+              </a:rPr>
+              <a:t>.</a:t>
+            </a:r>
+          </a:p>
+          <a:p>
+            <a:pPr algn="just"/>
+            <a:endParaRPr lang="en-CA" b="0" i="0" dirty="0">
+              <a:effectLst/>
+              <a:latin typeface="Helvetica" pitchFamily="2" charset="0"/>
+            </a:endParaRPr>
+          </a:p>
+          <a:p>
+            <a:pPr algn="just"/>
+            <a:r>
+              <a:rPr lang="en-CA" b="0" i="0" dirty="0">
+                <a:effectLst/>
+                <a:latin typeface="Helvetica" pitchFamily="2" charset="0"/>
+              </a:rPr>
+              <a:t>Huth, K., Keetelaar, S., Sekulovski, N., van den Bergh, D., &amp; Marsman, M. (</a:t>
+            </a:r>
+            <a:r>
+              <a:rPr lang="en-CA" dirty="0">
+                <a:latin typeface="Helvetica" pitchFamily="2" charset="0"/>
+              </a:rPr>
+              <a:t>2024</a:t>
+            </a:r>
+            <a:r>
+              <a:rPr lang="en-CA" b="0" i="0" dirty="0">
+                <a:effectLst/>
+                <a:latin typeface="Helvetica" pitchFamily="2" charset="0"/>
+              </a:rPr>
+              <a:t>). Simplifying Bayesian analysis of graphical models for the social sciences with </a:t>
+            </a:r>
+            <a:r>
+              <a:rPr lang="en-CA" b="0" i="0" dirty="0" err="1">
+                <a:effectLst/>
+                <a:latin typeface="Helvetica" pitchFamily="2" charset="0"/>
+              </a:rPr>
+              <a:t>easybgm</a:t>
+            </a:r>
+            <a:r>
+              <a:rPr lang="en-CA" b="0" i="0" dirty="0">
+                <a:effectLst/>
+                <a:latin typeface="Helvetica" pitchFamily="2" charset="0"/>
+              </a:rPr>
+              <a:t>: A user-friendly R-package. </a:t>
+            </a:r>
+            <a:r>
+              <a:rPr lang="en-CA" b="0" i="1" dirty="0">
+                <a:effectLst/>
+                <a:latin typeface="Helvetica" pitchFamily="2" charset="0"/>
+              </a:rPr>
+              <a:t>Advances</a:t>
+            </a:r>
+          </a:p>
+          <a:p>
+            <a:pPr algn="just"/>
+            <a:r>
+              <a:rPr lang="en-CA" b="0" i="1" dirty="0">
+                <a:effectLst/>
+                <a:latin typeface="Helvetica" pitchFamily="2" charset="0"/>
+              </a:rPr>
+              <a:t>.in/psychology, e66366</a:t>
+            </a:r>
+            <a:r>
+              <a:rPr lang="en-CA" b="0" i="0" dirty="0">
+                <a:effectLst/>
+                <a:latin typeface="Helvetica" pitchFamily="2" charset="0"/>
+              </a:rPr>
+              <a:t>.</a:t>
+            </a:r>
+            <a:endParaRPr lang="en-CA" dirty="0">
+              <a:latin typeface="Helvetica" pitchFamily="2" charset="0"/>
+            </a:endParaRPr>
+          </a:p>
+          <a:p>
+            <a:pPr algn="just"/>
+            <a:endParaRPr lang="en-CA" b="0" i="0" dirty="0">
+              <a:effectLst/>
+              <a:latin typeface="Helvetica" pitchFamily="2" charset="0"/>
+            </a:endParaRPr>
+          </a:p>
+          <a:p>
+            <a:pPr algn="just"/>
+            <a:r>
+              <a:rPr lang="en-CA" b="0" i="0" dirty="0">
+                <a:effectLst/>
+                <a:latin typeface="Helvetica" pitchFamily="2" charset="0"/>
+              </a:rPr>
+              <a:t>Marsman, M., van den Bergh, D., &amp; </a:t>
+            </a:r>
+            <a:r>
+              <a:rPr lang="en-CA" b="0" i="0" dirty="0" err="1">
+                <a:effectLst/>
+                <a:latin typeface="Helvetica" pitchFamily="2" charset="0"/>
+              </a:rPr>
+              <a:t>Haslbeck</a:t>
+            </a:r>
+            <a:r>
+              <a:rPr lang="en-CA" b="0" i="0" dirty="0">
+                <a:effectLst/>
+                <a:latin typeface="Helvetica" pitchFamily="2" charset="0"/>
+              </a:rPr>
+              <a:t>, J. M. B. (</a:t>
+            </a:r>
+            <a:r>
+              <a:rPr lang="en-CA" dirty="0">
+                <a:latin typeface="Helvetica" pitchFamily="2" charset="0"/>
+              </a:rPr>
+              <a:t>in press</a:t>
+            </a:r>
+            <a:r>
+              <a:rPr lang="en-CA" b="0" i="0" dirty="0">
+                <a:effectLst/>
+                <a:latin typeface="Helvetica" pitchFamily="2" charset="0"/>
+              </a:rPr>
+              <a:t>). Bayesian Analysis of the Ordinal Markov Random Field. </a:t>
+            </a:r>
+            <a:r>
+              <a:rPr lang="en-CA" b="0" i="1" dirty="0">
+                <a:effectLst/>
+                <a:latin typeface="Helvetica" pitchFamily="2" charset="0"/>
+              </a:rPr>
+              <a:t>Psychometrika </a:t>
+            </a:r>
+          </a:p>
+          <a:p>
+            <a:pPr algn="just"/>
+            <a:endParaRPr lang="en-CA" dirty="0">
+              <a:latin typeface="Helvetica" pitchFamily="2" charset="0"/>
+            </a:endParaRPr>
+          </a:p>
+          <a:p>
+            <a:pPr algn="just"/>
+            <a:r>
+              <a:rPr lang="en-CA" b="0" i="0" dirty="0">
+                <a:solidFill>
+                  <a:srgbClr val="222222"/>
+                </a:solidFill>
+                <a:effectLst/>
+                <a:highlight>
+                  <a:srgbClr val="FFFFFF"/>
+                </a:highlight>
+                <a:latin typeface="Arial" panose="020B0604020202020204" pitchFamily="34" charset="0"/>
+              </a:rPr>
+              <a:t>Sekulovski, N., Keetelaar, S., Huth, K., Wagenmakers, E. J., van Bork, R., van den Bergh, D., &amp; Marsman, M. (</a:t>
+            </a:r>
+            <a:r>
+              <a:rPr lang="en-CA" dirty="0">
+                <a:solidFill>
+                  <a:srgbClr val="222222"/>
+                </a:solidFill>
+                <a:highlight>
+                  <a:srgbClr val="FFFFFF"/>
+                </a:highlight>
+                <a:latin typeface="Arial" panose="020B0604020202020204" pitchFamily="34" charset="0"/>
+              </a:rPr>
+              <a:t>in press</a:t>
+            </a:r>
+            <a:r>
+              <a:rPr lang="en-CA" b="0" i="0" dirty="0">
+                <a:solidFill>
+                  <a:srgbClr val="222222"/>
+                </a:solidFill>
+                <a:effectLst/>
+                <a:highlight>
+                  <a:srgbClr val="FFFFFF"/>
+                </a:highlight>
+                <a:latin typeface="Arial" panose="020B0604020202020204" pitchFamily="34" charset="0"/>
+              </a:rPr>
+              <a:t>). Testing conditional independence in psychometric networks: An analysis of three Bayesian methods. </a:t>
+            </a:r>
+            <a:r>
+              <a:rPr lang="en-CA" b="0" i="1" dirty="0">
+                <a:solidFill>
+                  <a:srgbClr val="222222"/>
+                </a:solidFill>
+                <a:effectLst/>
+                <a:highlight>
+                  <a:srgbClr val="FFFFFF"/>
+                </a:highlight>
+                <a:latin typeface="Arial" panose="020B0604020202020204" pitchFamily="34" charset="0"/>
+              </a:rPr>
+              <a:t>Multivariate Behavioral Research</a:t>
+            </a:r>
+            <a:r>
+              <a:rPr lang="en-CA" b="0" i="0" dirty="0">
+                <a:solidFill>
+                  <a:srgbClr val="222222"/>
+                </a:solidFill>
+                <a:effectLst/>
+                <a:highlight>
+                  <a:srgbClr val="FFFFFF"/>
+                </a:highlight>
+                <a:latin typeface="Arial" panose="020B0604020202020204" pitchFamily="34" charset="0"/>
+              </a:rPr>
+              <a:t>.</a:t>
+            </a:r>
+          </a:p>
+          <a:p>
+            <a:pPr algn="just"/>
+            <a:endParaRPr lang="en-CA" b="0" i="0" dirty="0">
+              <a:effectLst/>
+              <a:latin typeface="Helvetica" pitchFamily="2" charset="0"/>
+            </a:endParaRPr>
+          </a:p>
+        </p:txBody>
+      </p:sp>
+      <p:cxnSp>
+        <p:nvCxnSpPr>
+          <p:cNvPr id="2" name="Straight Connector 1">
+            <a:extLst>
+              <a:ext uri="{FF2B5EF4-FFF2-40B4-BE49-F238E27FC236}">
+                <a16:creationId xmlns:a16="http://schemas.microsoft.com/office/drawing/2014/main" id="{3F39B814-8560-195B-BAFC-909DC7F36EA8}"/>
+              </a:ext>
+            </a:extLst>
+          </p:cNvPr>
+          <p:cNvCxnSpPr/>
+          <p:nvPr/>
+        </p:nvCxnSpPr>
+        <p:spPr>
+          <a:xfrm>
+            <a:off x="457200" y="0"/>
+            <a:ext cx="0" cy="1262070"/>
+          </a:xfrm>
+          <a:prstGeom prst="line">
+            <a:avLst/>
+          </a:prstGeom>
+          <a:ln w="57150">
+            <a:solidFill>
+              <a:schemeClr val="accent2">
+                <a:lumMod val="60000"/>
+                <a:lumOff val="40000"/>
+              </a:schemeClr>
+            </a:solidFill>
+          </a:ln>
+        </p:spPr>
+        <p:style>
+          <a:lnRef idx="1">
+            <a:schemeClr val="accent1"/>
+          </a:lnRef>
+          <a:fillRef idx="0">
+            <a:schemeClr val="accent1"/>
+          </a:fillRef>
+          <a:effectRef idx="0">
+            <a:schemeClr val="accent1"/>
+          </a:effectRef>
+          <a:fontRef idx="minor">
+            <a:schemeClr val="tx1"/>
+          </a:fontRef>
+        </p:style>
+      </p:cxnSp>
+      <p:cxnSp>
+        <p:nvCxnSpPr>
+          <p:cNvPr id="5" name="Straight Connector 4">
+            <a:extLst>
+              <a:ext uri="{FF2B5EF4-FFF2-40B4-BE49-F238E27FC236}">
+                <a16:creationId xmlns:a16="http://schemas.microsoft.com/office/drawing/2014/main" id="{77FAB24F-CAB7-529A-088B-6F854184248C}"/>
+              </a:ext>
+            </a:extLst>
+          </p:cNvPr>
+          <p:cNvCxnSpPr>
+            <a:cxnSpLocks/>
+          </p:cNvCxnSpPr>
+          <p:nvPr/>
+        </p:nvCxnSpPr>
+        <p:spPr>
+          <a:xfrm>
+            <a:off x="0" y="431800"/>
+            <a:ext cx="1511300" cy="0"/>
+          </a:xfrm>
+          <a:prstGeom prst="line">
+            <a:avLst/>
+          </a:prstGeom>
+          <a:ln w="57150">
+            <a:solidFill>
+              <a:schemeClr val="accent2">
+                <a:lumMod val="60000"/>
+                <a:lumOff val="40000"/>
+              </a:schemeClr>
+            </a:solidFill>
+          </a:ln>
+        </p:spPr>
+        <p:style>
+          <a:lnRef idx="1">
+            <a:schemeClr val="accent1"/>
+          </a:lnRef>
+          <a:fillRef idx="0">
+            <a:schemeClr val="accent1"/>
+          </a:fillRef>
+          <a:effectRef idx="0">
+            <a:schemeClr val="accent1"/>
+          </a:effectRef>
+          <a:fontRef idx="minor">
+            <a:schemeClr val="tx1"/>
+          </a:fontRef>
+        </p:style>
+      </p:cxnSp>
+    </p:spTree>
+    <p:extLst>
+      <p:ext uri="{BB962C8B-B14F-4D97-AF65-F5344CB8AC3E}">
+        <p14:creationId xmlns:p14="http://schemas.microsoft.com/office/powerpoint/2010/main" val="300369435"/>
+      </p:ext>
+    </p:extLst>
+  </p:cSld>
+  <p:clrMapOvr>
+    <a:masterClrMapping/>
+  </p:clrMapOvr>
+</p:sld>
+</file>
+
+<file path=ppt/slides/slide18.xml><?xml version="1.0" encoding="utf-8"?>
+<p:sld xmlns:a="http://schemas.openxmlformats.org/drawingml/2006/main" xmlns:r="http://schemas.openxmlformats.org/officeDocument/2006/relationships" xmlns:p="http://schemas.openxmlformats.org/presentationml/2006/main">
+  <p:cSld>
+    <p:spTree>
+      <p:nvGrpSpPr>
         <p:cNvPr id="1" name="">
           <a:extLst>
             <a:ext uri="{FF2B5EF4-FFF2-40B4-BE49-F238E27FC236}">
@@ -19060,7 +19623,7 @@
           <a:p>
             <a:fld id="{D48A1BBB-3647-7146-9CE9-E866F85C08B0}" type="slidenum">
               <a:rPr lang="en-US" smtClean="0"/>
-              <a:t>17</a:t>
+              <a:t>18</a:t>
             </a:fld>
             <a:endParaRPr lang="en-US"/>
           </a:p>
@@ -19276,563 +19839,6 @@
 </p:sld>
 </file>
 
-<file path=ppt/slides/slide18.xml><?xml version="1.0" encoding="utf-8"?>
-<p:sld xmlns:a="http://schemas.openxmlformats.org/drawingml/2006/main" xmlns:r="http://schemas.openxmlformats.org/officeDocument/2006/relationships" xmlns:p="http://schemas.openxmlformats.org/presentationml/2006/main">
-  <p:cSld>
-    <p:spTree>
-      <p:nvGrpSpPr>
-        <p:cNvPr id="1" name="">
-          <a:extLst>
-            <a:ext uri="{FF2B5EF4-FFF2-40B4-BE49-F238E27FC236}">
-              <a16:creationId xmlns:a16="http://schemas.microsoft.com/office/drawing/2014/main" id="{3762E5D4-74A1-8C33-E893-C2E1EB844E69}"/>
-            </a:ext>
-          </a:extLst>
-        </p:cNvPr>
-        <p:cNvGrpSpPr/>
-        <p:nvPr/>
-      </p:nvGrpSpPr>
-      <p:grpSpPr>
-        <a:xfrm>
-          <a:off x="0" y="0"/>
-          <a:ext cx="0" cy="0"/>
-          <a:chOff x="0" y="0"/>
-          <a:chExt cx="0" cy="0"/>
-        </a:xfrm>
-      </p:grpSpPr>
-      <p:cxnSp>
-        <p:nvCxnSpPr>
-          <p:cNvPr id="2" name="Straight Connector 1">
-            <a:extLst>
-              <a:ext uri="{FF2B5EF4-FFF2-40B4-BE49-F238E27FC236}">
-                <a16:creationId xmlns:a16="http://schemas.microsoft.com/office/drawing/2014/main" id="{3C6FE399-71EE-12C0-6462-459A5F1D69BD}"/>
-              </a:ext>
-            </a:extLst>
-          </p:cNvPr>
-          <p:cNvCxnSpPr/>
-          <p:nvPr/>
-        </p:nvCxnSpPr>
-        <p:spPr>
-          <a:xfrm>
-            <a:off x="457200" y="0"/>
-            <a:ext cx="0" cy="1262070"/>
-          </a:xfrm>
-          <a:prstGeom prst="line">
-            <a:avLst/>
-          </a:prstGeom>
-          <a:ln w="57150">
-            <a:solidFill>
-              <a:schemeClr val="accent2">
-                <a:lumMod val="60000"/>
-                <a:lumOff val="40000"/>
-              </a:schemeClr>
-            </a:solidFill>
-          </a:ln>
-        </p:spPr>
-        <p:style>
-          <a:lnRef idx="1">
-            <a:schemeClr val="accent1"/>
-          </a:lnRef>
-          <a:fillRef idx="0">
-            <a:schemeClr val="accent1"/>
-          </a:fillRef>
-          <a:effectRef idx="0">
-            <a:schemeClr val="accent1"/>
-          </a:effectRef>
-          <a:fontRef idx="minor">
-            <a:schemeClr val="tx1"/>
-          </a:fontRef>
-        </p:style>
-      </p:cxnSp>
-      <p:cxnSp>
-        <p:nvCxnSpPr>
-          <p:cNvPr id="7" name="Straight Connector 6">
-            <a:extLst>
-              <a:ext uri="{FF2B5EF4-FFF2-40B4-BE49-F238E27FC236}">
-                <a16:creationId xmlns:a16="http://schemas.microsoft.com/office/drawing/2014/main" id="{E85BD0E7-1C11-BF56-75CD-1114B1D2D95C}"/>
-              </a:ext>
-            </a:extLst>
-          </p:cNvPr>
-          <p:cNvCxnSpPr>
-            <a:cxnSpLocks/>
-          </p:cNvCxnSpPr>
-          <p:nvPr/>
-        </p:nvCxnSpPr>
-        <p:spPr>
-          <a:xfrm>
-            <a:off x="0" y="431800"/>
-            <a:ext cx="1511300" cy="0"/>
-          </a:xfrm>
-          <a:prstGeom prst="line">
-            <a:avLst/>
-          </a:prstGeom>
-          <a:ln w="57150">
-            <a:solidFill>
-              <a:schemeClr val="accent2">
-                <a:lumMod val="60000"/>
-                <a:lumOff val="40000"/>
-              </a:schemeClr>
-            </a:solidFill>
-          </a:ln>
-        </p:spPr>
-        <p:style>
-          <a:lnRef idx="1">
-            <a:schemeClr val="accent1"/>
-          </a:lnRef>
-          <a:fillRef idx="0">
-            <a:schemeClr val="accent1"/>
-          </a:fillRef>
-          <a:effectRef idx="0">
-            <a:schemeClr val="accent1"/>
-          </a:effectRef>
-          <a:fontRef idx="minor">
-            <a:schemeClr val="tx1"/>
-          </a:fontRef>
-        </p:style>
-      </p:cxnSp>
-      <p:sp>
-        <p:nvSpPr>
-          <p:cNvPr id="8" name="Title 1">
-            <a:extLst>
-              <a:ext uri="{FF2B5EF4-FFF2-40B4-BE49-F238E27FC236}">
-                <a16:creationId xmlns:a16="http://schemas.microsoft.com/office/drawing/2014/main" id="{9624573E-E82E-FC84-1909-43E0E85CB588}"/>
-              </a:ext>
-            </a:extLst>
-          </p:cNvPr>
-          <p:cNvSpPr txBox="1">
-            <a:spLocks/>
-          </p:cNvSpPr>
-          <p:nvPr/>
-        </p:nvSpPr>
-        <p:spPr>
-          <a:xfrm>
-            <a:off x="558800" y="262728"/>
-            <a:ext cx="12192000" cy="1325563"/>
-          </a:xfrm>
-          <a:prstGeom prst="rect">
-            <a:avLst/>
-          </a:prstGeom>
-        </p:spPr>
-        <p:txBody>
-          <a:bodyPr vert="horz" lIns="91440" tIns="45720" rIns="91440" bIns="45720" rtlCol="0" anchor="ctr">
-            <a:normAutofit/>
-          </a:bodyPr>
-          <a:lstStyle>
-            <a:lvl1pPr algn="l" defTabSz="914400" rtl="0" eaLnBrk="1" latinLnBrk="0" hangingPunct="1">
-              <a:lnSpc>
-                <a:spcPct val="90000"/>
-              </a:lnSpc>
-              <a:spcBef>
-                <a:spcPct val="0"/>
-              </a:spcBef>
-              <a:buNone/>
-              <a:defRPr sz="4400" kern="1200">
-                <a:solidFill>
-                  <a:schemeClr val="tx1"/>
-                </a:solidFill>
-                <a:latin typeface="+mj-lt"/>
-                <a:ea typeface="+mj-ea"/>
-                <a:cs typeface="+mj-cs"/>
-              </a:defRPr>
-            </a:lvl1pPr>
-          </a:lstStyle>
-          <a:p>
-            <a:r>
-              <a:rPr lang="en-US" sz="4800" b="1" dirty="0">
-                <a:latin typeface="Helvetica" pitchFamily="2" charset="0"/>
-                <a:cs typeface="Courier New" panose="02070309020205020404" pitchFamily="49" charset="0"/>
-              </a:rPr>
-              <a:t>Prior – specification</a:t>
-            </a:r>
-          </a:p>
-        </p:txBody>
-      </p:sp>
-      <p:sp>
-        <p:nvSpPr>
-          <p:cNvPr id="3" name="Content Placeholder 2">
-            <a:extLst>
-              <a:ext uri="{FF2B5EF4-FFF2-40B4-BE49-F238E27FC236}">
-                <a16:creationId xmlns:a16="http://schemas.microsoft.com/office/drawing/2014/main" id="{64A6622D-76FD-E4C2-BA24-1B9578A58117}"/>
-              </a:ext>
-            </a:extLst>
-          </p:cNvPr>
-          <p:cNvSpPr>
-            <a:spLocks noGrp="1"/>
-          </p:cNvSpPr>
-          <p:nvPr>
-            <p:ph idx="1"/>
-          </p:nvPr>
-        </p:nvSpPr>
-        <p:spPr>
-          <a:xfrm>
-            <a:off x="625645" y="1757362"/>
-            <a:ext cx="5257800" cy="4246391"/>
-          </a:xfrm>
-        </p:spPr>
-        <p:txBody>
-          <a:bodyPr>
-            <a:noAutofit/>
-          </a:bodyPr>
-          <a:lstStyle/>
-          <a:p>
-            <a:pPr marL="0" indent="0">
-              <a:buNone/>
-            </a:pPr>
-            <a:r>
-              <a:rPr lang="en-US" sz="2400" b="1" dirty="0">
-                <a:solidFill>
-                  <a:schemeClr val="accent2"/>
-                </a:solidFill>
-                <a:latin typeface="Helvetica" pitchFamily="2" charset="0"/>
-              </a:rPr>
-              <a:t>Structure Prior</a:t>
-            </a:r>
-          </a:p>
-          <a:p>
-            <a:pPr marL="0" indent="0">
-              <a:buNone/>
-            </a:pPr>
-            <a:endParaRPr lang="en-US" sz="1800" dirty="0">
-              <a:latin typeface="Helvetica" pitchFamily="2" charset="0"/>
-            </a:endParaRPr>
-          </a:p>
-          <a:p>
-            <a:pPr marL="0" indent="0">
-              <a:buNone/>
-            </a:pPr>
-            <a:r>
-              <a:rPr lang="en-US" sz="1800" dirty="0">
-                <a:latin typeface="Helvetica" pitchFamily="2" charset="0"/>
-              </a:rPr>
-              <a:t>What prior assumptions do I have about the density? Do I believe a particular edge should be included?</a:t>
-            </a:r>
-          </a:p>
-        </p:txBody>
-      </p:sp>
-      <p:sp>
-        <p:nvSpPr>
-          <p:cNvPr id="5" name="Content Placeholder 2">
-            <a:extLst>
-              <a:ext uri="{FF2B5EF4-FFF2-40B4-BE49-F238E27FC236}">
-                <a16:creationId xmlns:a16="http://schemas.microsoft.com/office/drawing/2014/main" id="{FBDB601E-EF89-5862-A8A5-19A0723ED30B}"/>
-              </a:ext>
-            </a:extLst>
-          </p:cNvPr>
-          <p:cNvSpPr txBox="1">
-            <a:spLocks/>
-          </p:cNvSpPr>
-          <p:nvPr/>
-        </p:nvSpPr>
-        <p:spPr>
-          <a:xfrm>
-            <a:off x="6348673" y="1765383"/>
-            <a:ext cx="5257800" cy="4246391"/>
-          </a:xfrm>
-          <a:prstGeom prst="rect">
-            <a:avLst/>
-          </a:prstGeom>
-        </p:spPr>
-        <p:txBody>
-          <a:bodyPr vert="horz" lIns="91440" tIns="45720" rIns="91440" bIns="45720" rtlCol="0">
-            <a:noAutofit/>
-          </a:bodyPr>
-          <a:lstStyle>
-            <a:lvl1pPr marL="228600" indent="-228600" algn="l" defTabSz="914400" rtl="0" eaLnBrk="1" latinLnBrk="0" hangingPunct="1">
-              <a:lnSpc>
-                <a:spcPct val="90000"/>
-              </a:lnSpc>
-              <a:spcBef>
-                <a:spcPts val="1000"/>
-              </a:spcBef>
-              <a:buFont typeface="Arial" panose="020B0604020202020204" pitchFamily="34" charset="0"/>
-              <a:buChar char="•"/>
-              <a:defRPr sz="2800" kern="1200">
-                <a:solidFill>
-                  <a:schemeClr val="tx1"/>
-                </a:solidFill>
-                <a:latin typeface="+mn-lt"/>
-                <a:ea typeface="+mn-ea"/>
-                <a:cs typeface="+mn-cs"/>
-              </a:defRPr>
-            </a:lvl1pPr>
-            <a:lvl2pPr marL="685800" indent="-228600" algn="l" defTabSz="914400" rtl="0" eaLnBrk="1" latinLnBrk="0" hangingPunct="1">
-              <a:lnSpc>
-                <a:spcPct val="90000"/>
-              </a:lnSpc>
-              <a:spcBef>
-                <a:spcPts val="500"/>
-              </a:spcBef>
-              <a:buFont typeface="Arial" panose="020B0604020202020204" pitchFamily="34" charset="0"/>
-              <a:buChar char="•"/>
-              <a:defRPr sz="2400" kern="1200">
-                <a:solidFill>
-                  <a:schemeClr val="tx1"/>
-                </a:solidFill>
-                <a:latin typeface="+mn-lt"/>
-                <a:ea typeface="+mn-ea"/>
-                <a:cs typeface="+mn-cs"/>
-              </a:defRPr>
-            </a:lvl2pPr>
-            <a:lvl3pPr marL="1143000" indent="-228600" algn="l" defTabSz="914400" rtl="0" eaLnBrk="1" latinLnBrk="0" hangingPunct="1">
-              <a:lnSpc>
-                <a:spcPct val="90000"/>
-              </a:lnSpc>
-              <a:spcBef>
-                <a:spcPts val="500"/>
-              </a:spcBef>
-              <a:buFont typeface="Arial" panose="020B0604020202020204" pitchFamily="34" charset="0"/>
-              <a:buChar char="•"/>
-              <a:defRPr sz="2000" kern="1200">
-                <a:solidFill>
-                  <a:schemeClr val="tx1"/>
-                </a:solidFill>
-                <a:latin typeface="+mn-lt"/>
-                <a:ea typeface="+mn-ea"/>
-                <a:cs typeface="+mn-cs"/>
-              </a:defRPr>
-            </a:lvl3pPr>
-            <a:lvl4pPr marL="1600200" indent="-228600" algn="l" defTabSz="914400" rtl="0" eaLnBrk="1" latinLnBrk="0" hangingPunct="1">
-              <a:lnSpc>
-                <a:spcPct val="90000"/>
-              </a:lnSpc>
-              <a:spcBef>
-                <a:spcPts val="500"/>
-              </a:spcBef>
-              <a:buFont typeface="Arial" panose="020B0604020202020204" pitchFamily="34" charset="0"/>
-              <a:buChar char="•"/>
-              <a:defRPr sz="1800" kern="1200">
-                <a:solidFill>
-                  <a:schemeClr val="tx1"/>
-                </a:solidFill>
-                <a:latin typeface="+mn-lt"/>
-                <a:ea typeface="+mn-ea"/>
-                <a:cs typeface="+mn-cs"/>
-              </a:defRPr>
-            </a:lvl4pPr>
-            <a:lvl5pPr marL="2057400" indent="-228600" algn="l" defTabSz="914400" rtl="0" eaLnBrk="1" latinLnBrk="0" hangingPunct="1">
-              <a:lnSpc>
-                <a:spcPct val="90000"/>
-              </a:lnSpc>
-              <a:spcBef>
-                <a:spcPts val="500"/>
-              </a:spcBef>
-              <a:buFont typeface="Arial" panose="020B0604020202020204" pitchFamily="34" charset="0"/>
-              <a:buChar char="•"/>
-              <a:defRPr sz="1800" kern="1200">
-                <a:solidFill>
-                  <a:schemeClr val="tx1"/>
-                </a:solidFill>
-                <a:latin typeface="+mn-lt"/>
-                <a:ea typeface="+mn-ea"/>
-                <a:cs typeface="+mn-cs"/>
-              </a:defRPr>
-            </a:lvl5pPr>
-            <a:lvl6pPr marL="2514600" indent="-228600" algn="l" defTabSz="914400" rtl="0" eaLnBrk="1" latinLnBrk="0" hangingPunct="1">
-              <a:lnSpc>
-                <a:spcPct val="90000"/>
-              </a:lnSpc>
-              <a:spcBef>
-                <a:spcPts val="500"/>
-              </a:spcBef>
-              <a:buFont typeface="Arial" panose="020B0604020202020204" pitchFamily="34" charset="0"/>
-              <a:buChar char="•"/>
-              <a:defRPr sz="1800" kern="1200">
-                <a:solidFill>
-                  <a:schemeClr val="tx1"/>
-                </a:solidFill>
-                <a:latin typeface="+mn-lt"/>
-                <a:ea typeface="+mn-ea"/>
-                <a:cs typeface="+mn-cs"/>
-              </a:defRPr>
-            </a:lvl6pPr>
-            <a:lvl7pPr marL="2971800" indent="-228600" algn="l" defTabSz="914400" rtl="0" eaLnBrk="1" latinLnBrk="0" hangingPunct="1">
-              <a:lnSpc>
-                <a:spcPct val="90000"/>
-              </a:lnSpc>
-              <a:spcBef>
-                <a:spcPts val="500"/>
-              </a:spcBef>
-              <a:buFont typeface="Arial" panose="020B0604020202020204" pitchFamily="34" charset="0"/>
-              <a:buChar char="•"/>
-              <a:defRPr sz="1800" kern="1200">
-                <a:solidFill>
-                  <a:schemeClr val="tx1"/>
-                </a:solidFill>
-                <a:latin typeface="+mn-lt"/>
-                <a:ea typeface="+mn-ea"/>
-                <a:cs typeface="+mn-cs"/>
-              </a:defRPr>
-            </a:lvl7pPr>
-            <a:lvl8pPr marL="3429000" indent="-228600" algn="l" defTabSz="914400" rtl="0" eaLnBrk="1" latinLnBrk="0" hangingPunct="1">
-              <a:lnSpc>
-                <a:spcPct val="90000"/>
-              </a:lnSpc>
-              <a:spcBef>
-                <a:spcPts val="500"/>
-              </a:spcBef>
-              <a:buFont typeface="Arial" panose="020B0604020202020204" pitchFamily="34" charset="0"/>
-              <a:buChar char="•"/>
-              <a:defRPr sz="1800" kern="1200">
-                <a:solidFill>
-                  <a:schemeClr val="tx1"/>
-                </a:solidFill>
-                <a:latin typeface="+mn-lt"/>
-                <a:ea typeface="+mn-ea"/>
-                <a:cs typeface="+mn-cs"/>
-              </a:defRPr>
-            </a:lvl8pPr>
-            <a:lvl9pPr marL="3886200" indent="-228600" algn="l" defTabSz="914400" rtl="0" eaLnBrk="1" latinLnBrk="0" hangingPunct="1">
-              <a:lnSpc>
-                <a:spcPct val="90000"/>
-              </a:lnSpc>
-              <a:spcBef>
-                <a:spcPts val="500"/>
-              </a:spcBef>
-              <a:buFont typeface="Arial" panose="020B0604020202020204" pitchFamily="34" charset="0"/>
-              <a:buChar char="•"/>
-              <a:defRPr sz="1800" kern="1200">
-                <a:solidFill>
-                  <a:schemeClr val="tx1"/>
-                </a:solidFill>
-                <a:latin typeface="+mn-lt"/>
-                <a:ea typeface="+mn-ea"/>
-                <a:cs typeface="+mn-cs"/>
-              </a:defRPr>
-            </a:lvl9pPr>
-          </a:lstStyle>
-          <a:p>
-            <a:pPr marL="0" indent="0">
-              <a:buFont typeface="Arial" panose="020B0604020202020204" pitchFamily="34" charset="0"/>
-              <a:buNone/>
-            </a:pPr>
-            <a:r>
-              <a:rPr lang="en-US" sz="2400" b="1" dirty="0">
-                <a:solidFill>
-                  <a:schemeClr val="accent2"/>
-                </a:solidFill>
-                <a:latin typeface="Helvetica" pitchFamily="2" charset="0"/>
-              </a:rPr>
-              <a:t>Parameter Prior</a:t>
-            </a:r>
-          </a:p>
-          <a:p>
-            <a:pPr marL="0" indent="0">
-              <a:buFont typeface="Arial" panose="020B0604020202020204" pitchFamily="34" charset="0"/>
-              <a:buNone/>
-            </a:pPr>
-            <a:endParaRPr lang="en-US" sz="1800" dirty="0">
-              <a:latin typeface="Helvetica" pitchFamily="2" charset="0"/>
-            </a:endParaRPr>
-          </a:p>
-          <a:p>
-            <a:pPr marL="0" indent="0">
-              <a:buFont typeface="Arial" panose="020B0604020202020204" pitchFamily="34" charset="0"/>
-              <a:buNone/>
-            </a:pPr>
-            <a:r>
-              <a:rPr lang="en-US" sz="1800" dirty="0">
-                <a:latin typeface="Helvetica" pitchFamily="2" charset="0"/>
-              </a:rPr>
-              <a:t>What prior assumptions do I have about the strength of the edge weights? </a:t>
-            </a:r>
-          </a:p>
-        </p:txBody>
-      </p:sp>
-      <p:pic>
-        <p:nvPicPr>
-          <p:cNvPr id="9" name="Picture 8" descr="A white text with black text&#10;&#10;Description automatically generated">
-            <a:extLst>
-              <a:ext uri="{FF2B5EF4-FFF2-40B4-BE49-F238E27FC236}">
-                <a16:creationId xmlns:a16="http://schemas.microsoft.com/office/drawing/2014/main" id="{F9C77661-ACF8-A909-12A5-EEB8A536633B}"/>
-              </a:ext>
-            </a:extLst>
-          </p:cNvPr>
-          <p:cNvPicPr>
-            <a:picLocks noChangeAspect="1"/>
-          </p:cNvPicPr>
-          <p:nvPr/>
-        </p:nvPicPr>
-        <p:blipFill rotWithShape="1">
-          <a:blip r:embed="rId3"/>
-          <a:srcRect l="2678"/>
-          <a:stretch/>
-        </p:blipFill>
-        <p:spPr>
-          <a:xfrm>
-            <a:off x="2243892" y="3694287"/>
-            <a:ext cx="7279106" cy="2900985"/>
-          </a:xfrm>
-          <a:prstGeom prst="rect">
-            <a:avLst/>
-          </a:prstGeom>
-        </p:spPr>
-      </p:pic>
-      <p:sp>
-        <p:nvSpPr>
-          <p:cNvPr id="4" name="Rectangle 3">
-            <a:extLst>
-              <a:ext uri="{FF2B5EF4-FFF2-40B4-BE49-F238E27FC236}">
-                <a16:creationId xmlns:a16="http://schemas.microsoft.com/office/drawing/2014/main" id="{8062C01B-9E8C-FA5A-1A77-3DBAF8936B61}"/>
-              </a:ext>
-            </a:extLst>
-          </p:cNvPr>
-          <p:cNvSpPr/>
-          <p:nvPr/>
-        </p:nvSpPr>
-        <p:spPr>
-          <a:xfrm>
-            <a:off x="5323840" y="5435600"/>
-            <a:ext cx="2001520" cy="213360"/>
-          </a:xfrm>
-          <a:prstGeom prst="rect">
-            <a:avLst/>
-          </a:prstGeom>
-          <a:solidFill>
-            <a:schemeClr val="bg1"/>
-          </a:solidFill>
-          <a:ln>
-            <a:solidFill>
-              <a:schemeClr val="bg1"/>
-            </a:solidFill>
-          </a:ln>
-        </p:spPr>
-        <p:style>
-          <a:lnRef idx="2">
-            <a:schemeClr val="accent1">
-              <a:shade val="15000"/>
-            </a:schemeClr>
-          </a:lnRef>
-          <a:fillRef idx="1">
-            <a:schemeClr val="accent1"/>
-          </a:fillRef>
-          <a:effectRef idx="0">
-            <a:schemeClr val="accent1"/>
-          </a:effectRef>
-          <a:fontRef idx="minor">
-            <a:schemeClr val="lt1"/>
-          </a:fontRef>
-        </p:style>
-        <p:txBody>
-          <a:bodyPr rtlCol="0" anchor="ctr"/>
-          <a:lstStyle/>
-          <a:p>
-            <a:pPr algn="ctr"/>
-            <a:endParaRPr lang="en-US"/>
-          </a:p>
-        </p:txBody>
-      </p:sp>
-    </p:spTree>
-    <p:extLst>
-      <p:ext uri="{BB962C8B-B14F-4D97-AF65-F5344CB8AC3E}">
-        <p14:creationId xmlns:p14="http://schemas.microsoft.com/office/powerpoint/2010/main" val="4221003262"/>
-      </p:ext>
-    </p:extLst>
-  </p:cSld>
-  <p:clrMapOvr>
-    <a:masterClrMapping/>
-  </p:clrMapOvr>
-</p:sld>
-</file>
-
 <file path=ppt/slides/slide19.xml><?xml version="1.0" encoding="utf-8"?>
 <p:sld xmlns:a="http://schemas.openxmlformats.org/drawingml/2006/main" xmlns:r="http://schemas.openxmlformats.org/officeDocument/2006/relationships" xmlns:p="http://schemas.openxmlformats.org/presentationml/2006/main">
   <p:cSld>
@@ -19852,601 +19858,93 @@
       </p:grpSpPr>
       <p:sp>
         <p:nvSpPr>
-          <p:cNvPr id="3" name="Title 1">
+          <p:cNvPr id="2" name="Title 1">
             <a:extLst>
               <a:ext uri="{FF2B5EF4-FFF2-40B4-BE49-F238E27FC236}">
-                <a16:creationId xmlns:a16="http://schemas.microsoft.com/office/drawing/2014/main" id="{5094284B-A076-5C63-64C0-FE2C8753A20F}"/>
+                <a16:creationId xmlns:a16="http://schemas.microsoft.com/office/drawing/2014/main" id="{7CAF2572-DFBC-5C3C-6DD1-7DF95DE9223F}"/>
               </a:ext>
             </a:extLst>
           </p:cNvPr>
-          <p:cNvSpPr txBox="1">
-            <a:spLocks/>
+          <p:cNvSpPr>
+            <a:spLocks noGrp="1"/>
           </p:cNvSpPr>
-          <p:nvPr/>
+          <p:nvPr>
+            <p:ph type="title"/>
+          </p:nvPr>
         </p:nvSpPr>
-        <p:spPr>
-          <a:xfrm>
-            <a:off x="558800" y="262728"/>
-            <a:ext cx="12192000" cy="1325563"/>
-          </a:xfrm>
-          <a:prstGeom prst="rect">
-            <a:avLst/>
-          </a:prstGeom>
-        </p:spPr>
+        <p:spPr/>
         <p:txBody>
-          <a:bodyPr vert="horz" lIns="91440" tIns="45720" rIns="91440" bIns="45720" rtlCol="0" anchor="ctr">
-            <a:normAutofit/>
-          </a:bodyPr>
-          <a:lstStyle>
-            <a:lvl1pPr algn="l" defTabSz="914400" rtl="0" eaLnBrk="1" latinLnBrk="0" hangingPunct="1">
-              <a:lnSpc>
-                <a:spcPct val="90000"/>
-              </a:lnSpc>
-              <a:spcBef>
-                <a:spcPct val="0"/>
-              </a:spcBef>
-              <a:buNone/>
-              <a:defRPr sz="4400" kern="1200">
-                <a:solidFill>
-                  <a:schemeClr val="tx1"/>
-                </a:solidFill>
-                <a:latin typeface="+mj-lt"/>
-                <a:ea typeface="+mj-ea"/>
-                <a:cs typeface="+mj-cs"/>
-              </a:defRPr>
-            </a:lvl1pPr>
-          </a:lstStyle>
-          <a:p>
-            <a:r>
-              <a:rPr lang="en-US" sz="4800" b="1" dirty="0">
-                <a:latin typeface="Helvetica" pitchFamily="2" charset="0"/>
-                <a:cs typeface="Courier New" panose="02070309020205020404" pitchFamily="49" charset="0"/>
-              </a:rPr>
-              <a:t>Resources</a:t>
-            </a:r>
-          </a:p>
-        </p:txBody>
-      </p:sp>
-      <p:sp>
-        <p:nvSpPr>
-          <p:cNvPr id="4" name="TextBox 3">
-            <a:extLst>
-              <a:ext uri="{FF2B5EF4-FFF2-40B4-BE49-F238E27FC236}">
-                <a16:creationId xmlns:a16="http://schemas.microsoft.com/office/drawing/2014/main" id="{95BCFEA4-5872-F7A8-D62B-A3276A5D364E}"/>
-              </a:ext>
-            </a:extLst>
-          </p:cNvPr>
-          <p:cNvSpPr txBox="1"/>
-          <p:nvPr/>
-        </p:nvSpPr>
-        <p:spPr>
-          <a:xfrm>
-            <a:off x="3466024" y="5496617"/>
-            <a:ext cx="6377552" cy="1785104"/>
-          </a:xfrm>
-          <a:prstGeom prst="rect">
-            <a:avLst/>
-          </a:prstGeom>
-          <a:noFill/>
-        </p:spPr>
-        <p:txBody>
-          <a:bodyPr wrap="square">
-            <a:spAutoFit/>
-          </a:bodyPr>
+          <a:bodyPr/>
           <a:lstStyle/>
           <a:p>
             <a:r>
-              <a:rPr lang="en-US" dirty="0">
-                <a:latin typeface="Helvetica" pitchFamily="2" charset="0"/>
-                <a:hlinkClick r:id="rId3"/>
+              <a:rPr lang="en-US" b="1" dirty="0">
+                <a:latin typeface="Helvetica" panose="020B0604020202020204" pitchFamily="34" charset="0"/>
+                <a:cs typeface="Helvetica" panose="020B0604020202020204" pitchFamily="34" charset="0"/>
               </a:rPr>
-              <a:t>https://bayesiangraphicalmodeling.com/</a:t>
+              <a:t>Access to the materials:</a:t>
             </a:r>
-            <a:endParaRPr lang="en-US" dirty="0">
-              <a:latin typeface="Helvetica" pitchFamily="2" charset="0"/>
-            </a:endParaRPr>
-          </a:p>
-          <a:p>
-            <a:endParaRPr lang="en-US" sz="900" dirty="0">
-              <a:latin typeface="Helvetica" pitchFamily="2" charset="0"/>
-            </a:endParaRPr>
-          </a:p>
-          <a:p>
-            <a:r>
-              <a:rPr lang="en-US" dirty="0">
-                <a:latin typeface="Helvetica" pitchFamily="2" charset="0"/>
-                <a:hlinkClick r:id="rId4"/>
-              </a:rPr>
-              <a:t>https://github.com/KarolineHuth/easybgm</a:t>
-            </a:r>
-            <a:endParaRPr lang="en-US" dirty="0">
-              <a:latin typeface="Helvetica" pitchFamily="2" charset="0"/>
-            </a:endParaRPr>
-          </a:p>
-          <a:p>
-            <a:endParaRPr lang="en-US" sz="900" dirty="0">
-              <a:latin typeface="Helvetica" pitchFamily="2" charset="0"/>
-            </a:endParaRPr>
-          </a:p>
-          <a:p>
-            <a:r>
-              <a:rPr lang="en-US" dirty="0">
-                <a:latin typeface="Helvetica" pitchFamily="2" charset="0"/>
-                <a:hlinkClick r:id="rId5"/>
-              </a:rPr>
-              <a:t>https://maartenmarsman.github.io/bgms/</a:t>
-            </a:r>
-            <a:endParaRPr lang="en-US" dirty="0">
-              <a:latin typeface="Helvetica" pitchFamily="2" charset="0"/>
-            </a:endParaRPr>
-          </a:p>
-          <a:p>
-            <a:endParaRPr lang="en-US" dirty="0">
-              <a:latin typeface="Helvetica" pitchFamily="2" charset="0"/>
-            </a:endParaRPr>
-          </a:p>
-          <a:p>
-            <a:endParaRPr lang="en-US" dirty="0">
-              <a:latin typeface="Helvetica" pitchFamily="2" charset="0"/>
+            <a:endParaRPr lang="en-NL" b="1" dirty="0">
+              <a:latin typeface="Helvetica" panose="020B0604020202020204" pitchFamily="34" charset="0"/>
+              <a:cs typeface="Helvetica" panose="020B0604020202020204" pitchFamily="34" charset="0"/>
             </a:endParaRPr>
           </a:p>
         </p:txBody>
       </p:sp>
       <p:sp>
         <p:nvSpPr>
-          <p:cNvPr id="7" name="TextBox 6">
+          <p:cNvPr id="3" name="Content Placeholder 2">
             <a:extLst>
               <a:ext uri="{FF2B5EF4-FFF2-40B4-BE49-F238E27FC236}">
-                <a16:creationId xmlns:a16="http://schemas.microsoft.com/office/drawing/2014/main" id="{067B623A-831A-91A0-4BE8-47368F61F7CD}"/>
+                <a16:creationId xmlns:a16="http://schemas.microsoft.com/office/drawing/2014/main" id="{8A88EDB2-006C-ED41-DC91-81A61AB06CEA}"/>
               </a:ext>
             </a:extLst>
           </p:cNvPr>
-          <p:cNvSpPr txBox="1"/>
-          <p:nvPr/>
+          <p:cNvSpPr>
+            <a:spLocks noGrp="1"/>
+          </p:cNvSpPr>
+          <p:nvPr>
+            <p:ph idx="1"/>
+          </p:nvPr>
         </p:nvSpPr>
-        <p:spPr>
-          <a:xfrm>
-            <a:off x="558799" y="1386817"/>
-            <a:ext cx="10956441" cy="4524315"/>
-          </a:xfrm>
-          <a:prstGeom prst="rect">
-            <a:avLst/>
-          </a:prstGeom>
-          <a:noFill/>
-        </p:spPr>
+        <p:spPr/>
         <p:txBody>
-          <a:bodyPr wrap="square">
-            <a:spAutoFit/>
-          </a:bodyPr>
+          <a:bodyPr/>
           <a:lstStyle/>
           <a:p>
-            <a:pPr algn="just"/>
-            <a:endParaRPr lang="en-CA" b="0" i="0" dirty="0">
-              <a:effectLst/>
-              <a:latin typeface="Helvetica" pitchFamily="2" charset="0"/>
+            <a:endParaRPr lang="en-US" dirty="0">
+              <a:latin typeface="Helvetica" panose="020B0604020202020204" pitchFamily="34" charset="0"/>
+              <a:cs typeface="Helvetica" panose="020B0604020202020204" pitchFamily="34" charset="0"/>
             </a:endParaRPr>
           </a:p>
           <a:p>
-            <a:pPr algn="just"/>
-            <a:r>
-              <a:rPr lang="en-CA" b="0" i="0" dirty="0">
-                <a:effectLst/>
-                <a:latin typeface="Helvetica" pitchFamily="2" charset="0"/>
-              </a:rPr>
-              <a:t>Huth, K. B. S., de Ron, J., </a:t>
-            </a:r>
-            <a:r>
-              <a:rPr lang="en-CA" b="0" i="0" dirty="0" err="1">
-                <a:effectLst/>
-                <a:latin typeface="Helvetica" pitchFamily="2" charset="0"/>
-              </a:rPr>
-              <a:t>Goudriaan</a:t>
-            </a:r>
-            <a:r>
-              <a:rPr lang="en-CA" b="0" i="0" dirty="0">
-                <a:effectLst/>
-                <a:latin typeface="Helvetica" pitchFamily="2" charset="0"/>
-              </a:rPr>
-              <a:t>, A. E., </a:t>
-            </a:r>
-            <a:r>
-              <a:rPr lang="en-CA" b="0" i="0" dirty="0" err="1">
-                <a:effectLst/>
-                <a:latin typeface="Helvetica" pitchFamily="2" charset="0"/>
-              </a:rPr>
-              <a:t>Luigjes</a:t>
-            </a:r>
-            <a:r>
-              <a:rPr lang="en-CA" b="0" i="0" dirty="0">
-                <a:effectLst/>
-                <a:latin typeface="Helvetica" pitchFamily="2" charset="0"/>
-              </a:rPr>
-              <a:t>, J., Mohammadi, R., van Holst, R. J., </a:t>
-            </a:r>
-            <a:r>
-              <a:rPr lang="en-CA" b="0" i="0" dirty="0" err="1">
-                <a:effectLst/>
-                <a:latin typeface="Helvetica" pitchFamily="2" charset="0"/>
-              </a:rPr>
-              <a:t>Wagenmakers</a:t>
-            </a:r>
-            <a:r>
-              <a:rPr lang="en-CA" b="0" i="0" dirty="0">
-                <a:effectLst/>
-                <a:latin typeface="Helvetica" pitchFamily="2" charset="0"/>
-              </a:rPr>
-              <a:t>, E.-J., &amp; Marsman, M. (2023). </a:t>
-            </a:r>
-            <a:r>
-              <a:rPr lang="en-CA" b="0" i="0" dirty="0">
-                <a:solidFill>
-                  <a:srgbClr val="1565C0"/>
-                </a:solidFill>
-                <a:effectLst/>
-                <a:latin typeface="Helvetica" pitchFamily="2" charset="0"/>
-                <a:hlinkClick r:id="rId6"/>
-              </a:rPr>
-              <a:t>Bayesian analysis of cross-sectional networks: A tutorial in R and JASP</a:t>
-            </a:r>
-            <a:r>
-              <a:rPr lang="en-CA" b="0" i="0" dirty="0">
-                <a:effectLst/>
-                <a:latin typeface="Helvetica" pitchFamily="2" charset="0"/>
-              </a:rPr>
-              <a:t>. </a:t>
-            </a:r>
-            <a:r>
-              <a:rPr lang="en-CA" b="0" i="1" dirty="0">
-                <a:effectLst/>
-                <a:latin typeface="Helvetica" pitchFamily="2" charset="0"/>
-              </a:rPr>
-              <a:t>Advances in Methods and Practices in Psychological Science, 6</a:t>
-            </a:r>
-            <a:r>
-              <a:rPr lang="en-CA" b="0" dirty="0">
-                <a:effectLst/>
-                <a:latin typeface="Helvetica" pitchFamily="2" charset="0"/>
-              </a:rPr>
-              <a:t>(4)</a:t>
-            </a:r>
-            <a:r>
-              <a:rPr lang="en-CA" b="0" i="0" dirty="0">
-                <a:effectLst/>
-                <a:latin typeface="Helvetica" pitchFamily="2" charset="0"/>
-              </a:rPr>
-              <a:t>.</a:t>
-            </a:r>
-          </a:p>
-          <a:p>
-            <a:pPr algn="just"/>
-            <a:endParaRPr lang="en-CA" b="0" i="0" dirty="0">
-              <a:effectLst/>
-              <a:latin typeface="Helvetica" pitchFamily="2" charset="0"/>
+            <a:endParaRPr lang="en-US" dirty="0">
+              <a:latin typeface="Helvetica" panose="020B0604020202020204" pitchFamily="34" charset="0"/>
+              <a:cs typeface="Helvetica" panose="020B0604020202020204" pitchFamily="34" charset="0"/>
             </a:endParaRPr>
           </a:p>
           <a:p>
-            <a:pPr algn="just"/>
+            <a:pPr marL="0" indent="0">
+              <a:buNone/>
+            </a:pPr>
             <a:r>
-              <a:rPr lang="en-CA" b="0" i="0" dirty="0">
-                <a:effectLst/>
-                <a:latin typeface="Helvetica" pitchFamily="2" charset="0"/>
+              <a:rPr lang="en-US" sz="4000" dirty="0">
+                <a:latin typeface="Helvetica" panose="020B0604020202020204" pitchFamily="34" charset="0"/>
+                <a:cs typeface="Helvetica" panose="020B0604020202020204" pitchFamily="34" charset="0"/>
               </a:rPr>
-              <a:t>Huth, K., Keetelaar, S., Sekulovski, N., van den Bergh, D., &amp; Marsman, M. (</a:t>
+              <a:t>bayesiangraphicalmodeling.com/workshops</a:t>
             </a:r>
-            <a:r>
-              <a:rPr lang="en-CA" dirty="0">
-                <a:latin typeface="Helvetica" pitchFamily="2" charset="0"/>
-              </a:rPr>
-              <a:t>2024</a:t>
-            </a:r>
-            <a:r>
-              <a:rPr lang="en-CA" b="0" i="0" dirty="0">
-                <a:effectLst/>
-                <a:latin typeface="Helvetica" pitchFamily="2" charset="0"/>
-              </a:rPr>
-              <a:t>). Simplifying Bayesian analysis of graphical models for the social sciences with </a:t>
-            </a:r>
-            <a:r>
-              <a:rPr lang="en-CA" b="0" i="0" dirty="0" err="1">
-                <a:effectLst/>
-                <a:latin typeface="Helvetica" pitchFamily="2" charset="0"/>
-              </a:rPr>
-              <a:t>easybgm</a:t>
-            </a:r>
-            <a:r>
-              <a:rPr lang="en-CA" b="0" i="0" dirty="0">
-                <a:effectLst/>
-                <a:latin typeface="Helvetica" pitchFamily="2" charset="0"/>
-              </a:rPr>
-              <a:t>: A user-friendly R-package. </a:t>
-            </a:r>
-            <a:r>
-              <a:rPr lang="en-CA" b="0" i="0" dirty="0">
-                <a:effectLst/>
-                <a:latin typeface="Helvetica" pitchFamily="2" charset="0"/>
-                <a:hlinkClick r:id="rId7"/>
-              </a:rPr>
-              <a:t>https://doi.org/10.31234/osf.io/8f72p</a:t>
-            </a:r>
-            <a:endParaRPr lang="en-CA" dirty="0">
-              <a:latin typeface="Helvetica" pitchFamily="2" charset="0"/>
-            </a:endParaRPr>
-          </a:p>
-          <a:p>
-            <a:pPr algn="just"/>
-            <a:endParaRPr lang="en-CA" b="0" i="0" dirty="0">
-              <a:effectLst/>
-              <a:latin typeface="Helvetica" pitchFamily="2" charset="0"/>
-            </a:endParaRPr>
-          </a:p>
-          <a:p>
-            <a:pPr algn="just"/>
-            <a:r>
-              <a:rPr lang="en-CA" b="0" i="0" dirty="0">
-                <a:effectLst/>
-                <a:latin typeface="Helvetica" pitchFamily="2" charset="0"/>
-              </a:rPr>
-              <a:t>Marsman, M., van den Bergh, D., &amp; </a:t>
-            </a:r>
-            <a:r>
-              <a:rPr lang="en-CA" b="0" i="0" dirty="0" err="1">
-                <a:effectLst/>
-                <a:latin typeface="Helvetica" pitchFamily="2" charset="0"/>
-              </a:rPr>
-              <a:t>Haslbeck</a:t>
-            </a:r>
-            <a:r>
-              <a:rPr lang="en-CA" b="0" i="0" dirty="0">
-                <a:effectLst/>
-                <a:latin typeface="Helvetica" pitchFamily="2" charset="0"/>
-              </a:rPr>
-              <a:t>, J. M. B. (</a:t>
-            </a:r>
-            <a:r>
-              <a:rPr lang="en-CA" dirty="0">
-                <a:latin typeface="Helvetica" pitchFamily="2" charset="0"/>
-              </a:rPr>
-              <a:t>in press</a:t>
-            </a:r>
-            <a:r>
-              <a:rPr lang="en-CA" b="0" i="0" dirty="0">
-                <a:effectLst/>
-                <a:latin typeface="Helvetica" pitchFamily="2" charset="0"/>
-              </a:rPr>
-              <a:t>). </a:t>
-            </a:r>
-            <a:r>
-              <a:rPr lang="en-CA" b="0" i="0" dirty="0">
-                <a:effectLst/>
-                <a:latin typeface="Helvetica" pitchFamily="2" charset="0"/>
-                <a:hlinkClick r:id="rId8"/>
-              </a:rPr>
-              <a:t>Bayesian Analysis of the Ordinal Markov Random Field</a:t>
-            </a:r>
-            <a:r>
-              <a:rPr lang="en-CA" b="0" i="0" dirty="0">
-                <a:effectLst/>
-                <a:latin typeface="Helvetica" pitchFamily="2" charset="0"/>
-              </a:rPr>
-              <a:t>. Psychometrika </a:t>
-            </a:r>
-          </a:p>
-          <a:p>
-            <a:pPr algn="just"/>
-            <a:endParaRPr lang="en-CA" dirty="0">
-              <a:latin typeface="Helvetica" pitchFamily="2" charset="0"/>
-            </a:endParaRPr>
-          </a:p>
-          <a:p>
-            <a:pPr algn="just"/>
-            <a:r>
-              <a:rPr lang="en-CA" b="0" i="0" dirty="0">
-                <a:solidFill>
-                  <a:srgbClr val="222222"/>
-                </a:solidFill>
-                <a:effectLst/>
-                <a:highlight>
-                  <a:srgbClr val="FFFFFF"/>
-                </a:highlight>
-                <a:latin typeface="Arial" panose="020B0604020202020204" pitchFamily="34" charset="0"/>
-              </a:rPr>
-              <a:t>Sekulovski, N., Keetelaar, S., Huth, K., Wagenmakers, E. J., van Bork, R., van den Bergh, D., &amp; Marsman, M. </a:t>
-            </a:r>
-            <a:r>
-              <a:rPr lang="en-CA" b="0" i="0">
-                <a:solidFill>
-                  <a:srgbClr val="222222"/>
-                </a:solidFill>
-                <a:effectLst/>
-                <a:highlight>
-                  <a:srgbClr val="FFFFFF"/>
-                </a:highlight>
-                <a:latin typeface="Arial" panose="020B0604020202020204" pitchFamily="34" charset="0"/>
-              </a:rPr>
-              <a:t>(</a:t>
-            </a:r>
-            <a:r>
-              <a:rPr lang="en-CA">
-                <a:solidFill>
-                  <a:srgbClr val="222222"/>
-                </a:solidFill>
-                <a:highlight>
-                  <a:srgbClr val="FFFFFF"/>
-                </a:highlight>
-                <a:latin typeface="Arial" panose="020B0604020202020204" pitchFamily="34" charset="0"/>
-              </a:rPr>
-              <a:t>in press</a:t>
-            </a:r>
-            <a:r>
-              <a:rPr lang="en-CA" b="0" i="0">
-                <a:solidFill>
-                  <a:srgbClr val="222222"/>
-                </a:solidFill>
-                <a:effectLst/>
-                <a:highlight>
-                  <a:srgbClr val="FFFFFF"/>
-                </a:highlight>
-                <a:latin typeface="Arial" panose="020B0604020202020204" pitchFamily="34" charset="0"/>
-              </a:rPr>
-              <a:t>). </a:t>
-            </a:r>
-            <a:r>
-              <a:rPr lang="en-CA" b="0" i="0" dirty="0">
-                <a:solidFill>
-                  <a:srgbClr val="222222"/>
-                </a:solidFill>
-                <a:effectLst/>
-                <a:highlight>
-                  <a:srgbClr val="FFFFFF"/>
-                </a:highlight>
-                <a:latin typeface="Arial" panose="020B0604020202020204" pitchFamily="34" charset="0"/>
-                <a:hlinkClick r:id="rId9"/>
-              </a:rPr>
-              <a:t>Testing conditional independence in psychometric networks: An analysis of three Bayesian methods</a:t>
-            </a:r>
-            <a:r>
-              <a:rPr lang="en-CA" b="0" i="0" dirty="0">
-                <a:solidFill>
-                  <a:srgbClr val="222222"/>
-                </a:solidFill>
-                <a:effectLst/>
-                <a:highlight>
-                  <a:srgbClr val="FFFFFF"/>
-                </a:highlight>
-                <a:latin typeface="Arial" panose="020B0604020202020204" pitchFamily="34" charset="0"/>
-              </a:rPr>
-              <a:t>. </a:t>
-            </a:r>
-            <a:r>
-              <a:rPr lang="en-CA" b="0" i="1" dirty="0">
-                <a:solidFill>
-                  <a:srgbClr val="222222"/>
-                </a:solidFill>
-                <a:effectLst/>
-                <a:highlight>
-                  <a:srgbClr val="FFFFFF"/>
-                </a:highlight>
-                <a:latin typeface="Arial" panose="020B0604020202020204" pitchFamily="34" charset="0"/>
-              </a:rPr>
-              <a:t>Multivariate Behavioral Research</a:t>
-            </a:r>
-            <a:r>
-              <a:rPr lang="en-CA" b="0" i="0" dirty="0">
-                <a:solidFill>
-                  <a:srgbClr val="222222"/>
-                </a:solidFill>
-                <a:effectLst/>
-                <a:highlight>
-                  <a:srgbClr val="FFFFFF"/>
-                </a:highlight>
-                <a:latin typeface="Arial" panose="020B0604020202020204" pitchFamily="34" charset="0"/>
-              </a:rPr>
-              <a:t>, 1-21.</a:t>
-            </a:r>
-          </a:p>
-          <a:p>
-            <a:pPr algn="just"/>
-            <a:endParaRPr lang="en-CA" b="0" i="0" dirty="0">
-              <a:effectLst/>
-              <a:latin typeface="Helvetica" pitchFamily="2" charset="0"/>
+            <a:endParaRPr lang="en-NL" sz="4000" dirty="0">
+              <a:latin typeface="Helvetica" panose="020B0604020202020204" pitchFamily="34" charset="0"/>
+              <a:cs typeface="Helvetica" panose="020B0604020202020204" pitchFamily="34" charset="0"/>
             </a:endParaRPr>
           </a:p>
         </p:txBody>
       </p:sp>
-      <p:cxnSp>
-        <p:nvCxnSpPr>
-          <p:cNvPr id="2" name="Straight Connector 1">
-            <a:extLst>
-              <a:ext uri="{FF2B5EF4-FFF2-40B4-BE49-F238E27FC236}">
-                <a16:creationId xmlns:a16="http://schemas.microsoft.com/office/drawing/2014/main" id="{3F39B814-8560-195B-BAFC-909DC7F36EA8}"/>
-              </a:ext>
-            </a:extLst>
-          </p:cNvPr>
-          <p:cNvCxnSpPr/>
-          <p:nvPr/>
-        </p:nvCxnSpPr>
-        <p:spPr>
-          <a:xfrm>
-            <a:off x="457200" y="0"/>
-            <a:ext cx="0" cy="1262070"/>
-          </a:xfrm>
-          <a:prstGeom prst="line">
-            <a:avLst/>
-          </a:prstGeom>
-          <a:ln w="57150">
-            <a:solidFill>
-              <a:schemeClr val="accent2">
-                <a:lumMod val="60000"/>
-                <a:lumOff val="40000"/>
-              </a:schemeClr>
-            </a:solidFill>
-          </a:ln>
-        </p:spPr>
-        <p:style>
-          <a:lnRef idx="1">
-            <a:schemeClr val="accent1"/>
-          </a:lnRef>
-          <a:fillRef idx="0">
-            <a:schemeClr val="accent1"/>
-          </a:fillRef>
-          <a:effectRef idx="0">
-            <a:schemeClr val="accent1"/>
-          </a:effectRef>
-          <a:fontRef idx="minor">
-            <a:schemeClr val="tx1"/>
-          </a:fontRef>
-        </p:style>
-      </p:cxnSp>
-      <p:cxnSp>
-        <p:nvCxnSpPr>
-          <p:cNvPr id="5" name="Straight Connector 4">
-            <a:extLst>
-              <a:ext uri="{FF2B5EF4-FFF2-40B4-BE49-F238E27FC236}">
-                <a16:creationId xmlns:a16="http://schemas.microsoft.com/office/drawing/2014/main" id="{77FAB24F-CAB7-529A-088B-6F854184248C}"/>
-              </a:ext>
-            </a:extLst>
-          </p:cNvPr>
-          <p:cNvCxnSpPr>
-            <a:cxnSpLocks/>
-          </p:cNvCxnSpPr>
-          <p:nvPr/>
-        </p:nvCxnSpPr>
-        <p:spPr>
-          <a:xfrm>
-            <a:off x="0" y="431800"/>
-            <a:ext cx="1511300" cy="0"/>
-          </a:xfrm>
-          <a:prstGeom prst="line">
-            <a:avLst/>
-          </a:prstGeom>
-          <a:ln w="57150">
-            <a:solidFill>
-              <a:schemeClr val="accent2">
-                <a:lumMod val="60000"/>
-                <a:lumOff val="40000"/>
-              </a:schemeClr>
-            </a:solidFill>
-          </a:ln>
-        </p:spPr>
-        <p:style>
-          <a:lnRef idx="1">
-            <a:schemeClr val="accent1"/>
-          </a:lnRef>
-          <a:fillRef idx="0">
-            <a:schemeClr val="accent1"/>
-          </a:fillRef>
-          <a:effectRef idx="0">
-            <a:schemeClr val="accent1"/>
-          </a:effectRef>
-          <a:fontRef idx="minor">
-            <a:schemeClr val="tx1"/>
-          </a:fontRef>
-        </p:style>
-      </p:cxnSp>
     </p:spTree>
     <p:extLst>
       <p:ext uri="{BB962C8B-B14F-4D97-AF65-F5344CB8AC3E}">
-        <p14:creationId xmlns:p14="http://schemas.microsoft.com/office/powerpoint/2010/main" val="300369435"/>
+        <p14:creationId xmlns:p14="http://schemas.microsoft.com/office/powerpoint/2010/main" val="1439737133"/>
       </p:ext>
     </p:extLst>
   </p:cSld>
@@ -21081,6 +20579,642 @@
     <p:extLst>
       <p:ext uri="{BB962C8B-B14F-4D97-AF65-F5344CB8AC3E}">
         <p14:creationId xmlns:p14="http://schemas.microsoft.com/office/powerpoint/2010/main" val="3241801107"/>
+      </p:ext>
+    </p:extLst>
+  </p:cSld>
+  <p:clrMapOvr>
+    <a:masterClrMapping/>
+  </p:clrMapOvr>
+</p:sld>
+</file>
+
+<file path=ppt/slides/slide20.xml><?xml version="1.0" encoding="utf-8"?>
+<p:sld xmlns:a="http://schemas.openxmlformats.org/drawingml/2006/main" xmlns:r="http://schemas.openxmlformats.org/officeDocument/2006/relationships" xmlns:p="http://schemas.openxmlformats.org/presentationml/2006/main">
+  <p:cSld>
+    <p:spTree>
+      <p:nvGrpSpPr>
+        <p:cNvPr id="1" name="">
+          <a:extLst>
+            <a:ext uri="{FF2B5EF4-FFF2-40B4-BE49-F238E27FC236}">
+              <a16:creationId xmlns:a16="http://schemas.microsoft.com/office/drawing/2014/main" id="{3762E5D4-74A1-8C33-E893-C2E1EB844E69}"/>
+            </a:ext>
+          </a:extLst>
+        </p:cNvPr>
+        <p:cNvGrpSpPr/>
+        <p:nvPr/>
+      </p:nvGrpSpPr>
+      <p:grpSpPr>
+        <a:xfrm>
+          <a:off x="0" y="0"/>
+          <a:ext cx="0" cy="0"/>
+          <a:chOff x="0" y="0"/>
+          <a:chExt cx="0" cy="0"/>
+        </a:xfrm>
+      </p:grpSpPr>
+      <p:cxnSp>
+        <p:nvCxnSpPr>
+          <p:cNvPr id="2" name="Straight Connector 1">
+            <a:extLst>
+              <a:ext uri="{FF2B5EF4-FFF2-40B4-BE49-F238E27FC236}">
+                <a16:creationId xmlns:a16="http://schemas.microsoft.com/office/drawing/2014/main" id="{3C6FE399-71EE-12C0-6462-459A5F1D69BD}"/>
+              </a:ext>
+            </a:extLst>
+          </p:cNvPr>
+          <p:cNvCxnSpPr/>
+          <p:nvPr/>
+        </p:nvCxnSpPr>
+        <p:spPr>
+          <a:xfrm>
+            <a:off x="457200" y="0"/>
+            <a:ext cx="0" cy="1262070"/>
+          </a:xfrm>
+          <a:prstGeom prst="line">
+            <a:avLst/>
+          </a:prstGeom>
+          <a:ln w="57150">
+            <a:solidFill>
+              <a:schemeClr val="accent2">
+                <a:lumMod val="60000"/>
+                <a:lumOff val="40000"/>
+              </a:schemeClr>
+            </a:solidFill>
+          </a:ln>
+        </p:spPr>
+        <p:style>
+          <a:lnRef idx="1">
+            <a:schemeClr val="accent1"/>
+          </a:lnRef>
+          <a:fillRef idx="0">
+            <a:schemeClr val="accent1"/>
+          </a:fillRef>
+          <a:effectRef idx="0">
+            <a:schemeClr val="accent1"/>
+          </a:effectRef>
+          <a:fontRef idx="minor">
+            <a:schemeClr val="tx1"/>
+          </a:fontRef>
+        </p:style>
+      </p:cxnSp>
+      <p:cxnSp>
+        <p:nvCxnSpPr>
+          <p:cNvPr id="7" name="Straight Connector 6">
+            <a:extLst>
+              <a:ext uri="{FF2B5EF4-FFF2-40B4-BE49-F238E27FC236}">
+                <a16:creationId xmlns:a16="http://schemas.microsoft.com/office/drawing/2014/main" id="{E85BD0E7-1C11-BF56-75CD-1114B1D2D95C}"/>
+              </a:ext>
+            </a:extLst>
+          </p:cNvPr>
+          <p:cNvCxnSpPr>
+            <a:cxnSpLocks/>
+          </p:cNvCxnSpPr>
+          <p:nvPr/>
+        </p:nvCxnSpPr>
+        <p:spPr>
+          <a:xfrm>
+            <a:off x="0" y="431800"/>
+            <a:ext cx="1511300" cy="0"/>
+          </a:xfrm>
+          <a:prstGeom prst="line">
+            <a:avLst/>
+          </a:prstGeom>
+          <a:ln w="57150">
+            <a:solidFill>
+              <a:schemeClr val="accent2">
+                <a:lumMod val="60000"/>
+                <a:lumOff val="40000"/>
+              </a:schemeClr>
+            </a:solidFill>
+          </a:ln>
+        </p:spPr>
+        <p:style>
+          <a:lnRef idx="1">
+            <a:schemeClr val="accent1"/>
+          </a:lnRef>
+          <a:fillRef idx="0">
+            <a:schemeClr val="accent1"/>
+          </a:fillRef>
+          <a:effectRef idx="0">
+            <a:schemeClr val="accent1"/>
+          </a:effectRef>
+          <a:fontRef idx="minor">
+            <a:schemeClr val="tx1"/>
+          </a:fontRef>
+        </p:style>
+      </p:cxnSp>
+      <p:sp>
+        <p:nvSpPr>
+          <p:cNvPr id="8" name="Title 1">
+            <a:extLst>
+              <a:ext uri="{FF2B5EF4-FFF2-40B4-BE49-F238E27FC236}">
+                <a16:creationId xmlns:a16="http://schemas.microsoft.com/office/drawing/2014/main" id="{9624573E-E82E-FC84-1909-43E0E85CB588}"/>
+              </a:ext>
+            </a:extLst>
+          </p:cNvPr>
+          <p:cNvSpPr txBox="1">
+            <a:spLocks/>
+          </p:cNvSpPr>
+          <p:nvPr/>
+        </p:nvSpPr>
+        <p:spPr>
+          <a:xfrm>
+            <a:off x="558800" y="262728"/>
+            <a:ext cx="12192000" cy="1325563"/>
+          </a:xfrm>
+          <a:prstGeom prst="rect">
+            <a:avLst/>
+          </a:prstGeom>
+        </p:spPr>
+        <p:txBody>
+          <a:bodyPr vert="horz" lIns="91440" tIns="45720" rIns="91440" bIns="45720" rtlCol="0" anchor="ctr">
+            <a:normAutofit/>
+          </a:bodyPr>
+          <a:lstStyle>
+            <a:lvl1pPr algn="l" defTabSz="914400" rtl="0" eaLnBrk="1" latinLnBrk="0" hangingPunct="1">
+              <a:lnSpc>
+                <a:spcPct val="90000"/>
+              </a:lnSpc>
+              <a:spcBef>
+                <a:spcPct val="0"/>
+              </a:spcBef>
+              <a:buNone/>
+              <a:defRPr sz="4400" kern="1200">
+                <a:solidFill>
+                  <a:schemeClr val="tx1"/>
+                </a:solidFill>
+                <a:latin typeface="+mj-lt"/>
+                <a:ea typeface="+mj-ea"/>
+                <a:cs typeface="+mj-cs"/>
+              </a:defRPr>
+            </a:lvl1pPr>
+          </a:lstStyle>
+          <a:p>
+            <a:r>
+              <a:rPr lang="en-US" sz="4800" b="1" dirty="0">
+                <a:latin typeface="Helvetica" pitchFamily="2" charset="0"/>
+                <a:cs typeface="Courier New" panose="02070309020205020404" pitchFamily="49" charset="0"/>
+              </a:rPr>
+              <a:t>Prior – specification</a:t>
+            </a:r>
+          </a:p>
+        </p:txBody>
+      </p:sp>
+      <p:sp>
+        <p:nvSpPr>
+          <p:cNvPr id="3" name="Content Placeholder 2">
+            <a:extLst>
+              <a:ext uri="{FF2B5EF4-FFF2-40B4-BE49-F238E27FC236}">
+                <a16:creationId xmlns:a16="http://schemas.microsoft.com/office/drawing/2014/main" id="{64A6622D-76FD-E4C2-BA24-1B9578A58117}"/>
+              </a:ext>
+            </a:extLst>
+          </p:cNvPr>
+          <p:cNvSpPr>
+            <a:spLocks noGrp="1"/>
+          </p:cNvSpPr>
+          <p:nvPr>
+            <p:ph idx="1"/>
+          </p:nvPr>
+        </p:nvSpPr>
+        <p:spPr>
+          <a:xfrm>
+            <a:off x="625645" y="1757362"/>
+            <a:ext cx="5257800" cy="4246391"/>
+          </a:xfrm>
+        </p:spPr>
+        <p:txBody>
+          <a:bodyPr>
+            <a:noAutofit/>
+          </a:bodyPr>
+          <a:lstStyle/>
+          <a:p>
+            <a:pPr marL="0" indent="0">
+              <a:buNone/>
+            </a:pPr>
+            <a:r>
+              <a:rPr lang="en-US" sz="2400" b="1" dirty="0">
+                <a:solidFill>
+                  <a:schemeClr val="accent2"/>
+                </a:solidFill>
+                <a:latin typeface="Helvetica" pitchFamily="2" charset="0"/>
+              </a:rPr>
+              <a:t>Structure Prior</a:t>
+            </a:r>
+          </a:p>
+          <a:p>
+            <a:pPr marL="0" indent="0">
+              <a:buNone/>
+            </a:pPr>
+            <a:endParaRPr lang="en-US" sz="1800" dirty="0">
+              <a:latin typeface="Helvetica" pitchFamily="2" charset="0"/>
+            </a:endParaRPr>
+          </a:p>
+          <a:p>
+            <a:pPr marL="0" indent="0">
+              <a:buNone/>
+            </a:pPr>
+            <a:r>
+              <a:rPr lang="en-US" sz="1800" dirty="0">
+                <a:latin typeface="Helvetica" pitchFamily="2" charset="0"/>
+              </a:rPr>
+              <a:t>What prior assumptions do I have about the density? Do I believe a particular edge should be included?</a:t>
+            </a:r>
+          </a:p>
+        </p:txBody>
+      </p:sp>
+      <p:sp>
+        <p:nvSpPr>
+          <p:cNvPr id="5" name="Content Placeholder 2">
+            <a:extLst>
+              <a:ext uri="{FF2B5EF4-FFF2-40B4-BE49-F238E27FC236}">
+                <a16:creationId xmlns:a16="http://schemas.microsoft.com/office/drawing/2014/main" id="{FBDB601E-EF89-5862-A8A5-19A0723ED30B}"/>
+              </a:ext>
+            </a:extLst>
+          </p:cNvPr>
+          <p:cNvSpPr txBox="1">
+            <a:spLocks/>
+          </p:cNvSpPr>
+          <p:nvPr/>
+        </p:nvSpPr>
+        <p:spPr>
+          <a:xfrm>
+            <a:off x="6348673" y="1765383"/>
+            <a:ext cx="5257800" cy="4246391"/>
+          </a:xfrm>
+          <a:prstGeom prst="rect">
+            <a:avLst/>
+          </a:prstGeom>
+        </p:spPr>
+        <p:txBody>
+          <a:bodyPr vert="horz" lIns="91440" tIns="45720" rIns="91440" bIns="45720" rtlCol="0">
+            <a:noAutofit/>
+          </a:bodyPr>
+          <a:lstStyle>
+            <a:lvl1pPr marL="228600" indent="-228600" algn="l" defTabSz="914400" rtl="0" eaLnBrk="1" latinLnBrk="0" hangingPunct="1">
+              <a:lnSpc>
+                <a:spcPct val="90000"/>
+              </a:lnSpc>
+              <a:spcBef>
+                <a:spcPts val="1000"/>
+              </a:spcBef>
+              <a:buFont typeface="Arial" panose="020B0604020202020204" pitchFamily="34" charset="0"/>
+              <a:buChar char="•"/>
+              <a:defRPr sz="2800" kern="1200">
+                <a:solidFill>
+                  <a:schemeClr val="tx1"/>
+                </a:solidFill>
+                <a:latin typeface="+mn-lt"/>
+                <a:ea typeface="+mn-ea"/>
+                <a:cs typeface="+mn-cs"/>
+              </a:defRPr>
+            </a:lvl1pPr>
+            <a:lvl2pPr marL="685800" indent="-228600" algn="l" defTabSz="914400" rtl="0" eaLnBrk="1" latinLnBrk="0" hangingPunct="1">
+              <a:lnSpc>
+                <a:spcPct val="90000"/>
+              </a:lnSpc>
+              <a:spcBef>
+                <a:spcPts val="500"/>
+              </a:spcBef>
+              <a:buFont typeface="Arial" panose="020B0604020202020204" pitchFamily="34" charset="0"/>
+              <a:buChar char="•"/>
+              <a:defRPr sz="2400" kern="1200">
+                <a:solidFill>
+                  <a:schemeClr val="tx1"/>
+                </a:solidFill>
+                <a:latin typeface="+mn-lt"/>
+                <a:ea typeface="+mn-ea"/>
+                <a:cs typeface="+mn-cs"/>
+              </a:defRPr>
+            </a:lvl2pPr>
+            <a:lvl3pPr marL="1143000" indent="-228600" algn="l" defTabSz="914400" rtl="0" eaLnBrk="1" latinLnBrk="0" hangingPunct="1">
+              <a:lnSpc>
+                <a:spcPct val="90000"/>
+              </a:lnSpc>
+              <a:spcBef>
+                <a:spcPts val="500"/>
+              </a:spcBef>
+              <a:buFont typeface="Arial" panose="020B0604020202020204" pitchFamily="34" charset="0"/>
+              <a:buChar char="•"/>
+              <a:defRPr sz="2000" kern="1200">
+                <a:solidFill>
+                  <a:schemeClr val="tx1"/>
+                </a:solidFill>
+                <a:latin typeface="+mn-lt"/>
+                <a:ea typeface="+mn-ea"/>
+                <a:cs typeface="+mn-cs"/>
+              </a:defRPr>
+            </a:lvl3pPr>
+            <a:lvl4pPr marL="1600200" indent="-228600" algn="l" defTabSz="914400" rtl="0" eaLnBrk="1" latinLnBrk="0" hangingPunct="1">
+              <a:lnSpc>
+                <a:spcPct val="90000"/>
+              </a:lnSpc>
+              <a:spcBef>
+                <a:spcPts val="500"/>
+              </a:spcBef>
+              <a:buFont typeface="Arial" panose="020B0604020202020204" pitchFamily="34" charset="0"/>
+              <a:buChar char="•"/>
+              <a:defRPr sz="1800" kern="1200">
+                <a:solidFill>
+                  <a:schemeClr val="tx1"/>
+                </a:solidFill>
+                <a:latin typeface="+mn-lt"/>
+                <a:ea typeface="+mn-ea"/>
+                <a:cs typeface="+mn-cs"/>
+              </a:defRPr>
+            </a:lvl4pPr>
+            <a:lvl5pPr marL="2057400" indent="-228600" algn="l" defTabSz="914400" rtl="0" eaLnBrk="1" latinLnBrk="0" hangingPunct="1">
+              <a:lnSpc>
+                <a:spcPct val="90000"/>
+              </a:lnSpc>
+              <a:spcBef>
+                <a:spcPts val="500"/>
+              </a:spcBef>
+              <a:buFont typeface="Arial" panose="020B0604020202020204" pitchFamily="34" charset="0"/>
+              <a:buChar char="•"/>
+              <a:defRPr sz="1800" kern="1200">
+                <a:solidFill>
+                  <a:schemeClr val="tx1"/>
+                </a:solidFill>
+                <a:latin typeface="+mn-lt"/>
+                <a:ea typeface="+mn-ea"/>
+                <a:cs typeface="+mn-cs"/>
+              </a:defRPr>
+            </a:lvl5pPr>
+            <a:lvl6pPr marL="2514600" indent="-228600" algn="l" defTabSz="914400" rtl="0" eaLnBrk="1" latinLnBrk="0" hangingPunct="1">
+              <a:lnSpc>
+                <a:spcPct val="90000"/>
+              </a:lnSpc>
+              <a:spcBef>
+                <a:spcPts val="500"/>
+              </a:spcBef>
+              <a:buFont typeface="Arial" panose="020B0604020202020204" pitchFamily="34" charset="0"/>
+              <a:buChar char="•"/>
+              <a:defRPr sz="1800" kern="1200">
+                <a:solidFill>
+                  <a:schemeClr val="tx1"/>
+                </a:solidFill>
+                <a:latin typeface="+mn-lt"/>
+                <a:ea typeface="+mn-ea"/>
+                <a:cs typeface="+mn-cs"/>
+              </a:defRPr>
+            </a:lvl6pPr>
+            <a:lvl7pPr marL="2971800" indent="-228600" algn="l" defTabSz="914400" rtl="0" eaLnBrk="1" latinLnBrk="0" hangingPunct="1">
+              <a:lnSpc>
+                <a:spcPct val="90000"/>
+              </a:lnSpc>
+              <a:spcBef>
+                <a:spcPts val="500"/>
+              </a:spcBef>
+              <a:buFont typeface="Arial" panose="020B0604020202020204" pitchFamily="34" charset="0"/>
+              <a:buChar char="•"/>
+              <a:defRPr sz="1800" kern="1200">
+                <a:solidFill>
+                  <a:schemeClr val="tx1"/>
+                </a:solidFill>
+                <a:latin typeface="+mn-lt"/>
+                <a:ea typeface="+mn-ea"/>
+                <a:cs typeface="+mn-cs"/>
+              </a:defRPr>
+            </a:lvl7pPr>
+            <a:lvl8pPr marL="3429000" indent="-228600" algn="l" defTabSz="914400" rtl="0" eaLnBrk="1" latinLnBrk="0" hangingPunct="1">
+              <a:lnSpc>
+                <a:spcPct val="90000"/>
+              </a:lnSpc>
+              <a:spcBef>
+                <a:spcPts val="500"/>
+              </a:spcBef>
+              <a:buFont typeface="Arial" panose="020B0604020202020204" pitchFamily="34" charset="0"/>
+              <a:buChar char="•"/>
+              <a:defRPr sz="1800" kern="1200">
+                <a:solidFill>
+                  <a:schemeClr val="tx1"/>
+                </a:solidFill>
+                <a:latin typeface="+mn-lt"/>
+                <a:ea typeface="+mn-ea"/>
+                <a:cs typeface="+mn-cs"/>
+              </a:defRPr>
+            </a:lvl8pPr>
+            <a:lvl9pPr marL="3886200" indent="-228600" algn="l" defTabSz="914400" rtl="0" eaLnBrk="1" latinLnBrk="0" hangingPunct="1">
+              <a:lnSpc>
+                <a:spcPct val="90000"/>
+              </a:lnSpc>
+              <a:spcBef>
+                <a:spcPts val="500"/>
+              </a:spcBef>
+              <a:buFont typeface="Arial" panose="020B0604020202020204" pitchFamily="34" charset="0"/>
+              <a:buChar char="•"/>
+              <a:defRPr sz="1800" kern="1200">
+                <a:solidFill>
+                  <a:schemeClr val="tx1"/>
+                </a:solidFill>
+                <a:latin typeface="+mn-lt"/>
+                <a:ea typeface="+mn-ea"/>
+                <a:cs typeface="+mn-cs"/>
+              </a:defRPr>
+            </a:lvl9pPr>
+          </a:lstStyle>
+          <a:p>
+            <a:pPr marL="0" indent="0">
+              <a:buFont typeface="Arial" panose="020B0604020202020204" pitchFamily="34" charset="0"/>
+              <a:buNone/>
+            </a:pPr>
+            <a:r>
+              <a:rPr lang="en-US" sz="2400" b="1" dirty="0">
+                <a:solidFill>
+                  <a:schemeClr val="accent2"/>
+                </a:solidFill>
+                <a:latin typeface="Helvetica" pitchFamily="2" charset="0"/>
+              </a:rPr>
+              <a:t>Parameter Prior</a:t>
+            </a:r>
+          </a:p>
+          <a:p>
+            <a:pPr marL="0" indent="0">
+              <a:buFont typeface="Arial" panose="020B0604020202020204" pitchFamily="34" charset="0"/>
+              <a:buNone/>
+            </a:pPr>
+            <a:endParaRPr lang="en-US" sz="1800" dirty="0">
+              <a:latin typeface="Helvetica" pitchFamily="2" charset="0"/>
+            </a:endParaRPr>
+          </a:p>
+          <a:p>
+            <a:pPr marL="0" indent="0">
+              <a:buFont typeface="Arial" panose="020B0604020202020204" pitchFamily="34" charset="0"/>
+              <a:buNone/>
+            </a:pPr>
+            <a:r>
+              <a:rPr lang="en-US" sz="1800" dirty="0">
+                <a:latin typeface="Helvetica" pitchFamily="2" charset="0"/>
+              </a:rPr>
+              <a:t>What prior assumptions do I have about the strength of the edge weights? </a:t>
+            </a:r>
+          </a:p>
+        </p:txBody>
+      </p:sp>
+      <p:pic>
+        <p:nvPicPr>
+          <p:cNvPr id="9" name="Picture 8" descr="A white text with black text&#10;&#10;Description automatically generated">
+            <a:extLst>
+              <a:ext uri="{FF2B5EF4-FFF2-40B4-BE49-F238E27FC236}">
+                <a16:creationId xmlns:a16="http://schemas.microsoft.com/office/drawing/2014/main" id="{F9C77661-ACF8-A909-12A5-EEB8A536633B}"/>
+              </a:ext>
+            </a:extLst>
+          </p:cNvPr>
+          <p:cNvPicPr>
+            <a:picLocks noChangeAspect="1"/>
+          </p:cNvPicPr>
+          <p:nvPr/>
+        </p:nvPicPr>
+        <p:blipFill rotWithShape="1">
+          <a:blip r:embed="rId3"/>
+          <a:srcRect l="2678"/>
+          <a:stretch/>
+        </p:blipFill>
+        <p:spPr>
+          <a:xfrm>
+            <a:off x="2243892" y="3694287"/>
+            <a:ext cx="7279106" cy="2900985"/>
+          </a:xfrm>
+          <a:prstGeom prst="rect">
+            <a:avLst/>
+          </a:prstGeom>
+        </p:spPr>
+      </p:pic>
+      <p:sp>
+        <p:nvSpPr>
+          <p:cNvPr id="4" name="Rectangle 3">
+            <a:extLst>
+              <a:ext uri="{FF2B5EF4-FFF2-40B4-BE49-F238E27FC236}">
+                <a16:creationId xmlns:a16="http://schemas.microsoft.com/office/drawing/2014/main" id="{8062C01B-9E8C-FA5A-1A77-3DBAF8936B61}"/>
+              </a:ext>
+            </a:extLst>
+          </p:cNvPr>
+          <p:cNvSpPr/>
+          <p:nvPr/>
+        </p:nvSpPr>
+        <p:spPr>
+          <a:xfrm>
+            <a:off x="5323840" y="5435600"/>
+            <a:ext cx="2001520" cy="213360"/>
+          </a:xfrm>
+          <a:prstGeom prst="rect">
+            <a:avLst/>
+          </a:prstGeom>
+          <a:solidFill>
+            <a:schemeClr val="bg1"/>
+          </a:solidFill>
+          <a:ln>
+            <a:solidFill>
+              <a:schemeClr val="bg1"/>
+            </a:solidFill>
+          </a:ln>
+        </p:spPr>
+        <p:style>
+          <a:lnRef idx="2">
+            <a:schemeClr val="accent1">
+              <a:shade val="15000"/>
+            </a:schemeClr>
+          </a:lnRef>
+          <a:fillRef idx="1">
+            <a:schemeClr val="accent1"/>
+          </a:fillRef>
+          <a:effectRef idx="0">
+            <a:schemeClr val="accent1"/>
+          </a:effectRef>
+          <a:fontRef idx="minor">
+            <a:schemeClr val="lt1"/>
+          </a:fontRef>
+        </p:style>
+        <p:txBody>
+          <a:bodyPr rtlCol="0" anchor="ctr"/>
+          <a:lstStyle/>
+          <a:p>
+            <a:pPr algn="ctr"/>
+            <a:endParaRPr lang="en-US"/>
+          </a:p>
+        </p:txBody>
+      </p:sp>
+      <p:cxnSp>
+        <p:nvCxnSpPr>
+          <p:cNvPr id="10" name="Straight Connector 9">
+            <a:extLst>
+              <a:ext uri="{FF2B5EF4-FFF2-40B4-BE49-F238E27FC236}">
+                <a16:creationId xmlns:a16="http://schemas.microsoft.com/office/drawing/2014/main" id="{161D4A7A-6043-1FA1-2E88-A316E64CF093}"/>
+              </a:ext>
+            </a:extLst>
+          </p:cNvPr>
+          <p:cNvCxnSpPr/>
+          <p:nvPr/>
+        </p:nvCxnSpPr>
+        <p:spPr>
+          <a:xfrm>
+            <a:off x="5883445" y="4442691"/>
+            <a:ext cx="683610" cy="0"/>
+          </a:xfrm>
+          <a:prstGeom prst="line">
+            <a:avLst/>
+          </a:prstGeom>
+          <a:ln/>
+        </p:spPr>
+        <p:style>
+          <a:lnRef idx="3">
+            <a:schemeClr val="accent6"/>
+          </a:lnRef>
+          <a:fillRef idx="0">
+            <a:schemeClr val="accent6"/>
+          </a:fillRef>
+          <a:effectRef idx="2">
+            <a:schemeClr val="accent6"/>
+          </a:effectRef>
+          <a:fontRef idx="minor">
+            <a:schemeClr val="tx1"/>
+          </a:fontRef>
+        </p:style>
+      </p:cxnSp>
+      <p:sp>
+        <p:nvSpPr>
+          <p:cNvPr id="11" name="TextBox 10">
+            <a:extLst>
+              <a:ext uri="{FF2B5EF4-FFF2-40B4-BE49-F238E27FC236}">
+                <a16:creationId xmlns:a16="http://schemas.microsoft.com/office/drawing/2014/main" id="{A7CCDD77-8281-D4E6-58E1-E8978FB6464C}"/>
+              </a:ext>
+            </a:extLst>
+          </p:cNvPr>
+          <p:cNvSpPr txBox="1"/>
+          <p:nvPr/>
+        </p:nvSpPr>
+        <p:spPr>
+          <a:xfrm>
+            <a:off x="6574362" y="4273414"/>
+            <a:ext cx="1173018" cy="338554"/>
+          </a:xfrm>
+          <a:prstGeom prst="rect">
+            <a:avLst/>
+          </a:prstGeom>
+          <a:noFill/>
+        </p:spPr>
+        <p:txBody>
+          <a:bodyPr wrap="square" rtlCol="0">
+            <a:spAutoFit/>
+          </a:bodyPr>
+          <a:lstStyle/>
+          <a:p>
+            <a:r>
+              <a:rPr lang="en-US" sz="1600" b="1" dirty="0">
+                <a:latin typeface="Courier New" panose="02070309020205020404" pitchFamily="49" charset="0"/>
+                <a:cs typeface="Courier New" panose="02070309020205020404" pitchFamily="49" charset="0"/>
+              </a:rPr>
+              <a:t>scale</a:t>
+            </a:r>
+            <a:endParaRPr lang="en-NL" sz="1600" b="1" dirty="0">
+              <a:latin typeface="Courier New" panose="02070309020205020404" pitchFamily="49" charset="0"/>
+              <a:cs typeface="Courier New" panose="02070309020205020404" pitchFamily="49" charset="0"/>
+            </a:endParaRPr>
+          </a:p>
+        </p:txBody>
+      </p:sp>
+    </p:spTree>
+    <p:extLst>
+      <p:ext uri="{BB962C8B-B14F-4D97-AF65-F5344CB8AC3E}">
+        <p14:creationId xmlns:p14="http://schemas.microsoft.com/office/powerpoint/2010/main" val="4221003262"/>
       </p:ext>
     </p:extLst>
   </p:cSld>

--- a/2_Tutorial/Part III - Tutorial.pptx
+++ b/2_Tutorial/Part III - Tutorial.pptx
@@ -5,7 +5,7 @@
     <p:sldMasterId id="2147483726" r:id="rId1"/>
   </p:sldMasterIdLst>
   <p:notesMasterIdLst>
-    <p:notesMasterId r:id="rId22"/>
+    <p:notesMasterId r:id="rId21"/>
   </p:notesMasterIdLst>
   <p:sldIdLst>
     <p:sldId id="346" r:id="rId2"/>
@@ -21,13 +21,12 @@
     <p:sldId id="327" r:id="rId12"/>
     <p:sldId id="603" r:id="rId13"/>
     <p:sldId id="602" r:id="rId14"/>
-    <p:sldId id="601" r:id="rId15"/>
-    <p:sldId id="605" r:id="rId16"/>
-    <p:sldId id="594" r:id="rId17"/>
-    <p:sldId id="629" r:id="rId18"/>
-    <p:sldId id="662" r:id="rId19"/>
-    <p:sldId id="663" r:id="rId20"/>
-    <p:sldId id="630" r:id="rId21"/>
+    <p:sldId id="605" r:id="rId15"/>
+    <p:sldId id="594" r:id="rId16"/>
+    <p:sldId id="629" r:id="rId17"/>
+    <p:sldId id="662" r:id="rId18"/>
+    <p:sldId id="663" r:id="rId19"/>
+    <p:sldId id="630" r:id="rId20"/>
   </p:sldIdLst>
   <p:sldSz cx="12192000" cy="6858000"/>
   <p:notesSz cx="6858000" cy="9144000"/>
@@ -137,7 +136,7 @@
 <file path=ppt/revisionInfo.xml><?xml version="1.0" encoding="utf-8"?>
 <p1510:revInfo xmlns:a="http://schemas.openxmlformats.org/drawingml/2006/main" xmlns:r="http://schemas.openxmlformats.org/officeDocument/2006/relationships" xmlns:p1510="http://schemas.microsoft.com/office/powerpoint/2015/10/main">
   <p1510:revLst>
-    <p1510:client id="{E9D0067C-498F-4541-B9C7-5E6A919B1BEC}" v="1" dt="2024-09-26T16:21:21.870"/>
+    <p1510:client id="{E9D0067C-498F-4541-B9C7-5E6A919B1BEC}" v="268" dt="2024-10-10T11:47:05.404"/>
   </p1510:revLst>
 </p1510:revInfo>
 </file>
@@ -9561,17 +9560,127 @@
   </pc:docChgLst>
   <pc:docChgLst>
     <pc:chgData name="Nikola Sekulovski" userId="2345901e-73d2-462d-8b82-8af2d9a2a087" providerId="ADAL" clId="{E9D0067C-498F-4541-B9C7-5E6A919B1BEC}"/>
-    <pc:docChg chg="undo redo custSel modSld sldOrd">
-      <pc:chgData name="Nikola Sekulovski" userId="2345901e-73d2-462d-8b82-8af2d9a2a087" providerId="ADAL" clId="{E9D0067C-498F-4541-B9C7-5E6A919B1BEC}" dt="2024-09-26T16:23:57.158" v="78" actId="20577"/>
+    <pc:docChg chg="undo redo custSel delSld modSld sldOrd">
+      <pc:chgData name="Nikola Sekulovski" userId="2345901e-73d2-462d-8b82-8af2d9a2a087" providerId="ADAL" clId="{E9D0067C-498F-4541-B9C7-5E6A919B1BEC}" dt="2024-10-10T11:47:16.292" v="368" actId="2696"/>
       <pc:docMkLst>
         <pc:docMk/>
       </pc:docMkLst>
-      <pc:sldChg chg="modNotesTx">
-        <pc:chgData name="Nikola Sekulovski" userId="2345901e-73d2-462d-8b82-8af2d9a2a087" providerId="ADAL" clId="{E9D0067C-498F-4541-B9C7-5E6A919B1BEC}" dt="2024-09-26T16:23:43.231" v="77" actId="20577"/>
+      <pc:sldChg chg="addSp delSp modSp mod delAnim modAnim">
+        <pc:chgData name="Nikola Sekulovski" userId="2345901e-73d2-462d-8b82-8af2d9a2a087" providerId="ADAL" clId="{E9D0067C-498F-4541-B9C7-5E6A919B1BEC}" dt="2024-10-10T11:45:14.291" v="115" actId="1076"/>
+        <pc:sldMkLst>
+          <pc:docMk/>
+          <pc:sldMk cId="149297165" sldId="300"/>
+        </pc:sldMkLst>
+        <pc:spChg chg="del">
+          <ac:chgData name="Nikola Sekulovski" userId="2345901e-73d2-462d-8b82-8af2d9a2a087" providerId="ADAL" clId="{E9D0067C-498F-4541-B9C7-5E6A919B1BEC}" dt="2024-10-10T11:44:38.310" v="95" actId="21"/>
+          <ac:spMkLst>
+            <pc:docMk/>
+            <pc:sldMk cId="149297165" sldId="300"/>
+            <ac:spMk id="17" creationId="{A2EDA60D-5551-30CA-5E95-57CF060BD0B3}"/>
+          </ac:spMkLst>
+        </pc:spChg>
+        <pc:spChg chg="del">
+          <ac:chgData name="Nikola Sekulovski" userId="2345901e-73d2-462d-8b82-8af2d9a2a087" providerId="ADAL" clId="{E9D0067C-498F-4541-B9C7-5E6A919B1BEC}" dt="2024-10-10T11:44:30.059" v="93" actId="21"/>
+          <ac:spMkLst>
+            <pc:docMk/>
+            <pc:sldMk cId="149297165" sldId="300"/>
+            <ac:spMk id="18" creationId="{566A9B5D-DBD5-7480-A0B5-1D664BA45E89}"/>
+          </ac:spMkLst>
+        </pc:spChg>
+        <pc:spChg chg="del">
+          <ac:chgData name="Nikola Sekulovski" userId="2345901e-73d2-462d-8b82-8af2d9a2a087" providerId="ADAL" clId="{E9D0067C-498F-4541-B9C7-5E6A919B1BEC}" dt="2024-10-10T11:44:33.559" v="94" actId="21"/>
+          <ac:spMkLst>
+            <pc:docMk/>
+            <pc:sldMk cId="149297165" sldId="300"/>
+            <ac:spMk id="20" creationId="{AD292C16-86A7-8F3F-F150-63162DA30ADD}"/>
+          </ac:spMkLst>
+        </pc:spChg>
+        <pc:spChg chg="mod">
+          <ac:chgData name="Nikola Sekulovski" userId="2345901e-73d2-462d-8b82-8af2d9a2a087" providerId="ADAL" clId="{E9D0067C-498F-4541-B9C7-5E6A919B1BEC}" dt="2024-10-10T11:44:58.899" v="110" actId="20577"/>
+          <ac:spMkLst>
+            <pc:docMk/>
+            <pc:sldMk cId="149297165" sldId="300"/>
+            <ac:spMk id="36" creationId="{5E60E948-B8BE-812E-ECF5-9C29BBBE2307}"/>
+          </ac:spMkLst>
+        </pc:spChg>
+        <pc:picChg chg="mod">
+          <ac:chgData name="Nikola Sekulovski" userId="2345901e-73d2-462d-8b82-8af2d9a2a087" providerId="ADAL" clId="{E9D0067C-498F-4541-B9C7-5E6A919B1BEC}" dt="2024-10-10T11:45:03.022" v="111" actId="1076"/>
+          <ac:picMkLst>
+            <pc:docMk/>
+            <pc:sldMk cId="149297165" sldId="300"/>
+            <ac:picMk id="3" creationId="{DFAB1588-3524-2961-42DE-854973C19388}"/>
+          </ac:picMkLst>
+        </pc:picChg>
+        <pc:picChg chg="add mod">
+          <ac:chgData name="Nikola Sekulovski" userId="2345901e-73d2-462d-8b82-8af2d9a2a087" providerId="ADAL" clId="{E9D0067C-498F-4541-B9C7-5E6A919B1BEC}" dt="2024-10-10T11:45:09.986" v="113" actId="1076"/>
+          <ac:picMkLst>
+            <pc:docMk/>
+            <pc:sldMk cId="149297165" sldId="300"/>
+            <ac:picMk id="4" creationId="{9E25C10F-B7D4-4B02-A06D-2E4D4D904DE5}"/>
+          </ac:picMkLst>
+        </pc:picChg>
+        <pc:picChg chg="add mod">
+          <ac:chgData name="Nikola Sekulovski" userId="2345901e-73d2-462d-8b82-8af2d9a2a087" providerId="ADAL" clId="{E9D0067C-498F-4541-B9C7-5E6A919B1BEC}" dt="2024-10-10T11:45:14.291" v="115" actId="1076"/>
+          <ac:picMkLst>
+            <pc:docMk/>
+            <pc:sldMk cId="149297165" sldId="300"/>
+            <ac:picMk id="6" creationId="{37EA275F-4CB9-A874-E184-FD054AD84DD8}"/>
+          </ac:picMkLst>
+        </pc:picChg>
+        <pc:picChg chg="del">
+          <ac:chgData name="Nikola Sekulovski" userId="2345901e-73d2-462d-8b82-8af2d9a2a087" providerId="ADAL" clId="{E9D0067C-498F-4541-B9C7-5E6A919B1BEC}" dt="2024-10-10T11:44:48.058" v="98" actId="21"/>
+          <ac:picMkLst>
+            <pc:docMk/>
+            <pc:sldMk cId="149297165" sldId="300"/>
+            <ac:picMk id="37" creationId="{0B50D8D2-61CE-BD4A-4DF6-C82C47D9CE22}"/>
+          </ac:picMkLst>
+        </pc:picChg>
+        <pc:picChg chg="del">
+          <ac:chgData name="Nikola Sekulovski" userId="2345901e-73d2-462d-8b82-8af2d9a2a087" providerId="ADAL" clId="{E9D0067C-498F-4541-B9C7-5E6A919B1BEC}" dt="2024-10-10T11:44:45.063" v="97" actId="21"/>
+          <ac:picMkLst>
+            <pc:docMk/>
+            <pc:sldMk cId="149297165" sldId="300"/>
+            <ac:picMk id="1026" creationId="{E6111508-5378-3625-D848-6EE47B91B663}"/>
+          </ac:picMkLst>
+        </pc:picChg>
+        <pc:cxnChg chg="del mod">
+          <ac:chgData name="Nikola Sekulovski" userId="2345901e-73d2-462d-8b82-8af2d9a2a087" providerId="ADAL" clId="{E9D0067C-498F-4541-B9C7-5E6A919B1BEC}" dt="2024-10-10T11:44:42.088" v="96" actId="21"/>
+          <ac:cxnSpMkLst>
+            <pc:docMk/>
+            <pc:sldMk cId="149297165" sldId="300"/>
+            <ac:cxnSpMk id="5" creationId="{4E421DC1-6A78-9398-BF58-DF59B2549E4A}"/>
+          </ac:cxnSpMkLst>
+        </pc:cxnChg>
+      </pc:sldChg>
+      <pc:sldChg chg="del modNotesTx">
+        <pc:chgData name="Nikola Sekulovski" userId="2345901e-73d2-462d-8b82-8af2d9a2a087" providerId="ADAL" clId="{E9D0067C-498F-4541-B9C7-5E6A919B1BEC}" dt="2024-10-10T11:47:16.292" v="368" actId="2696"/>
         <pc:sldMkLst>
           <pc:docMk/>
           <pc:sldMk cId="3936712023" sldId="601"/>
         </pc:sldMkLst>
+      </pc:sldChg>
+      <pc:sldChg chg="modSp modAnim">
+        <pc:chgData name="Nikola Sekulovski" userId="2345901e-73d2-462d-8b82-8af2d9a2a087" providerId="ADAL" clId="{E9D0067C-498F-4541-B9C7-5E6A919B1BEC}" dt="2024-10-10T11:47:05.404" v="367" actId="20577"/>
+        <pc:sldMkLst>
+          <pc:docMk/>
+          <pc:sldMk cId="972036101" sldId="602"/>
+        </pc:sldMkLst>
+        <pc:spChg chg="mod">
+          <ac:chgData name="Nikola Sekulovski" userId="2345901e-73d2-462d-8b82-8af2d9a2a087" providerId="ADAL" clId="{E9D0067C-498F-4541-B9C7-5E6A919B1BEC}" dt="2024-10-10T11:46:56.619" v="357" actId="20577"/>
+          <ac:spMkLst>
+            <pc:docMk/>
+            <pc:sldMk cId="972036101" sldId="602"/>
+            <ac:spMk id="3" creationId="{BCF9DA46-A066-8C30-6E55-FD9521659176}"/>
+          </ac:spMkLst>
+        </pc:spChg>
+        <pc:spChg chg="mod">
+          <ac:chgData name="Nikola Sekulovski" userId="2345901e-73d2-462d-8b82-8af2d9a2a087" providerId="ADAL" clId="{E9D0067C-498F-4541-B9C7-5E6A919B1BEC}" dt="2024-10-10T11:47:05.404" v="367" actId="20577"/>
+          <ac:spMkLst>
+            <pc:docMk/>
+            <pc:sldMk cId="972036101" sldId="602"/>
+            <ac:spMk id="5" creationId="{4E1AEB7C-6D72-C634-FFF4-6946DF676988}"/>
+          </ac:spMkLst>
+        </pc:spChg>
       </pc:sldChg>
       <pc:sldChg chg="modSp mod ord">
         <pc:chgData name="Nikola Sekulovski" userId="2345901e-73d2-462d-8b82-8af2d9a2a087" providerId="ADAL" clId="{E9D0067C-498F-4541-B9C7-5E6A919B1BEC}" dt="2024-09-26T12:03:42.609" v="60"/>
@@ -9770,7 +9879,7 @@
           <a:p>
             <a:fld id="{F5E6E0F9-A748-BE43-8F37-489A4C0070B0}" type="datetimeFigureOut">
               <a:rPr lang="en-US" smtClean="0"/>
-              <a:t>9/26/2024</a:t>
+              <a:t>10/10/2024</a:t>
             </a:fld>
             <a:endParaRPr lang="en-US"/>
           </a:p>
@@ -10516,9 +10625,6 @@
           <a:p>
             <a:endParaRPr lang="en-US" dirty="0"/>
           </a:p>
-          <a:p>
-            <a:endParaRPr lang="en-US" dirty="0"/>
-          </a:p>
         </p:txBody>
       </p:sp>
       <p:sp>
@@ -10547,7 +10653,7 @@
     </p:spTree>
     <p:extLst>
       <p:ext uri="{BB962C8B-B14F-4D97-AF65-F5344CB8AC3E}">
-        <p14:creationId xmlns:p14="http://schemas.microsoft.com/office/powerpoint/2010/main" val="215397503"/>
+        <p14:creationId xmlns:p14="http://schemas.microsoft.com/office/powerpoint/2010/main" val="2228875857"/>
       </p:ext>
     </p:extLst>
   </p:cSld>
@@ -10631,7 +10737,7 @@
     </p:spTree>
     <p:extLst>
       <p:ext uri="{BB962C8B-B14F-4D97-AF65-F5344CB8AC3E}">
-        <p14:creationId xmlns:p14="http://schemas.microsoft.com/office/powerpoint/2010/main" val="2228875857"/>
+        <p14:creationId xmlns:p14="http://schemas.microsoft.com/office/powerpoint/2010/main" val="3851513215"/>
       </p:ext>
     </p:extLst>
   </p:cSld>
@@ -10715,7 +10821,7 @@
     </p:spTree>
     <p:extLst>
       <p:ext uri="{BB962C8B-B14F-4D97-AF65-F5344CB8AC3E}">
-        <p14:creationId xmlns:p14="http://schemas.microsoft.com/office/powerpoint/2010/main" val="3851513215"/>
+        <p14:creationId xmlns:p14="http://schemas.microsoft.com/office/powerpoint/2010/main" val="1318768277"/>
       </p:ext>
     </p:extLst>
   </p:cSld>
@@ -10726,90 +10832,6 @@
 </file>
 
 <file path=ppt/notesSlides/notesSlide17.xml><?xml version="1.0" encoding="utf-8"?>
-<p:notes xmlns:a="http://schemas.openxmlformats.org/drawingml/2006/main" xmlns:r="http://schemas.openxmlformats.org/officeDocument/2006/relationships" xmlns:p="http://schemas.openxmlformats.org/presentationml/2006/main">
-  <p:cSld>
-    <p:spTree>
-      <p:nvGrpSpPr>
-        <p:cNvPr id="1" name=""/>
-        <p:cNvGrpSpPr/>
-        <p:nvPr/>
-      </p:nvGrpSpPr>
-      <p:grpSpPr>
-        <a:xfrm>
-          <a:off x="0" y="0"/>
-          <a:ext cx="0" cy="0"/>
-          <a:chOff x="0" y="0"/>
-          <a:chExt cx="0" cy="0"/>
-        </a:xfrm>
-      </p:grpSpPr>
-      <p:sp>
-        <p:nvSpPr>
-          <p:cNvPr id="2" name="Slide Image Placeholder 1"/>
-          <p:cNvSpPr>
-            <a:spLocks noGrp="1" noRot="1" noChangeAspect="1"/>
-          </p:cNvSpPr>
-          <p:nvPr>
-            <p:ph type="sldImg"/>
-          </p:nvPr>
-        </p:nvSpPr>
-        <p:spPr/>
-      </p:sp>
-      <p:sp>
-        <p:nvSpPr>
-          <p:cNvPr id="3" name="Notes Placeholder 2"/>
-          <p:cNvSpPr>
-            <a:spLocks noGrp="1"/>
-          </p:cNvSpPr>
-          <p:nvPr>
-            <p:ph type="body" idx="1"/>
-          </p:nvPr>
-        </p:nvSpPr>
-        <p:spPr/>
-        <p:txBody>
-          <a:bodyPr/>
-          <a:lstStyle/>
-          <a:p>
-            <a:endParaRPr lang="en-US" dirty="0"/>
-          </a:p>
-        </p:txBody>
-      </p:sp>
-      <p:sp>
-        <p:nvSpPr>
-          <p:cNvPr id="4" name="Slide Number Placeholder 3"/>
-          <p:cNvSpPr>
-            <a:spLocks noGrp="1"/>
-          </p:cNvSpPr>
-          <p:nvPr>
-            <p:ph type="sldNum" sz="quarter" idx="5"/>
-          </p:nvPr>
-        </p:nvSpPr>
-        <p:spPr/>
-        <p:txBody>
-          <a:bodyPr/>
-          <a:lstStyle/>
-          <a:p>
-            <a:fld id="{633D20B2-3F9A-E745-B8DA-1B81CB7B46DB}" type="slidenum">
-              <a:rPr lang="en-US" smtClean="0"/>
-              <a:t>17</a:t>
-            </a:fld>
-            <a:endParaRPr lang="en-US"/>
-          </a:p>
-        </p:txBody>
-      </p:sp>
-    </p:spTree>
-    <p:extLst>
-      <p:ext uri="{BB962C8B-B14F-4D97-AF65-F5344CB8AC3E}">
-        <p14:creationId xmlns:p14="http://schemas.microsoft.com/office/powerpoint/2010/main" val="1318768277"/>
-      </p:ext>
-    </p:extLst>
-  </p:cSld>
-  <p:clrMapOvr>
-    <a:masterClrMapping/>
-  </p:clrMapOvr>
-</p:notes>
-</file>
-
-<file path=ppt/notesSlides/notesSlide18.xml><?xml version="1.0" encoding="utf-8"?>
 <p:notes xmlns:a="http://schemas.openxmlformats.org/drawingml/2006/main" xmlns:r="http://schemas.openxmlformats.org/officeDocument/2006/relationships" xmlns:p="http://schemas.openxmlformats.org/presentationml/2006/main">
   <p:cSld>
     <p:spTree>
@@ -10898,7 +10920,7 @@
           <a:p>
             <a:fld id="{DFB3E1A2-D778-C442-AB48-8F91582977C6}" type="slidenum">
               <a:rPr lang="en-US" smtClean="0"/>
-              <a:t>18</a:t>
+              <a:t>17</a:t>
             </a:fld>
             <a:endParaRPr lang="en-US"/>
           </a:p>
@@ -10917,7 +10939,7 @@
 </p:notes>
 </file>
 
-<file path=ppt/notesSlides/notesSlide19.xml><?xml version="1.0" encoding="utf-8"?>
+<file path=ppt/notesSlides/notesSlide18.xml><?xml version="1.0" encoding="utf-8"?>
 <p:notes xmlns:a="http://schemas.openxmlformats.org/drawingml/2006/main" xmlns:r="http://schemas.openxmlformats.org/officeDocument/2006/relationships" xmlns:p="http://schemas.openxmlformats.org/presentationml/2006/main">
   <p:cSld>
     <p:spTree>
@@ -11006,7 +11028,7 @@
           <a:p>
             <a:fld id="{633D20B2-3F9A-E745-B8DA-1B81CB7B46DB}" type="slidenum">
               <a:rPr lang="en-US" smtClean="0"/>
-              <a:t>20</a:t>
+              <a:t>19</a:t>
             </a:fld>
             <a:endParaRPr lang="en-US"/>
           </a:p>
@@ -11892,7 +11914,7 @@
           <a:p>
             <a:fld id="{ED291B17-9318-49DB-B28B-6E5994AE9581}" type="datetime1">
               <a:rPr lang="en-US" smtClean="0"/>
-              <a:t>9/26/2024</a:t>
+              <a:t>10/10/2024</a:t>
             </a:fld>
             <a:endParaRPr lang="en-US" dirty="0"/>
           </a:p>
@@ -12090,7 +12112,7 @@
           <a:p>
             <a:fld id="{2CED4963-E985-44C4-B8C4-FDD613B7C2F8}" type="datetime1">
               <a:rPr lang="en-US" smtClean="0"/>
-              <a:t>9/26/2024</a:t>
+              <a:t>10/10/2024</a:t>
             </a:fld>
             <a:endParaRPr lang="en-US" dirty="0"/>
           </a:p>
@@ -12298,7 +12320,7 @@
           <a:p>
             <a:fld id="{ED291B17-9318-49DB-B28B-6E5994AE9581}" type="datetime1">
               <a:rPr lang="en-US" smtClean="0"/>
-              <a:t>9/26/2024</a:t>
+              <a:t>10/10/2024</a:t>
             </a:fld>
             <a:endParaRPr lang="en-US" dirty="0"/>
           </a:p>
@@ -12496,7 +12518,7 @@
           <a:p>
             <a:fld id="{78DD82B9-B8EE-4375-B6FF-88FA6ABB15D9}" type="datetime1">
               <a:rPr lang="en-US" smtClean="0"/>
-              <a:t>9/26/2024</a:t>
+              <a:t>10/10/2024</a:t>
             </a:fld>
             <a:endParaRPr lang="en-US" dirty="0"/>
           </a:p>
@@ -12771,7 +12793,7 @@
           <a:p>
             <a:fld id="{B2497495-0637-405E-AE64-5CC7506D51F5}" type="datetime1">
               <a:rPr lang="en-US" smtClean="0"/>
-              <a:t>9/26/2024</a:t>
+              <a:t>10/10/2024</a:t>
             </a:fld>
             <a:endParaRPr lang="en-US" dirty="0"/>
           </a:p>
@@ -13036,7 +13058,7 @@
           <a:p>
             <a:fld id="{7BFFD690-9426-415D-8B65-26881E07B2D4}" type="datetime1">
               <a:rPr lang="en-US" smtClean="0"/>
-              <a:t>9/26/2024</a:t>
+              <a:t>10/10/2024</a:t>
             </a:fld>
             <a:endParaRPr lang="en-US" dirty="0"/>
           </a:p>
@@ -13448,7 +13470,7 @@
           <a:p>
             <a:fld id="{04C4989A-474C-40DE-95B9-011C28B71673}" type="datetime1">
               <a:rPr lang="en-US" smtClean="0"/>
-              <a:t>9/26/2024</a:t>
+              <a:t>10/10/2024</a:t>
             </a:fld>
             <a:endParaRPr lang="en-US" dirty="0"/>
           </a:p>
@@ -13589,7 +13611,7 @@
           <a:p>
             <a:fld id="{5DB4ED54-5B5E-4A04-93D3-5772E3CE3818}" type="datetime1">
               <a:rPr lang="en-US" smtClean="0"/>
-              <a:t>9/26/2024</a:t>
+              <a:t>10/10/2024</a:t>
             </a:fld>
             <a:endParaRPr lang="en-US" dirty="0"/>
           </a:p>
@@ -13702,7 +13724,7 @@
           <a:p>
             <a:fld id="{4EDE50D6-574B-40AF-946F-D52A04ADE379}" type="datetime1">
               <a:rPr lang="en-US" smtClean="0"/>
-              <a:t>9/26/2024</a:t>
+              <a:t>10/10/2024</a:t>
             </a:fld>
             <a:endParaRPr lang="en-US" dirty="0"/>
           </a:p>
@@ -14013,7 +14035,7 @@
           <a:p>
             <a:fld id="{D82884F1-FFEA-405F-9602-3DCA865EDA4E}" type="datetime1">
               <a:rPr lang="en-US" smtClean="0"/>
-              <a:t>9/26/2024</a:t>
+              <a:t>10/10/2024</a:t>
             </a:fld>
             <a:endParaRPr lang="en-US" dirty="0"/>
           </a:p>
@@ -14302,7 +14324,7 @@
           <a:p>
             <a:fld id="{7E18DB4A-8810-4A10-AD5C-D5E2C667F5B3}" type="datetime1">
               <a:rPr lang="en-US" smtClean="0"/>
-              <a:t>9/26/2024</a:t>
+              <a:t>10/10/2024</a:t>
             </a:fld>
             <a:endParaRPr lang="en-US" dirty="0"/>
           </a:p>
@@ -14544,7 +14566,7 @@
           <a:p>
             <a:fld id="{ED291B17-9318-49DB-B28B-6E5994AE9581}" type="datetime1">
               <a:rPr lang="en-US" smtClean="0"/>
-              <a:t>9/26/2024</a:t>
+              <a:t>10/10/2024</a:t>
             </a:fld>
             <a:endParaRPr lang="en-US" dirty="0"/>
           </a:p>
@@ -16769,6 +16791,49 @@
               <a:t>What prior assumptions do I have about the density? Do I believe a particular edge should be included?</a:t>
             </a:r>
           </a:p>
+          <a:p>
+            <a:pPr marL="0" indent="0">
+              <a:buNone/>
+            </a:pPr>
+            <a:endParaRPr lang="en-US" sz="1800" dirty="0">
+              <a:latin typeface="Helvetica" pitchFamily="2" charset="0"/>
+            </a:endParaRPr>
+          </a:p>
+          <a:p>
+            <a:pPr marL="0" indent="0">
+              <a:buNone/>
+            </a:pPr>
+            <a:r>
+              <a:rPr lang="en-US" sz="1800" dirty="0">
+                <a:latin typeface="Helvetica" pitchFamily="2" charset="0"/>
+              </a:rPr>
+              <a:t>Options:</a:t>
+            </a:r>
+          </a:p>
+          <a:p>
+            <a:r>
+              <a:rPr lang="en-US" sz="1800" dirty="0">
+                <a:latin typeface="Helvetica" pitchFamily="2" charset="0"/>
+              </a:rPr>
+              <a:t>Independent Bernoulli </a:t>
+            </a:r>
+          </a:p>
+          <a:p>
+            <a:r>
+              <a:rPr lang="en-US" sz="1800" dirty="0">
+                <a:latin typeface="Helvetica" pitchFamily="2" charset="0"/>
+              </a:rPr>
+              <a:t>Beta-Binomial </a:t>
+            </a:r>
+          </a:p>
+          <a:p>
+            <a:r>
+              <a:rPr lang="en-US" sz="1800" dirty="0">
+                <a:latin typeface="Helvetica" pitchFamily="2" charset="0"/>
+              </a:rPr>
+              <a:t>Stochastic Block (to be announced soon)</a:t>
+            </a:r>
+          </a:p>
         </p:txBody>
       </p:sp>
       <p:sp>
@@ -16998,6 +17063,44 @@
               <a:t>What prior assumptions do I have about the strength of the edge weights? </a:t>
             </a:r>
           </a:p>
+          <a:p>
+            <a:pPr marL="0" indent="0">
+              <a:buFont typeface="Arial" panose="020B0604020202020204" pitchFamily="34" charset="0"/>
+              <a:buNone/>
+            </a:pPr>
+            <a:endParaRPr lang="en-US" sz="1800" dirty="0">
+              <a:latin typeface="Helvetica" pitchFamily="2" charset="0"/>
+            </a:endParaRPr>
+          </a:p>
+          <a:p>
+            <a:pPr marL="0" indent="0">
+              <a:buFont typeface="Arial" panose="020B0604020202020204" pitchFamily="34" charset="0"/>
+              <a:buNone/>
+            </a:pPr>
+            <a:endParaRPr lang="en-US" sz="1800" dirty="0">
+              <a:latin typeface="Helvetica" pitchFamily="2" charset="0"/>
+            </a:endParaRPr>
+          </a:p>
+          <a:p>
+            <a:pPr marL="0" indent="0">
+              <a:buFont typeface="Arial" panose="020B0604020202020204" pitchFamily="34" charset="0"/>
+              <a:buNone/>
+            </a:pPr>
+            <a:r>
+              <a:rPr lang="en-US" sz="1800" dirty="0">
+                <a:latin typeface="Helvetica" pitchFamily="2" charset="0"/>
+              </a:rPr>
+              <a:t>Options:</a:t>
+            </a:r>
+          </a:p>
+          <a:p>
+            <a:r>
+              <a:rPr lang="en-US" sz="1800" dirty="0">
+                <a:latin typeface="Helvetica" pitchFamily="2" charset="0"/>
+              </a:rPr>
+              <a:t>Cauchy distribution (with an adjustable scale parameter)</a:t>
+            </a:r>
+          </a:p>
         </p:txBody>
       </p:sp>
     </p:spTree>
@@ -17093,9 +17196,303 @@
                                           </p:stCondLst>
                                         </p:cTn>
                                         <p:tgtEl>
+                                          <p:spTgt spid="3">
+                                            <p:txEl>
+                                              <p:pRg st="4" end="4"/>
+                                            </p:txEl>
+                                          </p:spTgt>
+                                        </p:tgtEl>
+                                        <p:attrNameLst>
+                                          <p:attrName>style.visibility</p:attrName>
+                                        </p:attrNameLst>
+                                      </p:cBhvr>
+                                      <p:to>
+                                        <p:strVal val="visible"/>
+                                      </p:to>
+                                    </p:set>
+                                  </p:childTnLst>
+                                </p:cTn>
+                              </p:par>
+                            </p:childTnLst>
+                          </p:cTn>
+                        </p:par>
+                      </p:childTnLst>
+                    </p:cTn>
+                  </p:par>
+                  <p:par>
+                    <p:cTn id="11" fill="hold">
+                      <p:stCondLst>
+                        <p:cond delay="indefinite"/>
+                      </p:stCondLst>
+                      <p:childTnLst>
+                        <p:par>
+                          <p:cTn id="12" fill="hold">
+                            <p:stCondLst>
+                              <p:cond delay="0"/>
+                            </p:stCondLst>
+                            <p:childTnLst>
+                              <p:par>
+                                <p:cTn id="13" presetID="1" presetClass="entr" presetSubtype="0" fill="hold" nodeType="clickEffect">
+                                  <p:stCondLst>
+                                    <p:cond delay="0"/>
+                                  </p:stCondLst>
+                                  <p:childTnLst>
+                                    <p:set>
+                                      <p:cBhvr>
+                                        <p:cTn id="14" dur="1" fill="hold">
+                                          <p:stCondLst>
+                                            <p:cond delay="0"/>
+                                          </p:stCondLst>
+                                        </p:cTn>
+                                        <p:tgtEl>
+                                          <p:spTgt spid="3">
+                                            <p:txEl>
+                                              <p:pRg st="5" end="5"/>
+                                            </p:txEl>
+                                          </p:spTgt>
+                                        </p:tgtEl>
+                                        <p:attrNameLst>
+                                          <p:attrName>style.visibility</p:attrName>
+                                        </p:attrNameLst>
+                                      </p:cBhvr>
+                                      <p:to>
+                                        <p:strVal val="visible"/>
+                                      </p:to>
+                                    </p:set>
+                                  </p:childTnLst>
+                                </p:cTn>
+                              </p:par>
+                            </p:childTnLst>
+                          </p:cTn>
+                        </p:par>
+                      </p:childTnLst>
+                    </p:cTn>
+                  </p:par>
+                  <p:par>
+                    <p:cTn id="15" fill="hold">
+                      <p:stCondLst>
+                        <p:cond delay="indefinite"/>
+                      </p:stCondLst>
+                      <p:childTnLst>
+                        <p:par>
+                          <p:cTn id="16" fill="hold">
+                            <p:stCondLst>
+                              <p:cond delay="0"/>
+                            </p:stCondLst>
+                            <p:childTnLst>
+                              <p:par>
+                                <p:cTn id="17" presetID="1" presetClass="entr" presetSubtype="0" fill="hold" nodeType="clickEffect">
+                                  <p:stCondLst>
+                                    <p:cond delay="0"/>
+                                  </p:stCondLst>
+                                  <p:childTnLst>
+                                    <p:set>
+                                      <p:cBhvr>
+                                        <p:cTn id="18" dur="1" fill="hold">
+                                          <p:stCondLst>
+                                            <p:cond delay="0"/>
+                                          </p:stCondLst>
+                                        </p:cTn>
+                                        <p:tgtEl>
+                                          <p:spTgt spid="3">
+                                            <p:txEl>
+                                              <p:pRg st="6" end="6"/>
+                                            </p:txEl>
+                                          </p:spTgt>
+                                        </p:tgtEl>
+                                        <p:attrNameLst>
+                                          <p:attrName>style.visibility</p:attrName>
+                                        </p:attrNameLst>
+                                      </p:cBhvr>
+                                      <p:to>
+                                        <p:strVal val="visible"/>
+                                      </p:to>
+                                    </p:set>
+                                  </p:childTnLst>
+                                </p:cTn>
+                              </p:par>
+                            </p:childTnLst>
+                          </p:cTn>
+                        </p:par>
+                      </p:childTnLst>
+                    </p:cTn>
+                  </p:par>
+                  <p:par>
+                    <p:cTn id="19" fill="hold">
+                      <p:stCondLst>
+                        <p:cond delay="indefinite"/>
+                      </p:stCondLst>
+                      <p:childTnLst>
+                        <p:par>
+                          <p:cTn id="20" fill="hold">
+                            <p:stCondLst>
+                              <p:cond delay="0"/>
+                            </p:stCondLst>
+                            <p:childTnLst>
+                              <p:par>
+                                <p:cTn id="21" presetID="1" presetClass="entr" presetSubtype="0" fill="hold" nodeType="clickEffect">
+                                  <p:stCondLst>
+                                    <p:cond delay="0"/>
+                                  </p:stCondLst>
+                                  <p:childTnLst>
+                                    <p:set>
+                                      <p:cBhvr>
+                                        <p:cTn id="22" dur="1" fill="hold">
+                                          <p:stCondLst>
+                                            <p:cond delay="0"/>
+                                          </p:stCondLst>
+                                        </p:cTn>
+                                        <p:tgtEl>
+                                          <p:spTgt spid="3">
+                                            <p:txEl>
+                                              <p:pRg st="7" end="7"/>
+                                            </p:txEl>
+                                          </p:spTgt>
+                                        </p:tgtEl>
+                                        <p:attrNameLst>
+                                          <p:attrName>style.visibility</p:attrName>
+                                        </p:attrNameLst>
+                                      </p:cBhvr>
+                                      <p:to>
+                                        <p:strVal val="visible"/>
+                                      </p:to>
+                                    </p:set>
+                                  </p:childTnLst>
+                                </p:cTn>
+                              </p:par>
+                            </p:childTnLst>
+                          </p:cTn>
+                        </p:par>
+                      </p:childTnLst>
+                    </p:cTn>
+                  </p:par>
+                  <p:par>
+                    <p:cTn id="23" fill="hold">
+                      <p:stCondLst>
+                        <p:cond delay="indefinite"/>
+                      </p:stCondLst>
+                      <p:childTnLst>
+                        <p:par>
+                          <p:cTn id="24" fill="hold">
+                            <p:stCondLst>
+                              <p:cond delay="0"/>
+                            </p:stCondLst>
+                            <p:childTnLst>
+                              <p:par>
+                                <p:cTn id="25" presetID="1" presetClass="entr" presetSubtype="0" fill="hold" nodeType="clickEffect">
+                                  <p:stCondLst>
+                                    <p:cond delay="0"/>
+                                  </p:stCondLst>
+                                  <p:childTnLst>
+                                    <p:set>
+                                      <p:cBhvr>
+                                        <p:cTn id="26" dur="1" fill="hold">
+                                          <p:stCondLst>
+                                            <p:cond delay="0"/>
+                                          </p:stCondLst>
+                                        </p:cTn>
+                                        <p:tgtEl>
                                           <p:spTgt spid="5">
                                             <p:txEl>
                                               <p:pRg st="2" end="2"/>
+                                            </p:txEl>
+                                          </p:spTgt>
+                                        </p:tgtEl>
+                                        <p:attrNameLst>
+                                          <p:attrName>style.visibility</p:attrName>
+                                        </p:attrNameLst>
+                                      </p:cBhvr>
+                                      <p:to>
+                                        <p:strVal val="visible"/>
+                                      </p:to>
+                                    </p:set>
+                                  </p:childTnLst>
+                                </p:cTn>
+                              </p:par>
+                            </p:childTnLst>
+                          </p:cTn>
+                        </p:par>
+                      </p:childTnLst>
+                    </p:cTn>
+                  </p:par>
+                  <p:par>
+                    <p:cTn id="27" fill="hold">
+                      <p:stCondLst>
+                        <p:cond delay="indefinite"/>
+                      </p:stCondLst>
+                      <p:childTnLst>
+                        <p:par>
+                          <p:cTn id="28" fill="hold">
+                            <p:stCondLst>
+                              <p:cond delay="0"/>
+                            </p:stCondLst>
+                            <p:childTnLst>
+                              <p:par>
+                                <p:cTn id="29" presetID="1" presetClass="entr" presetSubtype="0" fill="hold" nodeType="clickEffect">
+                                  <p:stCondLst>
+                                    <p:cond delay="0"/>
+                                  </p:stCondLst>
+                                  <p:childTnLst>
+                                    <p:set>
+                                      <p:cBhvr>
+                                        <p:cTn id="30" dur="1" fill="hold">
+                                          <p:stCondLst>
+                                            <p:cond delay="0"/>
+                                          </p:stCondLst>
+                                        </p:cTn>
+                                        <p:tgtEl>
+                                          <p:spTgt spid="5">
+                                            <p:txEl>
+                                              <p:pRg st="5" end="5"/>
+                                            </p:txEl>
+                                          </p:spTgt>
+                                        </p:tgtEl>
+                                        <p:attrNameLst>
+                                          <p:attrName>style.visibility</p:attrName>
+                                        </p:attrNameLst>
+                                      </p:cBhvr>
+                                      <p:to>
+                                        <p:strVal val="visible"/>
+                                      </p:to>
+                                    </p:set>
+                                  </p:childTnLst>
+                                </p:cTn>
+                              </p:par>
+                            </p:childTnLst>
+                          </p:cTn>
+                        </p:par>
+                      </p:childTnLst>
+                    </p:cTn>
+                  </p:par>
+                  <p:par>
+                    <p:cTn id="31" fill="hold">
+                      <p:stCondLst>
+                        <p:cond delay="indefinite"/>
+                      </p:stCondLst>
+                      <p:childTnLst>
+                        <p:par>
+                          <p:cTn id="32" fill="hold">
+                            <p:stCondLst>
+                              <p:cond delay="0"/>
+                            </p:stCondLst>
+                            <p:childTnLst>
+                              <p:par>
+                                <p:cTn id="33" presetID="1" presetClass="entr" presetSubtype="0" fill="hold" nodeType="clickEffect">
+                                  <p:stCondLst>
+                                    <p:cond delay="0"/>
+                                  </p:stCondLst>
+                                  <p:childTnLst>
+                                    <p:set>
+                                      <p:cBhvr>
+                                        <p:cTn id="34" dur="1" fill="hold">
+                                          <p:stCondLst>
+                                            <p:cond delay="0"/>
+                                          </p:stCondLst>
+                                        </p:cTn>
+                                        <p:tgtEl>
+                                          <p:spTgt spid="5">
+                                            <p:txEl>
+                                              <p:pRg st="6" end="6"/>
                                             </p:txEl>
                                           </p:spTgt>
                                         </p:tgtEl>
@@ -17142,777 +17539,6 @@
 </file>
 
 <file path=ppt/slides/slide14.xml><?xml version="1.0" encoding="utf-8"?>
-<p:sld xmlns:a="http://schemas.openxmlformats.org/drawingml/2006/main" xmlns:r="http://schemas.openxmlformats.org/officeDocument/2006/relationships" xmlns:p="http://schemas.openxmlformats.org/presentationml/2006/main">
-  <p:cSld>
-    <p:spTree>
-      <p:nvGrpSpPr>
-        <p:cNvPr id="1" name=""/>
-        <p:cNvGrpSpPr/>
-        <p:nvPr/>
-      </p:nvGrpSpPr>
-      <p:grpSpPr>
-        <a:xfrm>
-          <a:off x="0" y="0"/>
-          <a:ext cx="0" cy="0"/>
-          <a:chOff x="0" y="0"/>
-          <a:chExt cx="0" cy="0"/>
-        </a:xfrm>
-      </p:grpSpPr>
-      <p:cxnSp>
-        <p:nvCxnSpPr>
-          <p:cNvPr id="2" name="Straight Connector 1">
-            <a:extLst>
-              <a:ext uri="{FF2B5EF4-FFF2-40B4-BE49-F238E27FC236}">
-                <a16:creationId xmlns:a16="http://schemas.microsoft.com/office/drawing/2014/main" id="{F1547CC5-A1C1-05CD-C077-C71455B7CE0F}"/>
-              </a:ext>
-            </a:extLst>
-          </p:cNvPr>
-          <p:cNvCxnSpPr/>
-          <p:nvPr/>
-        </p:nvCxnSpPr>
-        <p:spPr>
-          <a:xfrm>
-            <a:off x="457200" y="0"/>
-            <a:ext cx="0" cy="1262070"/>
-          </a:xfrm>
-          <a:prstGeom prst="line">
-            <a:avLst/>
-          </a:prstGeom>
-          <a:ln w="57150">
-            <a:solidFill>
-              <a:schemeClr val="accent2">
-                <a:lumMod val="60000"/>
-                <a:lumOff val="40000"/>
-              </a:schemeClr>
-            </a:solidFill>
-          </a:ln>
-        </p:spPr>
-        <p:style>
-          <a:lnRef idx="1">
-            <a:schemeClr val="accent1"/>
-          </a:lnRef>
-          <a:fillRef idx="0">
-            <a:schemeClr val="accent1"/>
-          </a:fillRef>
-          <a:effectRef idx="0">
-            <a:schemeClr val="accent1"/>
-          </a:effectRef>
-          <a:fontRef idx="minor">
-            <a:schemeClr val="tx1"/>
-          </a:fontRef>
-        </p:style>
-      </p:cxnSp>
-      <p:cxnSp>
-        <p:nvCxnSpPr>
-          <p:cNvPr id="7" name="Straight Connector 6">
-            <a:extLst>
-              <a:ext uri="{FF2B5EF4-FFF2-40B4-BE49-F238E27FC236}">
-                <a16:creationId xmlns:a16="http://schemas.microsoft.com/office/drawing/2014/main" id="{739F58F2-30E9-2AB8-FCBD-46A5232EA8A5}"/>
-              </a:ext>
-            </a:extLst>
-          </p:cNvPr>
-          <p:cNvCxnSpPr>
-            <a:cxnSpLocks/>
-          </p:cNvCxnSpPr>
-          <p:nvPr/>
-        </p:nvCxnSpPr>
-        <p:spPr>
-          <a:xfrm>
-            <a:off x="0" y="431800"/>
-            <a:ext cx="1511300" cy="0"/>
-          </a:xfrm>
-          <a:prstGeom prst="line">
-            <a:avLst/>
-          </a:prstGeom>
-          <a:ln w="57150">
-            <a:solidFill>
-              <a:schemeClr val="accent2">
-                <a:lumMod val="60000"/>
-                <a:lumOff val="40000"/>
-              </a:schemeClr>
-            </a:solidFill>
-          </a:ln>
-        </p:spPr>
-        <p:style>
-          <a:lnRef idx="1">
-            <a:schemeClr val="accent1"/>
-          </a:lnRef>
-          <a:fillRef idx="0">
-            <a:schemeClr val="accent1"/>
-          </a:fillRef>
-          <a:effectRef idx="0">
-            <a:schemeClr val="accent1"/>
-          </a:effectRef>
-          <a:fontRef idx="minor">
-            <a:schemeClr val="tx1"/>
-          </a:fontRef>
-        </p:style>
-      </p:cxnSp>
-      <p:sp>
-        <p:nvSpPr>
-          <p:cNvPr id="8" name="Title 1">
-            <a:extLst>
-              <a:ext uri="{FF2B5EF4-FFF2-40B4-BE49-F238E27FC236}">
-                <a16:creationId xmlns:a16="http://schemas.microsoft.com/office/drawing/2014/main" id="{7C2C20C3-2FB0-4500-9631-5BD18DFFAEFB}"/>
-              </a:ext>
-            </a:extLst>
-          </p:cNvPr>
-          <p:cNvSpPr txBox="1">
-            <a:spLocks/>
-          </p:cNvSpPr>
-          <p:nvPr/>
-        </p:nvSpPr>
-        <p:spPr>
-          <a:xfrm>
-            <a:off x="558800" y="262728"/>
-            <a:ext cx="12192000" cy="1325563"/>
-          </a:xfrm>
-          <a:prstGeom prst="rect">
-            <a:avLst/>
-          </a:prstGeom>
-        </p:spPr>
-        <p:txBody>
-          <a:bodyPr vert="horz" lIns="91440" tIns="45720" rIns="91440" bIns="45720" rtlCol="0" anchor="ctr">
-            <a:normAutofit/>
-          </a:bodyPr>
-          <a:lstStyle>
-            <a:lvl1pPr algn="l" defTabSz="914400" rtl="0" eaLnBrk="1" latinLnBrk="0" hangingPunct="1">
-              <a:lnSpc>
-                <a:spcPct val="90000"/>
-              </a:lnSpc>
-              <a:spcBef>
-                <a:spcPct val="0"/>
-              </a:spcBef>
-              <a:buNone/>
-              <a:defRPr sz="4400" kern="1200">
-                <a:solidFill>
-                  <a:schemeClr val="tx1"/>
-                </a:solidFill>
-                <a:latin typeface="+mj-lt"/>
-                <a:ea typeface="+mj-ea"/>
-                <a:cs typeface="+mj-cs"/>
-              </a:defRPr>
-            </a:lvl1pPr>
-          </a:lstStyle>
-          <a:p>
-            <a:r>
-              <a:rPr lang="en-US" sz="4800" b="1" dirty="0">
-                <a:latin typeface="Helvetica"/>
-                <a:cs typeface="Courier New"/>
-              </a:rPr>
-              <a:t>How do I get to my prior? </a:t>
-            </a:r>
-            <a:endParaRPr lang="en-US" sz="3200" b="1" dirty="0">
-              <a:solidFill>
-                <a:srgbClr val="FF0000"/>
-              </a:solidFill>
-              <a:latin typeface="Helvetica"/>
-              <a:cs typeface="Courier New"/>
-            </a:endParaRPr>
-          </a:p>
-        </p:txBody>
-      </p:sp>
-      <p:sp>
-        <p:nvSpPr>
-          <p:cNvPr id="4" name="Rectangle 3">
-            <a:extLst>
-              <a:ext uri="{FF2B5EF4-FFF2-40B4-BE49-F238E27FC236}">
-                <a16:creationId xmlns:a16="http://schemas.microsoft.com/office/drawing/2014/main" id="{D71C6EAF-580F-852F-321E-918CE6F5A90C}"/>
-              </a:ext>
-            </a:extLst>
-          </p:cNvPr>
-          <p:cNvSpPr/>
-          <p:nvPr/>
-        </p:nvSpPr>
-        <p:spPr>
-          <a:xfrm>
-            <a:off x="558800" y="1757363"/>
-            <a:ext cx="10782634" cy="4759946"/>
-          </a:xfrm>
-          <a:prstGeom prst="rect">
-            <a:avLst/>
-          </a:prstGeom>
-          <a:noFill/>
-          <a:ln>
-            <a:noFill/>
-          </a:ln>
-        </p:spPr>
-        <p:style>
-          <a:lnRef idx="2">
-            <a:schemeClr val="accent1">
-              <a:shade val="50000"/>
-            </a:schemeClr>
-          </a:lnRef>
-          <a:fillRef idx="1">
-            <a:schemeClr val="accent1"/>
-          </a:fillRef>
-          <a:effectRef idx="0">
-            <a:schemeClr val="accent1"/>
-          </a:effectRef>
-          <a:fontRef idx="minor">
-            <a:schemeClr val="lt1"/>
-          </a:fontRef>
-        </p:style>
-        <p:txBody>
-          <a:bodyPr rtlCol="0" anchor="t"/>
-          <a:lstStyle/>
-          <a:p>
-            <a:r>
-              <a:rPr lang="en-US" sz="2200" b="1" dirty="0">
-                <a:solidFill>
-                  <a:schemeClr val="accent2"/>
-                </a:solidFill>
-                <a:latin typeface="Helvetica" pitchFamily="2" charset="0"/>
-                <a:cs typeface="Courier New" panose="02070309020205020404" pitchFamily="49" charset="0"/>
-              </a:rPr>
-              <a:t>Objective Prior: </a:t>
-            </a:r>
-          </a:p>
-          <a:p>
-            <a:r>
-              <a:rPr lang="en-US" sz="2200" dirty="0">
-                <a:solidFill>
-                  <a:schemeClr val="tx1"/>
-                </a:solidFill>
-                <a:latin typeface="Helvetica" pitchFamily="2" charset="0"/>
-                <a:cs typeface="Courier New" panose="02070309020205020404" pitchFamily="49" charset="0"/>
-              </a:rPr>
-              <a:t>Defining an “uninformative” prior distribution </a:t>
-            </a:r>
-          </a:p>
-          <a:p>
-            <a:endParaRPr lang="en-US" sz="2200" b="1" dirty="0">
-              <a:solidFill>
-                <a:schemeClr val="accent2"/>
-              </a:solidFill>
-              <a:latin typeface="Helvetica" pitchFamily="2" charset="0"/>
-              <a:cs typeface="Courier New" panose="02070309020205020404" pitchFamily="49" charset="0"/>
-            </a:endParaRPr>
-          </a:p>
-          <a:p>
-            <a:r>
-              <a:rPr lang="en-US" sz="2200" b="1" dirty="0">
-                <a:solidFill>
-                  <a:schemeClr val="accent2"/>
-                </a:solidFill>
-                <a:latin typeface="Helvetica" pitchFamily="2" charset="0"/>
-                <a:cs typeface="Courier New" panose="02070309020205020404" pitchFamily="49" charset="0"/>
-              </a:rPr>
-              <a:t>Subject matter expertise:</a:t>
-            </a:r>
-          </a:p>
-          <a:p>
-            <a:r>
-              <a:rPr lang="en-US" sz="2200" dirty="0">
-                <a:solidFill>
-                  <a:schemeClr val="tx1"/>
-                </a:solidFill>
-                <a:latin typeface="Helvetica" pitchFamily="2" charset="0"/>
-                <a:cs typeface="Courier New" panose="02070309020205020404" pitchFamily="49" charset="0"/>
-              </a:rPr>
-              <a:t>Using “expert” knowledge on a topic </a:t>
-            </a:r>
-            <a:endParaRPr lang="en-US" sz="2200" dirty="0">
-              <a:solidFill>
-                <a:schemeClr val="accent2"/>
-              </a:solidFill>
-              <a:latin typeface="Helvetica" pitchFamily="2" charset="0"/>
-              <a:cs typeface="Courier New" panose="02070309020205020404" pitchFamily="49" charset="0"/>
-            </a:endParaRPr>
-          </a:p>
-          <a:p>
-            <a:endParaRPr lang="en-US" sz="2200" b="1" dirty="0">
-              <a:solidFill>
-                <a:schemeClr val="accent2"/>
-              </a:solidFill>
-              <a:latin typeface="Helvetica" pitchFamily="2" charset="0"/>
-              <a:cs typeface="Courier New" panose="02070309020205020404" pitchFamily="49" charset="0"/>
-            </a:endParaRPr>
-          </a:p>
-          <a:p>
-            <a:r>
-              <a:rPr lang="en-US" sz="2200" b="1" dirty="0">
-                <a:solidFill>
-                  <a:schemeClr val="accent2"/>
-                </a:solidFill>
-                <a:latin typeface="Helvetica" pitchFamily="2" charset="0"/>
-                <a:cs typeface="Courier New" panose="02070309020205020404" pitchFamily="49" charset="0"/>
-              </a:rPr>
-              <a:t>Previous research:</a:t>
-            </a:r>
-          </a:p>
-          <a:p>
-            <a:r>
-              <a:rPr lang="en-US" sz="2200" dirty="0">
-                <a:solidFill>
-                  <a:schemeClr val="tx1"/>
-                </a:solidFill>
-                <a:latin typeface="Helvetica" pitchFamily="2" charset="0"/>
-                <a:cs typeface="Courier New" panose="02070309020205020404" pitchFamily="49" charset="0"/>
-              </a:rPr>
-              <a:t>Using previous (network) study results </a:t>
-            </a:r>
-          </a:p>
-          <a:p>
-            <a:endParaRPr lang="en-US" sz="2200" dirty="0">
-              <a:solidFill>
-                <a:schemeClr val="tx1"/>
-              </a:solidFill>
-              <a:latin typeface="Helvetica" pitchFamily="2" charset="0"/>
-              <a:cs typeface="Courier New" panose="02070309020205020404" pitchFamily="49" charset="0"/>
-            </a:endParaRPr>
-          </a:p>
-          <a:p>
-            <a:r>
-              <a:rPr lang="en-US" sz="2200" b="1" dirty="0">
-                <a:solidFill>
-                  <a:schemeClr val="accent2"/>
-                </a:solidFill>
-                <a:latin typeface="Helvetica" pitchFamily="2" charset="0"/>
-                <a:cs typeface="Courier New" panose="02070309020205020404" pitchFamily="49" charset="0"/>
-              </a:rPr>
-              <a:t>Empirical data:</a:t>
-            </a:r>
-          </a:p>
-          <a:p>
-            <a:r>
-              <a:rPr lang="en-US" sz="2200" dirty="0">
-                <a:solidFill>
-                  <a:schemeClr val="tx1"/>
-                </a:solidFill>
-                <a:latin typeface="Helvetica" pitchFamily="2" charset="0"/>
-                <a:cs typeface="Courier New" panose="02070309020205020404" pitchFamily="49" charset="0"/>
-              </a:rPr>
-              <a:t>Using data that is similar/relevant to the one you want to assess</a:t>
-            </a:r>
-          </a:p>
-          <a:p>
-            <a:endParaRPr lang="en-US" sz="2200" dirty="0">
-              <a:solidFill>
-                <a:schemeClr val="tx1"/>
-              </a:solidFill>
-              <a:latin typeface="Helvetica" pitchFamily="2" charset="0"/>
-              <a:cs typeface="Courier New" panose="02070309020205020404" pitchFamily="49" charset="0"/>
-            </a:endParaRPr>
-          </a:p>
-          <a:p>
-            <a:endParaRPr lang="en-US" sz="2200" dirty="0">
-              <a:solidFill>
-                <a:schemeClr val="tx1"/>
-              </a:solidFill>
-              <a:latin typeface="Helvetica" pitchFamily="2" charset="0"/>
-              <a:cs typeface="Courier New" panose="02070309020205020404" pitchFamily="49" charset="0"/>
-            </a:endParaRPr>
-          </a:p>
-          <a:p>
-            <a:r>
-              <a:rPr lang="en-US" sz="2200" b="1" dirty="0">
-                <a:solidFill>
-                  <a:srgbClr val="9E0C06"/>
-                </a:solidFill>
-                <a:latin typeface="Helvetica" pitchFamily="2" charset="0"/>
-                <a:cs typeface="Courier New" panose="02070309020205020404" pitchFamily="49" charset="0"/>
-              </a:rPr>
-              <a:t>Always conduct a prior sensitivity check </a:t>
-            </a:r>
-          </a:p>
-        </p:txBody>
-      </p:sp>
-    </p:spTree>
-    <p:extLst>
-      <p:ext uri="{BB962C8B-B14F-4D97-AF65-F5344CB8AC3E}">
-        <p14:creationId xmlns:p14="http://schemas.microsoft.com/office/powerpoint/2010/main" val="3936712023"/>
-      </p:ext>
-    </p:extLst>
-  </p:cSld>
-  <p:clrMapOvr>
-    <a:masterClrMapping/>
-  </p:clrMapOvr>
-  <p:timing>
-    <p:tnLst>
-      <p:par>
-        <p:cTn id="1" dur="indefinite" restart="never" nodeType="tmRoot">
-          <p:childTnLst>
-            <p:seq concurrent="1" nextAc="seek">
-              <p:cTn id="2" dur="indefinite" nodeType="mainSeq">
-                <p:childTnLst>
-                  <p:par>
-                    <p:cTn id="3" fill="hold">
-                      <p:stCondLst>
-                        <p:cond delay="indefinite"/>
-                      </p:stCondLst>
-                      <p:childTnLst>
-                        <p:par>
-                          <p:cTn id="4" fill="hold">
-                            <p:stCondLst>
-                              <p:cond delay="0"/>
-                            </p:stCondLst>
-                            <p:childTnLst>
-                              <p:par>
-                                <p:cTn id="5" presetID="1" presetClass="entr" presetSubtype="0" fill="hold" nodeType="clickEffect">
-                                  <p:stCondLst>
-                                    <p:cond delay="0"/>
-                                  </p:stCondLst>
-                                  <p:childTnLst>
-                                    <p:set>
-                                      <p:cBhvr>
-                                        <p:cTn id="6" dur="1" fill="hold">
-                                          <p:stCondLst>
-                                            <p:cond delay="0"/>
-                                          </p:stCondLst>
-                                        </p:cTn>
-                                        <p:tgtEl>
-                                          <p:spTgt spid="4">
-                                            <p:txEl>
-                                              <p:pRg st="0" end="0"/>
-                                            </p:txEl>
-                                          </p:spTgt>
-                                        </p:tgtEl>
-                                        <p:attrNameLst>
-                                          <p:attrName>style.visibility</p:attrName>
-                                        </p:attrNameLst>
-                                      </p:cBhvr>
-                                      <p:to>
-                                        <p:strVal val="visible"/>
-                                      </p:to>
-                                    </p:set>
-                                  </p:childTnLst>
-                                </p:cTn>
-                              </p:par>
-                              <p:par>
-                                <p:cTn id="7" presetID="1" presetClass="entr" presetSubtype="0" fill="hold" nodeType="withEffect">
-                                  <p:stCondLst>
-                                    <p:cond delay="0"/>
-                                  </p:stCondLst>
-                                  <p:childTnLst>
-                                    <p:set>
-                                      <p:cBhvr>
-                                        <p:cTn id="8" dur="1" fill="hold">
-                                          <p:stCondLst>
-                                            <p:cond delay="0"/>
-                                          </p:stCondLst>
-                                        </p:cTn>
-                                        <p:tgtEl>
-                                          <p:spTgt spid="4">
-                                            <p:txEl>
-                                              <p:pRg st="1" end="1"/>
-                                            </p:txEl>
-                                          </p:spTgt>
-                                        </p:tgtEl>
-                                        <p:attrNameLst>
-                                          <p:attrName>style.visibility</p:attrName>
-                                        </p:attrNameLst>
-                                      </p:cBhvr>
-                                      <p:to>
-                                        <p:strVal val="visible"/>
-                                      </p:to>
-                                    </p:set>
-                                  </p:childTnLst>
-                                </p:cTn>
-                              </p:par>
-                            </p:childTnLst>
-                          </p:cTn>
-                        </p:par>
-                      </p:childTnLst>
-                    </p:cTn>
-                  </p:par>
-                  <p:par>
-                    <p:cTn id="9" fill="hold">
-                      <p:stCondLst>
-                        <p:cond delay="indefinite"/>
-                      </p:stCondLst>
-                      <p:childTnLst>
-                        <p:par>
-                          <p:cTn id="10" fill="hold">
-                            <p:stCondLst>
-                              <p:cond delay="0"/>
-                            </p:stCondLst>
-                            <p:childTnLst>
-                              <p:par>
-                                <p:cTn id="11" presetID="1" presetClass="entr" presetSubtype="0" fill="hold" nodeType="clickEffect">
-                                  <p:stCondLst>
-                                    <p:cond delay="0"/>
-                                  </p:stCondLst>
-                                  <p:childTnLst>
-                                    <p:set>
-                                      <p:cBhvr>
-                                        <p:cTn id="12" dur="1" fill="hold">
-                                          <p:stCondLst>
-                                            <p:cond delay="0"/>
-                                          </p:stCondLst>
-                                        </p:cTn>
-                                        <p:tgtEl>
-                                          <p:spTgt spid="4">
-                                            <p:txEl>
-                                              <p:pRg st="3" end="3"/>
-                                            </p:txEl>
-                                          </p:spTgt>
-                                        </p:tgtEl>
-                                        <p:attrNameLst>
-                                          <p:attrName>style.visibility</p:attrName>
-                                        </p:attrNameLst>
-                                      </p:cBhvr>
-                                      <p:to>
-                                        <p:strVal val="visible"/>
-                                      </p:to>
-                                    </p:set>
-                                  </p:childTnLst>
-                                </p:cTn>
-                              </p:par>
-                              <p:par>
-                                <p:cTn id="13" presetID="1" presetClass="entr" presetSubtype="0" fill="hold" nodeType="withEffect">
-                                  <p:stCondLst>
-                                    <p:cond delay="0"/>
-                                  </p:stCondLst>
-                                  <p:childTnLst>
-                                    <p:set>
-                                      <p:cBhvr>
-                                        <p:cTn id="14" dur="1" fill="hold">
-                                          <p:stCondLst>
-                                            <p:cond delay="0"/>
-                                          </p:stCondLst>
-                                        </p:cTn>
-                                        <p:tgtEl>
-                                          <p:spTgt spid="4">
-                                            <p:txEl>
-                                              <p:pRg st="4" end="4"/>
-                                            </p:txEl>
-                                          </p:spTgt>
-                                        </p:tgtEl>
-                                        <p:attrNameLst>
-                                          <p:attrName>style.visibility</p:attrName>
-                                        </p:attrNameLst>
-                                      </p:cBhvr>
-                                      <p:to>
-                                        <p:strVal val="visible"/>
-                                      </p:to>
-                                    </p:set>
-                                  </p:childTnLst>
-                                </p:cTn>
-                              </p:par>
-                            </p:childTnLst>
-                          </p:cTn>
-                        </p:par>
-                      </p:childTnLst>
-                    </p:cTn>
-                  </p:par>
-                  <p:par>
-                    <p:cTn id="15" fill="hold">
-                      <p:stCondLst>
-                        <p:cond delay="indefinite"/>
-                      </p:stCondLst>
-                      <p:childTnLst>
-                        <p:par>
-                          <p:cTn id="16" fill="hold">
-                            <p:stCondLst>
-                              <p:cond delay="0"/>
-                            </p:stCondLst>
-                            <p:childTnLst>
-                              <p:par>
-                                <p:cTn id="17" presetID="1" presetClass="entr" presetSubtype="0" fill="hold" nodeType="clickEffect">
-                                  <p:stCondLst>
-                                    <p:cond delay="0"/>
-                                  </p:stCondLst>
-                                  <p:childTnLst>
-                                    <p:set>
-                                      <p:cBhvr>
-                                        <p:cTn id="18" dur="1" fill="hold">
-                                          <p:stCondLst>
-                                            <p:cond delay="0"/>
-                                          </p:stCondLst>
-                                        </p:cTn>
-                                        <p:tgtEl>
-                                          <p:spTgt spid="4">
-                                            <p:txEl>
-                                              <p:pRg st="6" end="6"/>
-                                            </p:txEl>
-                                          </p:spTgt>
-                                        </p:tgtEl>
-                                        <p:attrNameLst>
-                                          <p:attrName>style.visibility</p:attrName>
-                                        </p:attrNameLst>
-                                      </p:cBhvr>
-                                      <p:to>
-                                        <p:strVal val="visible"/>
-                                      </p:to>
-                                    </p:set>
-                                  </p:childTnLst>
-                                </p:cTn>
-                              </p:par>
-                              <p:par>
-                                <p:cTn id="19" presetID="1" presetClass="entr" presetSubtype="0" fill="hold" nodeType="withEffect">
-                                  <p:stCondLst>
-                                    <p:cond delay="0"/>
-                                  </p:stCondLst>
-                                  <p:childTnLst>
-                                    <p:set>
-                                      <p:cBhvr>
-                                        <p:cTn id="20" dur="1" fill="hold">
-                                          <p:stCondLst>
-                                            <p:cond delay="0"/>
-                                          </p:stCondLst>
-                                        </p:cTn>
-                                        <p:tgtEl>
-                                          <p:spTgt spid="4">
-                                            <p:txEl>
-                                              <p:pRg st="7" end="7"/>
-                                            </p:txEl>
-                                          </p:spTgt>
-                                        </p:tgtEl>
-                                        <p:attrNameLst>
-                                          <p:attrName>style.visibility</p:attrName>
-                                        </p:attrNameLst>
-                                      </p:cBhvr>
-                                      <p:to>
-                                        <p:strVal val="visible"/>
-                                      </p:to>
-                                    </p:set>
-                                  </p:childTnLst>
-                                </p:cTn>
-                              </p:par>
-                            </p:childTnLst>
-                          </p:cTn>
-                        </p:par>
-                      </p:childTnLst>
-                    </p:cTn>
-                  </p:par>
-                  <p:par>
-                    <p:cTn id="21" fill="hold">
-                      <p:stCondLst>
-                        <p:cond delay="indefinite"/>
-                      </p:stCondLst>
-                      <p:childTnLst>
-                        <p:par>
-                          <p:cTn id="22" fill="hold">
-                            <p:stCondLst>
-                              <p:cond delay="0"/>
-                            </p:stCondLst>
-                            <p:childTnLst>
-                              <p:par>
-                                <p:cTn id="23" presetID="1" presetClass="entr" presetSubtype="0" fill="hold" nodeType="clickEffect">
-                                  <p:stCondLst>
-                                    <p:cond delay="0"/>
-                                  </p:stCondLst>
-                                  <p:childTnLst>
-                                    <p:set>
-                                      <p:cBhvr>
-                                        <p:cTn id="24" dur="1" fill="hold">
-                                          <p:stCondLst>
-                                            <p:cond delay="0"/>
-                                          </p:stCondLst>
-                                        </p:cTn>
-                                        <p:tgtEl>
-                                          <p:spTgt spid="4">
-                                            <p:txEl>
-                                              <p:pRg st="9" end="9"/>
-                                            </p:txEl>
-                                          </p:spTgt>
-                                        </p:tgtEl>
-                                        <p:attrNameLst>
-                                          <p:attrName>style.visibility</p:attrName>
-                                        </p:attrNameLst>
-                                      </p:cBhvr>
-                                      <p:to>
-                                        <p:strVal val="visible"/>
-                                      </p:to>
-                                    </p:set>
-                                  </p:childTnLst>
-                                </p:cTn>
-                              </p:par>
-                              <p:par>
-                                <p:cTn id="25" presetID="1" presetClass="entr" presetSubtype="0" fill="hold" nodeType="withEffect">
-                                  <p:stCondLst>
-                                    <p:cond delay="0"/>
-                                  </p:stCondLst>
-                                  <p:childTnLst>
-                                    <p:set>
-                                      <p:cBhvr>
-                                        <p:cTn id="26" dur="1" fill="hold">
-                                          <p:stCondLst>
-                                            <p:cond delay="0"/>
-                                          </p:stCondLst>
-                                        </p:cTn>
-                                        <p:tgtEl>
-                                          <p:spTgt spid="4">
-                                            <p:txEl>
-                                              <p:pRg st="10" end="10"/>
-                                            </p:txEl>
-                                          </p:spTgt>
-                                        </p:tgtEl>
-                                        <p:attrNameLst>
-                                          <p:attrName>style.visibility</p:attrName>
-                                        </p:attrNameLst>
-                                      </p:cBhvr>
-                                      <p:to>
-                                        <p:strVal val="visible"/>
-                                      </p:to>
-                                    </p:set>
-                                  </p:childTnLst>
-                                </p:cTn>
-                              </p:par>
-                              <p:par>
-                                <p:cTn id="27" presetID="1" presetClass="entr" presetSubtype="0" fill="hold" nodeType="withEffect">
-                                  <p:stCondLst>
-                                    <p:cond delay="0"/>
-                                  </p:stCondLst>
-                                  <p:childTnLst>
-                                    <p:set>
-                                      <p:cBhvr>
-                                        <p:cTn id="28" dur="1" fill="hold">
-                                          <p:stCondLst>
-                                            <p:cond delay="0"/>
-                                          </p:stCondLst>
-                                        </p:cTn>
-                                        <p:tgtEl>
-                                          <p:spTgt spid="4">
-                                            <p:txEl>
-                                              <p:pRg st="13" end="13"/>
-                                            </p:txEl>
-                                          </p:spTgt>
-                                        </p:tgtEl>
-                                        <p:attrNameLst>
-                                          <p:attrName>style.visibility</p:attrName>
-                                        </p:attrNameLst>
-                                      </p:cBhvr>
-                                      <p:to>
-                                        <p:strVal val="visible"/>
-                                      </p:to>
-                                    </p:set>
-                                  </p:childTnLst>
-                                </p:cTn>
-                              </p:par>
-                            </p:childTnLst>
-                          </p:cTn>
-                        </p:par>
-                      </p:childTnLst>
-                    </p:cTn>
-                  </p:par>
-                </p:childTnLst>
-              </p:cTn>
-              <p:prevCondLst>
-                <p:cond evt="onPrev" delay="0">
-                  <p:tgtEl>
-                    <p:sldTgt/>
-                  </p:tgtEl>
-                </p:cond>
-              </p:prevCondLst>
-              <p:nextCondLst>
-                <p:cond evt="onNext" delay="0">
-                  <p:tgtEl>
-                    <p:sldTgt/>
-                  </p:tgtEl>
-                </p:cond>
-              </p:nextCondLst>
-            </p:seq>
-          </p:childTnLst>
-        </p:cTn>
-      </p:par>
-    </p:tnLst>
-  </p:timing>
-</p:sld>
-</file>
-
-<file path=ppt/slides/slide15.xml><?xml version="1.0" encoding="utf-8"?>
 <p:sld xmlns:a="http://schemas.openxmlformats.org/drawingml/2006/main" xmlns:r="http://schemas.openxmlformats.org/officeDocument/2006/relationships" xmlns:p="http://schemas.openxmlformats.org/presentationml/2006/main">
   <p:cSld>
     <p:spTree>
@@ -18045,7 +17671,7 @@
 </p:sld>
 </file>
 
-<file path=ppt/slides/slide16.xml><?xml version="1.0" encoding="utf-8"?>
+<file path=ppt/slides/slide15.xml><?xml version="1.0" encoding="utf-8"?>
 <p:sld xmlns:a="http://schemas.openxmlformats.org/drawingml/2006/main" xmlns:r="http://schemas.openxmlformats.org/officeDocument/2006/relationships" xmlns:p="http://schemas.openxmlformats.org/presentationml/2006/main">
   <p:cSld>
     <p:spTree>
@@ -18580,7 +18206,7 @@
 </p:sld>
 </file>
 
-<file path=ppt/slides/slide17.xml><?xml version="1.0" encoding="utf-8"?>
+<file path=ppt/slides/slide16.xml><?xml version="1.0" encoding="utf-8"?>
 <p:sld xmlns:a="http://schemas.openxmlformats.org/drawingml/2006/main" xmlns:r="http://schemas.openxmlformats.org/officeDocument/2006/relationships" xmlns:p="http://schemas.openxmlformats.org/presentationml/2006/main">
   <p:cSld>
     <p:spTree>
@@ -19153,7 +18779,7 @@
 </p:sld>
 </file>
 
-<file path=ppt/slides/slide18.xml><?xml version="1.0" encoding="utf-8"?>
+<file path=ppt/slides/slide17.xml><?xml version="1.0" encoding="utf-8"?>
 <p:sld xmlns:a="http://schemas.openxmlformats.org/drawingml/2006/main" xmlns:r="http://schemas.openxmlformats.org/officeDocument/2006/relationships" xmlns:p="http://schemas.openxmlformats.org/presentationml/2006/main">
   <p:cSld>
     <p:spTree>
@@ -19623,7 +19249,7 @@
           <a:p>
             <a:fld id="{D48A1BBB-3647-7146-9CE9-E866F85C08B0}" type="slidenum">
               <a:rPr lang="en-US" smtClean="0"/>
-              <a:t>18</a:t>
+              <a:t>17</a:t>
             </a:fld>
             <a:endParaRPr lang="en-US"/>
           </a:p>
@@ -19839,7 +19465,7 @@
 </p:sld>
 </file>
 
-<file path=ppt/slides/slide19.xml><?xml version="1.0" encoding="utf-8"?>
+<file path=ppt/slides/slide18.xml><?xml version="1.0" encoding="utf-8"?>
 <p:sld xmlns:a="http://schemas.openxmlformats.org/drawingml/2006/main" xmlns:r="http://schemas.openxmlformats.org/officeDocument/2006/relationships" xmlns:p="http://schemas.openxmlformats.org/presentationml/2006/main">
   <p:cSld>
     <p:spTree>
@@ -19945,6 +19571,642 @@
     <p:extLst>
       <p:ext uri="{BB962C8B-B14F-4D97-AF65-F5344CB8AC3E}">
         <p14:creationId xmlns:p14="http://schemas.microsoft.com/office/powerpoint/2010/main" val="1439737133"/>
+      </p:ext>
+    </p:extLst>
+  </p:cSld>
+  <p:clrMapOvr>
+    <a:masterClrMapping/>
+  </p:clrMapOvr>
+</p:sld>
+</file>
+
+<file path=ppt/slides/slide19.xml><?xml version="1.0" encoding="utf-8"?>
+<p:sld xmlns:a="http://schemas.openxmlformats.org/drawingml/2006/main" xmlns:r="http://schemas.openxmlformats.org/officeDocument/2006/relationships" xmlns:p="http://schemas.openxmlformats.org/presentationml/2006/main">
+  <p:cSld>
+    <p:spTree>
+      <p:nvGrpSpPr>
+        <p:cNvPr id="1" name="">
+          <a:extLst>
+            <a:ext uri="{FF2B5EF4-FFF2-40B4-BE49-F238E27FC236}">
+              <a16:creationId xmlns:a16="http://schemas.microsoft.com/office/drawing/2014/main" id="{3762E5D4-74A1-8C33-E893-C2E1EB844E69}"/>
+            </a:ext>
+          </a:extLst>
+        </p:cNvPr>
+        <p:cNvGrpSpPr/>
+        <p:nvPr/>
+      </p:nvGrpSpPr>
+      <p:grpSpPr>
+        <a:xfrm>
+          <a:off x="0" y="0"/>
+          <a:ext cx="0" cy="0"/>
+          <a:chOff x="0" y="0"/>
+          <a:chExt cx="0" cy="0"/>
+        </a:xfrm>
+      </p:grpSpPr>
+      <p:cxnSp>
+        <p:nvCxnSpPr>
+          <p:cNvPr id="2" name="Straight Connector 1">
+            <a:extLst>
+              <a:ext uri="{FF2B5EF4-FFF2-40B4-BE49-F238E27FC236}">
+                <a16:creationId xmlns:a16="http://schemas.microsoft.com/office/drawing/2014/main" id="{3C6FE399-71EE-12C0-6462-459A5F1D69BD}"/>
+              </a:ext>
+            </a:extLst>
+          </p:cNvPr>
+          <p:cNvCxnSpPr/>
+          <p:nvPr/>
+        </p:nvCxnSpPr>
+        <p:spPr>
+          <a:xfrm>
+            <a:off x="457200" y="0"/>
+            <a:ext cx="0" cy="1262070"/>
+          </a:xfrm>
+          <a:prstGeom prst="line">
+            <a:avLst/>
+          </a:prstGeom>
+          <a:ln w="57150">
+            <a:solidFill>
+              <a:schemeClr val="accent2">
+                <a:lumMod val="60000"/>
+                <a:lumOff val="40000"/>
+              </a:schemeClr>
+            </a:solidFill>
+          </a:ln>
+        </p:spPr>
+        <p:style>
+          <a:lnRef idx="1">
+            <a:schemeClr val="accent1"/>
+          </a:lnRef>
+          <a:fillRef idx="0">
+            <a:schemeClr val="accent1"/>
+          </a:fillRef>
+          <a:effectRef idx="0">
+            <a:schemeClr val="accent1"/>
+          </a:effectRef>
+          <a:fontRef idx="minor">
+            <a:schemeClr val="tx1"/>
+          </a:fontRef>
+        </p:style>
+      </p:cxnSp>
+      <p:cxnSp>
+        <p:nvCxnSpPr>
+          <p:cNvPr id="7" name="Straight Connector 6">
+            <a:extLst>
+              <a:ext uri="{FF2B5EF4-FFF2-40B4-BE49-F238E27FC236}">
+                <a16:creationId xmlns:a16="http://schemas.microsoft.com/office/drawing/2014/main" id="{E85BD0E7-1C11-BF56-75CD-1114B1D2D95C}"/>
+              </a:ext>
+            </a:extLst>
+          </p:cNvPr>
+          <p:cNvCxnSpPr>
+            <a:cxnSpLocks/>
+          </p:cNvCxnSpPr>
+          <p:nvPr/>
+        </p:nvCxnSpPr>
+        <p:spPr>
+          <a:xfrm>
+            <a:off x="0" y="431800"/>
+            <a:ext cx="1511300" cy="0"/>
+          </a:xfrm>
+          <a:prstGeom prst="line">
+            <a:avLst/>
+          </a:prstGeom>
+          <a:ln w="57150">
+            <a:solidFill>
+              <a:schemeClr val="accent2">
+                <a:lumMod val="60000"/>
+                <a:lumOff val="40000"/>
+              </a:schemeClr>
+            </a:solidFill>
+          </a:ln>
+        </p:spPr>
+        <p:style>
+          <a:lnRef idx="1">
+            <a:schemeClr val="accent1"/>
+          </a:lnRef>
+          <a:fillRef idx="0">
+            <a:schemeClr val="accent1"/>
+          </a:fillRef>
+          <a:effectRef idx="0">
+            <a:schemeClr val="accent1"/>
+          </a:effectRef>
+          <a:fontRef idx="minor">
+            <a:schemeClr val="tx1"/>
+          </a:fontRef>
+        </p:style>
+      </p:cxnSp>
+      <p:sp>
+        <p:nvSpPr>
+          <p:cNvPr id="8" name="Title 1">
+            <a:extLst>
+              <a:ext uri="{FF2B5EF4-FFF2-40B4-BE49-F238E27FC236}">
+                <a16:creationId xmlns:a16="http://schemas.microsoft.com/office/drawing/2014/main" id="{9624573E-E82E-FC84-1909-43E0E85CB588}"/>
+              </a:ext>
+            </a:extLst>
+          </p:cNvPr>
+          <p:cNvSpPr txBox="1">
+            <a:spLocks/>
+          </p:cNvSpPr>
+          <p:nvPr/>
+        </p:nvSpPr>
+        <p:spPr>
+          <a:xfrm>
+            <a:off x="558800" y="262728"/>
+            <a:ext cx="12192000" cy="1325563"/>
+          </a:xfrm>
+          <a:prstGeom prst="rect">
+            <a:avLst/>
+          </a:prstGeom>
+        </p:spPr>
+        <p:txBody>
+          <a:bodyPr vert="horz" lIns="91440" tIns="45720" rIns="91440" bIns="45720" rtlCol="0" anchor="ctr">
+            <a:normAutofit/>
+          </a:bodyPr>
+          <a:lstStyle>
+            <a:lvl1pPr algn="l" defTabSz="914400" rtl="0" eaLnBrk="1" latinLnBrk="0" hangingPunct="1">
+              <a:lnSpc>
+                <a:spcPct val="90000"/>
+              </a:lnSpc>
+              <a:spcBef>
+                <a:spcPct val="0"/>
+              </a:spcBef>
+              <a:buNone/>
+              <a:defRPr sz="4400" kern="1200">
+                <a:solidFill>
+                  <a:schemeClr val="tx1"/>
+                </a:solidFill>
+                <a:latin typeface="+mj-lt"/>
+                <a:ea typeface="+mj-ea"/>
+                <a:cs typeface="+mj-cs"/>
+              </a:defRPr>
+            </a:lvl1pPr>
+          </a:lstStyle>
+          <a:p>
+            <a:r>
+              <a:rPr lang="en-US" sz="4800" b="1" dirty="0">
+                <a:latin typeface="Helvetica" pitchFamily="2" charset="0"/>
+                <a:cs typeface="Courier New" panose="02070309020205020404" pitchFamily="49" charset="0"/>
+              </a:rPr>
+              <a:t>Prior – specification</a:t>
+            </a:r>
+          </a:p>
+        </p:txBody>
+      </p:sp>
+      <p:sp>
+        <p:nvSpPr>
+          <p:cNvPr id="3" name="Content Placeholder 2">
+            <a:extLst>
+              <a:ext uri="{FF2B5EF4-FFF2-40B4-BE49-F238E27FC236}">
+                <a16:creationId xmlns:a16="http://schemas.microsoft.com/office/drawing/2014/main" id="{64A6622D-76FD-E4C2-BA24-1B9578A58117}"/>
+              </a:ext>
+            </a:extLst>
+          </p:cNvPr>
+          <p:cNvSpPr>
+            <a:spLocks noGrp="1"/>
+          </p:cNvSpPr>
+          <p:nvPr>
+            <p:ph idx="1"/>
+          </p:nvPr>
+        </p:nvSpPr>
+        <p:spPr>
+          <a:xfrm>
+            <a:off x="625645" y="1757362"/>
+            <a:ext cx="5257800" cy="4246391"/>
+          </a:xfrm>
+        </p:spPr>
+        <p:txBody>
+          <a:bodyPr>
+            <a:noAutofit/>
+          </a:bodyPr>
+          <a:lstStyle/>
+          <a:p>
+            <a:pPr marL="0" indent="0">
+              <a:buNone/>
+            </a:pPr>
+            <a:r>
+              <a:rPr lang="en-US" sz="2400" b="1" dirty="0">
+                <a:solidFill>
+                  <a:schemeClr val="accent2"/>
+                </a:solidFill>
+                <a:latin typeface="Helvetica" pitchFamily="2" charset="0"/>
+              </a:rPr>
+              <a:t>Structure Prior</a:t>
+            </a:r>
+          </a:p>
+          <a:p>
+            <a:pPr marL="0" indent="0">
+              <a:buNone/>
+            </a:pPr>
+            <a:endParaRPr lang="en-US" sz="1800" dirty="0">
+              <a:latin typeface="Helvetica" pitchFamily="2" charset="0"/>
+            </a:endParaRPr>
+          </a:p>
+          <a:p>
+            <a:pPr marL="0" indent="0">
+              <a:buNone/>
+            </a:pPr>
+            <a:r>
+              <a:rPr lang="en-US" sz="1800" dirty="0">
+                <a:latin typeface="Helvetica" pitchFamily="2" charset="0"/>
+              </a:rPr>
+              <a:t>What prior assumptions do I have about the density? Do I believe a particular edge should be included?</a:t>
+            </a:r>
+          </a:p>
+        </p:txBody>
+      </p:sp>
+      <p:sp>
+        <p:nvSpPr>
+          <p:cNvPr id="5" name="Content Placeholder 2">
+            <a:extLst>
+              <a:ext uri="{FF2B5EF4-FFF2-40B4-BE49-F238E27FC236}">
+                <a16:creationId xmlns:a16="http://schemas.microsoft.com/office/drawing/2014/main" id="{FBDB601E-EF89-5862-A8A5-19A0723ED30B}"/>
+              </a:ext>
+            </a:extLst>
+          </p:cNvPr>
+          <p:cNvSpPr txBox="1">
+            <a:spLocks/>
+          </p:cNvSpPr>
+          <p:nvPr/>
+        </p:nvSpPr>
+        <p:spPr>
+          <a:xfrm>
+            <a:off x="6348673" y="1765383"/>
+            <a:ext cx="5257800" cy="4246391"/>
+          </a:xfrm>
+          <a:prstGeom prst="rect">
+            <a:avLst/>
+          </a:prstGeom>
+        </p:spPr>
+        <p:txBody>
+          <a:bodyPr vert="horz" lIns="91440" tIns="45720" rIns="91440" bIns="45720" rtlCol="0">
+            <a:noAutofit/>
+          </a:bodyPr>
+          <a:lstStyle>
+            <a:lvl1pPr marL="228600" indent="-228600" algn="l" defTabSz="914400" rtl="0" eaLnBrk="1" latinLnBrk="0" hangingPunct="1">
+              <a:lnSpc>
+                <a:spcPct val="90000"/>
+              </a:lnSpc>
+              <a:spcBef>
+                <a:spcPts val="1000"/>
+              </a:spcBef>
+              <a:buFont typeface="Arial" panose="020B0604020202020204" pitchFamily="34" charset="0"/>
+              <a:buChar char="•"/>
+              <a:defRPr sz="2800" kern="1200">
+                <a:solidFill>
+                  <a:schemeClr val="tx1"/>
+                </a:solidFill>
+                <a:latin typeface="+mn-lt"/>
+                <a:ea typeface="+mn-ea"/>
+                <a:cs typeface="+mn-cs"/>
+              </a:defRPr>
+            </a:lvl1pPr>
+            <a:lvl2pPr marL="685800" indent="-228600" algn="l" defTabSz="914400" rtl="0" eaLnBrk="1" latinLnBrk="0" hangingPunct="1">
+              <a:lnSpc>
+                <a:spcPct val="90000"/>
+              </a:lnSpc>
+              <a:spcBef>
+                <a:spcPts val="500"/>
+              </a:spcBef>
+              <a:buFont typeface="Arial" panose="020B0604020202020204" pitchFamily="34" charset="0"/>
+              <a:buChar char="•"/>
+              <a:defRPr sz="2400" kern="1200">
+                <a:solidFill>
+                  <a:schemeClr val="tx1"/>
+                </a:solidFill>
+                <a:latin typeface="+mn-lt"/>
+                <a:ea typeface="+mn-ea"/>
+                <a:cs typeface="+mn-cs"/>
+              </a:defRPr>
+            </a:lvl2pPr>
+            <a:lvl3pPr marL="1143000" indent="-228600" algn="l" defTabSz="914400" rtl="0" eaLnBrk="1" latinLnBrk="0" hangingPunct="1">
+              <a:lnSpc>
+                <a:spcPct val="90000"/>
+              </a:lnSpc>
+              <a:spcBef>
+                <a:spcPts val="500"/>
+              </a:spcBef>
+              <a:buFont typeface="Arial" panose="020B0604020202020204" pitchFamily="34" charset="0"/>
+              <a:buChar char="•"/>
+              <a:defRPr sz="2000" kern="1200">
+                <a:solidFill>
+                  <a:schemeClr val="tx1"/>
+                </a:solidFill>
+                <a:latin typeface="+mn-lt"/>
+                <a:ea typeface="+mn-ea"/>
+                <a:cs typeface="+mn-cs"/>
+              </a:defRPr>
+            </a:lvl3pPr>
+            <a:lvl4pPr marL="1600200" indent="-228600" algn="l" defTabSz="914400" rtl="0" eaLnBrk="1" latinLnBrk="0" hangingPunct="1">
+              <a:lnSpc>
+                <a:spcPct val="90000"/>
+              </a:lnSpc>
+              <a:spcBef>
+                <a:spcPts val="500"/>
+              </a:spcBef>
+              <a:buFont typeface="Arial" panose="020B0604020202020204" pitchFamily="34" charset="0"/>
+              <a:buChar char="•"/>
+              <a:defRPr sz="1800" kern="1200">
+                <a:solidFill>
+                  <a:schemeClr val="tx1"/>
+                </a:solidFill>
+                <a:latin typeface="+mn-lt"/>
+                <a:ea typeface="+mn-ea"/>
+                <a:cs typeface="+mn-cs"/>
+              </a:defRPr>
+            </a:lvl4pPr>
+            <a:lvl5pPr marL="2057400" indent="-228600" algn="l" defTabSz="914400" rtl="0" eaLnBrk="1" latinLnBrk="0" hangingPunct="1">
+              <a:lnSpc>
+                <a:spcPct val="90000"/>
+              </a:lnSpc>
+              <a:spcBef>
+                <a:spcPts val="500"/>
+              </a:spcBef>
+              <a:buFont typeface="Arial" panose="020B0604020202020204" pitchFamily="34" charset="0"/>
+              <a:buChar char="•"/>
+              <a:defRPr sz="1800" kern="1200">
+                <a:solidFill>
+                  <a:schemeClr val="tx1"/>
+                </a:solidFill>
+                <a:latin typeface="+mn-lt"/>
+                <a:ea typeface="+mn-ea"/>
+                <a:cs typeface="+mn-cs"/>
+              </a:defRPr>
+            </a:lvl5pPr>
+            <a:lvl6pPr marL="2514600" indent="-228600" algn="l" defTabSz="914400" rtl="0" eaLnBrk="1" latinLnBrk="0" hangingPunct="1">
+              <a:lnSpc>
+                <a:spcPct val="90000"/>
+              </a:lnSpc>
+              <a:spcBef>
+                <a:spcPts val="500"/>
+              </a:spcBef>
+              <a:buFont typeface="Arial" panose="020B0604020202020204" pitchFamily="34" charset="0"/>
+              <a:buChar char="•"/>
+              <a:defRPr sz="1800" kern="1200">
+                <a:solidFill>
+                  <a:schemeClr val="tx1"/>
+                </a:solidFill>
+                <a:latin typeface="+mn-lt"/>
+                <a:ea typeface="+mn-ea"/>
+                <a:cs typeface="+mn-cs"/>
+              </a:defRPr>
+            </a:lvl6pPr>
+            <a:lvl7pPr marL="2971800" indent="-228600" algn="l" defTabSz="914400" rtl="0" eaLnBrk="1" latinLnBrk="0" hangingPunct="1">
+              <a:lnSpc>
+                <a:spcPct val="90000"/>
+              </a:lnSpc>
+              <a:spcBef>
+                <a:spcPts val="500"/>
+              </a:spcBef>
+              <a:buFont typeface="Arial" panose="020B0604020202020204" pitchFamily="34" charset="0"/>
+              <a:buChar char="•"/>
+              <a:defRPr sz="1800" kern="1200">
+                <a:solidFill>
+                  <a:schemeClr val="tx1"/>
+                </a:solidFill>
+                <a:latin typeface="+mn-lt"/>
+                <a:ea typeface="+mn-ea"/>
+                <a:cs typeface="+mn-cs"/>
+              </a:defRPr>
+            </a:lvl7pPr>
+            <a:lvl8pPr marL="3429000" indent="-228600" algn="l" defTabSz="914400" rtl="0" eaLnBrk="1" latinLnBrk="0" hangingPunct="1">
+              <a:lnSpc>
+                <a:spcPct val="90000"/>
+              </a:lnSpc>
+              <a:spcBef>
+                <a:spcPts val="500"/>
+              </a:spcBef>
+              <a:buFont typeface="Arial" panose="020B0604020202020204" pitchFamily="34" charset="0"/>
+              <a:buChar char="•"/>
+              <a:defRPr sz="1800" kern="1200">
+                <a:solidFill>
+                  <a:schemeClr val="tx1"/>
+                </a:solidFill>
+                <a:latin typeface="+mn-lt"/>
+                <a:ea typeface="+mn-ea"/>
+                <a:cs typeface="+mn-cs"/>
+              </a:defRPr>
+            </a:lvl8pPr>
+            <a:lvl9pPr marL="3886200" indent="-228600" algn="l" defTabSz="914400" rtl="0" eaLnBrk="1" latinLnBrk="0" hangingPunct="1">
+              <a:lnSpc>
+                <a:spcPct val="90000"/>
+              </a:lnSpc>
+              <a:spcBef>
+                <a:spcPts val="500"/>
+              </a:spcBef>
+              <a:buFont typeface="Arial" panose="020B0604020202020204" pitchFamily="34" charset="0"/>
+              <a:buChar char="•"/>
+              <a:defRPr sz="1800" kern="1200">
+                <a:solidFill>
+                  <a:schemeClr val="tx1"/>
+                </a:solidFill>
+                <a:latin typeface="+mn-lt"/>
+                <a:ea typeface="+mn-ea"/>
+                <a:cs typeface="+mn-cs"/>
+              </a:defRPr>
+            </a:lvl9pPr>
+          </a:lstStyle>
+          <a:p>
+            <a:pPr marL="0" indent="0">
+              <a:buFont typeface="Arial" panose="020B0604020202020204" pitchFamily="34" charset="0"/>
+              <a:buNone/>
+            </a:pPr>
+            <a:r>
+              <a:rPr lang="en-US" sz="2400" b="1" dirty="0">
+                <a:solidFill>
+                  <a:schemeClr val="accent2"/>
+                </a:solidFill>
+                <a:latin typeface="Helvetica" pitchFamily="2" charset="0"/>
+              </a:rPr>
+              <a:t>Parameter Prior</a:t>
+            </a:r>
+          </a:p>
+          <a:p>
+            <a:pPr marL="0" indent="0">
+              <a:buFont typeface="Arial" panose="020B0604020202020204" pitchFamily="34" charset="0"/>
+              <a:buNone/>
+            </a:pPr>
+            <a:endParaRPr lang="en-US" sz="1800" dirty="0">
+              <a:latin typeface="Helvetica" pitchFamily="2" charset="0"/>
+            </a:endParaRPr>
+          </a:p>
+          <a:p>
+            <a:pPr marL="0" indent="0">
+              <a:buFont typeface="Arial" panose="020B0604020202020204" pitchFamily="34" charset="0"/>
+              <a:buNone/>
+            </a:pPr>
+            <a:r>
+              <a:rPr lang="en-US" sz="1800" dirty="0">
+                <a:latin typeface="Helvetica" pitchFamily="2" charset="0"/>
+              </a:rPr>
+              <a:t>What prior assumptions do I have about the strength of the edge weights? </a:t>
+            </a:r>
+          </a:p>
+        </p:txBody>
+      </p:sp>
+      <p:pic>
+        <p:nvPicPr>
+          <p:cNvPr id="9" name="Picture 8" descr="A white text with black text&#10;&#10;Description automatically generated">
+            <a:extLst>
+              <a:ext uri="{FF2B5EF4-FFF2-40B4-BE49-F238E27FC236}">
+                <a16:creationId xmlns:a16="http://schemas.microsoft.com/office/drawing/2014/main" id="{F9C77661-ACF8-A909-12A5-EEB8A536633B}"/>
+              </a:ext>
+            </a:extLst>
+          </p:cNvPr>
+          <p:cNvPicPr>
+            <a:picLocks noChangeAspect="1"/>
+          </p:cNvPicPr>
+          <p:nvPr/>
+        </p:nvPicPr>
+        <p:blipFill rotWithShape="1">
+          <a:blip r:embed="rId3"/>
+          <a:srcRect l="2678"/>
+          <a:stretch/>
+        </p:blipFill>
+        <p:spPr>
+          <a:xfrm>
+            <a:off x="2243892" y="3694287"/>
+            <a:ext cx="7279106" cy="2900985"/>
+          </a:xfrm>
+          <a:prstGeom prst="rect">
+            <a:avLst/>
+          </a:prstGeom>
+        </p:spPr>
+      </p:pic>
+      <p:sp>
+        <p:nvSpPr>
+          <p:cNvPr id="4" name="Rectangle 3">
+            <a:extLst>
+              <a:ext uri="{FF2B5EF4-FFF2-40B4-BE49-F238E27FC236}">
+                <a16:creationId xmlns:a16="http://schemas.microsoft.com/office/drawing/2014/main" id="{8062C01B-9E8C-FA5A-1A77-3DBAF8936B61}"/>
+              </a:ext>
+            </a:extLst>
+          </p:cNvPr>
+          <p:cNvSpPr/>
+          <p:nvPr/>
+        </p:nvSpPr>
+        <p:spPr>
+          <a:xfrm>
+            <a:off x="5323840" y="5435600"/>
+            <a:ext cx="2001520" cy="213360"/>
+          </a:xfrm>
+          <a:prstGeom prst="rect">
+            <a:avLst/>
+          </a:prstGeom>
+          <a:solidFill>
+            <a:schemeClr val="bg1"/>
+          </a:solidFill>
+          <a:ln>
+            <a:solidFill>
+              <a:schemeClr val="bg1"/>
+            </a:solidFill>
+          </a:ln>
+        </p:spPr>
+        <p:style>
+          <a:lnRef idx="2">
+            <a:schemeClr val="accent1">
+              <a:shade val="15000"/>
+            </a:schemeClr>
+          </a:lnRef>
+          <a:fillRef idx="1">
+            <a:schemeClr val="accent1"/>
+          </a:fillRef>
+          <a:effectRef idx="0">
+            <a:schemeClr val="accent1"/>
+          </a:effectRef>
+          <a:fontRef idx="minor">
+            <a:schemeClr val="lt1"/>
+          </a:fontRef>
+        </p:style>
+        <p:txBody>
+          <a:bodyPr rtlCol="0" anchor="ctr"/>
+          <a:lstStyle/>
+          <a:p>
+            <a:pPr algn="ctr"/>
+            <a:endParaRPr lang="en-US"/>
+          </a:p>
+        </p:txBody>
+      </p:sp>
+      <p:cxnSp>
+        <p:nvCxnSpPr>
+          <p:cNvPr id="10" name="Straight Connector 9">
+            <a:extLst>
+              <a:ext uri="{FF2B5EF4-FFF2-40B4-BE49-F238E27FC236}">
+                <a16:creationId xmlns:a16="http://schemas.microsoft.com/office/drawing/2014/main" id="{161D4A7A-6043-1FA1-2E88-A316E64CF093}"/>
+              </a:ext>
+            </a:extLst>
+          </p:cNvPr>
+          <p:cNvCxnSpPr/>
+          <p:nvPr/>
+        </p:nvCxnSpPr>
+        <p:spPr>
+          <a:xfrm>
+            <a:off x="5883445" y="4442691"/>
+            <a:ext cx="683610" cy="0"/>
+          </a:xfrm>
+          <a:prstGeom prst="line">
+            <a:avLst/>
+          </a:prstGeom>
+          <a:ln/>
+        </p:spPr>
+        <p:style>
+          <a:lnRef idx="3">
+            <a:schemeClr val="accent6"/>
+          </a:lnRef>
+          <a:fillRef idx="0">
+            <a:schemeClr val="accent6"/>
+          </a:fillRef>
+          <a:effectRef idx="2">
+            <a:schemeClr val="accent6"/>
+          </a:effectRef>
+          <a:fontRef idx="minor">
+            <a:schemeClr val="tx1"/>
+          </a:fontRef>
+        </p:style>
+      </p:cxnSp>
+      <p:sp>
+        <p:nvSpPr>
+          <p:cNvPr id="11" name="TextBox 10">
+            <a:extLst>
+              <a:ext uri="{FF2B5EF4-FFF2-40B4-BE49-F238E27FC236}">
+                <a16:creationId xmlns:a16="http://schemas.microsoft.com/office/drawing/2014/main" id="{A7CCDD77-8281-D4E6-58E1-E8978FB6464C}"/>
+              </a:ext>
+            </a:extLst>
+          </p:cNvPr>
+          <p:cNvSpPr txBox="1"/>
+          <p:nvPr/>
+        </p:nvSpPr>
+        <p:spPr>
+          <a:xfrm>
+            <a:off x="6574362" y="4273414"/>
+            <a:ext cx="1173018" cy="338554"/>
+          </a:xfrm>
+          <a:prstGeom prst="rect">
+            <a:avLst/>
+          </a:prstGeom>
+          <a:noFill/>
+        </p:spPr>
+        <p:txBody>
+          <a:bodyPr wrap="square" rtlCol="0">
+            <a:spAutoFit/>
+          </a:bodyPr>
+          <a:lstStyle/>
+          <a:p>
+            <a:r>
+              <a:rPr lang="en-US" sz="1600" b="1" dirty="0">
+                <a:latin typeface="Courier New" panose="02070309020205020404" pitchFamily="49" charset="0"/>
+                <a:cs typeface="Courier New" panose="02070309020205020404" pitchFamily="49" charset="0"/>
+              </a:rPr>
+              <a:t>scale</a:t>
+            </a:r>
+            <a:endParaRPr lang="en-NL" sz="1600" b="1" dirty="0">
+              <a:latin typeface="Courier New" panose="02070309020205020404" pitchFamily="49" charset="0"/>
+              <a:cs typeface="Courier New" panose="02070309020205020404" pitchFamily="49" charset="0"/>
+            </a:endParaRPr>
+          </a:p>
+        </p:txBody>
+      </p:sp>
+    </p:spTree>
+    <p:extLst>
+      <p:ext uri="{BB962C8B-B14F-4D97-AF65-F5344CB8AC3E}">
+        <p14:creationId xmlns:p14="http://schemas.microsoft.com/office/powerpoint/2010/main" val="4221003262"/>
       </p:ext>
     </p:extLst>
   </p:cSld>
@@ -20579,642 +20841,6 @@
     <p:extLst>
       <p:ext uri="{BB962C8B-B14F-4D97-AF65-F5344CB8AC3E}">
         <p14:creationId xmlns:p14="http://schemas.microsoft.com/office/powerpoint/2010/main" val="3241801107"/>
-      </p:ext>
-    </p:extLst>
-  </p:cSld>
-  <p:clrMapOvr>
-    <a:masterClrMapping/>
-  </p:clrMapOvr>
-</p:sld>
-</file>
-
-<file path=ppt/slides/slide20.xml><?xml version="1.0" encoding="utf-8"?>
-<p:sld xmlns:a="http://schemas.openxmlformats.org/drawingml/2006/main" xmlns:r="http://schemas.openxmlformats.org/officeDocument/2006/relationships" xmlns:p="http://schemas.openxmlformats.org/presentationml/2006/main">
-  <p:cSld>
-    <p:spTree>
-      <p:nvGrpSpPr>
-        <p:cNvPr id="1" name="">
-          <a:extLst>
-            <a:ext uri="{FF2B5EF4-FFF2-40B4-BE49-F238E27FC236}">
-              <a16:creationId xmlns:a16="http://schemas.microsoft.com/office/drawing/2014/main" id="{3762E5D4-74A1-8C33-E893-C2E1EB844E69}"/>
-            </a:ext>
-          </a:extLst>
-        </p:cNvPr>
-        <p:cNvGrpSpPr/>
-        <p:nvPr/>
-      </p:nvGrpSpPr>
-      <p:grpSpPr>
-        <a:xfrm>
-          <a:off x="0" y="0"/>
-          <a:ext cx="0" cy="0"/>
-          <a:chOff x="0" y="0"/>
-          <a:chExt cx="0" cy="0"/>
-        </a:xfrm>
-      </p:grpSpPr>
-      <p:cxnSp>
-        <p:nvCxnSpPr>
-          <p:cNvPr id="2" name="Straight Connector 1">
-            <a:extLst>
-              <a:ext uri="{FF2B5EF4-FFF2-40B4-BE49-F238E27FC236}">
-                <a16:creationId xmlns:a16="http://schemas.microsoft.com/office/drawing/2014/main" id="{3C6FE399-71EE-12C0-6462-459A5F1D69BD}"/>
-              </a:ext>
-            </a:extLst>
-          </p:cNvPr>
-          <p:cNvCxnSpPr/>
-          <p:nvPr/>
-        </p:nvCxnSpPr>
-        <p:spPr>
-          <a:xfrm>
-            <a:off x="457200" y="0"/>
-            <a:ext cx="0" cy="1262070"/>
-          </a:xfrm>
-          <a:prstGeom prst="line">
-            <a:avLst/>
-          </a:prstGeom>
-          <a:ln w="57150">
-            <a:solidFill>
-              <a:schemeClr val="accent2">
-                <a:lumMod val="60000"/>
-                <a:lumOff val="40000"/>
-              </a:schemeClr>
-            </a:solidFill>
-          </a:ln>
-        </p:spPr>
-        <p:style>
-          <a:lnRef idx="1">
-            <a:schemeClr val="accent1"/>
-          </a:lnRef>
-          <a:fillRef idx="0">
-            <a:schemeClr val="accent1"/>
-          </a:fillRef>
-          <a:effectRef idx="0">
-            <a:schemeClr val="accent1"/>
-          </a:effectRef>
-          <a:fontRef idx="minor">
-            <a:schemeClr val="tx1"/>
-          </a:fontRef>
-        </p:style>
-      </p:cxnSp>
-      <p:cxnSp>
-        <p:nvCxnSpPr>
-          <p:cNvPr id="7" name="Straight Connector 6">
-            <a:extLst>
-              <a:ext uri="{FF2B5EF4-FFF2-40B4-BE49-F238E27FC236}">
-                <a16:creationId xmlns:a16="http://schemas.microsoft.com/office/drawing/2014/main" id="{E85BD0E7-1C11-BF56-75CD-1114B1D2D95C}"/>
-              </a:ext>
-            </a:extLst>
-          </p:cNvPr>
-          <p:cNvCxnSpPr>
-            <a:cxnSpLocks/>
-          </p:cNvCxnSpPr>
-          <p:nvPr/>
-        </p:nvCxnSpPr>
-        <p:spPr>
-          <a:xfrm>
-            <a:off x="0" y="431800"/>
-            <a:ext cx="1511300" cy="0"/>
-          </a:xfrm>
-          <a:prstGeom prst="line">
-            <a:avLst/>
-          </a:prstGeom>
-          <a:ln w="57150">
-            <a:solidFill>
-              <a:schemeClr val="accent2">
-                <a:lumMod val="60000"/>
-                <a:lumOff val="40000"/>
-              </a:schemeClr>
-            </a:solidFill>
-          </a:ln>
-        </p:spPr>
-        <p:style>
-          <a:lnRef idx="1">
-            <a:schemeClr val="accent1"/>
-          </a:lnRef>
-          <a:fillRef idx="0">
-            <a:schemeClr val="accent1"/>
-          </a:fillRef>
-          <a:effectRef idx="0">
-            <a:schemeClr val="accent1"/>
-          </a:effectRef>
-          <a:fontRef idx="minor">
-            <a:schemeClr val="tx1"/>
-          </a:fontRef>
-        </p:style>
-      </p:cxnSp>
-      <p:sp>
-        <p:nvSpPr>
-          <p:cNvPr id="8" name="Title 1">
-            <a:extLst>
-              <a:ext uri="{FF2B5EF4-FFF2-40B4-BE49-F238E27FC236}">
-                <a16:creationId xmlns:a16="http://schemas.microsoft.com/office/drawing/2014/main" id="{9624573E-E82E-FC84-1909-43E0E85CB588}"/>
-              </a:ext>
-            </a:extLst>
-          </p:cNvPr>
-          <p:cNvSpPr txBox="1">
-            <a:spLocks/>
-          </p:cNvSpPr>
-          <p:nvPr/>
-        </p:nvSpPr>
-        <p:spPr>
-          <a:xfrm>
-            <a:off x="558800" y="262728"/>
-            <a:ext cx="12192000" cy="1325563"/>
-          </a:xfrm>
-          <a:prstGeom prst="rect">
-            <a:avLst/>
-          </a:prstGeom>
-        </p:spPr>
-        <p:txBody>
-          <a:bodyPr vert="horz" lIns="91440" tIns="45720" rIns="91440" bIns="45720" rtlCol="0" anchor="ctr">
-            <a:normAutofit/>
-          </a:bodyPr>
-          <a:lstStyle>
-            <a:lvl1pPr algn="l" defTabSz="914400" rtl="0" eaLnBrk="1" latinLnBrk="0" hangingPunct="1">
-              <a:lnSpc>
-                <a:spcPct val="90000"/>
-              </a:lnSpc>
-              <a:spcBef>
-                <a:spcPct val="0"/>
-              </a:spcBef>
-              <a:buNone/>
-              <a:defRPr sz="4400" kern="1200">
-                <a:solidFill>
-                  <a:schemeClr val="tx1"/>
-                </a:solidFill>
-                <a:latin typeface="+mj-lt"/>
-                <a:ea typeface="+mj-ea"/>
-                <a:cs typeface="+mj-cs"/>
-              </a:defRPr>
-            </a:lvl1pPr>
-          </a:lstStyle>
-          <a:p>
-            <a:r>
-              <a:rPr lang="en-US" sz="4800" b="1" dirty="0">
-                <a:latin typeface="Helvetica" pitchFamily="2" charset="0"/>
-                <a:cs typeface="Courier New" panose="02070309020205020404" pitchFamily="49" charset="0"/>
-              </a:rPr>
-              <a:t>Prior – specification</a:t>
-            </a:r>
-          </a:p>
-        </p:txBody>
-      </p:sp>
-      <p:sp>
-        <p:nvSpPr>
-          <p:cNvPr id="3" name="Content Placeholder 2">
-            <a:extLst>
-              <a:ext uri="{FF2B5EF4-FFF2-40B4-BE49-F238E27FC236}">
-                <a16:creationId xmlns:a16="http://schemas.microsoft.com/office/drawing/2014/main" id="{64A6622D-76FD-E4C2-BA24-1B9578A58117}"/>
-              </a:ext>
-            </a:extLst>
-          </p:cNvPr>
-          <p:cNvSpPr>
-            <a:spLocks noGrp="1"/>
-          </p:cNvSpPr>
-          <p:nvPr>
-            <p:ph idx="1"/>
-          </p:nvPr>
-        </p:nvSpPr>
-        <p:spPr>
-          <a:xfrm>
-            <a:off x="625645" y="1757362"/>
-            <a:ext cx="5257800" cy="4246391"/>
-          </a:xfrm>
-        </p:spPr>
-        <p:txBody>
-          <a:bodyPr>
-            <a:noAutofit/>
-          </a:bodyPr>
-          <a:lstStyle/>
-          <a:p>
-            <a:pPr marL="0" indent="0">
-              <a:buNone/>
-            </a:pPr>
-            <a:r>
-              <a:rPr lang="en-US" sz="2400" b="1" dirty="0">
-                <a:solidFill>
-                  <a:schemeClr val="accent2"/>
-                </a:solidFill>
-                <a:latin typeface="Helvetica" pitchFamily="2" charset="0"/>
-              </a:rPr>
-              <a:t>Structure Prior</a:t>
-            </a:r>
-          </a:p>
-          <a:p>
-            <a:pPr marL="0" indent="0">
-              <a:buNone/>
-            </a:pPr>
-            <a:endParaRPr lang="en-US" sz="1800" dirty="0">
-              <a:latin typeface="Helvetica" pitchFamily="2" charset="0"/>
-            </a:endParaRPr>
-          </a:p>
-          <a:p>
-            <a:pPr marL="0" indent="0">
-              <a:buNone/>
-            </a:pPr>
-            <a:r>
-              <a:rPr lang="en-US" sz="1800" dirty="0">
-                <a:latin typeface="Helvetica" pitchFamily="2" charset="0"/>
-              </a:rPr>
-              <a:t>What prior assumptions do I have about the density? Do I believe a particular edge should be included?</a:t>
-            </a:r>
-          </a:p>
-        </p:txBody>
-      </p:sp>
-      <p:sp>
-        <p:nvSpPr>
-          <p:cNvPr id="5" name="Content Placeholder 2">
-            <a:extLst>
-              <a:ext uri="{FF2B5EF4-FFF2-40B4-BE49-F238E27FC236}">
-                <a16:creationId xmlns:a16="http://schemas.microsoft.com/office/drawing/2014/main" id="{FBDB601E-EF89-5862-A8A5-19A0723ED30B}"/>
-              </a:ext>
-            </a:extLst>
-          </p:cNvPr>
-          <p:cNvSpPr txBox="1">
-            <a:spLocks/>
-          </p:cNvSpPr>
-          <p:nvPr/>
-        </p:nvSpPr>
-        <p:spPr>
-          <a:xfrm>
-            <a:off x="6348673" y="1765383"/>
-            <a:ext cx="5257800" cy="4246391"/>
-          </a:xfrm>
-          <a:prstGeom prst="rect">
-            <a:avLst/>
-          </a:prstGeom>
-        </p:spPr>
-        <p:txBody>
-          <a:bodyPr vert="horz" lIns="91440" tIns="45720" rIns="91440" bIns="45720" rtlCol="0">
-            <a:noAutofit/>
-          </a:bodyPr>
-          <a:lstStyle>
-            <a:lvl1pPr marL="228600" indent="-228600" algn="l" defTabSz="914400" rtl="0" eaLnBrk="1" latinLnBrk="0" hangingPunct="1">
-              <a:lnSpc>
-                <a:spcPct val="90000"/>
-              </a:lnSpc>
-              <a:spcBef>
-                <a:spcPts val="1000"/>
-              </a:spcBef>
-              <a:buFont typeface="Arial" panose="020B0604020202020204" pitchFamily="34" charset="0"/>
-              <a:buChar char="•"/>
-              <a:defRPr sz="2800" kern="1200">
-                <a:solidFill>
-                  <a:schemeClr val="tx1"/>
-                </a:solidFill>
-                <a:latin typeface="+mn-lt"/>
-                <a:ea typeface="+mn-ea"/>
-                <a:cs typeface="+mn-cs"/>
-              </a:defRPr>
-            </a:lvl1pPr>
-            <a:lvl2pPr marL="685800" indent="-228600" algn="l" defTabSz="914400" rtl="0" eaLnBrk="1" latinLnBrk="0" hangingPunct="1">
-              <a:lnSpc>
-                <a:spcPct val="90000"/>
-              </a:lnSpc>
-              <a:spcBef>
-                <a:spcPts val="500"/>
-              </a:spcBef>
-              <a:buFont typeface="Arial" panose="020B0604020202020204" pitchFamily="34" charset="0"/>
-              <a:buChar char="•"/>
-              <a:defRPr sz="2400" kern="1200">
-                <a:solidFill>
-                  <a:schemeClr val="tx1"/>
-                </a:solidFill>
-                <a:latin typeface="+mn-lt"/>
-                <a:ea typeface="+mn-ea"/>
-                <a:cs typeface="+mn-cs"/>
-              </a:defRPr>
-            </a:lvl2pPr>
-            <a:lvl3pPr marL="1143000" indent="-228600" algn="l" defTabSz="914400" rtl="0" eaLnBrk="1" latinLnBrk="0" hangingPunct="1">
-              <a:lnSpc>
-                <a:spcPct val="90000"/>
-              </a:lnSpc>
-              <a:spcBef>
-                <a:spcPts val="500"/>
-              </a:spcBef>
-              <a:buFont typeface="Arial" panose="020B0604020202020204" pitchFamily="34" charset="0"/>
-              <a:buChar char="•"/>
-              <a:defRPr sz="2000" kern="1200">
-                <a:solidFill>
-                  <a:schemeClr val="tx1"/>
-                </a:solidFill>
-                <a:latin typeface="+mn-lt"/>
-                <a:ea typeface="+mn-ea"/>
-                <a:cs typeface="+mn-cs"/>
-              </a:defRPr>
-            </a:lvl3pPr>
-            <a:lvl4pPr marL="1600200" indent="-228600" algn="l" defTabSz="914400" rtl="0" eaLnBrk="1" latinLnBrk="0" hangingPunct="1">
-              <a:lnSpc>
-                <a:spcPct val="90000"/>
-              </a:lnSpc>
-              <a:spcBef>
-                <a:spcPts val="500"/>
-              </a:spcBef>
-              <a:buFont typeface="Arial" panose="020B0604020202020204" pitchFamily="34" charset="0"/>
-              <a:buChar char="•"/>
-              <a:defRPr sz="1800" kern="1200">
-                <a:solidFill>
-                  <a:schemeClr val="tx1"/>
-                </a:solidFill>
-                <a:latin typeface="+mn-lt"/>
-                <a:ea typeface="+mn-ea"/>
-                <a:cs typeface="+mn-cs"/>
-              </a:defRPr>
-            </a:lvl4pPr>
-            <a:lvl5pPr marL="2057400" indent="-228600" algn="l" defTabSz="914400" rtl="0" eaLnBrk="1" latinLnBrk="0" hangingPunct="1">
-              <a:lnSpc>
-                <a:spcPct val="90000"/>
-              </a:lnSpc>
-              <a:spcBef>
-                <a:spcPts val="500"/>
-              </a:spcBef>
-              <a:buFont typeface="Arial" panose="020B0604020202020204" pitchFamily="34" charset="0"/>
-              <a:buChar char="•"/>
-              <a:defRPr sz="1800" kern="1200">
-                <a:solidFill>
-                  <a:schemeClr val="tx1"/>
-                </a:solidFill>
-                <a:latin typeface="+mn-lt"/>
-                <a:ea typeface="+mn-ea"/>
-                <a:cs typeface="+mn-cs"/>
-              </a:defRPr>
-            </a:lvl5pPr>
-            <a:lvl6pPr marL="2514600" indent="-228600" algn="l" defTabSz="914400" rtl="0" eaLnBrk="1" latinLnBrk="0" hangingPunct="1">
-              <a:lnSpc>
-                <a:spcPct val="90000"/>
-              </a:lnSpc>
-              <a:spcBef>
-                <a:spcPts val="500"/>
-              </a:spcBef>
-              <a:buFont typeface="Arial" panose="020B0604020202020204" pitchFamily="34" charset="0"/>
-              <a:buChar char="•"/>
-              <a:defRPr sz="1800" kern="1200">
-                <a:solidFill>
-                  <a:schemeClr val="tx1"/>
-                </a:solidFill>
-                <a:latin typeface="+mn-lt"/>
-                <a:ea typeface="+mn-ea"/>
-                <a:cs typeface="+mn-cs"/>
-              </a:defRPr>
-            </a:lvl6pPr>
-            <a:lvl7pPr marL="2971800" indent="-228600" algn="l" defTabSz="914400" rtl="0" eaLnBrk="1" latinLnBrk="0" hangingPunct="1">
-              <a:lnSpc>
-                <a:spcPct val="90000"/>
-              </a:lnSpc>
-              <a:spcBef>
-                <a:spcPts val="500"/>
-              </a:spcBef>
-              <a:buFont typeface="Arial" panose="020B0604020202020204" pitchFamily="34" charset="0"/>
-              <a:buChar char="•"/>
-              <a:defRPr sz="1800" kern="1200">
-                <a:solidFill>
-                  <a:schemeClr val="tx1"/>
-                </a:solidFill>
-                <a:latin typeface="+mn-lt"/>
-                <a:ea typeface="+mn-ea"/>
-                <a:cs typeface="+mn-cs"/>
-              </a:defRPr>
-            </a:lvl7pPr>
-            <a:lvl8pPr marL="3429000" indent="-228600" algn="l" defTabSz="914400" rtl="0" eaLnBrk="1" latinLnBrk="0" hangingPunct="1">
-              <a:lnSpc>
-                <a:spcPct val="90000"/>
-              </a:lnSpc>
-              <a:spcBef>
-                <a:spcPts val="500"/>
-              </a:spcBef>
-              <a:buFont typeface="Arial" panose="020B0604020202020204" pitchFamily="34" charset="0"/>
-              <a:buChar char="•"/>
-              <a:defRPr sz="1800" kern="1200">
-                <a:solidFill>
-                  <a:schemeClr val="tx1"/>
-                </a:solidFill>
-                <a:latin typeface="+mn-lt"/>
-                <a:ea typeface="+mn-ea"/>
-                <a:cs typeface="+mn-cs"/>
-              </a:defRPr>
-            </a:lvl8pPr>
-            <a:lvl9pPr marL="3886200" indent="-228600" algn="l" defTabSz="914400" rtl="0" eaLnBrk="1" latinLnBrk="0" hangingPunct="1">
-              <a:lnSpc>
-                <a:spcPct val="90000"/>
-              </a:lnSpc>
-              <a:spcBef>
-                <a:spcPts val="500"/>
-              </a:spcBef>
-              <a:buFont typeface="Arial" panose="020B0604020202020204" pitchFamily="34" charset="0"/>
-              <a:buChar char="•"/>
-              <a:defRPr sz="1800" kern="1200">
-                <a:solidFill>
-                  <a:schemeClr val="tx1"/>
-                </a:solidFill>
-                <a:latin typeface="+mn-lt"/>
-                <a:ea typeface="+mn-ea"/>
-                <a:cs typeface="+mn-cs"/>
-              </a:defRPr>
-            </a:lvl9pPr>
-          </a:lstStyle>
-          <a:p>
-            <a:pPr marL="0" indent="0">
-              <a:buFont typeface="Arial" panose="020B0604020202020204" pitchFamily="34" charset="0"/>
-              <a:buNone/>
-            </a:pPr>
-            <a:r>
-              <a:rPr lang="en-US" sz="2400" b="1" dirty="0">
-                <a:solidFill>
-                  <a:schemeClr val="accent2"/>
-                </a:solidFill>
-                <a:latin typeface="Helvetica" pitchFamily="2" charset="0"/>
-              </a:rPr>
-              <a:t>Parameter Prior</a:t>
-            </a:r>
-          </a:p>
-          <a:p>
-            <a:pPr marL="0" indent="0">
-              <a:buFont typeface="Arial" panose="020B0604020202020204" pitchFamily="34" charset="0"/>
-              <a:buNone/>
-            </a:pPr>
-            <a:endParaRPr lang="en-US" sz="1800" dirty="0">
-              <a:latin typeface="Helvetica" pitchFamily="2" charset="0"/>
-            </a:endParaRPr>
-          </a:p>
-          <a:p>
-            <a:pPr marL="0" indent="0">
-              <a:buFont typeface="Arial" panose="020B0604020202020204" pitchFamily="34" charset="0"/>
-              <a:buNone/>
-            </a:pPr>
-            <a:r>
-              <a:rPr lang="en-US" sz="1800" dirty="0">
-                <a:latin typeface="Helvetica" pitchFamily="2" charset="0"/>
-              </a:rPr>
-              <a:t>What prior assumptions do I have about the strength of the edge weights? </a:t>
-            </a:r>
-          </a:p>
-        </p:txBody>
-      </p:sp>
-      <p:pic>
-        <p:nvPicPr>
-          <p:cNvPr id="9" name="Picture 8" descr="A white text with black text&#10;&#10;Description automatically generated">
-            <a:extLst>
-              <a:ext uri="{FF2B5EF4-FFF2-40B4-BE49-F238E27FC236}">
-                <a16:creationId xmlns:a16="http://schemas.microsoft.com/office/drawing/2014/main" id="{F9C77661-ACF8-A909-12A5-EEB8A536633B}"/>
-              </a:ext>
-            </a:extLst>
-          </p:cNvPr>
-          <p:cNvPicPr>
-            <a:picLocks noChangeAspect="1"/>
-          </p:cNvPicPr>
-          <p:nvPr/>
-        </p:nvPicPr>
-        <p:blipFill rotWithShape="1">
-          <a:blip r:embed="rId3"/>
-          <a:srcRect l="2678"/>
-          <a:stretch/>
-        </p:blipFill>
-        <p:spPr>
-          <a:xfrm>
-            <a:off x="2243892" y="3694287"/>
-            <a:ext cx="7279106" cy="2900985"/>
-          </a:xfrm>
-          <a:prstGeom prst="rect">
-            <a:avLst/>
-          </a:prstGeom>
-        </p:spPr>
-      </p:pic>
-      <p:sp>
-        <p:nvSpPr>
-          <p:cNvPr id="4" name="Rectangle 3">
-            <a:extLst>
-              <a:ext uri="{FF2B5EF4-FFF2-40B4-BE49-F238E27FC236}">
-                <a16:creationId xmlns:a16="http://schemas.microsoft.com/office/drawing/2014/main" id="{8062C01B-9E8C-FA5A-1A77-3DBAF8936B61}"/>
-              </a:ext>
-            </a:extLst>
-          </p:cNvPr>
-          <p:cNvSpPr/>
-          <p:nvPr/>
-        </p:nvSpPr>
-        <p:spPr>
-          <a:xfrm>
-            <a:off x="5323840" y="5435600"/>
-            <a:ext cx="2001520" cy="213360"/>
-          </a:xfrm>
-          <a:prstGeom prst="rect">
-            <a:avLst/>
-          </a:prstGeom>
-          <a:solidFill>
-            <a:schemeClr val="bg1"/>
-          </a:solidFill>
-          <a:ln>
-            <a:solidFill>
-              <a:schemeClr val="bg1"/>
-            </a:solidFill>
-          </a:ln>
-        </p:spPr>
-        <p:style>
-          <a:lnRef idx="2">
-            <a:schemeClr val="accent1">
-              <a:shade val="15000"/>
-            </a:schemeClr>
-          </a:lnRef>
-          <a:fillRef idx="1">
-            <a:schemeClr val="accent1"/>
-          </a:fillRef>
-          <a:effectRef idx="0">
-            <a:schemeClr val="accent1"/>
-          </a:effectRef>
-          <a:fontRef idx="minor">
-            <a:schemeClr val="lt1"/>
-          </a:fontRef>
-        </p:style>
-        <p:txBody>
-          <a:bodyPr rtlCol="0" anchor="ctr"/>
-          <a:lstStyle/>
-          <a:p>
-            <a:pPr algn="ctr"/>
-            <a:endParaRPr lang="en-US"/>
-          </a:p>
-        </p:txBody>
-      </p:sp>
-      <p:cxnSp>
-        <p:nvCxnSpPr>
-          <p:cNvPr id="10" name="Straight Connector 9">
-            <a:extLst>
-              <a:ext uri="{FF2B5EF4-FFF2-40B4-BE49-F238E27FC236}">
-                <a16:creationId xmlns:a16="http://schemas.microsoft.com/office/drawing/2014/main" id="{161D4A7A-6043-1FA1-2E88-A316E64CF093}"/>
-              </a:ext>
-            </a:extLst>
-          </p:cNvPr>
-          <p:cNvCxnSpPr/>
-          <p:nvPr/>
-        </p:nvCxnSpPr>
-        <p:spPr>
-          <a:xfrm>
-            <a:off x="5883445" y="4442691"/>
-            <a:ext cx="683610" cy="0"/>
-          </a:xfrm>
-          <a:prstGeom prst="line">
-            <a:avLst/>
-          </a:prstGeom>
-          <a:ln/>
-        </p:spPr>
-        <p:style>
-          <a:lnRef idx="3">
-            <a:schemeClr val="accent6"/>
-          </a:lnRef>
-          <a:fillRef idx="0">
-            <a:schemeClr val="accent6"/>
-          </a:fillRef>
-          <a:effectRef idx="2">
-            <a:schemeClr val="accent6"/>
-          </a:effectRef>
-          <a:fontRef idx="minor">
-            <a:schemeClr val="tx1"/>
-          </a:fontRef>
-        </p:style>
-      </p:cxnSp>
-      <p:sp>
-        <p:nvSpPr>
-          <p:cNvPr id="11" name="TextBox 10">
-            <a:extLst>
-              <a:ext uri="{FF2B5EF4-FFF2-40B4-BE49-F238E27FC236}">
-                <a16:creationId xmlns:a16="http://schemas.microsoft.com/office/drawing/2014/main" id="{A7CCDD77-8281-D4E6-58E1-E8978FB6464C}"/>
-              </a:ext>
-            </a:extLst>
-          </p:cNvPr>
-          <p:cNvSpPr txBox="1"/>
-          <p:nvPr/>
-        </p:nvSpPr>
-        <p:spPr>
-          <a:xfrm>
-            <a:off x="6574362" y="4273414"/>
-            <a:ext cx="1173018" cy="338554"/>
-          </a:xfrm>
-          <a:prstGeom prst="rect">
-            <a:avLst/>
-          </a:prstGeom>
-          <a:noFill/>
-        </p:spPr>
-        <p:txBody>
-          <a:bodyPr wrap="square" rtlCol="0">
-            <a:spAutoFit/>
-          </a:bodyPr>
-          <a:lstStyle/>
-          <a:p>
-            <a:r>
-              <a:rPr lang="en-US" sz="1600" b="1" dirty="0">
-                <a:latin typeface="Courier New" panose="02070309020205020404" pitchFamily="49" charset="0"/>
-                <a:cs typeface="Courier New" panose="02070309020205020404" pitchFamily="49" charset="0"/>
-              </a:rPr>
-              <a:t>scale</a:t>
-            </a:r>
-            <a:endParaRPr lang="en-NL" sz="1600" b="1" dirty="0">
-              <a:latin typeface="Courier New" panose="02070309020205020404" pitchFamily="49" charset="0"/>
-              <a:cs typeface="Courier New" panose="02070309020205020404" pitchFamily="49" charset="0"/>
-            </a:endParaRPr>
-          </a:p>
-        </p:txBody>
-      </p:sp>
-    </p:spTree>
-    <p:extLst>
-      <p:ext uri="{BB962C8B-B14F-4D97-AF65-F5344CB8AC3E}">
-        <p14:creationId xmlns:p14="http://schemas.microsoft.com/office/powerpoint/2010/main" val="4221003262"/>
       </p:ext>
     </p:extLst>
   </p:cSld>
@@ -24424,7 +24050,7 @@
         </p:blipFill>
         <p:spPr>
           <a:xfrm>
-            <a:off x="1903147" y="1473200"/>
+            <a:off x="2192642" y="3179596"/>
             <a:ext cx="6041355" cy="1477669"/>
           </a:xfrm>
           <a:prstGeom prst="rect">
@@ -24579,51 +24205,6 @@
           </a:p>
         </p:txBody>
       </p:sp>
-      <p:pic>
-        <p:nvPicPr>
-          <p:cNvPr id="1026" name="Picture 2" descr="A graphical representation of a Bayes factor classification table. As... |  Download Scientific Diagram">
-            <a:extLst>
-              <a:ext uri="{FF2B5EF4-FFF2-40B4-BE49-F238E27FC236}">
-                <a16:creationId xmlns:a16="http://schemas.microsoft.com/office/drawing/2014/main" id="{E6111508-5378-3625-D848-6EE47B91B663}"/>
-              </a:ext>
-            </a:extLst>
-          </p:cNvPr>
-          <p:cNvPicPr>
-            <a:picLocks noChangeAspect="1" noChangeArrowheads="1"/>
-          </p:cNvPicPr>
-          <p:nvPr/>
-        </p:nvPicPr>
-        <p:blipFill rotWithShape="1">
-          <a:blip r:embed="rId4">
-            <a:extLst>
-              <a:ext uri="{28A0092B-C50C-407E-A947-70E740481C1C}">
-                <a14:useLocalDpi xmlns:a14="http://schemas.microsoft.com/office/drawing/2010/main" val="0"/>
-              </a:ext>
-            </a:extLst>
-          </a:blip>
-          <a:srcRect b="62634"/>
-          <a:stretch/>
-        </p:blipFill>
-        <p:spPr bwMode="auto">
-          <a:xfrm>
-            <a:off x="0" y="4025109"/>
-            <a:ext cx="12192000" cy="1597176"/>
-          </a:xfrm>
-          <a:prstGeom prst="rect">
-            <a:avLst/>
-          </a:prstGeom>
-          <a:noFill/>
-          <a:extLst>
-            <a:ext uri="{909E8E84-426E-40DD-AFC4-6F175D3DCCD1}">
-              <a14:hiddenFill xmlns:a14="http://schemas.microsoft.com/office/drawing/2010/main">
-                <a:solidFill>
-                  <a:srgbClr val="FFFFFF"/>
-                </a:solidFill>
-              </a14:hiddenFill>
-            </a:ext>
-          </a:extLst>
-        </p:spPr>
-      </p:pic>
       <p:sp>
         <p:nvSpPr>
           <p:cNvPr id="36" name="Rectangle 35">
@@ -24638,7 +24219,7 @@
         </p:nvSpPr>
         <p:spPr>
           <a:xfrm>
-            <a:off x="56763" y="3227502"/>
+            <a:off x="374594" y="5850386"/>
             <a:ext cx="10242268" cy="500281"/>
           </a:xfrm>
           <a:prstGeom prst="rect">
@@ -24677,7 +24258,7 @@
                 <a:latin typeface="Helvetica" pitchFamily="2" charset="0"/>
                 <a:cs typeface="Times New Roman" panose="02020603050405020304" pitchFamily="18" charset="0"/>
               </a:rPr>
-              <a:t>Bayes factor as a </a:t>
+              <a:t>We use the Bayes factor as a </a:t>
             </a:r>
             <a:r>
               <a:rPr lang="en-US" sz="2800" b="1" dirty="0">
@@ -24704,256 +24285,64 @@
       </p:sp>
       <p:pic>
         <p:nvPicPr>
-          <p:cNvPr id="37" name="Picture 2" descr="A graphical representation of a Bayes factor classification table. As... |  Download Scientific Diagram">
+          <p:cNvPr id="4" name="Picture 3">
             <a:extLst>
               <a:ext uri="{FF2B5EF4-FFF2-40B4-BE49-F238E27FC236}">
-                <a16:creationId xmlns:a16="http://schemas.microsoft.com/office/drawing/2014/main" id="{0B50D8D2-61CE-BD4A-4DF6-C82C47D9CE22}"/>
+                <a16:creationId xmlns:a16="http://schemas.microsoft.com/office/drawing/2014/main" id="{9E25C10F-B7D4-4B02-A06D-2E4D4D904DE5}"/>
               </a:ext>
             </a:extLst>
           </p:cNvPr>
           <p:cNvPicPr>
-            <a:picLocks noChangeAspect="1" noChangeArrowheads="1"/>
+            <a:picLocks noChangeAspect="1"/>
           </p:cNvPicPr>
           <p:nvPr/>
         </p:nvPicPr>
-        <p:blipFill rotWithShape="1">
-          <a:blip r:embed="rId4">
-            <a:extLst>
-              <a:ext uri="{28A0092B-C50C-407E-A947-70E740481C1C}">
-                <a14:useLocalDpi xmlns:a14="http://schemas.microsoft.com/office/drawing/2010/main" val="0"/>
-              </a:ext>
-            </a:extLst>
-          </a:blip>
-          <a:srcRect l="-134" t="66416" r="134" b="9259"/>
-          <a:stretch/>
+        <p:blipFill>
+          <a:blip r:embed="rId4"/>
+          <a:stretch>
+            <a:fillRect/>
+          </a:stretch>
         </p:blipFill>
-        <p:spPr bwMode="auto">
+        <p:spPr>
           <a:xfrm>
-            <a:off x="0" y="5783783"/>
-            <a:ext cx="12192000" cy="1039742"/>
+            <a:off x="457200" y="1642588"/>
+            <a:ext cx="9434882" cy="415134"/>
           </a:xfrm>
           <a:prstGeom prst="rect">
             <a:avLst/>
           </a:prstGeom>
-          <a:noFill/>
-          <a:extLst>
-            <a:ext uri="{909E8E84-426E-40DD-AFC4-6F175D3DCCD1}">
-              <a14:hiddenFill xmlns:a14="http://schemas.microsoft.com/office/drawing/2010/main">
-                <a:solidFill>
-                  <a:srgbClr val="FFFFFF"/>
-                </a:solidFill>
-              </a14:hiddenFill>
-            </a:ext>
-          </a:extLst>
         </p:spPr>
       </p:pic>
-      <p:sp>
-        <p:nvSpPr>
-          <p:cNvPr id="17" name="Rectangle 16">
+      <p:pic>
+        <p:nvPicPr>
+          <p:cNvPr id="6" name="Picture 5">
             <a:extLst>
               <a:ext uri="{FF2B5EF4-FFF2-40B4-BE49-F238E27FC236}">
-                <a16:creationId xmlns:a16="http://schemas.microsoft.com/office/drawing/2014/main" id="{A2EDA60D-5551-30CA-5E95-57CF060BD0B3}"/>
+                <a16:creationId xmlns:a16="http://schemas.microsoft.com/office/drawing/2014/main" id="{37EA275F-4CB9-A874-E184-FD054AD84DD8}"/>
               </a:ext>
             </a:extLst>
           </p:cNvPr>
-          <p:cNvSpPr/>
+          <p:cNvPicPr>
+            <a:picLocks noChangeAspect="1"/>
+          </p:cNvPicPr>
           <p:nvPr/>
-        </p:nvSpPr>
+        </p:nvPicPr>
+        <p:blipFill>
+          <a:blip r:embed="rId5"/>
+          <a:stretch>
+            <a:fillRect/>
+          </a:stretch>
+        </p:blipFill>
         <p:spPr>
           <a:xfrm>
-            <a:off x="8876150" y="4025109"/>
-            <a:ext cx="3315850" cy="2845591"/>
+            <a:off x="457200" y="2308754"/>
+            <a:ext cx="9434882" cy="415134"/>
           </a:xfrm>
           <a:prstGeom prst="rect">
             <a:avLst/>
           </a:prstGeom>
-          <a:solidFill>
-            <a:schemeClr val="accent1">
-              <a:lumMod val="75000"/>
-              <a:alpha val="57630"/>
-            </a:schemeClr>
-          </a:solidFill>
-          <a:ln>
-            <a:noFill/>
-          </a:ln>
         </p:spPr>
-        <p:style>
-          <a:lnRef idx="2">
-            <a:schemeClr val="accent1">
-              <a:shade val="50000"/>
-            </a:schemeClr>
-          </a:lnRef>
-          <a:fillRef idx="1">
-            <a:schemeClr val="accent1"/>
-          </a:fillRef>
-          <a:effectRef idx="0">
-            <a:schemeClr val="accent1"/>
-          </a:effectRef>
-          <a:fontRef idx="minor">
-            <a:schemeClr val="lt1"/>
-          </a:fontRef>
-        </p:style>
-        <p:txBody>
-          <a:bodyPr rtlCol="0" anchor="ctr"/>
-          <a:lstStyle/>
-          <a:p>
-            <a:pPr algn="ctr"/>
-            <a:endParaRPr lang="en-US"/>
-          </a:p>
-        </p:txBody>
-      </p:sp>
-      <p:sp>
-        <p:nvSpPr>
-          <p:cNvPr id="18" name="Rectangle 17">
-            <a:extLst>
-              <a:ext uri="{FF2B5EF4-FFF2-40B4-BE49-F238E27FC236}">
-                <a16:creationId xmlns:a16="http://schemas.microsoft.com/office/drawing/2014/main" id="{566A9B5D-DBD5-7480-A0B5-1D664BA45E89}"/>
-              </a:ext>
-            </a:extLst>
-          </p:cNvPr>
-          <p:cNvSpPr/>
-          <p:nvPr/>
-        </p:nvSpPr>
-        <p:spPr>
-          <a:xfrm>
-            <a:off x="0" y="4025109"/>
-            <a:ext cx="3315850" cy="2845591"/>
-          </a:xfrm>
-          <a:prstGeom prst="rect">
-            <a:avLst/>
-          </a:prstGeom>
-          <a:solidFill>
-            <a:srgbClr val="C00000">
-              <a:alpha val="57630"/>
-            </a:srgbClr>
-          </a:solidFill>
-          <a:ln>
-            <a:noFill/>
-          </a:ln>
-        </p:spPr>
-        <p:style>
-          <a:lnRef idx="2">
-            <a:schemeClr val="accent1">
-              <a:shade val="50000"/>
-            </a:schemeClr>
-          </a:lnRef>
-          <a:fillRef idx="1">
-            <a:schemeClr val="accent1"/>
-          </a:fillRef>
-          <a:effectRef idx="0">
-            <a:schemeClr val="accent1"/>
-          </a:effectRef>
-          <a:fontRef idx="minor">
-            <a:schemeClr val="lt1"/>
-          </a:fontRef>
-        </p:style>
-        <p:txBody>
-          <a:bodyPr rtlCol="0" anchor="ctr"/>
-          <a:lstStyle/>
-          <a:p>
-            <a:pPr algn="ctr"/>
-            <a:endParaRPr lang="en-US"/>
-          </a:p>
-        </p:txBody>
-      </p:sp>
-      <p:sp>
-        <p:nvSpPr>
-          <p:cNvPr id="20" name="Rectangle 19">
-            <a:extLst>
-              <a:ext uri="{FF2B5EF4-FFF2-40B4-BE49-F238E27FC236}">
-                <a16:creationId xmlns:a16="http://schemas.microsoft.com/office/drawing/2014/main" id="{AD292C16-86A7-8F3F-F150-63162DA30ADD}"/>
-              </a:ext>
-            </a:extLst>
-          </p:cNvPr>
-          <p:cNvSpPr/>
-          <p:nvPr/>
-        </p:nvSpPr>
-        <p:spPr>
-          <a:xfrm>
-            <a:off x="3315850" y="4025109"/>
-            <a:ext cx="5560300" cy="2845591"/>
-          </a:xfrm>
-          <a:prstGeom prst="rect">
-            <a:avLst/>
-          </a:prstGeom>
-          <a:solidFill>
-            <a:schemeClr val="bg1">
-              <a:lumMod val="65000"/>
-              <a:alpha val="57630"/>
-            </a:schemeClr>
-          </a:solidFill>
-          <a:ln>
-            <a:noFill/>
-          </a:ln>
-        </p:spPr>
-        <p:style>
-          <a:lnRef idx="2">
-            <a:schemeClr val="accent1">
-              <a:shade val="50000"/>
-            </a:schemeClr>
-          </a:lnRef>
-          <a:fillRef idx="1">
-            <a:schemeClr val="accent1"/>
-          </a:fillRef>
-          <a:effectRef idx="0">
-            <a:schemeClr val="accent1"/>
-          </a:effectRef>
-          <a:fontRef idx="minor">
-            <a:schemeClr val="lt1"/>
-          </a:fontRef>
-        </p:style>
-        <p:txBody>
-          <a:bodyPr rtlCol="0" anchor="ctr"/>
-          <a:lstStyle/>
-          <a:p>
-            <a:pPr algn="ctr"/>
-            <a:endParaRPr lang="en-US"/>
-          </a:p>
-        </p:txBody>
-      </p:sp>
-      <p:cxnSp>
-        <p:nvCxnSpPr>
-          <p:cNvPr id="5" name="Straight Connector 4">
-            <a:extLst>
-              <a:ext uri="{FF2B5EF4-FFF2-40B4-BE49-F238E27FC236}">
-                <a16:creationId xmlns:a16="http://schemas.microsoft.com/office/drawing/2014/main" id="{4E421DC1-6A78-9398-BF58-DF59B2549E4A}"/>
-              </a:ext>
-            </a:extLst>
-          </p:cNvPr>
-          <p:cNvCxnSpPr>
-            <a:endCxn id="20" idx="2"/>
-          </p:cNvCxnSpPr>
-          <p:nvPr/>
-        </p:nvCxnSpPr>
-        <p:spPr>
-          <a:xfrm>
-            <a:off x="6096000" y="3727783"/>
-            <a:ext cx="0" cy="3142917"/>
-          </a:xfrm>
-          <a:prstGeom prst="line">
-            <a:avLst/>
-          </a:prstGeom>
-          <a:ln w="38100">
-            <a:solidFill>
-              <a:schemeClr val="tx1"/>
-            </a:solidFill>
-          </a:ln>
-        </p:spPr>
-        <p:style>
-          <a:lnRef idx="1">
-            <a:schemeClr val="accent1"/>
-          </a:lnRef>
-          <a:fillRef idx="0">
-            <a:schemeClr val="accent1"/>
-          </a:fillRef>
-          <a:effectRef idx="0">
-            <a:schemeClr val="accent1"/>
-          </a:effectRef>
-          <a:fontRef idx="minor">
-            <a:schemeClr val="tx1"/>
-          </a:fontRef>
-        </p:style>
-      </p:cxnSp>
+      </p:pic>
     </p:spTree>
     <p:extLst>
       <p:ext uri="{BB962C8B-B14F-4D97-AF65-F5344CB8AC3E}">
@@ -25017,240 +24406,6 @@
                       </p:childTnLst>
                     </p:cTn>
                   </p:par>
-                  <p:par>
-                    <p:cTn id="7" fill="hold">
-                      <p:stCondLst>
-                        <p:cond delay="indefinite"/>
-                      </p:stCondLst>
-                      <p:childTnLst>
-                        <p:par>
-                          <p:cTn id="8" fill="hold">
-                            <p:stCondLst>
-                              <p:cond delay="0"/>
-                            </p:stCondLst>
-                            <p:childTnLst>
-                              <p:par>
-                                <p:cTn id="9" presetID="1" presetClass="entr" presetSubtype="0" fill="hold" nodeType="clickEffect">
-                                  <p:stCondLst>
-                                    <p:cond delay="0"/>
-                                  </p:stCondLst>
-                                  <p:childTnLst>
-                                    <p:set>
-                                      <p:cBhvr>
-                                        <p:cTn id="10" dur="1" fill="hold">
-                                          <p:stCondLst>
-                                            <p:cond delay="0"/>
-                                          </p:stCondLst>
-                                        </p:cTn>
-                                        <p:tgtEl>
-                                          <p:spTgt spid="1026"/>
-                                        </p:tgtEl>
-                                        <p:attrNameLst>
-                                          <p:attrName>style.visibility</p:attrName>
-                                        </p:attrNameLst>
-                                      </p:cBhvr>
-                                      <p:to>
-                                        <p:strVal val="visible"/>
-                                      </p:to>
-                                    </p:set>
-                                  </p:childTnLst>
-                                </p:cTn>
-                              </p:par>
-                            </p:childTnLst>
-                          </p:cTn>
-                        </p:par>
-                      </p:childTnLst>
-                    </p:cTn>
-                  </p:par>
-                  <p:par>
-                    <p:cTn id="11" fill="hold">
-                      <p:stCondLst>
-                        <p:cond delay="indefinite"/>
-                      </p:stCondLst>
-                      <p:childTnLst>
-                        <p:par>
-                          <p:cTn id="12" fill="hold">
-                            <p:stCondLst>
-                              <p:cond delay="0"/>
-                            </p:stCondLst>
-                            <p:childTnLst>
-                              <p:par>
-                                <p:cTn id="13" presetID="1" presetClass="entr" presetSubtype="0" fill="hold" nodeType="clickEffect">
-                                  <p:stCondLst>
-                                    <p:cond delay="0"/>
-                                  </p:stCondLst>
-                                  <p:childTnLst>
-                                    <p:set>
-                                      <p:cBhvr>
-                                        <p:cTn id="14" dur="1" fill="hold">
-                                          <p:stCondLst>
-                                            <p:cond delay="0"/>
-                                          </p:stCondLst>
-                                        </p:cTn>
-                                        <p:tgtEl>
-                                          <p:spTgt spid="37"/>
-                                        </p:tgtEl>
-                                        <p:attrNameLst>
-                                          <p:attrName>style.visibility</p:attrName>
-                                        </p:attrNameLst>
-                                      </p:cBhvr>
-                                      <p:to>
-                                        <p:strVal val="visible"/>
-                                      </p:to>
-                                    </p:set>
-                                  </p:childTnLst>
-                                </p:cTn>
-                              </p:par>
-                            </p:childTnLst>
-                          </p:cTn>
-                        </p:par>
-                      </p:childTnLst>
-                    </p:cTn>
-                  </p:par>
-                  <p:par>
-                    <p:cTn id="15" fill="hold">
-                      <p:stCondLst>
-                        <p:cond delay="indefinite"/>
-                      </p:stCondLst>
-                      <p:childTnLst>
-                        <p:par>
-                          <p:cTn id="16" fill="hold">
-                            <p:stCondLst>
-                              <p:cond delay="0"/>
-                            </p:stCondLst>
-                            <p:childTnLst>
-                              <p:par>
-                                <p:cTn id="17" presetID="1" presetClass="entr" presetSubtype="0" fill="hold" grpId="0" nodeType="clickEffect">
-                                  <p:stCondLst>
-                                    <p:cond delay="0"/>
-                                  </p:stCondLst>
-                                  <p:childTnLst>
-                                    <p:set>
-                                      <p:cBhvr>
-                                        <p:cTn id="18" dur="1" fill="hold">
-                                          <p:stCondLst>
-                                            <p:cond delay="0"/>
-                                          </p:stCondLst>
-                                        </p:cTn>
-                                        <p:tgtEl>
-                                          <p:spTgt spid="17"/>
-                                        </p:tgtEl>
-                                        <p:attrNameLst>
-                                          <p:attrName>style.visibility</p:attrName>
-                                        </p:attrNameLst>
-                                      </p:cBhvr>
-                                      <p:to>
-                                        <p:strVal val="visible"/>
-                                      </p:to>
-                                    </p:set>
-                                  </p:childTnLst>
-                                </p:cTn>
-                              </p:par>
-                              <p:par>
-                                <p:cTn id="19" presetID="1" presetClass="entr" presetSubtype="0" fill="hold" grpId="0" nodeType="withEffect">
-                                  <p:stCondLst>
-                                    <p:cond delay="0"/>
-                                  </p:stCondLst>
-                                  <p:childTnLst>
-                                    <p:set>
-                                      <p:cBhvr>
-                                        <p:cTn id="20" dur="1" fill="hold">
-                                          <p:stCondLst>
-                                            <p:cond delay="0"/>
-                                          </p:stCondLst>
-                                        </p:cTn>
-                                        <p:tgtEl>
-                                          <p:spTgt spid="18"/>
-                                        </p:tgtEl>
-                                        <p:attrNameLst>
-                                          <p:attrName>style.visibility</p:attrName>
-                                        </p:attrNameLst>
-                                      </p:cBhvr>
-                                      <p:to>
-                                        <p:strVal val="visible"/>
-                                      </p:to>
-                                    </p:set>
-                                  </p:childTnLst>
-                                </p:cTn>
-                              </p:par>
-                              <p:par>
-                                <p:cTn id="21" presetID="1" presetClass="entr" presetSubtype="0" fill="hold" grpId="0" nodeType="withEffect">
-                                  <p:stCondLst>
-                                    <p:cond delay="0"/>
-                                  </p:stCondLst>
-                                  <p:childTnLst>
-                                    <p:set>
-                                      <p:cBhvr>
-                                        <p:cTn id="22" dur="1" fill="hold">
-                                          <p:stCondLst>
-                                            <p:cond delay="0"/>
-                                          </p:stCondLst>
-                                        </p:cTn>
-                                        <p:tgtEl>
-                                          <p:spTgt spid="20"/>
-                                        </p:tgtEl>
-                                        <p:attrNameLst>
-                                          <p:attrName>style.visibility</p:attrName>
-                                        </p:attrNameLst>
-                                      </p:cBhvr>
-                                      <p:to>
-                                        <p:strVal val="visible"/>
-                                      </p:to>
-                                    </p:set>
-                                  </p:childTnLst>
-                                </p:cTn>
-                              </p:par>
-                            </p:childTnLst>
-                          </p:cTn>
-                        </p:par>
-                      </p:childTnLst>
-                    </p:cTn>
-                  </p:par>
-                  <p:par>
-                    <p:cTn id="23" fill="hold">
-                      <p:stCondLst>
-                        <p:cond delay="indefinite"/>
-                      </p:stCondLst>
-                      <p:childTnLst>
-                        <p:par>
-                          <p:cTn id="24" fill="hold">
-                            <p:stCondLst>
-                              <p:cond delay="0"/>
-                            </p:stCondLst>
-                            <p:childTnLst>
-                              <p:par>
-                                <p:cTn id="25" presetID="1" presetClass="entr" presetSubtype="0" fill="hold" nodeType="clickEffect">
-                                  <p:stCondLst>
-                                    <p:cond delay="0"/>
-                                  </p:stCondLst>
-                                  <p:childTnLst>
-                                    <p:set>
-                                      <p:cBhvr>
-                                        <p:cTn id="26" dur="1" fill="hold">
-                                          <p:stCondLst>
-                                            <p:cond delay="0"/>
-                                          </p:stCondLst>
-                                        </p:cTn>
-                                        <p:tgtEl>
-                                          <p:spTgt spid="5"/>
-                                        </p:tgtEl>
-                                        <p:attrNameLst>
-                                          <p:attrName>style.visibility</p:attrName>
-                                        </p:attrNameLst>
-                                      </p:cBhvr>
-                                      <p:to>
-                                        <p:strVal val="visible"/>
-                                      </p:to>
-                                    </p:set>
-                                  </p:childTnLst>
-                                </p:cTn>
-                              </p:par>
-                            </p:childTnLst>
-                          </p:cTn>
-                        </p:par>
-                      </p:childTnLst>
-                    </p:cTn>
-                  </p:par>
                 </p:childTnLst>
               </p:cTn>
               <p:prevCondLst>
@@ -25274,9 +24429,6 @@
     </p:tnLst>
     <p:bldLst>
       <p:bldP spid="36" grpId="0"/>
-      <p:bldP spid="17" grpId="0" animBg="1"/>
-      <p:bldP spid="18" grpId="0" animBg="1"/>
-      <p:bldP spid="20" grpId="0" animBg="1"/>
     </p:bldLst>
   </p:timing>
 </p:sld>

--- a/2_Tutorial/Part III - Tutorial.pptx
+++ b/2_Tutorial/Part III - Tutorial.pptx
@@ -5,12 +5,12 @@
     <p:sldMasterId id="2147483726" r:id="rId1"/>
   </p:sldMasterIdLst>
   <p:notesMasterIdLst>
-    <p:notesMasterId r:id="rId21"/>
+    <p:notesMasterId r:id="rId22"/>
   </p:notesMasterIdLst>
   <p:sldIdLst>
     <p:sldId id="346" r:id="rId2"/>
     <p:sldId id="660" r:id="rId3"/>
-    <p:sldId id="661" r:id="rId4"/>
+    <p:sldId id="664" r:id="rId4"/>
     <p:sldId id="604" r:id="rId5"/>
     <p:sldId id="266" r:id="rId6"/>
     <p:sldId id="300" r:id="rId7"/>
@@ -18,15 +18,16 @@
     <p:sldId id="596" r:id="rId9"/>
     <p:sldId id="606" r:id="rId10"/>
     <p:sldId id="592" r:id="rId11"/>
-    <p:sldId id="327" r:id="rId12"/>
-    <p:sldId id="603" r:id="rId13"/>
-    <p:sldId id="602" r:id="rId14"/>
-    <p:sldId id="605" r:id="rId15"/>
-    <p:sldId id="594" r:id="rId16"/>
-    <p:sldId id="629" r:id="rId17"/>
-    <p:sldId id="662" r:id="rId18"/>
-    <p:sldId id="663" r:id="rId19"/>
-    <p:sldId id="630" r:id="rId20"/>
+    <p:sldId id="665" r:id="rId12"/>
+    <p:sldId id="327" r:id="rId13"/>
+    <p:sldId id="605" r:id="rId14"/>
+    <p:sldId id="594" r:id="rId15"/>
+    <p:sldId id="603" r:id="rId16"/>
+    <p:sldId id="602" r:id="rId17"/>
+    <p:sldId id="629" r:id="rId18"/>
+    <p:sldId id="662" r:id="rId19"/>
+    <p:sldId id="663" r:id="rId20"/>
+    <p:sldId id="630" r:id="rId21"/>
   </p:sldIdLst>
   <p:sldSz cx="12192000" cy="6858000"/>
   <p:notesSz cx="6858000" cy="9144000"/>
@@ -136,7 +137,7 @@
 <file path=ppt/revisionInfo.xml><?xml version="1.0" encoding="utf-8"?>
 <p1510:revInfo xmlns:a="http://schemas.openxmlformats.org/drawingml/2006/main" xmlns:r="http://schemas.openxmlformats.org/officeDocument/2006/relationships" xmlns:p1510="http://schemas.microsoft.com/office/powerpoint/2015/10/main">
   <p1510:revLst>
-    <p1510:client id="{E9D0067C-498F-4541-B9C7-5E6A919B1BEC}" v="268" dt="2024-10-10T11:47:05.404"/>
+    <p1510:client id="{E9D0067C-498F-4541-B9C7-5E6A919B1BEC}" v="290" dt="2024-10-15T16:36:09.788"/>
   </p1510:revLst>
 </p1510:revInfo>
 </file>
@@ -9560,17 +9561,80 @@
   </pc:docChgLst>
   <pc:docChgLst>
     <pc:chgData name="Nikola Sekulovski" userId="2345901e-73d2-462d-8b82-8af2d9a2a087" providerId="ADAL" clId="{E9D0067C-498F-4541-B9C7-5E6A919B1BEC}"/>
-    <pc:docChg chg="undo redo custSel delSld modSld sldOrd">
-      <pc:chgData name="Nikola Sekulovski" userId="2345901e-73d2-462d-8b82-8af2d9a2a087" providerId="ADAL" clId="{E9D0067C-498F-4541-B9C7-5E6A919B1BEC}" dt="2024-10-10T11:47:16.292" v="368" actId="2696"/>
+    <pc:docChg chg="undo redo custSel addSld delSld modSld sldOrd">
+      <pc:chgData name="Nikola Sekulovski" userId="2345901e-73d2-462d-8b82-8af2d9a2a087" providerId="ADAL" clId="{E9D0067C-498F-4541-B9C7-5E6A919B1BEC}" dt="2024-10-15T16:50:46.334" v="537"/>
       <pc:docMkLst>
         <pc:docMk/>
       </pc:docMkLst>
+      <pc:sldChg chg="modSp mod">
+        <pc:chgData name="Nikola Sekulovski" userId="2345901e-73d2-462d-8b82-8af2d9a2a087" providerId="ADAL" clId="{E9D0067C-498F-4541-B9C7-5E6A919B1BEC}" dt="2024-10-15T16:31:56.446" v="485" actId="208"/>
+        <pc:sldMkLst>
+          <pc:docMk/>
+          <pc:sldMk cId="4077302" sldId="266"/>
+        </pc:sldMkLst>
+        <pc:spChg chg="mod">
+          <ac:chgData name="Nikola Sekulovski" userId="2345901e-73d2-462d-8b82-8af2d9a2a087" providerId="ADAL" clId="{E9D0067C-498F-4541-B9C7-5E6A919B1BEC}" dt="2024-10-15T14:39:45.373" v="425" actId="207"/>
+          <ac:spMkLst>
+            <pc:docMk/>
+            <pc:sldMk cId="4077302" sldId="266"/>
+            <ac:spMk id="3" creationId="{983063D7-84F4-1C9B-0041-6988123FB1A3}"/>
+          </ac:spMkLst>
+        </pc:spChg>
+        <pc:spChg chg="mod">
+          <ac:chgData name="Nikola Sekulovski" userId="2345901e-73d2-462d-8b82-8af2d9a2a087" providerId="ADAL" clId="{E9D0067C-498F-4541-B9C7-5E6A919B1BEC}" dt="2024-10-15T14:39:56.650" v="427" actId="207"/>
+          <ac:spMkLst>
+            <pc:docMk/>
+            <pc:sldMk cId="4077302" sldId="266"/>
+            <ac:spMk id="4" creationId="{ADBE3CE7-C89B-8154-28E8-9934CD184937}"/>
+          </ac:spMkLst>
+        </pc:spChg>
+        <pc:spChg chg="mod">
+          <ac:chgData name="Nikola Sekulovski" userId="2345901e-73d2-462d-8b82-8af2d9a2a087" providerId="ADAL" clId="{E9D0067C-498F-4541-B9C7-5E6A919B1BEC}" dt="2024-10-15T14:40:00.526" v="428" actId="1076"/>
+          <ac:spMkLst>
+            <pc:docMk/>
+            <pc:sldMk cId="4077302" sldId="266"/>
+            <ac:spMk id="5" creationId="{ED1D83C2-7DA5-D68E-FE43-8046E2A821C0}"/>
+          </ac:spMkLst>
+        </pc:spChg>
+        <pc:spChg chg="mod">
+          <ac:chgData name="Nikola Sekulovski" userId="2345901e-73d2-462d-8b82-8af2d9a2a087" providerId="ADAL" clId="{E9D0067C-498F-4541-B9C7-5E6A919B1BEC}" dt="2024-10-15T14:39:41.589" v="424" actId="207"/>
+          <ac:spMkLst>
+            <pc:docMk/>
+            <pc:sldMk cId="4077302" sldId="266"/>
+            <ac:spMk id="20" creationId="{6F913B34-F3B0-083E-D953-98741688DFBF}"/>
+          </ac:spMkLst>
+        </pc:spChg>
+        <pc:cxnChg chg="mod">
+          <ac:chgData name="Nikola Sekulovski" userId="2345901e-73d2-462d-8b82-8af2d9a2a087" providerId="ADAL" clId="{E9D0067C-498F-4541-B9C7-5E6A919B1BEC}" dt="2024-10-15T16:31:56.446" v="485" actId="208"/>
+          <ac:cxnSpMkLst>
+            <pc:docMk/>
+            <pc:sldMk cId="4077302" sldId="266"/>
+            <ac:cxnSpMk id="21" creationId="{6D23BDD4-5742-3F02-68E1-D28D6A6DF85C}"/>
+          </ac:cxnSpMkLst>
+        </pc:cxnChg>
+        <pc:cxnChg chg="mod">
+          <ac:chgData name="Nikola Sekulovski" userId="2345901e-73d2-462d-8b82-8af2d9a2a087" providerId="ADAL" clId="{E9D0067C-498F-4541-B9C7-5E6A919B1BEC}" dt="2024-10-15T16:31:50.897" v="484" actId="208"/>
+          <ac:cxnSpMkLst>
+            <pc:docMk/>
+            <pc:sldMk cId="4077302" sldId="266"/>
+            <ac:cxnSpMk id="22" creationId="{D13B2879-64F8-881E-3DF7-7F3D21CEBA0B}"/>
+          </ac:cxnSpMkLst>
+        </pc:cxnChg>
+      </pc:sldChg>
       <pc:sldChg chg="addSp delSp modSp mod delAnim modAnim">
-        <pc:chgData name="Nikola Sekulovski" userId="2345901e-73d2-462d-8b82-8af2d9a2a087" providerId="ADAL" clId="{E9D0067C-498F-4541-B9C7-5E6A919B1BEC}" dt="2024-10-10T11:45:14.291" v="115" actId="1076"/>
+        <pc:chgData name="Nikola Sekulovski" userId="2345901e-73d2-462d-8b82-8af2d9a2a087" providerId="ADAL" clId="{E9D0067C-498F-4541-B9C7-5E6A919B1BEC}" dt="2024-10-15T16:32:08.034" v="487" actId="208"/>
         <pc:sldMkLst>
           <pc:docMk/>
           <pc:sldMk cId="149297165" sldId="300"/>
         </pc:sldMkLst>
+        <pc:spChg chg="mod">
+          <ac:chgData name="Nikola Sekulovski" userId="2345901e-73d2-462d-8b82-8af2d9a2a087" providerId="ADAL" clId="{E9D0067C-498F-4541-B9C7-5E6A919B1BEC}" dt="2024-10-15T14:40:31.893" v="429" actId="207"/>
+          <ac:spMkLst>
+            <pc:docMk/>
+            <pc:sldMk cId="149297165" sldId="300"/>
+            <ac:spMk id="8" creationId="{7C2C20C3-2FB0-4500-9631-5BD18DFFAEFB}"/>
+          </ac:spMkLst>
+        </pc:spChg>
         <pc:spChg chg="del">
           <ac:chgData name="Nikola Sekulovski" userId="2345901e-73d2-462d-8b82-8af2d9a2a087" providerId="ADAL" clId="{E9D0067C-498F-4541-B9C7-5E6A919B1BEC}" dt="2024-10-10T11:44:38.310" v="95" actId="21"/>
           <ac:spMkLst>
@@ -9596,7 +9660,7 @@
           </ac:spMkLst>
         </pc:spChg>
         <pc:spChg chg="mod">
-          <ac:chgData name="Nikola Sekulovski" userId="2345901e-73d2-462d-8b82-8af2d9a2a087" providerId="ADAL" clId="{E9D0067C-498F-4541-B9C7-5E6A919B1BEC}" dt="2024-10-10T11:44:58.899" v="110" actId="20577"/>
+          <ac:chgData name="Nikola Sekulovski" userId="2345901e-73d2-462d-8b82-8af2d9a2a087" providerId="ADAL" clId="{E9D0067C-498F-4541-B9C7-5E6A919B1BEC}" dt="2024-10-15T14:40:44.726" v="431" actId="115"/>
           <ac:spMkLst>
             <pc:docMk/>
             <pc:sldMk cId="149297165" sldId="300"/>
@@ -9643,12 +9707,310 @@
             <ac:picMk id="1026" creationId="{E6111508-5378-3625-D848-6EE47B91B663}"/>
           </ac:picMkLst>
         </pc:picChg>
+        <pc:cxnChg chg="mod">
+          <ac:chgData name="Nikola Sekulovski" userId="2345901e-73d2-462d-8b82-8af2d9a2a087" providerId="ADAL" clId="{E9D0067C-498F-4541-B9C7-5E6A919B1BEC}" dt="2024-10-15T16:32:03.599" v="486" actId="208"/>
+          <ac:cxnSpMkLst>
+            <pc:docMk/>
+            <pc:sldMk cId="149297165" sldId="300"/>
+            <ac:cxnSpMk id="2" creationId="{F1547CC5-A1C1-05CD-C077-C71455B7CE0F}"/>
+          </ac:cxnSpMkLst>
+        </pc:cxnChg>
         <pc:cxnChg chg="del mod">
           <ac:chgData name="Nikola Sekulovski" userId="2345901e-73d2-462d-8b82-8af2d9a2a087" providerId="ADAL" clId="{E9D0067C-498F-4541-B9C7-5E6A919B1BEC}" dt="2024-10-10T11:44:42.088" v="96" actId="21"/>
           <ac:cxnSpMkLst>
             <pc:docMk/>
             <pc:sldMk cId="149297165" sldId="300"/>
             <ac:cxnSpMk id="5" creationId="{4E421DC1-6A78-9398-BF58-DF59B2549E4A}"/>
+          </ac:cxnSpMkLst>
+        </pc:cxnChg>
+        <pc:cxnChg chg="mod">
+          <ac:chgData name="Nikola Sekulovski" userId="2345901e-73d2-462d-8b82-8af2d9a2a087" providerId="ADAL" clId="{E9D0067C-498F-4541-B9C7-5E6A919B1BEC}" dt="2024-10-15T16:32:08.034" v="487" actId="208"/>
+          <ac:cxnSpMkLst>
+            <pc:docMk/>
+            <pc:sldMk cId="149297165" sldId="300"/>
+            <ac:cxnSpMk id="7" creationId="{739F58F2-30E9-2AB8-FCBD-46A5232EA8A5}"/>
+          </ac:cxnSpMkLst>
+        </pc:cxnChg>
+      </pc:sldChg>
+      <pc:sldChg chg="modSp mod">
+        <pc:chgData name="Nikola Sekulovski" userId="2345901e-73d2-462d-8b82-8af2d9a2a087" providerId="ADAL" clId="{E9D0067C-498F-4541-B9C7-5E6A919B1BEC}" dt="2024-10-15T16:33:08.730" v="497" actId="208"/>
+        <pc:sldMkLst>
+          <pc:docMk/>
+          <pc:sldMk cId="1123499816" sldId="327"/>
+        </pc:sldMkLst>
+        <pc:spChg chg="mod">
+          <ac:chgData name="Nikola Sekulovski" userId="2345901e-73d2-462d-8b82-8af2d9a2a087" providerId="ADAL" clId="{E9D0067C-498F-4541-B9C7-5E6A919B1BEC}" dt="2024-10-15T14:41:32.489" v="436" actId="207"/>
+          <ac:spMkLst>
+            <pc:docMk/>
+            <pc:sldMk cId="1123499816" sldId="327"/>
+            <ac:spMk id="3" creationId="{42F44DFC-18A2-E24E-DFE2-74B05B1BA37D}"/>
+          </ac:spMkLst>
+        </pc:spChg>
+        <pc:spChg chg="mod">
+          <ac:chgData name="Nikola Sekulovski" userId="2345901e-73d2-462d-8b82-8af2d9a2a087" providerId="ADAL" clId="{E9D0067C-498F-4541-B9C7-5E6A919B1BEC}" dt="2024-10-15T14:41:32.489" v="436" actId="207"/>
+          <ac:spMkLst>
+            <pc:docMk/>
+            <pc:sldMk cId="1123499816" sldId="327"/>
+            <ac:spMk id="7" creationId="{A23C6444-576A-282A-ACED-109C82B4EDDB}"/>
+          </ac:spMkLst>
+        </pc:spChg>
+        <pc:cxnChg chg="mod">
+          <ac:chgData name="Nikola Sekulovski" userId="2345901e-73d2-462d-8b82-8af2d9a2a087" providerId="ADAL" clId="{E9D0067C-498F-4541-B9C7-5E6A919B1BEC}" dt="2024-10-15T16:33:05.558" v="496" actId="208"/>
+          <ac:cxnSpMkLst>
+            <pc:docMk/>
+            <pc:sldMk cId="1123499816" sldId="327"/>
+            <ac:cxnSpMk id="4" creationId="{5FD35C87-CA8B-ED81-FB72-89FAF2F8F6D1}"/>
+          </ac:cxnSpMkLst>
+        </pc:cxnChg>
+        <pc:cxnChg chg="mod">
+          <ac:chgData name="Nikola Sekulovski" userId="2345901e-73d2-462d-8b82-8af2d9a2a087" providerId="ADAL" clId="{E9D0067C-498F-4541-B9C7-5E6A919B1BEC}" dt="2024-10-15T16:33:08.730" v="497" actId="208"/>
+          <ac:cxnSpMkLst>
+            <pc:docMk/>
+            <pc:sldMk cId="1123499816" sldId="327"/>
+            <ac:cxnSpMk id="5" creationId="{357D04A2-50EC-ADF7-2342-2A3145C6D2A5}"/>
+          </ac:cxnSpMkLst>
+        </pc:cxnChg>
+      </pc:sldChg>
+      <pc:sldChg chg="modSp mod">
+        <pc:chgData name="Nikola Sekulovski" userId="2345901e-73d2-462d-8b82-8af2d9a2a087" providerId="ADAL" clId="{E9D0067C-498F-4541-B9C7-5E6A919B1BEC}" dt="2024-10-15T16:40:16.592" v="529" actId="207"/>
+        <pc:sldMkLst>
+          <pc:docMk/>
+          <pc:sldMk cId="1131232699" sldId="346"/>
+        </pc:sldMkLst>
+        <pc:spChg chg="mod">
+          <ac:chgData name="Nikola Sekulovski" userId="2345901e-73d2-462d-8b82-8af2d9a2a087" providerId="ADAL" clId="{E9D0067C-498F-4541-B9C7-5E6A919B1BEC}" dt="2024-10-15T16:40:16.592" v="529" actId="207"/>
+          <ac:spMkLst>
+            <pc:docMk/>
+            <pc:sldMk cId="1131232699" sldId="346"/>
+            <ac:spMk id="4" creationId="{F60D40DD-14D3-852F-4D60-6EBBA7238577}"/>
+          </ac:spMkLst>
+        </pc:spChg>
+        <pc:spChg chg="mod">
+          <ac:chgData name="Nikola Sekulovski" userId="2345901e-73d2-462d-8b82-8af2d9a2a087" providerId="ADAL" clId="{E9D0067C-498F-4541-B9C7-5E6A919B1BEC}" dt="2024-10-15T14:21:35.950" v="370" actId="14100"/>
+          <ac:spMkLst>
+            <pc:docMk/>
+            <pc:sldMk cId="1131232699" sldId="346"/>
+            <ac:spMk id="6" creationId="{A127B32E-17D6-495D-2F9B-41D316BDE8CA}"/>
+          </ac:spMkLst>
+        </pc:spChg>
+      </pc:sldChg>
+      <pc:sldChg chg="addSp delSp modSp mod">
+        <pc:chgData name="Nikola Sekulovski" userId="2345901e-73d2-462d-8b82-8af2d9a2a087" providerId="ADAL" clId="{E9D0067C-498F-4541-B9C7-5E6A919B1BEC}" dt="2024-10-15T16:34:41.045" v="516" actId="21"/>
+        <pc:sldMkLst>
+          <pc:docMk/>
+          <pc:sldMk cId="2942932033" sldId="592"/>
+        </pc:sldMkLst>
+        <pc:spChg chg="mod">
+          <ac:chgData name="Nikola Sekulovski" userId="2345901e-73d2-462d-8b82-8af2d9a2a087" providerId="ADAL" clId="{E9D0067C-498F-4541-B9C7-5E6A919B1BEC}" dt="2024-10-15T14:41:26.128" v="435" actId="207"/>
+          <ac:spMkLst>
+            <pc:docMk/>
+            <pc:sldMk cId="2942932033" sldId="592"/>
+            <ac:spMk id="2" creationId="{E2565932-E173-8C98-FB4A-D660C254B8F2}"/>
+          </ac:spMkLst>
+        </pc:spChg>
+        <pc:spChg chg="mod">
+          <ac:chgData name="Nikola Sekulovski" userId="2345901e-73d2-462d-8b82-8af2d9a2a087" providerId="ADAL" clId="{E9D0067C-498F-4541-B9C7-5E6A919B1BEC}" dt="2024-10-15T14:41:26.128" v="435" actId="207"/>
+          <ac:spMkLst>
+            <pc:docMk/>
+            <pc:sldMk cId="2942932033" sldId="592"/>
+            <ac:spMk id="9" creationId="{C02182B7-D4B5-66F0-EBA4-EA07D78DBAC2}"/>
+          </ac:spMkLst>
+        </pc:spChg>
+        <pc:spChg chg="mod">
+          <ac:chgData name="Nikola Sekulovski" userId="2345901e-73d2-462d-8b82-8af2d9a2a087" providerId="ADAL" clId="{E9D0067C-498F-4541-B9C7-5E6A919B1BEC}" dt="2024-10-15T14:41:26.128" v="435" actId="207"/>
+          <ac:spMkLst>
+            <pc:docMk/>
+            <pc:sldMk cId="2942932033" sldId="592"/>
+            <ac:spMk id="11" creationId="{0ED1F9A5-F765-B142-70C1-169F3EE1CE50}"/>
+          </ac:spMkLst>
+        </pc:spChg>
+        <pc:cxnChg chg="add del mod">
+          <ac:chgData name="Nikola Sekulovski" userId="2345901e-73d2-462d-8b82-8af2d9a2a087" providerId="ADAL" clId="{E9D0067C-498F-4541-B9C7-5E6A919B1BEC}" dt="2024-10-15T16:34:41.045" v="516" actId="21"/>
+          <ac:cxnSpMkLst>
+            <pc:docMk/>
+            <pc:sldMk cId="2942932033" sldId="592"/>
+            <ac:cxnSpMk id="3" creationId="{D627F8A8-9C1D-1DCE-4271-1378327F2720}"/>
+          </ac:cxnSpMkLst>
+        </pc:cxnChg>
+        <pc:cxnChg chg="mod">
+          <ac:chgData name="Nikola Sekulovski" userId="2345901e-73d2-462d-8b82-8af2d9a2a087" providerId="ADAL" clId="{E9D0067C-498F-4541-B9C7-5E6A919B1BEC}" dt="2024-10-15T16:32:54.578" v="495" actId="208"/>
+          <ac:cxnSpMkLst>
+            <pc:docMk/>
+            <pc:sldMk cId="2942932033" sldId="592"/>
+            <ac:cxnSpMk id="4" creationId="{0B6FD8C9-3CE4-D02D-F6B0-D7458EF5A4E7}"/>
+          </ac:cxnSpMkLst>
+        </pc:cxnChg>
+      </pc:sldChg>
+      <pc:sldChg chg="modSp mod ord">
+        <pc:chgData name="Nikola Sekulovski" userId="2345901e-73d2-462d-8b82-8af2d9a2a087" providerId="ADAL" clId="{E9D0067C-498F-4541-B9C7-5E6A919B1BEC}" dt="2024-10-15T16:50:44.560" v="535"/>
+        <pc:sldMkLst>
+          <pc:docMk/>
+          <pc:sldMk cId="3116476232" sldId="594"/>
+        </pc:sldMkLst>
+        <pc:spChg chg="mod">
+          <ac:chgData name="Nikola Sekulovski" userId="2345901e-73d2-462d-8b82-8af2d9a2a087" providerId="ADAL" clId="{E9D0067C-498F-4541-B9C7-5E6A919B1BEC}" dt="2024-10-15T14:42:17.988" v="442" actId="207"/>
+          <ac:spMkLst>
+            <pc:docMk/>
+            <pc:sldMk cId="3116476232" sldId="594"/>
+            <ac:spMk id="3" creationId="{5094284B-A076-5C63-64C0-FE2C8753A20F}"/>
+          </ac:spMkLst>
+        </pc:spChg>
+        <pc:spChg chg="mod">
+          <ac:chgData name="Nikola Sekulovski" userId="2345901e-73d2-462d-8b82-8af2d9a2a087" providerId="ADAL" clId="{E9D0067C-498F-4541-B9C7-5E6A919B1BEC}" dt="2024-10-15T14:42:17.988" v="442" actId="207"/>
+          <ac:spMkLst>
+            <pc:docMk/>
+            <pc:sldMk cId="3116476232" sldId="594"/>
+            <ac:spMk id="5" creationId="{84F0D9DD-87B2-D358-6DD8-EA9BA9B519FD}"/>
+          </ac:spMkLst>
+        </pc:spChg>
+        <pc:spChg chg="mod">
+          <ac:chgData name="Nikola Sekulovski" userId="2345901e-73d2-462d-8b82-8af2d9a2a087" providerId="ADAL" clId="{E9D0067C-498F-4541-B9C7-5E6A919B1BEC}" dt="2024-10-15T14:42:17.988" v="442" actId="207"/>
+          <ac:spMkLst>
+            <pc:docMk/>
+            <pc:sldMk cId="3116476232" sldId="594"/>
+            <ac:spMk id="10" creationId="{9D015A37-7B68-0861-28F4-79E614793CDF}"/>
+          </ac:spMkLst>
+        </pc:spChg>
+        <pc:picChg chg="mod">
+          <ac:chgData name="Nikola Sekulovski" userId="2345901e-73d2-462d-8b82-8af2d9a2a087" providerId="ADAL" clId="{E9D0067C-498F-4541-B9C7-5E6A919B1BEC}" dt="2024-10-15T14:42:17.988" v="442" actId="207"/>
+          <ac:picMkLst>
+            <pc:docMk/>
+            <pc:sldMk cId="3116476232" sldId="594"/>
+            <ac:picMk id="2050" creationId="{258739DC-43E7-C767-5E27-1BAD4753FB25}"/>
+          </ac:picMkLst>
+        </pc:picChg>
+        <pc:picChg chg="mod">
+          <ac:chgData name="Nikola Sekulovski" userId="2345901e-73d2-462d-8b82-8af2d9a2a087" providerId="ADAL" clId="{E9D0067C-498F-4541-B9C7-5E6A919B1BEC}" dt="2024-10-15T14:42:17.988" v="442" actId="207"/>
+          <ac:picMkLst>
+            <pc:docMk/>
+            <pc:sldMk cId="3116476232" sldId="594"/>
+            <ac:picMk id="3074" creationId="{691243D8-648D-C541-8502-B78CB40E05DD}"/>
+          </ac:picMkLst>
+        </pc:picChg>
+        <pc:cxnChg chg="mod">
+          <ac:chgData name="Nikola Sekulovski" userId="2345901e-73d2-462d-8b82-8af2d9a2a087" providerId="ADAL" clId="{E9D0067C-498F-4541-B9C7-5E6A919B1BEC}" dt="2024-10-15T16:35:27.617" v="522" actId="208"/>
+          <ac:cxnSpMkLst>
+            <pc:docMk/>
+            <pc:sldMk cId="3116476232" sldId="594"/>
+            <ac:cxnSpMk id="7" creationId="{80B12850-D0F4-B9C3-68C2-F3C6B976BDFA}"/>
+          </ac:cxnSpMkLst>
+        </pc:cxnChg>
+        <pc:cxnChg chg="mod">
+          <ac:chgData name="Nikola Sekulovski" userId="2345901e-73d2-462d-8b82-8af2d9a2a087" providerId="ADAL" clId="{E9D0067C-498F-4541-B9C7-5E6A919B1BEC}" dt="2024-10-15T16:35:23.061" v="521" actId="208"/>
+          <ac:cxnSpMkLst>
+            <pc:docMk/>
+            <pc:sldMk cId="3116476232" sldId="594"/>
+            <ac:cxnSpMk id="8" creationId="{243AD428-4726-D2B1-6E5A-12A0C532798E}"/>
+          </ac:cxnSpMkLst>
+        </pc:cxnChg>
+      </pc:sldChg>
+      <pc:sldChg chg="modSp mod">
+        <pc:chgData name="Nikola Sekulovski" userId="2345901e-73d2-462d-8b82-8af2d9a2a087" providerId="ADAL" clId="{E9D0067C-498F-4541-B9C7-5E6A919B1BEC}" dt="2024-10-15T16:32:26.140" v="489" actId="208"/>
+        <pc:sldMkLst>
+          <pc:docMk/>
+          <pc:sldMk cId="405105674" sldId="595"/>
+        </pc:sldMkLst>
+        <pc:spChg chg="mod">
+          <ac:chgData name="Nikola Sekulovski" userId="2345901e-73d2-462d-8b82-8af2d9a2a087" providerId="ADAL" clId="{E9D0067C-498F-4541-B9C7-5E6A919B1BEC}" dt="2024-10-15T14:40:59.357" v="432" actId="207"/>
+          <ac:spMkLst>
+            <pc:docMk/>
+            <pc:sldMk cId="405105674" sldId="595"/>
+            <ac:spMk id="5" creationId="{D9E3F2B7-21AC-9FFA-1C4F-2361BA0A77D4}"/>
+          </ac:spMkLst>
+        </pc:spChg>
+        <pc:spChg chg="mod">
+          <ac:chgData name="Nikola Sekulovski" userId="2345901e-73d2-462d-8b82-8af2d9a2a087" providerId="ADAL" clId="{E9D0067C-498F-4541-B9C7-5E6A919B1BEC}" dt="2024-10-15T14:40:59.357" v="432" actId="207"/>
+          <ac:spMkLst>
+            <pc:docMk/>
+            <pc:sldMk cId="405105674" sldId="595"/>
+            <ac:spMk id="7" creationId="{3C63473C-A200-C4AF-3DB2-C51F67B34112}"/>
+          </ac:spMkLst>
+        </pc:spChg>
+        <pc:spChg chg="mod">
+          <ac:chgData name="Nikola Sekulovski" userId="2345901e-73d2-462d-8b82-8af2d9a2a087" providerId="ADAL" clId="{E9D0067C-498F-4541-B9C7-5E6A919B1BEC}" dt="2024-10-15T14:40:59.357" v="432" actId="207"/>
+          <ac:spMkLst>
+            <pc:docMk/>
+            <pc:sldMk cId="405105674" sldId="595"/>
+            <ac:spMk id="8" creationId="{E5367DCD-7BB0-2F6A-ED05-23D2BD88C22C}"/>
+          </ac:spMkLst>
+        </pc:spChg>
+        <pc:spChg chg="mod">
+          <ac:chgData name="Nikola Sekulovski" userId="2345901e-73d2-462d-8b82-8af2d9a2a087" providerId="ADAL" clId="{E9D0067C-498F-4541-B9C7-5E6A919B1BEC}" dt="2024-10-15T14:40:59.357" v="432" actId="207"/>
+          <ac:spMkLst>
+            <pc:docMk/>
+            <pc:sldMk cId="405105674" sldId="595"/>
+            <ac:spMk id="11" creationId="{3010819E-7181-FBA3-9192-87BF1AAC0730}"/>
+          </ac:spMkLst>
+        </pc:spChg>
+        <pc:spChg chg="mod">
+          <ac:chgData name="Nikola Sekulovski" userId="2345901e-73d2-462d-8b82-8af2d9a2a087" providerId="ADAL" clId="{E9D0067C-498F-4541-B9C7-5E6A919B1BEC}" dt="2024-10-15T14:40:59.357" v="432" actId="207"/>
+          <ac:spMkLst>
+            <pc:docMk/>
+            <pc:sldMk cId="405105674" sldId="595"/>
+            <ac:spMk id="14" creationId="{2B768A17-E9F3-CA23-B9C9-4C31171F98D3}"/>
+          </ac:spMkLst>
+        </pc:spChg>
+        <pc:cxnChg chg="mod">
+          <ac:chgData name="Nikola Sekulovski" userId="2345901e-73d2-462d-8b82-8af2d9a2a087" providerId="ADAL" clId="{E9D0067C-498F-4541-B9C7-5E6A919B1BEC}" dt="2024-10-15T16:32:26.140" v="489" actId="208"/>
+          <ac:cxnSpMkLst>
+            <pc:docMk/>
+            <pc:sldMk cId="405105674" sldId="595"/>
+            <ac:cxnSpMk id="9" creationId="{54F526FC-A498-C1A5-E581-5F9BE28A60FB}"/>
+          </ac:cxnSpMkLst>
+        </pc:cxnChg>
+        <pc:cxnChg chg="mod">
+          <ac:chgData name="Nikola Sekulovski" userId="2345901e-73d2-462d-8b82-8af2d9a2a087" providerId="ADAL" clId="{E9D0067C-498F-4541-B9C7-5E6A919B1BEC}" dt="2024-10-15T16:32:22.517" v="488" actId="208"/>
+          <ac:cxnSpMkLst>
+            <pc:docMk/>
+            <pc:sldMk cId="405105674" sldId="595"/>
+            <ac:cxnSpMk id="12" creationId="{3391AEE5-3875-C94D-6AB2-B72163573FD9}"/>
+          </ac:cxnSpMkLst>
+        </pc:cxnChg>
+      </pc:sldChg>
+      <pc:sldChg chg="modSp mod">
+        <pc:chgData name="Nikola Sekulovski" userId="2345901e-73d2-462d-8b82-8af2d9a2a087" providerId="ADAL" clId="{E9D0067C-498F-4541-B9C7-5E6A919B1BEC}" dt="2024-10-15T16:32:35.542" v="491" actId="208"/>
+        <pc:sldMkLst>
+          <pc:docMk/>
+          <pc:sldMk cId="2170931248" sldId="596"/>
+        </pc:sldMkLst>
+        <pc:spChg chg="mod">
+          <ac:chgData name="Nikola Sekulovski" userId="2345901e-73d2-462d-8b82-8af2d9a2a087" providerId="ADAL" clId="{E9D0067C-498F-4541-B9C7-5E6A919B1BEC}" dt="2024-10-15T14:41:07.696" v="433" actId="207"/>
+          <ac:spMkLst>
+            <pc:docMk/>
+            <pc:sldMk cId="2170931248" sldId="596"/>
+            <ac:spMk id="5" creationId="{BF47A196-9AD1-8EE3-BC5A-AB771B97D01E}"/>
+          </ac:spMkLst>
+        </pc:spChg>
+        <pc:spChg chg="mod">
+          <ac:chgData name="Nikola Sekulovski" userId="2345901e-73d2-462d-8b82-8af2d9a2a087" providerId="ADAL" clId="{E9D0067C-498F-4541-B9C7-5E6A919B1BEC}" dt="2024-10-15T14:41:07.696" v="433" actId="207"/>
+          <ac:spMkLst>
+            <pc:docMk/>
+            <pc:sldMk cId="2170931248" sldId="596"/>
+            <ac:spMk id="12" creationId="{B3C06AEE-C799-541B-7C62-E367189ACD89}"/>
+          </ac:spMkLst>
+        </pc:spChg>
+        <pc:spChg chg="mod">
+          <ac:chgData name="Nikola Sekulovski" userId="2345901e-73d2-462d-8b82-8af2d9a2a087" providerId="ADAL" clId="{E9D0067C-498F-4541-B9C7-5E6A919B1BEC}" dt="2024-10-15T14:41:07.696" v="433" actId="207"/>
+          <ac:spMkLst>
+            <pc:docMk/>
+            <pc:sldMk cId="2170931248" sldId="596"/>
+            <ac:spMk id="13" creationId="{780DFECF-C1CF-0E01-F0E4-F6E2E9148B01}"/>
+          </ac:spMkLst>
+        </pc:spChg>
+        <pc:cxnChg chg="mod">
+          <ac:chgData name="Nikola Sekulovski" userId="2345901e-73d2-462d-8b82-8af2d9a2a087" providerId="ADAL" clId="{E9D0067C-498F-4541-B9C7-5E6A919B1BEC}" dt="2024-10-15T16:32:35.542" v="491" actId="208"/>
+          <ac:cxnSpMkLst>
+            <pc:docMk/>
+            <pc:sldMk cId="2170931248" sldId="596"/>
+            <ac:cxnSpMk id="9" creationId="{5F701A65-C197-4107-EDAA-D453358C1789}"/>
+          </ac:cxnSpMkLst>
+        </pc:cxnChg>
+        <pc:cxnChg chg="mod">
+          <ac:chgData name="Nikola Sekulovski" userId="2345901e-73d2-462d-8b82-8af2d9a2a087" providerId="ADAL" clId="{E9D0067C-498F-4541-B9C7-5E6A919B1BEC}" dt="2024-10-15T16:32:31.955" v="490" actId="208"/>
+          <ac:cxnSpMkLst>
+            <pc:docMk/>
+            <pc:sldMk cId="2170931248" sldId="596"/>
+            <ac:cxnSpMk id="16" creationId="{A202FE82-A1ED-6835-98E3-307B6FC81E54}"/>
           </ac:cxnSpMkLst>
         </pc:cxnChg>
       </pc:sldChg>
@@ -9659,14 +10021,14 @@
           <pc:sldMk cId="3936712023" sldId="601"/>
         </pc:sldMkLst>
       </pc:sldChg>
-      <pc:sldChg chg="modSp modAnim">
-        <pc:chgData name="Nikola Sekulovski" userId="2345901e-73d2-462d-8b82-8af2d9a2a087" providerId="ADAL" clId="{E9D0067C-498F-4541-B9C7-5E6A919B1BEC}" dt="2024-10-10T11:47:05.404" v="367" actId="20577"/>
+      <pc:sldChg chg="modSp mod modAnim">
+        <pc:chgData name="Nikola Sekulovski" userId="2345901e-73d2-462d-8b82-8af2d9a2a087" providerId="ADAL" clId="{E9D0067C-498F-4541-B9C7-5E6A919B1BEC}" dt="2024-10-15T16:35:13.048" v="520" actId="208"/>
         <pc:sldMkLst>
           <pc:docMk/>
           <pc:sldMk cId="972036101" sldId="602"/>
         </pc:sldMkLst>
         <pc:spChg chg="mod">
-          <ac:chgData name="Nikola Sekulovski" userId="2345901e-73d2-462d-8b82-8af2d9a2a087" providerId="ADAL" clId="{E9D0067C-498F-4541-B9C7-5E6A919B1BEC}" dt="2024-10-10T11:46:56.619" v="357" actId="20577"/>
+          <ac:chgData name="Nikola Sekulovski" userId="2345901e-73d2-462d-8b82-8af2d9a2a087" providerId="ADAL" clId="{E9D0067C-498F-4541-B9C7-5E6A919B1BEC}" dt="2024-10-15T14:41:51.411" v="439" actId="207"/>
           <ac:spMkLst>
             <pc:docMk/>
             <pc:sldMk cId="972036101" sldId="602"/>
@@ -9674,49 +10036,623 @@
           </ac:spMkLst>
         </pc:spChg>
         <pc:spChg chg="mod">
-          <ac:chgData name="Nikola Sekulovski" userId="2345901e-73d2-462d-8b82-8af2d9a2a087" providerId="ADAL" clId="{E9D0067C-498F-4541-B9C7-5E6A919B1BEC}" dt="2024-10-10T11:47:05.404" v="367" actId="20577"/>
+          <ac:chgData name="Nikola Sekulovski" userId="2345901e-73d2-462d-8b82-8af2d9a2a087" providerId="ADAL" clId="{E9D0067C-498F-4541-B9C7-5E6A919B1BEC}" dt="2024-10-15T14:41:51.411" v="439" actId="207"/>
           <ac:spMkLst>
             <pc:docMk/>
             <pc:sldMk cId="972036101" sldId="602"/>
             <ac:spMk id="5" creationId="{4E1AEB7C-6D72-C634-FFF4-6946DF676988}"/>
           </ac:spMkLst>
         </pc:spChg>
+        <pc:spChg chg="mod">
+          <ac:chgData name="Nikola Sekulovski" userId="2345901e-73d2-462d-8b82-8af2d9a2a087" providerId="ADAL" clId="{E9D0067C-498F-4541-B9C7-5E6A919B1BEC}" dt="2024-10-15T14:41:51.411" v="439" actId="207"/>
+          <ac:spMkLst>
+            <pc:docMk/>
+            <pc:sldMk cId="972036101" sldId="602"/>
+            <ac:spMk id="8" creationId="{7C2C20C3-2FB0-4500-9631-5BD18DFFAEFB}"/>
+          </ac:spMkLst>
+        </pc:spChg>
+        <pc:cxnChg chg="mod">
+          <ac:chgData name="Nikola Sekulovski" userId="2345901e-73d2-462d-8b82-8af2d9a2a087" providerId="ADAL" clId="{E9D0067C-498F-4541-B9C7-5E6A919B1BEC}" dt="2024-10-15T16:35:13.048" v="520" actId="208"/>
+          <ac:cxnSpMkLst>
+            <pc:docMk/>
+            <pc:sldMk cId="972036101" sldId="602"/>
+            <ac:cxnSpMk id="2" creationId="{F1547CC5-A1C1-05CD-C077-C71455B7CE0F}"/>
+          </ac:cxnSpMkLst>
+        </pc:cxnChg>
+        <pc:cxnChg chg="mod">
+          <ac:chgData name="Nikola Sekulovski" userId="2345901e-73d2-462d-8b82-8af2d9a2a087" providerId="ADAL" clId="{E9D0067C-498F-4541-B9C7-5E6A919B1BEC}" dt="2024-10-15T16:35:08.606" v="519" actId="208"/>
+          <ac:cxnSpMkLst>
+            <pc:docMk/>
+            <pc:sldMk cId="972036101" sldId="602"/>
+            <ac:cxnSpMk id="7" creationId="{739F58F2-30E9-2AB8-FCBD-46A5232EA8A5}"/>
+          </ac:cxnSpMkLst>
+        </pc:cxnChg>
       </pc:sldChg>
       <pc:sldChg chg="modSp mod ord">
-        <pc:chgData name="Nikola Sekulovski" userId="2345901e-73d2-462d-8b82-8af2d9a2a087" providerId="ADAL" clId="{E9D0067C-498F-4541-B9C7-5E6A919B1BEC}" dt="2024-09-26T12:03:42.609" v="60"/>
+        <pc:chgData name="Nikola Sekulovski" userId="2345901e-73d2-462d-8b82-8af2d9a2a087" providerId="ADAL" clId="{E9D0067C-498F-4541-B9C7-5E6A919B1BEC}" dt="2024-10-15T16:50:46.334" v="537"/>
+        <pc:sldMkLst>
+          <pc:docMk/>
+          <pc:sldMk cId="2081536377" sldId="603"/>
+        </pc:sldMkLst>
+        <pc:spChg chg="mod">
+          <ac:chgData name="Nikola Sekulovski" userId="2345901e-73d2-462d-8b82-8af2d9a2a087" providerId="ADAL" clId="{E9D0067C-498F-4541-B9C7-5E6A919B1BEC}" dt="2024-10-15T14:41:38.817" v="437" actId="207"/>
+          <ac:spMkLst>
+            <pc:docMk/>
+            <pc:sldMk cId="2081536377" sldId="603"/>
+            <ac:spMk id="10" creationId="{25135258-86AA-DD4B-94B3-F565A335C42A}"/>
+          </ac:spMkLst>
+        </pc:spChg>
+        <pc:cxnChg chg="mod">
+          <ac:chgData name="Nikola Sekulovski" userId="2345901e-73d2-462d-8b82-8af2d9a2a087" providerId="ADAL" clId="{E9D0067C-498F-4541-B9C7-5E6A919B1BEC}" dt="2024-10-15T14:41:43.954" v="438" actId="208"/>
+          <ac:cxnSpMkLst>
+            <pc:docMk/>
+            <pc:sldMk cId="2081536377" sldId="603"/>
+            <ac:cxnSpMk id="12" creationId="{B869CFE4-76EB-2348-B9B3-0B5CC838ACF1}"/>
+          </ac:cxnSpMkLst>
+        </pc:cxnChg>
+      </pc:sldChg>
+      <pc:sldChg chg="modSp mod">
+        <pc:chgData name="Nikola Sekulovski" userId="2345901e-73d2-462d-8b82-8af2d9a2a087" providerId="ADAL" clId="{E9D0067C-498F-4541-B9C7-5E6A919B1BEC}" dt="2024-10-15T14:39:12.654" v="421" actId="208"/>
+        <pc:sldMkLst>
+          <pc:docMk/>
+          <pc:sldMk cId="966189764" sldId="604"/>
+        </pc:sldMkLst>
+        <pc:spChg chg="mod">
+          <ac:chgData name="Nikola Sekulovski" userId="2345901e-73d2-462d-8b82-8af2d9a2a087" providerId="ADAL" clId="{E9D0067C-498F-4541-B9C7-5E6A919B1BEC}" dt="2024-10-15T14:38:57.827" v="420" actId="207"/>
+          <ac:spMkLst>
+            <pc:docMk/>
+            <pc:sldMk cId="966189764" sldId="604"/>
+            <ac:spMk id="10" creationId="{25135258-86AA-DD4B-94B3-F565A335C42A}"/>
+          </ac:spMkLst>
+        </pc:spChg>
+        <pc:cxnChg chg="mod">
+          <ac:chgData name="Nikola Sekulovski" userId="2345901e-73d2-462d-8b82-8af2d9a2a087" providerId="ADAL" clId="{E9D0067C-498F-4541-B9C7-5E6A919B1BEC}" dt="2024-10-15T14:39:12.654" v="421" actId="208"/>
+          <ac:cxnSpMkLst>
+            <pc:docMk/>
+            <pc:sldMk cId="966189764" sldId="604"/>
+            <ac:cxnSpMk id="12" creationId="{B869CFE4-76EB-2348-B9B3-0B5CC838ACF1}"/>
+          </ac:cxnSpMkLst>
+        </pc:cxnChg>
+      </pc:sldChg>
+      <pc:sldChg chg="modSp mod ord">
+        <pc:chgData name="Nikola Sekulovski" userId="2345901e-73d2-462d-8b82-8af2d9a2a087" providerId="ADAL" clId="{E9D0067C-498F-4541-B9C7-5E6A919B1BEC}" dt="2024-10-15T16:50:41.099" v="531"/>
+        <pc:sldMkLst>
+          <pc:docMk/>
+          <pc:sldMk cId="3071972624" sldId="605"/>
+        </pc:sldMkLst>
+        <pc:spChg chg="mod">
+          <ac:chgData name="Nikola Sekulovski" userId="2345901e-73d2-462d-8b82-8af2d9a2a087" providerId="ADAL" clId="{E9D0067C-498F-4541-B9C7-5E6A919B1BEC}" dt="2024-10-15T14:42:03.958" v="440" actId="207"/>
+          <ac:spMkLst>
+            <pc:docMk/>
+            <pc:sldMk cId="3071972624" sldId="605"/>
+            <ac:spMk id="10" creationId="{25135258-86AA-DD4B-94B3-F565A335C42A}"/>
+          </ac:spMkLst>
+        </pc:spChg>
+        <pc:cxnChg chg="mod">
+          <ac:chgData name="Nikola Sekulovski" userId="2345901e-73d2-462d-8b82-8af2d9a2a087" providerId="ADAL" clId="{E9D0067C-498F-4541-B9C7-5E6A919B1BEC}" dt="2024-10-15T14:42:11.730" v="441" actId="208"/>
+          <ac:cxnSpMkLst>
+            <pc:docMk/>
+            <pc:sldMk cId="3071972624" sldId="605"/>
+            <ac:cxnSpMk id="12" creationId="{B869CFE4-76EB-2348-B9B3-0B5CC838ACF1}"/>
+          </ac:cxnSpMkLst>
+        </pc:cxnChg>
+      </pc:sldChg>
+      <pc:sldChg chg="modSp mod">
+        <pc:chgData name="Nikola Sekulovski" userId="2345901e-73d2-462d-8b82-8af2d9a2a087" providerId="ADAL" clId="{E9D0067C-498F-4541-B9C7-5E6A919B1BEC}" dt="2024-10-15T16:32:46.295" v="493" actId="208"/>
+        <pc:sldMkLst>
+          <pc:docMk/>
+          <pc:sldMk cId="1393206164" sldId="606"/>
+        </pc:sldMkLst>
+        <pc:spChg chg="mod">
+          <ac:chgData name="Nikola Sekulovski" userId="2345901e-73d2-462d-8b82-8af2d9a2a087" providerId="ADAL" clId="{E9D0067C-498F-4541-B9C7-5E6A919B1BEC}" dt="2024-10-15T14:41:19.963" v="434" actId="207"/>
+          <ac:spMkLst>
+            <pc:docMk/>
+            <pc:sldMk cId="1393206164" sldId="606"/>
+            <ac:spMk id="3" creationId="{983063D7-84F4-1C9B-0041-6988123FB1A3}"/>
+          </ac:spMkLst>
+        </pc:spChg>
+        <pc:spChg chg="mod">
+          <ac:chgData name="Nikola Sekulovski" userId="2345901e-73d2-462d-8b82-8af2d9a2a087" providerId="ADAL" clId="{E9D0067C-498F-4541-B9C7-5E6A919B1BEC}" dt="2024-10-15T14:41:19.963" v="434" actId="207"/>
+          <ac:spMkLst>
+            <pc:docMk/>
+            <pc:sldMk cId="1393206164" sldId="606"/>
+            <ac:spMk id="4" creationId="{ADBE3CE7-C89B-8154-28E8-9934CD184937}"/>
+          </ac:spMkLst>
+        </pc:spChg>
+        <pc:spChg chg="mod">
+          <ac:chgData name="Nikola Sekulovski" userId="2345901e-73d2-462d-8b82-8af2d9a2a087" providerId="ADAL" clId="{E9D0067C-498F-4541-B9C7-5E6A919B1BEC}" dt="2024-10-15T14:41:19.963" v="434" actId="207"/>
+          <ac:spMkLst>
+            <pc:docMk/>
+            <pc:sldMk cId="1393206164" sldId="606"/>
+            <ac:spMk id="5" creationId="{ED1D83C2-7DA5-D68E-FE43-8046E2A821C0}"/>
+          </ac:spMkLst>
+        </pc:spChg>
+        <pc:spChg chg="mod">
+          <ac:chgData name="Nikola Sekulovski" userId="2345901e-73d2-462d-8b82-8af2d9a2a087" providerId="ADAL" clId="{E9D0067C-498F-4541-B9C7-5E6A919B1BEC}" dt="2024-10-15T14:41:19.963" v="434" actId="207"/>
+          <ac:spMkLst>
+            <pc:docMk/>
+            <pc:sldMk cId="1393206164" sldId="606"/>
+            <ac:spMk id="10" creationId="{DAFBD581-6513-A5CB-43F1-7020E55E7712}"/>
+          </ac:spMkLst>
+        </pc:spChg>
+        <pc:spChg chg="mod">
+          <ac:chgData name="Nikola Sekulovski" userId="2345901e-73d2-462d-8b82-8af2d9a2a087" providerId="ADAL" clId="{E9D0067C-498F-4541-B9C7-5E6A919B1BEC}" dt="2024-10-15T14:41:19.963" v="434" actId="207"/>
+          <ac:spMkLst>
+            <pc:docMk/>
+            <pc:sldMk cId="1393206164" sldId="606"/>
+            <ac:spMk id="11" creationId="{7B16B6DF-08DB-39A0-9886-E6430A0D67B0}"/>
+          </ac:spMkLst>
+        </pc:spChg>
+        <pc:spChg chg="mod">
+          <ac:chgData name="Nikola Sekulovski" userId="2345901e-73d2-462d-8b82-8af2d9a2a087" providerId="ADAL" clId="{E9D0067C-498F-4541-B9C7-5E6A919B1BEC}" dt="2024-10-15T14:41:19.963" v="434" actId="207"/>
+          <ac:spMkLst>
+            <pc:docMk/>
+            <pc:sldMk cId="1393206164" sldId="606"/>
+            <ac:spMk id="12" creationId="{6F0F7D2E-A032-DE9B-BBE1-CA9BC3B52C64}"/>
+          </ac:spMkLst>
+        </pc:spChg>
+        <pc:spChg chg="mod">
+          <ac:chgData name="Nikola Sekulovski" userId="2345901e-73d2-462d-8b82-8af2d9a2a087" providerId="ADAL" clId="{E9D0067C-498F-4541-B9C7-5E6A919B1BEC}" dt="2024-10-15T14:41:19.963" v="434" actId="207"/>
+          <ac:spMkLst>
+            <pc:docMk/>
+            <pc:sldMk cId="1393206164" sldId="606"/>
+            <ac:spMk id="17" creationId="{E8B80A23-2A9A-717C-168D-EDF4ED956D04}"/>
+          </ac:spMkLst>
+        </pc:spChg>
+        <pc:spChg chg="mod">
+          <ac:chgData name="Nikola Sekulovski" userId="2345901e-73d2-462d-8b82-8af2d9a2a087" providerId="ADAL" clId="{E9D0067C-498F-4541-B9C7-5E6A919B1BEC}" dt="2024-10-15T14:41:19.963" v="434" actId="207"/>
+          <ac:spMkLst>
+            <pc:docMk/>
+            <pc:sldMk cId="1393206164" sldId="606"/>
+            <ac:spMk id="18" creationId="{518B4058-BE31-D6EE-97E8-7BDF8DA2C2EC}"/>
+          </ac:spMkLst>
+        </pc:spChg>
+        <pc:spChg chg="mod">
+          <ac:chgData name="Nikola Sekulovski" userId="2345901e-73d2-462d-8b82-8af2d9a2a087" providerId="ADAL" clId="{E9D0067C-498F-4541-B9C7-5E6A919B1BEC}" dt="2024-10-15T14:41:19.963" v="434" actId="207"/>
+          <ac:spMkLst>
+            <pc:docMk/>
+            <pc:sldMk cId="1393206164" sldId="606"/>
+            <ac:spMk id="19" creationId="{A918C959-2D13-664D-35A5-365F1713D551}"/>
+          </ac:spMkLst>
+        </pc:spChg>
+        <pc:spChg chg="mod">
+          <ac:chgData name="Nikola Sekulovski" userId="2345901e-73d2-462d-8b82-8af2d9a2a087" providerId="ADAL" clId="{E9D0067C-498F-4541-B9C7-5E6A919B1BEC}" dt="2024-10-15T14:41:19.963" v="434" actId="207"/>
+          <ac:spMkLst>
+            <pc:docMk/>
+            <pc:sldMk cId="1393206164" sldId="606"/>
+            <ac:spMk id="20" creationId="{6F913B34-F3B0-083E-D953-98741688DFBF}"/>
+          </ac:spMkLst>
+        </pc:spChg>
+        <pc:spChg chg="mod">
+          <ac:chgData name="Nikola Sekulovski" userId="2345901e-73d2-462d-8b82-8af2d9a2a087" providerId="ADAL" clId="{E9D0067C-498F-4541-B9C7-5E6A919B1BEC}" dt="2024-10-15T14:41:19.963" v="434" actId="207"/>
+          <ac:spMkLst>
+            <pc:docMk/>
+            <pc:sldMk cId="1393206164" sldId="606"/>
+            <ac:spMk id="31" creationId="{5D159920-2DD7-332C-1F6F-F922377C306E}"/>
+          </ac:spMkLst>
+        </pc:spChg>
+        <pc:spChg chg="mod">
+          <ac:chgData name="Nikola Sekulovski" userId="2345901e-73d2-462d-8b82-8af2d9a2a087" providerId="ADAL" clId="{E9D0067C-498F-4541-B9C7-5E6A919B1BEC}" dt="2024-10-15T14:41:19.963" v="434" actId="207"/>
+          <ac:spMkLst>
+            <pc:docMk/>
+            <pc:sldMk cId="1393206164" sldId="606"/>
+            <ac:spMk id="32" creationId="{6E784340-3D42-AE3D-899A-E094BDF570C7}"/>
+          </ac:spMkLst>
+        </pc:spChg>
+        <pc:spChg chg="mod">
+          <ac:chgData name="Nikola Sekulovski" userId="2345901e-73d2-462d-8b82-8af2d9a2a087" providerId="ADAL" clId="{E9D0067C-498F-4541-B9C7-5E6A919B1BEC}" dt="2024-10-15T14:41:19.963" v="434" actId="207"/>
+          <ac:spMkLst>
+            <pc:docMk/>
+            <pc:sldMk cId="1393206164" sldId="606"/>
+            <ac:spMk id="33" creationId="{69ED41DF-820E-0B77-4CEE-048DD2E1EC8D}"/>
+          </ac:spMkLst>
+        </pc:spChg>
+        <pc:spChg chg="mod">
+          <ac:chgData name="Nikola Sekulovski" userId="2345901e-73d2-462d-8b82-8af2d9a2a087" providerId="ADAL" clId="{E9D0067C-498F-4541-B9C7-5E6A919B1BEC}" dt="2024-10-15T14:41:19.963" v="434" actId="207"/>
+          <ac:spMkLst>
+            <pc:docMk/>
+            <pc:sldMk cId="1393206164" sldId="606"/>
+            <ac:spMk id="38" creationId="{E618129C-8FBF-B19B-C580-243F7E5F3BA1}"/>
+          </ac:spMkLst>
+        </pc:spChg>
+        <pc:spChg chg="mod">
+          <ac:chgData name="Nikola Sekulovski" userId="2345901e-73d2-462d-8b82-8af2d9a2a087" providerId="ADAL" clId="{E9D0067C-498F-4541-B9C7-5E6A919B1BEC}" dt="2024-10-15T14:41:19.963" v="434" actId="207"/>
+          <ac:spMkLst>
+            <pc:docMk/>
+            <pc:sldMk cId="1393206164" sldId="606"/>
+            <ac:spMk id="39" creationId="{129CF71C-93F8-A6C3-6E5F-E5BD0CCCA6F3}"/>
+          </ac:spMkLst>
+        </pc:spChg>
+        <pc:spChg chg="mod">
+          <ac:chgData name="Nikola Sekulovski" userId="2345901e-73d2-462d-8b82-8af2d9a2a087" providerId="ADAL" clId="{E9D0067C-498F-4541-B9C7-5E6A919B1BEC}" dt="2024-10-15T14:41:19.963" v="434" actId="207"/>
+          <ac:spMkLst>
+            <pc:docMk/>
+            <pc:sldMk cId="1393206164" sldId="606"/>
+            <ac:spMk id="40" creationId="{BED3D996-9EE9-9254-F64F-1320D1D339A0}"/>
+          </ac:spMkLst>
+        </pc:spChg>
+        <pc:spChg chg="mod">
+          <ac:chgData name="Nikola Sekulovski" userId="2345901e-73d2-462d-8b82-8af2d9a2a087" providerId="ADAL" clId="{E9D0067C-498F-4541-B9C7-5E6A919B1BEC}" dt="2024-10-15T14:41:19.963" v="434" actId="207"/>
+          <ac:spMkLst>
+            <pc:docMk/>
+            <pc:sldMk cId="1393206164" sldId="606"/>
+            <ac:spMk id="45" creationId="{32DA0294-4BF8-4E76-48AB-D275C95F4627}"/>
+          </ac:spMkLst>
+        </pc:spChg>
+        <pc:spChg chg="mod">
+          <ac:chgData name="Nikola Sekulovski" userId="2345901e-73d2-462d-8b82-8af2d9a2a087" providerId="ADAL" clId="{E9D0067C-498F-4541-B9C7-5E6A919B1BEC}" dt="2024-10-15T14:41:19.963" v="434" actId="207"/>
+          <ac:spMkLst>
+            <pc:docMk/>
+            <pc:sldMk cId="1393206164" sldId="606"/>
+            <ac:spMk id="46" creationId="{655B05D8-15D9-B7B9-0768-57DB0557DAA4}"/>
+          </ac:spMkLst>
+        </pc:spChg>
+        <pc:spChg chg="mod">
+          <ac:chgData name="Nikola Sekulovski" userId="2345901e-73d2-462d-8b82-8af2d9a2a087" providerId="ADAL" clId="{E9D0067C-498F-4541-B9C7-5E6A919B1BEC}" dt="2024-10-15T14:41:19.963" v="434" actId="207"/>
+          <ac:spMkLst>
+            <pc:docMk/>
+            <pc:sldMk cId="1393206164" sldId="606"/>
+            <ac:spMk id="47" creationId="{2A02677B-1F24-CFC5-17AB-6382D3918817}"/>
+          </ac:spMkLst>
+        </pc:spChg>
+        <pc:cxnChg chg="mod">
+          <ac:chgData name="Nikola Sekulovski" userId="2345901e-73d2-462d-8b82-8af2d9a2a087" providerId="ADAL" clId="{E9D0067C-498F-4541-B9C7-5E6A919B1BEC}" dt="2024-10-15T16:32:42.469" v="492" actId="208"/>
+          <ac:cxnSpMkLst>
+            <pc:docMk/>
+            <pc:sldMk cId="1393206164" sldId="606"/>
+            <ac:cxnSpMk id="21" creationId="{6D23BDD4-5742-3F02-68E1-D28D6A6DF85C}"/>
+          </ac:cxnSpMkLst>
+        </pc:cxnChg>
+        <pc:cxnChg chg="mod">
+          <ac:chgData name="Nikola Sekulovski" userId="2345901e-73d2-462d-8b82-8af2d9a2a087" providerId="ADAL" clId="{E9D0067C-498F-4541-B9C7-5E6A919B1BEC}" dt="2024-10-15T16:32:46.295" v="493" actId="208"/>
+          <ac:cxnSpMkLst>
+            <pc:docMk/>
+            <pc:sldMk cId="1393206164" sldId="606"/>
+            <ac:cxnSpMk id="22" creationId="{D13B2879-64F8-881E-3DF7-7F3D21CEBA0B}"/>
+          </ac:cxnSpMkLst>
+        </pc:cxnChg>
+      </pc:sldChg>
+      <pc:sldChg chg="modSp mod ord">
+        <pc:chgData name="Nikola Sekulovski" userId="2345901e-73d2-462d-8b82-8af2d9a2a087" providerId="ADAL" clId="{E9D0067C-498F-4541-B9C7-5E6A919B1BEC}" dt="2024-10-15T16:35:39.338" v="524" actId="208"/>
         <pc:sldMkLst>
           <pc:docMk/>
           <pc:sldMk cId="300369435" sldId="629"/>
         </pc:sldMkLst>
         <pc:spChg chg="mod">
-          <ac:chgData name="Nikola Sekulovski" userId="2345901e-73d2-462d-8b82-8af2d9a2a087" providerId="ADAL" clId="{E9D0067C-498F-4541-B9C7-5E6A919B1BEC}" dt="2024-09-26T12:03:14.573" v="56" actId="20577"/>
+          <ac:chgData name="Nikola Sekulovski" userId="2345901e-73d2-462d-8b82-8af2d9a2a087" providerId="ADAL" clId="{E9D0067C-498F-4541-B9C7-5E6A919B1BEC}" dt="2024-10-15T14:42:24.139" v="443" actId="207"/>
           <ac:spMkLst>
             <pc:docMk/>
             <pc:sldMk cId="300369435" sldId="629"/>
             <ac:spMk id="7" creationId="{067B623A-831A-91A0-4BE8-47368F61F7CD}"/>
           </ac:spMkLst>
         </pc:spChg>
+        <pc:cxnChg chg="mod">
+          <ac:chgData name="Nikola Sekulovski" userId="2345901e-73d2-462d-8b82-8af2d9a2a087" providerId="ADAL" clId="{E9D0067C-498F-4541-B9C7-5E6A919B1BEC}" dt="2024-10-15T16:35:33.592" v="523" actId="208"/>
+          <ac:cxnSpMkLst>
+            <pc:docMk/>
+            <pc:sldMk cId="300369435" sldId="629"/>
+            <ac:cxnSpMk id="2" creationId="{3F39B814-8560-195B-BAFC-909DC7F36EA8}"/>
+          </ac:cxnSpMkLst>
+        </pc:cxnChg>
+        <pc:cxnChg chg="mod">
+          <ac:chgData name="Nikola Sekulovski" userId="2345901e-73d2-462d-8b82-8af2d9a2a087" providerId="ADAL" clId="{E9D0067C-498F-4541-B9C7-5E6A919B1BEC}" dt="2024-10-15T16:35:39.338" v="524" actId="208"/>
+          <ac:cxnSpMkLst>
+            <pc:docMk/>
+            <pc:sldMk cId="300369435" sldId="629"/>
+            <ac:cxnSpMk id="5" creationId="{77FAB24F-CAB7-529A-088B-6F854184248C}"/>
+          </ac:cxnSpMkLst>
+        </pc:cxnChg>
       </pc:sldChg>
       <pc:sldChg chg="addSp modSp mod modNotesTx">
-        <pc:chgData name="Nikola Sekulovski" userId="2345901e-73d2-462d-8b82-8af2d9a2a087" providerId="ADAL" clId="{E9D0067C-498F-4541-B9C7-5E6A919B1BEC}" dt="2024-09-26T16:23:57.158" v="78" actId="20577"/>
+        <pc:chgData name="Nikola Sekulovski" userId="2345901e-73d2-462d-8b82-8af2d9a2a087" providerId="ADAL" clId="{E9D0067C-498F-4541-B9C7-5E6A919B1BEC}" dt="2024-10-15T16:35:51.694" v="526" actId="208"/>
         <pc:sldMkLst>
           <pc:docMk/>
           <pc:sldMk cId="4221003262" sldId="630"/>
         </pc:sldMkLst>
+        <pc:spChg chg="mod">
+          <ac:chgData name="Nikola Sekulovski" userId="2345901e-73d2-462d-8b82-8af2d9a2a087" providerId="ADAL" clId="{E9D0067C-498F-4541-B9C7-5E6A919B1BEC}" dt="2024-10-15T14:42:42.003" v="445" actId="207"/>
+          <ac:spMkLst>
+            <pc:docMk/>
+            <pc:sldMk cId="4221003262" sldId="630"/>
+            <ac:spMk id="3" creationId="{64A6622D-76FD-E4C2-BA24-1B9578A58117}"/>
+          </ac:spMkLst>
+        </pc:spChg>
+        <pc:spChg chg="mod">
+          <ac:chgData name="Nikola Sekulovski" userId="2345901e-73d2-462d-8b82-8af2d9a2a087" providerId="ADAL" clId="{E9D0067C-498F-4541-B9C7-5E6A919B1BEC}" dt="2024-10-15T14:42:42.003" v="445" actId="207"/>
+          <ac:spMkLst>
+            <pc:docMk/>
+            <pc:sldMk cId="4221003262" sldId="630"/>
+            <ac:spMk id="4" creationId="{8062C01B-9E8C-FA5A-1A77-3DBAF8936B61}"/>
+          </ac:spMkLst>
+        </pc:spChg>
+        <pc:spChg chg="mod">
+          <ac:chgData name="Nikola Sekulovski" userId="2345901e-73d2-462d-8b82-8af2d9a2a087" providerId="ADAL" clId="{E9D0067C-498F-4541-B9C7-5E6A919B1BEC}" dt="2024-10-15T14:42:42.003" v="445" actId="207"/>
+          <ac:spMkLst>
+            <pc:docMk/>
+            <pc:sldMk cId="4221003262" sldId="630"/>
+            <ac:spMk id="5" creationId="{FBDB601E-EF89-5862-A8A5-19A0723ED30B}"/>
+          </ac:spMkLst>
+        </pc:spChg>
+        <pc:spChg chg="mod">
+          <ac:chgData name="Nikola Sekulovski" userId="2345901e-73d2-462d-8b82-8af2d9a2a087" providerId="ADAL" clId="{E9D0067C-498F-4541-B9C7-5E6A919B1BEC}" dt="2024-10-15T14:42:42.003" v="445" actId="207"/>
+          <ac:spMkLst>
+            <pc:docMk/>
+            <pc:sldMk cId="4221003262" sldId="630"/>
+            <ac:spMk id="8" creationId="{9624573E-E82E-FC84-1909-43E0E85CB588}"/>
+          </ac:spMkLst>
+        </pc:spChg>
         <pc:spChg chg="add mod">
-          <ac:chgData name="Nikola Sekulovski" userId="2345901e-73d2-462d-8b82-8af2d9a2a087" providerId="ADAL" clId="{E9D0067C-498F-4541-B9C7-5E6A919B1BEC}" dt="2024-09-26T16:22:26.245" v="76" actId="1076"/>
+          <ac:chgData name="Nikola Sekulovski" userId="2345901e-73d2-462d-8b82-8af2d9a2a087" providerId="ADAL" clId="{E9D0067C-498F-4541-B9C7-5E6A919B1BEC}" dt="2024-10-15T14:42:42.003" v="445" actId="207"/>
           <ac:spMkLst>
             <pc:docMk/>
             <pc:sldMk cId="4221003262" sldId="630"/>
             <ac:spMk id="11" creationId="{A7CCDD77-8281-D4E6-58E1-E8978FB6464C}"/>
           </ac:spMkLst>
         </pc:spChg>
+        <pc:cxnChg chg="mod">
+          <ac:chgData name="Nikola Sekulovski" userId="2345901e-73d2-462d-8b82-8af2d9a2a087" providerId="ADAL" clId="{E9D0067C-498F-4541-B9C7-5E6A919B1BEC}" dt="2024-10-15T16:35:51.694" v="526" actId="208"/>
+          <ac:cxnSpMkLst>
+            <pc:docMk/>
+            <pc:sldMk cId="4221003262" sldId="630"/>
+            <ac:cxnSpMk id="2" creationId="{3C6FE399-71EE-12C0-6462-459A5F1D69BD}"/>
+          </ac:cxnSpMkLst>
+        </pc:cxnChg>
+        <pc:cxnChg chg="mod">
+          <ac:chgData name="Nikola Sekulovski" userId="2345901e-73d2-462d-8b82-8af2d9a2a087" providerId="ADAL" clId="{E9D0067C-498F-4541-B9C7-5E6A919B1BEC}" dt="2024-10-15T16:35:48.456" v="525" actId="208"/>
+          <ac:cxnSpMkLst>
+            <pc:docMk/>
+            <pc:sldMk cId="4221003262" sldId="630"/>
+            <ac:cxnSpMk id="7" creationId="{E85BD0E7-1C11-BF56-75CD-1114B1D2D95C}"/>
+          </ac:cxnSpMkLst>
+        </pc:cxnChg>
         <pc:cxnChg chg="add mod">
           <ac:chgData name="Nikola Sekulovski" userId="2345901e-73d2-462d-8b82-8af2d9a2a087" providerId="ADAL" clId="{E9D0067C-498F-4541-B9C7-5E6A919B1BEC}" dt="2024-09-26T16:20:59.925" v="63" actId="13822"/>
           <ac:cxnSpMkLst>
             <pc:docMk/>
             <pc:sldMk cId="4221003262" sldId="630"/>
             <ac:cxnSpMk id="10" creationId="{161D4A7A-6043-1FA1-2E88-A316E64CF093}"/>
+          </ac:cxnSpMkLst>
+        </pc:cxnChg>
+      </pc:sldChg>
+      <pc:sldChg chg="modSp del ord">
+        <pc:chgData name="Nikola Sekulovski" userId="2345901e-73d2-462d-8b82-8af2d9a2a087" providerId="ADAL" clId="{E9D0067C-498F-4541-B9C7-5E6A919B1BEC}" dt="2024-10-15T14:26:45.919" v="384"/>
+        <pc:sldMkLst>
+          <pc:docMk/>
+          <pc:sldMk cId="3241801107" sldId="660"/>
+        </pc:sldMkLst>
+        <pc:picChg chg="mod">
+          <ac:chgData name="Nikola Sekulovski" userId="2345901e-73d2-462d-8b82-8af2d9a2a087" providerId="ADAL" clId="{E9D0067C-498F-4541-B9C7-5E6A919B1BEC}" dt="2024-10-15T14:26:45.919" v="384"/>
+          <ac:picMkLst>
+            <pc:docMk/>
+            <pc:sldMk cId="3241801107" sldId="660"/>
+            <ac:picMk id="4" creationId="{3C1AE849-4E63-E5B7-F904-FDAE19890FFE}"/>
+          </ac:picMkLst>
+        </pc:picChg>
+      </pc:sldChg>
+      <pc:sldChg chg="del">
+        <pc:chgData name="Nikola Sekulovski" userId="2345901e-73d2-462d-8b82-8af2d9a2a087" providerId="ADAL" clId="{E9D0067C-498F-4541-B9C7-5E6A919B1BEC}" dt="2024-10-15T14:23:44.460" v="383" actId="2696"/>
+        <pc:sldMkLst>
+          <pc:docMk/>
+          <pc:sldMk cId="668909138" sldId="661"/>
+        </pc:sldMkLst>
+      </pc:sldChg>
+      <pc:sldChg chg="addSp delSp modSp mod">
+        <pc:chgData name="Nikola Sekulovski" userId="2345901e-73d2-462d-8b82-8af2d9a2a087" providerId="ADAL" clId="{E9D0067C-498F-4541-B9C7-5E6A919B1BEC}" dt="2024-10-15T14:28:44.813" v="416" actId="207"/>
+        <pc:sldMkLst>
+          <pc:docMk/>
+          <pc:sldMk cId="58150391" sldId="662"/>
+        </pc:sldMkLst>
+        <pc:spChg chg="mod">
+          <ac:chgData name="Nikola Sekulovski" userId="2345901e-73d2-462d-8b82-8af2d9a2a087" providerId="ADAL" clId="{E9D0067C-498F-4541-B9C7-5E6A919B1BEC}" dt="2024-10-15T14:27:20.637" v="404" actId="20577"/>
+          <ac:spMkLst>
+            <pc:docMk/>
+            <pc:sldMk cId="58150391" sldId="662"/>
+            <ac:spMk id="2" creationId="{622B24D6-FC48-74C7-FE23-095366399EEF}"/>
+          </ac:spMkLst>
+        </pc:spChg>
+        <pc:spChg chg="mod">
+          <ac:chgData name="Nikola Sekulovski" userId="2345901e-73d2-462d-8b82-8af2d9a2a087" providerId="ADAL" clId="{E9D0067C-498F-4541-B9C7-5E6A919B1BEC}" dt="2024-10-15T14:28:02.542" v="409" actId="207"/>
+          <ac:spMkLst>
+            <pc:docMk/>
+            <pc:sldMk cId="58150391" sldId="662"/>
+            <ac:spMk id="5" creationId="{DDFE8273-6E84-D4ED-5BF6-6E55E638EE51}"/>
+          </ac:spMkLst>
+        </pc:spChg>
+        <pc:spChg chg="mod">
+          <ac:chgData name="Nikola Sekulovski" userId="2345901e-73d2-462d-8b82-8af2d9a2a087" providerId="ADAL" clId="{E9D0067C-498F-4541-B9C7-5E6A919B1BEC}" dt="2024-10-15T14:28:06.018" v="410" actId="207"/>
+          <ac:spMkLst>
+            <pc:docMk/>
+            <pc:sldMk cId="58150391" sldId="662"/>
+            <ac:spMk id="11" creationId="{3FAA4AEB-BF05-FDA3-9E6D-951F44C4066C}"/>
+          </ac:spMkLst>
+        </pc:spChg>
+        <pc:spChg chg="mod">
+          <ac:chgData name="Nikola Sekulovski" userId="2345901e-73d2-462d-8b82-8af2d9a2a087" providerId="ADAL" clId="{E9D0067C-498F-4541-B9C7-5E6A919B1BEC}" dt="2024-10-15T14:27:58.796" v="408" actId="207"/>
+          <ac:spMkLst>
+            <pc:docMk/>
+            <pc:sldMk cId="58150391" sldId="662"/>
+            <ac:spMk id="14" creationId="{1C551667-3A3F-AF9C-903B-B7452A15A57F}"/>
+          </ac:spMkLst>
+        </pc:spChg>
+        <pc:spChg chg="mod">
+          <ac:chgData name="Nikola Sekulovski" userId="2345901e-73d2-462d-8b82-8af2d9a2a087" providerId="ADAL" clId="{E9D0067C-498F-4541-B9C7-5E6A919B1BEC}" dt="2024-10-15T14:28:44.813" v="416" actId="207"/>
+          <ac:spMkLst>
+            <pc:docMk/>
+            <pc:sldMk cId="58150391" sldId="662"/>
+            <ac:spMk id="18" creationId="{EC87A5C3-0203-76E5-C0CE-F27AE5C8516E}"/>
+          </ac:spMkLst>
+        </pc:spChg>
+        <pc:grpChg chg="mod">
+          <ac:chgData name="Nikola Sekulovski" userId="2345901e-73d2-462d-8b82-8af2d9a2a087" providerId="ADAL" clId="{E9D0067C-498F-4541-B9C7-5E6A919B1BEC}" dt="2024-10-15T14:27:38.950" v="406"/>
+          <ac:grpSpMkLst>
+            <pc:docMk/>
+            <pc:sldMk cId="58150391" sldId="662"/>
+            <ac:grpSpMk id="3" creationId="{0A6EE578-184A-BEA9-6F0E-03CB6B91810E}"/>
+          </ac:grpSpMkLst>
+        </pc:grpChg>
+        <pc:grpChg chg="add mod">
+          <ac:chgData name="Nikola Sekulovski" userId="2345901e-73d2-462d-8b82-8af2d9a2a087" providerId="ADAL" clId="{E9D0067C-498F-4541-B9C7-5E6A919B1BEC}" dt="2024-10-15T14:28:34.535" v="415" actId="1076"/>
+          <ac:grpSpMkLst>
+            <pc:docMk/>
+            <pc:sldMk cId="58150391" sldId="662"/>
+            <ac:grpSpMk id="6" creationId="{6C6388B6-E079-C20B-98C0-0541FF13FB78}"/>
+          </ac:grpSpMkLst>
+        </pc:grpChg>
+        <pc:grpChg chg="del mod">
+          <ac:chgData name="Nikola Sekulovski" userId="2345901e-73d2-462d-8b82-8af2d9a2a087" providerId="ADAL" clId="{E9D0067C-498F-4541-B9C7-5E6A919B1BEC}" dt="2024-10-15T14:28:31.155" v="413" actId="21"/>
+          <ac:grpSpMkLst>
+            <pc:docMk/>
+            <pc:sldMk cId="58150391" sldId="662"/>
+            <ac:grpSpMk id="15" creationId="{E3EA2FEB-1589-E0FC-D473-3E15B6E0E892}"/>
+          </ac:grpSpMkLst>
+        </pc:grpChg>
+        <pc:grpChg chg="mod">
+          <ac:chgData name="Nikola Sekulovski" userId="2345901e-73d2-462d-8b82-8af2d9a2a087" providerId="ADAL" clId="{E9D0067C-498F-4541-B9C7-5E6A919B1BEC}" dt="2024-10-15T14:27:42.467" v="407"/>
+          <ac:grpSpMkLst>
+            <pc:docMk/>
+            <pc:sldMk cId="58150391" sldId="662"/>
+            <ac:grpSpMk id="19" creationId="{02C07555-95AA-4358-7BDA-E8240E6CF583}"/>
+          </ac:grpSpMkLst>
+        </pc:grpChg>
+        <pc:picChg chg="mod">
+          <ac:chgData name="Nikola Sekulovski" userId="2345901e-73d2-462d-8b82-8af2d9a2a087" providerId="ADAL" clId="{E9D0067C-498F-4541-B9C7-5E6A919B1BEC}" dt="2024-10-15T14:28:28.265" v="411"/>
+          <ac:picMkLst>
+            <pc:docMk/>
+            <pc:sldMk cId="58150391" sldId="662"/>
+            <ac:picMk id="17" creationId="{7103F79B-2B50-B49D-9BF1-CA22ED837AE0}"/>
+          </ac:picMkLst>
+        </pc:picChg>
+      </pc:sldChg>
+      <pc:sldChg chg="addSp modSp mod">
+        <pc:chgData name="Nikola Sekulovski" userId="2345901e-73d2-462d-8b82-8af2d9a2a087" providerId="ADAL" clId="{E9D0067C-498F-4541-B9C7-5E6A919B1BEC}" dt="2024-10-15T16:36:09.788" v="528"/>
+        <pc:sldMkLst>
+          <pc:docMk/>
+          <pc:sldMk cId="1439737133" sldId="663"/>
+        </pc:sldMkLst>
+        <pc:spChg chg="mod">
+          <ac:chgData name="Nikola Sekulovski" userId="2345901e-73d2-462d-8b82-8af2d9a2a087" providerId="ADAL" clId="{E9D0067C-498F-4541-B9C7-5E6A919B1BEC}" dt="2024-10-15T14:42:35.913" v="444" actId="207"/>
+          <ac:spMkLst>
+            <pc:docMk/>
+            <pc:sldMk cId="1439737133" sldId="663"/>
+            <ac:spMk id="2" creationId="{7CAF2572-DFBC-5C3C-6DD1-7DF95DE9223F}"/>
+          </ac:spMkLst>
+        </pc:spChg>
+        <pc:spChg chg="mod">
+          <ac:chgData name="Nikola Sekulovski" userId="2345901e-73d2-462d-8b82-8af2d9a2a087" providerId="ADAL" clId="{E9D0067C-498F-4541-B9C7-5E6A919B1BEC}" dt="2024-10-15T14:42:35.913" v="444" actId="207"/>
+          <ac:spMkLst>
+            <pc:docMk/>
+            <pc:sldMk cId="1439737133" sldId="663"/>
+            <ac:spMk id="3" creationId="{8A88EDB2-006C-ED41-DC91-81A61AB06CEA}"/>
+          </ac:spMkLst>
+        </pc:spChg>
+        <pc:cxnChg chg="add mod">
+          <ac:chgData name="Nikola Sekulovski" userId="2345901e-73d2-462d-8b82-8af2d9a2a087" providerId="ADAL" clId="{E9D0067C-498F-4541-B9C7-5E6A919B1BEC}" dt="2024-10-15T16:36:03.191" v="527"/>
+          <ac:cxnSpMkLst>
+            <pc:docMk/>
+            <pc:sldMk cId="1439737133" sldId="663"/>
+            <ac:cxnSpMk id="4" creationId="{CDE7AA7B-B136-B4EB-9A00-6CBED1557F65}"/>
+          </ac:cxnSpMkLst>
+        </pc:cxnChg>
+        <pc:cxnChg chg="add mod">
+          <ac:chgData name="Nikola Sekulovski" userId="2345901e-73d2-462d-8b82-8af2d9a2a087" providerId="ADAL" clId="{E9D0067C-498F-4541-B9C7-5E6A919B1BEC}" dt="2024-10-15T16:36:09.788" v="528"/>
+          <ac:cxnSpMkLst>
+            <pc:docMk/>
+            <pc:sldMk cId="1439737133" sldId="663"/>
+            <ac:cxnSpMk id="5" creationId="{B35D8D84-43BC-3CD5-443B-E73499F0F029}"/>
+          </ac:cxnSpMkLst>
+        </pc:cxnChg>
+      </pc:sldChg>
+      <pc:sldChg chg="addSp delSp modSp mod ord">
+        <pc:chgData name="Nikola Sekulovski" userId="2345901e-73d2-462d-8b82-8af2d9a2a087" providerId="ADAL" clId="{E9D0067C-498F-4541-B9C7-5E6A919B1BEC}" dt="2024-10-15T14:38:40.395" v="418" actId="207"/>
+        <pc:sldMkLst>
+          <pc:docMk/>
+          <pc:sldMk cId="2349041220" sldId="664"/>
+        </pc:sldMkLst>
+        <pc:spChg chg="add mod">
+          <ac:chgData name="Nikola Sekulovski" userId="2345901e-73d2-462d-8b82-8af2d9a2a087" providerId="ADAL" clId="{E9D0067C-498F-4541-B9C7-5E6A919B1BEC}" dt="2024-10-15T14:38:33.569" v="417" actId="208"/>
+          <ac:spMkLst>
+            <pc:docMk/>
+            <pc:sldMk cId="2349041220" sldId="664"/>
+            <ac:spMk id="6" creationId="{CF95477D-05C2-0341-2868-2BB4F4F4BC9B}"/>
+          </ac:spMkLst>
+        </pc:spChg>
+        <pc:spChg chg="add mod">
+          <ac:chgData name="Nikola Sekulovski" userId="2345901e-73d2-462d-8b82-8af2d9a2a087" providerId="ADAL" clId="{E9D0067C-498F-4541-B9C7-5E6A919B1BEC}" dt="2024-10-15T14:38:40.395" v="418" actId="207"/>
+          <ac:spMkLst>
+            <pc:docMk/>
+            <pc:sldMk cId="2349041220" sldId="664"/>
+            <ac:spMk id="16" creationId="{DE6D348B-374B-E533-113B-D0DE5B9FE26D}"/>
+          </ac:spMkLst>
+        </pc:spChg>
+        <pc:grpChg chg="del">
+          <ac:chgData name="Nikola Sekulovski" userId="2345901e-73d2-462d-8b82-8af2d9a2a087" providerId="ADAL" clId="{E9D0067C-498F-4541-B9C7-5E6A919B1BEC}" dt="2024-10-15T14:23:32.253" v="380" actId="21"/>
+          <ac:grpSpMkLst>
+            <pc:docMk/>
+            <pc:sldMk cId="2349041220" sldId="664"/>
+            <ac:grpSpMk id="3" creationId="{0A6EE578-184A-BEA9-6F0E-03CB6B91810E}"/>
+          </ac:grpSpMkLst>
+        </pc:grpChg>
+        <pc:grpChg chg="del">
+          <ac:chgData name="Nikola Sekulovski" userId="2345901e-73d2-462d-8b82-8af2d9a2a087" providerId="ADAL" clId="{E9D0067C-498F-4541-B9C7-5E6A919B1BEC}" dt="2024-10-15T14:23:33.901" v="381" actId="21"/>
+          <ac:grpSpMkLst>
+            <pc:docMk/>
+            <pc:sldMk cId="2349041220" sldId="664"/>
+            <ac:grpSpMk id="15" creationId="{E3EA2FEB-1589-E0FC-D473-3E15B6E0E892}"/>
+          </ac:grpSpMkLst>
+        </pc:grpChg>
+        <pc:grpChg chg="del">
+          <ac:chgData name="Nikola Sekulovski" userId="2345901e-73d2-462d-8b82-8af2d9a2a087" providerId="ADAL" clId="{E9D0067C-498F-4541-B9C7-5E6A919B1BEC}" dt="2024-10-15T14:23:35.873" v="382" actId="21"/>
+          <ac:grpSpMkLst>
+            <pc:docMk/>
+            <pc:sldMk cId="2349041220" sldId="664"/>
+            <ac:grpSpMk id="24" creationId="{E4AE5124-3681-6045-E171-A02897581A44}"/>
+          </ac:grpSpMkLst>
+        </pc:grpChg>
+      </pc:sldChg>
+      <pc:sldChg chg="addSp delSp modSp new mod">
+        <pc:chgData name="Nikola Sekulovski" userId="2345901e-73d2-462d-8b82-8af2d9a2a087" providerId="ADAL" clId="{E9D0067C-498F-4541-B9C7-5E6A919B1BEC}" dt="2024-10-15T16:34:55.517" v="518"/>
+        <pc:sldMkLst>
+          <pc:docMk/>
+          <pc:sldMk cId="3936193047" sldId="665"/>
+        </pc:sldMkLst>
+        <pc:spChg chg="mod">
+          <ac:chgData name="Nikola Sekulovski" userId="2345901e-73d2-462d-8b82-8af2d9a2a087" providerId="ADAL" clId="{E9D0067C-498F-4541-B9C7-5E6A919B1BEC}" dt="2024-10-15T16:33:21.042" v="514" actId="20577"/>
+          <ac:spMkLst>
+            <pc:docMk/>
+            <pc:sldMk cId="3936193047" sldId="665"/>
+            <ac:spMk id="2" creationId="{AAD24308-1F07-1F8F-078D-1E48E9D3142C}"/>
+          </ac:spMkLst>
+        </pc:spChg>
+        <pc:spChg chg="del">
+          <ac:chgData name="Nikola Sekulovski" userId="2345901e-73d2-462d-8b82-8af2d9a2a087" providerId="ADAL" clId="{E9D0067C-498F-4541-B9C7-5E6A919B1BEC}" dt="2024-10-15T14:51:30.002" v="479" actId="21"/>
+          <ac:spMkLst>
+            <pc:docMk/>
+            <pc:sldMk cId="3936193047" sldId="665"/>
+            <ac:spMk id="3" creationId="{B124AAAF-EFED-BEE3-B014-078A71762E12}"/>
+          </ac:spMkLst>
+        </pc:spChg>
+        <pc:picChg chg="add mod">
+          <ac:chgData name="Nikola Sekulovski" userId="2345901e-73d2-462d-8b82-8af2d9a2a087" providerId="ADAL" clId="{E9D0067C-498F-4541-B9C7-5E6A919B1BEC}" dt="2024-10-15T14:55:25.795" v="483" actId="1076"/>
+          <ac:picMkLst>
+            <pc:docMk/>
+            <pc:sldMk cId="3936193047" sldId="665"/>
+            <ac:picMk id="1026" creationId="{15AB652E-4DAA-3F5A-F1C7-9099559F90D8}"/>
+          </ac:picMkLst>
+        </pc:picChg>
+        <pc:cxnChg chg="add mod">
+          <ac:chgData name="Nikola Sekulovski" userId="2345901e-73d2-462d-8b82-8af2d9a2a087" providerId="ADAL" clId="{E9D0067C-498F-4541-B9C7-5E6A919B1BEC}" dt="2024-10-15T16:34:46.225" v="517"/>
+          <ac:cxnSpMkLst>
+            <pc:docMk/>
+            <pc:sldMk cId="3936193047" sldId="665"/>
+            <ac:cxnSpMk id="4" creationId="{F7C39DC7-FB21-30FB-198E-276BC130208D}"/>
+          </ac:cxnSpMkLst>
+        </pc:cxnChg>
+        <pc:cxnChg chg="add mod">
+          <ac:chgData name="Nikola Sekulovski" userId="2345901e-73d2-462d-8b82-8af2d9a2a087" providerId="ADAL" clId="{E9D0067C-498F-4541-B9C7-5E6A919B1BEC}" dt="2024-10-15T16:34:55.517" v="518"/>
+          <ac:cxnSpMkLst>
+            <pc:docMk/>
+            <pc:sldMk cId="3936193047" sldId="665"/>
+            <ac:cxnSpMk id="5" creationId="{3DAFE5F1-A64B-0C0F-D8CE-E48E178A2203}"/>
           </ac:cxnSpMkLst>
         </pc:cxnChg>
       </pc:sldChg>
@@ -9879,7 +10815,7 @@
           <a:p>
             <a:fld id="{F5E6E0F9-A748-BE43-8F37-489A4C0070B0}" type="datetimeFigureOut">
               <a:rPr lang="en-US" smtClean="0"/>
-              <a:t>10/10/2024</a:t>
+              <a:t>10/15/2024</a:t>
             </a:fld>
             <a:endParaRPr lang="en-US"/>
           </a:p>
@@ -10379,7 +11315,7 @@
           <a:p>
             <a:fld id="{633D20B2-3F9A-E745-B8DA-1B81CB7B46DB}" type="slidenum">
               <a:rPr lang="en-US" smtClean="0"/>
-              <a:t>11</a:t>
+              <a:t>12</a:t>
             </a:fld>
             <a:endParaRPr lang="en-US"/>
           </a:p>
@@ -10463,7 +11399,175 @@
           <a:p>
             <a:fld id="{633D20B2-3F9A-E745-B8DA-1B81CB7B46DB}" type="slidenum">
               <a:rPr lang="en-US" smtClean="0"/>
-              <a:t>12</a:t>
+              <a:t>13</a:t>
+            </a:fld>
+            <a:endParaRPr lang="en-US"/>
+          </a:p>
+        </p:txBody>
+      </p:sp>
+    </p:spTree>
+    <p:extLst>
+      <p:ext uri="{BB962C8B-B14F-4D97-AF65-F5344CB8AC3E}">
+        <p14:creationId xmlns:p14="http://schemas.microsoft.com/office/powerpoint/2010/main" val="2228875857"/>
+      </p:ext>
+    </p:extLst>
+  </p:cSld>
+  <p:clrMapOvr>
+    <a:masterClrMapping/>
+  </p:clrMapOvr>
+</p:notes>
+</file>
+
+<file path=ppt/notesSlides/notesSlide13.xml><?xml version="1.0" encoding="utf-8"?>
+<p:notes xmlns:a="http://schemas.openxmlformats.org/drawingml/2006/main" xmlns:r="http://schemas.openxmlformats.org/officeDocument/2006/relationships" xmlns:p="http://schemas.openxmlformats.org/presentationml/2006/main">
+  <p:cSld>
+    <p:spTree>
+      <p:nvGrpSpPr>
+        <p:cNvPr id="1" name=""/>
+        <p:cNvGrpSpPr/>
+        <p:nvPr/>
+      </p:nvGrpSpPr>
+      <p:grpSpPr>
+        <a:xfrm>
+          <a:off x="0" y="0"/>
+          <a:ext cx="0" cy="0"/>
+          <a:chOff x="0" y="0"/>
+          <a:chExt cx="0" cy="0"/>
+        </a:xfrm>
+      </p:grpSpPr>
+      <p:sp>
+        <p:nvSpPr>
+          <p:cNvPr id="2" name="Slide Image Placeholder 1"/>
+          <p:cNvSpPr>
+            <a:spLocks noGrp="1" noRot="1" noChangeAspect="1"/>
+          </p:cNvSpPr>
+          <p:nvPr>
+            <p:ph type="sldImg"/>
+          </p:nvPr>
+        </p:nvSpPr>
+        <p:spPr/>
+      </p:sp>
+      <p:sp>
+        <p:nvSpPr>
+          <p:cNvPr id="3" name="Notes Placeholder 2"/>
+          <p:cNvSpPr>
+            <a:spLocks noGrp="1"/>
+          </p:cNvSpPr>
+          <p:nvPr>
+            <p:ph type="body" idx="1"/>
+          </p:nvPr>
+        </p:nvSpPr>
+        <p:spPr/>
+        <p:txBody>
+          <a:bodyPr/>
+          <a:lstStyle/>
+          <a:p>
+            <a:endParaRPr lang="en-US" dirty="0"/>
+          </a:p>
+        </p:txBody>
+      </p:sp>
+      <p:sp>
+        <p:nvSpPr>
+          <p:cNvPr id="4" name="Slide Number Placeholder 3"/>
+          <p:cNvSpPr>
+            <a:spLocks noGrp="1"/>
+          </p:cNvSpPr>
+          <p:nvPr>
+            <p:ph type="sldNum" sz="quarter" idx="5"/>
+          </p:nvPr>
+        </p:nvSpPr>
+        <p:spPr/>
+        <p:txBody>
+          <a:bodyPr/>
+          <a:lstStyle/>
+          <a:p>
+            <a:fld id="{633D20B2-3F9A-E745-B8DA-1B81CB7B46DB}" type="slidenum">
+              <a:rPr lang="en-US" smtClean="0"/>
+              <a:t>14</a:t>
+            </a:fld>
+            <a:endParaRPr lang="en-US"/>
+          </a:p>
+        </p:txBody>
+      </p:sp>
+    </p:spTree>
+    <p:extLst>
+      <p:ext uri="{BB962C8B-B14F-4D97-AF65-F5344CB8AC3E}">
+        <p14:creationId xmlns:p14="http://schemas.microsoft.com/office/powerpoint/2010/main" val="3851513215"/>
+      </p:ext>
+    </p:extLst>
+  </p:cSld>
+  <p:clrMapOvr>
+    <a:masterClrMapping/>
+  </p:clrMapOvr>
+</p:notes>
+</file>
+
+<file path=ppt/notesSlides/notesSlide14.xml><?xml version="1.0" encoding="utf-8"?>
+<p:notes xmlns:a="http://schemas.openxmlformats.org/drawingml/2006/main" xmlns:r="http://schemas.openxmlformats.org/officeDocument/2006/relationships" xmlns:p="http://schemas.openxmlformats.org/presentationml/2006/main">
+  <p:cSld>
+    <p:spTree>
+      <p:nvGrpSpPr>
+        <p:cNvPr id="1" name=""/>
+        <p:cNvGrpSpPr/>
+        <p:nvPr/>
+      </p:nvGrpSpPr>
+      <p:grpSpPr>
+        <a:xfrm>
+          <a:off x="0" y="0"/>
+          <a:ext cx="0" cy="0"/>
+          <a:chOff x="0" y="0"/>
+          <a:chExt cx="0" cy="0"/>
+        </a:xfrm>
+      </p:grpSpPr>
+      <p:sp>
+        <p:nvSpPr>
+          <p:cNvPr id="2" name="Slide Image Placeholder 1"/>
+          <p:cNvSpPr>
+            <a:spLocks noGrp="1" noRot="1" noChangeAspect="1"/>
+          </p:cNvSpPr>
+          <p:nvPr>
+            <p:ph type="sldImg"/>
+          </p:nvPr>
+        </p:nvSpPr>
+        <p:spPr/>
+      </p:sp>
+      <p:sp>
+        <p:nvSpPr>
+          <p:cNvPr id="3" name="Notes Placeholder 2"/>
+          <p:cNvSpPr>
+            <a:spLocks noGrp="1"/>
+          </p:cNvSpPr>
+          <p:nvPr>
+            <p:ph type="body" idx="1"/>
+          </p:nvPr>
+        </p:nvSpPr>
+        <p:spPr/>
+        <p:txBody>
+          <a:bodyPr/>
+          <a:lstStyle/>
+          <a:p>
+            <a:endParaRPr lang="en-US" dirty="0"/>
+          </a:p>
+        </p:txBody>
+      </p:sp>
+      <p:sp>
+        <p:nvSpPr>
+          <p:cNvPr id="4" name="Slide Number Placeholder 3"/>
+          <p:cNvSpPr>
+            <a:spLocks noGrp="1"/>
+          </p:cNvSpPr>
+          <p:nvPr>
+            <p:ph type="sldNum" sz="quarter" idx="5"/>
+          </p:nvPr>
+        </p:nvSpPr>
+        <p:spPr/>
+        <p:txBody>
+          <a:bodyPr/>
+          <a:lstStyle/>
+          <a:p>
+            <a:fld id="{633D20B2-3F9A-E745-B8DA-1B81CB7B46DB}" type="slidenum">
+              <a:rPr lang="en-US" smtClean="0"/>
+              <a:t>15</a:t>
             </a:fld>
             <a:endParaRPr lang="en-US"/>
           </a:p>
@@ -10482,7 +11586,7 @@
 </p:notes>
 </file>
 
-<file path=ppt/notesSlides/notesSlide13.xml><?xml version="1.0" encoding="utf-8"?>
+<file path=ppt/notesSlides/notesSlide15.xml><?xml version="1.0" encoding="utf-8"?>
 <p:notes xmlns:a="http://schemas.openxmlformats.org/drawingml/2006/main" xmlns:r="http://schemas.openxmlformats.org/officeDocument/2006/relationships" xmlns:p="http://schemas.openxmlformats.org/presentationml/2006/main">
   <p:cSld>
     <p:spTree>
@@ -10560,7 +11664,7 @@
           <a:p>
             <a:fld id="{633D20B2-3F9A-E745-B8DA-1B81CB7B46DB}" type="slidenum">
               <a:rPr lang="en-US" smtClean="0"/>
-              <a:t>13</a:t>
+              <a:t>16</a:t>
             </a:fld>
             <a:endParaRPr lang="en-US"/>
           </a:p>
@@ -10570,174 +11674,6 @@
     <p:extLst>
       <p:ext uri="{BB962C8B-B14F-4D97-AF65-F5344CB8AC3E}">
         <p14:creationId xmlns:p14="http://schemas.microsoft.com/office/powerpoint/2010/main" val="2242441738"/>
-      </p:ext>
-    </p:extLst>
-  </p:cSld>
-  <p:clrMapOvr>
-    <a:masterClrMapping/>
-  </p:clrMapOvr>
-</p:notes>
-</file>
-
-<file path=ppt/notesSlides/notesSlide14.xml><?xml version="1.0" encoding="utf-8"?>
-<p:notes xmlns:a="http://schemas.openxmlformats.org/drawingml/2006/main" xmlns:r="http://schemas.openxmlformats.org/officeDocument/2006/relationships" xmlns:p="http://schemas.openxmlformats.org/presentationml/2006/main">
-  <p:cSld>
-    <p:spTree>
-      <p:nvGrpSpPr>
-        <p:cNvPr id="1" name=""/>
-        <p:cNvGrpSpPr/>
-        <p:nvPr/>
-      </p:nvGrpSpPr>
-      <p:grpSpPr>
-        <a:xfrm>
-          <a:off x="0" y="0"/>
-          <a:ext cx="0" cy="0"/>
-          <a:chOff x="0" y="0"/>
-          <a:chExt cx="0" cy="0"/>
-        </a:xfrm>
-      </p:grpSpPr>
-      <p:sp>
-        <p:nvSpPr>
-          <p:cNvPr id="2" name="Slide Image Placeholder 1"/>
-          <p:cNvSpPr>
-            <a:spLocks noGrp="1" noRot="1" noChangeAspect="1"/>
-          </p:cNvSpPr>
-          <p:nvPr>
-            <p:ph type="sldImg"/>
-          </p:nvPr>
-        </p:nvSpPr>
-        <p:spPr/>
-      </p:sp>
-      <p:sp>
-        <p:nvSpPr>
-          <p:cNvPr id="3" name="Notes Placeholder 2"/>
-          <p:cNvSpPr>
-            <a:spLocks noGrp="1"/>
-          </p:cNvSpPr>
-          <p:nvPr>
-            <p:ph type="body" idx="1"/>
-          </p:nvPr>
-        </p:nvSpPr>
-        <p:spPr/>
-        <p:txBody>
-          <a:bodyPr/>
-          <a:lstStyle/>
-          <a:p>
-            <a:endParaRPr lang="en-US" dirty="0"/>
-          </a:p>
-        </p:txBody>
-      </p:sp>
-      <p:sp>
-        <p:nvSpPr>
-          <p:cNvPr id="4" name="Slide Number Placeholder 3"/>
-          <p:cNvSpPr>
-            <a:spLocks noGrp="1"/>
-          </p:cNvSpPr>
-          <p:nvPr>
-            <p:ph type="sldNum" sz="quarter" idx="5"/>
-          </p:nvPr>
-        </p:nvSpPr>
-        <p:spPr/>
-        <p:txBody>
-          <a:bodyPr/>
-          <a:lstStyle/>
-          <a:p>
-            <a:fld id="{633D20B2-3F9A-E745-B8DA-1B81CB7B46DB}" type="slidenum">
-              <a:rPr lang="en-US" smtClean="0"/>
-              <a:t>14</a:t>
-            </a:fld>
-            <a:endParaRPr lang="en-US"/>
-          </a:p>
-        </p:txBody>
-      </p:sp>
-    </p:spTree>
-    <p:extLst>
-      <p:ext uri="{BB962C8B-B14F-4D97-AF65-F5344CB8AC3E}">
-        <p14:creationId xmlns:p14="http://schemas.microsoft.com/office/powerpoint/2010/main" val="2228875857"/>
-      </p:ext>
-    </p:extLst>
-  </p:cSld>
-  <p:clrMapOvr>
-    <a:masterClrMapping/>
-  </p:clrMapOvr>
-</p:notes>
-</file>
-
-<file path=ppt/notesSlides/notesSlide15.xml><?xml version="1.0" encoding="utf-8"?>
-<p:notes xmlns:a="http://schemas.openxmlformats.org/drawingml/2006/main" xmlns:r="http://schemas.openxmlformats.org/officeDocument/2006/relationships" xmlns:p="http://schemas.openxmlformats.org/presentationml/2006/main">
-  <p:cSld>
-    <p:spTree>
-      <p:nvGrpSpPr>
-        <p:cNvPr id="1" name=""/>
-        <p:cNvGrpSpPr/>
-        <p:nvPr/>
-      </p:nvGrpSpPr>
-      <p:grpSpPr>
-        <a:xfrm>
-          <a:off x="0" y="0"/>
-          <a:ext cx="0" cy="0"/>
-          <a:chOff x="0" y="0"/>
-          <a:chExt cx="0" cy="0"/>
-        </a:xfrm>
-      </p:grpSpPr>
-      <p:sp>
-        <p:nvSpPr>
-          <p:cNvPr id="2" name="Slide Image Placeholder 1"/>
-          <p:cNvSpPr>
-            <a:spLocks noGrp="1" noRot="1" noChangeAspect="1"/>
-          </p:cNvSpPr>
-          <p:nvPr>
-            <p:ph type="sldImg"/>
-          </p:nvPr>
-        </p:nvSpPr>
-        <p:spPr/>
-      </p:sp>
-      <p:sp>
-        <p:nvSpPr>
-          <p:cNvPr id="3" name="Notes Placeholder 2"/>
-          <p:cNvSpPr>
-            <a:spLocks noGrp="1"/>
-          </p:cNvSpPr>
-          <p:nvPr>
-            <p:ph type="body" idx="1"/>
-          </p:nvPr>
-        </p:nvSpPr>
-        <p:spPr/>
-        <p:txBody>
-          <a:bodyPr/>
-          <a:lstStyle/>
-          <a:p>
-            <a:endParaRPr lang="en-US" dirty="0"/>
-          </a:p>
-        </p:txBody>
-      </p:sp>
-      <p:sp>
-        <p:nvSpPr>
-          <p:cNvPr id="4" name="Slide Number Placeholder 3"/>
-          <p:cNvSpPr>
-            <a:spLocks noGrp="1"/>
-          </p:cNvSpPr>
-          <p:nvPr>
-            <p:ph type="sldNum" sz="quarter" idx="5"/>
-          </p:nvPr>
-        </p:nvSpPr>
-        <p:spPr/>
-        <p:txBody>
-          <a:bodyPr/>
-          <a:lstStyle/>
-          <a:p>
-            <a:fld id="{633D20B2-3F9A-E745-B8DA-1B81CB7B46DB}" type="slidenum">
-              <a:rPr lang="en-US" smtClean="0"/>
-              <a:t>15</a:t>
-            </a:fld>
-            <a:endParaRPr lang="en-US"/>
-          </a:p>
-        </p:txBody>
-      </p:sp>
-    </p:spTree>
-    <p:extLst>
-      <p:ext uri="{BB962C8B-B14F-4D97-AF65-F5344CB8AC3E}">
-        <p14:creationId xmlns:p14="http://schemas.microsoft.com/office/powerpoint/2010/main" val="3851513215"/>
       </p:ext>
     </p:extLst>
   </p:cSld>
@@ -10812,7 +11748,7 @@
           <a:p>
             <a:fld id="{633D20B2-3F9A-E745-B8DA-1B81CB7B46DB}" type="slidenum">
               <a:rPr lang="en-US" smtClean="0"/>
-              <a:t>16</a:t>
+              <a:t>17</a:t>
             </a:fld>
             <a:endParaRPr lang="en-US"/>
           </a:p>
@@ -10920,7 +11856,7 @@
           <a:p>
             <a:fld id="{DFB3E1A2-D778-C442-AB48-8F91582977C6}" type="slidenum">
               <a:rPr lang="en-US" smtClean="0"/>
-              <a:t>17</a:t>
+              <a:t>18</a:t>
             </a:fld>
             <a:endParaRPr lang="en-US"/>
           </a:p>
@@ -11028,7 +11964,7 @@
           <a:p>
             <a:fld id="{633D20B2-3F9A-E745-B8DA-1B81CB7B46DB}" type="slidenum">
               <a:rPr lang="en-US" smtClean="0"/>
-              <a:t>19</a:t>
+              <a:t>20</a:t>
             </a:fld>
             <a:endParaRPr lang="en-US"/>
           </a:p>
@@ -11914,7 +12850,7 @@
           <a:p>
             <a:fld id="{ED291B17-9318-49DB-B28B-6E5994AE9581}" type="datetime1">
               <a:rPr lang="en-US" smtClean="0"/>
-              <a:t>10/10/2024</a:t>
+              <a:t>10/15/2024</a:t>
             </a:fld>
             <a:endParaRPr lang="en-US" dirty="0"/>
           </a:p>
@@ -12112,7 +13048,7 @@
           <a:p>
             <a:fld id="{2CED4963-E985-44C4-B8C4-FDD613B7C2F8}" type="datetime1">
               <a:rPr lang="en-US" smtClean="0"/>
-              <a:t>10/10/2024</a:t>
+              <a:t>10/15/2024</a:t>
             </a:fld>
             <a:endParaRPr lang="en-US" dirty="0"/>
           </a:p>
@@ -12320,7 +13256,7 @@
           <a:p>
             <a:fld id="{ED291B17-9318-49DB-B28B-6E5994AE9581}" type="datetime1">
               <a:rPr lang="en-US" smtClean="0"/>
-              <a:t>10/10/2024</a:t>
+              <a:t>10/15/2024</a:t>
             </a:fld>
             <a:endParaRPr lang="en-US" dirty="0"/>
           </a:p>
@@ -12518,7 +13454,7 @@
           <a:p>
             <a:fld id="{78DD82B9-B8EE-4375-B6FF-88FA6ABB15D9}" type="datetime1">
               <a:rPr lang="en-US" smtClean="0"/>
-              <a:t>10/10/2024</a:t>
+              <a:t>10/15/2024</a:t>
             </a:fld>
             <a:endParaRPr lang="en-US" dirty="0"/>
           </a:p>
@@ -12793,7 +13729,7 @@
           <a:p>
             <a:fld id="{B2497495-0637-405E-AE64-5CC7506D51F5}" type="datetime1">
               <a:rPr lang="en-US" smtClean="0"/>
-              <a:t>10/10/2024</a:t>
+              <a:t>10/15/2024</a:t>
             </a:fld>
             <a:endParaRPr lang="en-US" dirty="0"/>
           </a:p>
@@ -13058,7 +13994,7 @@
           <a:p>
             <a:fld id="{7BFFD690-9426-415D-8B65-26881E07B2D4}" type="datetime1">
               <a:rPr lang="en-US" smtClean="0"/>
-              <a:t>10/10/2024</a:t>
+              <a:t>10/15/2024</a:t>
             </a:fld>
             <a:endParaRPr lang="en-US" dirty="0"/>
           </a:p>
@@ -13470,7 +14406,7 @@
           <a:p>
             <a:fld id="{04C4989A-474C-40DE-95B9-011C28B71673}" type="datetime1">
               <a:rPr lang="en-US" smtClean="0"/>
-              <a:t>10/10/2024</a:t>
+              <a:t>10/15/2024</a:t>
             </a:fld>
             <a:endParaRPr lang="en-US" dirty="0"/>
           </a:p>
@@ -13611,7 +14547,7 @@
           <a:p>
             <a:fld id="{5DB4ED54-5B5E-4A04-93D3-5772E3CE3818}" type="datetime1">
               <a:rPr lang="en-US" smtClean="0"/>
-              <a:t>10/10/2024</a:t>
+              <a:t>10/15/2024</a:t>
             </a:fld>
             <a:endParaRPr lang="en-US" dirty="0"/>
           </a:p>
@@ -13724,7 +14660,7 @@
           <a:p>
             <a:fld id="{4EDE50D6-574B-40AF-946F-D52A04ADE379}" type="datetime1">
               <a:rPr lang="en-US" smtClean="0"/>
-              <a:t>10/10/2024</a:t>
+              <a:t>10/15/2024</a:t>
             </a:fld>
             <a:endParaRPr lang="en-US" dirty="0"/>
           </a:p>
@@ -14035,7 +14971,7 @@
           <a:p>
             <a:fld id="{D82884F1-FFEA-405F-9602-3DCA865EDA4E}" type="datetime1">
               <a:rPr lang="en-US" smtClean="0"/>
-              <a:t>10/10/2024</a:t>
+              <a:t>10/15/2024</a:t>
             </a:fld>
             <a:endParaRPr lang="en-US" dirty="0"/>
           </a:p>
@@ -14324,7 +15260,7 @@
           <a:p>
             <a:fld id="{7E18DB4A-8810-4A10-AD5C-D5E2C667F5B3}" type="datetime1">
               <a:rPr lang="en-US" smtClean="0"/>
-              <a:t>10/10/2024</a:t>
+              <a:t>10/15/2024</a:t>
             </a:fld>
             <a:endParaRPr lang="en-US" dirty="0"/>
           </a:p>
@@ -14566,7 +15502,7 @@
           <a:p>
             <a:fld id="{ED291B17-9318-49DB-B28B-6E5994AE9581}" type="datetime1">
               <a:rPr lang="en-US" smtClean="0"/>
-              <a:t>10/10/2024</a:t>
+              <a:t>10/15/2024</a:t>
             </a:fld>
             <a:endParaRPr lang="en-US" dirty="0"/>
           </a:p>
@@ -15115,8 +16051,8 @@
         </p:nvSpPr>
         <p:spPr>
           <a:xfrm>
-            <a:off x="111338" y="5401266"/>
-            <a:ext cx="4018918" cy="1200329"/>
+            <a:off x="111337" y="5401266"/>
+            <a:ext cx="4749097" cy="1200329"/>
           </a:xfrm>
           <a:prstGeom prst="rect">
             <a:avLst/>
@@ -15136,15 +16072,14 @@
                   <a:srgbClr val="1F3764"/>
                 </a:solidFill>
                 <a:effectLst/>
-                <a:latin typeface="Helvetica"/>
-                <a:cs typeface="Helvetica"/>
+                <a:latin typeface="Helvetica" pitchFamily="2" charset="0"/>
               </a:rPr>
-              <a:t>What is psychometrics? 2024</a:t>
+              <a:t>Bayesian Methods for the Social Sciences II</a:t>
             </a:r>
           </a:p>
           <a:p>
             <a:r>
-              <a:rPr lang="en-US" dirty="0">
+              <a:rPr lang="en-US" dirty="0" err="1">
                 <a:solidFill>
                   <a:srgbClr val="0563C1"/>
                 </a:solidFill>
@@ -15230,7 +16165,7 @@
           </a:p>
           <a:p>
             <a:r>
-              <a:rPr lang="en-NL">
+              <a:rPr lang="en-NL" dirty="0">
                 <a:solidFill>
                   <a:schemeClr val="accent1">
                     <a:lumMod val="50000"/>
@@ -15241,15 +16176,6 @@
               </a:rPr>
               <a:t>Credit for slides: Karoline Huth </a:t>
             </a:r>
-            <a:endParaRPr lang="en-NL" dirty="0">
-              <a:solidFill>
-                <a:schemeClr val="accent1">
-                  <a:lumMod val="50000"/>
-                </a:schemeClr>
-              </a:solidFill>
-              <a:latin typeface="Helvetica"/>
-              <a:cs typeface="Times New Roman"/>
-            </a:endParaRPr>
           </a:p>
         </p:txBody>
       </p:sp>
@@ -15741,7 +16667,9 @@
             <a:r>
               <a:rPr lang="en-US" sz="2200" b="1" dirty="0">
                 <a:solidFill>
-                  <a:schemeClr val="accent2"/>
+                  <a:schemeClr val="accent1">
+                    <a:lumMod val="50000"/>
+                  </a:schemeClr>
                 </a:solidFill>
                 <a:latin typeface="Helvetica" pitchFamily="2" charset="0"/>
                 <a:cs typeface="Courier New" panose="02070309020205020404" pitchFamily="49" charset="0"/>
@@ -15751,7 +16679,9 @@
             <a:r>
               <a:rPr lang="en-US" sz="2200" dirty="0">
                 <a:solidFill>
-                  <a:schemeClr val="accent2"/>
+                  <a:schemeClr val="accent1">
+                    <a:lumMod val="50000"/>
+                  </a:schemeClr>
                 </a:solidFill>
                 <a:latin typeface="Helvetica" pitchFamily="2" charset="0"/>
                 <a:cs typeface="Courier New" panose="02070309020205020404" pitchFamily="49" charset="0"/>
@@ -15763,7 +16693,9 @@
             <a:r>
               <a:rPr lang="en-US" sz="2200" dirty="0">
                 <a:solidFill>
-                  <a:schemeClr val="tx1"/>
+                  <a:schemeClr val="accent1">
+                    <a:lumMod val="50000"/>
+                  </a:schemeClr>
                 </a:solidFill>
                 <a:latin typeface="Helvetica" pitchFamily="2" charset="0"/>
                 <a:cs typeface="Courier New" panose="02070309020205020404" pitchFamily="49" charset="0"/>
@@ -15774,7 +16706,9 @@
           <a:p>
             <a:endParaRPr lang="en-US" sz="2200" dirty="0">
               <a:solidFill>
-                <a:schemeClr val="tx1"/>
+                <a:schemeClr val="accent1">
+                  <a:lumMod val="50000"/>
+                </a:schemeClr>
               </a:solidFill>
               <a:latin typeface="Helvetica" pitchFamily="2" charset="0"/>
               <a:cs typeface="Courier New" panose="02070309020205020404" pitchFamily="49" charset="0"/>
@@ -15784,7 +16718,9 @@
             <a:r>
               <a:rPr lang="en-US" sz="2200" b="1" dirty="0">
                 <a:solidFill>
-                  <a:schemeClr val="accent2"/>
+                  <a:schemeClr val="accent1">
+                    <a:lumMod val="50000"/>
+                  </a:schemeClr>
                 </a:solidFill>
                 <a:latin typeface="Helvetica" pitchFamily="2" charset="0"/>
                 <a:cs typeface="Courier New" panose="02070309020205020404" pitchFamily="49" charset="0"/>
@@ -15796,7 +16732,9 @@
             <a:r>
               <a:rPr lang="en-US" sz="2200" dirty="0">
                 <a:solidFill>
-                  <a:schemeClr val="tx1"/>
+                  <a:schemeClr val="accent1">
+                    <a:lumMod val="50000"/>
+                  </a:schemeClr>
                 </a:solidFill>
                 <a:latin typeface="Helvetica" pitchFamily="2" charset="0"/>
                 <a:cs typeface="Courier New" panose="02070309020205020404" pitchFamily="49" charset="0"/>
@@ -15808,7 +16746,9 @@
             <a:r>
               <a:rPr lang="en-US" sz="2200" dirty="0">
                 <a:solidFill>
-                  <a:schemeClr val="tx1"/>
+                  <a:schemeClr val="accent1">
+                    <a:lumMod val="50000"/>
+                  </a:schemeClr>
                 </a:solidFill>
                 <a:latin typeface="Helvetica" pitchFamily="2" charset="0"/>
                 <a:cs typeface="Courier New" panose="02070309020205020404" pitchFamily="49" charset="0"/>
@@ -15819,7 +16759,9 @@
           <a:p>
             <a:endParaRPr lang="en-US" sz="2200" dirty="0">
               <a:solidFill>
-                <a:schemeClr val="tx1"/>
+                <a:schemeClr val="accent1">
+                  <a:lumMod val="50000"/>
+                </a:schemeClr>
               </a:solidFill>
               <a:latin typeface="Helvetica" pitchFamily="2" charset="0"/>
               <a:cs typeface="Courier New" panose="02070309020205020404" pitchFamily="49" charset="0"/>
@@ -15829,7 +16771,9 @@
             <a:r>
               <a:rPr lang="en-US" sz="2200" b="1" dirty="0">
                 <a:solidFill>
-                  <a:schemeClr val="accent2"/>
+                  <a:schemeClr val="accent1">
+                    <a:lumMod val="50000"/>
+                  </a:schemeClr>
                 </a:solidFill>
                 <a:latin typeface="Helvetica" pitchFamily="2" charset="0"/>
                 <a:cs typeface="Courier New" panose="02070309020205020404" pitchFamily="49" charset="0"/>
@@ -15841,7 +16785,9 @@
             <a:r>
               <a:rPr lang="en-US" sz="2200" dirty="0">
                 <a:solidFill>
-                  <a:schemeClr val="tx1"/>
+                  <a:schemeClr val="accent1">
+                    <a:lumMod val="50000"/>
+                  </a:schemeClr>
                 </a:solidFill>
                 <a:latin typeface="Helvetica" pitchFamily="2" charset="0"/>
                 <a:cs typeface="Courier New" panose="02070309020205020404" pitchFamily="49" charset="0"/>
@@ -15900,6 +16846,11 @@
           <a:p>
             <a:r>
               <a:rPr lang="en-US" sz="4800" b="1" dirty="0">
+                <a:solidFill>
+                  <a:schemeClr val="accent1">
+                    <a:lumMod val="50000"/>
+                  </a:schemeClr>
+                </a:solidFill>
                 <a:latin typeface="Helvetica" pitchFamily="2" charset="0"/>
                 <a:cs typeface="Courier New" panose="02070309020205020404" pitchFamily="49" charset="0"/>
               </a:rPr>
@@ -15930,10 +16881,7 @@
           </a:prstGeom>
           <a:ln w="57150">
             <a:solidFill>
-              <a:schemeClr val="accent2">
-                <a:lumMod val="60000"/>
-                <a:lumOff val="40000"/>
-              </a:schemeClr>
+              <a:srgbClr val="002060"/>
             </a:solidFill>
           </a:ln>
         </p:spPr>
@@ -15976,10 +16924,7 @@
           </a:prstGeom>
           <a:ln w="57150">
             <a:solidFill>
-              <a:schemeClr val="accent2">
-                <a:lumMod val="60000"/>
-                <a:lumOff val="40000"/>
-              </a:schemeClr>
+              <a:srgbClr val="002060"/>
             </a:solidFill>
           </a:ln>
         </p:spPr>
@@ -16134,7 +17079,9 @@
             <a:r>
               <a:rPr lang="en-US" sz="2200" dirty="0">
                 <a:solidFill>
-                  <a:schemeClr val="tx1"/>
+                  <a:schemeClr val="accent1">
+                    <a:lumMod val="50000"/>
+                  </a:schemeClr>
                 </a:solidFill>
                 <a:latin typeface="Helvetica" pitchFamily="2" charset="0"/>
                 <a:cs typeface="Courier New" panose="02070309020205020404" pitchFamily="49" charset="0"/>
@@ -16158,6 +17105,217 @@
 </file>
 
 <file path=ppt/slides/slide11.xml><?xml version="1.0" encoding="utf-8"?>
+<p:sld xmlns:a="http://schemas.openxmlformats.org/drawingml/2006/main" xmlns:r="http://schemas.openxmlformats.org/officeDocument/2006/relationships" xmlns:p="http://schemas.openxmlformats.org/presentationml/2006/main">
+  <p:cSld>
+    <p:spTree>
+      <p:nvGrpSpPr>
+        <p:cNvPr id="1" name=""/>
+        <p:cNvGrpSpPr/>
+        <p:nvPr/>
+      </p:nvGrpSpPr>
+      <p:grpSpPr>
+        <a:xfrm>
+          <a:off x="0" y="0"/>
+          <a:ext cx="0" cy="0"/>
+          <a:chOff x="0" y="0"/>
+          <a:chExt cx="0" cy="0"/>
+        </a:xfrm>
+      </p:grpSpPr>
+      <p:sp>
+        <p:nvSpPr>
+          <p:cNvPr id="2" name="Title 1">
+            <a:extLst>
+              <a:ext uri="{FF2B5EF4-FFF2-40B4-BE49-F238E27FC236}">
+                <a16:creationId xmlns:a16="http://schemas.microsoft.com/office/drawing/2014/main" id="{AAD24308-1F07-1F8F-078D-1E48E9D3142C}"/>
+              </a:ext>
+            </a:extLst>
+          </p:cNvPr>
+          <p:cNvSpPr>
+            <a:spLocks noGrp="1"/>
+          </p:cNvSpPr>
+          <p:nvPr>
+            <p:ph type="title"/>
+          </p:nvPr>
+        </p:nvSpPr>
+        <p:spPr>
+          <a:xfrm>
+            <a:off x="539621" y="136233"/>
+            <a:ext cx="10515600" cy="1325563"/>
+          </a:xfrm>
+        </p:spPr>
+        <p:txBody>
+          <a:bodyPr/>
+          <a:lstStyle/>
+          <a:p>
+            <a:r>
+              <a:rPr lang="en-US" b="1" dirty="0">
+                <a:solidFill>
+                  <a:schemeClr val="accent1">
+                    <a:lumMod val="50000"/>
+                  </a:schemeClr>
+                </a:solidFill>
+                <a:latin typeface="Helvetica" panose="020B0604020202020204" pitchFamily="34" charset="0"/>
+                <a:cs typeface="Helvetica" panose="020B0604020202020204" pitchFamily="34" charset="0"/>
+              </a:rPr>
+              <a:t>Combined Results – main output </a:t>
+            </a:r>
+            <a:endParaRPr lang="en-NL" b="1" dirty="0">
+              <a:solidFill>
+                <a:schemeClr val="accent1">
+                  <a:lumMod val="50000"/>
+                </a:schemeClr>
+              </a:solidFill>
+              <a:latin typeface="Helvetica" panose="020B0604020202020204" pitchFamily="34" charset="0"/>
+              <a:cs typeface="Helvetica" panose="020B0604020202020204" pitchFamily="34" charset="0"/>
+            </a:endParaRPr>
+          </a:p>
+        </p:txBody>
+      </p:sp>
+      <p:pic>
+        <p:nvPicPr>
+          <p:cNvPr id="1026" name="Picture 2">
+            <a:extLst>
+              <a:ext uri="{FF2B5EF4-FFF2-40B4-BE49-F238E27FC236}">
+                <a16:creationId xmlns:a16="http://schemas.microsoft.com/office/drawing/2014/main" id="{15AB652E-4DAA-3F5A-F1C7-9099559F90D8}"/>
+              </a:ext>
+            </a:extLst>
+          </p:cNvPr>
+          <p:cNvPicPr>
+            <a:picLocks noChangeAspect="1" noChangeArrowheads="1"/>
+          </p:cNvPicPr>
+          <p:nvPr/>
+        </p:nvPicPr>
+        <p:blipFill>
+          <a:blip r:embed="rId2">
+            <a:extLst>
+              <a:ext uri="{28A0092B-C50C-407E-A947-70E740481C1C}">
+                <a14:useLocalDpi xmlns:a14="http://schemas.microsoft.com/office/drawing/2010/main" val="0"/>
+              </a:ext>
+            </a:extLst>
+          </a:blip>
+          <a:srcRect/>
+          <a:stretch>
+            <a:fillRect/>
+          </a:stretch>
+        </p:blipFill>
+        <p:spPr bwMode="auto">
+          <a:xfrm>
+            <a:off x="1959477" y="1461796"/>
+            <a:ext cx="8273045" cy="5179093"/>
+          </a:xfrm>
+          <a:prstGeom prst="rect">
+            <a:avLst/>
+          </a:prstGeom>
+          <a:noFill/>
+          <a:extLst>
+            <a:ext uri="{909E8E84-426E-40DD-AFC4-6F175D3DCCD1}">
+              <a14:hiddenFill xmlns:a14="http://schemas.microsoft.com/office/drawing/2010/main">
+                <a:solidFill>
+                  <a:srgbClr val="FFFFFF"/>
+                </a:solidFill>
+              </a14:hiddenFill>
+            </a:ext>
+          </a:extLst>
+        </p:spPr>
+      </p:pic>
+      <p:cxnSp>
+        <p:nvCxnSpPr>
+          <p:cNvPr id="4" name="Straight Connector 3">
+            <a:extLst>
+              <a:ext uri="{FF2B5EF4-FFF2-40B4-BE49-F238E27FC236}">
+                <a16:creationId xmlns:a16="http://schemas.microsoft.com/office/drawing/2014/main" id="{F7C39DC7-FB21-30FB-198E-276BC130208D}"/>
+              </a:ext>
+            </a:extLst>
+          </p:cNvPr>
+          <p:cNvCxnSpPr/>
+          <p:nvPr/>
+        </p:nvCxnSpPr>
+        <p:spPr>
+          <a:xfrm>
+            <a:off x="457200" y="0"/>
+            <a:ext cx="0" cy="1262070"/>
+          </a:xfrm>
+          <a:prstGeom prst="line">
+            <a:avLst/>
+          </a:prstGeom>
+          <a:ln w="57150">
+            <a:solidFill>
+              <a:srgbClr val="002060"/>
+            </a:solidFill>
+          </a:ln>
+        </p:spPr>
+        <p:style>
+          <a:lnRef idx="1">
+            <a:schemeClr val="accent1"/>
+          </a:lnRef>
+          <a:fillRef idx="0">
+            <a:schemeClr val="accent1"/>
+          </a:fillRef>
+          <a:effectRef idx="0">
+            <a:schemeClr val="accent1"/>
+          </a:effectRef>
+          <a:fontRef idx="minor">
+            <a:schemeClr val="tx1"/>
+          </a:fontRef>
+        </p:style>
+      </p:cxnSp>
+      <p:cxnSp>
+        <p:nvCxnSpPr>
+          <p:cNvPr id="5" name="Straight Connector 4">
+            <a:extLst>
+              <a:ext uri="{FF2B5EF4-FFF2-40B4-BE49-F238E27FC236}">
+                <a16:creationId xmlns:a16="http://schemas.microsoft.com/office/drawing/2014/main" id="{3DAFE5F1-A64B-0C0F-D8CE-E48E178A2203}"/>
+              </a:ext>
+            </a:extLst>
+          </p:cNvPr>
+          <p:cNvCxnSpPr>
+            <a:cxnSpLocks/>
+          </p:cNvCxnSpPr>
+          <p:nvPr/>
+        </p:nvCxnSpPr>
+        <p:spPr>
+          <a:xfrm>
+            <a:off x="0" y="431800"/>
+            <a:ext cx="1511300" cy="0"/>
+          </a:xfrm>
+          <a:prstGeom prst="line">
+            <a:avLst/>
+          </a:prstGeom>
+          <a:ln w="57150">
+            <a:solidFill>
+              <a:srgbClr val="002060"/>
+            </a:solidFill>
+          </a:ln>
+        </p:spPr>
+        <p:style>
+          <a:lnRef idx="1">
+            <a:schemeClr val="accent1"/>
+          </a:lnRef>
+          <a:fillRef idx="0">
+            <a:schemeClr val="accent1"/>
+          </a:fillRef>
+          <a:effectRef idx="0">
+            <a:schemeClr val="accent1"/>
+          </a:effectRef>
+          <a:fontRef idx="minor">
+            <a:schemeClr val="tx1"/>
+          </a:fontRef>
+        </p:style>
+      </p:cxnSp>
+    </p:spTree>
+    <p:extLst>
+      <p:ext uri="{BB962C8B-B14F-4D97-AF65-F5344CB8AC3E}">
+        <p14:creationId xmlns:p14="http://schemas.microsoft.com/office/powerpoint/2010/main" val="3936193047"/>
+      </p:ext>
+    </p:extLst>
+  </p:cSld>
+  <p:clrMapOvr>
+    <a:masterClrMapping/>
+  </p:clrMapOvr>
+</p:sld>
+</file>
+
+<file path=ppt/slides/slide12.xml><?xml version="1.0" encoding="utf-8"?>
 <p:sld xmlns:a="http://schemas.openxmlformats.org/drawingml/2006/main" xmlns:r="http://schemas.openxmlformats.org/officeDocument/2006/relationships" xmlns:p="http://schemas.openxmlformats.org/presentationml/2006/main">
   <p:cSld>
     <p:spTree>
@@ -16253,6 +17411,11 @@
           <a:p>
             <a:r>
               <a:rPr lang="en-US" sz="4800" b="1" dirty="0">
+                <a:solidFill>
+                  <a:schemeClr val="accent1">
+                    <a:lumMod val="50000"/>
+                  </a:schemeClr>
+                </a:solidFill>
                 <a:latin typeface="Helvetica" pitchFamily="2" charset="0"/>
                 <a:cs typeface="Courier New" panose="02070309020205020404" pitchFamily="49" charset="0"/>
               </a:rPr>
@@ -16283,10 +17446,7 @@
           </a:prstGeom>
           <a:ln w="57150">
             <a:solidFill>
-              <a:schemeClr val="accent2">
-                <a:lumMod val="60000"/>
-                <a:lumOff val="40000"/>
-              </a:schemeClr>
+              <a:srgbClr val="002060"/>
             </a:solidFill>
           </a:ln>
         </p:spPr>
@@ -16329,10 +17489,7 @@
           </a:prstGeom>
           <a:ln w="57150">
             <a:solidFill>
-              <a:schemeClr val="accent2">
-                <a:lumMod val="60000"/>
-                <a:lumOff val="40000"/>
-              </a:schemeClr>
+              <a:srgbClr val="002060"/>
             </a:solidFill>
           </a:ln>
         </p:spPr>
@@ -16399,7 +17556,9 @@
             <a:r>
               <a:rPr lang="en-US" sz="2200" b="1" dirty="0">
                 <a:solidFill>
-                  <a:schemeClr val="accent2"/>
+                  <a:schemeClr val="accent1">
+                    <a:lumMod val="50000"/>
+                  </a:schemeClr>
                 </a:solidFill>
                 <a:latin typeface="Helvetica" pitchFamily="2" charset="0"/>
                 <a:cs typeface="Courier New" panose="02070309020205020404" pitchFamily="49" charset="0"/>
@@ -16411,7 +17570,9 @@
             <a:r>
               <a:rPr lang="en-US" sz="2200" dirty="0">
                 <a:solidFill>
-                  <a:schemeClr val="tx1"/>
+                  <a:schemeClr val="accent1">
+                    <a:lumMod val="50000"/>
+                  </a:schemeClr>
                 </a:solidFill>
                 <a:latin typeface="Helvetica" pitchFamily="2" charset="0"/>
                 <a:cs typeface="Courier New" panose="02070309020205020404" pitchFamily="49" charset="0"/>
@@ -16434,7 +17595,708 @@
 </p:sld>
 </file>
 
-<file path=ppt/slides/slide12.xml><?xml version="1.0" encoding="utf-8"?>
+<file path=ppt/slides/slide13.xml><?xml version="1.0" encoding="utf-8"?>
+<p:sld xmlns:a="http://schemas.openxmlformats.org/drawingml/2006/main" xmlns:r="http://schemas.openxmlformats.org/officeDocument/2006/relationships" xmlns:p="http://schemas.openxmlformats.org/presentationml/2006/main">
+  <p:cSld>
+    <p:spTree>
+      <p:nvGrpSpPr>
+        <p:cNvPr id="1" name=""/>
+        <p:cNvGrpSpPr/>
+        <p:nvPr/>
+      </p:nvGrpSpPr>
+      <p:grpSpPr>
+        <a:xfrm>
+          <a:off x="0" y="0"/>
+          <a:ext cx="0" cy="0"/>
+          <a:chOff x="0" y="0"/>
+          <a:chExt cx="0" cy="0"/>
+        </a:xfrm>
+      </p:grpSpPr>
+      <p:sp>
+        <p:nvSpPr>
+          <p:cNvPr id="10" name="Title 1">
+            <a:extLst>
+              <a:ext uri="{FF2B5EF4-FFF2-40B4-BE49-F238E27FC236}">
+                <a16:creationId xmlns:a16="http://schemas.microsoft.com/office/drawing/2014/main" id="{25135258-86AA-DD4B-94B3-F565A335C42A}"/>
+              </a:ext>
+            </a:extLst>
+          </p:cNvPr>
+          <p:cNvSpPr txBox="1">
+            <a:spLocks/>
+          </p:cNvSpPr>
+          <p:nvPr/>
+        </p:nvSpPr>
+        <p:spPr>
+          <a:xfrm>
+            <a:off x="7895968" y="4206982"/>
+            <a:ext cx="3887090" cy="1588698"/>
+          </a:xfrm>
+          <a:prstGeom prst="rect">
+            <a:avLst/>
+          </a:prstGeom>
+        </p:spPr>
+        <p:txBody>
+          <a:bodyPr vert="horz" lIns="91440" tIns="45720" rIns="91440" bIns="45720" rtlCol="0" anchor="b">
+            <a:noAutofit/>
+          </a:bodyPr>
+          <a:lstStyle>
+            <a:lvl1pPr algn="ctr" defTabSz="914400" rtl="0" eaLnBrk="1" latinLnBrk="0" hangingPunct="1">
+              <a:lnSpc>
+                <a:spcPct val="90000"/>
+              </a:lnSpc>
+              <a:spcBef>
+                <a:spcPct val="0"/>
+              </a:spcBef>
+              <a:buNone/>
+              <a:defRPr sz="6000" kern="1200">
+                <a:solidFill>
+                  <a:schemeClr val="tx1"/>
+                </a:solidFill>
+                <a:latin typeface="+mj-lt"/>
+                <a:ea typeface="+mj-ea"/>
+                <a:cs typeface="+mj-cs"/>
+              </a:defRPr>
+            </a:lvl1pPr>
+          </a:lstStyle>
+          <a:p>
+            <a:r>
+              <a:rPr lang="en-US" sz="4800" dirty="0">
+                <a:solidFill>
+                  <a:schemeClr val="accent1">
+                    <a:lumMod val="50000"/>
+                  </a:schemeClr>
+                </a:solidFill>
+                <a:latin typeface="Helvetica" pitchFamily="2" charset="0"/>
+                <a:cs typeface="Courier New" panose="02070309020205020404" pitchFamily="49" charset="0"/>
+              </a:rPr>
+              <a:t>analysis</a:t>
+            </a:r>
+          </a:p>
+        </p:txBody>
+      </p:sp>
+      <p:cxnSp>
+        <p:nvCxnSpPr>
+          <p:cNvPr id="12" name="Straight Connector 11">
+            <a:extLst>
+              <a:ext uri="{FF2B5EF4-FFF2-40B4-BE49-F238E27FC236}">
+                <a16:creationId xmlns:a16="http://schemas.microsoft.com/office/drawing/2014/main" id="{B869CFE4-76EB-2348-B9B3-0B5CC838ACF1}"/>
+              </a:ext>
+            </a:extLst>
+          </p:cNvPr>
+          <p:cNvCxnSpPr>
+            <a:cxnSpLocks/>
+          </p:cNvCxnSpPr>
+          <p:nvPr/>
+        </p:nvCxnSpPr>
+        <p:spPr>
+          <a:xfrm>
+            <a:off x="9159801" y="5788646"/>
+            <a:ext cx="1843087" cy="0"/>
+          </a:xfrm>
+          <a:prstGeom prst="line">
+            <a:avLst/>
+          </a:prstGeom>
+          <a:ln w="57150">
+            <a:solidFill>
+              <a:srgbClr val="002060"/>
+            </a:solidFill>
+          </a:ln>
+        </p:spPr>
+        <p:style>
+          <a:lnRef idx="1">
+            <a:schemeClr val="accent1"/>
+          </a:lnRef>
+          <a:fillRef idx="0">
+            <a:schemeClr val="accent1"/>
+          </a:fillRef>
+          <a:effectRef idx="0">
+            <a:schemeClr val="accent1"/>
+          </a:effectRef>
+          <a:fontRef idx="minor">
+            <a:schemeClr val="tx1"/>
+          </a:fontRef>
+        </p:style>
+      </p:cxnSp>
+    </p:spTree>
+    <p:extLst>
+      <p:ext uri="{BB962C8B-B14F-4D97-AF65-F5344CB8AC3E}">
+        <p14:creationId xmlns:p14="http://schemas.microsoft.com/office/powerpoint/2010/main" val="3071972624"/>
+      </p:ext>
+    </p:extLst>
+  </p:cSld>
+  <p:clrMapOvr>
+    <a:masterClrMapping/>
+  </p:clrMapOvr>
+</p:sld>
+</file>
+
+<file path=ppt/slides/slide14.xml><?xml version="1.0" encoding="utf-8"?>
+<p:sld xmlns:a="http://schemas.openxmlformats.org/drawingml/2006/main" xmlns:r="http://schemas.openxmlformats.org/officeDocument/2006/relationships" xmlns:p="http://schemas.openxmlformats.org/presentationml/2006/main">
+  <p:cSld>
+    <p:spTree>
+      <p:nvGrpSpPr>
+        <p:cNvPr id="1" name=""/>
+        <p:cNvGrpSpPr/>
+        <p:nvPr/>
+      </p:nvGrpSpPr>
+      <p:grpSpPr>
+        <a:xfrm>
+          <a:off x="0" y="0"/>
+          <a:ext cx="0" cy="0"/>
+          <a:chOff x="0" y="0"/>
+          <a:chExt cx="0" cy="0"/>
+        </a:xfrm>
+      </p:grpSpPr>
+      <p:sp>
+        <p:nvSpPr>
+          <p:cNvPr id="3" name="Title 1">
+            <a:extLst>
+              <a:ext uri="{FF2B5EF4-FFF2-40B4-BE49-F238E27FC236}">
+                <a16:creationId xmlns:a16="http://schemas.microsoft.com/office/drawing/2014/main" id="{5094284B-A076-5C63-64C0-FE2C8753A20F}"/>
+              </a:ext>
+            </a:extLst>
+          </p:cNvPr>
+          <p:cNvSpPr txBox="1">
+            <a:spLocks/>
+          </p:cNvSpPr>
+          <p:nvPr/>
+        </p:nvSpPr>
+        <p:spPr>
+          <a:xfrm>
+            <a:off x="558800" y="262728"/>
+            <a:ext cx="12192000" cy="1325563"/>
+          </a:xfrm>
+          <a:prstGeom prst="rect">
+            <a:avLst/>
+          </a:prstGeom>
+        </p:spPr>
+        <p:txBody>
+          <a:bodyPr vert="horz" lIns="91440" tIns="45720" rIns="91440" bIns="45720" rtlCol="0" anchor="ctr">
+            <a:normAutofit/>
+          </a:bodyPr>
+          <a:lstStyle>
+            <a:lvl1pPr algn="l" defTabSz="914400" rtl="0" eaLnBrk="1" latinLnBrk="0" hangingPunct="1">
+              <a:lnSpc>
+                <a:spcPct val="90000"/>
+              </a:lnSpc>
+              <a:spcBef>
+                <a:spcPct val="0"/>
+              </a:spcBef>
+              <a:buNone/>
+              <a:defRPr sz="4400" kern="1200">
+                <a:solidFill>
+                  <a:schemeClr val="tx1"/>
+                </a:solidFill>
+                <a:latin typeface="+mj-lt"/>
+                <a:ea typeface="+mj-ea"/>
+                <a:cs typeface="+mj-cs"/>
+              </a:defRPr>
+            </a:lvl1pPr>
+          </a:lstStyle>
+          <a:p>
+            <a:r>
+              <a:rPr lang="en-US" sz="4800" b="1" dirty="0">
+                <a:solidFill>
+                  <a:schemeClr val="accent1">
+                    <a:lumMod val="50000"/>
+                  </a:schemeClr>
+                </a:solidFill>
+                <a:latin typeface="Helvetica" pitchFamily="2" charset="0"/>
+                <a:cs typeface="Courier New" panose="02070309020205020404" pitchFamily="49" charset="0"/>
+              </a:rPr>
+              <a:t>Software implementations</a:t>
+            </a:r>
+          </a:p>
+        </p:txBody>
+      </p:sp>
+      <p:pic>
+        <p:nvPicPr>
+          <p:cNvPr id="3074" name="Picture 2" descr="GitHub - jasp-stats/jasp-desktop: JASP aims to be a complete statistical  package for both Bayesian and Frequentist statistical methods, that is easy  to use and familiar to users of SPSS">
+            <a:extLst>
+              <a:ext uri="{FF2B5EF4-FFF2-40B4-BE49-F238E27FC236}">
+                <a16:creationId xmlns:a16="http://schemas.microsoft.com/office/drawing/2014/main" id="{691243D8-648D-C541-8502-B78CB40E05DD}"/>
+              </a:ext>
+            </a:extLst>
+          </p:cNvPr>
+          <p:cNvPicPr>
+            <a:picLocks noChangeAspect="1" noChangeArrowheads="1"/>
+          </p:cNvPicPr>
+          <p:nvPr/>
+        </p:nvPicPr>
+        <p:blipFill>
+          <a:blip r:embed="rId3">
+            <a:extLst>
+              <a:ext uri="{28A0092B-C50C-407E-A947-70E740481C1C}">
+                <a14:useLocalDpi xmlns:a14="http://schemas.microsoft.com/office/drawing/2010/main" val="0"/>
+              </a:ext>
+            </a:extLst>
+          </a:blip>
+          <a:srcRect/>
+          <a:stretch>
+            <a:fillRect/>
+          </a:stretch>
+        </p:blipFill>
+        <p:spPr bwMode="auto">
+          <a:xfrm>
+            <a:off x="-249382" y="1476763"/>
+            <a:ext cx="5511800" cy="1473200"/>
+          </a:xfrm>
+          <a:prstGeom prst="rect">
+            <a:avLst/>
+          </a:prstGeom>
+          <a:noFill/>
+          <a:extLst>
+            <a:ext uri="{909E8E84-426E-40DD-AFC4-6F175D3DCCD1}">
+              <a14:hiddenFill xmlns:a14="http://schemas.microsoft.com/office/drawing/2010/main">
+                <a:solidFill>
+                  <a:srgbClr val="FFFFFF"/>
+                </a:solidFill>
+              </a14:hiddenFill>
+            </a:ext>
+          </a:extLst>
+        </p:spPr>
+      </p:pic>
+      <p:sp>
+        <p:nvSpPr>
+          <p:cNvPr id="5" name="Rectangle 4">
+            <a:extLst>
+              <a:ext uri="{FF2B5EF4-FFF2-40B4-BE49-F238E27FC236}">
+                <a16:creationId xmlns:a16="http://schemas.microsoft.com/office/drawing/2014/main" id="{84F0D9DD-87B2-D358-6DD8-EA9BA9B519FD}"/>
+              </a:ext>
+            </a:extLst>
+          </p:cNvPr>
+          <p:cNvSpPr/>
+          <p:nvPr/>
+        </p:nvSpPr>
+        <p:spPr>
+          <a:xfrm>
+            <a:off x="6391935" y="2838435"/>
+            <a:ext cx="6114047" cy="2900362"/>
+          </a:xfrm>
+          <a:prstGeom prst="rect">
+            <a:avLst/>
+          </a:prstGeom>
+          <a:noFill/>
+          <a:ln>
+            <a:noFill/>
+          </a:ln>
+        </p:spPr>
+        <p:style>
+          <a:lnRef idx="2">
+            <a:schemeClr val="accent1">
+              <a:shade val="50000"/>
+            </a:schemeClr>
+          </a:lnRef>
+          <a:fillRef idx="1">
+            <a:schemeClr val="accent1"/>
+          </a:fillRef>
+          <a:effectRef idx="0">
+            <a:schemeClr val="accent1"/>
+          </a:effectRef>
+          <a:fontRef idx="minor">
+            <a:schemeClr val="lt1"/>
+          </a:fontRef>
+        </p:style>
+        <p:txBody>
+          <a:bodyPr rtlCol="0" anchor="t"/>
+          <a:lstStyle/>
+          <a:p>
+            <a:r>
+              <a:rPr lang="en-US" sz="3200" b="1" dirty="0" err="1">
+                <a:solidFill>
+                  <a:schemeClr val="accent1">
+                    <a:lumMod val="50000"/>
+                  </a:schemeClr>
+                </a:solidFill>
+                <a:latin typeface="Helvetica" pitchFamily="2" charset="0"/>
+                <a:cs typeface="Courier New" panose="02070309020205020404" pitchFamily="49" charset="0"/>
+              </a:rPr>
+              <a:t>easybgm</a:t>
+            </a:r>
+            <a:endParaRPr lang="en-US" sz="3200" b="1" dirty="0">
+              <a:solidFill>
+                <a:schemeClr val="accent1">
+                  <a:lumMod val="50000"/>
+                </a:schemeClr>
+              </a:solidFill>
+              <a:latin typeface="Helvetica" pitchFamily="2" charset="0"/>
+              <a:cs typeface="Courier New" panose="02070309020205020404" pitchFamily="49" charset="0"/>
+            </a:endParaRPr>
+          </a:p>
+          <a:p>
+            <a:r>
+              <a:rPr lang="en-US" sz="2000" i="1" dirty="0">
+                <a:solidFill>
+                  <a:schemeClr val="accent1">
+                    <a:lumMod val="50000"/>
+                  </a:schemeClr>
+                </a:solidFill>
+                <a:latin typeface="Helvetica" pitchFamily="2" charset="0"/>
+                <a:cs typeface="Courier New" panose="02070309020205020404" pitchFamily="49" charset="0"/>
+              </a:rPr>
+              <a:t>all</a:t>
+            </a:r>
+          </a:p>
+          <a:p>
+            <a:endParaRPr lang="en-US" b="1" dirty="0">
+              <a:solidFill>
+                <a:schemeClr val="accent1">
+                  <a:lumMod val="50000"/>
+                </a:schemeClr>
+              </a:solidFill>
+              <a:latin typeface="Helvetica" pitchFamily="2" charset="0"/>
+              <a:cs typeface="Courier New" panose="02070309020205020404" pitchFamily="49" charset="0"/>
+            </a:endParaRPr>
+          </a:p>
+          <a:p>
+            <a:r>
+              <a:rPr lang="en-US" sz="3200" b="1" dirty="0" err="1">
+                <a:solidFill>
+                  <a:schemeClr val="accent1">
+                    <a:lumMod val="50000"/>
+                  </a:schemeClr>
+                </a:solidFill>
+                <a:latin typeface="Helvetica" pitchFamily="2" charset="0"/>
+                <a:cs typeface="Courier New" panose="02070309020205020404" pitchFamily="49" charset="0"/>
+              </a:rPr>
+              <a:t>BDgraph</a:t>
+            </a:r>
+            <a:endParaRPr lang="en-US" sz="2000" b="1" dirty="0">
+              <a:solidFill>
+                <a:schemeClr val="accent1">
+                  <a:lumMod val="50000"/>
+                </a:schemeClr>
+              </a:solidFill>
+              <a:latin typeface="Helvetica" pitchFamily="2" charset="0"/>
+              <a:cs typeface="Courier New" panose="02070309020205020404" pitchFamily="49" charset="0"/>
+            </a:endParaRPr>
+          </a:p>
+          <a:p>
+            <a:r>
+              <a:rPr lang="en-US" sz="2000" i="1" dirty="0">
+                <a:solidFill>
+                  <a:schemeClr val="accent1">
+                    <a:lumMod val="50000"/>
+                  </a:schemeClr>
+                </a:solidFill>
+                <a:latin typeface="Helvetica" pitchFamily="2" charset="0"/>
+                <a:cs typeface="Courier New" panose="02070309020205020404" pitchFamily="49" charset="0"/>
+              </a:rPr>
+              <a:t>mixed, continuous, ordinal, binary</a:t>
+            </a:r>
+          </a:p>
+          <a:p>
+            <a:pPr>
+              <a:spcBef>
+                <a:spcPts val="1800"/>
+              </a:spcBef>
+            </a:pPr>
+            <a:r>
+              <a:rPr lang="en-US" sz="3200" b="1" dirty="0">
+                <a:solidFill>
+                  <a:schemeClr val="accent1">
+                    <a:lumMod val="50000"/>
+                  </a:schemeClr>
+                </a:solidFill>
+                <a:latin typeface="Helvetica" pitchFamily="2" charset="0"/>
+                <a:cs typeface="Courier New" panose="02070309020205020404" pitchFamily="49" charset="0"/>
+              </a:rPr>
+              <a:t>BGGM</a:t>
+            </a:r>
+          </a:p>
+          <a:p>
+            <a:r>
+              <a:rPr lang="en-US" sz="2000" i="1" dirty="0">
+                <a:solidFill>
+                  <a:schemeClr val="accent1">
+                    <a:lumMod val="50000"/>
+                  </a:schemeClr>
+                </a:solidFill>
+                <a:latin typeface="Helvetica" pitchFamily="2" charset="0"/>
+                <a:cs typeface="Courier New" panose="02070309020205020404" pitchFamily="49" charset="0"/>
+              </a:rPr>
+              <a:t>mixed, continuous, ordinal, binary</a:t>
+            </a:r>
+            <a:endParaRPr lang="en-US" sz="2000" b="1" dirty="0">
+              <a:solidFill>
+                <a:schemeClr val="accent1">
+                  <a:lumMod val="50000"/>
+                </a:schemeClr>
+              </a:solidFill>
+              <a:latin typeface="Helvetica" pitchFamily="2" charset="0"/>
+              <a:cs typeface="Courier New" panose="02070309020205020404" pitchFamily="49" charset="0"/>
+            </a:endParaRPr>
+          </a:p>
+          <a:p>
+            <a:pPr>
+              <a:spcBef>
+                <a:spcPts val="1800"/>
+              </a:spcBef>
+            </a:pPr>
+            <a:r>
+              <a:rPr lang="en-US" sz="3200" b="1" dirty="0" err="1">
+                <a:solidFill>
+                  <a:schemeClr val="accent1">
+                    <a:lumMod val="50000"/>
+                  </a:schemeClr>
+                </a:solidFill>
+                <a:latin typeface="Helvetica" pitchFamily="2" charset="0"/>
+                <a:cs typeface="Courier New" panose="02070309020205020404" pitchFamily="49" charset="0"/>
+              </a:rPr>
+              <a:t>bgms</a:t>
+            </a:r>
+            <a:endParaRPr lang="en-US" sz="2000" dirty="0">
+              <a:solidFill>
+                <a:schemeClr val="accent1">
+                  <a:lumMod val="50000"/>
+                </a:schemeClr>
+              </a:solidFill>
+              <a:latin typeface="Helvetica" pitchFamily="2" charset="0"/>
+              <a:cs typeface="Courier New" panose="02070309020205020404" pitchFamily="49" charset="0"/>
+            </a:endParaRPr>
+          </a:p>
+          <a:p>
+            <a:r>
+              <a:rPr lang="en-US" sz="2000" dirty="0">
+                <a:solidFill>
+                  <a:schemeClr val="accent1">
+                    <a:lumMod val="50000"/>
+                  </a:schemeClr>
+                </a:solidFill>
+                <a:latin typeface="Helvetica" pitchFamily="2" charset="0"/>
+                <a:cs typeface="Courier New" panose="02070309020205020404" pitchFamily="49" charset="0"/>
+              </a:rPr>
+              <a:t>ordinal, binary</a:t>
+            </a:r>
+          </a:p>
+        </p:txBody>
+      </p:sp>
+      <p:cxnSp>
+        <p:nvCxnSpPr>
+          <p:cNvPr id="7" name="Straight Connector 6">
+            <a:extLst>
+              <a:ext uri="{FF2B5EF4-FFF2-40B4-BE49-F238E27FC236}">
+                <a16:creationId xmlns:a16="http://schemas.microsoft.com/office/drawing/2014/main" id="{80B12850-D0F4-B9C3-68C2-F3C6B976BDFA}"/>
+              </a:ext>
+            </a:extLst>
+          </p:cNvPr>
+          <p:cNvCxnSpPr/>
+          <p:nvPr/>
+        </p:nvCxnSpPr>
+        <p:spPr>
+          <a:xfrm>
+            <a:off x="457200" y="0"/>
+            <a:ext cx="0" cy="1262070"/>
+          </a:xfrm>
+          <a:prstGeom prst="line">
+            <a:avLst/>
+          </a:prstGeom>
+          <a:ln w="57150">
+            <a:solidFill>
+              <a:srgbClr val="002060"/>
+            </a:solidFill>
+          </a:ln>
+        </p:spPr>
+        <p:style>
+          <a:lnRef idx="1">
+            <a:schemeClr val="accent1"/>
+          </a:lnRef>
+          <a:fillRef idx="0">
+            <a:schemeClr val="accent1"/>
+          </a:fillRef>
+          <a:effectRef idx="0">
+            <a:schemeClr val="accent1"/>
+          </a:effectRef>
+          <a:fontRef idx="minor">
+            <a:schemeClr val="tx1"/>
+          </a:fontRef>
+        </p:style>
+      </p:cxnSp>
+      <p:cxnSp>
+        <p:nvCxnSpPr>
+          <p:cNvPr id="8" name="Straight Connector 7">
+            <a:extLst>
+              <a:ext uri="{FF2B5EF4-FFF2-40B4-BE49-F238E27FC236}">
+                <a16:creationId xmlns:a16="http://schemas.microsoft.com/office/drawing/2014/main" id="{243AD428-4726-D2B1-6E5A-12A0C532798E}"/>
+              </a:ext>
+            </a:extLst>
+          </p:cNvPr>
+          <p:cNvCxnSpPr>
+            <a:cxnSpLocks/>
+          </p:cNvCxnSpPr>
+          <p:nvPr/>
+        </p:nvCxnSpPr>
+        <p:spPr>
+          <a:xfrm>
+            <a:off x="0" y="431800"/>
+            <a:ext cx="1511300" cy="0"/>
+          </a:xfrm>
+          <a:prstGeom prst="line">
+            <a:avLst/>
+          </a:prstGeom>
+          <a:ln w="57150">
+            <a:solidFill>
+              <a:srgbClr val="002060"/>
+            </a:solidFill>
+          </a:ln>
+        </p:spPr>
+        <p:style>
+          <a:lnRef idx="1">
+            <a:schemeClr val="accent1"/>
+          </a:lnRef>
+          <a:fillRef idx="0">
+            <a:schemeClr val="accent1"/>
+          </a:fillRef>
+          <a:effectRef idx="0">
+            <a:schemeClr val="accent1"/>
+          </a:effectRef>
+          <a:fontRef idx="minor">
+            <a:schemeClr val="tx1"/>
+          </a:fontRef>
+        </p:style>
+      </p:cxnSp>
+      <p:sp>
+        <p:nvSpPr>
+          <p:cNvPr id="10" name="Rectangle 9">
+            <a:extLst>
+              <a:ext uri="{FF2B5EF4-FFF2-40B4-BE49-F238E27FC236}">
+                <a16:creationId xmlns:a16="http://schemas.microsoft.com/office/drawing/2014/main" id="{9D015A37-7B68-0861-28F4-79E614793CDF}"/>
+              </a:ext>
+            </a:extLst>
+          </p:cNvPr>
+          <p:cNvSpPr/>
+          <p:nvPr/>
+        </p:nvSpPr>
+        <p:spPr>
+          <a:xfrm>
+            <a:off x="1018499" y="2892417"/>
+            <a:ext cx="2791502" cy="536583"/>
+          </a:xfrm>
+          <a:prstGeom prst="rect">
+            <a:avLst/>
+          </a:prstGeom>
+          <a:noFill/>
+          <a:ln>
+            <a:noFill/>
+          </a:ln>
+        </p:spPr>
+        <p:style>
+          <a:lnRef idx="2">
+            <a:schemeClr val="accent1">
+              <a:shade val="50000"/>
+            </a:schemeClr>
+          </a:lnRef>
+          <a:fillRef idx="1">
+            <a:schemeClr val="accent1"/>
+          </a:fillRef>
+          <a:effectRef idx="0">
+            <a:schemeClr val="accent1"/>
+          </a:effectRef>
+          <a:fontRef idx="minor">
+            <a:schemeClr val="lt1"/>
+          </a:fontRef>
+        </p:style>
+        <p:txBody>
+          <a:bodyPr rtlCol="0" anchor="t"/>
+          <a:lstStyle/>
+          <a:p>
+            <a:r>
+              <a:rPr lang="en-US" i="1" dirty="0">
+                <a:solidFill>
+                  <a:schemeClr val="accent1">
+                    <a:lumMod val="50000"/>
+                  </a:schemeClr>
+                </a:solidFill>
+                <a:latin typeface="Helvetica" pitchFamily="2" charset="0"/>
+                <a:cs typeface="Courier New" panose="02070309020205020404" pitchFamily="49" charset="0"/>
+              </a:rPr>
+              <a:t>based on </a:t>
+            </a:r>
+            <a:r>
+              <a:rPr lang="en-US" i="1" dirty="0" err="1">
+                <a:solidFill>
+                  <a:schemeClr val="accent1">
+                    <a:lumMod val="50000"/>
+                  </a:schemeClr>
+                </a:solidFill>
+                <a:latin typeface="Helvetica" pitchFamily="2" charset="0"/>
+                <a:cs typeface="Courier New" panose="02070309020205020404" pitchFamily="49" charset="0"/>
+              </a:rPr>
+              <a:t>BDgraph</a:t>
+            </a:r>
+            <a:endParaRPr lang="en-US" sz="1200" i="1" dirty="0">
+              <a:solidFill>
+                <a:schemeClr val="accent1">
+                  <a:lumMod val="50000"/>
+                </a:schemeClr>
+              </a:solidFill>
+              <a:latin typeface="Helvetica" pitchFamily="2" charset="0"/>
+              <a:cs typeface="Courier New" panose="02070309020205020404" pitchFamily="49" charset="0"/>
+            </a:endParaRPr>
+          </a:p>
+        </p:txBody>
+      </p:sp>
+      <p:pic>
+        <p:nvPicPr>
+          <p:cNvPr id="2050" name="Picture 2">
+            <a:extLst>
+              <a:ext uri="{FF2B5EF4-FFF2-40B4-BE49-F238E27FC236}">
+                <a16:creationId xmlns:a16="http://schemas.microsoft.com/office/drawing/2014/main" id="{258739DC-43E7-C767-5E27-1BAD4753FB25}"/>
+              </a:ext>
+            </a:extLst>
+          </p:cNvPr>
+          <p:cNvPicPr>
+            <a:picLocks noChangeAspect="1" noChangeArrowheads="1"/>
+          </p:cNvPicPr>
+          <p:nvPr/>
+        </p:nvPicPr>
+        <p:blipFill>
+          <a:blip r:embed="rId4">
+            <a:extLst>
+              <a:ext uri="{28A0092B-C50C-407E-A947-70E740481C1C}">
+                <a14:useLocalDpi xmlns:a14="http://schemas.microsoft.com/office/drawing/2010/main" val="0"/>
+              </a:ext>
+            </a:extLst>
+          </a:blip>
+          <a:srcRect/>
+          <a:stretch>
+            <a:fillRect/>
+          </a:stretch>
+        </p:blipFill>
+        <p:spPr bwMode="auto">
+          <a:xfrm>
+            <a:off x="6096000" y="1262070"/>
+            <a:ext cx="1901242" cy="1473200"/>
+          </a:xfrm>
+          <a:prstGeom prst="rect">
+            <a:avLst/>
+          </a:prstGeom>
+          <a:noFill/>
+          <a:extLst>
+            <a:ext uri="{909E8E84-426E-40DD-AFC4-6F175D3DCCD1}">
+              <a14:hiddenFill xmlns:a14="http://schemas.microsoft.com/office/drawing/2010/main">
+                <a:solidFill>
+                  <a:srgbClr val="FFFFFF"/>
+                </a:solidFill>
+              </a14:hiddenFill>
+            </a:ext>
+          </a:extLst>
+        </p:spPr>
+      </p:pic>
+    </p:spTree>
+    <p:extLst>
+      <p:ext uri="{BB962C8B-B14F-4D97-AF65-F5344CB8AC3E}">
+        <p14:creationId xmlns:p14="http://schemas.microsoft.com/office/powerpoint/2010/main" val="3116476232"/>
+      </p:ext>
+    </p:extLst>
+  </p:cSld>
+  <p:clrMapOvr>
+    <a:masterClrMapping/>
+  </p:clrMapOvr>
+</p:sld>
+</file>
+
+<file path=ppt/slides/slide15.xml><?xml version="1.0" encoding="utf-8"?>
 <p:sld xmlns:a="http://schemas.openxmlformats.org/drawingml/2006/main" xmlns:r="http://schemas.openxmlformats.org/officeDocument/2006/relationships" xmlns:p="http://schemas.openxmlformats.org/presentationml/2006/main">
   <p:cSld>
     <p:spTree>
@@ -16501,7 +18363,9 @@
             <a:r>
               <a:rPr lang="en-US" sz="4800" dirty="0">
                 <a:solidFill>
-                  <a:schemeClr val="accent2"/>
+                  <a:schemeClr val="accent1">
+                    <a:lumMod val="50000"/>
+                  </a:schemeClr>
                 </a:solidFill>
                 <a:latin typeface="Helvetica" pitchFamily="2" charset="0"/>
                 <a:cs typeface="Courier New" panose="02070309020205020404" pitchFamily="49" charset="0"/>
@@ -16535,7 +18399,9 @@
           </a:prstGeom>
           <a:ln w="57150">
             <a:solidFill>
-              <a:schemeClr val="accent2"/>
+              <a:schemeClr val="accent1">
+                <a:lumMod val="50000"/>
+              </a:schemeClr>
             </a:solidFill>
           </a:ln>
         </p:spPr>
@@ -16567,7 +18433,7 @@
 </p:sld>
 </file>
 
-<file path=ppt/slides/slide13.xml><?xml version="1.0" encoding="utf-8"?>
+<file path=ppt/slides/slide16.xml><?xml version="1.0" encoding="utf-8"?>
 <p:sld xmlns:a="http://schemas.openxmlformats.org/drawingml/2006/main" xmlns:r="http://schemas.openxmlformats.org/officeDocument/2006/relationships" xmlns:p="http://schemas.openxmlformats.org/presentationml/2006/main">
   <p:cSld>
     <p:spTree>
@@ -16606,10 +18472,7 @@
           </a:prstGeom>
           <a:ln w="57150">
             <a:solidFill>
-              <a:schemeClr val="accent2">
-                <a:lumMod val="60000"/>
-                <a:lumOff val="40000"/>
-              </a:schemeClr>
+              <a:srgbClr val="002060"/>
             </a:solidFill>
           </a:ln>
         </p:spPr>
@@ -16652,10 +18515,7 @@
           </a:prstGeom>
           <a:ln w="57150">
             <a:solidFill>
-              <a:schemeClr val="accent2">
-                <a:lumMod val="60000"/>
-                <a:lumOff val="40000"/>
-              </a:schemeClr>
+              <a:srgbClr val="002060"/>
             </a:solidFill>
           </a:ln>
         </p:spPr>
@@ -16723,6 +18583,11 @@
           <a:p>
             <a:r>
               <a:rPr lang="en-US" sz="4800" b="1" dirty="0">
+                <a:solidFill>
+                  <a:schemeClr val="accent1">
+                    <a:lumMod val="50000"/>
+                  </a:schemeClr>
+                </a:solidFill>
                 <a:latin typeface="Helvetica" pitchFamily="2" charset="0"/>
                 <a:cs typeface="Courier New" panose="02070309020205020404" pitchFamily="49" charset="0"/>
               </a:rPr>
@@ -16765,7 +18630,9 @@
             <a:r>
               <a:rPr lang="en-US" sz="2400" b="1" dirty="0">
                 <a:solidFill>
-                  <a:schemeClr val="accent2"/>
+                  <a:schemeClr val="accent1">
+                    <a:lumMod val="50000"/>
+                  </a:schemeClr>
                 </a:solidFill>
                 <a:latin typeface="Helvetica" pitchFamily="2" charset="0"/>
               </a:rPr>
@@ -16777,6 +18644,11 @@
               <a:buNone/>
             </a:pPr>
             <a:endParaRPr lang="en-US" sz="1800" dirty="0">
+              <a:solidFill>
+                <a:schemeClr val="accent1">
+                  <a:lumMod val="50000"/>
+                </a:schemeClr>
+              </a:solidFill>
               <a:latin typeface="Helvetica" pitchFamily="2" charset="0"/>
             </a:endParaRPr>
           </a:p>
@@ -16786,6 +18658,11 @@
             </a:pPr>
             <a:r>
               <a:rPr lang="en-US" sz="1800" dirty="0">
+                <a:solidFill>
+                  <a:schemeClr val="accent1">
+                    <a:lumMod val="50000"/>
+                  </a:schemeClr>
+                </a:solidFill>
                 <a:latin typeface="Helvetica" pitchFamily="2" charset="0"/>
               </a:rPr>
               <a:t>What prior assumptions do I have about the density? Do I believe a particular edge should be included?</a:t>
@@ -16796,6 +18673,11 @@
               <a:buNone/>
             </a:pPr>
             <a:endParaRPr lang="en-US" sz="1800" dirty="0">
+              <a:solidFill>
+                <a:schemeClr val="accent1">
+                  <a:lumMod val="50000"/>
+                </a:schemeClr>
+              </a:solidFill>
               <a:latin typeface="Helvetica" pitchFamily="2" charset="0"/>
             </a:endParaRPr>
           </a:p>
@@ -16805,6 +18687,11 @@
             </a:pPr>
             <a:r>
               <a:rPr lang="en-US" sz="1800" dirty="0">
+                <a:solidFill>
+                  <a:schemeClr val="accent1">
+                    <a:lumMod val="50000"/>
+                  </a:schemeClr>
+                </a:solidFill>
                 <a:latin typeface="Helvetica" pitchFamily="2" charset="0"/>
               </a:rPr>
               <a:t>Options:</a:t>
@@ -16813,6 +18700,11 @@
           <a:p>
             <a:r>
               <a:rPr lang="en-US" sz="1800" dirty="0">
+                <a:solidFill>
+                  <a:schemeClr val="accent1">
+                    <a:lumMod val="50000"/>
+                  </a:schemeClr>
+                </a:solidFill>
                 <a:latin typeface="Helvetica" pitchFamily="2" charset="0"/>
               </a:rPr>
               <a:t>Independent Bernoulli </a:t>
@@ -16821,6 +18713,11 @@
           <a:p>
             <a:r>
               <a:rPr lang="en-US" sz="1800" dirty="0">
+                <a:solidFill>
+                  <a:schemeClr val="accent1">
+                    <a:lumMod val="50000"/>
+                  </a:schemeClr>
+                </a:solidFill>
                 <a:latin typeface="Helvetica" pitchFamily="2" charset="0"/>
               </a:rPr>
               <a:t>Beta-Binomial </a:t>
@@ -16829,6 +18726,11 @@
           <a:p>
             <a:r>
               <a:rPr lang="en-US" sz="1800" dirty="0">
+                <a:solidFill>
+                  <a:schemeClr val="accent1">
+                    <a:lumMod val="50000"/>
+                  </a:schemeClr>
+                </a:solidFill>
                 <a:latin typeface="Helvetica" pitchFamily="2" charset="0"/>
               </a:rPr>
               <a:t>Stochastic Block (to be announced soon)</a:t>
@@ -17035,7 +18937,9 @@
             <a:r>
               <a:rPr lang="en-US" sz="2400" b="1" dirty="0">
                 <a:solidFill>
-                  <a:schemeClr val="accent2"/>
+                  <a:schemeClr val="accent1">
+                    <a:lumMod val="50000"/>
+                  </a:schemeClr>
                 </a:solidFill>
                 <a:latin typeface="Helvetica" pitchFamily="2" charset="0"/>
               </a:rPr>
@@ -17048,6 +18952,11 @@
               <a:buNone/>
             </a:pPr>
             <a:endParaRPr lang="en-US" sz="1800" dirty="0">
+              <a:solidFill>
+                <a:schemeClr val="accent1">
+                  <a:lumMod val="50000"/>
+                </a:schemeClr>
+              </a:solidFill>
               <a:latin typeface="Helvetica" pitchFamily="2" charset="0"/>
             </a:endParaRPr>
           </a:p>
@@ -17058,6 +18967,11 @@
             </a:pPr>
             <a:r>
               <a:rPr lang="en-US" sz="1800" dirty="0">
+                <a:solidFill>
+                  <a:schemeClr val="accent1">
+                    <a:lumMod val="50000"/>
+                  </a:schemeClr>
+                </a:solidFill>
                 <a:latin typeface="Helvetica" pitchFamily="2" charset="0"/>
               </a:rPr>
               <a:t>What prior assumptions do I have about the strength of the edge weights? </a:t>
@@ -17069,6 +18983,11 @@
               <a:buNone/>
             </a:pPr>
             <a:endParaRPr lang="en-US" sz="1800" dirty="0">
+              <a:solidFill>
+                <a:schemeClr val="accent1">
+                  <a:lumMod val="50000"/>
+                </a:schemeClr>
+              </a:solidFill>
               <a:latin typeface="Helvetica" pitchFamily="2" charset="0"/>
             </a:endParaRPr>
           </a:p>
@@ -17078,6 +18997,11 @@
               <a:buNone/>
             </a:pPr>
             <a:endParaRPr lang="en-US" sz="1800" dirty="0">
+              <a:solidFill>
+                <a:schemeClr val="accent1">
+                  <a:lumMod val="50000"/>
+                </a:schemeClr>
+              </a:solidFill>
               <a:latin typeface="Helvetica" pitchFamily="2" charset="0"/>
             </a:endParaRPr>
           </a:p>
@@ -17088,6 +19012,11 @@
             </a:pPr>
             <a:r>
               <a:rPr lang="en-US" sz="1800" dirty="0">
+                <a:solidFill>
+                  <a:schemeClr val="accent1">
+                    <a:lumMod val="50000"/>
+                  </a:schemeClr>
+                </a:solidFill>
                 <a:latin typeface="Helvetica" pitchFamily="2" charset="0"/>
               </a:rPr>
               <a:t>Options:</a:t>
@@ -17096,6 +19025,11 @@
           <a:p>
             <a:r>
               <a:rPr lang="en-US" sz="1800" dirty="0">
+                <a:solidFill>
+                  <a:schemeClr val="accent1">
+                    <a:lumMod val="50000"/>
+                  </a:schemeClr>
+                </a:solidFill>
                 <a:latin typeface="Helvetica" pitchFamily="2" charset="0"/>
               </a:rPr>
               <a:t>Cauchy distribution (with an adjustable scale parameter)</a:t>
@@ -17538,675 +19472,7 @@
 </p:sld>
 </file>
 
-<file path=ppt/slides/slide14.xml><?xml version="1.0" encoding="utf-8"?>
-<p:sld xmlns:a="http://schemas.openxmlformats.org/drawingml/2006/main" xmlns:r="http://schemas.openxmlformats.org/officeDocument/2006/relationships" xmlns:p="http://schemas.openxmlformats.org/presentationml/2006/main">
-  <p:cSld>
-    <p:spTree>
-      <p:nvGrpSpPr>
-        <p:cNvPr id="1" name=""/>
-        <p:cNvGrpSpPr/>
-        <p:nvPr/>
-      </p:nvGrpSpPr>
-      <p:grpSpPr>
-        <a:xfrm>
-          <a:off x="0" y="0"/>
-          <a:ext cx="0" cy="0"/>
-          <a:chOff x="0" y="0"/>
-          <a:chExt cx="0" cy="0"/>
-        </a:xfrm>
-      </p:grpSpPr>
-      <p:sp>
-        <p:nvSpPr>
-          <p:cNvPr id="10" name="Title 1">
-            <a:extLst>
-              <a:ext uri="{FF2B5EF4-FFF2-40B4-BE49-F238E27FC236}">
-                <a16:creationId xmlns:a16="http://schemas.microsoft.com/office/drawing/2014/main" id="{25135258-86AA-DD4B-94B3-F565A335C42A}"/>
-              </a:ext>
-            </a:extLst>
-          </p:cNvPr>
-          <p:cNvSpPr txBox="1">
-            <a:spLocks/>
-          </p:cNvSpPr>
-          <p:nvPr/>
-        </p:nvSpPr>
-        <p:spPr>
-          <a:xfrm>
-            <a:off x="7895968" y="4206982"/>
-            <a:ext cx="3887090" cy="1588698"/>
-          </a:xfrm>
-          <a:prstGeom prst="rect">
-            <a:avLst/>
-          </a:prstGeom>
-        </p:spPr>
-        <p:txBody>
-          <a:bodyPr vert="horz" lIns="91440" tIns="45720" rIns="91440" bIns="45720" rtlCol="0" anchor="b">
-            <a:noAutofit/>
-          </a:bodyPr>
-          <a:lstStyle>
-            <a:lvl1pPr algn="ctr" defTabSz="914400" rtl="0" eaLnBrk="1" latinLnBrk="0" hangingPunct="1">
-              <a:lnSpc>
-                <a:spcPct val="90000"/>
-              </a:lnSpc>
-              <a:spcBef>
-                <a:spcPct val="0"/>
-              </a:spcBef>
-              <a:buNone/>
-              <a:defRPr sz="6000" kern="1200">
-                <a:solidFill>
-                  <a:schemeClr val="tx1"/>
-                </a:solidFill>
-                <a:latin typeface="+mj-lt"/>
-                <a:ea typeface="+mj-ea"/>
-                <a:cs typeface="+mj-cs"/>
-              </a:defRPr>
-            </a:lvl1pPr>
-          </a:lstStyle>
-          <a:p>
-            <a:r>
-              <a:rPr lang="en-US" sz="4800" dirty="0">
-                <a:solidFill>
-                  <a:schemeClr val="accent2"/>
-                </a:solidFill>
-                <a:latin typeface="Helvetica" pitchFamily="2" charset="0"/>
-                <a:cs typeface="Courier New" panose="02070309020205020404" pitchFamily="49" charset="0"/>
-              </a:rPr>
-              <a:t>analysis</a:t>
-            </a:r>
-          </a:p>
-        </p:txBody>
-      </p:sp>
-      <p:cxnSp>
-        <p:nvCxnSpPr>
-          <p:cNvPr id="12" name="Straight Connector 11">
-            <a:extLst>
-              <a:ext uri="{FF2B5EF4-FFF2-40B4-BE49-F238E27FC236}">
-                <a16:creationId xmlns:a16="http://schemas.microsoft.com/office/drawing/2014/main" id="{B869CFE4-76EB-2348-B9B3-0B5CC838ACF1}"/>
-              </a:ext>
-            </a:extLst>
-          </p:cNvPr>
-          <p:cNvCxnSpPr>
-            <a:cxnSpLocks/>
-          </p:cNvCxnSpPr>
-          <p:nvPr/>
-        </p:nvCxnSpPr>
-        <p:spPr>
-          <a:xfrm>
-            <a:off x="9159801" y="5788646"/>
-            <a:ext cx="1843087" cy="0"/>
-          </a:xfrm>
-          <a:prstGeom prst="line">
-            <a:avLst/>
-          </a:prstGeom>
-          <a:ln w="57150">
-            <a:solidFill>
-              <a:schemeClr val="accent2"/>
-            </a:solidFill>
-          </a:ln>
-        </p:spPr>
-        <p:style>
-          <a:lnRef idx="1">
-            <a:schemeClr val="accent1"/>
-          </a:lnRef>
-          <a:fillRef idx="0">
-            <a:schemeClr val="accent1"/>
-          </a:fillRef>
-          <a:effectRef idx="0">
-            <a:schemeClr val="accent1"/>
-          </a:effectRef>
-          <a:fontRef idx="minor">
-            <a:schemeClr val="tx1"/>
-          </a:fontRef>
-        </p:style>
-      </p:cxnSp>
-    </p:spTree>
-    <p:extLst>
-      <p:ext uri="{BB962C8B-B14F-4D97-AF65-F5344CB8AC3E}">
-        <p14:creationId xmlns:p14="http://schemas.microsoft.com/office/powerpoint/2010/main" val="3071972624"/>
-      </p:ext>
-    </p:extLst>
-  </p:cSld>
-  <p:clrMapOvr>
-    <a:masterClrMapping/>
-  </p:clrMapOvr>
-</p:sld>
-</file>
-
-<file path=ppt/slides/slide15.xml><?xml version="1.0" encoding="utf-8"?>
-<p:sld xmlns:a="http://schemas.openxmlformats.org/drawingml/2006/main" xmlns:r="http://schemas.openxmlformats.org/officeDocument/2006/relationships" xmlns:p="http://schemas.openxmlformats.org/presentationml/2006/main">
-  <p:cSld>
-    <p:spTree>
-      <p:nvGrpSpPr>
-        <p:cNvPr id="1" name=""/>
-        <p:cNvGrpSpPr/>
-        <p:nvPr/>
-      </p:nvGrpSpPr>
-      <p:grpSpPr>
-        <a:xfrm>
-          <a:off x="0" y="0"/>
-          <a:ext cx="0" cy="0"/>
-          <a:chOff x="0" y="0"/>
-          <a:chExt cx="0" cy="0"/>
-        </a:xfrm>
-      </p:grpSpPr>
-      <p:sp>
-        <p:nvSpPr>
-          <p:cNvPr id="3" name="Title 1">
-            <a:extLst>
-              <a:ext uri="{FF2B5EF4-FFF2-40B4-BE49-F238E27FC236}">
-                <a16:creationId xmlns:a16="http://schemas.microsoft.com/office/drawing/2014/main" id="{5094284B-A076-5C63-64C0-FE2C8753A20F}"/>
-              </a:ext>
-            </a:extLst>
-          </p:cNvPr>
-          <p:cNvSpPr txBox="1">
-            <a:spLocks/>
-          </p:cNvSpPr>
-          <p:nvPr/>
-        </p:nvSpPr>
-        <p:spPr>
-          <a:xfrm>
-            <a:off x="558800" y="262728"/>
-            <a:ext cx="12192000" cy="1325563"/>
-          </a:xfrm>
-          <a:prstGeom prst="rect">
-            <a:avLst/>
-          </a:prstGeom>
-        </p:spPr>
-        <p:txBody>
-          <a:bodyPr vert="horz" lIns="91440" tIns="45720" rIns="91440" bIns="45720" rtlCol="0" anchor="ctr">
-            <a:normAutofit/>
-          </a:bodyPr>
-          <a:lstStyle>
-            <a:lvl1pPr algn="l" defTabSz="914400" rtl="0" eaLnBrk="1" latinLnBrk="0" hangingPunct="1">
-              <a:lnSpc>
-                <a:spcPct val="90000"/>
-              </a:lnSpc>
-              <a:spcBef>
-                <a:spcPct val="0"/>
-              </a:spcBef>
-              <a:buNone/>
-              <a:defRPr sz="4400" kern="1200">
-                <a:solidFill>
-                  <a:schemeClr val="tx1"/>
-                </a:solidFill>
-                <a:latin typeface="+mj-lt"/>
-                <a:ea typeface="+mj-ea"/>
-                <a:cs typeface="+mj-cs"/>
-              </a:defRPr>
-            </a:lvl1pPr>
-          </a:lstStyle>
-          <a:p>
-            <a:r>
-              <a:rPr lang="en-US" sz="4800" b="1" dirty="0">
-                <a:latin typeface="Helvetica" pitchFamily="2" charset="0"/>
-                <a:cs typeface="Courier New" panose="02070309020205020404" pitchFamily="49" charset="0"/>
-              </a:rPr>
-              <a:t>Software implementations</a:t>
-            </a:r>
-          </a:p>
-        </p:txBody>
-      </p:sp>
-      <p:pic>
-        <p:nvPicPr>
-          <p:cNvPr id="3074" name="Picture 2" descr="GitHub - jasp-stats/jasp-desktop: JASP aims to be a complete statistical  package for both Bayesian and Frequentist statistical methods, that is easy  to use and familiar to users of SPSS">
-            <a:extLst>
-              <a:ext uri="{FF2B5EF4-FFF2-40B4-BE49-F238E27FC236}">
-                <a16:creationId xmlns:a16="http://schemas.microsoft.com/office/drawing/2014/main" id="{691243D8-648D-C541-8502-B78CB40E05DD}"/>
-              </a:ext>
-            </a:extLst>
-          </p:cNvPr>
-          <p:cNvPicPr>
-            <a:picLocks noChangeAspect="1" noChangeArrowheads="1"/>
-          </p:cNvPicPr>
-          <p:nvPr/>
-        </p:nvPicPr>
-        <p:blipFill>
-          <a:blip r:embed="rId3">
-            <a:extLst>
-              <a:ext uri="{28A0092B-C50C-407E-A947-70E740481C1C}">
-                <a14:useLocalDpi xmlns:a14="http://schemas.microsoft.com/office/drawing/2010/main" val="0"/>
-              </a:ext>
-            </a:extLst>
-          </a:blip>
-          <a:srcRect/>
-          <a:stretch>
-            <a:fillRect/>
-          </a:stretch>
-        </p:blipFill>
-        <p:spPr bwMode="auto">
-          <a:xfrm>
-            <a:off x="-249382" y="1476763"/>
-            <a:ext cx="5511800" cy="1473200"/>
-          </a:xfrm>
-          <a:prstGeom prst="rect">
-            <a:avLst/>
-          </a:prstGeom>
-          <a:noFill/>
-          <a:extLst>
-            <a:ext uri="{909E8E84-426E-40DD-AFC4-6F175D3DCCD1}">
-              <a14:hiddenFill xmlns:a14="http://schemas.microsoft.com/office/drawing/2010/main">
-                <a:solidFill>
-                  <a:srgbClr val="FFFFFF"/>
-                </a:solidFill>
-              </a14:hiddenFill>
-            </a:ext>
-          </a:extLst>
-        </p:spPr>
-      </p:pic>
-      <p:sp>
-        <p:nvSpPr>
-          <p:cNvPr id="5" name="Rectangle 4">
-            <a:extLst>
-              <a:ext uri="{FF2B5EF4-FFF2-40B4-BE49-F238E27FC236}">
-                <a16:creationId xmlns:a16="http://schemas.microsoft.com/office/drawing/2014/main" id="{84F0D9DD-87B2-D358-6DD8-EA9BA9B519FD}"/>
-              </a:ext>
-            </a:extLst>
-          </p:cNvPr>
-          <p:cNvSpPr/>
-          <p:nvPr/>
-        </p:nvSpPr>
-        <p:spPr>
-          <a:xfrm>
-            <a:off x="6391935" y="2838435"/>
-            <a:ext cx="6114047" cy="2900362"/>
-          </a:xfrm>
-          <a:prstGeom prst="rect">
-            <a:avLst/>
-          </a:prstGeom>
-          <a:noFill/>
-          <a:ln>
-            <a:noFill/>
-          </a:ln>
-        </p:spPr>
-        <p:style>
-          <a:lnRef idx="2">
-            <a:schemeClr val="accent1">
-              <a:shade val="50000"/>
-            </a:schemeClr>
-          </a:lnRef>
-          <a:fillRef idx="1">
-            <a:schemeClr val="accent1"/>
-          </a:fillRef>
-          <a:effectRef idx="0">
-            <a:schemeClr val="accent1"/>
-          </a:effectRef>
-          <a:fontRef idx="minor">
-            <a:schemeClr val="lt1"/>
-          </a:fontRef>
-        </p:style>
-        <p:txBody>
-          <a:bodyPr rtlCol="0" anchor="t"/>
-          <a:lstStyle/>
-          <a:p>
-            <a:r>
-              <a:rPr lang="en-US" sz="3200" b="1" dirty="0" err="1">
-                <a:solidFill>
-                  <a:schemeClr val="tx1"/>
-                </a:solidFill>
-                <a:latin typeface="Helvetica" pitchFamily="2" charset="0"/>
-                <a:cs typeface="Courier New" panose="02070309020205020404" pitchFamily="49" charset="0"/>
-              </a:rPr>
-              <a:t>easybgm</a:t>
-            </a:r>
-            <a:endParaRPr lang="en-US" sz="3200" b="1" dirty="0">
-              <a:solidFill>
-                <a:schemeClr val="tx1"/>
-              </a:solidFill>
-              <a:latin typeface="Helvetica" pitchFamily="2" charset="0"/>
-              <a:cs typeface="Courier New" panose="02070309020205020404" pitchFamily="49" charset="0"/>
-            </a:endParaRPr>
-          </a:p>
-          <a:p>
-            <a:r>
-              <a:rPr lang="en-US" sz="2000" i="1" dirty="0">
-                <a:solidFill>
-                  <a:schemeClr val="tx1"/>
-                </a:solidFill>
-                <a:latin typeface="Helvetica" pitchFamily="2" charset="0"/>
-                <a:cs typeface="Courier New" panose="02070309020205020404" pitchFamily="49" charset="0"/>
-              </a:rPr>
-              <a:t>all</a:t>
-            </a:r>
-          </a:p>
-          <a:p>
-            <a:endParaRPr lang="en-US" b="1" dirty="0">
-              <a:solidFill>
-                <a:schemeClr val="tx1"/>
-              </a:solidFill>
-              <a:latin typeface="Helvetica" pitchFamily="2" charset="0"/>
-              <a:cs typeface="Courier New" panose="02070309020205020404" pitchFamily="49" charset="0"/>
-            </a:endParaRPr>
-          </a:p>
-          <a:p>
-            <a:r>
-              <a:rPr lang="en-US" sz="3200" b="1" dirty="0" err="1">
-                <a:solidFill>
-                  <a:schemeClr val="tx1"/>
-                </a:solidFill>
-                <a:latin typeface="Helvetica" pitchFamily="2" charset="0"/>
-                <a:cs typeface="Courier New" panose="02070309020205020404" pitchFamily="49" charset="0"/>
-              </a:rPr>
-              <a:t>BDgraph</a:t>
-            </a:r>
-            <a:endParaRPr lang="en-US" sz="2000" b="1" dirty="0">
-              <a:solidFill>
-                <a:schemeClr val="tx1"/>
-              </a:solidFill>
-              <a:latin typeface="Helvetica" pitchFamily="2" charset="0"/>
-              <a:cs typeface="Courier New" panose="02070309020205020404" pitchFamily="49" charset="0"/>
-            </a:endParaRPr>
-          </a:p>
-          <a:p>
-            <a:r>
-              <a:rPr lang="en-US" sz="2000" i="1" dirty="0">
-                <a:solidFill>
-                  <a:schemeClr val="tx1"/>
-                </a:solidFill>
-                <a:latin typeface="Helvetica" pitchFamily="2" charset="0"/>
-                <a:cs typeface="Courier New" panose="02070309020205020404" pitchFamily="49" charset="0"/>
-              </a:rPr>
-              <a:t>mixed, continuous, ordinal, binary</a:t>
-            </a:r>
-          </a:p>
-          <a:p>
-            <a:pPr>
-              <a:spcBef>
-                <a:spcPts val="1800"/>
-              </a:spcBef>
-            </a:pPr>
-            <a:r>
-              <a:rPr lang="en-US" sz="3200" b="1" dirty="0">
-                <a:solidFill>
-                  <a:schemeClr val="tx1"/>
-                </a:solidFill>
-                <a:latin typeface="Helvetica" pitchFamily="2" charset="0"/>
-                <a:cs typeface="Courier New" panose="02070309020205020404" pitchFamily="49" charset="0"/>
-              </a:rPr>
-              <a:t>BGGM</a:t>
-            </a:r>
-          </a:p>
-          <a:p>
-            <a:r>
-              <a:rPr lang="en-US" sz="2000" i="1" dirty="0">
-                <a:solidFill>
-                  <a:schemeClr val="tx1"/>
-                </a:solidFill>
-                <a:latin typeface="Helvetica" pitchFamily="2" charset="0"/>
-                <a:cs typeface="Courier New" panose="02070309020205020404" pitchFamily="49" charset="0"/>
-              </a:rPr>
-              <a:t>mixed, continuous, ordinal, binary</a:t>
-            </a:r>
-            <a:endParaRPr lang="en-US" sz="2000" b="1" dirty="0">
-              <a:solidFill>
-                <a:schemeClr val="tx1"/>
-              </a:solidFill>
-              <a:latin typeface="Helvetica" pitchFamily="2" charset="0"/>
-              <a:cs typeface="Courier New" panose="02070309020205020404" pitchFamily="49" charset="0"/>
-            </a:endParaRPr>
-          </a:p>
-          <a:p>
-            <a:pPr>
-              <a:spcBef>
-                <a:spcPts val="1800"/>
-              </a:spcBef>
-            </a:pPr>
-            <a:r>
-              <a:rPr lang="en-US" sz="3200" b="1" dirty="0" err="1">
-                <a:solidFill>
-                  <a:schemeClr val="tx1"/>
-                </a:solidFill>
-                <a:latin typeface="Helvetica" pitchFamily="2" charset="0"/>
-                <a:cs typeface="Courier New" panose="02070309020205020404" pitchFamily="49" charset="0"/>
-              </a:rPr>
-              <a:t>bgms</a:t>
-            </a:r>
-            <a:endParaRPr lang="en-US" sz="2000" dirty="0">
-              <a:solidFill>
-                <a:schemeClr val="tx1"/>
-              </a:solidFill>
-              <a:latin typeface="Helvetica" pitchFamily="2" charset="0"/>
-              <a:cs typeface="Courier New" panose="02070309020205020404" pitchFamily="49" charset="0"/>
-            </a:endParaRPr>
-          </a:p>
-          <a:p>
-            <a:r>
-              <a:rPr lang="en-US" sz="2000" dirty="0">
-                <a:solidFill>
-                  <a:schemeClr val="tx1"/>
-                </a:solidFill>
-                <a:latin typeface="Helvetica" pitchFamily="2" charset="0"/>
-                <a:cs typeface="Courier New" panose="02070309020205020404" pitchFamily="49" charset="0"/>
-              </a:rPr>
-              <a:t>ordinal, binary</a:t>
-            </a:r>
-          </a:p>
-        </p:txBody>
-      </p:sp>
-      <p:cxnSp>
-        <p:nvCxnSpPr>
-          <p:cNvPr id="7" name="Straight Connector 6">
-            <a:extLst>
-              <a:ext uri="{FF2B5EF4-FFF2-40B4-BE49-F238E27FC236}">
-                <a16:creationId xmlns:a16="http://schemas.microsoft.com/office/drawing/2014/main" id="{80B12850-D0F4-B9C3-68C2-F3C6B976BDFA}"/>
-              </a:ext>
-            </a:extLst>
-          </p:cNvPr>
-          <p:cNvCxnSpPr/>
-          <p:nvPr/>
-        </p:nvCxnSpPr>
-        <p:spPr>
-          <a:xfrm>
-            <a:off x="457200" y="0"/>
-            <a:ext cx="0" cy="1262070"/>
-          </a:xfrm>
-          <a:prstGeom prst="line">
-            <a:avLst/>
-          </a:prstGeom>
-          <a:ln w="57150">
-            <a:solidFill>
-              <a:schemeClr val="accent2">
-                <a:lumMod val="60000"/>
-                <a:lumOff val="40000"/>
-              </a:schemeClr>
-            </a:solidFill>
-          </a:ln>
-        </p:spPr>
-        <p:style>
-          <a:lnRef idx="1">
-            <a:schemeClr val="accent1"/>
-          </a:lnRef>
-          <a:fillRef idx="0">
-            <a:schemeClr val="accent1"/>
-          </a:fillRef>
-          <a:effectRef idx="0">
-            <a:schemeClr val="accent1"/>
-          </a:effectRef>
-          <a:fontRef idx="minor">
-            <a:schemeClr val="tx1"/>
-          </a:fontRef>
-        </p:style>
-      </p:cxnSp>
-      <p:cxnSp>
-        <p:nvCxnSpPr>
-          <p:cNvPr id="8" name="Straight Connector 7">
-            <a:extLst>
-              <a:ext uri="{FF2B5EF4-FFF2-40B4-BE49-F238E27FC236}">
-                <a16:creationId xmlns:a16="http://schemas.microsoft.com/office/drawing/2014/main" id="{243AD428-4726-D2B1-6E5A-12A0C532798E}"/>
-              </a:ext>
-            </a:extLst>
-          </p:cNvPr>
-          <p:cNvCxnSpPr>
-            <a:cxnSpLocks/>
-          </p:cNvCxnSpPr>
-          <p:nvPr/>
-        </p:nvCxnSpPr>
-        <p:spPr>
-          <a:xfrm>
-            <a:off x="0" y="431800"/>
-            <a:ext cx="1511300" cy="0"/>
-          </a:xfrm>
-          <a:prstGeom prst="line">
-            <a:avLst/>
-          </a:prstGeom>
-          <a:ln w="57150">
-            <a:solidFill>
-              <a:schemeClr val="accent2">
-                <a:lumMod val="60000"/>
-                <a:lumOff val="40000"/>
-              </a:schemeClr>
-            </a:solidFill>
-          </a:ln>
-        </p:spPr>
-        <p:style>
-          <a:lnRef idx="1">
-            <a:schemeClr val="accent1"/>
-          </a:lnRef>
-          <a:fillRef idx="0">
-            <a:schemeClr val="accent1"/>
-          </a:fillRef>
-          <a:effectRef idx="0">
-            <a:schemeClr val="accent1"/>
-          </a:effectRef>
-          <a:fontRef idx="minor">
-            <a:schemeClr val="tx1"/>
-          </a:fontRef>
-        </p:style>
-      </p:cxnSp>
-      <p:sp>
-        <p:nvSpPr>
-          <p:cNvPr id="10" name="Rectangle 9">
-            <a:extLst>
-              <a:ext uri="{FF2B5EF4-FFF2-40B4-BE49-F238E27FC236}">
-                <a16:creationId xmlns:a16="http://schemas.microsoft.com/office/drawing/2014/main" id="{9D015A37-7B68-0861-28F4-79E614793CDF}"/>
-              </a:ext>
-            </a:extLst>
-          </p:cNvPr>
-          <p:cNvSpPr/>
-          <p:nvPr/>
-        </p:nvSpPr>
-        <p:spPr>
-          <a:xfrm>
-            <a:off x="1018499" y="2892417"/>
-            <a:ext cx="2791502" cy="536583"/>
-          </a:xfrm>
-          <a:prstGeom prst="rect">
-            <a:avLst/>
-          </a:prstGeom>
-          <a:noFill/>
-          <a:ln>
-            <a:noFill/>
-          </a:ln>
-        </p:spPr>
-        <p:style>
-          <a:lnRef idx="2">
-            <a:schemeClr val="accent1">
-              <a:shade val="50000"/>
-            </a:schemeClr>
-          </a:lnRef>
-          <a:fillRef idx="1">
-            <a:schemeClr val="accent1"/>
-          </a:fillRef>
-          <a:effectRef idx="0">
-            <a:schemeClr val="accent1"/>
-          </a:effectRef>
-          <a:fontRef idx="minor">
-            <a:schemeClr val="lt1"/>
-          </a:fontRef>
-        </p:style>
-        <p:txBody>
-          <a:bodyPr rtlCol="0" anchor="t"/>
-          <a:lstStyle/>
-          <a:p>
-            <a:r>
-              <a:rPr lang="en-US" i="1" dirty="0">
-                <a:solidFill>
-                  <a:schemeClr val="tx1"/>
-                </a:solidFill>
-                <a:latin typeface="Helvetica" pitchFamily="2" charset="0"/>
-                <a:cs typeface="Courier New" panose="02070309020205020404" pitchFamily="49" charset="0"/>
-              </a:rPr>
-              <a:t>based on </a:t>
-            </a:r>
-            <a:r>
-              <a:rPr lang="en-US" i="1" dirty="0" err="1">
-                <a:solidFill>
-                  <a:schemeClr val="tx1"/>
-                </a:solidFill>
-                <a:latin typeface="Helvetica" pitchFamily="2" charset="0"/>
-                <a:cs typeface="Courier New" panose="02070309020205020404" pitchFamily="49" charset="0"/>
-              </a:rPr>
-              <a:t>BDgraph</a:t>
-            </a:r>
-            <a:endParaRPr lang="en-US" sz="1200" i="1" dirty="0">
-              <a:solidFill>
-                <a:schemeClr val="tx1"/>
-              </a:solidFill>
-              <a:latin typeface="Helvetica" pitchFamily="2" charset="0"/>
-              <a:cs typeface="Courier New" panose="02070309020205020404" pitchFamily="49" charset="0"/>
-            </a:endParaRPr>
-          </a:p>
-        </p:txBody>
-      </p:sp>
-      <p:pic>
-        <p:nvPicPr>
-          <p:cNvPr id="2050" name="Picture 2">
-            <a:extLst>
-              <a:ext uri="{FF2B5EF4-FFF2-40B4-BE49-F238E27FC236}">
-                <a16:creationId xmlns:a16="http://schemas.microsoft.com/office/drawing/2014/main" id="{258739DC-43E7-C767-5E27-1BAD4753FB25}"/>
-              </a:ext>
-            </a:extLst>
-          </p:cNvPr>
-          <p:cNvPicPr>
-            <a:picLocks noChangeAspect="1" noChangeArrowheads="1"/>
-          </p:cNvPicPr>
-          <p:nvPr/>
-        </p:nvPicPr>
-        <p:blipFill>
-          <a:blip r:embed="rId4">
-            <a:extLst>
-              <a:ext uri="{28A0092B-C50C-407E-A947-70E740481C1C}">
-                <a14:useLocalDpi xmlns:a14="http://schemas.microsoft.com/office/drawing/2010/main" val="0"/>
-              </a:ext>
-            </a:extLst>
-          </a:blip>
-          <a:srcRect/>
-          <a:stretch>
-            <a:fillRect/>
-          </a:stretch>
-        </p:blipFill>
-        <p:spPr bwMode="auto">
-          <a:xfrm>
-            <a:off x="6096000" y="1262070"/>
-            <a:ext cx="1901242" cy="1473200"/>
-          </a:xfrm>
-          <a:prstGeom prst="rect">
-            <a:avLst/>
-          </a:prstGeom>
-          <a:noFill/>
-          <a:extLst>
-            <a:ext uri="{909E8E84-426E-40DD-AFC4-6F175D3DCCD1}">
-              <a14:hiddenFill xmlns:a14="http://schemas.microsoft.com/office/drawing/2010/main">
-                <a:solidFill>
-                  <a:srgbClr val="FFFFFF"/>
-                </a:solidFill>
-              </a14:hiddenFill>
-            </a:ext>
-          </a:extLst>
-        </p:spPr>
-      </p:pic>
-    </p:spTree>
-    <p:extLst>
-      <p:ext uri="{BB962C8B-B14F-4D97-AF65-F5344CB8AC3E}">
-        <p14:creationId xmlns:p14="http://schemas.microsoft.com/office/powerpoint/2010/main" val="3116476232"/>
-      </p:ext>
-    </p:extLst>
-  </p:cSld>
-  <p:clrMapOvr>
-    <a:masterClrMapping/>
-  </p:clrMapOvr>
-</p:sld>
-</file>
-
-<file path=ppt/slides/slide16.xml><?xml version="1.0" encoding="utf-8"?>
+<file path=ppt/slides/slide17.xml><?xml version="1.0" encoding="utf-8"?>
 <p:sld xmlns:a="http://schemas.openxmlformats.org/drawingml/2006/main" xmlns:r="http://schemas.openxmlformats.org/officeDocument/2006/relationships" xmlns:p="http://schemas.openxmlformats.org/presentationml/2006/main">
   <p:cSld>
     <p:spTree>
@@ -18395,6 +19661,11 @@
           <a:p>
             <a:pPr algn="just"/>
             <a:endParaRPr lang="en-CA" b="0" i="0" dirty="0">
+              <a:solidFill>
+                <a:schemeClr val="accent1">
+                  <a:lumMod val="50000"/>
+                </a:schemeClr>
+              </a:solidFill>
               <a:effectLst/>
               <a:latin typeface="Helvetica" pitchFamily="2" charset="0"/>
             </a:endParaRPr>
@@ -18403,6 +19674,11 @@
             <a:pPr algn="just"/>
             <a:r>
               <a:rPr lang="en-CA" b="0" i="0" dirty="0">
+                <a:solidFill>
+                  <a:schemeClr val="accent1">
+                    <a:lumMod val="50000"/>
+                  </a:schemeClr>
+                </a:solidFill>
                 <a:effectLst/>
                 <a:latin typeface="Helvetica" pitchFamily="2" charset="0"/>
               </a:rPr>
@@ -18410,6 +19686,11 @@
             </a:r>
             <a:r>
               <a:rPr lang="en-CA" b="0" i="0" dirty="0" err="1">
+                <a:solidFill>
+                  <a:schemeClr val="accent1">
+                    <a:lumMod val="50000"/>
+                  </a:schemeClr>
+                </a:solidFill>
                 <a:effectLst/>
                 <a:latin typeface="Helvetica" pitchFamily="2" charset="0"/>
               </a:rPr>
@@ -18417,6 +19698,11 @@
             </a:r>
             <a:r>
               <a:rPr lang="en-CA" b="0" i="0" dirty="0">
+                <a:solidFill>
+                  <a:schemeClr val="accent1">
+                    <a:lumMod val="50000"/>
+                  </a:schemeClr>
+                </a:solidFill>
                 <a:effectLst/>
                 <a:latin typeface="Helvetica" pitchFamily="2" charset="0"/>
               </a:rPr>
@@ -18424,6 +19710,11 @@
             </a:r>
             <a:r>
               <a:rPr lang="en-CA" b="0" i="0" dirty="0" err="1">
+                <a:solidFill>
+                  <a:schemeClr val="accent1">
+                    <a:lumMod val="50000"/>
+                  </a:schemeClr>
+                </a:solidFill>
                 <a:effectLst/>
                 <a:latin typeface="Helvetica" pitchFamily="2" charset="0"/>
               </a:rPr>
@@ -18431,6 +19722,11 @@
             </a:r>
             <a:r>
               <a:rPr lang="en-CA" b="0" i="0" dirty="0">
+                <a:solidFill>
+                  <a:schemeClr val="accent1">
+                    <a:lumMod val="50000"/>
+                  </a:schemeClr>
+                </a:solidFill>
                 <a:effectLst/>
                 <a:latin typeface="Helvetica" pitchFamily="2" charset="0"/>
               </a:rPr>
@@ -18438,6 +19734,11 @@
             </a:r>
             <a:r>
               <a:rPr lang="en-CA" b="0" i="0" dirty="0" err="1">
+                <a:solidFill>
+                  <a:schemeClr val="accent1">
+                    <a:lumMod val="50000"/>
+                  </a:schemeClr>
+                </a:solidFill>
                 <a:effectLst/>
                 <a:latin typeface="Helvetica" pitchFamily="2" charset="0"/>
               </a:rPr>
@@ -18445,6 +19746,11 @@
             </a:r>
             <a:r>
               <a:rPr lang="en-CA" b="0" i="0" dirty="0">
+                <a:solidFill>
+                  <a:schemeClr val="accent1">
+                    <a:lumMod val="50000"/>
+                  </a:schemeClr>
+                </a:solidFill>
                 <a:effectLst/>
                 <a:latin typeface="Helvetica" pitchFamily="2" charset="0"/>
               </a:rPr>
@@ -18452,6 +19758,11 @@
             </a:r>
             <a:r>
               <a:rPr lang="en-CA" b="0" i="1" dirty="0">
+                <a:solidFill>
+                  <a:schemeClr val="accent1">
+                    <a:lumMod val="50000"/>
+                  </a:schemeClr>
+                </a:solidFill>
                 <a:effectLst/>
                 <a:latin typeface="Helvetica" pitchFamily="2" charset="0"/>
               </a:rPr>
@@ -18459,6 +19770,11 @@
             </a:r>
             <a:r>
               <a:rPr lang="en-CA" b="0" dirty="0">
+                <a:solidFill>
+                  <a:schemeClr val="accent1">
+                    <a:lumMod val="50000"/>
+                  </a:schemeClr>
+                </a:solidFill>
                 <a:effectLst/>
                 <a:latin typeface="Helvetica" pitchFamily="2" charset="0"/>
               </a:rPr>
@@ -18466,6 +19782,11 @@
             </a:r>
             <a:r>
               <a:rPr lang="en-CA" b="0" i="0" dirty="0">
+                <a:solidFill>
+                  <a:schemeClr val="accent1">
+                    <a:lumMod val="50000"/>
+                  </a:schemeClr>
+                </a:solidFill>
                 <a:effectLst/>
                 <a:latin typeface="Helvetica" pitchFamily="2" charset="0"/>
               </a:rPr>
@@ -18475,6 +19796,11 @@
           <a:p>
             <a:pPr algn="just"/>
             <a:endParaRPr lang="en-CA" b="0" i="0" dirty="0">
+              <a:solidFill>
+                <a:schemeClr val="accent1">
+                  <a:lumMod val="50000"/>
+                </a:schemeClr>
+              </a:solidFill>
               <a:effectLst/>
               <a:latin typeface="Helvetica" pitchFamily="2" charset="0"/>
             </a:endParaRPr>
@@ -18483,6 +19809,11 @@
             <a:pPr algn="just"/>
             <a:r>
               <a:rPr lang="en-CA" b="0" i="0" dirty="0">
+                <a:solidFill>
+                  <a:schemeClr val="accent1">
+                    <a:lumMod val="50000"/>
+                  </a:schemeClr>
+                </a:solidFill>
                 <a:effectLst/>
                 <a:latin typeface="Helvetica" pitchFamily="2" charset="0"/>
               </a:rPr>
@@ -18490,12 +19821,22 @@
             </a:r>
             <a:r>
               <a:rPr lang="en-CA" dirty="0">
+                <a:solidFill>
+                  <a:schemeClr val="accent1">
+                    <a:lumMod val="50000"/>
+                  </a:schemeClr>
+                </a:solidFill>
                 <a:latin typeface="Helvetica" pitchFamily="2" charset="0"/>
               </a:rPr>
               <a:t>2024</a:t>
             </a:r>
             <a:r>
               <a:rPr lang="en-CA" b="0" i="0" dirty="0">
+                <a:solidFill>
+                  <a:schemeClr val="accent1">
+                    <a:lumMod val="50000"/>
+                  </a:schemeClr>
+                </a:solidFill>
                 <a:effectLst/>
                 <a:latin typeface="Helvetica" pitchFamily="2" charset="0"/>
               </a:rPr>
@@ -18503,6 +19844,11 @@
             </a:r>
             <a:r>
               <a:rPr lang="en-CA" b="0" i="0" dirty="0" err="1">
+                <a:solidFill>
+                  <a:schemeClr val="accent1">
+                    <a:lumMod val="50000"/>
+                  </a:schemeClr>
+                </a:solidFill>
                 <a:effectLst/>
                 <a:latin typeface="Helvetica" pitchFamily="2" charset="0"/>
               </a:rPr>
@@ -18510,6 +19856,11 @@
             </a:r>
             <a:r>
               <a:rPr lang="en-CA" b="0" i="0" dirty="0">
+                <a:solidFill>
+                  <a:schemeClr val="accent1">
+                    <a:lumMod val="50000"/>
+                  </a:schemeClr>
+                </a:solidFill>
                 <a:effectLst/>
                 <a:latin typeface="Helvetica" pitchFamily="2" charset="0"/>
               </a:rPr>
@@ -18517,6 +19868,11 @@
             </a:r>
             <a:r>
               <a:rPr lang="en-CA" b="0" i="1" dirty="0">
+                <a:solidFill>
+                  <a:schemeClr val="accent1">
+                    <a:lumMod val="50000"/>
+                  </a:schemeClr>
+                </a:solidFill>
                 <a:effectLst/>
                 <a:latin typeface="Helvetica" pitchFamily="2" charset="0"/>
               </a:rPr>
@@ -18527,6 +19883,11 @@
             <a:pPr algn="just"/>
             <a:r>
               <a:rPr lang="en-CA" b="0" i="1" dirty="0">
+                <a:solidFill>
+                  <a:schemeClr val="accent1">
+                    <a:lumMod val="50000"/>
+                  </a:schemeClr>
+                </a:solidFill>
                 <a:effectLst/>
                 <a:latin typeface="Helvetica" pitchFamily="2" charset="0"/>
               </a:rPr>
@@ -18534,18 +19895,33 @@
             </a:r>
             <a:r>
               <a:rPr lang="en-CA" b="0" i="0" dirty="0">
+                <a:solidFill>
+                  <a:schemeClr val="accent1">
+                    <a:lumMod val="50000"/>
+                  </a:schemeClr>
+                </a:solidFill>
                 <a:effectLst/>
                 <a:latin typeface="Helvetica" pitchFamily="2" charset="0"/>
               </a:rPr>
               <a:t>.</a:t>
             </a:r>
             <a:endParaRPr lang="en-CA" dirty="0">
+              <a:solidFill>
+                <a:schemeClr val="accent1">
+                  <a:lumMod val="50000"/>
+                </a:schemeClr>
+              </a:solidFill>
               <a:latin typeface="Helvetica" pitchFamily="2" charset="0"/>
             </a:endParaRPr>
           </a:p>
           <a:p>
             <a:pPr algn="just"/>
             <a:endParaRPr lang="en-CA" b="0" i="0" dirty="0">
+              <a:solidFill>
+                <a:schemeClr val="accent1">
+                  <a:lumMod val="50000"/>
+                </a:schemeClr>
+              </a:solidFill>
               <a:effectLst/>
               <a:latin typeface="Helvetica" pitchFamily="2" charset="0"/>
             </a:endParaRPr>
@@ -18554,6 +19930,11 @@
             <a:pPr algn="just"/>
             <a:r>
               <a:rPr lang="en-CA" b="0" i="0" dirty="0">
+                <a:solidFill>
+                  <a:schemeClr val="accent1">
+                    <a:lumMod val="50000"/>
+                  </a:schemeClr>
+                </a:solidFill>
                 <a:effectLst/>
                 <a:latin typeface="Helvetica" pitchFamily="2" charset="0"/>
               </a:rPr>
@@ -18561,6 +19942,11 @@
             </a:r>
             <a:r>
               <a:rPr lang="en-CA" b="0" i="0" dirty="0" err="1">
+                <a:solidFill>
+                  <a:schemeClr val="accent1">
+                    <a:lumMod val="50000"/>
+                  </a:schemeClr>
+                </a:solidFill>
                 <a:effectLst/>
                 <a:latin typeface="Helvetica" pitchFamily="2" charset="0"/>
               </a:rPr>
@@ -18568,6 +19954,11 @@
             </a:r>
             <a:r>
               <a:rPr lang="en-CA" b="0" i="0" dirty="0">
+                <a:solidFill>
+                  <a:schemeClr val="accent1">
+                    <a:lumMod val="50000"/>
+                  </a:schemeClr>
+                </a:solidFill>
                 <a:effectLst/>
                 <a:latin typeface="Helvetica" pitchFamily="2" charset="0"/>
               </a:rPr>
@@ -18575,12 +19966,22 @@
             </a:r>
             <a:r>
               <a:rPr lang="en-CA" dirty="0">
+                <a:solidFill>
+                  <a:schemeClr val="accent1">
+                    <a:lumMod val="50000"/>
+                  </a:schemeClr>
+                </a:solidFill>
                 <a:latin typeface="Helvetica" pitchFamily="2" charset="0"/>
               </a:rPr>
               <a:t>in press</a:t>
             </a:r>
             <a:r>
               <a:rPr lang="en-CA" b="0" i="0" dirty="0">
+                <a:solidFill>
+                  <a:schemeClr val="accent1">
+                    <a:lumMod val="50000"/>
+                  </a:schemeClr>
+                </a:solidFill>
                 <a:effectLst/>
                 <a:latin typeface="Helvetica" pitchFamily="2" charset="0"/>
               </a:rPr>
@@ -18588,6 +19989,11 @@
             </a:r>
             <a:r>
               <a:rPr lang="en-CA" b="0" i="1" dirty="0">
+                <a:solidFill>
+                  <a:schemeClr val="accent1">
+                    <a:lumMod val="50000"/>
+                  </a:schemeClr>
+                </a:solidFill>
                 <a:effectLst/>
                 <a:latin typeface="Helvetica" pitchFamily="2" charset="0"/>
               </a:rPr>
@@ -18597,6 +20003,11 @@
           <a:p>
             <a:pPr algn="just"/>
             <a:endParaRPr lang="en-CA" dirty="0">
+              <a:solidFill>
+                <a:schemeClr val="accent1">
+                  <a:lumMod val="50000"/>
+                </a:schemeClr>
+              </a:solidFill>
               <a:latin typeface="Helvetica" pitchFamily="2" charset="0"/>
             </a:endParaRPr>
           </a:p>
@@ -18605,7 +20016,9 @@
             <a:r>
               <a:rPr lang="en-CA" b="0" i="0" dirty="0">
                 <a:solidFill>
-                  <a:srgbClr val="222222"/>
+                  <a:schemeClr val="accent1">
+                    <a:lumMod val="50000"/>
+                  </a:schemeClr>
                 </a:solidFill>
                 <a:effectLst/>
                 <a:highlight>
@@ -18618,7 +20031,9 @@
             <a:r>
               <a:rPr lang="en-CA" dirty="0">
                 <a:solidFill>
-                  <a:srgbClr val="222222"/>
+                  <a:schemeClr val="accent1">
+                    <a:lumMod val="50000"/>
+                  </a:schemeClr>
                 </a:solidFill>
                 <a:highlight>
                   <a:srgbClr val="FFFFFF"/>
@@ -18630,7 +20045,9 @@
             <a:r>
               <a:rPr lang="en-CA" b="0" i="0" dirty="0">
                 <a:solidFill>
-                  <a:srgbClr val="222222"/>
+                  <a:schemeClr val="accent1">
+                    <a:lumMod val="50000"/>
+                  </a:schemeClr>
                 </a:solidFill>
                 <a:effectLst/>
                 <a:highlight>
@@ -18643,7 +20060,9 @@
             <a:r>
               <a:rPr lang="en-CA" b="0" i="1" dirty="0">
                 <a:solidFill>
-                  <a:srgbClr val="222222"/>
+                  <a:schemeClr val="accent1">
+                    <a:lumMod val="50000"/>
+                  </a:schemeClr>
                 </a:solidFill>
                 <a:effectLst/>
                 <a:highlight>
@@ -18656,7 +20075,9 @@
             <a:r>
               <a:rPr lang="en-CA" b="0" i="0" dirty="0">
                 <a:solidFill>
-                  <a:srgbClr val="222222"/>
+                  <a:schemeClr val="accent1">
+                    <a:lumMod val="50000"/>
+                  </a:schemeClr>
                 </a:solidFill>
                 <a:effectLst/>
                 <a:highlight>
@@ -18670,6 +20091,11 @@
           <a:p>
             <a:pPr algn="just"/>
             <a:endParaRPr lang="en-CA" b="0" i="0" dirty="0">
+              <a:solidFill>
+                <a:schemeClr val="accent1">
+                  <a:lumMod val="50000"/>
+                </a:schemeClr>
+              </a:solidFill>
               <a:effectLst/>
               <a:latin typeface="Helvetica" pitchFamily="2" charset="0"/>
             </a:endParaRPr>
@@ -18698,10 +20124,7 @@
           </a:prstGeom>
           <a:ln w="57150">
             <a:solidFill>
-              <a:schemeClr val="accent2">
-                <a:lumMod val="60000"/>
-                <a:lumOff val="40000"/>
-              </a:schemeClr>
+              <a:srgbClr val="002060"/>
             </a:solidFill>
           </a:ln>
         </p:spPr>
@@ -18744,10 +20167,7 @@
           </a:prstGeom>
           <a:ln w="57150">
             <a:solidFill>
-              <a:schemeClr val="accent2">
-                <a:lumMod val="60000"/>
-                <a:lumOff val="40000"/>
-              </a:schemeClr>
+              <a:srgbClr val="002060"/>
             </a:solidFill>
           </a:ln>
         </p:spPr>
@@ -18779,7 +20199,7 @@
 </p:sld>
 </file>
 
-<file path=ppt/slides/slide17.xml><?xml version="1.0" encoding="utf-8"?>
+<file path=ppt/slides/slide18.xml><?xml version="1.0" encoding="utf-8"?>
 <p:sld xmlns:a="http://schemas.openxmlformats.org/drawingml/2006/main" xmlns:r="http://schemas.openxmlformats.org/officeDocument/2006/relationships" xmlns:p="http://schemas.openxmlformats.org/presentationml/2006/main">
   <p:cSld>
     <p:spTree>
@@ -18831,7 +20251,967 @@
           <a:lstStyle/>
           <a:p>
             <a:r>
-              <a:rPr lang="en-NL" sz="4000">
+              <a:rPr lang="en-US" sz="4000" dirty="0">
+                <a:solidFill>
+                  <a:schemeClr val="accent1">
+                    <a:lumMod val="50000"/>
+                  </a:schemeClr>
+                </a:solidFill>
+                <a:latin typeface="Helvetica" pitchFamily="2" charset="0"/>
+                <a:cs typeface="Times New Roman" panose="02020603050405020304" pitchFamily="18" charset="0"/>
+              </a:rPr>
+              <a:t>End of Part III</a:t>
+            </a:r>
+            <a:endParaRPr lang="en-NL" sz="4000" dirty="0">
+              <a:solidFill>
+                <a:schemeClr val="accent1">
+                  <a:lumMod val="50000"/>
+                </a:schemeClr>
+              </a:solidFill>
+              <a:latin typeface="Helvetica" pitchFamily="2" charset="0"/>
+              <a:cs typeface="Times New Roman" panose="02020603050405020304" pitchFamily="18" charset="0"/>
+            </a:endParaRPr>
+          </a:p>
+        </p:txBody>
+      </p:sp>
+      <p:grpSp>
+        <p:nvGrpSpPr>
+          <p:cNvPr id="19" name="Group 18">
+            <a:extLst>
+              <a:ext uri="{FF2B5EF4-FFF2-40B4-BE49-F238E27FC236}">
+                <a16:creationId xmlns:a16="http://schemas.microsoft.com/office/drawing/2014/main" id="{02C07555-95AA-4358-7BDA-E8240E6CF583}"/>
+              </a:ext>
+            </a:extLst>
+          </p:cNvPr>
+          <p:cNvGrpSpPr/>
+          <p:nvPr/>
+        </p:nvGrpSpPr>
+        <p:grpSpPr>
+          <a:xfrm>
+            <a:off x="6037692" y="2274570"/>
+            <a:ext cx="2621039" cy="2532944"/>
+            <a:chOff x="4115174" y="2349000"/>
+            <a:chExt cx="2621039" cy="2532944"/>
+          </a:xfrm>
+        </p:grpSpPr>
+        <p:pic>
+          <p:nvPicPr>
+            <p:cNvPr id="10" name="Picture 9" descr="Icon&#10;&#10;Description automatically generated">
+              <a:extLst>
+                <a:ext uri="{FF2B5EF4-FFF2-40B4-BE49-F238E27FC236}">
+                  <a16:creationId xmlns:a16="http://schemas.microsoft.com/office/drawing/2014/main" id="{9F68FC3B-80EA-4E7A-F538-9DF0AB301028}"/>
+                </a:ext>
+              </a:extLst>
+            </p:cNvPr>
+            <p:cNvPicPr>
+              <a:picLocks noChangeAspect="1"/>
+            </p:cNvPicPr>
+            <p:nvPr/>
+          </p:nvPicPr>
+          <p:blipFill>
+            <a:blip r:embed="rId3">
+              <a:extLst>
+                <a:ext uri="{BEBA8EAE-BF5A-486C-A8C5-ECC9F3942E4B}">
+                  <a14:imgProps xmlns:a14="http://schemas.microsoft.com/office/drawing/2010/main">
+                    <a14:imgLayer r:embed="rId4">
+                      <a14:imgEffect>
+                        <a14:saturation sat="0"/>
+                      </a14:imgEffect>
+                    </a14:imgLayer>
+                  </a14:imgProps>
+                </a:ext>
+              </a:extLst>
+            </a:blip>
+            <a:stretch>
+              <a:fillRect/>
+            </a:stretch>
+          </p:blipFill>
+          <p:spPr>
+            <a:xfrm>
+              <a:off x="4656000" y="2349000"/>
+              <a:ext cx="1440000" cy="1440000"/>
+            </a:xfrm>
+            <a:prstGeom prst="rect">
+              <a:avLst/>
+            </a:prstGeom>
+          </p:spPr>
+        </p:pic>
+        <p:sp>
+          <p:nvSpPr>
+            <p:cNvPr id="11" name="TextBox 10">
+              <a:extLst>
+                <a:ext uri="{FF2B5EF4-FFF2-40B4-BE49-F238E27FC236}">
+                  <a16:creationId xmlns:a16="http://schemas.microsoft.com/office/drawing/2014/main" id="{3FAA4AEB-BF05-FDA3-9E6D-951F44C4066C}"/>
+                </a:ext>
+              </a:extLst>
+            </p:cNvPr>
+            <p:cNvSpPr txBox="1"/>
+            <p:nvPr/>
+          </p:nvSpPr>
+          <p:spPr>
+            <a:xfrm>
+              <a:off x="4115174" y="4358724"/>
+              <a:ext cx="2621039" cy="523220"/>
+            </a:xfrm>
+            <a:prstGeom prst="rect">
+              <a:avLst/>
+            </a:prstGeom>
+            <a:noFill/>
+          </p:spPr>
+          <p:txBody>
+            <a:bodyPr wrap="none" rtlCol="0">
+              <a:spAutoFit/>
+            </a:bodyPr>
+            <a:lstStyle/>
+            <a:p>
+              <a:r>
+                <a:rPr lang="en-US" sz="2800" dirty="0">
+                  <a:solidFill>
+                    <a:schemeClr val="bg1">
+                      <a:lumMod val="50000"/>
+                    </a:schemeClr>
+                  </a:solidFill>
+                  <a:latin typeface="Helvetica" pitchFamily="2" charset="0"/>
+                </a:rPr>
+                <a:t>Part III: Tutorial</a:t>
+              </a:r>
+            </a:p>
+          </p:txBody>
+        </p:sp>
+      </p:grpSp>
+      <p:grpSp>
+        <p:nvGrpSpPr>
+          <p:cNvPr id="24" name="Group 23">
+            <a:extLst>
+              <a:ext uri="{FF2B5EF4-FFF2-40B4-BE49-F238E27FC236}">
+                <a16:creationId xmlns:a16="http://schemas.microsoft.com/office/drawing/2014/main" id="{E4AE5124-3681-6045-E171-A02897581A44}"/>
+              </a:ext>
+            </a:extLst>
+          </p:cNvPr>
+          <p:cNvGrpSpPr/>
+          <p:nvPr/>
+        </p:nvGrpSpPr>
+        <p:grpSpPr>
+          <a:xfrm>
+            <a:off x="9130043" y="2274090"/>
+            <a:ext cx="2845331" cy="2533424"/>
+            <a:chOff x="8116963" y="2349000"/>
+            <a:chExt cx="2845331" cy="2533424"/>
+          </a:xfrm>
+        </p:grpSpPr>
+        <p:grpSp>
+          <p:nvGrpSpPr>
+            <p:cNvPr id="20" name="Group 19">
+              <a:extLst>
+                <a:ext uri="{FF2B5EF4-FFF2-40B4-BE49-F238E27FC236}">
+                  <a16:creationId xmlns:a16="http://schemas.microsoft.com/office/drawing/2014/main" id="{C2650640-A1C0-382F-7ED0-9F3EAC5AE002}"/>
+                </a:ext>
+              </a:extLst>
+            </p:cNvPr>
+            <p:cNvGrpSpPr/>
+            <p:nvPr/>
+          </p:nvGrpSpPr>
+          <p:grpSpPr>
+            <a:xfrm>
+              <a:off x="8116963" y="2349000"/>
+              <a:ext cx="2845331" cy="2533424"/>
+              <a:chOff x="7171993" y="2349000"/>
+              <a:chExt cx="2845331" cy="2533424"/>
+            </a:xfrm>
+          </p:grpSpPr>
+          <p:pic>
+            <p:nvPicPr>
+              <p:cNvPr id="7" name="Picture 6" descr="Icon&#10;&#10;Description automatically generated">
+                <a:extLst>
+                  <a:ext uri="{FF2B5EF4-FFF2-40B4-BE49-F238E27FC236}">
+                    <a16:creationId xmlns:a16="http://schemas.microsoft.com/office/drawing/2014/main" id="{FF46803A-2991-AB0F-7E31-5F2CCA7F607F}"/>
+                  </a:ext>
+                </a:extLst>
+              </p:cNvPr>
+              <p:cNvPicPr>
+                <a:picLocks noChangeAspect="1"/>
+              </p:cNvPicPr>
+              <p:nvPr/>
+            </p:nvPicPr>
+            <p:blipFill>
+              <a:blip r:embed="rId5"/>
+              <a:stretch>
+                <a:fillRect/>
+              </a:stretch>
+            </p:blipFill>
+            <p:spPr>
+              <a:xfrm>
+                <a:off x="8364865" y="2349000"/>
+                <a:ext cx="1080000" cy="1080000"/>
+              </a:xfrm>
+              <a:prstGeom prst="rect">
+                <a:avLst/>
+              </a:prstGeom>
+            </p:spPr>
+          </p:pic>
+          <p:sp>
+            <p:nvSpPr>
+              <p:cNvPr id="8" name="TextBox 7">
+                <a:extLst>
+                  <a:ext uri="{FF2B5EF4-FFF2-40B4-BE49-F238E27FC236}">
+                    <a16:creationId xmlns:a16="http://schemas.microsoft.com/office/drawing/2014/main" id="{A6CE2D8E-62B0-D3E5-2ADA-EA100201CA1E}"/>
+                  </a:ext>
+                </a:extLst>
+              </p:cNvPr>
+              <p:cNvSpPr txBox="1"/>
+              <p:nvPr/>
+            </p:nvSpPr>
+            <p:spPr>
+              <a:xfrm>
+                <a:off x="7171993" y="4359204"/>
+                <a:ext cx="2845331" cy="523220"/>
+              </a:xfrm>
+              <a:prstGeom prst="rect">
+                <a:avLst/>
+              </a:prstGeom>
+              <a:noFill/>
+            </p:spPr>
+            <p:txBody>
+              <a:bodyPr wrap="none" rtlCol="0">
+                <a:spAutoFit/>
+              </a:bodyPr>
+              <a:lstStyle/>
+              <a:p>
+                <a:r>
+                  <a:rPr lang="en-US" sz="2800" dirty="0">
+                    <a:solidFill>
+                      <a:schemeClr val="accent1">
+                        <a:lumMod val="50000"/>
+                      </a:schemeClr>
+                    </a:solidFill>
+                    <a:latin typeface="Helvetica" pitchFamily="2" charset="0"/>
+                  </a:rPr>
+                  <a:t>Part IV: Practical</a:t>
+                </a:r>
+              </a:p>
+            </p:txBody>
+          </p:sp>
+        </p:grpSp>
+        <p:grpSp>
+          <p:nvGrpSpPr>
+            <p:cNvPr id="23" name="Group 22">
+              <a:extLst>
+                <a:ext uri="{FF2B5EF4-FFF2-40B4-BE49-F238E27FC236}">
+                  <a16:creationId xmlns:a16="http://schemas.microsoft.com/office/drawing/2014/main" id="{F5DAE8FA-BAD0-0186-D71D-5D8BE26B2796}"/>
+                </a:ext>
+              </a:extLst>
+            </p:cNvPr>
+            <p:cNvGrpSpPr>
+              <a:grpSpLocks noChangeAspect="1"/>
+            </p:cNvGrpSpPr>
+            <p:nvPr/>
+          </p:nvGrpSpPr>
+          <p:grpSpPr>
+            <a:xfrm>
+              <a:off x="8667171" y="2595816"/>
+              <a:ext cx="858992" cy="1260000"/>
+              <a:chOff x="4110393" y="5245072"/>
+              <a:chExt cx="680214" cy="1080000"/>
+            </a:xfrm>
+          </p:grpSpPr>
+          <p:pic>
+            <p:nvPicPr>
+              <p:cNvPr id="21" name="Picture 20">
+                <a:extLst>
+                  <a:ext uri="{FF2B5EF4-FFF2-40B4-BE49-F238E27FC236}">
+                    <a16:creationId xmlns:a16="http://schemas.microsoft.com/office/drawing/2014/main" id="{EAF23011-D945-13D5-76DC-1CAC0FB7F454}"/>
+                  </a:ext>
+                </a:extLst>
+              </p:cNvPr>
+              <p:cNvPicPr>
+                <a:picLocks noChangeAspect="1"/>
+              </p:cNvPicPr>
+              <p:nvPr/>
+            </p:nvPicPr>
+            <p:blipFill rotWithShape="1">
+              <a:blip r:embed="rId6"/>
+              <a:srcRect r="52401"/>
+              <a:stretch/>
+            </p:blipFill>
+            <p:spPr>
+              <a:xfrm>
+                <a:off x="4110393" y="5245072"/>
+                <a:ext cx="514065" cy="1080000"/>
+              </a:xfrm>
+              <a:prstGeom prst="rect">
+                <a:avLst/>
+              </a:prstGeom>
+            </p:spPr>
+          </p:pic>
+          <p:pic>
+            <p:nvPicPr>
+              <p:cNvPr id="22" name="Picture 21">
+                <a:extLst>
+                  <a:ext uri="{FF2B5EF4-FFF2-40B4-BE49-F238E27FC236}">
+                    <a16:creationId xmlns:a16="http://schemas.microsoft.com/office/drawing/2014/main" id="{86072A44-7DB0-AD60-B9E7-2BEE2E696AE8}"/>
+                  </a:ext>
+                </a:extLst>
+              </p:cNvPr>
+              <p:cNvPicPr>
+                <a:picLocks noChangeAspect="1"/>
+              </p:cNvPicPr>
+              <p:nvPr/>
+            </p:nvPicPr>
+            <p:blipFill rotWithShape="1">
+              <a:blip r:embed="rId6"/>
+              <a:srcRect l="48293" t="48040" r="9"/>
+              <a:stretch/>
+            </p:blipFill>
+            <p:spPr>
+              <a:xfrm>
+                <a:off x="4244118" y="5775815"/>
+                <a:ext cx="546489" cy="549257"/>
+              </a:xfrm>
+              <a:prstGeom prst="rect">
+                <a:avLst/>
+              </a:prstGeom>
+            </p:spPr>
+          </p:pic>
+        </p:grpSp>
+      </p:grpSp>
+      <p:grpSp>
+        <p:nvGrpSpPr>
+          <p:cNvPr id="3" name="Group 2">
+            <a:extLst>
+              <a:ext uri="{FF2B5EF4-FFF2-40B4-BE49-F238E27FC236}">
+                <a16:creationId xmlns:a16="http://schemas.microsoft.com/office/drawing/2014/main" id="{0A6EE578-184A-BEA9-6F0E-03CB6B91810E}"/>
+              </a:ext>
+            </a:extLst>
+          </p:cNvPr>
+          <p:cNvGrpSpPr/>
+          <p:nvPr/>
+        </p:nvGrpSpPr>
+        <p:grpSpPr>
+          <a:xfrm>
+            <a:off x="3111734" y="2298320"/>
+            <a:ext cx="2454646" cy="2509194"/>
+            <a:chOff x="1029505" y="2349000"/>
+            <a:chExt cx="2454646" cy="2509194"/>
+          </a:xfrm>
+        </p:grpSpPr>
+        <p:pic>
+          <p:nvPicPr>
+            <p:cNvPr id="4" name="Picture 3">
+              <a:extLst>
+                <a:ext uri="{FF2B5EF4-FFF2-40B4-BE49-F238E27FC236}">
+                  <a16:creationId xmlns:a16="http://schemas.microsoft.com/office/drawing/2014/main" id="{3C1AE849-4E63-E5B7-F904-FDAE19890FFE}"/>
+                </a:ext>
+              </a:extLst>
+            </p:cNvPr>
+            <p:cNvPicPr>
+              <a:picLocks noChangeAspect="1"/>
+            </p:cNvPicPr>
+            <p:nvPr/>
+          </p:nvPicPr>
+          <p:blipFill>
+            <a:blip r:embed="rId7">
+              <a:extLst>
+                <a:ext uri="{BEBA8EAE-BF5A-486C-A8C5-ECC9F3942E4B}">
+                  <a14:imgProps xmlns:a14="http://schemas.microsoft.com/office/drawing/2010/main">
+                    <a14:imgLayer r:embed="rId8">
+                      <a14:imgEffect>
+                        <a14:saturation sat="0"/>
+                      </a14:imgEffect>
+                    </a14:imgLayer>
+                  </a14:imgProps>
+                </a:ext>
+              </a:extLst>
+            </a:blip>
+            <a:stretch>
+              <a:fillRect/>
+            </a:stretch>
+          </p:blipFill>
+          <p:spPr>
+            <a:xfrm>
+              <a:off x="1487135" y="2349000"/>
+              <a:ext cx="1440000" cy="1440000"/>
+            </a:xfrm>
+            <a:prstGeom prst="rect">
+              <a:avLst/>
+            </a:prstGeom>
+          </p:spPr>
+        </p:pic>
+        <p:sp>
+          <p:nvSpPr>
+            <p:cNvPr id="5" name="TextBox 4">
+              <a:extLst>
+                <a:ext uri="{FF2B5EF4-FFF2-40B4-BE49-F238E27FC236}">
+                  <a16:creationId xmlns:a16="http://schemas.microsoft.com/office/drawing/2014/main" id="{DDFE8273-6E84-D4ED-5BF6-6E55E638EE51}"/>
+                </a:ext>
+              </a:extLst>
+            </p:cNvPr>
+            <p:cNvSpPr txBox="1"/>
+            <p:nvPr/>
+          </p:nvSpPr>
+          <p:spPr>
+            <a:xfrm>
+              <a:off x="1029505" y="4334974"/>
+              <a:ext cx="2454646" cy="523220"/>
+            </a:xfrm>
+            <a:prstGeom prst="rect">
+              <a:avLst/>
+            </a:prstGeom>
+            <a:noFill/>
+          </p:spPr>
+          <p:txBody>
+            <a:bodyPr wrap="none" rtlCol="0">
+              <a:spAutoFit/>
+            </a:bodyPr>
+            <a:lstStyle/>
+            <a:p>
+              <a:r>
+                <a:rPr lang="en-US" sz="2800" dirty="0">
+                  <a:solidFill>
+                    <a:schemeClr val="bg1">
+                      <a:lumMod val="50000"/>
+                    </a:schemeClr>
+                  </a:solidFill>
+                  <a:latin typeface="Helvetica" pitchFamily="2" charset="0"/>
+                </a:rPr>
+                <a:t>Part II: Theory</a:t>
+              </a:r>
+            </a:p>
+          </p:txBody>
+        </p:sp>
+      </p:grpSp>
+      <p:sp>
+        <p:nvSpPr>
+          <p:cNvPr id="9" name="Slide Number Placeholder 8">
+            <a:extLst>
+              <a:ext uri="{FF2B5EF4-FFF2-40B4-BE49-F238E27FC236}">
+                <a16:creationId xmlns:a16="http://schemas.microsoft.com/office/drawing/2014/main" id="{5813163F-CD9F-C931-4B84-83378A2A9296}"/>
+              </a:ext>
+            </a:extLst>
+          </p:cNvPr>
+          <p:cNvSpPr>
+            <a:spLocks noGrp="1"/>
+          </p:cNvSpPr>
+          <p:nvPr>
+            <p:ph type="sldNum" sz="quarter" idx="12"/>
+          </p:nvPr>
+        </p:nvSpPr>
+        <p:spPr/>
+        <p:txBody>
+          <a:bodyPr/>
+          <a:lstStyle/>
+          <a:p>
+            <a:fld id="{D48A1BBB-3647-7146-9CE9-E866F85C08B0}" type="slidenum">
+              <a:rPr lang="en-US" smtClean="0"/>
+              <a:t>18</a:t>
+            </a:fld>
+            <a:endParaRPr lang="en-US"/>
+          </a:p>
+        </p:txBody>
+      </p:sp>
+      <p:sp>
+        <p:nvSpPr>
+          <p:cNvPr id="12" name="TextBox 11">
+            <a:extLst>
+              <a:ext uri="{FF2B5EF4-FFF2-40B4-BE49-F238E27FC236}">
+                <a16:creationId xmlns:a16="http://schemas.microsoft.com/office/drawing/2014/main" id="{073309AA-B842-06E6-C3C2-AA38AB77C141}"/>
+              </a:ext>
+            </a:extLst>
+          </p:cNvPr>
+          <p:cNvSpPr txBox="1"/>
+          <p:nvPr/>
+        </p:nvSpPr>
+        <p:spPr>
+          <a:xfrm>
+            <a:off x="0" y="6488668"/>
+            <a:ext cx="2236510" cy="369332"/>
+          </a:xfrm>
+          <a:prstGeom prst="rect">
+            <a:avLst/>
+          </a:prstGeom>
+          <a:noFill/>
+        </p:spPr>
+        <p:txBody>
+          <a:bodyPr wrap="none" rtlCol="0">
+            <a:spAutoFit/>
+          </a:bodyPr>
+          <a:lstStyle/>
+          <a:p>
+            <a:r>
+              <a:rPr lang="en-GB" b="0" i="0">
+                <a:solidFill>
+                  <a:srgbClr val="5F7D95"/>
+                </a:solidFill>
+                <a:effectLst/>
+                <a:latin typeface="Proxima Nova"/>
+              </a:rPr>
+              <a:t>image: </a:t>
+            </a:r>
+            <a:r>
+              <a:rPr lang="en-GB" b="0" i="0" err="1">
+                <a:solidFill>
+                  <a:srgbClr val="5F7D95"/>
+                </a:solidFill>
+                <a:effectLst/>
+                <a:latin typeface="Proxima Nova"/>
+              </a:rPr>
+              <a:t>Flaticon.com</a:t>
+            </a:r>
+            <a:endParaRPr lang="en-US"/>
+          </a:p>
+        </p:txBody>
+      </p:sp>
+      <p:sp>
+        <p:nvSpPr>
+          <p:cNvPr id="16" name="Rectangle 15">
+            <a:extLst>
+              <a:ext uri="{FF2B5EF4-FFF2-40B4-BE49-F238E27FC236}">
+                <a16:creationId xmlns:a16="http://schemas.microsoft.com/office/drawing/2014/main" id="{0FFE57FD-C9D4-FC93-2959-FFEF77DEDFB2}"/>
+              </a:ext>
+            </a:extLst>
+          </p:cNvPr>
+          <p:cNvSpPr/>
+          <p:nvPr/>
+        </p:nvSpPr>
+        <p:spPr>
+          <a:xfrm>
+            <a:off x="8821009" y="1710704"/>
+            <a:ext cx="3147165" cy="3524164"/>
+          </a:xfrm>
+          <a:prstGeom prst="rect">
+            <a:avLst/>
+          </a:prstGeom>
+          <a:noFill/>
+          <a:ln w="57150">
+            <a:solidFill>
+              <a:schemeClr val="accent2"/>
+            </a:solidFill>
+          </a:ln>
+        </p:spPr>
+        <p:style>
+          <a:lnRef idx="2">
+            <a:schemeClr val="accent1">
+              <a:shade val="50000"/>
+            </a:schemeClr>
+          </a:lnRef>
+          <a:fillRef idx="1">
+            <a:schemeClr val="accent1"/>
+          </a:fillRef>
+          <a:effectRef idx="0">
+            <a:schemeClr val="accent1"/>
+          </a:effectRef>
+          <a:fontRef idx="minor">
+            <a:schemeClr val="lt1"/>
+          </a:fontRef>
+        </p:style>
+        <p:txBody>
+          <a:bodyPr rtlCol="0" anchor="ctr"/>
+          <a:lstStyle/>
+          <a:p>
+            <a:pPr algn="ctr"/>
+            <a:endParaRPr lang="en-US"/>
+          </a:p>
+        </p:txBody>
+      </p:sp>
+      <p:grpSp>
+        <p:nvGrpSpPr>
+          <p:cNvPr id="6" name="Group 5">
+            <a:extLst>
+              <a:ext uri="{FF2B5EF4-FFF2-40B4-BE49-F238E27FC236}">
+                <a16:creationId xmlns:a16="http://schemas.microsoft.com/office/drawing/2014/main" id="{6C6388B6-E079-C20B-98C0-0541FF13FB78}"/>
+              </a:ext>
+            </a:extLst>
+          </p:cNvPr>
+          <p:cNvGrpSpPr/>
+          <p:nvPr/>
+        </p:nvGrpSpPr>
+        <p:grpSpPr>
+          <a:xfrm>
+            <a:off x="201947" y="2325755"/>
+            <a:ext cx="2480166" cy="2503704"/>
+            <a:chOff x="658284" y="2339904"/>
+            <a:chExt cx="2480166" cy="2503704"/>
+          </a:xfrm>
+        </p:grpSpPr>
+        <p:pic>
+          <p:nvPicPr>
+            <p:cNvPr id="17" name="Picture 16">
+              <a:extLst>
+                <a:ext uri="{FF2B5EF4-FFF2-40B4-BE49-F238E27FC236}">
+                  <a16:creationId xmlns:a16="http://schemas.microsoft.com/office/drawing/2014/main" id="{7103F79B-2B50-B49D-9BF1-CA22ED837AE0}"/>
+                </a:ext>
+              </a:extLst>
+            </p:cNvPr>
+            <p:cNvPicPr>
+              <a:picLocks noChangeAspect="1"/>
+            </p:cNvPicPr>
+            <p:nvPr/>
+          </p:nvPicPr>
+          <p:blipFill>
+            <a:blip r:embed="rId9">
+              <a:extLst>
+                <a:ext uri="{BEBA8EAE-BF5A-486C-A8C5-ECC9F3942E4B}">
+                  <a14:imgProps xmlns:a14="http://schemas.microsoft.com/office/drawing/2010/main">
+                    <a14:imgLayer r:embed="rId10">
+                      <a14:imgEffect>
+                        <a14:saturation sat="0"/>
+                      </a14:imgEffect>
+                    </a14:imgLayer>
+                  </a14:imgProps>
+                </a:ext>
+              </a:extLst>
+            </a:blip>
+            <a:stretch>
+              <a:fillRect/>
+            </a:stretch>
+          </p:blipFill>
+          <p:spPr>
+            <a:xfrm>
+              <a:off x="1118255" y="2339904"/>
+              <a:ext cx="1440000" cy="1440000"/>
+            </a:xfrm>
+            <a:prstGeom prst="rect">
+              <a:avLst/>
+            </a:prstGeom>
+          </p:spPr>
+        </p:pic>
+        <p:sp>
+          <p:nvSpPr>
+            <p:cNvPr id="18" name="TextBox 17">
+              <a:extLst>
+                <a:ext uri="{FF2B5EF4-FFF2-40B4-BE49-F238E27FC236}">
+                  <a16:creationId xmlns:a16="http://schemas.microsoft.com/office/drawing/2014/main" id="{EC87A5C3-0203-76E5-C0CE-F27AE5C8516E}"/>
+                </a:ext>
+              </a:extLst>
+            </p:cNvPr>
+            <p:cNvSpPr txBox="1"/>
+            <p:nvPr/>
+          </p:nvSpPr>
+          <p:spPr>
+            <a:xfrm>
+              <a:off x="658284" y="4320388"/>
+              <a:ext cx="2480166" cy="523220"/>
+            </a:xfrm>
+            <a:prstGeom prst="rect">
+              <a:avLst/>
+            </a:prstGeom>
+            <a:noFill/>
+          </p:spPr>
+          <p:txBody>
+            <a:bodyPr wrap="none" rtlCol="0">
+              <a:spAutoFit/>
+            </a:bodyPr>
+            <a:lstStyle/>
+            <a:p>
+              <a:r>
+                <a:rPr lang="en-US" sz="2800" dirty="0">
+                  <a:solidFill>
+                    <a:schemeClr val="bg1">
+                      <a:lumMod val="50000"/>
+                    </a:schemeClr>
+                  </a:solidFill>
+                  <a:latin typeface="Helvetica" pitchFamily="2" charset="0"/>
+                </a:rPr>
+                <a:t>Part I: Context</a:t>
+              </a:r>
+            </a:p>
+          </p:txBody>
+        </p:sp>
+      </p:grpSp>
+    </p:spTree>
+    <p:extLst>
+      <p:ext uri="{BB962C8B-B14F-4D97-AF65-F5344CB8AC3E}">
+        <p14:creationId xmlns:p14="http://schemas.microsoft.com/office/powerpoint/2010/main" val="58150391"/>
+      </p:ext>
+    </p:extLst>
+  </p:cSld>
+  <p:clrMapOvr>
+    <a:masterClrMapping/>
+  </p:clrMapOvr>
+</p:sld>
+</file>
+
+<file path=ppt/slides/slide19.xml><?xml version="1.0" encoding="utf-8"?>
+<p:sld xmlns:a="http://schemas.openxmlformats.org/drawingml/2006/main" xmlns:r="http://schemas.openxmlformats.org/officeDocument/2006/relationships" xmlns:p="http://schemas.openxmlformats.org/presentationml/2006/main">
+  <p:cSld>
+    <p:spTree>
+      <p:nvGrpSpPr>
+        <p:cNvPr id="1" name=""/>
+        <p:cNvGrpSpPr/>
+        <p:nvPr/>
+      </p:nvGrpSpPr>
+      <p:grpSpPr>
+        <a:xfrm>
+          <a:off x="0" y="0"/>
+          <a:ext cx="0" cy="0"/>
+          <a:chOff x="0" y="0"/>
+          <a:chExt cx="0" cy="0"/>
+        </a:xfrm>
+      </p:grpSpPr>
+      <p:sp>
+        <p:nvSpPr>
+          <p:cNvPr id="2" name="Title 1">
+            <a:extLst>
+              <a:ext uri="{FF2B5EF4-FFF2-40B4-BE49-F238E27FC236}">
+                <a16:creationId xmlns:a16="http://schemas.microsoft.com/office/drawing/2014/main" id="{7CAF2572-DFBC-5C3C-6DD1-7DF95DE9223F}"/>
+              </a:ext>
+            </a:extLst>
+          </p:cNvPr>
+          <p:cNvSpPr>
+            <a:spLocks noGrp="1"/>
+          </p:cNvSpPr>
+          <p:nvPr>
+            <p:ph type="title"/>
+          </p:nvPr>
+        </p:nvSpPr>
+        <p:spPr/>
+        <p:txBody>
+          <a:bodyPr/>
+          <a:lstStyle/>
+          <a:p>
+            <a:r>
+              <a:rPr lang="en-US" b="1" dirty="0">
+                <a:solidFill>
+                  <a:schemeClr val="accent1">
+                    <a:lumMod val="50000"/>
+                  </a:schemeClr>
+                </a:solidFill>
+                <a:latin typeface="Helvetica" panose="020B0604020202020204" pitchFamily="34" charset="0"/>
+                <a:cs typeface="Helvetica" panose="020B0604020202020204" pitchFamily="34" charset="0"/>
+              </a:rPr>
+              <a:t>Access to the materials:</a:t>
+            </a:r>
+            <a:endParaRPr lang="en-NL" b="1" dirty="0">
+              <a:solidFill>
+                <a:schemeClr val="accent1">
+                  <a:lumMod val="50000"/>
+                </a:schemeClr>
+              </a:solidFill>
+              <a:latin typeface="Helvetica" panose="020B0604020202020204" pitchFamily="34" charset="0"/>
+              <a:cs typeface="Helvetica" panose="020B0604020202020204" pitchFamily="34" charset="0"/>
+            </a:endParaRPr>
+          </a:p>
+        </p:txBody>
+      </p:sp>
+      <p:sp>
+        <p:nvSpPr>
+          <p:cNvPr id="3" name="Content Placeholder 2">
+            <a:extLst>
+              <a:ext uri="{FF2B5EF4-FFF2-40B4-BE49-F238E27FC236}">
+                <a16:creationId xmlns:a16="http://schemas.microsoft.com/office/drawing/2014/main" id="{8A88EDB2-006C-ED41-DC91-81A61AB06CEA}"/>
+              </a:ext>
+            </a:extLst>
+          </p:cNvPr>
+          <p:cNvSpPr>
+            <a:spLocks noGrp="1"/>
+          </p:cNvSpPr>
+          <p:nvPr>
+            <p:ph idx="1"/>
+          </p:nvPr>
+        </p:nvSpPr>
+        <p:spPr/>
+        <p:txBody>
+          <a:bodyPr/>
+          <a:lstStyle/>
+          <a:p>
+            <a:endParaRPr lang="en-US" dirty="0">
+              <a:solidFill>
+                <a:schemeClr val="accent1">
+                  <a:lumMod val="50000"/>
+                </a:schemeClr>
+              </a:solidFill>
+              <a:latin typeface="Helvetica" panose="020B0604020202020204" pitchFamily="34" charset="0"/>
+              <a:cs typeface="Helvetica" panose="020B0604020202020204" pitchFamily="34" charset="0"/>
+            </a:endParaRPr>
+          </a:p>
+          <a:p>
+            <a:endParaRPr lang="en-US" dirty="0">
+              <a:solidFill>
+                <a:schemeClr val="accent1">
+                  <a:lumMod val="50000"/>
+                </a:schemeClr>
+              </a:solidFill>
+              <a:latin typeface="Helvetica" panose="020B0604020202020204" pitchFamily="34" charset="0"/>
+              <a:cs typeface="Helvetica" panose="020B0604020202020204" pitchFamily="34" charset="0"/>
+            </a:endParaRPr>
+          </a:p>
+          <a:p>
+            <a:pPr marL="0" indent="0">
+              <a:buNone/>
+            </a:pPr>
+            <a:r>
+              <a:rPr lang="en-US" sz="4000" dirty="0">
+                <a:solidFill>
+                  <a:schemeClr val="accent1">
+                    <a:lumMod val="50000"/>
+                  </a:schemeClr>
+                </a:solidFill>
+                <a:latin typeface="Helvetica" panose="020B0604020202020204" pitchFamily="34" charset="0"/>
+                <a:cs typeface="Helvetica" panose="020B0604020202020204" pitchFamily="34" charset="0"/>
+              </a:rPr>
+              <a:t>bayesiangraphicalmodeling.com/workshops</a:t>
+            </a:r>
+            <a:endParaRPr lang="en-NL" sz="4000" dirty="0">
+              <a:solidFill>
+                <a:schemeClr val="accent1">
+                  <a:lumMod val="50000"/>
+                </a:schemeClr>
+              </a:solidFill>
+              <a:latin typeface="Helvetica" panose="020B0604020202020204" pitchFamily="34" charset="0"/>
+              <a:cs typeface="Helvetica" panose="020B0604020202020204" pitchFamily="34" charset="0"/>
+            </a:endParaRPr>
+          </a:p>
+        </p:txBody>
+      </p:sp>
+      <p:cxnSp>
+        <p:nvCxnSpPr>
+          <p:cNvPr id="4" name="Straight Connector 3">
+            <a:extLst>
+              <a:ext uri="{FF2B5EF4-FFF2-40B4-BE49-F238E27FC236}">
+                <a16:creationId xmlns:a16="http://schemas.microsoft.com/office/drawing/2014/main" id="{CDE7AA7B-B136-B4EB-9A00-6CBED1557F65}"/>
+              </a:ext>
+            </a:extLst>
+          </p:cNvPr>
+          <p:cNvCxnSpPr/>
+          <p:nvPr/>
+        </p:nvCxnSpPr>
+        <p:spPr>
+          <a:xfrm>
+            <a:off x="457200" y="0"/>
+            <a:ext cx="0" cy="1262070"/>
+          </a:xfrm>
+          <a:prstGeom prst="line">
+            <a:avLst/>
+          </a:prstGeom>
+          <a:ln w="57150">
+            <a:solidFill>
+              <a:srgbClr val="002060"/>
+            </a:solidFill>
+          </a:ln>
+        </p:spPr>
+        <p:style>
+          <a:lnRef idx="1">
+            <a:schemeClr val="accent1"/>
+          </a:lnRef>
+          <a:fillRef idx="0">
+            <a:schemeClr val="accent1"/>
+          </a:fillRef>
+          <a:effectRef idx="0">
+            <a:schemeClr val="accent1"/>
+          </a:effectRef>
+          <a:fontRef idx="minor">
+            <a:schemeClr val="tx1"/>
+          </a:fontRef>
+        </p:style>
+      </p:cxnSp>
+      <p:cxnSp>
+        <p:nvCxnSpPr>
+          <p:cNvPr id="5" name="Straight Connector 4">
+            <a:extLst>
+              <a:ext uri="{FF2B5EF4-FFF2-40B4-BE49-F238E27FC236}">
+                <a16:creationId xmlns:a16="http://schemas.microsoft.com/office/drawing/2014/main" id="{B35D8D84-43BC-3CD5-443B-E73499F0F029}"/>
+              </a:ext>
+            </a:extLst>
+          </p:cNvPr>
+          <p:cNvCxnSpPr>
+            <a:cxnSpLocks/>
+          </p:cNvCxnSpPr>
+          <p:nvPr/>
+        </p:nvCxnSpPr>
+        <p:spPr>
+          <a:xfrm>
+            <a:off x="0" y="431800"/>
+            <a:ext cx="1511300" cy="0"/>
+          </a:xfrm>
+          <a:prstGeom prst="line">
+            <a:avLst/>
+          </a:prstGeom>
+          <a:ln w="57150">
+            <a:solidFill>
+              <a:srgbClr val="002060"/>
+            </a:solidFill>
+          </a:ln>
+        </p:spPr>
+        <p:style>
+          <a:lnRef idx="1">
+            <a:schemeClr val="accent1"/>
+          </a:lnRef>
+          <a:fillRef idx="0">
+            <a:schemeClr val="accent1"/>
+          </a:fillRef>
+          <a:effectRef idx="0">
+            <a:schemeClr val="accent1"/>
+          </a:effectRef>
+          <a:fontRef idx="minor">
+            <a:schemeClr val="tx1"/>
+          </a:fontRef>
+        </p:style>
+      </p:cxnSp>
+    </p:spTree>
+    <p:extLst>
+      <p:ext uri="{BB962C8B-B14F-4D97-AF65-F5344CB8AC3E}">
+        <p14:creationId xmlns:p14="http://schemas.microsoft.com/office/powerpoint/2010/main" val="1439737133"/>
+      </p:ext>
+    </p:extLst>
+  </p:cSld>
+  <p:clrMapOvr>
+    <a:masterClrMapping/>
+  </p:clrMapOvr>
+</p:sld>
+</file>
+
+<file path=ppt/slides/slide2.xml><?xml version="1.0" encoding="utf-8"?>
+<p:sld xmlns:a="http://schemas.openxmlformats.org/drawingml/2006/main" xmlns:r="http://schemas.openxmlformats.org/officeDocument/2006/relationships" xmlns:p="http://schemas.openxmlformats.org/presentationml/2006/main">
+  <p:cSld>
+    <p:spTree>
+      <p:nvGrpSpPr>
+        <p:cNvPr id="1" name="">
+          <a:extLst>
+            <a:ext uri="{FF2B5EF4-FFF2-40B4-BE49-F238E27FC236}">
+              <a16:creationId xmlns:a16="http://schemas.microsoft.com/office/drawing/2014/main" id="{F0F5301B-2C1C-DE84-0FFE-502B5E35124F}"/>
+            </a:ext>
+          </a:extLst>
+        </p:cNvPr>
+        <p:cNvGrpSpPr/>
+        <p:nvPr/>
+      </p:nvGrpSpPr>
+      <p:grpSpPr>
+        <a:xfrm>
+          <a:off x="0" y="0"/>
+          <a:ext cx="0" cy="0"/>
+          <a:chOff x="0" y="0"/>
+          <a:chExt cx="0" cy="0"/>
+        </a:xfrm>
+      </p:grpSpPr>
+      <p:sp>
+        <p:nvSpPr>
+          <p:cNvPr id="2" name="Title 1">
+            <a:extLst>
+              <a:ext uri="{FF2B5EF4-FFF2-40B4-BE49-F238E27FC236}">
+                <a16:creationId xmlns:a16="http://schemas.microsoft.com/office/drawing/2014/main" id="{622B24D6-FC48-74C7-FE23-095366399EEF}"/>
+              </a:ext>
+            </a:extLst>
+          </p:cNvPr>
+          <p:cNvSpPr>
+            <a:spLocks noGrp="1"/>
+          </p:cNvSpPr>
+          <p:nvPr>
+            <p:ph type="ctrTitle"/>
+          </p:nvPr>
+        </p:nvSpPr>
+        <p:spPr>
+          <a:xfrm>
+            <a:off x="0" y="0"/>
+            <a:ext cx="12192000" cy="1155959"/>
+          </a:xfrm>
+        </p:spPr>
+        <p:txBody>
+          <a:bodyPr>
+            <a:noAutofit/>
+          </a:bodyPr>
+          <a:lstStyle/>
+          <a:p>
+            <a:r>
+              <a:rPr lang="en-NL" sz="4000" dirty="0">
                 <a:solidFill>
                   <a:schemeClr val="accent1">
                     <a:lumMod val="50000"/>
@@ -18924,7 +21304,7 @@
             <a:lstStyle/>
             <a:p>
               <a:r>
-                <a:rPr lang="en-US" sz="2800" dirty="0">
+                <a:rPr lang="en-US" sz="2800">
                   <a:solidFill>
                     <a:schemeClr val="accent1">
                       <a:lumMod val="50000"/>
@@ -19037,7 +21417,7 @@
               <a:lstStyle/>
               <a:p>
                 <a:r>
-                  <a:rPr lang="en-US" sz="2800" dirty="0">
+                  <a:rPr lang="en-US" sz="2800">
                     <a:solidFill>
                       <a:schemeClr val="accent1">
                         <a:lumMod val="50000"/>
@@ -19212,7 +21592,7 @@
             <a:lstStyle/>
             <a:p>
               <a:r>
-                <a:rPr lang="en-US" sz="2800" dirty="0">
+                <a:rPr lang="en-US" sz="2800">
                   <a:solidFill>
                     <a:schemeClr val="accent1">
                       <a:lumMod val="50000"/>
@@ -19249,7 +21629,7 @@
           <a:p>
             <a:fld id="{D48A1BBB-3647-7146-9CE9-E866F85C08B0}" type="slidenum">
               <a:rPr lang="en-US" smtClean="0"/>
-              <a:t>17</a:t>
+              <a:t>2</a:t>
             </a:fld>
             <a:endParaRPr lang="en-US"/>
           </a:p>
@@ -19322,9 +21702,9 @@
         <p:grpSpPr>
           <a:xfrm>
             <a:off x="280481" y="2303810"/>
-            <a:ext cx="2359941" cy="2503704"/>
+            <a:ext cx="2480166" cy="2503704"/>
             <a:chOff x="658284" y="2339904"/>
-            <a:chExt cx="2359941" cy="2503704"/>
+            <a:chExt cx="2480166" cy="2503704"/>
           </a:xfrm>
         </p:grpSpPr>
         <p:pic>
@@ -19372,7 +21752,7 @@
           <p:spPr>
             <a:xfrm>
               <a:off x="658284" y="4320388"/>
-              <a:ext cx="2359941" cy="523220"/>
+              <a:ext cx="2480166" cy="523220"/>
             </a:xfrm>
             <a:prstGeom prst="rect">
               <a:avLst/>
@@ -19394,68 +21774,16 @@
                   </a:solidFill>
                   <a:latin typeface="Helvetica" pitchFamily="2" charset="0"/>
                 </a:rPr>
-                <a:t>Part I: History</a:t>
+                <a:t>Part I: Context</a:t>
               </a:r>
             </a:p>
           </p:txBody>
         </p:sp>
       </p:grpSp>
-      <p:sp>
-        <p:nvSpPr>
-          <p:cNvPr id="16" name="Rectangle 15">
-            <a:extLst>
-              <a:ext uri="{FF2B5EF4-FFF2-40B4-BE49-F238E27FC236}">
-                <a16:creationId xmlns:a16="http://schemas.microsoft.com/office/drawing/2014/main" id="{0FFE57FD-C9D4-FC93-2959-FFEF77DEDFB2}"/>
-              </a:ext>
-            </a:extLst>
-          </p:cNvPr>
-          <p:cNvSpPr/>
-          <p:nvPr/>
-        </p:nvSpPr>
-        <p:spPr>
-          <a:xfrm>
-            <a:off x="8821009" y="1710704"/>
-            <a:ext cx="3147165" cy="3524164"/>
-          </a:xfrm>
-          <a:prstGeom prst="rect">
-            <a:avLst/>
-          </a:prstGeom>
-          <a:noFill/>
-          <a:ln w="57150">
-            <a:solidFill>
-              <a:schemeClr val="accent2"/>
-            </a:solidFill>
-          </a:ln>
-        </p:spPr>
-        <p:style>
-          <a:lnRef idx="2">
-            <a:schemeClr val="accent1">
-              <a:shade val="50000"/>
-            </a:schemeClr>
-          </a:lnRef>
-          <a:fillRef idx="1">
-            <a:schemeClr val="accent1"/>
-          </a:fillRef>
-          <a:effectRef idx="0">
-            <a:schemeClr val="accent1"/>
-          </a:effectRef>
-          <a:fontRef idx="minor">
-            <a:schemeClr val="lt1"/>
-          </a:fontRef>
-        </p:style>
-        <p:txBody>
-          <a:bodyPr rtlCol="0" anchor="ctr"/>
-          <a:lstStyle/>
-          <a:p>
-            <a:pPr algn="ctr"/>
-            <a:endParaRPr lang="en-US"/>
-          </a:p>
-        </p:txBody>
-      </p:sp>
     </p:spTree>
     <p:extLst>
       <p:ext uri="{BB962C8B-B14F-4D97-AF65-F5344CB8AC3E}">
-        <p14:creationId xmlns:p14="http://schemas.microsoft.com/office/powerpoint/2010/main" val="58150391"/>
+        <p14:creationId xmlns:p14="http://schemas.microsoft.com/office/powerpoint/2010/main" val="3241801107"/>
       </p:ext>
     </p:extLst>
   </p:cSld>
@@ -19465,122 +21793,7 @@
 </p:sld>
 </file>
 
-<file path=ppt/slides/slide18.xml><?xml version="1.0" encoding="utf-8"?>
-<p:sld xmlns:a="http://schemas.openxmlformats.org/drawingml/2006/main" xmlns:r="http://schemas.openxmlformats.org/officeDocument/2006/relationships" xmlns:p="http://schemas.openxmlformats.org/presentationml/2006/main">
-  <p:cSld>
-    <p:spTree>
-      <p:nvGrpSpPr>
-        <p:cNvPr id="1" name=""/>
-        <p:cNvGrpSpPr/>
-        <p:nvPr/>
-      </p:nvGrpSpPr>
-      <p:grpSpPr>
-        <a:xfrm>
-          <a:off x="0" y="0"/>
-          <a:ext cx="0" cy="0"/>
-          <a:chOff x="0" y="0"/>
-          <a:chExt cx="0" cy="0"/>
-        </a:xfrm>
-      </p:grpSpPr>
-      <p:sp>
-        <p:nvSpPr>
-          <p:cNvPr id="2" name="Title 1">
-            <a:extLst>
-              <a:ext uri="{FF2B5EF4-FFF2-40B4-BE49-F238E27FC236}">
-                <a16:creationId xmlns:a16="http://schemas.microsoft.com/office/drawing/2014/main" id="{7CAF2572-DFBC-5C3C-6DD1-7DF95DE9223F}"/>
-              </a:ext>
-            </a:extLst>
-          </p:cNvPr>
-          <p:cNvSpPr>
-            <a:spLocks noGrp="1"/>
-          </p:cNvSpPr>
-          <p:nvPr>
-            <p:ph type="title"/>
-          </p:nvPr>
-        </p:nvSpPr>
-        <p:spPr/>
-        <p:txBody>
-          <a:bodyPr/>
-          <a:lstStyle/>
-          <a:p>
-            <a:r>
-              <a:rPr lang="en-US" b="1" dirty="0">
-                <a:latin typeface="Helvetica" panose="020B0604020202020204" pitchFamily="34" charset="0"/>
-                <a:cs typeface="Helvetica" panose="020B0604020202020204" pitchFamily="34" charset="0"/>
-              </a:rPr>
-              <a:t>Access to the materials:</a:t>
-            </a:r>
-            <a:endParaRPr lang="en-NL" b="1" dirty="0">
-              <a:latin typeface="Helvetica" panose="020B0604020202020204" pitchFamily="34" charset="0"/>
-              <a:cs typeface="Helvetica" panose="020B0604020202020204" pitchFamily="34" charset="0"/>
-            </a:endParaRPr>
-          </a:p>
-        </p:txBody>
-      </p:sp>
-      <p:sp>
-        <p:nvSpPr>
-          <p:cNvPr id="3" name="Content Placeholder 2">
-            <a:extLst>
-              <a:ext uri="{FF2B5EF4-FFF2-40B4-BE49-F238E27FC236}">
-                <a16:creationId xmlns:a16="http://schemas.microsoft.com/office/drawing/2014/main" id="{8A88EDB2-006C-ED41-DC91-81A61AB06CEA}"/>
-              </a:ext>
-            </a:extLst>
-          </p:cNvPr>
-          <p:cNvSpPr>
-            <a:spLocks noGrp="1"/>
-          </p:cNvSpPr>
-          <p:nvPr>
-            <p:ph idx="1"/>
-          </p:nvPr>
-        </p:nvSpPr>
-        <p:spPr/>
-        <p:txBody>
-          <a:bodyPr/>
-          <a:lstStyle/>
-          <a:p>
-            <a:endParaRPr lang="en-US" dirty="0">
-              <a:latin typeface="Helvetica" panose="020B0604020202020204" pitchFamily="34" charset="0"/>
-              <a:cs typeface="Helvetica" panose="020B0604020202020204" pitchFamily="34" charset="0"/>
-            </a:endParaRPr>
-          </a:p>
-          <a:p>
-            <a:endParaRPr lang="en-US" dirty="0">
-              <a:latin typeface="Helvetica" panose="020B0604020202020204" pitchFamily="34" charset="0"/>
-              <a:cs typeface="Helvetica" panose="020B0604020202020204" pitchFamily="34" charset="0"/>
-            </a:endParaRPr>
-          </a:p>
-          <a:p>
-            <a:pPr marL="0" indent="0">
-              <a:buNone/>
-            </a:pPr>
-            <a:r>
-              <a:rPr lang="en-US" sz="4000" dirty="0">
-                <a:latin typeface="Helvetica" panose="020B0604020202020204" pitchFamily="34" charset="0"/>
-                <a:cs typeface="Helvetica" panose="020B0604020202020204" pitchFamily="34" charset="0"/>
-              </a:rPr>
-              <a:t>bayesiangraphicalmodeling.com/workshops</a:t>
-            </a:r>
-            <a:endParaRPr lang="en-NL" sz="4000" dirty="0">
-              <a:latin typeface="Helvetica" panose="020B0604020202020204" pitchFamily="34" charset="0"/>
-              <a:cs typeface="Helvetica" panose="020B0604020202020204" pitchFamily="34" charset="0"/>
-            </a:endParaRPr>
-          </a:p>
-        </p:txBody>
-      </p:sp>
-    </p:spTree>
-    <p:extLst>
-      <p:ext uri="{BB962C8B-B14F-4D97-AF65-F5344CB8AC3E}">
-        <p14:creationId xmlns:p14="http://schemas.microsoft.com/office/powerpoint/2010/main" val="1439737133"/>
-      </p:ext>
-    </p:extLst>
-  </p:cSld>
-  <p:clrMapOvr>
-    <a:masterClrMapping/>
-  </p:clrMapOvr>
-</p:sld>
-</file>
-
-<file path=ppt/slides/slide19.xml><?xml version="1.0" encoding="utf-8"?>
+<file path=ppt/slides/slide20.xml><?xml version="1.0" encoding="utf-8"?>
 <p:sld xmlns:a="http://schemas.openxmlformats.org/drawingml/2006/main" xmlns:r="http://schemas.openxmlformats.org/officeDocument/2006/relationships" xmlns:p="http://schemas.openxmlformats.org/presentationml/2006/main">
   <p:cSld>
     <p:spTree>
@@ -19625,10 +21838,7 @@
           </a:prstGeom>
           <a:ln w="57150">
             <a:solidFill>
-              <a:schemeClr val="accent2">
-                <a:lumMod val="60000"/>
-                <a:lumOff val="40000"/>
-              </a:schemeClr>
+              <a:srgbClr val="002060"/>
             </a:solidFill>
           </a:ln>
         </p:spPr>
@@ -19671,10 +21881,7 @@
           </a:prstGeom>
           <a:ln w="57150">
             <a:solidFill>
-              <a:schemeClr val="accent2">
-                <a:lumMod val="60000"/>
-                <a:lumOff val="40000"/>
-              </a:schemeClr>
+              <a:srgbClr val="002060"/>
             </a:solidFill>
           </a:ln>
         </p:spPr>
@@ -19742,6 +21949,11 @@
           <a:p>
             <a:r>
               <a:rPr lang="en-US" sz="4800" b="1" dirty="0">
+                <a:solidFill>
+                  <a:schemeClr val="accent1">
+                    <a:lumMod val="50000"/>
+                  </a:schemeClr>
+                </a:solidFill>
                 <a:latin typeface="Helvetica" pitchFamily="2" charset="0"/>
                 <a:cs typeface="Courier New" panose="02070309020205020404" pitchFamily="49" charset="0"/>
               </a:rPr>
@@ -19784,7 +21996,9 @@
             <a:r>
               <a:rPr lang="en-US" sz="2400" b="1" dirty="0">
                 <a:solidFill>
-                  <a:schemeClr val="accent2"/>
+                  <a:schemeClr val="accent1">
+                    <a:lumMod val="50000"/>
+                  </a:schemeClr>
                 </a:solidFill>
                 <a:latin typeface="Helvetica" pitchFamily="2" charset="0"/>
               </a:rPr>
@@ -19796,6 +22010,11 @@
               <a:buNone/>
             </a:pPr>
             <a:endParaRPr lang="en-US" sz="1800" dirty="0">
+              <a:solidFill>
+                <a:schemeClr val="accent1">
+                  <a:lumMod val="50000"/>
+                </a:schemeClr>
+              </a:solidFill>
               <a:latin typeface="Helvetica" pitchFamily="2" charset="0"/>
             </a:endParaRPr>
           </a:p>
@@ -19805,6 +22024,11 @@
             </a:pPr>
             <a:r>
               <a:rPr lang="en-US" sz="1800" dirty="0">
+                <a:solidFill>
+                  <a:schemeClr val="accent1">
+                    <a:lumMod val="50000"/>
+                  </a:schemeClr>
+                </a:solidFill>
                 <a:latin typeface="Helvetica" pitchFamily="2" charset="0"/>
               </a:rPr>
               <a:t>What prior assumptions do I have about the density? Do I believe a particular edge should be included?</a:t>
@@ -20011,7 +22235,9 @@
             <a:r>
               <a:rPr lang="en-US" sz="2400" b="1" dirty="0">
                 <a:solidFill>
-                  <a:schemeClr val="accent2"/>
+                  <a:schemeClr val="accent1">
+                    <a:lumMod val="50000"/>
+                  </a:schemeClr>
                 </a:solidFill>
                 <a:latin typeface="Helvetica" pitchFamily="2" charset="0"/>
               </a:rPr>
@@ -20024,6 +22250,11 @@
               <a:buNone/>
             </a:pPr>
             <a:endParaRPr lang="en-US" sz="1800" dirty="0">
+              <a:solidFill>
+                <a:schemeClr val="accent1">
+                  <a:lumMod val="50000"/>
+                </a:schemeClr>
+              </a:solidFill>
               <a:latin typeface="Helvetica" pitchFamily="2" charset="0"/>
             </a:endParaRPr>
           </a:p>
@@ -20034,6 +22265,11 @@
             </a:pPr>
             <a:r>
               <a:rPr lang="en-US" sz="1800" dirty="0">
+                <a:solidFill>
+                  <a:schemeClr val="accent1">
+                    <a:lumMod val="50000"/>
+                  </a:schemeClr>
+                </a:solidFill>
                 <a:latin typeface="Helvetica" pitchFamily="2" charset="0"/>
               </a:rPr>
               <a:t>What prior assumptions do I have about the strength of the edge weights? </a:t>
@@ -20120,7 +22356,13 @@
           <a:lstStyle/>
           <a:p>
             <a:pPr algn="ctr"/>
-            <a:endParaRPr lang="en-US"/>
+            <a:endParaRPr lang="en-US">
+              <a:solidFill>
+                <a:schemeClr val="accent1">
+                  <a:lumMod val="50000"/>
+                </a:schemeClr>
+              </a:solidFill>
+            </a:endParaRPr>
           </a:p>
         </p:txBody>
       </p:sp>
@@ -20191,12 +22433,22 @@
           <a:p>
             <a:r>
               <a:rPr lang="en-US" sz="1600" b="1" dirty="0">
+                <a:solidFill>
+                  <a:schemeClr val="accent1">
+                    <a:lumMod val="50000"/>
+                  </a:schemeClr>
+                </a:solidFill>
                 <a:latin typeface="Courier New" panose="02070309020205020404" pitchFamily="49" charset="0"/>
                 <a:cs typeface="Courier New" panose="02070309020205020404" pitchFamily="49" charset="0"/>
               </a:rPr>
               <a:t>scale</a:t>
             </a:r>
             <a:endParaRPr lang="en-NL" sz="1600" b="1" dirty="0">
+              <a:solidFill>
+                <a:schemeClr val="accent1">
+                  <a:lumMod val="50000"/>
+                </a:schemeClr>
+              </a:solidFill>
               <a:latin typeface="Courier New" panose="02070309020205020404" pitchFamily="49" charset="0"/>
               <a:cs typeface="Courier New" panose="02070309020205020404" pitchFamily="49" charset="0"/>
             </a:endParaRPr>
@@ -20216,7 +22468,7 @@
 </p:sld>
 </file>
 
-<file path=ppt/slides/slide2.xml><?xml version="1.0" encoding="utf-8"?>
+<file path=ppt/slides/slide3.xml><?xml version="1.0" encoding="utf-8"?>
 <p:sld xmlns:a="http://schemas.openxmlformats.org/drawingml/2006/main" xmlns:r="http://schemas.openxmlformats.org/officeDocument/2006/relationships" xmlns:p="http://schemas.openxmlformats.org/presentationml/2006/main">
   <p:cSld>
     <p:spTree>
@@ -20268,7 +22520,7 @@
           <a:lstStyle/>
           <a:p>
             <a:r>
-              <a:rPr lang="en-NL" sz="4000">
+              <a:rPr lang="en-NL" sz="4000" dirty="0">
                 <a:solidFill>
                   <a:schemeClr val="accent1">
                     <a:lumMod val="50000"/>
@@ -20361,7 +22613,7 @@
             <a:lstStyle/>
             <a:p>
               <a:r>
-                <a:rPr lang="en-US" sz="2800" dirty="0">
+                <a:rPr lang="en-US" sz="2800">
                   <a:solidFill>
                     <a:schemeClr val="accent1">
                       <a:lumMod val="50000"/>
@@ -20370,928 +22622,6 @@
                   <a:latin typeface="Helvetica" pitchFamily="2" charset="0"/>
                 </a:rPr>
                 <a:t>Part III: Tutorial</a:t>
-              </a:r>
-            </a:p>
-          </p:txBody>
-        </p:sp>
-      </p:grpSp>
-      <p:grpSp>
-        <p:nvGrpSpPr>
-          <p:cNvPr id="24" name="Group 23">
-            <a:extLst>
-              <a:ext uri="{FF2B5EF4-FFF2-40B4-BE49-F238E27FC236}">
-                <a16:creationId xmlns:a16="http://schemas.microsoft.com/office/drawing/2014/main" id="{E4AE5124-3681-6045-E171-A02897581A44}"/>
-              </a:ext>
-            </a:extLst>
-          </p:cNvPr>
-          <p:cNvGrpSpPr/>
-          <p:nvPr/>
-        </p:nvGrpSpPr>
-        <p:grpSpPr>
-          <a:xfrm>
-            <a:off x="9130043" y="2274090"/>
-            <a:ext cx="2845331" cy="2533424"/>
-            <a:chOff x="8116963" y="2349000"/>
-            <a:chExt cx="2845331" cy="2533424"/>
-          </a:xfrm>
-        </p:grpSpPr>
-        <p:grpSp>
-          <p:nvGrpSpPr>
-            <p:cNvPr id="20" name="Group 19">
-              <a:extLst>
-                <a:ext uri="{FF2B5EF4-FFF2-40B4-BE49-F238E27FC236}">
-                  <a16:creationId xmlns:a16="http://schemas.microsoft.com/office/drawing/2014/main" id="{C2650640-A1C0-382F-7ED0-9F3EAC5AE002}"/>
-                </a:ext>
-              </a:extLst>
-            </p:cNvPr>
-            <p:cNvGrpSpPr/>
-            <p:nvPr/>
-          </p:nvGrpSpPr>
-          <p:grpSpPr>
-            <a:xfrm>
-              <a:off x="8116963" y="2349000"/>
-              <a:ext cx="2845331" cy="2533424"/>
-              <a:chOff x="7171993" y="2349000"/>
-              <a:chExt cx="2845331" cy="2533424"/>
-            </a:xfrm>
-          </p:grpSpPr>
-          <p:pic>
-            <p:nvPicPr>
-              <p:cNvPr id="7" name="Picture 6" descr="Icon&#10;&#10;Description automatically generated">
-                <a:extLst>
-                  <a:ext uri="{FF2B5EF4-FFF2-40B4-BE49-F238E27FC236}">
-                    <a16:creationId xmlns:a16="http://schemas.microsoft.com/office/drawing/2014/main" id="{FF46803A-2991-AB0F-7E31-5F2CCA7F607F}"/>
-                  </a:ext>
-                </a:extLst>
-              </p:cNvPr>
-              <p:cNvPicPr>
-                <a:picLocks noChangeAspect="1"/>
-              </p:cNvPicPr>
-              <p:nvPr/>
-            </p:nvPicPr>
-            <p:blipFill>
-              <a:blip r:embed="rId4"/>
-              <a:stretch>
-                <a:fillRect/>
-              </a:stretch>
-            </p:blipFill>
-            <p:spPr>
-              <a:xfrm>
-                <a:off x="8364865" y="2349000"/>
-                <a:ext cx="1080000" cy="1080000"/>
-              </a:xfrm>
-              <a:prstGeom prst="rect">
-                <a:avLst/>
-              </a:prstGeom>
-            </p:spPr>
-          </p:pic>
-          <p:sp>
-            <p:nvSpPr>
-              <p:cNvPr id="8" name="TextBox 7">
-                <a:extLst>
-                  <a:ext uri="{FF2B5EF4-FFF2-40B4-BE49-F238E27FC236}">
-                    <a16:creationId xmlns:a16="http://schemas.microsoft.com/office/drawing/2014/main" id="{A6CE2D8E-62B0-D3E5-2ADA-EA100201CA1E}"/>
-                  </a:ext>
-                </a:extLst>
-              </p:cNvPr>
-              <p:cNvSpPr txBox="1"/>
-              <p:nvPr/>
-            </p:nvSpPr>
-            <p:spPr>
-              <a:xfrm>
-                <a:off x="7171993" y="4359204"/>
-                <a:ext cx="2845331" cy="523220"/>
-              </a:xfrm>
-              <a:prstGeom prst="rect">
-                <a:avLst/>
-              </a:prstGeom>
-              <a:noFill/>
-            </p:spPr>
-            <p:txBody>
-              <a:bodyPr wrap="none" rtlCol="0">
-                <a:spAutoFit/>
-              </a:bodyPr>
-              <a:lstStyle/>
-              <a:p>
-                <a:r>
-                  <a:rPr lang="en-US" sz="2800" dirty="0">
-                    <a:solidFill>
-                      <a:schemeClr val="accent1">
-                        <a:lumMod val="50000"/>
-                      </a:schemeClr>
-                    </a:solidFill>
-                    <a:latin typeface="Helvetica" pitchFamily="2" charset="0"/>
-                  </a:rPr>
-                  <a:t>Part IV: Practical</a:t>
-                </a:r>
-              </a:p>
-            </p:txBody>
-          </p:sp>
-        </p:grpSp>
-        <p:grpSp>
-          <p:nvGrpSpPr>
-            <p:cNvPr id="23" name="Group 22">
-              <a:extLst>
-                <a:ext uri="{FF2B5EF4-FFF2-40B4-BE49-F238E27FC236}">
-                  <a16:creationId xmlns:a16="http://schemas.microsoft.com/office/drawing/2014/main" id="{F5DAE8FA-BAD0-0186-D71D-5D8BE26B2796}"/>
-                </a:ext>
-              </a:extLst>
-            </p:cNvPr>
-            <p:cNvGrpSpPr>
-              <a:grpSpLocks noChangeAspect="1"/>
-            </p:cNvGrpSpPr>
-            <p:nvPr/>
-          </p:nvGrpSpPr>
-          <p:grpSpPr>
-            <a:xfrm>
-              <a:off x="8667171" y="2595816"/>
-              <a:ext cx="858992" cy="1260000"/>
-              <a:chOff x="4110393" y="5245072"/>
-              <a:chExt cx="680214" cy="1080000"/>
-            </a:xfrm>
-          </p:grpSpPr>
-          <p:pic>
-            <p:nvPicPr>
-              <p:cNvPr id="21" name="Picture 20">
-                <a:extLst>
-                  <a:ext uri="{FF2B5EF4-FFF2-40B4-BE49-F238E27FC236}">
-                    <a16:creationId xmlns:a16="http://schemas.microsoft.com/office/drawing/2014/main" id="{EAF23011-D945-13D5-76DC-1CAC0FB7F454}"/>
-                  </a:ext>
-                </a:extLst>
-              </p:cNvPr>
-              <p:cNvPicPr>
-                <a:picLocks noChangeAspect="1"/>
-              </p:cNvPicPr>
-              <p:nvPr/>
-            </p:nvPicPr>
-            <p:blipFill rotWithShape="1">
-              <a:blip r:embed="rId5"/>
-              <a:srcRect r="52401"/>
-              <a:stretch/>
-            </p:blipFill>
-            <p:spPr>
-              <a:xfrm>
-                <a:off x="4110393" y="5245072"/>
-                <a:ext cx="514065" cy="1080000"/>
-              </a:xfrm>
-              <a:prstGeom prst="rect">
-                <a:avLst/>
-              </a:prstGeom>
-            </p:spPr>
-          </p:pic>
-          <p:pic>
-            <p:nvPicPr>
-              <p:cNvPr id="22" name="Picture 21">
-                <a:extLst>
-                  <a:ext uri="{FF2B5EF4-FFF2-40B4-BE49-F238E27FC236}">
-                    <a16:creationId xmlns:a16="http://schemas.microsoft.com/office/drawing/2014/main" id="{86072A44-7DB0-AD60-B9E7-2BEE2E696AE8}"/>
-                  </a:ext>
-                </a:extLst>
-              </p:cNvPr>
-              <p:cNvPicPr>
-                <a:picLocks noChangeAspect="1"/>
-              </p:cNvPicPr>
-              <p:nvPr/>
-            </p:nvPicPr>
-            <p:blipFill rotWithShape="1">
-              <a:blip r:embed="rId5"/>
-              <a:srcRect l="48293" t="48040" r="9"/>
-              <a:stretch/>
-            </p:blipFill>
-            <p:spPr>
-              <a:xfrm>
-                <a:off x="4244118" y="5775815"/>
-                <a:ext cx="546489" cy="549257"/>
-              </a:xfrm>
-              <a:prstGeom prst="rect">
-                <a:avLst/>
-              </a:prstGeom>
-            </p:spPr>
-          </p:pic>
-        </p:grpSp>
-      </p:grpSp>
-      <p:grpSp>
-        <p:nvGrpSpPr>
-          <p:cNvPr id="3" name="Group 2">
-            <a:extLst>
-              <a:ext uri="{FF2B5EF4-FFF2-40B4-BE49-F238E27FC236}">
-                <a16:creationId xmlns:a16="http://schemas.microsoft.com/office/drawing/2014/main" id="{0A6EE578-184A-BEA9-6F0E-03CB6B91810E}"/>
-              </a:ext>
-            </a:extLst>
-          </p:cNvPr>
-          <p:cNvGrpSpPr/>
-          <p:nvPr/>
-        </p:nvGrpSpPr>
-        <p:grpSpPr>
-          <a:xfrm>
-            <a:off x="3111734" y="2298320"/>
-            <a:ext cx="2454646" cy="2509194"/>
-            <a:chOff x="1029505" y="2349000"/>
-            <a:chExt cx="2454646" cy="2509194"/>
-          </a:xfrm>
-        </p:grpSpPr>
-        <p:pic>
-          <p:nvPicPr>
-            <p:cNvPr id="4" name="Picture 3">
-              <a:extLst>
-                <a:ext uri="{FF2B5EF4-FFF2-40B4-BE49-F238E27FC236}">
-                  <a16:creationId xmlns:a16="http://schemas.microsoft.com/office/drawing/2014/main" id="{3C1AE849-4E63-E5B7-F904-FDAE19890FFE}"/>
-                </a:ext>
-              </a:extLst>
-            </p:cNvPr>
-            <p:cNvPicPr>
-              <a:picLocks noChangeAspect="1"/>
-            </p:cNvPicPr>
-            <p:nvPr/>
-          </p:nvPicPr>
-          <p:blipFill>
-            <a:blip r:embed="rId6"/>
-            <a:stretch>
-              <a:fillRect/>
-            </a:stretch>
-          </p:blipFill>
-          <p:spPr>
-            <a:xfrm>
-              <a:off x="1487135" y="2349000"/>
-              <a:ext cx="1440000" cy="1440000"/>
-            </a:xfrm>
-            <a:prstGeom prst="rect">
-              <a:avLst/>
-            </a:prstGeom>
-          </p:spPr>
-        </p:pic>
-        <p:sp>
-          <p:nvSpPr>
-            <p:cNvPr id="5" name="TextBox 4">
-              <a:extLst>
-                <a:ext uri="{FF2B5EF4-FFF2-40B4-BE49-F238E27FC236}">
-                  <a16:creationId xmlns:a16="http://schemas.microsoft.com/office/drawing/2014/main" id="{DDFE8273-6E84-D4ED-5BF6-6E55E638EE51}"/>
-                </a:ext>
-              </a:extLst>
-            </p:cNvPr>
-            <p:cNvSpPr txBox="1"/>
-            <p:nvPr/>
-          </p:nvSpPr>
-          <p:spPr>
-            <a:xfrm>
-              <a:off x="1029505" y="4334974"/>
-              <a:ext cx="2454646" cy="523220"/>
-            </a:xfrm>
-            <a:prstGeom prst="rect">
-              <a:avLst/>
-            </a:prstGeom>
-            <a:noFill/>
-          </p:spPr>
-          <p:txBody>
-            <a:bodyPr wrap="none" rtlCol="0">
-              <a:spAutoFit/>
-            </a:bodyPr>
-            <a:lstStyle/>
-            <a:p>
-              <a:r>
-                <a:rPr lang="en-US" sz="2800" dirty="0">
-                  <a:solidFill>
-                    <a:schemeClr val="accent1">
-                      <a:lumMod val="50000"/>
-                    </a:schemeClr>
-                  </a:solidFill>
-                  <a:latin typeface="Helvetica" pitchFamily="2" charset="0"/>
-                </a:rPr>
-                <a:t>Part II: Theory</a:t>
-              </a:r>
-            </a:p>
-          </p:txBody>
-        </p:sp>
-      </p:grpSp>
-      <p:sp>
-        <p:nvSpPr>
-          <p:cNvPr id="9" name="Slide Number Placeholder 8">
-            <a:extLst>
-              <a:ext uri="{FF2B5EF4-FFF2-40B4-BE49-F238E27FC236}">
-                <a16:creationId xmlns:a16="http://schemas.microsoft.com/office/drawing/2014/main" id="{5813163F-CD9F-C931-4B84-83378A2A9296}"/>
-              </a:ext>
-            </a:extLst>
-          </p:cNvPr>
-          <p:cNvSpPr>
-            <a:spLocks noGrp="1"/>
-          </p:cNvSpPr>
-          <p:nvPr>
-            <p:ph type="sldNum" sz="quarter" idx="12"/>
-          </p:nvPr>
-        </p:nvSpPr>
-        <p:spPr/>
-        <p:txBody>
-          <a:bodyPr/>
-          <a:lstStyle/>
-          <a:p>
-            <a:fld id="{D48A1BBB-3647-7146-9CE9-E866F85C08B0}" type="slidenum">
-              <a:rPr lang="en-US" smtClean="0"/>
-              <a:t>2</a:t>
-            </a:fld>
-            <a:endParaRPr lang="en-US"/>
-          </a:p>
-        </p:txBody>
-      </p:sp>
-      <p:sp>
-        <p:nvSpPr>
-          <p:cNvPr id="12" name="TextBox 11">
-            <a:extLst>
-              <a:ext uri="{FF2B5EF4-FFF2-40B4-BE49-F238E27FC236}">
-                <a16:creationId xmlns:a16="http://schemas.microsoft.com/office/drawing/2014/main" id="{073309AA-B842-06E6-C3C2-AA38AB77C141}"/>
-              </a:ext>
-            </a:extLst>
-          </p:cNvPr>
-          <p:cNvSpPr txBox="1"/>
-          <p:nvPr/>
-        </p:nvSpPr>
-        <p:spPr>
-          <a:xfrm>
-            <a:off x="0" y="6488668"/>
-            <a:ext cx="2236510" cy="369332"/>
-          </a:xfrm>
-          <a:prstGeom prst="rect">
-            <a:avLst/>
-          </a:prstGeom>
-          <a:noFill/>
-        </p:spPr>
-        <p:txBody>
-          <a:bodyPr wrap="none" rtlCol="0">
-            <a:spAutoFit/>
-          </a:bodyPr>
-          <a:lstStyle/>
-          <a:p>
-            <a:r>
-              <a:rPr lang="en-GB" b="0" i="0">
-                <a:solidFill>
-                  <a:srgbClr val="5F7D95"/>
-                </a:solidFill>
-                <a:effectLst/>
-                <a:latin typeface="Proxima Nova"/>
-              </a:rPr>
-              <a:t>image: </a:t>
-            </a:r>
-            <a:r>
-              <a:rPr lang="en-GB" b="0" i="0" err="1">
-                <a:solidFill>
-                  <a:srgbClr val="5F7D95"/>
-                </a:solidFill>
-                <a:effectLst/>
-                <a:latin typeface="Proxima Nova"/>
-              </a:rPr>
-              <a:t>Flaticon.com</a:t>
-            </a:r>
-            <a:endParaRPr lang="en-US"/>
-          </a:p>
-        </p:txBody>
-      </p:sp>
-      <p:grpSp>
-        <p:nvGrpSpPr>
-          <p:cNvPr id="15" name="Group 14">
-            <a:extLst>
-              <a:ext uri="{FF2B5EF4-FFF2-40B4-BE49-F238E27FC236}">
-                <a16:creationId xmlns:a16="http://schemas.microsoft.com/office/drawing/2014/main" id="{E3EA2FEB-1589-E0FC-D473-3E15B6E0E892}"/>
-              </a:ext>
-            </a:extLst>
-          </p:cNvPr>
-          <p:cNvGrpSpPr/>
-          <p:nvPr/>
-        </p:nvGrpSpPr>
-        <p:grpSpPr>
-          <a:xfrm>
-            <a:off x="280481" y="2303810"/>
-            <a:ext cx="2359941" cy="2503704"/>
-            <a:chOff x="658284" y="2339904"/>
-            <a:chExt cx="2359941" cy="2503704"/>
-          </a:xfrm>
-        </p:grpSpPr>
-        <p:pic>
-          <p:nvPicPr>
-            <p:cNvPr id="13" name="Picture 12">
-              <a:extLst>
-                <a:ext uri="{FF2B5EF4-FFF2-40B4-BE49-F238E27FC236}">
-                  <a16:creationId xmlns:a16="http://schemas.microsoft.com/office/drawing/2014/main" id="{FE271D2A-AADE-4AF7-6431-519D4971EED4}"/>
-                </a:ext>
-              </a:extLst>
-            </p:cNvPr>
-            <p:cNvPicPr>
-              <a:picLocks noChangeAspect="1"/>
-            </p:cNvPicPr>
-            <p:nvPr/>
-          </p:nvPicPr>
-          <p:blipFill>
-            <a:blip r:embed="rId7"/>
-            <a:stretch>
-              <a:fillRect/>
-            </a:stretch>
-          </p:blipFill>
-          <p:spPr>
-            <a:xfrm>
-              <a:off x="1118255" y="2339904"/>
-              <a:ext cx="1440000" cy="1440000"/>
-            </a:xfrm>
-            <a:prstGeom prst="rect">
-              <a:avLst/>
-            </a:prstGeom>
-          </p:spPr>
-        </p:pic>
-        <p:sp>
-          <p:nvSpPr>
-            <p:cNvPr id="14" name="TextBox 13">
-              <a:extLst>
-                <a:ext uri="{FF2B5EF4-FFF2-40B4-BE49-F238E27FC236}">
-                  <a16:creationId xmlns:a16="http://schemas.microsoft.com/office/drawing/2014/main" id="{1C551667-3A3F-AF9C-903B-B7452A15A57F}"/>
-                </a:ext>
-              </a:extLst>
-            </p:cNvPr>
-            <p:cNvSpPr txBox="1"/>
-            <p:nvPr/>
-          </p:nvSpPr>
-          <p:spPr>
-            <a:xfrm>
-              <a:off x="658284" y="4320388"/>
-              <a:ext cx="2359941" cy="523220"/>
-            </a:xfrm>
-            <a:prstGeom prst="rect">
-              <a:avLst/>
-            </a:prstGeom>
-            <a:noFill/>
-          </p:spPr>
-          <p:txBody>
-            <a:bodyPr wrap="none" rtlCol="0">
-              <a:spAutoFit/>
-            </a:bodyPr>
-            <a:lstStyle/>
-            <a:p>
-              <a:r>
-                <a:rPr lang="en-US" sz="2800" dirty="0">
-                  <a:solidFill>
-                    <a:schemeClr val="accent1">
-                      <a:lumMod val="50000"/>
-                    </a:schemeClr>
-                  </a:solidFill>
-                  <a:latin typeface="Helvetica" pitchFamily="2" charset="0"/>
-                </a:rPr>
-                <a:t>Part I: History</a:t>
-              </a:r>
-            </a:p>
-          </p:txBody>
-        </p:sp>
-      </p:grpSp>
-    </p:spTree>
-    <p:extLst>
-      <p:ext uri="{BB962C8B-B14F-4D97-AF65-F5344CB8AC3E}">
-        <p14:creationId xmlns:p14="http://schemas.microsoft.com/office/powerpoint/2010/main" val="3241801107"/>
-      </p:ext>
-    </p:extLst>
-  </p:cSld>
-  <p:clrMapOvr>
-    <a:masterClrMapping/>
-  </p:clrMapOvr>
-</p:sld>
-</file>
-
-<file path=ppt/slides/slide3.xml><?xml version="1.0" encoding="utf-8"?>
-<p:sld xmlns:a="http://schemas.openxmlformats.org/drawingml/2006/main" xmlns:r="http://schemas.openxmlformats.org/officeDocument/2006/relationships" xmlns:p="http://schemas.openxmlformats.org/presentationml/2006/main">
-  <p:cSld>
-    <p:spTree>
-      <p:nvGrpSpPr>
-        <p:cNvPr id="1" name="">
-          <a:extLst>
-            <a:ext uri="{FF2B5EF4-FFF2-40B4-BE49-F238E27FC236}">
-              <a16:creationId xmlns:a16="http://schemas.microsoft.com/office/drawing/2014/main" id="{F0F5301B-2C1C-DE84-0FFE-502B5E35124F}"/>
-            </a:ext>
-          </a:extLst>
-        </p:cNvPr>
-        <p:cNvGrpSpPr/>
-        <p:nvPr/>
-      </p:nvGrpSpPr>
-      <p:grpSpPr>
-        <a:xfrm>
-          <a:off x="0" y="0"/>
-          <a:ext cx="0" cy="0"/>
-          <a:chOff x="0" y="0"/>
-          <a:chExt cx="0" cy="0"/>
-        </a:xfrm>
-      </p:grpSpPr>
-      <p:sp>
-        <p:nvSpPr>
-          <p:cNvPr id="2" name="Title 1">
-            <a:extLst>
-              <a:ext uri="{FF2B5EF4-FFF2-40B4-BE49-F238E27FC236}">
-                <a16:creationId xmlns:a16="http://schemas.microsoft.com/office/drawing/2014/main" id="{622B24D6-FC48-74C7-FE23-095366399EEF}"/>
-              </a:ext>
-            </a:extLst>
-          </p:cNvPr>
-          <p:cNvSpPr>
-            <a:spLocks noGrp="1"/>
-          </p:cNvSpPr>
-          <p:nvPr>
-            <p:ph type="ctrTitle"/>
-          </p:nvPr>
-        </p:nvSpPr>
-        <p:spPr>
-          <a:xfrm>
-            <a:off x="0" y="0"/>
-            <a:ext cx="12192000" cy="1155959"/>
-          </a:xfrm>
-        </p:spPr>
-        <p:txBody>
-          <a:bodyPr>
-            <a:noAutofit/>
-          </a:bodyPr>
-          <a:lstStyle/>
-          <a:p>
-            <a:r>
-              <a:rPr lang="en-NL" sz="4000">
-                <a:solidFill>
-                  <a:schemeClr val="accent1">
-                    <a:lumMod val="50000"/>
-                  </a:schemeClr>
-                </a:solidFill>
-                <a:latin typeface="Helvetica" pitchFamily="2" charset="0"/>
-                <a:cs typeface="Times New Roman" panose="02020603050405020304" pitchFamily="18" charset="0"/>
-              </a:rPr>
-              <a:t>Session setup</a:t>
-            </a:r>
-          </a:p>
-        </p:txBody>
-      </p:sp>
-      <p:grpSp>
-        <p:nvGrpSpPr>
-          <p:cNvPr id="19" name="Group 18">
-            <a:extLst>
-              <a:ext uri="{FF2B5EF4-FFF2-40B4-BE49-F238E27FC236}">
-                <a16:creationId xmlns:a16="http://schemas.microsoft.com/office/drawing/2014/main" id="{02C07555-95AA-4358-7BDA-E8240E6CF583}"/>
-              </a:ext>
-            </a:extLst>
-          </p:cNvPr>
-          <p:cNvGrpSpPr/>
-          <p:nvPr/>
-        </p:nvGrpSpPr>
-        <p:grpSpPr>
-          <a:xfrm>
-            <a:off x="6037692" y="2274570"/>
-            <a:ext cx="2621039" cy="2532944"/>
-            <a:chOff x="4115174" y="2349000"/>
-            <a:chExt cx="2621039" cy="2532944"/>
-          </a:xfrm>
-        </p:grpSpPr>
-        <p:pic>
-          <p:nvPicPr>
-            <p:cNvPr id="10" name="Picture 9" descr="Icon&#10;&#10;Description automatically generated">
-              <a:extLst>
-                <a:ext uri="{FF2B5EF4-FFF2-40B4-BE49-F238E27FC236}">
-                  <a16:creationId xmlns:a16="http://schemas.microsoft.com/office/drawing/2014/main" id="{9F68FC3B-80EA-4E7A-F538-9DF0AB301028}"/>
-                </a:ext>
-              </a:extLst>
-            </p:cNvPr>
-            <p:cNvPicPr>
-              <a:picLocks noChangeAspect="1"/>
-            </p:cNvPicPr>
-            <p:nvPr/>
-          </p:nvPicPr>
-          <p:blipFill>
-            <a:blip r:embed="rId3"/>
-            <a:stretch>
-              <a:fillRect/>
-            </a:stretch>
-          </p:blipFill>
-          <p:spPr>
-            <a:xfrm>
-              <a:off x="4656000" y="2349000"/>
-              <a:ext cx="1440000" cy="1440000"/>
-            </a:xfrm>
-            <a:prstGeom prst="rect">
-              <a:avLst/>
-            </a:prstGeom>
-          </p:spPr>
-        </p:pic>
-        <p:sp>
-          <p:nvSpPr>
-            <p:cNvPr id="11" name="TextBox 10">
-              <a:extLst>
-                <a:ext uri="{FF2B5EF4-FFF2-40B4-BE49-F238E27FC236}">
-                  <a16:creationId xmlns:a16="http://schemas.microsoft.com/office/drawing/2014/main" id="{3FAA4AEB-BF05-FDA3-9E6D-951F44C4066C}"/>
-                </a:ext>
-              </a:extLst>
-            </p:cNvPr>
-            <p:cNvSpPr txBox="1"/>
-            <p:nvPr/>
-          </p:nvSpPr>
-          <p:spPr>
-            <a:xfrm>
-              <a:off x="4115174" y="4358724"/>
-              <a:ext cx="2621039" cy="523220"/>
-            </a:xfrm>
-            <a:prstGeom prst="rect">
-              <a:avLst/>
-            </a:prstGeom>
-            <a:noFill/>
-          </p:spPr>
-          <p:txBody>
-            <a:bodyPr wrap="none" rtlCol="0">
-              <a:spAutoFit/>
-            </a:bodyPr>
-            <a:lstStyle/>
-            <a:p>
-              <a:r>
-                <a:rPr lang="en-US" sz="2800" dirty="0">
-                  <a:solidFill>
-                    <a:schemeClr val="accent1">
-                      <a:lumMod val="50000"/>
-                    </a:schemeClr>
-                  </a:solidFill>
-                  <a:latin typeface="Helvetica" pitchFamily="2" charset="0"/>
-                </a:rPr>
-                <a:t>Part III: Tutorial</a:t>
-              </a:r>
-            </a:p>
-          </p:txBody>
-        </p:sp>
-      </p:grpSp>
-      <p:grpSp>
-        <p:nvGrpSpPr>
-          <p:cNvPr id="24" name="Group 23">
-            <a:extLst>
-              <a:ext uri="{FF2B5EF4-FFF2-40B4-BE49-F238E27FC236}">
-                <a16:creationId xmlns:a16="http://schemas.microsoft.com/office/drawing/2014/main" id="{E4AE5124-3681-6045-E171-A02897581A44}"/>
-              </a:ext>
-            </a:extLst>
-          </p:cNvPr>
-          <p:cNvGrpSpPr/>
-          <p:nvPr/>
-        </p:nvGrpSpPr>
-        <p:grpSpPr>
-          <a:xfrm>
-            <a:off x="9130043" y="2274090"/>
-            <a:ext cx="2845331" cy="2533424"/>
-            <a:chOff x="8116963" y="2349000"/>
-            <a:chExt cx="2845331" cy="2533424"/>
-          </a:xfrm>
-        </p:grpSpPr>
-        <p:grpSp>
-          <p:nvGrpSpPr>
-            <p:cNvPr id="20" name="Group 19">
-              <a:extLst>
-                <a:ext uri="{FF2B5EF4-FFF2-40B4-BE49-F238E27FC236}">
-                  <a16:creationId xmlns:a16="http://schemas.microsoft.com/office/drawing/2014/main" id="{C2650640-A1C0-382F-7ED0-9F3EAC5AE002}"/>
-                </a:ext>
-              </a:extLst>
-            </p:cNvPr>
-            <p:cNvGrpSpPr/>
-            <p:nvPr/>
-          </p:nvGrpSpPr>
-          <p:grpSpPr>
-            <a:xfrm>
-              <a:off x="8116963" y="2349000"/>
-              <a:ext cx="2845331" cy="2533424"/>
-              <a:chOff x="7171993" y="2349000"/>
-              <a:chExt cx="2845331" cy="2533424"/>
-            </a:xfrm>
-          </p:grpSpPr>
-          <p:pic>
-            <p:nvPicPr>
-              <p:cNvPr id="7" name="Picture 6" descr="Icon&#10;&#10;Description automatically generated">
-                <a:extLst>
-                  <a:ext uri="{FF2B5EF4-FFF2-40B4-BE49-F238E27FC236}">
-                    <a16:creationId xmlns:a16="http://schemas.microsoft.com/office/drawing/2014/main" id="{FF46803A-2991-AB0F-7E31-5F2CCA7F607F}"/>
-                  </a:ext>
-                </a:extLst>
-              </p:cNvPr>
-              <p:cNvPicPr>
-                <a:picLocks noChangeAspect="1"/>
-              </p:cNvPicPr>
-              <p:nvPr/>
-            </p:nvPicPr>
-            <p:blipFill>
-              <a:blip r:embed="rId4"/>
-              <a:stretch>
-                <a:fillRect/>
-              </a:stretch>
-            </p:blipFill>
-            <p:spPr>
-              <a:xfrm>
-                <a:off x="8364865" y="2349000"/>
-                <a:ext cx="1080000" cy="1080000"/>
-              </a:xfrm>
-              <a:prstGeom prst="rect">
-                <a:avLst/>
-              </a:prstGeom>
-            </p:spPr>
-          </p:pic>
-          <p:sp>
-            <p:nvSpPr>
-              <p:cNvPr id="8" name="TextBox 7">
-                <a:extLst>
-                  <a:ext uri="{FF2B5EF4-FFF2-40B4-BE49-F238E27FC236}">
-                    <a16:creationId xmlns:a16="http://schemas.microsoft.com/office/drawing/2014/main" id="{A6CE2D8E-62B0-D3E5-2ADA-EA100201CA1E}"/>
-                  </a:ext>
-                </a:extLst>
-              </p:cNvPr>
-              <p:cNvSpPr txBox="1"/>
-              <p:nvPr/>
-            </p:nvSpPr>
-            <p:spPr>
-              <a:xfrm>
-                <a:off x="7171993" y="4359204"/>
-                <a:ext cx="2845331" cy="523220"/>
-              </a:xfrm>
-              <a:prstGeom prst="rect">
-                <a:avLst/>
-              </a:prstGeom>
-              <a:noFill/>
-            </p:spPr>
-            <p:txBody>
-              <a:bodyPr wrap="none" rtlCol="0">
-                <a:spAutoFit/>
-              </a:bodyPr>
-              <a:lstStyle/>
-              <a:p>
-                <a:r>
-                  <a:rPr lang="en-US" sz="2800" dirty="0">
-                    <a:solidFill>
-                      <a:schemeClr val="accent1">
-                        <a:lumMod val="50000"/>
-                      </a:schemeClr>
-                    </a:solidFill>
-                    <a:latin typeface="Helvetica" pitchFamily="2" charset="0"/>
-                  </a:rPr>
-                  <a:t>Part IV: Practical</a:t>
-                </a:r>
-              </a:p>
-            </p:txBody>
-          </p:sp>
-        </p:grpSp>
-        <p:grpSp>
-          <p:nvGrpSpPr>
-            <p:cNvPr id="23" name="Group 22">
-              <a:extLst>
-                <a:ext uri="{FF2B5EF4-FFF2-40B4-BE49-F238E27FC236}">
-                  <a16:creationId xmlns:a16="http://schemas.microsoft.com/office/drawing/2014/main" id="{F5DAE8FA-BAD0-0186-D71D-5D8BE26B2796}"/>
-                </a:ext>
-              </a:extLst>
-            </p:cNvPr>
-            <p:cNvGrpSpPr>
-              <a:grpSpLocks noChangeAspect="1"/>
-            </p:cNvGrpSpPr>
-            <p:nvPr/>
-          </p:nvGrpSpPr>
-          <p:grpSpPr>
-            <a:xfrm>
-              <a:off x="8667171" y="2595816"/>
-              <a:ext cx="858992" cy="1260000"/>
-              <a:chOff x="4110393" y="5245072"/>
-              <a:chExt cx="680214" cy="1080000"/>
-            </a:xfrm>
-          </p:grpSpPr>
-          <p:pic>
-            <p:nvPicPr>
-              <p:cNvPr id="21" name="Picture 20">
-                <a:extLst>
-                  <a:ext uri="{FF2B5EF4-FFF2-40B4-BE49-F238E27FC236}">
-                    <a16:creationId xmlns:a16="http://schemas.microsoft.com/office/drawing/2014/main" id="{EAF23011-D945-13D5-76DC-1CAC0FB7F454}"/>
-                  </a:ext>
-                </a:extLst>
-              </p:cNvPr>
-              <p:cNvPicPr>
-                <a:picLocks noChangeAspect="1"/>
-              </p:cNvPicPr>
-              <p:nvPr/>
-            </p:nvPicPr>
-            <p:blipFill rotWithShape="1">
-              <a:blip r:embed="rId5"/>
-              <a:srcRect r="52401"/>
-              <a:stretch/>
-            </p:blipFill>
-            <p:spPr>
-              <a:xfrm>
-                <a:off x="4110393" y="5245072"/>
-                <a:ext cx="514065" cy="1080000"/>
-              </a:xfrm>
-              <a:prstGeom prst="rect">
-                <a:avLst/>
-              </a:prstGeom>
-            </p:spPr>
-          </p:pic>
-          <p:pic>
-            <p:nvPicPr>
-              <p:cNvPr id="22" name="Picture 21">
-                <a:extLst>
-                  <a:ext uri="{FF2B5EF4-FFF2-40B4-BE49-F238E27FC236}">
-                    <a16:creationId xmlns:a16="http://schemas.microsoft.com/office/drawing/2014/main" id="{86072A44-7DB0-AD60-B9E7-2BEE2E696AE8}"/>
-                  </a:ext>
-                </a:extLst>
-              </p:cNvPr>
-              <p:cNvPicPr>
-                <a:picLocks noChangeAspect="1"/>
-              </p:cNvPicPr>
-              <p:nvPr/>
-            </p:nvPicPr>
-            <p:blipFill rotWithShape="1">
-              <a:blip r:embed="rId5"/>
-              <a:srcRect l="48293" t="48040" r="9"/>
-              <a:stretch/>
-            </p:blipFill>
-            <p:spPr>
-              <a:xfrm>
-                <a:off x="4244118" y="5775815"/>
-                <a:ext cx="546489" cy="549257"/>
-              </a:xfrm>
-              <a:prstGeom prst="rect">
-                <a:avLst/>
-              </a:prstGeom>
-            </p:spPr>
-          </p:pic>
-        </p:grpSp>
-      </p:grpSp>
-      <p:grpSp>
-        <p:nvGrpSpPr>
-          <p:cNvPr id="3" name="Group 2">
-            <a:extLst>
-              <a:ext uri="{FF2B5EF4-FFF2-40B4-BE49-F238E27FC236}">
-                <a16:creationId xmlns:a16="http://schemas.microsoft.com/office/drawing/2014/main" id="{0A6EE578-184A-BEA9-6F0E-03CB6B91810E}"/>
-              </a:ext>
-            </a:extLst>
-          </p:cNvPr>
-          <p:cNvGrpSpPr/>
-          <p:nvPr/>
-        </p:nvGrpSpPr>
-        <p:grpSpPr>
-          <a:xfrm>
-            <a:off x="3111734" y="2298320"/>
-            <a:ext cx="2454646" cy="2509194"/>
-            <a:chOff x="1029505" y="2349000"/>
-            <a:chExt cx="2454646" cy="2509194"/>
-          </a:xfrm>
-        </p:grpSpPr>
-        <p:pic>
-          <p:nvPicPr>
-            <p:cNvPr id="4" name="Picture 3">
-              <a:extLst>
-                <a:ext uri="{FF2B5EF4-FFF2-40B4-BE49-F238E27FC236}">
-                  <a16:creationId xmlns:a16="http://schemas.microsoft.com/office/drawing/2014/main" id="{3C1AE849-4E63-E5B7-F904-FDAE19890FFE}"/>
-                </a:ext>
-              </a:extLst>
-            </p:cNvPr>
-            <p:cNvPicPr>
-              <a:picLocks noChangeAspect="1"/>
-            </p:cNvPicPr>
-            <p:nvPr/>
-          </p:nvPicPr>
-          <p:blipFill>
-            <a:blip r:embed="rId6"/>
-            <a:stretch>
-              <a:fillRect/>
-            </a:stretch>
-          </p:blipFill>
-          <p:spPr>
-            <a:xfrm>
-              <a:off x="1487135" y="2349000"/>
-              <a:ext cx="1440000" cy="1440000"/>
-            </a:xfrm>
-            <a:prstGeom prst="rect">
-              <a:avLst/>
-            </a:prstGeom>
-          </p:spPr>
-        </p:pic>
-        <p:sp>
-          <p:nvSpPr>
-            <p:cNvPr id="5" name="TextBox 4">
-              <a:extLst>
-                <a:ext uri="{FF2B5EF4-FFF2-40B4-BE49-F238E27FC236}">
-                  <a16:creationId xmlns:a16="http://schemas.microsoft.com/office/drawing/2014/main" id="{DDFE8273-6E84-D4ED-5BF6-6E55E638EE51}"/>
-                </a:ext>
-              </a:extLst>
-            </p:cNvPr>
-            <p:cNvSpPr txBox="1"/>
-            <p:nvPr/>
-          </p:nvSpPr>
-          <p:spPr>
-            <a:xfrm>
-              <a:off x="1029505" y="4334974"/>
-              <a:ext cx="2454646" cy="523220"/>
-            </a:xfrm>
-            <a:prstGeom prst="rect">
-              <a:avLst/>
-            </a:prstGeom>
-            <a:noFill/>
-          </p:spPr>
-          <p:txBody>
-            <a:bodyPr wrap="none" rtlCol="0">
-              <a:spAutoFit/>
-            </a:bodyPr>
-            <a:lstStyle/>
-            <a:p>
-              <a:r>
-                <a:rPr lang="en-US" sz="2800" dirty="0">
-                  <a:solidFill>
-                    <a:schemeClr val="accent1">
-                      <a:lumMod val="50000"/>
-                    </a:schemeClr>
-                  </a:solidFill>
-                  <a:latin typeface="Helvetica" pitchFamily="2" charset="0"/>
-                </a:rPr>
-                <a:t>Part II: Theory</a:t>
               </a:r>
             </a:p>
           </p:txBody>
@@ -21378,105 +22708,12 @@
           </a:p>
         </p:txBody>
       </p:sp>
-      <p:grpSp>
-        <p:nvGrpSpPr>
-          <p:cNvPr id="15" name="Group 14">
-            <a:extLst>
-              <a:ext uri="{FF2B5EF4-FFF2-40B4-BE49-F238E27FC236}">
-                <a16:creationId xmlns:a16="http://schemas.microsoft.com/office/drawing/2014/main" id="{E3EA2FEB-1589-E0FC-D473-3E15B6E0E892}"/>
-              </a:ext>
-            </a:extLst>
-          </p:cNvPr>
-          <p:cNvGrpSpPr/>
-          <p:nvPr/>
-        </p:nvGrpSpPr>
-        <p:grpSpPr>
-          <a:xfrm>
-            <a:off x="280481" y="2303810"/>
-            <a:ext cx="2359941" cy="2503704"/>
-            <a:chOff x="658284" y="2339904"/>
-            <a:chExt cx="2359941" cy="2503704"/>
-          </a:xfrm>
-        </p:grpSpPr>
-        <p:pic>
-          <p:nvPicPr>
-            <p:cNvPr id="13" name="Picture 12">
-              <a:extLst>
-                <a:ext uri="{FF2B5EF4-FFF2-40B4-BE49-F238E27FC236}">
-                  <a16:creationId xmlns:a16="http://schemas.microsoft.com/office/drawing/2014/main" id="{FE271D2A-AADE-4AF7-6431-519D4971EED4}"/>
-                </a:ext>
-              </a:extLst>
-            </p:cNvPr>
-            <p:cNvPicPr>
-              <a:picLocks noChangeAspect="1"/>
-            </p:cNvPicPr>
-            <p:nvPr/>
-          </p:nvPicPr>
-          <p:blipFill>
-            <a:blip r:embed="rId7"/>
-            <a:stretch>
-              <a:fillRect/>
-            </a:stretch>
-          </p:blipFill>
-          <p:spPr>
-            <a:xfrm>
-              <a:off x="1118255" y="2339904"/>
-              <a:ext cx="1440000" cy="1440000"/>
-            </a:xfrm>
-            <a:prstGeom prst="rect">
-              <a:avLst/>
-            </a:prstGeom>
-          </p:spPr>
-        </p:pic>
-        <p:sp>
-          <p:nvSpPr>
-            <p:cNvPr id="14" name="TextBox 13">
-              <a:extLst>
-                <a:ext uri="{FF2B5EF4-FFF2-40B4-BE49-F238E27FC236}">
-                  <a16:creationId xmlns:a16="http://schemas.microsoft.com/office/drawing/2014/main" id="{1C551667-3A3F-AF9C-903B-B7452A15A57F}"/>
-                </a:ext>
-              </a:extLst>
-            </p:cNvPr>
-            <p:cNvSpPr txBox="1"/>
-            <p:nvPr/>
-          </p:nvSpPr>
-          <p:spPr>
-            <a:xfrm>
-              <a:off x="658284" y="4320388"/>
-              <a:ext cx="2359941" cy="523220"/>
-            </a:xfrm>
-            <a:prstGeom prst="rect">
-              <a:avLst/>
-            </a:prstGeom>
-            <a:noFill/>
-          </p:spPr>
-          <p:txBody>
-            <a:bodyPr wrap="none" rtlCol="0">
-              <a:spAutoFit/>
-            </a:bodyPr>
-            <a:lstStyle/>
-            <a:p>
-              <a:r>
-                <a:rPr lang="en-US" sz="2800" dirty="0">
-                  <a:solidFill>
-                    <a:schemeClr val="accent1">
-                      <a:lumMod val="50000"/>
-                    </a:schemeClr>
-                  </a:solidFill>
-                  <a:latin typeface="Helvetica" pitchFamily="2" charset="0"/>
-                </a:rPr>
-                <a:t>Part I: History</a:t>
-              </a:r>
-            </a:p>
-          </p:txBody>
-        </p:sp>
-      </p:grpSp>
       <p:sp>
         <p:nvSpPr>
           <p:cNvPr id="6" name="Rectangle 5">
             <a:extLst>
               <a:ext uri="{FF2B5EF4-FFF2-40B4-BE49-F238E27FC236}">
-                <a16:creationId xmlns:a16="http://schemas.microsoft.com/office/drawing/2014/main" id="{AEA7D37A-2BD9-40EF-4E31-64DD3133CD19}"/>
+                <a16:creationId xmlns:a16="http://schemas.microsoft.com/office/drawing/2014/main" id="{CF95477D-05C2-0341-2868-2BB4F4F4BC9B}"/>
               </a:ext>
             </a:extLst>
           </p:cNvPr>
@@ -21494,7 +22731,9 @@
           <a:noFill/>
           <a:ln w="57150">
             <a:solidFill>
-              <a:schemeClr val="accent2"/>
+              <a:schemeClr val="accent1">
+                <a:lumMod val="50000"/>
+              </a:schemeClr>
             </a:solidFill>
           </a:ln>
         </p:spPr>
@@ -21525,47 +22764,30 @@
       </p:sp>
       <p:sp>
         <p:nvSpPr>
-          <p:cNvPr id="16" name="Rectangle 15">
+          <p:cNvPr id="16" name="TextBox 15">
             <a:extLst>
               <a:ext uri="{FF2B5EF4-FFF2-40B4-BE49-F238E27FC236}">
-                <a16:creationId xmlns:a16="http://schemas.microsoft.com/office/drawing/2014/main" id="{40819171-3112-9678-50B6-8F564A378674}"/>
+                <a16:creationId xmlns:a16="http://schemas.microsoft.com/office/drawing/2014/main" id="{DE6D348B-374B-E533-113B-D0DE5B9FE26D}"/>
               </a:ext>
             </a:extLst>
           </p:cNvPr>
-          <p:cNvSpPr/>
+          <p:cNvSpPr txBox="1"/>
           <p:nvPr/>
         </p:nvSpPr>
         <p:spPr>
           <a:xfrm>
-            <a:off x="5966933" y="5191745"/>
-            <a:ext cx="3882189" cy="500281"/>
+            <a:off x="5891436" y="5161144"/>
+            <a:ext cx="3111415" cy="1661993"/>
           </a:xfrm>
           <a:prstGeom prst="rect">
             <a:avLst/>
           </a:prstGeom>
           <a:noFill/>
-          <a:ln>
-            <a:noFill/>
-          </a:ln>
         </p:spPr>
-        <p:style>
-          <a:lnRef idx="2">
-            <a:schemeClr val="accent1">
-              <a:shade val="50000"/>
-            </a:schemeClr>
-          </a:lnRef>
-          <a:fillRef idx="1">
-            <a:schemeClr val="accent1"/>
-          </a:fillRef>
-          <a:effectRef idx="0">
-            <a:schemeClr val="accent1"/>
-          </a:effectRef>
-          <a:fontRef idx="minor">
-            <a:schemeClr val="lt1"/>
-          </a:fontRef>
-        </p:style>
         <p:txBody>
-          <a:bodyPr rtlCol="0" anchor="t"/>
+          <a:bodyPr wrap="square" rtlCol="0">
+            <a:spAutoFit/>
+          </a:bodyPr>
           <a:lstStyle/>
           <a:p>
             <a:pPr marL="457200" indent="-457200">
@@ -21574,7 +22796,9 @@
             <a:r>
               <a:rPr lang="en-US" sz="2800" dirty="0">
                 <a:solidFill>
-                  <a:schemeClr val="accent2"/>
+                  <a:schemeClr val="accent1">
+                    <a:lumMod val="50000"/>
+                  </a:schemeClr>
                 </a:solidFill>
                 <a:latin typeface="Helvetica" pitchFamily="2" charset="0"/>
                 <a:cs typeface="Courier New" panose="02070309020205020404" pitchFamily="49" charset="0"/>
@@ -21590,7 +22814,9 @@
             <a:r>
               <a:rPr lang="en-US" sz="2800" dirty="0">
                 <a:solidFill>
-                  <a:schemeClr val="accent2"/>
+                  <a:schemeClr val="accent1">
+                    <a:lumMod val="50000"/>
+                  </a:schemeClr>
                 </a:solidFill>
                 <a:latin typeface="Helvetica" pitchFamily="2" charset="0"/>
                 <a:cs typeface="Courier New" panose="02070309020205020404" pitchFamily="49" charset="0"/>
@@ -21605,7 +22831,9 @@
             <a:r>
               <a:rPr lang="en-US" sz="2800" dirty="0">
                 <a:solidFill>
-                  <a:schemeClr val="accent2"/>
+                  <a:schemeClr val="accent1">
+                    <a:lumMod val="50000"/>
+                  </a:schemeClr>
                 </a:solidFill>
                 <a:latin typeface="Helvetica" pitchFamily="2" charset="0"/>
                 <a:cs typeface="Courier New" panose="02070309020205020404" pitchFamily="49" charset="0"/>
@@ -21613,96 +22841,21 @@
               <a:t>Analysis (R)</a:t>
             </a:r>
           </a:p>
+          <a:p>
+            <a:endParaRPr lang="en-NL" dirty="0"/>
+          </a:p>
         </p:txBody>
       </p:sp>
     </p:spTree>
     <p:extLst>
       <p:ext uri="{BB962C8B-B14F-4D97-AF65-F5344CB8AC3E}">
-        <p14:creationId xmlns:p14="http://schemas.microsoft.com/office/powerpoint/2010/main" val="668909138"/>
+        <p14:creationId xmlns:p14="http://schemas.microsoft.com/office/powerpoint/2010/main" val="2349041220"/>
       </p:ext>
     </p:extLst>
   </p:cSld>
   <p:clrMapOvr>
     <a:masterClrMapping/>
   </p:clrMapOvr>
-  <p:timing>
-    <p:tnLst>
-      <p:par>
-        <p:cTn id="1" dur="indefinite" restart="never" nodeType="tmRoot">
-          <p:childTnLst>
-            <p:seq concurrent="1" nextAc="seek">
-              <p:cTn id="2" dur="indefinite" nodeType="mainSeq">
-                <p:childTnLst>
-                  <p:par>
-                    <p:cTn id="3" fill="hold">
-                      <p:stCondLst>
-                        <p:cond delay="indefinite"/>
-                      </p:stCondLst>
-                      <p:childTnLst>
-                        <p:par>
-                          <p:cTn id="4" fill="hold">
-                            <p:stCondLst>
-                              <p:cond delay="0"/>
-                            </p:stCondLst>
-                            <p:childTnLst>
-                              <p:par>
-                                <p:cTn id="5" presetID="1" presetClass="entr" presetSubtype="0" fill="hold" grpId="0" nodeType="clickEffect">
-                                  <p:stCondLst>
-                                    <p:cond delay="0"/>
-                                  </p:stCondLst>
-                                  <p:childTnLst>
-                                    <p:set>
-                                      <p:cBhvr>
-                                        <p:cTn id="6" dur="1" fill="hold">
-                                          <p:stCondLst>
-                                            <p:cond delay="0"/>
-                                          </p:stCondLst>
-                                        </p:cTn>
-                                        <p:tgtEl>
-                                          <p:spTgt spid="16"/>
-                                        </p:tgtEl>
-                                        <p:attrNameLst>
-                                          <p:attrName>style.visibility</p:attrName>
-                                        </p:attrNameLst>
-                                      </p:cBhvr>
-                                      <p:to>
-                                        <p:strVal val="visible"/>
-                                      </p:to>
-                                    </p:set>
-                                  </p:childTnLst>
-                                </p:cTn>
-                              </p:par>
-                            </p:childTnLst>
-                          </p:cTn>
-                        </p:par>
-                      </p:childTnLst>
-                    </p:cTn>
-                  </p:par>
-                </p:childTnLst>
-              </p:cTn>
-              <p:prevCondLst>
-                <p:cond evt="onPrev" delay="0">
-                  <p:tgtEl>
-                    <p:sldTgt/>
-                  </p:tgtEl>
-                </p:cond>
-              </p:prevCondLst>
-              <p:nextCondLst>
-                <p:cond evt="onNext" delay="0">
-                  <p:tgtEl>
-                    <p:sldTgt/>
-                  </p:tgtEl>
-                </p:cond>
-              </p:nextCondLst>
-            </p:seq>
-          </p:childTnLst>
-        </p:cTn>
-      </p:par>
-    </p:tnLst>
-    <p:bldLst>
-      <p:bldP spid="16" grpId="0"/>
-    </p:bldLst>
-  </p:timing>
 </p:sld>
 </file>
 
@@ -21773,7 +22926,9 @@
             <a:r>
               <a:rPr lang="en-US" sz="4800" dirty="0">
                 <a:solidFill>
-                  <a:schemeClr val="accent2"/>
+                  <a:schemeClr val="accent1">
+                    <a:lumMod val="50000"/>
+                  </a:schemeClr>
                 </a:solidFill>
                 <a:latin typeface="Helvetica" pitchFamily="2" charset="0"/>
                 <a:cs typeface="Courier New" panose="02070309020205020404" pitchFamily="49" charset="0"/>
@@ -21807,7 +22962,9 @@
           </a:prstGeom>
           <a:ln w="57150">
             <a:solidFill>
-              <a:schemeClr val="accent2"/>
+              <a:schemeClr val="accent1">
+                <a:lumMod val="50000"/>
+              </a:schemeClr>
             </a:solidFill>
           </a:ln>
         </p:spPr>
@@ -21889,6 +23046,11 @@
             </a:pPr>
             <a:r>
               <a:rPr lang="en-US" sz="3600" dirty="0">
+                <a:solidFill>
+                  <a:schemeClr val="accent1">
+                    <a:lumMod val="50000"/>
+                  </a:schemeClr>
+                </a:solidFill>
                 <a:latin typeface="Helvetica" pitchFamily="2" charset="0"/>
               </a:rPr>
               <a:t>Is there an effect?</a:t>
@@ -22100,6 +23262,11 @@
             </a:pPr>
             <a:r>
               <a:rPr lang="en-US" sz="3600" dirty="0">
+                <a:solidFill>
+                  <a:schemeClr val="accent1">
+                    <a:lumMod val="50000"/>
+                  </a:schemeClr>
+                </a:solidFill>
                 <a:latin typeface="Helvetica" pitchFamily="2" charset="0"/>
               </a:rPr>
               <a:t>What is the effect?</a:t>
@@ -23730,7 +24897,7 @@
         </p:nvSpPr>
         <p:spPr>
           <a:xfrm>
-            <a:off x="6106770" y="1817216"/>
+            <a:off x="6106770" y="1515354"/>
             <a:ext cx="5886447" cy="4684712"/>
           </a:xfrm>
           <a:prstGeom prst="rect">
@@ -23819,11 +24986,21 @@
           <a:p>
             <a:r>
               <a:rPr lang="en-US" sz="4800" b="1" dirty="0">
+                <a:solidFill>
+                  <a:schemeClr val="accent1">
+                    <a:lumMod val="50000"/>
+                  </a:schemeClr>
+                </a:solidFill>
                 <a:latin typeface="Helvetica" pitchFamily="2" charset="0"/>
               </a:rPr>
               <a:t>Two questions in network analysis</a:t>
             </a:r>
             <a:endParaRPr lang="en-US" sz="4800" b="1" dirty="0">
+              <a:solidFill>
+                <a:schemeClr val="accent1">
+                  <a:lumMod val="50000"/>
+                </a:schemeClr>
+              </a:solidFill>
               <a:latin typeface="Helvetica" pitchFamily="2" charset="0"/>
               <a:cs typeface="Courier New" panose="02070309020205020404" pitchFamily="49" charset="0"/>
             </a:endParaRPr>
@@ -23852,10 +25029,7 @@
           </a:prstGeom>
           <a:ln w="57150">
             <a:solidFill>
-              <a:schemeClr val="accent2">
-                <a:lumMod val="60000"/>
-                <a:lumOff val="40000"/>
-              </a:schemeClr>
+              <a:srgbClr val="002060"/>
             </a:solidFill>
           </a:ln>
         </p:spPr>
@@ -23898,10 +25072,7 @@
           </a:prstGeom>
           <a:ln w="57150">
             <a:solidFill>
-              <a:schemeClr val="accent2">
-                <a:lumMod val="60000"/>
-                <a:lumOff val="40000"/>
-              </a:schemeClr>
+              <a:srgbClr val="002060"/>
             </a:solidFill>
           </a:ln>
         </p:spPr>
@@ -24080,10 +25251,7 @@
           </a:prstGeom>
           <a:ln w="57150">
             <a:solidFill>
-              <a:schemeClr val="accent2">
-                <a:lumMod val="60000"/>
-                <a:lumOff val="40000"/>
-              </a:schemeClr>
+              <a:srgbClr val="002060"/>
             </a:solidFill>
           </a:ln>
         </p:spPr>
@@ -24126,10 +25294,7 @@
           </a:prstGeom>
           <a:ln w="57150">
             <a:solidFill>
-              <a:schemeClr val="accent2">
-                <a:lumMod val="60000"/>
-                <a:lumOff val="40000"/>
-              </a:schemeClr>
+              <a:srgbClr val="002060"/>
             </a:solidFill>
           </a:ln>
         </p:spPr>
@@ -24197,6 +25362,11 @@
           <a:p>
             <a:r>
               <a:rPr lang="en-US" sz="4800" b="1" dirty="0">
+                <a:solidFill>
+                  <a:schemeClr val="accent1">
+                    <a:lumMod val="50000"/>
+                  </a:schemeClr>
+                </a:solidFill>
                 <a:latin typeface="Helvetica" pitchFamily="2" charset="0"/>
                 <a:cs typeface="Courier New" panose="02070309020205020404" pitchFamily="49" charset="0"/>
               </a:rPr>
@@ -24253,7 +25423,9 @@
             <a:r>
               <a:rPr lang="en-US" sz="2800" dirty="0">
                 <a:solidFill>
-                  <a:schemeClr val="tx1"/>
+                  <a:schemeClr val="accent1">
+                    <a:lumMod val="50000"/>
+                  </a:schemeClr>
                 </a:solidFill>
                 <a:latin typeface="Helvetica" pitchFamily="2" charset="0"/>
                 <a:cs typeface="Times New Roman" panose="02020603050405020304" pitchFamily="18" charset="0"/>
@@ -24261,9 +25433,11 @@
               <a:t>We use the Bayes factor as a </a:t>
             </a:r>
             <a:r>
-              <a:rPr lang="en-US" sz="2800" b="1" dirty="0">
+              <a:rPr lang="en-US" sz="2800" b="1" u="sng" dirty="0">
                 <a:solidFill>
-                  <a:schemeClr val="accent2"/>
+                  <a:schemeClr val="accent1">
+                    <a:lumMod val="50000"/>
+                  </a:schemeClr>
                 </a:solidFill>
                 <a:latin typeface="Helvetica" pitchFamily="2" charset="0"/>
                 <a:cs typeface="Times New Roman" panose="02020603050405020304" pitchFamily="18" charset="0"/>
@@ -24273,7 +25447,9 @@
             <a:r>
               <a:rPr lang="en-US" sz="2800" dirty="0">
                 <a:solidFill>
-                  <a:schemeClr val="tx1"/>
+                  <a:schemeClr val="accent1">
+                    <a:lumMod val="50000"/>
+                  </a:schemeClr>
                 </a:solidFill>
                 <a:latin typeface="Helvetica" pitchFamily="2" charset="0"/>
                 <a:cs typeface="Times New Roman" panose="02020603050405020304" pitchFamily="18" charset="0"/>
@@ -24662,7 +25838,9 @@
             <a:r>
               <a:rPr lang="en-US" sz="2200" dirty="0">
                 <a:solidFill>
-                  <a:schemeClr val="tx1"/>
+                  <a:schemeClr val="accent1">
+                    <a:lumMod val="50000"/>
+                  </a:schemeClr>
                 </a:solidFill>
                 <a:latin typeface="Helvetica" pitchFamily="2" charset="0"/>
                 <a:cs typeface="Courier New" panose="02070309020205020404" pitchFamily="49" charset="0"/>
@@ -24720,7 +25898,9 @@
             <a:r>
               <a:rPr lang="en-US" sz="2200" dirty="0">
                 <a:solidFill>
-                  <a:schemeClr val="tx1"/>
+                  <a:schemeClr val="accent1">
+                    <a:lumMod val="50000"/>
+                  </a:schemeClr>
                 </a:solidFill>
                 <a:latin typeface="Helvetica" pitchFamily="2" charset="0"/>
                 <a:cs typeface="Courier New" panose="02070309020205020404" pitchFamily="49" charset="0"/>
@@ -24778,7 +25958,9 @@
             <a:r>
               <a:rPr lang="en-US" sz="2200" dirty="0">
                 <a:solidFill>
-                  <a:schemeClr val="tx1"/>
+                  <a:schemeClr val="accent1">
+                    <a:lumMod val="50000"/>
+                  </a:schemeClr>
                 </a:solidFill>
                 <a:latin typeface="Helvetica" pitchFamily="2" charset="0"/>
                 <a:cs typeface="Courier New" panose="02070309020205020404" pitchFamily="49" charset="0"/>
@@ -24837,6 +26019,11 @@
           <a:p>
             <a:r>
               <a:rPr lang="en-US" sz="4800" b="1" dirty="0">
+                <a:solidFill>
+                  <a:schemeClr val="accent1">
+                    <a:lumMod val="50000"/>
+                  </a:schemeClr>
+                </a:solidFill>
                 <a:latin typeface="Helvetica" pitchFamily="2" charset="0"/>
                 <a:cs typeface="Courier New" panose="02070309020205020404" pitchFamily="49" charset="0"/>
               </a:rPr>
@@ -24867,10 +26054,7 @@
           </a:prstGeom>
           <a:ln w="57150">
             <a:solidFill>
-              <a:schemeClr val="accent2">
-                <a:lumMod val="60000"/>
-                <a:lumOff val="40000"/>
-              </a:schemeClr>
+              <a:srgbClr val="002060"/>
             </a:solidFill>
           </a:ln>
         </p:spPr>
@@ -24913,10 +26097,7 @@
           </a:prstGeom>
           <a:ln w="57150">
             <a:solidFill>
-              <a:schemeClr val="accent2">
-                <a:lumMod val="60000"/>
-                <a:lumOff val="40000"/>
-              </a:schemeClr>
+              <a:srgbClr val="002060"/>
             </a:solidFill>
           </a:ln>
         </p:spPr>
@@ -24983,7 +26164,9 @@
             <a:r>
               <a:rPr lang="en-US" sz="2200" b="1" dirty="0">
                 <a:solidFill>
-                  <a:schemeClr val="accent2"/>
+                  <a:schemeClr val="accent1">
+                    <a:lumMod val="50000"/>
+                  </a:schemeClr>
                 </a:solidFill>
                 <a:latin typeface="Helvetica" pitchFamily="2" charset="0"/>
                 <a:cs typeface="Courier New" panose="02070309020205020404" pitchFamily="49" charset="0"/>
@@ -24995,7 +26178,9 @@
             <a:r>
               <a:rPr lang="en-US" sz="2200" dirty="0">
                 <a:solidFill>
-                  <a:schemeClr val="tx1"/>
+                  <a:schemeClr val="accent1">
+                    <a:lumMod val="50000"/>
+                  </a:schemeClr>
                 </a:solidFill>
                 <a:latin typeface="Helvetica" pitchFamily="2" charset="0"/>
                 <a:cs typeface="Courier New" panose="02070309020205020404" pitchFamily="49" charset="0"/>
@@ -25006,7 +26191,9 @@
           <a:p>
             <a:endParaRPr lang="en-US" sz="2200" dirty="0">
               <a:solidFill>
-                <a:schemeClr val="tx1"/>
+                <a:schemeClr val="accent1">
+                  <a:lumMod val="50000"/>
+                </a:schemeClr>
               </a:solidFill>
               <a:latin typeface="Helvetica" pitchFamily="2" charset="0"/>
               <a:cs typeface="Courier New" panose="02070309020205020404" pitchFamily="49" charset="0"/>
@@ -25016,7 +26203,9 @@
             <a:r>
               <a:rPr lang="en-US" sz="2200" b="1" dirty="0">
                 <a:solidFill>
-                  <a:schemeClr val="accent2"/>
+                  <a:schemeClr val="accent1">
+                    <a:lumMod val="50000"/>
+                  </a:schemeClr>
                 </a:solidFill>
                 <a:latin typeface="Helvetica" pitchFamily="2" charset="0"/>
                 <a:cs typeface="Courier New" panose="02070309020205020404" pitchFamily="49" charset="0"/>
@@ -25162,7 +26351,9 @@
             <a:r>
               <a:rPr lang="en-US" sz="2800" dirty="0">
                 <a:solidFill>
-                  <a:schemeClr val="tx1"/>
+                  <a:schemeClr val="accent1">
+                    <a:lumMod val="50000"/>
+                  </a:schemeClr>
                 </a:solidFill>
                 <a:latin typeface="Helvetica" pitchFamily="2" charset="0"/>
                 <a:cs typeface="Courier New" panose="02070309020205020404" pitchFamily="49" charset="0"/>
@@ -25172,7 +26363,9 @@
             <a:r>
               <a:rPr lang="en-US" sz="2800" b="1" dirty="0">
                 <a:solidFill>
-                  <a:schemeClr val="accent2"/>
+                  <a:schemeClr val="accent1">
+                    <a:lumMod val="50000"/>
+                  </a:schemeClr>
                 </a:solidFill>
                 <a:latin typeface="Helvetica" pitchFamily="2" charset="0"/>
                 <a:cs typeface="Courier New" panose="02070309020205020404" pitchFamily="49" charset="0"/>
@@ -25182,7 +26375,9 @@
             <a:r>
               <a:rPr lang="en-US" sz="2800" dirty="0">
                 <a:solidFill>
-                  <a:schemeClr val="tx1"/>
+                  <a:schemeClr val="accent1">
+                    <a:lumMod val="50000"/>
+                  </a:schemeClr>
                 </a:solidFill>
                 <a:latin typeface="Helvetica" pitchFamily="2" charset="0"/>
                 <a:cs typeface="Courier New" panose="02070309020205020404" pitchFamily="49" charset="0"/>
@@ -25192,7 +26387,9 @@
             <a:r>
               <a:rPr lang="en-US" sz="2800" b="1" dirty="0">
                 <a:solidFill>
-                  <a:schemeClr val="accent2"/>
+                  <a:schemeClr val="accent1">
+                    <a:lumMod val="50000"/>
+                  </a:schemeClr>
                 </a:solidFill>
                 <a:latin typeface="Helvetica" pitchFamily="2" charset="0"/>
                 <a:cs typeface="Courier New" panose="02070309020205020404" pitchFamily="49" charset="0"/>
@@ -25202,7 +26399,9 @@
             <a:r>
               <a:rPr lang="en-US" sz="2800" i="1" dirty="0">
                 <a:solidFill>
-                  <a:schemeClr val="tx1"/>
+                  <a:schemeClr val="accent1">
+                    <a:lumMod val="50000"/>
+                  </a:schemeClr>
                 </a:solidFill>
                 <a:latin typeface="Helvetica" pitchFamily="2" charset="0"/>
                 <a:cs typeface="Courier New" panose="02070309020205020404" pitchFamily="49" charset="0"/>
@@ -25211,7 +26410,9 @@
             </a:r>
             <a:endParaRPr lang="en-US" sz="2800" dirty="0">
               <a:solidFill>
-                <a:schemeClr val="tx1"/>
+                <a:schemeClr val="accent1">
+                  <a:lumMod val="50000"/>
+                </a:schemeClr>
               </a:solidFill>
               <a:latin typeface="Helvetica" pitchFamily="2" charset="0"/>
               <a:cs typeface="Courier New" panose="02070309020205020404" pitchFamily="49" charset="0"/>
@@ -25267,7 +26468,9 @@
             <a:r>
               <a:rPr lang="en-US" sz="2800" dirty="0">
                 <a:solidFill>
-                  <a:schemeClr val="tx1"/>
+                  <a:schemeClr val="accent1">
+                    <a:lumMod val="50000"/>
+                  </a:schemeClr>
                 </a:solidFill>
                 <a:latin typeface="Helvetica" pitchFamily="2" charset="0"/>
                 <a:cs typeface="Courier New" panose="02070309020205020404" pitchFamily="49" charset="0"/>
@@ -25277,7 +26480,9 @@
             <a:r>
               <a:rPr lang="en-US" sz="2800" b="1" dirty="0">
                 <a:solidFill>
-                  <a:schemeClr val="accent2"/>
+                  <a:schemeClr val="accent1">
+                    <a:lumMod val="50000"/>
+                  </a:schemeClr>
                 </a:solidFill>
                 <a:latin typeface="Helvetica" pitchFamily="2" charset="0"/>
                 <a:cs typeface="Courier New" panose="02070309020205020404" pitchFamily="49" charset="0"/>
@@ -25287,7 +26492,9 @@
             <a:r>
               <a:rPr lang="en-US" sz="2800" dirty="0">
                 <a:solidFill>
-                  <a:schemeClr val="tx1"/>
+                  <a:schemeClr val="accent1">
+                    <a:lumMod val="50000"/>
+                  </a:schemeClr>
                 </a:solidFill>
                 <a:latin typeface="Helvetica" pitchFamily="2" charset="0"/>
                 <a:cs typeface="Courier New" panose="02070309020205020404" pitchFamily="49" charset="0"/>
@@ -25297,7 +26504,9 @@
             <a:r>
               <a:rPr lang="en-US" sz="2800" b="1" dirty="0">
                 <a:solidFill>
-                  <a:schemeClr val="accent2"/>
+                  <a:schemeClr val="accent1">
+                    <a:lumMod val="50000"/>
+                  </a:schemeClr>
                 </a:solidFill>
                 <a:latin typeface="Helvetica" pitchFamily="2" charset="0"/>
                 <a:cs typeface="Courier New" panose="02070309020205020404" pitchFamily="49" charset="0"/>
@@ -25307,7 +26516,9 @@
             <a:r>
               <a:rPr lang="en-US" sz="2800" i="1" dirty="0">
                 <a:solidFill>
-                  <a:schemeClr val="tx1"/>
+                  <a:schemeClr val="accent1">
+                    <a:lumMod val="50000"/>
+                  </a:schemeClr>
                 </a:solidFill>
                 <a:latin typeface="Helvetica" pitchFamily="2" charset="0"/>
                 <a:cs typeface="Courier New" panose="02070309020205020404" pitchFamily="49" charset="0"/>
@@ -25316,7 +26527,9 @@
             </a:r>
             <a:endParaRPr lang="en-US" sz="2800" b="1" dirty="0">
               <a:solidFill>
-                <a:schemeClr val="accent2"/>
+                <a:schemeClr val="accent1">
+                  <a:lumMod val="50000"/>
+                </a:schemeClr>
               </a:solidFill>
               <a:latin typeface="Helvetica" pitchFamily="2" charset="0"/>
               <a:cs typeface="Courier New" panose="02070309020205020404" pitchFamily="49" charset="0"/>
@@ -25373,6 +26586,11 @@
           <a:p>
             <a:r>
               <a:rPr lang="en-US" sz="4800" b="1" dirty="0">
+                <a:solidFill>
+                  <a:schemeClr val="accent1">
+                    <a:lumMod val="50000"/>
+                  </a:schemeClr>
+                </a:solidFill>
                 <a:latin typeface="Helvetica" pitchFamily="2" charset="0"/>
                 <a:cs typeface="Courier New" panose="02070309020205020404" pitchFamily="49" charset="0"/>
               </a:rPr>
@@ -25403,10 +26621,7 @@
           </a:prstGeom>
           <a:ln w="57150">
             <a:solidFill>
-              <a:schemeClr val="accent2">
-                <a:lumMod val="60000"/>
-                <a:lumOff val="40000"/>
-              </a:schemeClr>
+              <a:srgbClr val="002060"/>
             </a:solidFill>
           </a:ln>
         </p:spPr>
@@ -25449,10 +26664,7 @@
           </a:prstGeom>
           <a:ln w="57150">
             <a:solidFill>
-              <a:schemeClr val="accent2">
-                <a:lumMod val="60000"/>
-                <a:lumOff val="40000"/>
-              </a:schemeClr>
+              <a:srgbClr val="002060"/>
             </a:solidFill>
           </a:ln>
         </p:spPr>
@@ -25534,6 +26746,11 @@
             </a:pPr>
             <a:r>
               <a:rPr lang="en-US" sz="3600" dirty="0">
+                <a:solidFill>
+                  <a:schemeClr val="accent1">
+                    <a:lumMod val="50000"/>
+                  </a:schemeClr>
+                </a:solidFill>
                 <a:latin typeface="Helvetica" pitchFamily="2" charset="0"/>
               </a:rPr>
               <a:t>Is there an effect?</a:t>
@@ -25543,7 +26760,13 @@
             <a:pPr marL="0" indent="0">
               <a:buNone/>
             </a:pPr>
-            <a:endParaRPr lang="en-US" sz="3600" dirty="0"/>
+            <a:endParaRPr lang="en-US" sz="3600" dirty="0">
+              <a:solidFill>
+                <a:schemeClr val="accent1">
+                  <a:lumMod val="50000"/>
+                </a:schemeClr>
+              </a:solidFill>
+            </a:endParaRPr>
           </a:p>
         </p:txBody>
       </p:sp>
@@ -25745,6 +26968,11 @@
             </a:pPr>
             <a:r>
               <a:rPr lang="en-US" sz="3600" dirty="0">
+                <a:solidFill>
+                  <a:schemeClr val="accent1">
+                    <a:lumMod val="50000"/>
+                  </a:schemeClr>
+                </a:solidFill>
                 <a:latin typeface="Helvetica" pitchFamily="2" charset="0"/>
               </a:rPr>
               <a:t>What is the effect?</a:t>
@@ -25755,7 +26983,13 @@
               <a:buFont typeface="Arial" panose="020B0604020202020204" pitchFamily="34" charset="0"/>
               <a:buNone/>
             </a:pPr>
-            <a:endParaRPr lang="en-US" sz="3600" dirty="0"/>
+            <a:endParaRPr lang="en-US" sz="3600" dirty="0">
+              <a:solidFill>
+                <a:schemeClr val="accent1">
+                  <a:lumMod val="50000"/>
+                </a:schemeClr>
+              </a:solidFill>
+            </a:endParaRPr>
           </a:p>
         </p:txBody>
       </p:sp>
@@ -25961,7 +27195,9 @@
               <a:r>
                 <a:rPr lang="en-US" dirty="0">
                   <a:solidFill>
-                    <a:sysClr val="windowText" lastClr="000000"/>
+                    <a:schemeClr val="accent1">
+                      <a:lumMod val="50000"/>
+                    </a:schemeClr>
                   </a:solidFill>
                 </a:rPr>
                 <a:t>1</a:t>
@@ -26020,7 +27256,9 @@
               <a:r>
                 <a:rPr lang="en-US" dirty="0">
                   <a:solidFill>
-                    <a:sysClr val="windowText" lastClr="000000"/>
+                    <a:schemeClr val="accent1">
+                      <a:lumMod val="50000"/>
+                    </a:schemeClr>
                   </a:solidFill>
                 </a:rPr>
                 <a:t>2</a:t>
@@ -26079,7 +27317,9 @@
               <a:r>
                 <a:rPr lang="en-US" dirty="0">
                   <a:solidFill>
-                    <a:sysClr val="windowText" lastClr="000000"/>
+                    <a:schemeClr val="accent1">
+                      <a:lumMod val="50000"/>
+                    </a:schemeClr>
                   </a:solidFill>
                 </a:rPr>
                 <a:t>3</a:t>
@@ -26290,7 +27530,9 @@
               <a:r>
                 <a:rPr lang="en-US" dirty="0">
                   <a:solidFill>
-                    <a:sysClr val="windowText" lastClr="000000"/>
+                    <a:schemeClr val="accent1">
+                      <a:lumMod val="50000"/>
+                    </a:schemeClr>
                   </a:solidFill>
                 </a:rPr>
                 <a:t>1</a:t>
@@ -26349,7 +27591,9 @@
               <a:r>
                 <a:rPr lang="en-US" dirty="0">
                   <a:solidFill>
-                    <a:sysClr val="windowText" lastClr="000000"/>
+                    <a:schemeClr val="accent1">
+                      <a:lumMod val="50000"/>
+                    </a:schemeClr>
                   </a:solidFill>
                 </a:rPr>
                 <a:t>2</a:t>
@@ -26408,7 +27652,9 @@
               <a:r>
                 <a:rPr lang="en-US" dirty="0">
                   <a:solidFill>
-                    <a:sysClr val="windowText" lastClr="000000"/>
+                    <a:schemeClr val="accent1">
+                      <a:lumMod val="50000"/>
+                    </a:schemeClr>
                   </a:solidFill>
                 </a:rPr>
                 <a:t>3</a:t>
@@ -26619,7 +27865,9 @@
               <a:r>
                 <a:rPr lang="en-US" dirty="0">
                   <a:solidFill>
-                    <a:sysClr val="windowText" lastClr="000000"/>
+                    <a:schemeClr val="accent1">
+                      <a:lumMod val="50000"/>
+                    </a:schemeClr>
                   </a:solidFill>
                 </a:rPr>
                 <a:t>1</a:t>
@@ -26678,7 +27926,9 @@
               <a:r>
                 <a:rPr lang="en-US" dirty="0">
                   <a:solidFill>
-                    <a:sysClr val="windowText" lastClr="000000"/>
+                    <a:schemeClr val="accent1">
+                      <a:lumMod val="50000"/>
+                    </a:schemeClr>
                   </a:solidFill>
                 </a:rPr>
                 <a:t>2</a:t>
@@ -26737,7 +27987,9 @@
               <a:r>
                 <a:rPr lang="en-US" dirty="0">
                   <a:solidFill>
-                    <a:sysClr val="windowText" lastClr="000000"/>
+                    <a:schemeClr val="accent1">
+                      <a:lumMod val="50000"/>
+                    </a:schemeClr>
                   </a:solidFill>
                 </a:rPr>
                 <a:t>3</a:t>
@@ -26905,7 +28157,9 @@
               <a:r>
                 <a:rPr lang="en-US" dirty="0">
                   <a:solidFill>
-                    <a:sysClr val="windowText" lastClr="000000"/>
+                    <a:schemeClr val="accent1">
+                      <a:lumMod val="50000"/>
+                    </a:schemeClr>
                   </a:solidFill>
                 </a:rPr>
                 <a:t>1</a:t>
@@ -26964,7 +28218,9 @@
               <a:r>
                 <a:rPr lang="en-US" dirty="0">
                   <a:solidFill>
-                    <a:sysClr val="windowText" lastClr="000000"/>
+                    <a:schemeClr val="accent1">
+                      <a:lumMod val="50000"/>
+                    </a:schemeClr>
                   </a:solidFill>
                 </a:rPr>
                 <a:t>2</a:t>
@@ -27023,7 +28279,9 @@
               <a:r>
                 <a:rPr lang="en-US" dirty="0">
                   <a:solidFill>
-                    <a:sysClr val="windowText" lastClr="000000"/>
+                    <a:schemeClr val="accent1">
+                      <a:lumMod val="50000"/>
+                    </a:schemeClr>
                   </a:solidFill>
                 </a:rPr>
                 <a:t>3</a:t>
@@ -27234,7 +28492,9 @@
               <a:r>
                 <a:rPr lang="en-US" dirty="0">
                   <a:solidFill>
-                    <a:sysClr val="windowText" lastClr="000000"/>
+                    <a:schemeClr val="accent1">
+                      <a:lumMod val="50000"/>
+                    </a:schemeClr>
                   </a:solidFill>
                 </a:rPr>
                 <a:t>1</a:t>
@@ -27293,7 +28553,9 @@
               <a:r>
                 <a:rPr lang="en-US" dirty="0">
                   <a:solidFill>
-                    <a:sysClr val="windowText" lastClr="000000"/>
+                    <a:schemeClr val="accent1">
+                      <a:lumMod val="50000"/>
+                    </a:schemeClr>
                   </a:solidFill>
                 </a:rPr>
                 <a:t>2</a:t>
@@ -27352,7 +28614,9 @@
               <a:r>
                 <a:rPr lang="en-US" dirty="0">
                   <a:solidFill>
-                    <a:sysClr val="windowText" lastClr="000000"/>
+                    <a:schemeClr val="accent1">
+                      <a:lumMod val="50000"/>
+                    </a:schemeClr>
                   </a:solidFill>
                 </a:rPr>
                 <a:t>3</a:t>
@@ -27411,7 +28675,13 @@
           <a:lstStyle/>
           <a:p>
             <a:pPr algn="ctr"/>
-            <a:endParaRPr lang="en-US" dirty="0"/>
+            <a:endParaRPr lang="en-US" dirty="0">
+              <a:solidFill>
+                <a:schemeClr val="accent1">
+                  <a:lumMod val="50000"/>
+                </a:schemeClr>
+              </a:solidFill>
+            </a:endParaRPr>
           </a:p>
         </p:txBody>
       </p:sp>
@@ -27464,11 +28734,21 @@
           <a:p>
             <a:r>
               <a:rPr lang="en-US" sz="4800" b="1" dirty="0">
+                <a:solidFill>
+                  <a:schemeClr val="accent1">
+                    <a:lumMod val="50000"/>
+                  </a:schemeClr>
+                </a:solidFill>
                 <a:latin typeface="Helvetica" pitchFamily="2" charset="0"/>
               </a:rPr>
               <a:t>Two questions in network analysis</a:t>
             </a:r>
             <a:endParaRPr lang="en-US" sz="4800" b="1" dirty="0">
+              <a:solidFill>
+                <a:schemeClr val="accent1">
+                  <a:lumMod val="50000"/>
+                </a:schemeClr>
+              </a:solidFill>
               <a:latin typeface="Helvetica" pitchFamily="2" charset="0"/>
               <a:cs typeface="Courier New" panose="02070309020205020404" pitchFamily="49" charset="0"/>
             </a:endParaRPr>
@@ -27497,10 +28777,7 @@
           </a:prstGeom>
           <a:ln w="57150">
             <a:solidFill>
-              <a:schemeClr val="accent2">
-                <a:lumMod val="60000"/>
-                <a:lumOff val="40000"/>
-              </a:schemeClr>
+              <a:srgbClr val="002060"/>
             </a:solidFill>
           </a:ln>
         </p:spPr>
@@ -27543,10 +28820,7 @@
           </a:prstGeom>
           <a:ln w="57150">
             <a:solidFill>
-              <a:schemeClr val="accent2">
-                <a:lumMod val="60000"/>
-                <a:lumOff val="40000"/>
-              </a:schemeClr>
+              <a:srgbClr val="002060"/>
             </a:solidFill>
           </a:ln>
         </p:spPr>
